--- a/bin/survival lecture 7.pptx
+++ b/bin/survival lecture 7.pptx
@@ -5,55 +5,28 @@
     <p:sldMasterId id="2147483664" r:id="rId1"/>
   </p:sldMasterIdLst>
   <p:notesMasterIdLst>
-    <p:notesMasterId r:id="rId45"/>
+    <p:notesMasterId r:id="rId18"/>
   </p:notesMasterIdLst>
   <p:handoutMasterIdLst>
-    <p:handoutMasterId r:id="rId46"/>
+    <p:handoutMasterId r:id="rId19"/>
   </p:handoutMasterIdLst>
   <p:sldIdLst>
     <p:sldId id="256" r:id="rId2"/>
     <p:sldId id="258" r:id="rId3"/>
     <p:sldId id="389" r:id="rId4"/>
     <p:sldId id="385" r:id="rId5"/>
-    <p:sldId id="386" r:id="rId6"/>
-    <p:sldId id="387" r:id="rId7"/>
-    <p:sldId id="388" r:id="rId8"/>
-    <p:sldId id="410" r:id="rId9"/>
-    <p:sldId id="405" r:id="rId10"/>
-    <p:sldId id="406" r:id="rId11"/>
-    <p:sldId id="407" r:id="rId12"/>
-    <p:sldId id="390" r:id="rId13"/>
-    <p:sldId id="391" r:id="rId14"/>
-    <p:sldId id="408" r:id="rId15"/>
-    <p:sldId id="409" r:id="rId16"/>
-    <p:sldId id="393" r:id="rId17"/>
-    <p:sldId id="394" r:id="rId18"/>
-    <p:sldId id="395" r:id="rId19"/>
-    <p:sldId id="396" r:id="rId20"/>
-    <p:sldId id="397" r:id="rId21"/>
-    <p:sldId id="398" r:id="rId22"/>
-    <p:sldId id="399" r:id="rId23"/>
-    <p:sldId id="400" r:id="rId24"/>
-    <p:sldId id="401" r:id="rId25"/>
-    <p:sldId id="402" r:id="rId26"/>
-    <p:sldId id="403" r:id="rId27"/>
-    <p:sldId id="404" r:id="rId28"/>
-    <p:sldId id="411" r:id="rId29"/>
-    <p:sldId id="412" r:id="rId30"/>
-    <p:sldId id="423" r:id="rId31"/>
-    <p:sldId id="424" r:id="rId32"/>
-    <p:sldId id="413" r:id="rId33"/>
-    <p:sldId id="414" r:id="rId34"/>
-    <p:sldId id="415" r:id="rId35"/>
-    <p:sldId id="416" r:id="rId36"/>
-    <p:sldId id="417" r:id="rId37"/>
-    <p:sldId id="418" r:id="rId38"/>
-    <p:sldId id="419" r:id="rId39"/>
-    <p:sldId id="420" r:id="rId40"/>
-    <p:sldId id="421" r:id="rId41"/>
-    <p:sldId id="422" r:id="rId42"/>
-    <p:sldId id="425" r:id="rId43"/>
-    <p:sldId id="342" r:id="rId44"/>
+    <p:sldId id="430" r:id="rId6"/>
+    <p:sldId id="426" r:id="rId7"/>
+    <p:sldId id="427" r:id="rId8"/>
+    <p:sldId id="428" r:id="rId9"/>
+    <p:sldId id="429" r:id="rId10"/>
+    <p:sldId id="432" r:id="rId11"/>
+    <p:sldId id="434" r:id="rId12"/>
+    <p:sldId id="435" r:id="rId13"/>
+    <p:sldId id="436" r:id="rId14"/>
+    <p:sldId id="437" r:id="rId15"/>
+    <p:sldId id="433" r:id="rId16"/>
+    <p:sldId id="342" r:id="rId17"/>
   </p:sldIdLst>
   <p:sldSz cx="9144000" cy="6858000" type="screen4x3"/>
   <p:notesSz cx="9601200" cy="7315200"/>
@@ -4069,8 +4042,100 @@
           <a:p>
             <a:r>
               <a:rPr lang="en-US" dirty="0"/>
-              <a:t>Example: heroin data set.</a:t>
-            </a:r>
+              <a:t>Frailty models</a:t>
+            </a:r>
+          </a:p>
+        </p:txBody>
+      </p:sp>
+      <p:sp>
+        <p:nvSpPr>
+          <p:cNvPr id="3" name="Text Placeholder 2"/>
+          <p:cNvSpPr>
+            <a:spLocks noGrp="1"/>
+          </p:cNvSpPr>
+          <p:nvPr>
+            <p:ph type="body" idx="1"/>
+          </p:nvPr>
+        </p:nvSpPr>
+        <p:spPr/>
+        <p:txBody>
+          <a:bodyPr/>
+          <a:lstStyle/>
+          <a:p>
+            <a:r>
+              <a:rPr lang="en-US" sz="1800" dirty="0"/>
+              <a:t>Frailty models account for correlation within a group.</a:t>
+            </a:r>
+          </a:p>
+          <a:p>
+            <a:pPr marL="285750" indent="-285750">
+              <a:buFont typeface="Arial" panose="020B0604020202020204" pitchFamily="34" charset="0"/>
+              <a:buChar char="•"/>
+            </a:pPr>
+            <a:r>
+              <a:rPr lang="en-US" sz="1800" dirty="0"/>
+              <a:t>Multiple events for the same person.</a:t>
+            </a:r>
+          </a:p>
+          <a:p>
+            <a:pPr marL="285750" indent="-285750">
+              <a:buFont typeface="Arial" panose="020B0604020202020204" pitchFamily="34" charset="0"/>
+              <a:buChar char="•"/>
+            </a:pPr>
+            <a:r>
+              <a:rPr lang="en-US" sz="1800" dirty="0"/>
+              <a:t>Multiple sites on the same person.</a:t>
+            </a:r>
+          </a:p>
+          <a:p>
+            <a:pPr marL="285750" indent="-285750">
+              <a:buFont typeface="Arial" panose="020B0604020202020204" pitchFamily="34" charset="0"/>
+              <a:buChar char="•"/>
+            </a:pPr>
+            <a:r>
+              <a:rPr lang="en-US" sz="1800" dirty="0"/>
+              <a:t>Multiple people in the same family</a:t>
+            </a:r>
+          </a:p>
+          <a:p>
+            <a:pPr marL="285750" indent="-285750">
+              <a:buFont typeface="Arial" panose="020B0604020202020204" pitchFamily="34" charset="0"/>
+              <a:buChar char="•"/>
+            </a:pPr>
+            <a:r>
+              <a:rPr lang="en-US" sz="1800" dirty="0"/>
+              <a:t>Multiple animals in the same litter.</a:t>
+            </a:r>
+          </a:p>
+          <a:p>
+            <a:pPr marL="285750" indent="-285750">
+              <a:buFont typeface="Arial" panose="020B0604020202020204" pitchFamily="34" charset="0"/>
+              <a:buChar char="•"/>
+            </a:pPr>
+            <a:r>
+              <a:rPr lang="en-US" sz="1800" dirty="0"/>
+              <a:t>Multiple visitors in the same hospital</a:t>
+            </a:r>
+          </a:p>
+          <a:p>
+            <a:pPr marL="285750" indent="-285750">
+              <a:buFont typeface="Arial" panose="020B0604020202020204" pitchFamily="34" charset="0"/>
+              <a:buChar char="•"/>
+            </a:pPr>
+            <a:r>
+              <a:rPr lang="en-US" sz="1800" dirty="0"/>
+              <a:t>Multiple students in the same classroom/school.</a:t>
+            </a:r>
+          </a:p>
+          <a:p>
+            <a:pPr marL="285750" indent="-285750">
+              <a:buFont typeface="Arial" panose="020B0604020202020204" pitchFamily="34" charset="0"/>
+              <a:buChar char="•"/>
+            </a:pPr>
+            <a:endParaRPr lang="en-US" sz="1800" b="1" dirty="0">
+              <a:latin typeface="Courier New" panose="02070309020205020404" pitchFamily="49" charset="0"/>
+              <a:cs typeface="Courier New" panose="02070309020205020404" pitchFamily="49" charset="0"/>
+            </a:endParaRPr>
           </a:p>
         </p:txBody>
       </p:sp>
@@ -4134,12 +4199,430 @@
           </a:p>
         </p:txBody>
       </p:sp>
+      <p:sp>
+        <p:nvSpPr>
+          <p:cNvPr id="6" name="Text Placeholder 5"/>
+          <p:cNvSpPr>
+            <a:spLocks noGrp="1"/>
+          </p:cNvSpPr>
+          <p:nvPr>
+            <p:ph type="body" sz="quarter" idx="12"/>
+          </p:nvPr>
+        </p:nvSpPr>
+        <p:spPr/>
+        <p:txBody>
+          <a:bodyPr/>
+          <a:lstStyle/>
+          <a:p>
+            <a:r>
+              <a:rPr lang="en-US" dirty="0"/>
+              <a:t>Settings</a:t>
+            </a:r>
+          </a:p>
+        </p:txBody>
+      </p:sp>
+    </p:spTree>
+    <p:extLst>
+      <p:ext uri="{BB962C8B-B14F-4D97-AF65-F5344CB8AC3E}">
+        <p14:creationId xmlns:p14="http://schemas.microsoft.com/office/powerpoint/2010/main" val="1934846528"/>
+      </p:ext>
+    </p:extLst>
+  </p:cSld>
+  <p:clrMapOvr>
+    <a:masterClrMapping/>
+  </p:clrMapOvr>
+</p:sld>
+</file>
+
+<file path=ppt/slides/slide11.xml><?xml version="1.0" encoding="utf-8"?>
+<p:sld xmlns:a="http://schemas.openxmlformats.org/drawingml/2006/main" xmlns:r="http://schemas.openxmlformats.org/officeDocument/2006/relationships" xmlns:p="http://schemas.openxmlformats.org/presentationml/2006/main">
+  <p:cSld>
+    <p:spTree>
+      <p:nvGrpSpPr>
+        <p:cNvPr id="1" name=""/>
+        <p:cNvGrpSpPr/>
+        <p:nvPr/>
+      </p:nvGrpSpPr>
+      <p:grpSpPr>
+        <a:xfrm>
+          <a:off x="0" y="0"/>
+          <a:ext cx="0" cy="0"/>
+          <a:chOff x="0" y="0"/>
+          <a:chExt cx="0" cy="0"/>
+        </a:xfrm>
+      </p:grpSpPr>
+      <p:sp>
+        <p:nvSpPr>
+          <p:cNvPr id="2" name="Title 1"/>
+          <p:cNvSpPr>
+            <a:spLocks noGrp="1"/>
+          </p:cNvSpPr>
+          <p:nvPr>
+            <p:ph type="title"/>
+          </p:nvPr>
+        </p:nvSpPr>
+        <p:spPr/>
+        <p:txBody>
+          <a:bodyPr/>
+          <a:lstStyle/>
+          <a:p>
+            <a:r>
+              <a:rPr lang="en-US" dirty="0"/>
+              <a:t>Cluster models</a:t>
+            </a:r>
+          </a:p>
+        </p:txBody>
+      </p:sp>
+      <p:sp>
+        <p:nvSpPr>
+          <p:cNvPr id="4" name="Footer Placeholder 3"/>
+          <p:cNvSpPr>
+            <a:spLocks noGrp="1"/>
+          </p:cNvSpPr>
+          <p:nvPr>
+            <p:ph type="ftr" sz="quarter" idx="10"/>
+          </p:nvPr>
+        </p:nvSpPr>
+        <p:spPr/>
+        <p:txBody>
+          <a:bodyPr/>
+          <a:lstStyle/>
+          <a:p>
+            <a:pPr>
+              <a:defRPr/>
+            </a:pPr>
+            <a:r>
+              <a:rPr lang="en-US" altLang="en-US" dirty="0"/>
+              <a:t>©2018 Steve Simon    http://TheAnalysisFactor.com</a:t>
+            </a:r>
+          </a:p>
+        </p:txBody>
+      </p:sp>
+      <p:sp>
+        <p:nvSpPr>
+          <p:cNvPr id="5" name="Slide Number Placeholder 4"/>
+          <p:cNvSpPr>
+            <a:spLocks noGrp="1"/>
+          </p:cNvSpPr>
+          <p:nvPr>
+            <p:ph type="sldNum" sz="quarter" idx="11"/>
+          </p:nvPr>
+        </p:nvSpPr>
+        <p:spPr/>
+        <p:txBody>
+          <a:bodyPr/>
+          <a:lstStyle/>
+          <a:p>
+            <a:pPr>
+              <a:defRPr/>
+            </a:pPr>
+            <a:endParaRPr lang="en-US"/>
+          </a:p>
+          <a:p>
+            <a:pPr>
+              <a:defRPr/>
+            </a:pPr>
+            <a:fld id="{E9A8CBA3-AA2B-46A6-BFA3-DCEBEAAB3F0A}" type="slidenum">
+              <a:rPr lang="en-US" smtClean="0"/>
+              <a:pPr>
+                <a:defRPr/>
+              </a:pPr>
+              <a:t>11</a:t>
+            </a:fld>
+            <a:endParaRPr lang="en-US"/>
+          </a:p>
+        </p:txBody>
+      </p:sp>
       <p:pic>
         <p:nvPicPr>
-          <p:cNvPr id="7" name="Picture 6">
+          <p:cNvPr id="6" name="Picture 5">
             <a:extLst>
               <a:ext uri="{FF2B5EF4-FFF2-40B4-BE49-F238E27FC236}">
-                <a16:creationId xmlns:a16="http://schemas.microsoft.com/office/drawing/2014/main" id="{7CEE852E-31B8-4D4A-8924-7D97B2332C38}"/>
+                <a16:creationId xmlns:a16="http://schemas.microsoft.com/office/drawing/2014/main" id="{048FC336-F807-47B5-A9A5-8F25918606BD}"/>
+              </a:ext>
+            </a:extLst>
+          </p:cNvPr>
+          <p:cNvPicPr>
+            <a:picLocks noChangeAspect="1"/>
+          </p:cNvPicPr>
+          <p:nvPr/>
+        </p:nvPicPr>
+        <p:blipFill>
+          <a:blip r:embed="rId2"/>
+          <a:stretch>
+            <a:fillRect/>
+          </a:stretch>
+        </p:blipFill>
+        <p:spPr>
+          <a:xfrm>
+            <a:off x="591047" y="1233762"/>
+            <a:ext cx="7961905" cy="4390476"/>
+          </a:xfrm>
+          <a:prstGeom prst="rect">
+            <a:avLst/>
+          </a:prstGeom>
+        </p:spPr>
+      </p:pic>
+    </p:spTree>
+    <p:extLst>
+      <p:ext uri="{BB962C8B-B14F-4D97-AF65-F5344CB8AC3E}">
+        <p14:creationId xmlns:p14="http://schemas.microsoft.com/office/powerpoint/2010/main" val="3277170177"/>
+      </p:ext>
+    </p:extLst>
+  </p:cSld>
+  <p:clrMapOvr>
+    <a:masterClrMapping/>
+  </p:clrMapOvr>
+</p:sld>
+</file>
+
+<file path=ppt/slides/slide12.xml><?xml version="1.0" encoding="utf-8"?>
+<p:sld xmlns:a="http://schemas.openxmlformats.org/drawingml/2006/main" xmlns:r="http://schemas.openxmlformats.org/officeDocument/2006/relationships" xmlns:p="http://schemas.openxmlformats.org/presentationml/2006/main">
+  <p:cSld>
+    <p:spTree>
+      <p:nvGrpSpPr>
+        <p:cNvPr id="1" name=""/>
+        <p:cNvGrpSpPr/>
+        <p:nvPr/>
+      </p:nvGrpSpPr>
+      <p:grpSpPr>
+        <a:xfrm>
+          <a:off x="0" y="0"/>
+          <a:ext cx="0" cy="0"/>
+          <a:chOff x="0" y="0"/>
+          <a:chExt cx="0" cy="0"/>
+        </a:xfrm>
+      </p:grpSpPr>
+      <p:sp>
+        <p:nvSpPr>
+          <p:cNvPr id="2" name="Title 1"/>
+          <p:cNvSpPr>
+            <a:spLocks noGrp="1"/>
+          </p:cNvSpPr>
+          <p:nvPr>
+            <p:ph type="title"/>
+          </p:nvPr>
+        </p:nvSpPr>
+        <p:spPr/>
+        <p:txBody>
+          <a:bodyPr/>
+          <a:lstStyle/>
+          <a:p>
+            <a:r>
+              <a:rPr lang="en-US" dirty="0"/>
+              <a:t>Frailty models</a:t>
+            </a:r>
+          </a:p>
+        </p:txBody>
+      </p:sp>
+      <p:sp>
+        <p:nvSpPr>
+          <p:cNvPr id="4" name="Footer Placeholder 3"/>
+          <p:cNvSpPr>
+            <a:spLocks noGrp="1"/>
+          </p:cNvSpPr>
+          <p:nvPr>
+            <p:ph type="ftr" sz="quarter" idx="10"/>
+          </p:nvPr>
+        </p:nvSpPr>
+        <p:spPr/>
+        <p:txBody>
+          <a:bodyPr/>
+          <a:lstStyle/>
+          <a:p>
+            <a:pPr>
+              <a:defRPr/>
+            </a:pPr>
+            <a:r>
+              <a:rPr lang="en-US" altLang="en-US" dirty="0"/>
+              <a:t>©2018 Steve Simon    http://TheAnalysisFactor.com</a:t>
+            </a:r>
+          </a:p>
+        </p:txBody>
+      </p:sp>
+      <p:sp>
+        <p:nvSpPr>
+          <p:cNvPr id="5" name="Slide Number Placeholder 4"/>
+          <p:cNvSpPr>
+            <a:spLocks noGrp="1"/>
+          </p:cNvSpPr>
+          <p:nvPr>
+            <p:ph type="sldNum" sz="quarter" idx="11"/>
+          </p:nvPr>
+        </p:nvSpPr>
+        <p:spPr/>
+        <p:txBody>
+          <a:bodyPr/>
+          <a:lstStyle/>
+          <a:p>
+            <a:pPr>
+              <a:defRPr/>
+            </a:pPr>
+            <a:endParaRPr lang="en-US"/>
+          </a:p>
+          <a:p>
+            <a:pPr>
+              <a:defRPr/>
+            </a:pPr>
+            <a:fld id="{E9A8CBA3-AA2B-46A6-BFA3-DCEBEAAB3F0A}" type="slidenum">
+              <a:rPr lang="en-US" smtClean="0"/>
+              <a:pPr>
+                <a:defRPr/>
+              </a:pPr>
+              <a:t>12</a:t>
+            </a:fld>
+            <a:endParaRPr lang="en-US"/>
+          </a:p>
+        </p:txBody>
+      </p:sp>
+      <p:pic>
+        <p:nvPicPr>
+          <p:cNvPr id="3" name="Picture 2">
+            <a:extLst>
+              <a:ext uri="{FF2B5EF4-FFF2-40B4-BE49-F238E27FC236}">
+                <a16:creationId xmlns:a16="http://schemas.microsoft.com/office/drawing/2014/main" id="{3A873351-3D7B-407E-A68E-9E65D065D410}"/>
+              </a:ext>
+            </a:extLst>
+          </p:cNvPr>
+          <p:cNvPicPr>
+            <a:picLocks noChangeAspect="1"/>
+          </p:cNvPicPr>
+          <p:nvPr/>
+        </p:nvPicPr>
+        <p:blipFill>
+          <a:blip r:embed="rId2"/>
+          <a:stretch>
+            <a:fillRect/>
+          </a:stretch>
+        </p:blipFill>
+        <p:spPr>
+          <a:xfrm>
+            <a:off x="533400" y="1216325"/>
+            <a:ext cx="7790476" cy="2400000"/>
+          </a:xfrm>
+          <a:prstGeom prst="rect">
+            <a:avLst/>
+          </a:prstGeom>
+        </p:spPr>
+      </p:pic>
+    </p:spTree>
+    <p:extLst>
+      <p:ext uri="{BB962C8B-B14F-4D97-AF65-F5344CB8AC3E}">
+        <p14:creationId xmlns:p14="http://schemas.microsoft.com/office/powerpoint/2010/main" val="4197492065"/>
+      </p:ext>
+    </p:extLst>
+  </p:cSld>
+  <p:clrMapOvr>
+    <a:masterClrMapping/>
+  </p:clrMapOvr>
+</p:sld>
+</file>
+
+<file path=ppt/slides/slide13.xml><?xml version="1.0" encoding="utf-8"?>
+<p:sld xmlns:a="http://schemas.openxmlformats.org/drawingml/2006/main" xmlns:r="http://schemas.openxmlformats.org/officeDocument/2006/relationships" xmlns:p="http://schemas.openxmlformats.org/presentationml/2006/main">
+  <p:cSld>
+    <p:spTree>
+      <p:nvGrpSpPr>
+        <p:cNvPr id="1" name=""/>
+        <p:cNvGrpSpPr/>
+        <p:nvPr/>
+      </p:nvGrpSpPr>
+      <p:grpSpPr>
+        <a:xfrm>
+          <a:off x="0" y="0"/>
+          <a:ext cx="0" cy="0"/>
+          <a:chOff x="0" y="0"/>
+          <a:chExt cx="0" cy="0"/>
+        </a:xfrm>
+      </p:grpSpPr>
+      <p:sp>
+        <p:nvSpPr>
+          <p:cNvPr id="2" name="Title 1"/>
+          <p:cNvSpPr>
+            <a:spLocks noGrp="1"/>
+          </p:cNvSpPr>
+          <p:nvPr>
+            <p:ph type="title"/>
+          </p:nvPr>
+        </p:nvSpPr>
+        <p:spPr/>
+        <p:txBody>
+          <a:bodyPr/>
+          <a:lstStyle/>
+          <a:p>
+            <a:r>
+              <a:rPr lang="en-US" dirty="0"/>
+              <a:t>Frailty models</a:t>
+            </a:r>
+          </a:p>
+        </p:txBody>
+      </p:sp>
+      <p:sp>
+        <p:nvSpPr>
+          <p:cNvPr id="4" name="Footer Placeholder 3"/>
+          <p:cNvSpPr>
+            <a:spLocks noGrp="1"/>
+          </p:cNvSpPr>
+          <p:nvPr>
+            <p:ph type="ftr" sz="quarter" idx="10"/>
+          </p:nvPr>
+        </p:nvSpPr>
+        <p:spPr/>
+        <p:txBody>
+          <a:bodyPr/>
+          <a:lstStyle/>
+          <a:p>
+            <a:pPr>
+              <a:defRPr/>
+            </a:pPr>
+            <a:r>
+              <a:rPr lang="en-US" altLang="en-US" dirty="0"/>
+              <a:t>©2018 Steve Simon    http://TheAnalysisFactor.com</a:t>
+            </a:r>
+          </a:p>
+        </p:txBody>
+      </p:sp>
+      <p:sp>
+        <p:nvSpPr>
+          <p:cNvPr id="5" name="Slide Number Placeholder 4"/>
+          <p:cNvSpPr>
+            <a:spLocks noGrp="1"/>
+          </p:cNvSpPr>
+          <p:nvPr>
+            <p:ph type="sldNum" sz="quarter" idx="11"/>
+          </p:nvPr>
+        </p:nvSpPr>
+        <p:spPr/>
+        <p:txBody>
+          <a:bodyPr/>
+          <a:lstStyle/>
+          <a:p>
+            <a:pPr>
+              <a:defRPr/>
+            </a:pPr>
+            <a:endParaRPr lang="en-US"/>
+          </a:p>
+          <a:p>
+            <a:pPr>
+              <a:defRPr/>
+            </a:pPr>
+            <a:fld id="{E9A8CBA3-AA2B-46A6-BFA3-DCEBEAAB3F0A}" type="slidenum">
+              <a:rPr lang="en-US" smtClean="0"/>
+              <a:pPr>
+                <a:defRPr/>
+              </a:pPr>
+              <a:t>13</a:t>
+            </a:fld>
+            <a:endParaRPr lang="en-US"/>
+          </a:p>
+        </p:txBody>
+      </p:sp>
+      <p:pic>
+        <p:nvPicPr>
+          <p:cNvPr id="6" name="Picture 5">
+            <a:extLst>
+              <a:ext uri="{FF2B5EF4-FFF2-40B4-BE49-F238E27FC236}">
+                <a16:creationId xmlns:a16="http://schemas.microsoft.com/office/drawing/2014/main" id="{749593E7-EEBF-48F8-B42B-890513A0C7A3}"/>
               </a:ext>
             </a:extLst>
           </p:cNvPr>
@@ -4167,7 +4650,7 @@
     </p:spTree>
     <p:extLst>
       <p:ext uri="{BB962C8B-B14F-4D97-AF65-F5344CB8AC3E}">
-        <p14:creationId xmlns:p14="http://schemas.microsoft.com/office/powerpoint/2010/main" val="804386316"/>
+        <p14:creationId xmlns:p14="http://schemas.microsoft.com/office/powerpoint/2010/main" val="346239900"/>
       </p:ext>
     </p:extLst>
   </p:cSld>
@@ -4177,7 +4660,7 @@
 </p:sld>
 </file>
 
-<file path=ppt/slides/slide11.xml><?xml version="1.0" encoding="utf-8"?>
+<file path=ppt/slides/slide14.xml><?xml version="1.0" encoding="utf-8"?>
 <p:sld xmlns:a="http://schemas.openxmlformats.org/drawingml/2006/main" xmlns:r="http://schemas.openxmlformats.org/officeDocument/2006/relationships" xmlns:p="http://schemas.openxmlformats.org/presentationml/2006/main">
   <p:cSld>
     <p:spTree>
@@ -4211,7 +4694,7 @@
           <a:p>
             <a:r>
               <a:rPr lang="en-US" dirty="0"/>
-              <a:t>Example: heroin data set.</a:t>
+              <a:t>Frailty models</a:t>
             </a:r>
           </a:p>
         </p:txBody>
@@ -4270,7 +4753,7 @@
               <a:pPr>
                 <a:defRPr/>
               </a:pPr>
-              <a:t>11</a:t>
+              <a:t>14</a:t>
             </a:fld>
             <a:endParaRPr lang="en-US"/>
           </a:p>
@@ -4278,10 +4761,10 @@
       </p:sp>
       <p:pic>
         <p:nvPicPr>
-          <p:cNvPr id="6" name="Picture 5">
+          <p:cNvPr id="7" name="Picture 6">
             <a:extLst>
               <a:ext uri="{FF2B5EF4-FFF2-40B4-BE49-F238E27FC236}">
-                <a16:creationId xmlns:a16="http://schemas.microsoft.com/office/drawing/2014/main" id="{2EA51F00-843A-47D5-A7E8-9A3402A84A6A}"/>
+                <a16:creationId xmlns:a16="http://schemas.microsoft.com/office/drawing/2014/main" id="{1A85DC29-6A53-4AEC-AFC5-1A6AB90BF7CC}"/>
               </a:ext>
             </a:extLst>
           </p:cNvPr>
@@ -4309,433 +4792,7 @@
     </p:spTree>
     <p:extLst>
       <p:ext uri="{BB962C8B-B14F-4D97-AF65-F5344CB8AC3E}">
-        <p14:creationId xmlns:p14="http://schemas.microsoft.com/office/powerpoint/2010/main" val="1385429642"/>
-      </p:ext>
-    </p:extLst>
-  </p:cSld>
-  <p:clrMapOvr>
-    <a:masterClrMapping/>
-  </p:clrMapOvr>
-</p:sld>
-</file>
-
-<file path=ppt/slides/slide12.xml><?xml version="1.0" encoding="utf-8"?>
-<p:sld xmlns:a="http://schemas.openxmlformats.org/drawingml/2006/main" xmlns:r="http://schemas.openxmlformats.org/officeDocument/2006/relationships" xmlns:p="http://schemas.openxmlformats.org/presentationml/2006/main">
-  <p:cSld>
-    <p:spTree>
-      <p:nvGrpSpPr>
-        <p:cNvPr id="1" name=""/>
-        <p:cNvGrpSpPr/>
-        <p:nvPr/>
-      </p:nvGrpSpPr>
-      <p:grpSpPr>
-        <a:xfrm>
-          <a:off x="0" y="0"/>
-          <a:ext cx="0" cy="0"/>
-          <a:chOff x="0" y="0"/>
-          <a:chExt cx="0" cy="0"/>
-        </a:xfrm>
-      </p:grpSpPr>
-      <p:sp>
-        <p:nvSpPr>
-          <p:cNvPr id="2" name="Title 1"/>
-          <p:cNvSpPr>
-            <a:spLocks noGrp="1"/>
-          </p:cNvSpPr>
-          <p:nvPr>
-            <p:ph type="title"/>
-          </p:nvPr>
-        </p:nvSpPr>
-        <p:spPr/>
-        <p:txBody>
-          <a:bodyPr/>
-          <a:lstStyle/>
-          <a:p>
-            <a:r>
-              <a:rPr lang="en-US" dirty="0"/>
-              <a:t>Complementary log-log</a:t>
-            </a:r>
-          </a:p>
-        </p:txBody>
-      </p:sp>
-      <p:sp>
-        <p:nvSpPr>
-          <p:cNvPr id="4" name="Footer Placeholder 3"/>
-          <p:cNvSpPr>
-            <a:spLocks noGrp="1"/>
-          </p:cNvSpPr>
-          <p:nvPr>
-            <p:ph type="ftr" sz="quarter" idx="10"/>
-          </p:nvPr>
-        </p:nvSpPr>
-        <p:spPr/>
-        <p:txBody>
-          <a:bodyPr/>
-          <a:lstStyle/>
-          <a:p>
-            <a:pPr>
-              <a:defRPr/>
-            </a:pPr>
-            <a:r>
-              <a:rPr lang="en-US" altLang="en-US" dirty="0"/>
-              <a:t>©2018 Steve Simon    http://TheAnalysisFactor.com</a:t>
-            </a:r>
-          </a:p>
-        </p:txBody>
-      </p:sp>
-      <p:sp>
-        <p:nvSpPr>
-          <p:cNvPr id="5" name="Slide Number Placeholder 4"/>
-          <p:cNvSpPr>
-            <a:spLocks noGrp="1"/>
-          </p:cNvSpPr>
-          <p:nvPr>
-            <p:ph type="sldNum" sz="quarter" idx="11"/>
-          </p:nvPr>
-        </p:nvSpPr>
-        <p:spPr/>
-        <p:txBody>
-          <a:bodyPr/>
-          <a:lstStyle/>
-          <a:p>
-            <a:pPr>
-              <a:defRPr/>
-            </a:pPr>
-            <a:endParaRPr lang="en-US"/>
-          </a:p>
-          <a:p>
-            <a:pPr>
-              <a:defRPr/>
-            </a:pPr>
-            <a:fld id="{E9A8CBA3-AA2B-46A6-BFA3-DCEBEAAB3F0A}" type="slidenum">
-              <a:rPr lang="en-US" smtClean="0"/>
-              <a:pPr>
-                <a:defRPr/>
-              </a:pPr>
-              <a:t>12</a:t>
-            </a:fld>
-            <a:endParaRPr lang="en-US"/>
-          </a:p>
-        </p:txBody>
-      </p:sp>
-      <p:pic>
-        <p:nvPicPr>
-          <p:cNvPr id="7" name="Picture 6">
-            <a:extLst>
-              <a:ext uri="{FF2B5EF4-FFF2-40B4-BE49-F238E27FC236}">
-                <a16:creationId xmlns:a16="http://schemas.microsoft.com/office/drawing/2014/main" id="{B7C872F0-C6DA-40FD-8527-416FFF0758DE}"/>
-              </a:ext>
-            </a:extLst>
-          </p:cNvPr>
-          <p:cNvPicPr>
-            <a:picLocks noChangeAspect="1"/>
-          </p:cNvPicPr>
-          <p:nvPr/>
-        </p:nvPicPr>
-        <p:blipFill>
-          <a:blip r:embed="rId2"/>
-          <a:stretch>
-            <a:fillRect/>
-          </a:stretch>
-        </p:blipFill>
-        <p:spPr>
-          <a:xfrm>
-            <a:off x="523875" y="1219200"/>
-            <a:ext cx="8096250" cy="4095750"/>
-          </a:xfrm>
-          <a:prstGeom prst="rect">
-            <a:avLst/>
-          </a:prstGeom>
-        </p:spPr>
-      </p:pic>
-    </p:spTree>
-    <p:extLst>
-      <p:ext uri="{BB962C8B-B14F-4D97-AF65-F5344CB8AC3E}">
-        <p14:creationId xmlns:p14="http://schemas.microsoft.com/office/powerpoint/2010/main" val="2550397314"/>
-      </p:ext>
-    </p:extLst>
-  </p:cSld>
-  <p:clrMapOvr>
-    <a:masterClrMapping/>
-  </p:clrMapOvr>
-</p:sld>
-</file>
-
-<file path=ppt/slides/slide13.xml><?xml version="1.0" encoding="utf-8"?>
-<p:sld xmlns:a="http://schemas.openxmlformats.org/drawingml/2006/main" xmlns:r="http://schemas.openxmlformats.org/officeDocument/2006/relationships" xmlns:p="http://schemas.openxmlformats.org/presentationml/2006/main">
-  <p:cSld>
-    <p:spTree>
-      <p:nvGrpSpPr>
-        <p:cNvPr id="1" name=""/>
-        <p:cNvGrpSpPr/>
-        <p:nvPr/>
-      </p:nvGrpSpPr>
-      <p:grpSpPr>
-        <a:xfrm>
-          <a:off x="0" y="0"/>
-          <a:ext cx="0" cy="0"/>
-          <a:chOff x="0" y="0"/>
-          <a:chExt cx="0" cy="0"/>
-        </a:xfrm>
-      </p:grpSpPr>
-      <p:sp>
-        <p:nvSpPr>
-          <p:cNvPr id="2" name="Title 1"/>
-          <p:cNvSpPr>
-            <a:spLocks noGrp="1"/>
-          </p:cNvSpPr>
-          <p:nvPr>
-            <p:ph type="title"/>
-          </p:nvPr>
-        </p:nvSpPr>
-        <p:spPr/>
-        <p:txBody>
-          <a:bodyPr/>
-          <a:lstStyle/>
-          <a:p>
-            <a:r>
-              <a:rPr lang="en-US" dirty="0"/>
-              <a:t>Complementary log-log</a:t>
-            </a:r>
-          </a:p>
-        </p:txBody>
-      </p:sp>
-      <p:sp>
-        <p:nvSpPr>
-          <p:cNvPr id="4" name="Footer Placeholder 3"/>
-          <p:cNvSpPr>
-            <a:spLocks noGrp="1"/>
-          </p:cNvSpPr>
-          <p:nvPr>
-            <p:ph type="ftr" sz="quarter" idx="10"/>
-          </p:nvPr>
-        </p:nvSpPr>
-        <p:spPr/>
-        <p:txBody>
-          <a:bodyPr/>
-          <a:lstStyle/>
-          <a:p>
-            <a:pPr>
-              <a:defRPr/>
-            </a:pPr>
-            <a:r>
-              <a:rPr lang="en-US" altLang="en-US" dirty="0"/>
-              <a:t>©2018 Steve Simon    http://TheAnalysisFactor.com</a:t>
-            </a:r>
-          </a:p>
-        </p:txBody>
-      </p:sp>
-      <p:sp>
-        <p:nvSpPr>
-          <p:cNvPr id="5" name="Slide Number Placeholder 4"/>
-          <p:cNvSpPr>
-            <a:spLocks noGrp="1"/>
-          </p:cNvSpPr>
-          <p:nvPr>
-            <p:ph type="sldNum" sz="quarter" idx="11"/>
-          </p:nvPr>
-        </p:nvSpPr>
-        <p:spPr/>
-        <p:txBody>
-          <a:bodyPr/>
-          <a:lstStyle/>
-          <a:p>
-            <a:pPr>
-              <a:defRPr/>
-            </a:pPr>
-            <a:endParaRPr lang="en-US"/>
-          </a:p>
-          <a:p>
-            <a:pPr>
-              <a:defRPr/>
-            </a:pPr>
-            <a:fld id="{E9A8CBA3-AA2B-46A6-BFA3-DCEBEAAB3F0A}" type="slidenum">
-              <a:rPr lang="en-US" smtClean="0"/>
-              <a:pPr>
-                <a:defRPr/>
-              </a:pPr>
-              <a:t>13</a:t>
-            </a:fld>
-            <a:endParaRPr lang="en-US"/>
-          </a:p>
-        </p:txBody>
-      </p:sp>
-      <p:pic>
-        <p:nvPicPr>
-          <p:cNvPr id="7" name="Picture 6">
-            <a:extLst>
-              <a:ext uri="{FF2B5EF4-FFF2-40B4-BE49-F238E27FC236}">
-                <a16:creationId xmlns:a16="http://schemas.microsoft.com/office/drawing/2014/main" id="{9B75BD5B-4A1D-4EA4-A30D-E4B7732EA709}"/>
-              </a:ext>
-            </a:extLst>
-          </p:cNvPr>
-          <p:cNvPicPr>
-            <a:picLocks noChangeAspect="1"/>
-          </p:cNvPicPr>
-          <p:nvPr/>
-        </p:nvPicPr>
-        <p:blipFill>
-          <a:blip r:embed="rId2"/>
-          <a:stretch>
-            <a:fillRect/>
-          </a:stretch>
-        </p:blipFill>
-        <p:spPr>
-          <a:xfrm>
-            <a:off x="457200" y="1143000"/>
-            <a:ext cx="8229600" cy="4572000"/>
-          </a:xfrm>
-          <a:prstGeom prst="rect">
-            <a:avLst/>
-          </a:prstGeom>
-        </p:spPr>
-      </p:pic>
-    </p:spTree>
-    <p:extLst>
-      <p:ext uri="{BB962C8B-B14F-4D97-AF65-F5344CB8AC3E}">
-        <p14:creationId xmlns:p14="http://schemas.microsoft.com/office/powerpoint/2010/main" val="1837670986"/>
-      </p:ext>
-    </p:extLst>
-  </p:cSld>
-  <p:clrMapOvr>
-    <a:masterClrMapping/>
-  </p:clrMapOvr>
-</p:sld>
-</file>
-
-<file path=ppt/slides/slide14.xml><?xml version="1.0" encoding="utf-8"?>
-<p:sld xmlns:a="http://schemas.openxmlformats.org/drawingml/2006/main" xmlns:r="http://schemas.openxmlformats.org/officeDocument/2006/relationships" xmlns:p="http://schemas.openxmlformats.org/presentationml/2006/main">
-  <p:cSld>
-    <p:spTree>
-      <p:nvGrpSpPr>
-        <p:cNvPr id="1" name=""/>
-        <p:cNvGrpSpPr/>
-        <p:nvPr/>
-      </p:nvGrpSpPr>
-      <p:grpSpPr>
-        <a:xfrm>
-          <a:off x="0" y="0"/>
-          <a:ext cx="0" cy="0"/>
-          <a:chOff x="0" y="0"/>
-          <a:chExt cx="0" cy="0"/>
-        </a:xfrm>
-      </p:grpSpPr>
-      <p:sp>
-        <p:nvSpPr>
-          <p:cNvPr id="2" name="Title 1"/>
-          <p:cNvSpPr>
-            <a:spLocks noGrp="1"/>
-          </p:cNvSpPr>
-          <p:nvPr>
-            <p:ph type="title"/>
-          </p:nvPr>
-        </p:nvSpPr>
-        <p:spPr/>
-        <p:txBody>
-          <a:bodyPr/>
-          <a:lstStyle/>
-          <a:p>
-            <a:r>
-              <a:rPr lang="en-US" dirty="0"/>
-              <a:t>Complementary log-log</a:t>
-            </a:r>
-          </a:p>
-        </p:txBody>
-      </p:sp>
-      <p:sp>
-        <p:nvSpPr>
-          <p:cNvPr id="4" name="Footer Placeholder 3"/>
-          <p:cNvSpPr>
-            <a:spLocks noGrp="1"/>
-          </p:cNvSpPr>
-          <p:nvPr>
-            <p:ph type="ftr" sz="quarter" idx="10"/>
-          </p:nvPr>
-        </p:nvSpPr>
-        <p:spPr/>
-        <p:txBody>
-          <a:bodyPr/>
-          <a:lstStyle/>
-          <a:p>
-            <a:pPr>
-              <a:defRPr/>
-            </a:pPr>
-            <a:r>
-              <a:rPr lang="en-US" altLang="en-US" dirty="0"/>
-              <a:t>©2018 Steve Simon    http://TheAnalysisFactor.com</a:t>
-            </a:r>
-          </a:p>
-        </p:txBody>
-      </p:sp>
-      <p:sp>
-        <p:nvSpPr>
-          <p:cNvPr id="5" name="Slide Number Placeholder 4"/>
-          <p:cNvSpPr>
-            <a:spLocks noGrp="1"/>
-          </p:cNvSpPr>
-          <p:nvPr>
-            <p:ph type="sldNum" sz="quarter" idx="11"/>
-          </p:nvPr>
-        </p:nvSpPr>
-        <p:spPr/>
-        <p:txBody>
-          <a:bodyPr/>
-          <a:lstStyle/>
-          <a:p>
-            <a:pPr>
-              <a:defRPr/>
-            </a:pPr>
-            <a:endParaRPr lang="en-US"/>
-          </a:p>
-          <a:p>
-            <a:pPr>
-              <a:defRPr/>
-            </a:pPr>
-            <a:fld id="{E9A8CBA3-AA2B-46A6-BFA3-DCEBEAAB3F0A}" type="slidenum">
-              <a:rPr lang="en-US" smtClean="0"/>
-              <a:pPr>
-                <a:defRPr/>
-              </a:pPr>
-              <a:t>14</a:t>
-            </a:fld>
-            <a:endParaRPr lang="en-US"/>
-          </a:p>
-        </p:txBody>
-      </p:sp>
-      <p:pic>
-        <p:nvPicPr>
-          <p:cNvPr id="6" name="Picture 5">
-            <a:extLst>
-              <a:ext uri="{FF2B5EF4-FFF2-40B4-BE49-F238E27FC236}">
-                <a16:creationId xmlns:a16="http://schemas.microsoft.com/office/drawing/2014/main" id="{31295E56-A2A9-4973-BBC3-87E8E3C71613}"/>
-              </a:ext>
-            </a:extLst>
-          </p:cNvPr>
-          <p:cNvPicPr>
-            <a:picLocks noChangeAspect="1"/>
-          </p:cNvPicPr>
-          <p:nvPr/>
-        </p:nvPicPr>
-        <p:blipFill>
-          <a:blip r:embed="rId2"/>
-          <a:stretch>
-            <a:fillRect/>
-          </a:stretch>
-        </p:blipFill>
-        <p:spPr>
-          <a:xfrm>
-            <a:off x="457200" y="1143000"/>
-            <a:ext cx="8229600" cy="4572000"/>
-          </a:xfrm>
-          <a:prstGeom prst="rect">
-            <a:avLst/>
-          </a:prstGeom>
-        </p:spPr>
-      </p:pic>
-    </p:spTree>
-    <p:extLst>
-      <p:ext uri="{BB962C8B-B14F-4D97-AF65-F5344CB8AC3E}">
-        <p14:creationId xmlns:p14="http://schemas.microsoft.com/office/powerpoint/2010/main" val="2369487462"/>
+        <p14:creationId xmlns:p14="http://schemas.microsoft.com/office/powerpoint/2010/main" val="1062727875"/>
       </p:ext>
     </p:extLst>
   </p:cSld>
@@ -4779,7 +4836,7 @@
           <a:p>
             <a:r>
               <a:rPr lang="en-US" dirty="0"/>
-              <a:t>Complementary log-log</a:t>
+              <a:t>Three models for repeated events</a:t>
             </a:r>
           </a:p>
         </p:txBody>
@@ -4846,1090 +4903,10 @@
       </p:sp>
       <p:pic>
         <p:nvPicPr>
-          <p:cNvPr id="6" name="Picture 5">
-            <a:extLst>
-              <a:ext uri="{FF2B5EF4-FFF2-40B4-BE49-F238E27FC236}">
-                <a16:creationId xmlns:a16="http://schemas.microsoft.com/office/drawing/2014/main" id="{DE8A1798-3B00-4514-8FDB-641736AAC371}"/>
-              </a:ext>
-            </a:extLst>
-          </p:cNvPr>
-          <p:cNvPicPr>
-            <a:picLocks noChangeAspect="1"/>
-          </p:cNvPicPr>
-          <p:nvPr/>
-        </p:nvPicPr>
-        <p:blipFill>
-          <a:blip r:embed="rId2"/>
-          <a:stretch>
-            <a:fillRect/>
-          </a:stretch>
-        </p:blipFill>
-        <p:spPr>
-          <a:xfrm>
-            <a:off x="457200" y="1143000"/>
-            <a:ext cx="8229600" cy="4572000"/>
-          </a:xfrm>
-          <a:prstGeom prst="rect">
-            <a:avLst/>
-          </a:prstGeom>
-        </p:spPr>
-      </p:pic>
-    </p:spTree>
-    <p:extLst>
-      <p:ext uri="{BB962C8B-B14F-4D97-AF65-F5344CB8AC3E}">
-        <p14:creationId xmlns:p14="http://schemas.microsoft.com/office/powerpoint/2010/main" val="3968318964"/>
-      </p:ext>
-    </p:extLst>
-  </p:cSld>
-  <p:clrMapOvr>
-    <a:masterClrMapping/>
-  </p:clrMapOvr>
-</p:sld>
-</file>
-
-<file path=ppt/slides/slide16.xml><?xml version="1.0" encoding="utf-8"?>
-<p:sld xmlns:a="http://schemas.openxmlformats.org/drawingml/2006/main" xmlns:r="http://schemas.openxmlformats.org/officeDocument/2006/relationships" xmlns:p="http://schemas.openxmlformats.org/presentationml/2006/main">
-  <p:cSld>
-    <p:spTree>
-      <p:nvGrpSpPr>
-        <p:cNvPr id="1" name=""/>
-        <p:cNvGrpSpPr/>
-        <p:nvPr/>
-      </p:nvGrpSpPr>
-      <p:grpSpPr>
-        <a:xfrm>
-          <a:off x="0" y="0"/>
-          <a:ext cx="0" cy="0"/>
-          <a:chOff x="0" y="0"/>
-          <a:chExt cx="0" cy="0"/>
-        </a:xfrm>
-      </p:grpSpPr>
-      <p:sp>
-        <p:nvSpPr>
-          <p:cNvPr id="2" name="Title 1"/>
-          <p:cNvSpPr>
-            <a:spLocks noGrp="1"/>
-          </p:cNvSpPr>
-          <p:nvPr>
-            <p:ph type="title"/>
-          </p:nvPr>
-        </p:nvSpPr>
-        <p:spPr/>
-        <p:txBody>
-          <a:bodyPr/>
-          <a:lstStyle/>
-          <a:p>
-            <a:r>
-              <a:rPr lang="en-US" dirty="0"/>
-              <a:t>Review of likelihood</a:t>
-            </a:r>
-          </a:p>
-        </p:txBody>
-      </p:sp>
-      <p:sp>
-        <p:nvSpPr>
-          <p:cNvPr id="4" name="Footer Placeholder 3"/>
-          <p:cNvSpPr>
-            <a:spLocks noGrp="1"/>
-          </p:cNvSpPr>
-          <p:nvPr>
-            <p:ph type="ftr" sz="quarter" idx="10"/>
-          </p:nvPr>
-        </p:nvSpPr>
-        <p:spPr/>
-        <p:txBody>
-          <a:bodyPr/>
-          <a:lstStyle/>
-          <a:p>
-            <a:pPr>
-              <a:defRPr/>
-            </a:pPr>
-            <a:r>
-              <a:rPr lang="en-US" altLang="en-US" dirty="0"/>
-              <a:t>©2018 Steve Simon    http://TheAnalysisFactor.com</a:t>
-            </a:r>
-          </a:p>
-        </p:txBody>
-      </p:sp>
-      <p:sp>
-        <p:nvSpPr>
-          <p:cNvPr id="5" name="Slide Number Placeholder 4"/>
-          <p:cNvSpPr>
-            <a:spLocks noGrp="1"/>
-          </p:cNvSpPr>
-          <p:nvPr>
-            <p:ph type="sldNum" sz="quarter" idx="11"/>
-          </p:nvPr>
-        </p:nvSpPr>
-        <p:spPr/>
-        <p:txBody>
-          <a:bodyPr/>
-          <a:lstStyle/>
-          <a:p>
-            <a:pPr>
-              <a:defRPr/>
-            </a:pPr>
-            <a:endParaRPr lang="en-US"/>
-          </a:p>
-          <a:p>
-            <a:pPr>
-              <a:defRPr/>
-            </a:pPr>
-            <a:fld id="{E9A8CBA3-AA2B-46A6-BFA3-DCEBEAAB3F0A}" type="slidenum">
-              <a:rPr lang="en-US" smtClean="0"/>
-              <a:pPr>
-                <a:defRPr/>
-              </a:pPr>
-              <a:t>16</a:t>
-            </a:fld>
-            <a:endParaRPr lang="en-US"/>
-          </a:p>
-        </p:txBody>
-      </p:sp>
-      <p:pic>
-        <p:nvPicPr>
-          <p:cNvPr id="7" name="Picture 6">
-            <a:extLst>
-              <a:ext uri="{FF2B5EF4-FFF2-40B4-BE49-F238E27FC236}">
-                <a16:creationId xmlns:a16="http://schemas.microsoft.com/office/drawing/2014/main" id="{4F639BE1-45AB-454F-8252-1DDB697F624A}"/>
-              </a:ext>
-            </a:extLst>
-          </p:cNvPr>
-          <p:cNvPicPr>
-            <a:picLocks noChangeAspect="1"/>
-          </p:cNvPicPr>
-          <p:nvPr/>
-        </p:nvPicPr>
-        <p:blipFill>
-          <a:blip r:embed="rId2"/>
-          <a:stretch>
-            <a:fillRect/>
-          </a:stretch>
-        </p:blipFill>
-        <p:spPr>
-          <a:xfrm>
-            <a:off x="457200" y="1219200"/>
-            <a:ext cx="8420100" cy="2028825"/>
-          </a:xfrm>
-          <a:prstGeom prst="rect">
-            <a:avLst/>
-          </a:prstGeom>
-        </p:spPr>
-      </p:pic>
-    </p:spTree>
-    <p:extLst>
-      <p:ext uri="{BB962C8B-B14F-4D97-AF65-F5344CB8AC3E}">
-        <p14:creationId xmlns:p14="http://schemas.microsoft.com/office/powerpoint/2010/main" val="940915214"/>
-      </p:ext>
-    </p:extLst>
-  </p:cSld>
-  <p:clrMapOvr>
-    <a:masterClrMapping/>
-  </p:clrMapOvr>
-</p:sld>
-</file>
-
-<file path=ppt/slides/slide17.xml><?xml version="1.0" encoding="utf-8"?>
-<p:sld xmlns:a="http://schemas.openxmlformats.org/drawingml/2006/main" xmlns:r="http://schemas.openxmlformats.org/officeDocument/2006/relationships" xmlns:p="http://schemas.openxmlformats.org/presentationml/2006/main">
-  <p:cSld>
-    <p:spTree>
-      <p:nvGrpSpPr>
-        <p:cNvPr id="1" name=""/>
-        <p:cNvGrpSpPr/>
-        <p:nvPr/>
-      </p:nvGrpSpPr>
-      <p:grpSpPr>
-        <a:xfrm>
-          <a:off x="0" y="0"/>
-          <a:ext cx="0" cy="0"/>
-          <a:chOff x="0" y="0"/>
-          <a:chExt cx="0" cy="0"/>
-        </a:xfrm>
-      </p:grpSpPr>
-      <p:sp>
-        <p:nvSpPr>
-          <p:cNvPr id="2" name="Title 1"/>
-          <p:cNvSpPr>
-            <a:spLocks noGrp="1"/>
-          </p:cNvSpPr>
-          <p:nvPr>
-            <p:ph type="title"/>
-          </p:nvPr>
-        </p:nvSpPr>
-        <p:spPr/>
-        <p:txBody>
-          <a:bodyPr/>
-          <a:lstStyle/>
-          <a:p>
-            <a:r>
-              <a:rPr lang="en-US" dirty="0"/>
-              <a:t>Review of likelihood</a:t>
-            </a:r>
-          </a:p>
-        </p:txBody>
-      </p:sp>
-      <p:sp>
-        <p:nvSpPr>
-          <p:cNvPr id="4" name="Footer Placeholder 3"/>
-          <p:cNvSpPr>
-            <a:spLocks noGrp="1"/>
-          </p:cNvSpPr>
-          <p:nvPr>
-            <p:ph type="ftr" sz="quarter" idx="10"/>
-          </p:nvPr>
-        </p:nvSpPr>
-        <p:spPr/>
-        <p:txBody>
-          <a:bodyPr/>
-          <a:lstStyle/>
-          <a:p>
-            <a:pPr>
-              <a:defRPr/>
-            </a:pPr>
-            <a:r>
-              <a:rPr lang="en-US" altLang="en-US" dirty="0"/>
-              <a:t>©2018 Steve Simon    http://TheAnalysisFactor.com</a:t>
-            </a:r>
-          </a:p>
-        </p:txBody>
-      </p:sp>
-      <p:sp>
-        <p:nvSpPr>
-          <p:cNvPr id="5" name="Slide Number Placeholder 4"/>
-          <p:cNvSpPr>
-            <a:spLocks noGrp="1"/>
-          </p:cNvSpPr>
-          <p:nvPr>
-            <p:ph type="sldNum" sz="quarter" idx="11"/>
-          </p:nvPr>
-        </p:nvSpPr>
-        <p:spPr/>
-        <p:txBody>
-          <a:bodyPr/>
-          <a:lstStyle/>
-          <a:p>
-            <a:pPr>
-              <a:defRPr/>
-            </a:pPr>
-            <a:endParaRPr lang="en-US"/>
-          </a:p>
-          <a:p>
-            <a:pPr>
-              <a:defRPr/>
-            </a:pPr>
-            <a:fld id="{E9A8CBA3-AA2B-46A6-BFA3-DCEBEAAB3F0A}" type="slidenum">
-              <a:rPr lang="en-US" smtClean="0"/>
-              <a:pPr>
-                <a:defRPr/>
-              </a:pPr>
-              <a:t>17</a:t>
-            </a:fld>
-            <a:endParaRPr lang="en-US"/>
-          </a:p>
-        </p:txBody>
-      </p:sp>
-      <p:pic>
-        <p:nvPicPr>
-          <p:cNvPr id="6" name="Picture 5">
-            <a:extLst>
-              <a:ext uri="{FF2B5EF4-FFF2-40B4-BE49-F238E27FC236}">
-                <a16:creationId xmlns:a16="http://schemas.microsoft.com/office/drawing/2014/main" id="{D98862B1-C74B-4A43-94A5-FAB6CD0835DC}"/>
-              </a:ext>
-            </a:extLst>
-          </p:cNvPr>
-          <p:cNvPicPr>
-            <a:picLocks noChangeAspect="1"/>
-          </p:cNvPicPr>
-          <p:nvPr/>
-        </p:nvPicPr>
-        <p:blipFill>
-          <a:blip r:embed="rId2"/>
-          <a:stretch>
-            <a:fillRect/>
-          </a:stretch>
-        </p:blipFill>
-        <p:spPr>
-          <a:xfrm>
-            <a:off x="642937" y="1295400"/>
-            <a:ext cx="7858125" cy="3028950"/>
-          </a:xfrm>
-          <a:prstGeom prst="rect">
-            <a:avLst/>
-          </a:prstGeom>
-        </p:spPr>
-      </p:pic>
-    </p:spTree>
-    <p:extLst>
-      <p:ext uri="{BB962C8B-B14F-4D97-AF65-F5344CB8AC3E}">
-        <p14:creationId xmlns:p14="http://schemas.microsoft.com/office/powerpoint/2010/main" val="3674636435"/>
-      </p:ext>
-    </p:extLst>
-  </p:cSld>
-  <p:clrMapOvr>
-    <a:masterClrMapping/>
-  </p:clrMapOvr>
-</p:sld>
-</file>
-
-<file path=ppt/slides/slide18.xml><?xml version="1.0" encoding="utf-8"?>
-<p:sld xmlns:a="http://schemas.openxmlformats.org/drawingml/2006/main" xmlns:r="http://schemas.openxmlformats.org/officeDocument/2006/relationships" xmlns:p="http://schemas.openxmlformats.org/presentationml/2006/main">
-  <p:cSld>
-    <p:spTree>
-      <p:nvGrpSpPr>
-        <p:cNvPr id="1" name=""/>
-        <p:cNvGrpSpPr/>
-        <p:nvPr/>
-      </p:nvGrpSpPr>
-      <p:grpSpPr>
-        <a:xfrm>
-          <a:off x="0" y="0"/>
-          <a:ext cx="0" cy="0"/>
-          <a:chOff x="0" y="0"/>
-          <a:chExt cx="0" cy="0"/>
-        </a:xfrm>
-      </p:grpSpPr>
-      <p:sp>
-        <p:nvSpPr>
-          <p:cNvPr id="2" name="Title 1"/>
-          <p:cNvSpPr>
-            <a:spLocks noGrp="1"/>
-          </p:cNvSpPr>
-          <p:nvPr>
-            <p:ph type="title"/>
-          </p:nvPr>
-        </p:nvSpPr>
-        <p:spPr/>
-        <p:txBody>
-          <a:bodyPr/>
-          <a:lstStyle/>
-          <a:p>
-            <a:r>
-              <a:rPr lang="en-US" dirty="0"/>
-              <a:t>Schoenfeld residuals</a:t>
-            </a:r>
-          </a:p>
-        </p:txBody>
-      </p:sp>
-      <p:sp>
-        <p:nvSpPr>
-          <p:cNvPr id="4" name="Footer Placeholder 3"/>
-          <p:cNvSpPr>
-            <a:spLocks noGrp="1"/>
-          </p:cNvSpPr>
-          <p:nvPr>
-            <p:ph type="ftr" sz="quarter" idx="10"/>
-          </p:nvPr>
-        </p:nvSpPr>
-        <p:spPr/>
-        <p:txBody>
-          <a:bodyPr/>
-          <a:lstStyle/>
-          <a:p>
-            <a:pPr>
-              <a:defRPr/>
-            </a:pPr>
-            <a:r>
-              <a:rPr lang="en-US" altLang="en-US" dirty="0"/>
-              <a:t>©2018 Steve Simon    http://TheAnalysisFactor.com</a:t>
-            </a:r>
-          </a:p>
-        </p:txBody>
-      </p:sp>
-      <p:sp>
-        <p:nvSpPr>
-          <p:cNvPr id="5" name="Slide Number Placeholder 4"/>
-          <p:cNvSpPr>
-            <a:spLocks noGrp="1"/>
-          </p:cNvSpPr>
-          <p:nvPr>
-            <p:ph type="sldNum" sz="quarter" idx="11"/>
-          </p:nvPr>
-        </p:nvSpPr>
-        <p:spPr/>
-        <p:txBody>
-          <a:bodyPr/>
-          <a:lstStyle/>
-          <a:p>
-            <a:pPr>
-              <a:defRPr/>
-            </a:pPr>
-            <a:endParaRPr lang="en-US"/>
-          </a:p>
-          <a:p>
-            <a:pPr>
-              <a:defRPr/>
-            </a:pPr>
-            <a:fld id="{E9A8CBA3-AA2B-46A6-BFA3-DCEBEAAB3F0A}" type="slidenum">
-              <a:rPr lang="en-US" smtClean="0"/>
-              <a:pPr>
-                <a:defRPr/>
-              </a:pPr>
-              <a:t>18</a:t>
-            </a:fld>
-            <a:endParaRPr lang="en-US"/>
-          </a:p>
-        </p:txBody>
-      </p:sp>
-      <p:pic>
-        <p:nvPicPr>
-          <p:cNvPr id="7" name="Picture 6">
-            <a:extLst>
-              <a:ext uri="{FF2B5EF4-FFF2-40B4-BE49-F238E27FC236}">
-                <a16:creationId xmlns:a16="http://schemas.microsoft.com/office/drawing/2014/main" id="{9A080A8D-0EC4-476B-96EA-BC5AD88A806F}"/>
-              </a:ext>
-            </a:extLst>
-          </p:cNvPr>
-          <p:cNvPicPr>
-            <a:picLocks noChangeAspect="1"/>
-          </p:cNvPicPr>
-          <p:nvPr/>
-        </p:nvPicPr>
-        <p:blipFill>
-          <a:blip r:embed="rId2"/>
-          <a:stretch>
-            <a:fillRect/>
-          </a:stretch>
-        </p:blipFill>
-        <p:spPr>
-          <a:xfrm>
-            <a:off x="623887" y="1225550"/>
-            <a:ext cx="7896225" cy="2390775"/>
-          </a:xfrm>
-          <a:prstGeom prst="rect">
-            <a:avLst/>
-          </a:prstGeom>
-        </p:spPr>
-      </p:pic>
-    </p:spTree>
-    <p:extLst>
-      <p:ext uri="{BB962C8B-B14F-4D97-AF65-F5344CB8AC3E}">
-        <p14:creationId xmlns:p14="http://schemas.microsoft.com/office/powerpoint/2010/main" val="2001468847"/>
-      </p:ext>
-    </p:extLst>
-  </p:cSld>
-  <p:clrMapOvr>
-    <a:masterClrMapping/>
-  </p:clrMapOvr>
-</p:sld>
-</file>
-
-<file path=ppt/slides/slide19.xml><?xml version="1.0" encoding="utf-8"?>
-<p:sld xmlns:a="http://schemas.openxmlformats.org/drawingml/2006/main" xmlns:r="http://schemas.openxmlformats.org/officeDocument/2006/relationships" xmlns:p="http://schemas.openxmlformats.org/presentationml/2006/main">
-  <p:cSld>
-    <p:spTree>
-      <p:nvGrpSpPr>
-        <p:cNvPr id="1" name=""/>
-        <p:cNvGrpSpPr/>
-        <p:nvPr/>
-      </p:nvGrpSpPr>
-      <p:grpSpPr>
-        <a:xfrm>
-          <a:off x="0" y="0"/>
-          <a:ext cx="0" cy="0"/>
-          <a:chOff x="0" y="0"/>
-          <a:chExt cx="0" cy="0"/>
-        </a:xfrm>
-      </p:grpSpPr>
-      <p:sp>
-        <p:nvSpPr>
-          <p:cNvPr id="2" name="Title 1"/>
-          <p:cNvSpPr>
-            <a:spLocks noGrp="1"/>
-          </p:cNvSpPr>
-          <p:nvPr>
-            <p:ph type="title"/>
-          </p:nvPr>
-        </p:nvSpPr>
-        <p:spPr/>
-        <p:txBody>
-          <a:bodyPr/>
-          <a:lstStyle/>
-          <a:p>
-            <a:r>
-              <a:rPr lang="en-US" dirty="0"/>
-              <a:t>Schoenfeld residuals</a:t>
-            </a:r>
-          </a:p>
-        </p:txBody>
-      </p:sp>
-      <p:sp>
-        <p:nvSpPr>
-          <p:cNvPr id="3" name="Text Placeholder 2"/>
-          <p:cNvSpPr>
-            <a:spLocks noGrp="1"/>
-          </p:cNvSpPr>
-          <p:nvPr>
-            <p:ph type="body" idx="1"/>
-          </p:nvPr>
-        </p:nvSpPr>
-        <p:spPr/>
-        <p:txBody>
-          <a:bodyPr/>
-          <a:lstStyle/>
-          <a:p>
-            <a:r>
-              <a:rPr lang="en-US" dirty="0"/>
-              <a:t>Normally, the Schoenfeld residuals are standardized.</a:t>
-            </a:r>
-          </a:p>
-          <a:p>
-            <a:endParaRPr lang="en-US" dirty="0"/>
-          </a:p>
-          <a:p>
-            <a:r>
-              <a:rPr lang="en-US" dirty="0"/>
-              <a:t>A time trend is evidence of a violation of the proportional hazards assumption.</a:t>
-            </a:r>
-          </a:p>
-          <a:p>
-            <a:endParaRPr lang="en-US" dirty="0"/>
-          </a:p>
-          <a:p>
-            <a:r>
-              <a:rPr lang="en-US" dirty="0"/>
-              <a:t>Consider this as evidence of an interaction between time and your independent variable.</a:t>
-            </a:r>
-          </a:p>
-        </p:txBody>
-      </p:sp>
-      <p:sp>
-        <p:nvSpPr>
-          <p:cNvPr id="4" name="Footer Placeholder 3"/>
-          <p:cNvSpPr>
-            <a:spLocks noGrp="1"/>
-          </p:cNvSpPr>
-          <p:nvPr>
-            <p:ph type="ftr" sz="quarter" idx="10"/>
-          </p:nvPr>
-        </p:nvSpPr>
-        <p:spPr/>
-        <p:txBody>
-          <a:bodyPr/>
-          <a:lstStyle/>
-          <a:p>
-            <a:pPr>
-              <a:defRPr/>
-            </a:pPr>
-            <a:r>
-              <a:rPr lang="en-US" altLang="en-US" dirty="0"/>
-              <a:t>©2018 Steve Simon    http://TheAnalysisFactor.com</a:t>
-            </a:r>
-          </a:p>
-        </p:txBody>
-      </p:sp>
-      <p:sp>
-        <p:nvSpPr>
-          <p:cNvPr id="5" name="Slide Number Placeholder 4"/>
-          <p:cNvSpPr>
-            <a:spLocks noGrp="1"/>
-          </p:cNvSpPr>
-          <p:nvPr>
-            <p:ph type="sldNum" sz="quarter" idx="11"/>
-          </p:nvPr>
-        </p:nvSpPr>
-        <p:spPr/>
-        <p:txBody>
-          <a:bodyPr/>
-          <a:lstStyle/>
-          <a:p>
-            <a:pPr>
-              <a:defRPr/>
-            </a:pPr>
-            <a:endParaRPr lang="en-US"/>
-          </a:p>
-          <a:p>
-            <a:pPr>
-              <a:defRPr/>
-            </a:pPr>
-            <a:fld id="{E9A8CBA3-AA2B-46A6-BFA3-DCEBEAAB3F0A}" type="slidenum">
-              <a:rPr lang="en-US" smtClean="0"/>
-              <a:pPr>
-                <a:defRPr/>
-              </a:pPr>
-              <a:t>19</a:t>
-            </a:fld>
-            <a:endParaRPr lang="en-US"/>
-          </a:p>
-        </p:txBody>
-      </p:sp>
-      <p:sp>
-        <p:nvSpPr>
-          <p:cNvPr id="6" name="Text Placeholder 5"/>
-          <p:cNvSpPr>
-            <a:spLocks noGrp="1"/>
-          </p:cNvSpPr>
-          <p:nvPr>
-            <p:ph type="body" sz="quarter" idx="12"/>
-          </p:nvPr>
-        </p:nvSpPr>
-        <p:spPr/>
-        <p:txBody>
-          <a:bodyPr/>
-          <a:lstStyle/>
-          <a:p>
-            <a:r>
-              <a:rPr lang="en-US" dirty="0"/>
-              <a:t>Interpretation</a:t>
-            </a:r>
-          </a:p>
-        </p:txBody>
-      </p:sp>
-    </p:spTree>
-    <p:extLst>
-      <p:ext uri="{BB962C8B-B14F-4D97-AF65-F5344CB8AC3E}">
-        <p14:creationId xmlns:p14="http://schemas.microsoft.com/office/powerpoint/2010/main" val="3772005837"/>
-      </p:ext>
-    </p:extLst>
-  </p:cSld>
-  <p:clrMapOvr>
-    <a:masterClrMapping/>
-  </p:clrMapOvr>
-</p:sld>
-</file>
-
-<file path=ppt/slides/slide2.xml><?xml version="1.0" encoding="utf-8"?>
-<p:sld xmlns:a="http://schemas.openxmlformats.org/drawingml/2006/main" xmlns:r="http://schemas.openxmlformats.org/officeDocument/2006/relationships" xmlns:p="http://schemas.openxmlformats.org/presentationml/2006/main">
-  <p:cSld>
-    <p:spTree>
-      <p:nvGrpSpPr>
-        <p:cNvPr id="1" name=""/>
-        <p:cNvGrpSpPr/>
-        <p:nvPr/>
-      </p:nvGrpSpPr>
-      <p:grpSpPr>
-        <a:xfrm>
-          <a:off x="0" y="0"/>
-          <a:ext cx="0" cy="0"/>
-          <a:chOff x="0" y="0"/>
-          <a:chExt cx="0" cy="0"/>
-        </a:xfrm>
-      </p:grpSpPr>
-      <p:sp>
-        <p:nvSpPr>
-          <p:cNvPr id="2" name="Title 1"/>
-          <p:cNvSpPr>
-            <a:spLocks noGrp="1"/>
-          </p:cNvSpPr>
-          <p:nvPr>
-            <p:ph type="title"/>
-          </p:nvPr>
-        </p:nvSpPr>
-        <p:spPr/>
-        <p:txBody>
-          <a:bodyPr/>
-          <a:lstStyle/>
-          <a:p>
-            <a:r>
-              <a:rPr lang="en-US" dirty="0"/>
-              <a:t>Abstract</a:t>
-            </a:r>
-          </a:p>
-        </p:txBody>
-      </p:sp>
-      <p:sp>
-        <p:nvSpPr>
-          <p:cNvPr id="3" name="Text Placeholder 2"/>
-          <p:cNvSpPr>
-            <a:spLocks noGrp="1"/>
-          </p:cNvSpPr>
-          <p:nvPr>
-            <p:ph type="body" idx="1"/>
-          </p:nvPr>
-        </p:nvSpPr>
-        <p:spPr/>
-        <p:txBody>
-          <a:bodyPr/>
-          <a:lstStyle/>
-          <a:p>
-            <a:r>
-              <a:rPr lang="en-US" dirty="0"/>
-              <a:t>Lecture 7. Frailty models. You can incorporate multiple events per patient and account for center effects using frailty models, the survival data analysis equivalent to mixed models in linear regression. You’ll see how to define random effects and how to fit and interpret these models.</a:t>
-            </a:r>
-          </a:p>
-        </p:txBody>
-      </p:sp>
-      <p:sp>
-        <p:nvSpPr>
-          <p:cNvPr id="4" name="Footer Placeholder 3"/>
-          <p:cNvSpPr>
-            <a:spLocks noGrp="1"/>
-          </p:cNvSpPr>
-          <p:nvPr>
-            <p:ph type="ftr" sz="quarter" idx="10"/>
-          </p:nvPr>
-        </p:nvSpPr>
-        <p:spPr/>
-        <p:txBody>
-          <a:bodyPr/>
-          <a:lstStyle/>
-          <a:p>
-            <a:pPr>
-              <a:defRPr/>
-            </a:pPr>
-            <a:r>
-              <a:rPr lang="en-US" altLang="en-US" dirty="0"/>
-              <a:t>©2018 Steve Simon    http://TheAnalysisFactor.com</a:t>
-            </a:r>
-          </a:p>
-        </p:txBody>
-      </p:sp>
-      <p:sp>
-        <p:nvSpPr>
-          <p:cNvPr id="5" name="Slide Number Placeholder 4"/>
-          <p:cNvSpPr>
-            <a:spLocks noGrp="1"/>
-          </p:cNvSpPr>
-          <p:nvPr>
-            <p:ph type="sldNum" sz="quarter" idx="11"/>
-          </p:nvPr>
-        </p:nvSpPr>
-        <p:spPr/>
-        <p:txBody>
-          <a:bodyPr/>
-          <a:lstStyle/>
-          <a:p>
-            <a:pPr>
-              <a:defRPr/>
-            </a:pPr>
-            <a:endParaRPr lang="en-US"/>
-          </a:p>
-          <a:p>
-            <a:pPr>
-              <a:defRPr/>
-            </a:pPr>
-            <a:fld id="{E9A8CBA3-AA2B-46A6-BFA3-DCEBEAAB3F0A}" type="slidenum">
-              <a:rPr lang="en-US" smtClean="0"/>
-              <a:pPr>
-                <a:defRPr/>
-              </a:pPr>
-              <a:t>2</a:t>
-            </a:fld>
-            <a:endParaRPr lang="en-US"/>
-          </a:p>
-        </p:txBody>
-      </p:sp>
-      <p:sp>
-        <p:nvSpPr>
-          <p:cNvPr id="6" name="Text Placeholder 5"/>
-          <p:cNvSpPr>
-            <a:spLocks noGrp="1"/>
-          </p:cNvSpPr>
-          <p:nvPr>
-            <p:ph type="body" sz="quarter" idx="12"/>
-          </p:nvPr>
-        </p:nvSpPr>
-        <p:spPr/>
-        <p:txBody>
-          <a:bodyPr/>
-          <a:lstStyle/>
-          <a:p>
-            <a:r>
-              <a:rPr lang="en-US" dirty="0"/>
-              <a:t>Lecture 7.</a:t>
-            </a:r>
-          </a:p>
-        </p:txBody>
-      </p:sp>
-    </p:spTree>
-    <p:extLst>
-      <p:ext uri="{BB962C8B-B14F-4D97-AF65-F5344CB8AC3E}">
-        <p14:creationId xmlns:p14="http://schemas.microsoft.com/office/powerpoint/2010/main" val="3091858404"/>
-      </p:ext>
-    </p:extLst>
-  </p:cSld>
-  <p:clrMapOvr>
-    <a:masterClrMapping/>
-  </p:clrMapOvr>
-</p:sld>
-</file>
-
-<file path=ppt/slides/slide20.xml><?xml version="1.0" encoding="utf-8"?>
-<p:sld xmlns:a="http://schemas.openxmlformats.org/drawingml/2006/main" xmlns:r="http://schemas.openxmlformats.org/officeDocument/2006/relationships" xmlns:p="http://schemas.openxmlformats.org/presentationml/2006/main">
-  <p:cSld>
-    <p:spTree>
-      <p:nvGrpSpPr>
-        <p:cNvPr id="1" name=""/>
-        <p:cNvGrpSpPr/>
-        <p:nvPr/>
-      </p:nvGrpSpPr>
-      <p:grpSpPr>
-        <a:xfrm>
-          <a:off x="0" y="0"/>
-          <a:ext cx="0" cy="0"/>
-          <a:chOff x="0" y="0"/>
-          <a:chExt cx="0" cy="0"/>
-        </a:xfrm>
-      </p:grpSpPr>
-      <p:sp>
-        <p:nvSpPr>
-          <p:cNvPr id="2" name="Title 1"/>
-          <p:cNvSpPr>
-            <a:spLocks noGrp="1"/>
-          </p:cNvSpPr>
-          <p:nvPr>
-            <p:ph type="title"/>
-          </p:nvPr>
-        </p:nvSpPr>
-        <p:spPr/>
-        <p:txBody>
-          <a:bodyPr/>
-          <a:lstStyle/>
-          <a:p>
-            <a:r>
-              <a:rPr lang="en-US" dirty="0"/>
-              <a:t>Schoenfeld residuals</a:t>
-            </a:r>
-          </a:p>
-        </p:txBody>
-      </p:sp>
-      <p:sp>
-        <p:nvSpPr>
-          <p:cNvPr id="3" name="Text Placeholder 2"/>
-          <p:cNvSpPr>
-            <a:spLocks noGrp="1"/>
-          </p:cNvSpPr>
-          <p:nvPr>
-            <p:ph type="body" idx="1"/>
-          </p:nvPr>
-        </p:nvSpPr>
-        <p:spPr/>
-        <p:txBody>
-          <a:bodyPr/>
-          <a:lstStyle/>
-          <a:p>
-            <a:r>
-              <a:rPr lang="en-US" dirty="0"/>
-              <a:t>Regions of time where residuals are negative</a:t>
-            </a:r>
-          </a:p>
-          <a:p>
-            <a:pPr marL="342900" indent="-342900">
-              <a:buFont typeface="Arial" panose="020B0604020202020204" pitchFamily="34" charset="0"/>
-              <a:buChar char="•"/>
-            </a:pPr>
-            <a:r>
-              <a:rPr lang="en-US" dirty="0"/>
-              <a:t>the hazard ratio is a bit too large.</a:t>
-            </a:r>
-          </a:p>
-          <a:p>
-            <a:r>
-              <a:rPr lang="en-US" dirty="0"/>
-              <a:t>Regions of time where residuals are positive</a:t>
-            </a:r>
-          </a:p>
-          <a:p>
-            <a:pPr marL="342900" indent="-342900">
-              <a:buFont typeface="Arial" panose="020B0604020202020204" pitchFamily="34" charset="0"/>
-              <a:buChar char="•"/>
-            </a:pPr>
-            <a:r>
-              <a:rPr lang="en-US" dirty="0"/>
-              <a:t>the hazard ratio is a bit too small.</a:t>
-            </a:r>
-          </a:p>
-        </p:txBody>
-      </p:sp>
-      <p:sp>
-        <p:nvSpPr>
-          <p:cNvPr id="4" name="Footer Placeholder 3"/>
-          <p:cNvSpPr>
-            <a:spLocks noGrp="1"/>
-          </p:cNvSpPr>
-          <p:nvPr>
-            <p:ph type="ftr" sz="quarter" idx="10"/>
-          </p:nvPr>
-        </p:nvSpPr>
-        <p:spPr/>
-        <p:txBody>
-          <a:bodyPr/>
-          <a:lstStyle/>
-          <a:p>
-            <a:pPr>
-              <a:defRPr/>
-            </a:pPr>
-            <a:r>
-              <a:rPr lang="en-US" altLang="en-US" dirty="0"/>
-              <a:t>©2018 Steve Simon    http://TheAnalysisFactor.com</a:t>
-            </a:r>
-          </a:p>
-        </p:txBody>
-      </p:sp>
-      <p:sp>
-        <p:nvSpPr>
-          <p:cNvPr id="5" name="Slide Number Placeholder 4"/>
-          <p:cNvSpPr>
-            <a:spLocks noGrp="1"/>
-          </p:cNvSpPr>
-          <p:nvPr>
-            <p:ph type="sldNum" sz="quarter" idx="11"/>
-          </p:nvPr>
-        </p:nvSpPr>
-        <p:spPr/>
-        <p:txBody>
-          <a:bodyPr/>
-          <a:lstStyle/>
-          <a:p>
-            <a:pPr>
-              <a:defRPr/>
-            </a:pPr>
-            <a:endParaRPr lang="en-US"/>
-          </a:p>
-          <a:p>
-            <a:pPr>
-              <a:defRPr/>
-            </a:pPr>
-            <a:fld id="{E9A8CBA3-AA2B-46A6-BFA3-DCEBEAAB3F0A}" type="slidenum">
-              <a:rPr lang="en-US" smtClean="0"/>
-              <a:pPr>
-                <a:defRPr/>
-              </a:pPr>
-              <a:t>20</a:t>
-            </a:fld>
-            <a:endParaRPr lang="en-US"/>
-          </a:p>
-        </p:txBody>
-      </p:sp>
-      <p:sp>
-        <p:nvSpPr>
-          <p:cNvPr id="6" name="Text Placeholder 5"/>
-          <p:cNvSpPr>
-            <a:spLocks noGrp="1"/>
-          </p:cNvSpPr>
-          <p:nvPr>
-            <p:ph type="body" sz="quarter" idx="12"/>
-          </p:nvPr>
-        </p:nvSpPr>
-        <p:spPr/>
-        <p:txBody>
-          <a:bodyPr/>
-          <a:lstStyle/>
-          <a:p>
-            <a:r>
-              <a:rPr lang="en-US" dirty="0"/>
-              <a:t>Interpretation</a:t>
-            </a:r>
-          </a:p>
-        </p:txBody>
-      </p:sp>
-    </p:spTree>
-    <p:extLst>
-      <p:ext uri="{BB962C8B-B14F-4D97-AF65-F5344CB8AC3E}">
-        <p14:creationId xmlns:p14="http://schemas.microsoft.com/office/powerpoint/2010/main" val="2809644282"/>
-      </p:ext>
-    </p:extLst>
-  </p:cSld>
-  <p:clrMapOvr>
-    <a:masterClrMapping/>
-  </p:clrMapOvr>
-</p:sld>
-</file>
-
-<file path=ppt/slides/slide21.xml><?xml version="1.0" encoding="utf-8"?>
-<p:sld xmlns:a="http://schemas.openxmlformats.org/drawingml/2006/main" xmlns:r="http://schemas.openxmlformats.org/officeDocument/2006/relationships" xmlns:p="http://schemas.openxmlformats.org/presentationml/2006/main">
-  <p:cSld>
-    <p:spTree>
-      <p:nvGrpSpPr>
-        <p:cNvPr id="1" name=""/>
-        <p:cNvGrpSpPr/>
-        <p:nvPr/>
-      </p:nvGrpSpPr>
-      <p:grpSpPr>
-        <a:xfrm>
-          <a:off x="0" y="0"/>
-          <a:ext cx="0" cy="0"/>
-          <a:chOff x="0" y="0"/>
-          <a:chExt cx="0" cy="0"/>
-        </a:xfrm>
-      </p:grpSpPr>
-      <p:sp>
-        <p:nvSpPr>
-          <p:cNvPr id="2" name="Title 1"/>
-          <p:cNvSpPr>
-            <a:spLocks noGrp="1"/>
-          </p:cNvSpPr>
-          <p:nvPr>
-            <p:ph type="title"/>
-          </p:nvPr>
-        </p:nvSpPr>
-        <p:spPr/>
-        <p:txBody>
-          <a:bodyPr/>
-          <a:lstStyle/>
-          <a:p>
-            <a:r>
-              <a:rPr lang="en-US" dirty="0"/>
-              <a:t>Schoenfeld residuals</a:t>
-            </a:r>
-          </a:p>
-        </p:txBody>
-      </p:sp>
-      <p:sp>
-        <p:nvSpPr>
-          <p:cNvPr id="4" name="Footer Placeholder 3"/>
-          <p:cNvSpPr>
-            <a:spLocks noGrp="1"/>
-          </p:cNvSpPr>
-          <p:nvPr>
-            <p:ph type="ftr" sz="quarter" idx="10"/>
-          </p:nvPr>
-        </p:nvSpPr>
-        <p:spPr/>
-        <p:txBody>
-          <a:bodyPr/>
-          <a:lstStyle/>
-          <a:p>
-            <a:pPr>
-              <a:defRPr/>
-            </a:pPr>
-            <a:r>
-              <a:rPr lang="en-US" altLang="en-US" dirty="0"/>
-              <a:t>©2018 Steve Simon    http://TheAnalysisFactor.com</a:t>
-            </a:r>
-          </a:p>
-        </p:txBody>
-      </p:sp>
-      <p:sp>
-        <p:nvSpPr>
-          <p:cNvPr id="5" name="Slide Number Placeholder 4"/>
-          <p:cNvSpPr>
-            <a:spLocks noGrp="1"/>
-          </p:cNvSpPr>
-          <p:nvPr>
-            <p:ph type="sldNum" sz="quarter" idx="11"/>
-          </p:nvPr>
-        </p:nvSpPr>
-        <p:spPr/>
-        <p:txBody>
-          <a:bodyPr/>
-          <a:lstStyle/>
-          <a:p>
-            <a:pPr>
-              <a:defRPr/>
-            </a:pPr>
-            <a:endParaRPr lang="en-US"/>
-          </a:p>
-          <a:p>
-            <a:pPr>
-              <a:defRPr/>
-            </a:pPr>
-            <a:fld id="{E9A8CBA3-AA2B-46A6-BFA3-DCEBEAAB3F0A}" type="slidenum">
-              <a:rPr lang="en-US" smtClean="0"/>
-              <a:pPr>
-                <a:defRPr/>
-              </a:pPr>
-              <a:t>21</a:t>
-            </a:fld>
-            <a:endParaRPr lang="en-US"/>
-          </a:p>
-        </p:txBody>
-      </p:sp>
-      <p:pic>
-        <p:nvPicPr>
           <p:cNvPr id="3" name="Picture 2">
             <a:extLst>
               <a:ext uri="{FF2B5EF4-FFF2-40B4-BE49-F238E27FC236}">
-                <a16:creationId xmlns:a16="http://schemas.microsoft.com/office/drawing/2014/main" id="{81DD0EB6-FE4C-466B-B65A-ABFD2F40CD82}"/>
+                <a16:creationId xmlns:a16="http://schemas.microsoft.com/office/drawing/2014/main" id="{8C452CB5-A947-4568-8931-5A1B6B78E18C}"/>
               </a:ext>
             </a:extLst>
           </p:cNvPr>
@@ -5957,7 +4934,7 @@
     </p:spTree>
     <p:extLst>
       <p:ext uri="{BB962C8B-B14F-4D97-AF65-F5344CB8AC3E}">
-        <p14:creationId xmlns:p14="http://schemas.microsoft.com/office/powerpoint/2010/main" val="3957295900"/>
+        <p14:creationId xmlns:p14="http://schemas.microsoft.com/office/powerpoint/2010/main" val="2990982705"/>
       </p:ext>
     </p:extLst>
   </p:cSld>
@@ -5967,7 +4944,7 @@
 </p:sld>
 </file>
 
-<file path=ppt/slides/slide22.xml><?xml version="1.0" encoding="utf-8"?>
+<file path=ppt/slides/slide16.xml><?xml version="1.0" encoding="utf-8"?>
 <p:sld xmlns:a="http://schemas.openxmlformats.org/drawingml/2006/main" xmlns:r="http://schemas.openxmlformats.org/officeDocument/2006/relationships" xmlns:p="http://schemas.openxmlformats.org/presentationml/2006/main">
   <p:cSld>
     <p:spTree>
@@ -6001,8 +4978,33 @@
           <a:p>
             <a:r>
               <a:rPr lang="en-US" dirty="0"/>
-              <a:t>Schoenfeld residuals</a:t>
-            </a:r>
+              <a:t>Conclusion</a:t>
+            </a:r>
+          </a:p>
+        </p:txBody>
+      </p:sp>
+      <p:sp>
+        <p:nvSpPr>
+          <p:cNvPr id="3" name="Text Placeholder 2"/>
+          <p:cNvSpPr>
+            <a:spLocks noGrp="1"/>
+          </p:cNvSpPr>
+          <p:nvPr>
+            <p:ph type="body" idx="1"/>
+          </p:nvPr>
+        </p:nvSpPr>
+        <p:spPr/>
+        <p:txBody>
+          <a:bodyPr/>
+          <a:lstStyle/>
+          <a:p>
+            <a:pPr marL="457200" indent="-457200">
+              <a:buFont typeface="+mj-lt"/>
+              <a:buAutoNum type="arabicPeriod"/>
+            </a:pPr>
+            <a:endParaRPr lang="en-US" dirty="0">
+              <a:latin typeface="+mj-lt"/>
+            </a:endParaRPr>
           </a:p>
         </p:txBody>
       </p:sp>
@@ -6060,46 +5062,38 @@
               <a:pPr>
                 <a:defRPr/>
               </a:pPr>
-              <a:t>22</a:t>
+              <a:t>16</a:t>
             </a:fld>
             <a:endParaRPr lang="en-US"/>
           </a:p>
         </p:txBody>
       </p:sp>
-      <p:pic>
-        <p:nvPicPr>
-          <p:cNvPr id="6" name="Picture 5">
-            <a:extLst>
-              <a:ext uri="{FF2B5EF4-FFF2-40B4-BE49-F238E27FC236}">
-                <a16:creationId xmlns:a16="http://schemas.microsoft.com/office/drawing/2014/main" id="{B35FBCB4-8CC3-4E29-A874-BE892F73282E}"/>
-              </a:ext>
-            </a:extLst>
-          </p:cNvPr>
-          <p:cNvPicPr>
-            <a:picLocks noChangeAspect="1"/>
-          </p:cNvPicPr>
-          <p:nvPr/>
-        </p:nvPicPr>
-        <p:blipFill>
-          <a:blip r:embed="rId2"/>
-          <a:stretch>
-            <a:fillRect/>
-          </a:stretch>
-        </p:blipFill>
-        <p:spPr>
-          <a:xfrm>
-            <a:off x="457714" y="1143285"/>
-            <a:ext cx="8228571" cy="4571429"/>
-          </a:xfrm>
-          <a:prstGeom prst="rect">
-            <a:avLst/>
-          </a:prstGeom>
-        </p:spPr>
-      </p:pic>
+      <p:sp>
+        <p:nvSpPr>
+          <p:cNvPr id="6" name="Text Placeholder 5"/>
+          <p:cNvSpPr>
+            <a:spLocks noGrp="1"/>
+          </p:cNvSpPr>
+          <p:nvPr>
+            <p:ph type="body" sz="quarter" idx="12"/>
+          </p:nvPr>
+        </p:nvSpPr>
+        <p:spPr/>
+        <p:txBody>
+          <a:bodyPr/>
+          <a:lstStyle/>
+          <a:p>
+            <a:r>
+              <a:rPr lang="en-US" dirty="0"/>
+              <a:t>What have you learned today?</a:t>
+            </a:r>
+          </a:p>
+        </p:txBody>
+      </p:sp>
     </p:spTree>
     <p:extLst>
       <p:ext uri="{BB962C8B-B14F-4D97-AF65-F5344CB8AC3E}">
-        <p14:creationId xmlns:p14="http://schemas.microsoft.com/office/powerpoint/2010/main" val="502883599"/>
+        <p14:creationId xmlns:p14="http://schemas.microsoft.com/office/powerpoint/2010/main" val="1691035053"/>
       </p:ext>
     </p:extLst>
   </p:cSld>
@@ -6109,7 +5103,7 @@
 </p:sld>
 </file>
 
-<file path=ppt/slides/slide23.xml><?xml version="1.0" encoding="utf-8"?>
+<file path=ppt/slides/slide2.xml><?xml version="1.0" encoding="utf-8"?>
 <p:sld xmlns:a="http://schemas.openxmlformats.org/drawingml/2006/main" xmlns:r="http://schemas.openxmlformats.org/officeDocument/2006/relationships" xmlns:p="http://schemas.openxmlformats.org/presentationml/2006/main">
   <p:cSld>
     <p:spTree>
@@ -6143,7 +5137,29 @@
           <a:p>
             <a:r>
               <a:rPr lang="en-US" dirty="0"/>
-              <a:t>Schoenfeld residuals</a:t>
+              <a:t>Abstract</a:t>
+            </a:r>
+          </a:p>
+        </p:txBody>
+      </p:sp>
+      <p:sp>
+        <p:nvSpPr>
+          <p:cNvPr id="3" name="Text Placeholder 2"/>
+          <p:cNvSpPr>
+            <a:spLocks noGrp="1"/>
+          </p:cNvSpPr>
+          <p:nvPr>
+            <p:ph type="body" idx="1"/>
+          </p:nvPr>
+        </p:nvSpPr>
+        <p:spPr/>
+        <p:txBody>
+          <a:bodyPr/>
+          <a:lstStyle/>
+          <a:p>
+            <a:r>
+              <a:rPr lang="en-US" dirty="0"/>
+              <a:t>Lecture 7. Frailty models. You can incorporate multiple events per patient and account for center effects using frailty models, the survival data analysis equivalent to mixed models in linear regression. You’ll see how to define random effects and how to fit and interpret these models.</a:t>
             </a:r>
           </a:p>
         </p:txBody>
@@ -6202,887 +5218,38 @@
               <a:pPr>
                 <a:defRPr/>
               </a:pPr>
-              <a:t>23</a:t>
+              <a:t>2</a:t>
             </a:fld>
             <a:endParaRPr lang="en-US"/>
           </a:p>
         </p:txBody>
       </p:sp>
-      <p:pic>
-        <p:nvPicPr>
-          <p:cNvPr id="3" name="Picture 2">
-            <a:extLst>
-              <a:ext uri="{FF2B5EF4-FFF2-40B4-BE49-F238E27FC236}">
-                <a16:creationId xmlns:a16="http://schemas.microsoft.com/office/drawing/2014/main" id="{67CA2FEE-8556-4DB8-A241-DB86CA5CEDCE}"/>
-              </a:ext>
-            </a:extLst>
-          </p:cNvPr>
-          <p:cNvPicPr>
-            <a:picLocks noChangeAspect="1"/>
-          </p:cNvPicPr>
-          <p:nvPr/>
-        </p:nvPicPr>
-        <p:blipFill>
-          <a:blip r:embed="rId2"/>
-          <a:stretch>
-            <a:fillRect/>
-          </a:stretch>
-        </p:blipFill>
-        <p:spPr>
-          <a:xfrm>
-            <a:off x="457714" y="1143285"/>
-            <a:ext cx="8228571" cy="4571429"/>
-          </a:xfrm>
-          <a:prstGeom prst="rect">
-            <a:avLst/>
-          </a:prstGeom>
-        </p:spPr>
-      </p:pic>
+      <p:sp>
+        <p:nvSpPr>
+          <p:cNvPr id="6" name="Text Placeholder 5"/>
+          <p:cNvSpPr>
+            <a:spLocks noGrp="1"/>
+          </p:cNvSpPr>
+          <p:nvPr>
+            <p:ph type="body" sz="quarter" idx="12"/>
+          </p:nvPr>
+        </p:nvSpPr>
+        <p:spPr/>
+        <p:txBody>
+          <a:bodyPr/>
+          <a:lstStyle/>
+          <a:p>
+            <a:r>
+              <a:rPr lang="en-US" dirty="0"/>
+              <a:t>Lecture 7.</a:t>
+            </a:r>
+          </a:p>
+        </p:txBody>
+      </p:sp>
     </p:spTree>
     <p:extLst>
       <p:ext uri="{BB962C8B-B14F-4D97-AF65-F5344CB8AC3E}">
-        <p14:creationId xmlns:p14="http://schemas.microsoft.com/office/powerpoint/2010/main" val="343583874"/>
-      </p:ext>
-    </p:extLst>
-  </p:cSld>
-  <p:clrMapOvr>
-    <a:masterClrMapping/>
-  </p:clrMapOvr>
-</p:sld>
-</file>
-
-<file path=ppt/slides/slide24.xml><?xml version="1.0" encoding="utf-8"?>
-<p:sld xmlns:a="http://schemas.openxmlformats.org/drawingml/2006/main" xmlns:r="http://schemas.openxmlformats.org/officeDocument/2006/relationships" xmlns:p="http://schemas.openxmlformats.org/presentationml/2006/main">
-  <p:cSld>
-    <p:spTree>
-      <p:nvGrpSpPr>
-        <p:cNvPr id="1" name=""/>
-        <p:cNvGrpSpPr/>
-        <p:nvPr/>
-      </p:nvGrpSpPr>
-      <p:grpSpPr>
-        <a:xfrm>
-          <a:off x="0" y="0"/>
-          <a:ext cx="0" cy="0"/>
-          <a:chOff x="0" y="0"/>
-          <a:chExt cx="0" cy="0"/>
-        </a:xfrm>
-      </p:grpSpPr>
-      <p:sp>
-        <p:nvSpPr>
-          <p:cNvPr id="2" name="Title 1"/>
-          <p:cNvSpPr>
-            <a:spLocks noGrp="1"/>
-          </p:cNvSpPr>
-          <p:nvPr>
-            <p:ph type="title"/>
-          </p:nvPr>
-        </p:nvSpPr>
-        <p:spPr/>
-        <p:txBody>
-          <a:bodyPr/>
-          <a:lstStyle/>
-          <a:p>
-            <a:r>
-              <a:rPr lang="en-US" dirty="0"/>
-              <a:t>Stratified models</a:t>
-            </a:r>
-          </a:p>
-        </p:txBody>
-      </p:sp>
-      <p:sp>
-        <p:nvSpPr>
-          <p:cNvPr id="3" name="Text Placeholder 2"/>
-          <p:cNvSpPr>
-            <a:spLocks noGrp="1"/>
-          </p:cNvSpPr>
-          <p:nvPr>
-            <p:ph type="body" idx="1"/>
-          </p:nvPr>
-        </p:nvSpPr>
-        <p:spPr/>
-        <p:txBody>
-          <a:bodyPr/>
-          <a:lstStyle/>
-          <a:p>
-            <a:r>
-              <a:rPr lang="en-US" dirty="0"/>
-              <a:t>Stratification creates a separate baseline hazard for each level of your strata.</a:t>
-            </a:r>
-          </a:p>
-          <a:p>
-            <a:endParaRPr lang="en-US" dirty="0"/>
-          </a:p>
-          <a:p>
-            <a:r>
-              <a:rPr lang="en-US" dirty="0"/>
-              <a:t>Only helpful when the time-varying covariate is a nuisance parameter.</a:t>
-            </a:r>
-          </a:p>
-        </p:txBody>
-      </p:sp>
-      <p:sp>
-        <p:nvSpPr>
-          <p:cNvPr id="4" name="Footer Placeholder 3"/>
-          <p:cNvSpPr>
-            <a:spLocks noGrp="1"/>
-          </p:cNvSpPr>
-          <p:nvPr>
-            <p:ph type="ftr" sz="quarter" idx="10"/>
-          </p:nvPr>
-        </p:nvSpPr>
-        <p:spPr/>
-        <p:txBody>
-          <a:bodyPr/>
-          <a:lstStyle/>
-          <a:p>
-            <a:pPr>
-              <a:defRPr/>
-            </a:pPr>
-            <a:r>
-              <a:rPr lang="en-US" altLang="en-US" dirty="0"/>
-              <a:t>©2018 Steve Simon    http://TheAnalysisFactor.com</a:t>
-            </a:r>
-          </a:p>
-        </p:txBody>
-      </p:sp>
-      <p:sp>
-        <p:nvSpPr>
-          <p:cNvPr id="5" name="Slide Number Placeholder 4"/>
-          <p:cNvSpPr>
-            <a:spLocks noGrp="1"/>
-          </p:cNvSpPr>
-          <p:nvPr>
-            <p:ph type="sldNum" sz="quarter" idx="11"/>
-          </p:nvPr>
-        </p:nvSpPr>
-        <p:spPr/>
-        <p:txBody>
-          <a:bodyPr/>
-          <a:lstStyle/>
-          <a:p>
-            <a:pPr>
-              <a:defRPr/>
-            </a:pPr>
-            <a:endParaRPr lang="en-US"/>
-          </a:p>
-          <a:p>
-            <a:pPr>
-              <a:defRPr/>
-            </a:pPr>
-            <a:fld id="{E9A8CBA3-AA2B-46A6-BFA3-DCEBEAAB3F0A}" type="slidenum">
-              <a:rPr lang="en-US" smtClean="0"/>
-              <a:pPr>
-                <a:defRPr/>
-              </a:pPr>
-              <a:t>24</a:t>
-            </a:fld>
-            <a:endParaRPr lang="en-US"/>
-          </a:p>
-        </p:txBody>
-      </p:sp>
-      <p:sp>
-        <p:nvSpPr>
-          <p:cNvPr id="6" name="Text Placeholder 5"/>
-          <p:cNvSpPr>
-            <a:spLocks noGrp="1"/>
-          </p:cNvSpPr>
-          <p:nvPr>
-            <p:ph type="body" sz="quarter" idx="12"/>
-          </p:nvPr>
-        </p:nvSpPr>
-        <p:spPr/>
-        <p:txBody>
-          <a:bodyPr/>
-          <a:lstStyle/>
-          <a:p>
-            <a:r>
-              <a:rPr lang="en-US" dirty="0"/>
-              <a:t>The easiest solution for time-varying covariates</a:t>
-            </a:r>
-          </a:p>
-        </p:txBody>
-      </p:sp>
-    </p:spTree>
-    <p:extLst>
-      <p:ext uri="{BB962C8B-B14F-4D97-AF65-F5344CB8AC3E}">
-        <p14:creationId xmlns:p14="http://schemas.microsoft.com/office/powerpoint/2010/main" val="82663582"/>
-      </p:ext>
-    </p:extLst>
-  </p:cSld>
-  <p:clrMapOvr>
-    <a:masterClrMapping/>
-  </p:clrMapOvr>
-</p:sld>
-</file>
-
-<file path=ppt/slides/slide25.xml><?xml version="1.0" encoding="utf-8"?>
-<p:sld xmlns:a="http://schemas.openxmlformats.org/drawingml/2006/main" xmlns:r="http://schemas.openxmlformats.org/officeDocument/2006/relationships" xmlns:p="http://schemas.openxmlformats.org/presentationml/2006/main">
-  <p:cSld>
-    <p:spTree>
-      <p:nvGrpSpPr>
-        <p:cNvPr id="1" name=""/>
-        <p:cNvGrpSpPr/>
-        <p:nvPr/>
-      </p:nvGrpSpPr>
-      <p:grpSpPr>
-        <a:xfrm>
-          <a:off x="0" y="0"/>
-          <a:ext cx="0" cy="0"/>
-          <a:chOff x="0" y="0"/>
-          <a:chExt cx="0" cy="0"/>
-        </a:xfrm>
-      </p:grpSpPr>
-      <p:sp>
-        <p:nvSpPr>
-          <p:cNvPr id="2" name="Title 1"/>
-          <p:cNvSpPr>
-            <a:spLocks noGrp="1"/>
-          </p:cNvSpPr>
-          <p:nvPr>
-            <p:ph type="title"/>
-          </p:nvPr>
-        </p:nvSpPr>
-        <p:spPr/>
-        <p:txBody>
-          <a:bodyPr/>
-          <a:lstStyle/>
-          <a:p>
-            <a:r>
-              <a:rPr lang="en-US" dirty="0"/>
-              <a:t>Stratified models</a:t>
-            </a:r>
-          </a:p>
-        </p:txBody>
-      </p:sp>
-      <p:sp>
-        <p:nvSpPr>
-          <p:cNvPr id="4" name="Footer Placeholder 3"/>
-          <p:cNvSpPr>
-            <a:spLocks noGrp="1"/>
-          </p:cNvSpPr>
-          <p:nvPr>
-            <p:ph type="ftr" sz="quarter" idx="10"/>
-          </p:nvPr>
-        </p:nvSpPr>
-        <p:spPr/>
-        <p:txBody>
-          <a:bodyPr/>
-          <a:lstStyle/>
-          <a:p>
-            <a:pPr>
-              <a:defRPr/>
-            </a:pPr>
-            <a:r>
-              <a:rPr lang="en-US" altLang="en-US" dirty="0"/>
-              <a:t>©2018 Steve Simon    http://TheAnalysisFactor.com</a:t>
-            </a:r>
-          </a:p>
-        </p:txBody>
-      </p:sp>
-      <p:sp>
-        <p:nvSpPr>
-          <p:cNvPr id="5" name="Slide Number Placeholder 4"/>
-          <p:cNvSpPr>
-            <a:spLocks noGrp="1"/>
-          </p:cNvSpPr>
-          <p:nvPr>
-            <p:ph type="sldNum" sz="quarter" idx="11"/>
-          </p:nvPr>
-        </p:nvSpPr>
-        <p:spPr/>
-        <p:txBody>
-          <a:bodyPr/>
-          <a:lstStyle/>
-          <a:p>
-            <a:pPr>
-              <a:defRPr/>
-            </a:pPr>
-            <a:endParaRPr lang="en-US"/>
-          </a:p>
-          <a:p>
-            <a:pPr>
-              <a:defRPr/>
-            </a:pPr>
-            <a:fld id="{E9A8CBA3-AA2B-46A6-BFA3-DCEBEAAB3F0A}" type="slidenum">
-              <a:rPr lang="en-US" smtClean="0"/>
-              <a:pPr>
-                <a:defRPr/>
-              </a:pPr>
-              <a:t>25</a:t>
-            </a:fld>
-            <a:endParaRPr lang="en-US"/>
-          </a:p>
-        </p:txBody>
-      </p:sp>
-      <p:pic>
-        <p:nvPicPr>
-          <p:cNvPr id="6" name="Picture 5">
-            <a:extLst>
-              <a:ext uri="{FF2B5EF4-FFF2-40B4-BE49-F238E27FC236}">
-                <a16:creationId xmlns:a16="http://schemas.microsoft.com/office/drawing/2014/main" id="{3574A693-025E-4107-BEB1-F0966A911253}"/>
-              </a:ext>
-            </a:extLst>
-          </p:cNvPr>
-          <p:cNvPicPr>
-            <a:picLocks noChangeAspect="1"/>
-          </p:cNvPicPr>
-          <p:nvPr/>
-        </p:nvPicPr>
-        <p:blipFill>
-          <a:blip r:embed="rId2"/>
-          <a:stretch>
-            <a:fillRect/>
-          </a:stretch>
-        </p:blipFill>
-        <p:spPr>
-          <a:xfrm>
-            <a:off x="457200" y="1295400"/>
-            <a:ext cx="7666667" cy="1838095"/>
-          </a:xfrm>
-          <a:prstGeom prst="rect">
-            <a:avLst/>
-          </a:prstGeom>
-        </p:spPr>
-      </p:pic>
-    </p:spTree>
-    <p:extLst>
-      <p:ext uri="{BB962C8B-B14F-4D97-AF65-F5344CB8AC3E}">
-        <p14:creationId xmlns:p14="http://schemas.microsoft.com/office/powerpoint/2010/main" val="3470184226"/>
-      </p:ext>
-    </p:extLst>
-  </p:cSld>
-  <p:clrMapOvr>
-    <a:masterClrMapping/>
-  </p:clrMapOvr>
-</p:sld>
-</file>
-
-<file path=ppt/slides/slide26.xml><?xml version="1.0" encoding="utf-8"?>
-<p:sld xmlns:a="http://schemas.openxmlformats.org/drawingml/2006/main" xmlns:r="http://schemas.openxmlformats.org/officeDocument/2006/relationships" xmlns:p="http://schemas.openxmlformats.org/presentationml/2006/main">
-  <p:cSld>
-    <p:spTree>
-      <p:nvGrpSpPr>
-        <p:cNvPr id="1" name=""/>
-        <p:cNvGrpSpPr/>
-        <p:nvPr/>
-      </p:nvGrpSpPr>
-      <p:grpSpPr>
-        <a:xfrm>
-          <a:off x="0" y="0"/>
-          <a:ext cx="0" cy="0"/>
-          <a:chOff x="0" y="0"/>
-          <a:chExt cx="0" cy="0"/>
-        </a:xfrm>
-      </p:grpSpPr>
-      <p:sp>
-        <p:nvSpPr>
-          <p:cNvPr id="2" name="Title 1"/>
-          <p:cNvSpPr>
-            <a:spLocks noGrp="1"/>
-          </p:cNvSpPr>
-          <p:nvPr>
-            <p:ph type="title"/>
-          </p:nvPr>
-        </p:nvSpPr>
-        <p:spPr/>
-        <p:txBody>
-          <a:bodyPr/>
-          <a:lstStyle/>
-          <a:p>
-            <a:r>
-              <a:rPr lang="en-US" dirty="0"/>
-              <a:t>Clinic 1 survivals: solid line is </a:t>
-            </a:r>
-            <a:r>
-              <a:rPr lang="en-US" dirty="0" err="1"/>
-              <a:t>prison_record</a:t>
-            </a:r>
-            <a:r>
-              <a:rPr lang="en-US" dirty="0"/>
-              <a:t>=no</a:t>
-            </a:r>
-          </a:p>
-        </p:txBody>
-      </p:sp>
-      <p:sp>
-        <p:nvSpPr>
-          <p:cNvPr id="4" name="Footer Placeholder 3"/>
-          <p:cNvSpPr>
-            <a:spLocks noGrp="1"/>
-          </p:cNvSpPr>
-          <p:nvPr>
-            <p:ph type="ftr" sz="quarter" idx="10"/>
-          </p:nvPr>
-        </p:nvSpPr>
-        <p:spPr/>
-        <p:txBody>
-          <a:bodyPr/>
-          <a:lstStyle/>
-          <a:p>
-            <a:pPr>
-              <a:defRPr/>
-            </a:pPr>
-            <a:r>
-              <a:rPr lang="en-US" altLang="en-US" dirty="0"/>
-              <a:t>©2018 Steve Simon    http://TheAnalysisFactor.com</a:t>
-            </a:r>
-          </a:p>
-        </p:txBody>
-      </p:sp>
-      <p:sp>
-        <p:nvSpPr>
-          <p:cNvPr id="5" name="Slide Number Placeholder 4"/>
-          <p:cNvSpPr>
-            <a:spLocks noGrp="1"/>
-          </p:cNvSpPr>
-          <p:nvPr>
-            <p:ph type="sldNum" sz="quarter" idx="11"/>
-          </p:nvPr>
-        </p:nvSpPr>
-        <p:spPr/>
-        <p:txBody>
-          <a:bodyPr/>
-          <a:lstStyle/>
-          <a:p>
-            <a:pPr>
-              <a:defRPr/>
-            </a:pPr>
-            <a:endParaRPr lang="en-US"/>
-          </a:p>
-          <a:p>
-            <a:pPr>
-              <a:defRPr/>
-            </a:pPr>
-            <a:fld id="{E9A8CBA3-AA2B-46A6-BFA3-DCEBEAAB3F0A}" type="slidenum">
-              <a:rPr lang="en-US" smtClean="0"/>
-              <a:pPr>
-                <a:defRPr/>
-              </a:pPr>
-              <a:t>26</a:t>
-            </a:fld>
-            <a:endParaRPr lang="en-US"/>
-          </a:p>
-        </p:txBody>
-      </p:sp>
-      <p:pic>
-        <p:nvPicPr>
-          <p:cNvPr id="7" name="Picture 6">
-            <a:extLst>
-              <a:ext uri="{FF2B5EF4-FFF2-40B4-BE49-F238E27FC236}">
-                <a16:creationId xmlns:a16="http://schemas.microsoft.com/office/drawing/2014/main" id="{3DEB0AA2-E2D4-44DE-B305-97924F1E3870}"/>
-              </a:ext>
-            </a:extLst>
-          </p:cNvPr>
-          <p:cNvPicPr>
-            <a:picLocks noChangeAspect="1"/>
-          </p:cNvPicPr>
-          <p:nvPr/>
-        </p:nvPicPr>
-        <p:blipFill>
-          <a:blip r:embed="rId2"/>
-          <a:stretch>
-            <a:fillRect/>
-          </a:stretch>
-        </p:blipFill>
-        <p:spPr>
-          <a:xfrm>
-            <a:off x="457200" y="1143000"/>
-            <a:ext cx="8229600" cy="4572000"/>
-          </a:xfrm>
-          <a:prstGeom prst="rect">
-            <a:avLst/>
-          </a:prstGeom>
-        </p:spPr>
-      </p:pic>
-    </p:spTree>
-    <p:extLst>
-      <p:ext uri="{BB962C8B-B14F-4D97-AF65-F5344CB8AC3E}">
-        <p14:creationId xmlns:p14="http://schemas.microsoft.com/office/powerpoint/2010/main" val="1734469814"/>
-      </p:ext>
-    </p:extLst>
-  </p:cSld>
-  <p:clrMapOvr>
-    <a:masterClrMapping/>
-  </p:clrMapOvr>
-</p:sld>
-</file>
-
-<file path=ppt/slides/slide27.xml><?xml version="1.0" encoding="utf-8"?>
-<p:sld xmlns:a="http://schemas.openxmlformats.org/drawingml/2006/main" xmlns:r="http://schemas.openxmlformats.org/officeDocument/2006/relationships" xmlns:p="http://schemas.openxmlformats.org/presentationml/2006/main">
-  <p:cSld>
-    <p:spTree>
-      <p:nvGrpSpPr>
-        <p:cNvPr id="1" name=""/>
-        <p:cNvGrpSpPr/>
-        <p:nvPr/>
-      </p:nvGrpSpPr>
-      <p:grpSpPr>
-        <a:xfrm>
-          <a:off x="0" y="0"/>
-          <a:ext cx="0" cy="0"/>
-          <a:chOff x="0" y="0"/>
-          <a:chExt cx="0" cy="0"/>
-        </a:xfrm>
-      </p:grpSpPr>
-      <p:sp>
-        <p:nvSpPr>
-          <p:cNvPr id="2" name="Title 1"/>
-          <p:cNvSpPr>
-            <a:spLocks noGrp="1"/>
-          </p:cNvSpPr>
-          <p:nvPr>
-            <p:ph type="title"/>
-          </p:nvPr>
-        </p:nvSpPr>
-        <p:spPr/>
-        <p:txBody>
-          <a:bodyPr/>
-          <a:lstStyle/>
-          <a:p>
-            <a:r>
-              <a:rPr lang="en-US" dirty="0"/>
-              <a:t>Clinic 2 survivals: solid line is </a:t>
-            </a:r>
-            <a:r>
-              <a:rPr lang="en-US" dirty="0" err="1"/>
-              <a:t>prison_record</a:t>
-            </a:r>
-            <a:r>
-              <a:rPr lang="en-US" dirty="0"/>
-              <a:t>=no</a:t>
-            </a:r>
-          </a:p>
-        </p:txBody>
-      </p:sp>
-      <p:sp>
-        <p:nvSpPr>
-          <p:cNvPr id="4" name="Footer Placeholder 3"/>
-          <p:cNvSpPr>
-            <a:spLocks noGrp="1"/>
-          </p:cNvSpPr>
-          <p:nvPr>
-            <p:ph type="ftr" sz="quarter" idx="10"/>
-          </p:nvPr>
-        </p:nvSpPr>
-        <p:spPr/>
-        <p:txBody>
-          <a:bodyPr/>
-          <a:lstStyle/>
-          <a:p>
-            <a:pPr>
-              <a:defRPr/>
-            </a:pPr>
-            <a:r>
-              <a:rPr lang="en-US" altLang="en-US" dirty="0"/>
-              <a:t>©2018 Steve Simon    http://TheAnalysisFactor.com</a:t>
-            </a:r>
-          </a:p>
-        </p:txBody>
-      </p:sp>
-      <p:sp>
-        <p:nvSpPr>
-          <p:cNvPr id="5" name="Slide Number Placeholder 4"/>
-          <p:cNvSpPr>
-            <a:spLocks noGrp="1"/>
-          </p:cNvSpPr>
-          <p:nvPr>
-            <p:ph type="sldNum" sz="quarter" idx="11"/>
-          </p:nvPr>
-        </p:nvSpPr>
-        <p:spPr/>
-        <p:txBody>
-          <a:bodyPr/>
-          <a:lstStyle/>
-          <a:p>
-            <a:pPr>
-              <a:defRPr/>
-            </a:pPr>
-            <a:endParaRPr lang="en-US"/>
-          </a:p>
-          <a:p>
-            <a:pPr>
-              <a:defRPr/>
-            </a:pPr>
-            <a:fld id="{E9A8CBA3-AA2B-46A6-BFA3-DCEBEAAB3F0A}" type="slidenum">
-              <a:rPr lang="en-US" smtClean="0"/>
-              <a:pPr>
-                <a:defRPr/>
-              </a:pPr>
-              <a:t>27</a:t>
-            </a:fld>
-            <a:endParaRPr lang="en-US"/>
-          </a:p>
-        </p:txBody>
-      </p:sp>
-      <p:pic>
-        <p:nvPicPr>
-          <p:cNvPr id="3" name="Picture 2">
-            <a:extLst>
-              <a:ext uri="{FF2B5EF4-FFF2-40B4-BE49-F238E27FC236}">
-                <a16:creationId xmlns:a16="http://schemas.microsoft.com/office/drawing/2014/main" id="{9A101C18-3B02-45D2-8B2D-27BBD5594DE4}"/>
-              </a:ext>
-            </a:extLst>
-          </p:cNvPr>
-          <p:cNvPicPr>
-            <a:picLocks noChangeAspect="1"/>
-          </p:cNvPicPr>
-          <p:nvPr/>
-        </p:nvPicPr>
-        <p:blipFill>
-          <a:blip r:embed="rId2"/>
-          <a:stretch>
-            <a:fillRect/>
-          </a:stretch>
-        </p:blipFill>
-        <p:spPr>
-          <a:xfrm>
-            <a:off x="457200" y="1143000"/>
-            <a:ext cx="8229600" cy="4572000"/>
-          </a:xfrm>
-          <a:prstGeom prst="rect">
-            <a:avLst/>
-          </a:prstGeom>
-        </p:spPr>
-      </p:pic>
-    </p:spTree>
-    <p:extLst>
-      <p:ext uri="{BB962C8B-B14F-4D97-AF65-F5344CB8AC3E}">
-        <p14:creationId xmlns:p14="http://schemas.microsoft.com/office/powerpoint/2010/main" val="3859007952"/>
-      </p:ext>
-    </p:extLst>
-  </p:cSld>
-  <p:clrMapOvr>
-    <a:masterClrMapping/>
-  </p:clrMapOvr>
-</p:sld>
-</file>
-
-<file path=ppt/slides/slide28.xml><?xml version="1.0" encoding="utf-8"?>
-<p:sld xmlns:a="http://schemas.openxmlformats.org/drawingml/2006/main" xmlns:r="http://schemas.openxmlformats.org/officeDocument/2006/relationships" xmlns:p="http://schemas.openxmlformats.org/presentationml/2006/main">
-  <p:cSld>
-    <p:spTree>
-      <p:nvGrpSpPr>
-        <p:cNvPr id="1" name=""/>
-        <p:cNvGrpSpPr/>
-        <p:nvPr/>
-      </p:nvGrpSpPr>
-      <p:grpSpPr>
-        <a:xfrm>
-          <a:off x="0" y="0"/>
-          <a:ext cx="0" cy="0"/>
-          <a:chOff x="0" y="0"/>
-          <a:chExt cx="0" cy="0"/>
-        </a:xfrm>
-      </p:grpSpPr>
-      <p:sp>
-        <p:nvSpPr>
-          <p:cNvPr id="2" name="Title 1"/>
-          <p:cNvSpPr>
-            <a:spLocks noGrp="1"/>
-          </p:cNvSpPr>
-          <p:nvPr>
-            <p:ph type="title"/>
-          </p:nvPr>
-        </p:nvSpPr>
-        <p:spPr/>
-        <p:txBody>
-          <a:bodyPr/>
-          <a:lstStyle/>
-          <a:p>
-            <a:r>
-              <a:rPr lang="en-US" dirty="0"/>
-              <a:t>Stanford transplant data</a:t>
-            </a:r>
-          </a:p>
-        </p:txBody>
-      </p:sp>
-      <p:sp>
-        <p:nvSpPr>
-          <p:cNvPr id="5" name="Slide Number Placeholder 4"/>
-          <p:cNvSpPr>
-            <a:spLocks noGrp="1"/>
-          </p:cNvSpPr>
-          <p:nvPr>
-            <p:ph type="sldNum" sz="quarter" idx="11"/>
-          </p:nvPr>
-        </p:nvSpPr>
-        <p:spPr/>
-        <p:txBody>
-          <a:bodyPr/>
-          <a:lstStyle/>
-          <a:p>
-            <a:pPr>
-              <a:defRPr/>
-            </a:pPr>
-            <a:endParaRPr lang="en-US"/>
-          </a:p>
-          <a:p>
-            <a:pPr>
-              <a:defRPr/>
-            </a:pPr>
-            <a:fld id="{E9A8CBA3-AA2B-46A6-BFA3-DCEBEAAB3F0A}" type="slidenum">
-              <a:rPr lang="en-US" smtClean="0"/>
-              <a:pPr>
-                <a:defRPr/>
-              </a:pPr>
-              <a:t>28</a:t>
-            </a:fld>
-            <a:endParaRPr lang="en-US"/>
-          </a:p>
-        </p:txBody>
-      </p:sp>
-      <p:pic>
-        <p:nvPicPr>
-          <p:cNvPr id="12" name="Picture 11">
-            <a:extLst>
-              <a:ext uri="{FF2B5EF4-FFF2-40B4-BE49-F238E27FC236}">
-                <a16:creationId xmlns:a16="http://schemas.microsoft.com/office/drawing/2014/main" id="{8F2DCFEE-1C0B-4C44-9CD8-829EEDCAFC20}"/>
-              </a:ext>
-            </a:extLst>
-          </p:cNvPr>
-          <p:cNvPicPr>
-            <a:picLocks noChangeAspect="1"/>
-          </p:cNvPicPr>
-          <p:nvPr/>
-        </p:nvPicPr>
-        <p:blipFill>
-          <a:blip r:embed="rId2"/>
-          <a:stretch>
-            <a:fillRect/>
-          </a:stretch>
-        </p:blipFill>
-        <p:spPr>
-          <a:xfrm>
-            <a:off x="348190" y="1119996"/>
-            <a:ext cx="8447619" cy="5400000"/>
-          </a:xfrm>
-          <a:prstGeom prst="rect">
-            <a:avLst/>
-          </a:prstGeom>
-        </p:spPr>
-      </p:pic>
-    </p:spTree>
-    <p:extLst>
-      <p:ext uri="{BB962C8B-B14F-4D97-AF65-F5344CB8AC3E}">
-        <p14:creationId xmlns:p14="http://schemas.microsoft.com/office/powerpoint/2010/main" val="1113131820"/>
-      </p:ext>
-    </p:extLst>
-  </p:cSld>
-  <p:clrMapOvr>
-    <a:masterClrMapping/>
-  </p:clrMapOvr>
-</p:sld>
-</file>
-
-<file path=ppt/slides/slide29.xml><?xml version="1.0" encoding="utf-8"?>
-<p:sld xmlns:a="http://schemas.openxmlformats.org/drawingml/2006/main" xmlns:r="http://schemas.openxmlformats.org/officeDocument/2006/relationships" xmlns:p="http://schemas.openxmlformats.org/presentationml/2006/main">
-  <p:cSld>
-    <p:spTree>
-      <p:nvGrpSpPr>
-        <p:cNvPr id="1" name=""/>
-        <p:cNvGrpSpPr/>
-        <p:nvPr/>
-      </p:nvGrpSpPr>
-      <p:grpSpPr>
-        <a:xfrm>
-          <a:off x="0" y="0"/>
-          <a:ext cx="0" cy="0"/>
-          <a:chOff x="0" y="0"/>
-          <a:chExt cx="0" cy="0"/>
-        </a:xfrm>
-      </p:grpSpPr>
-      <p:sp>
-        <p:nvSpPr>
-          <p:cNvPr id="2" name="Title 1"/>
-          <p:cNvSpPr>
-            <a:spLocks noGrp="1"/>
-          </p:cNvSpPr>
-          <p:nvPr>
-            <p:ph type="title"/>
-          </p:nvPr>
-        </p:nvSpPr>
-        <p:spPr/>
-        <p:txBody>
-          <a:bodyPr/>
-          <a:lstStyle/>
-          <a:p>
-            <a:r>
-              <a:rPr lang="en-US" dirty="0"/>
-              <a:t>Stanford transplant data</a:t>
-            </a:r>
-          </a:p>
-        </p:txBody>
-      </p:sp>
-      <p:sp>
-        <p:nvSpPr>
-          <p:cNvPr id="5" name="Slide Number Placeholder 4"/>
-          <p:cNvSpPr>
-            <a:spLocks noGrp="1"/>
-          </p:cNvSpPr>
-          <p:nvPr>
-            <p:ph type="sldNum" sz="quarter" idx="11"/>
-          </p:nvPr>
-        </p:nvSpPr>
-        <p:spPr/>
-        <p:txBody>
-          <a:bodyPr/>
-          <a:lstStyle/>
-          <a:p>
-            <a:pPr>
-              <a:defRPr/>
-            </a:pPr>
-            <a:endParaRPr lang="en-US"/>
-          </a:p>
-          <a:p>
-            <a:pPr>
-              <a:defRPr/>
-            </a:pPr>
-            <a:fld id="{E9A8CBA3-AA2B-46A6-BFA3-DCEBEAAB3F0A}" type="slidenum">
-              <a:rPr lang="en-US" smtClean="0"/>
-              <a:pPr>
-                <a:defRPr/>
-              </a:pPr>
-              <a:t>29</a:t>
-            </a:fld>
-            <a:endParaRPr lang="en-US"/>
-          </a:p>
-        </p:txBody>
-      </p:sp>
-      <p:pic>
-        <p:nvPicPr>
-          <p:cNvPr id="11" name="Picture 10">
-            <a:extLst>
-              <a:ext uri="{FF2B5EF4-FFF2-40B4-BE49-F238E27FC236}">
-                <a16:creationId xmlns:a16="http://schemas.microsoft.com/office/drawing/2014/main" id="{B1C31E0B-086B-41C0-93B5-4508FAE2A7E0}"/>
-              </a:ext>
-            </a:extLst>
-          </p:cNvPr>
-          <p:cNvPicPr>
-            <a:picLocks noChangeAspect="1"/>
-          </p:cNvPicPr>
-          <p:nvPr/>
-        </p:nvPicPr>
-        <p:blipFill>
-          <a:blip r:embed="rId2"/>
-          <a:stretch>
-            <a:fillRect/>
-          </a:stretch>
-        </p:blipFill>
-        <p:spPr>
-          <a:xfrm>
-            <a:off x="524381" y="1029382"/>
-            <a:ext cx="4047619" cy="5457143"/>
-          </a:xfrm>
-          <a:prstGeom prst="rect">
-            <a:avLst/>
-          </a:prstGeom>
-        </p:spPr>
-      </p:pic>
-    </p:spTree>
-    <p:extLst>
-      <p:ext uri="{BB962C8B-B14F-4D97-AF65-F5344CB8AC3E}">
-        <p14:creationId xmlns:p14="http://schemas.microsoft.com/office/powerpoint/2010/main" val="4059982873"/>
+        <p14:creationId xmlns:p14="http://schemas.microsoft.com/office/powerpoint/2010/main" val="3091858404"/>
       </p:ext>
     </p:extLst>
   </p:cSld>
@@ -7234,2479 +5401,6 @@
 </p:sld>
 </file>
 
-<file path=ppt/slides/slide30.xml><?xml version="1.0" encoding="utf-8"?>
-<p:sld xmlns:a="http://schemas.openxmlformats.org/drawingml/2006/main" xmlns:r="http://schemas.openxmlformats.org/officeDocument/2006/relationships" xmlns:p="http://schemas.openxmlformats.org/presentationml/2006/main">
-  <p:cSld>
-    <p:spTree>
-      <p:nvGrpSpPr>
-        <p:cNvPr id="1" name=""/>
-        <p:cNvGrpSpPr/>
-        <p:nvPr/>
-      </p:nvGrpSpPr>
-      <p:grpSpPr>
-        <a:xfrm>
-          <a:off x="0" y="0"/>
-          <a:ext cx="0" cy="0"/>
-          <a:chOff x="0" y="0"/>
-          <a:chExt cx="0" cy="0"/>
-        </a:xfrm>
-      </p:grpSpPr>
-      <p:sp>
-        <p:nvSpPr>
-          <p:cNvPr id="2" name="Title 1"/>
-          <p:cNvSpPr>
-            <a:spLocks noGrp="1"/>
-          </p:cNvSpPr>
-          <p:nvPr>
-            <p:ph type="title"/>
-          </p:nvPr>
-        </p:nvSpPr>
-        <p:spPr/>
-        <p:txBody>
-          <a:bodyPr/>
-          <a:lstStyle/>
-          <a:p>
-            <a:r>
-              <a:rPr lang="en-US" dirty="0"/>
-              <a:t>Stanford transplant data, patients 21-30</a:t>
-            </a:r>
-          </a:p>
-        </p:txBody>
-      </p:sp>
-      <p:sp>
-        <p:nvSpPr>
-          <p:cNvPr id="5" name="Slide Number Placeholder 4"/>
-          <p:cNvSpPr>
-            <a:spLocks noGrp="1"/>
-          </p:cNvSpPr>
-          <p:nvPr>
-            <p:ph type="sldNum" sz="quarter" idx="11"/>
-          </p:nvPr>
-        </p:nvSpPr>
-        <p:spPr/>
-        <p:txBody>
-          <a:bodyPr/>
-          <a:lstStyle/>
-          <a:p>
-            <a:pPr>
-              <a:defRPr/>
-            </a:pPr>
-            <a:endParaRPr lang="en-US"/>
-          </a:p>
-          <a:p>
-            <a:pPr>
-              <a:defRPr/>
-            </a:pPr>
-            <a:fld id="{E9A8CBA3-AA2B-46A6-BFA3-DCEBEAAB3F0A}" type="slidenum">
-              <a:rPr lang="en-US" smtClean="0"/>
-              <a:pPr>
-                <a:defRPr/>
-              </a:pPr>
-              <a:t>30</a:t>
-            </a:fld>
-            <a:endParaRPr lang="en-US"/>
-          </a:p>
-        </p:txBody>
-      </p:sp>
-      <p:pic>
-        <p:nvPicPr>
-          <p:cNvPr id="4" name="Picture 3">
-            <a:extLst>
-              <a:ext uri="{FF2B5EF4-FFF2-40B4-BE49-F238E27FC236}">
-                <a16:creationId xmlns:a16="http://schemas.microsoft.com/office/drawing/2014/main" id="{873AD2CF-51EA-4464-B71A-88A550213221}"/>
-              </a:ext>
-            </a:extLst>
-          </p:cNvPr>
-          <p:cNvPicPr>
-            <a:picLocks noChangeAspect="1"/>
-          </p:cNvPicPr>
-          <p:nvPr/>
-        </p:nvPicPr>
-        <p:blipFill>
-          <a:blip r:embed="rId2"/>
-          <a:stretch>
-            <a:fillRect/>
-          </a:stretch>
-        </p:blipFill>
-        <p:spPr>
-          <a:xfrm>
-            <a:off x="457714" y="1143285"/>
-            <a:ext cx="8228571" cy="4571429"/>
-          </a:xfrm>
-          <a:prstGeom prst="rect">
-            <a:avLst/>
-          </a:prstGeom>
-        </p:spPr>
-      </p:pic>
-    </p:spTree>
-    <p:extLst>
-      <p:ext uri="{BB962C8B-B14F-4D97-AF65-F5344CB8AC3E}">
-        <p14:creationId xmlns:p14="http://schemas.microsoft.com/office/powerpoint/2010/main" val="3704329744"/>
-      </p:ext>
-    </p:extLst>
-  </p:cSld>
-  <p:clrMapOvr>
-    <a:masterClrMapping/>
-  </p:clrMapOvr>
-</p:sld>
-</file>
-
-<file path=ppt/slides/slide31.xml><?xml version="1.0" encoding="utf-8"?>
-<p:sld xmlns:a="http://schemas.openxmlformats.org/drawingml/2006/main" xmlns:r="http://schemas.openxmlformats.org/officeDocument/2006/relationships" xmlns:p="http://schemas.openxmlformats.org/presentationml/2006/main">
-  <p:cSld>
-    <p:spTree>
-      <p:nvGrpSpPr>
-        <p:cNvPr id="1" name=""/>
-        <p:cNvGrpSpPr/>
-        <p:nvPr/>
-      </p:nvGrpSpPr>
-      <p:grpSpPr>
-        <a:xfrm>
-          <a:off x="0" y="0"/>
-          <a:ext cx="0" cy="0"/>
-          <a:chOff x="0" y="0"/>
-          <a:chExt cx="0" cy="0"/>
-        </a:xfrm>
-      </p:grpSpPr>
-      <p:sp>
-        <p:nvSpPr>
-          <p:cNvPr id="2" name="Title 1"/>
-          <p:cNvSpPr>
-            <a:spLocks noGrp="1"/>
-          </p:cNvSpPr>
-          <p:nvPr>
-            <p:ph type="title"/>
-          </p:nvPr>
-        </p:nvSpPr>
-        <p:spPr/>
-        <p:txBody>
-          <a:bodyPr/>
-          <a:lstStyle/>
-          <a:p>
-            <a:r>
-              <a:rPr lang="en-US" dirty="0"/>
-              <a:t>Stanford transplant data, naive analysis</a:t>
-            </a:r>
-          </a:p>
-        </p:txBody>
-      </p:sp>
-      <p:sp>
-        <p:nvSpPr>
-          <p:cNvPr id="5" name="Slide Number Placeholder 4"/>
-          <p:cNvSpPr>
-            <a:spLocks noGrp="1"/>
-          </p:cNvSpPr>
-          <p:nvPr>
-            <p:ph type="sldNum" sz="quarter" idx="11"/>
-          </p:nvPr>
-        </p:nvSpPr>
-        <p:spPr/>
-        <p:txBody>
-          <a:bodyPr/>
-          <a:lstStyle/>
-          <a:p>
-            <a:pPr>
-              <a:defRPr/>
-            </a:pPr>
-            <a:endParaRPr lang="en-US"/>
-          </a:p>
-          <a:p>
-            <a:pPr>
-              <a:defRPr/>
-            </a:pPr>
-            <a:fld id="{E9A8CBA3-AA2B-46A6-BFA3-DCEBEAAB3F0A}" type="slidenum">
-              <a:rPr lang="en-US" smtClean="0"/>
-              <a:pPr>
-                <a:defRPr/>
-              </a:pPr>
-              <a:t>31</a:t>
-            </a:fld>
-            <a:endParaRPr lang="en-US"/>
-          </a:p>
-        </p:txBody>
-      </p:sp>
-      <p:pic>
-        <p:nvPicPr>
-          <p:cNvPr id="6" name="Picture 5">
-            <a:extLst>
-              <a:ext uri="{FF2B5EF4-FFF2-40B4-BE49-F238E27FC236}">
-                <a16:creationId xmlns:a16="http://schemas.microsoft.com/office/drawing/2014/main" id="{6FB0137B-2CAD-4C44-9B5F-DD897BABC5F3}"/>
-              </a:ext>
-            </a:extLst>
-          </p:cNvPr>
-          <p:cNvPicPr>
-            <a:picLocks noChangeAspect="1"/>
-          </p:cNvPicPr>
-          <p:nvPr/>
-        </p:nvPicPr>
-        <p:blipFill>
-          <a:blip r:embed="rId2"/>
-          <a:stretch>
-            <a:fillRect/>
-          </a:stretch>
-        </p:blipFill>
-        <p:spPr>
-          <a:xfrm>
-            <a:off x="447993" y="1143000"/>
-            <a:ext cx="8238095" cy="2095238"/>
-          </a:xfrm>
-          <a:prstGeom prst="rect">
-            <a:avLst/>
-          </a:prstGeom>
-        </p:spPr>
-      </p:pic>
-    </p:spTree>
-    <p:extLst>
-      <p:ext uri="{BB962C8B-B14F-4D97-AF65-F5344CB8AC3E}">
-        <p14:creationId xmlns:p14="http://schemas.microsoft.com/office/powerpoint/2010/main" val="2329064681"/>
-      </p:ext>
-    </p:extLst>
-  </p:cSld>
-  <p:clrMapOvr>
-    <a:masterClrMapping/>
-  </p:clrMapOvr>
-</p:sld>
-</file>
-
-<file path=ppt/slides/slide32.xml><?xml version="1.0" encoding="utf-8"?>
-<p:sld xmlns:a="http://schemas.openxmlformats.org/drawingml/2006/main" xmlns:r="http://schemas.openxmlformats.org/officeDocument/2006/relationships" xmlns:p="http://schemas.openxmlformats.org/presentationml/2006/main">
-  <p:cSld>
-    <p:spTree>
-      <p:nvGrpSpPr>
-        <p:cNvPr id="1" name=""/>
-        <p:cNvGrpSpPr/>
-        <p:nvPr/>
-      </p:nvGrpSpPr>
-      <p:grpSpPr>
-        <a:xfrm>
-          <a:off x="0" y="0"/>
-          <a:ext cx="0" cy="0"/>
-          <a:chOff x="0" y="0"/>
-          <a:chExt cx="0" cy="0"/>
-        </a:xfrm>
-      </p:grpSpPr>
-      <p:sp>
-        <p:nvSpPr>
-          <p:cNvPr id="2" name="Title 1"/>
-          <p:cNvSpPr>
-            <a:spLocks noGrp="1"/>
-          </p:cNvSpPr>
-          <p:nvPr>
-            <p:ph type="title"/>
-          </p:nvPr>
-        </p:nvSpPr>
-        <p:spPr/>
-        <p:txBody>
-          <a:bodyPr/>
-          <a:lstStyle/>
-          <a:p>
-            <a:r>
-              <a:rPr lang="en-US" dirty="0"/>
-              <a:t>Stanford transplant data</a:t>
-            </a:r>
-          </a:p>
-        </p:txBody>
-      </p:sp>
-      <p:sp>
-        <p:nvSpPr>
-          <p:cNvPr id="3" name="Text Placeholder 2"/>
-          <p:cNvSpPr>
-            <a:spLocks noGrp="1"/>
-          </p:cNvSpPr>
-          <p:nvPr>
-            <p:ph type="body" idx="1"/>
-          </p:nvPr>
-        </p:nvSpPr>
-        <p:spPr/>
-        <p:txBody>
-          <a:bodyPr/>
-          <a:lstStyle/>
-          <a:p>
-            <a:r>
-              <a:rPr lang="en-US" sz="1800" dirty="0">
-                <a:latin typeface="Courier New" panose="02070309020205020404" pitchFamily="49" charset="0"/>
-                <a:cs typeface="Courier New" panose="02070309020205020404" pitchFamily="49" charset="0"/>
-              </a:rPr>
-              <a:t>id  </a:t>
-            </a:r>
-            <a:r>
-              <a:rPr lang="en-US" sz="1800" dirty="0" err="1">
-                <a:latin typeface="Courier New" panose="02070309020205020404" pitchFamily="49" charset="0"/>
-                <a:cs typeface="Courier New" panose="02070309020205020404" pitchFamily="49" charset="0"/>
-              </a:rPr>
-              <a:t>accept.dt</a:t>
-            </a:r>
-            <a:r>
-              <a:rPr lang="en-US" sz="1800" dirty="0">
-                <a:latin typeface="Courier New" panose="02070309020205020404" pitchFamily="49" charset="0"/>
-                <a:cs typeface="Courier New" panose="02070309020205020404" pitchFamily="49" charset="0"/>
-              </a:rPr>
-              <a:t>    </a:t>
-            </a:r>
-            <a:r>
-              <a:rPr lang="en-US" sz="1800" dirty="0" err="1">
-                <a:latin typeface="Courier New" panose="02070309020205020404" pitchFamily="49" charset="0"/>
-                <a:cs typeface="Courier New" panose="02070309020205020404" pitchFamily="49" charset="0"/>
-              </a:rPr>
-              <a:t>tx.date</a:t>
-            </a:r>
-            <a:r>
-              <a:rPr lang="en-US" sz="1800" dirty="0">
-                <a:latin typeface="Courier New" panose="02070309020205020404" pitchFamily="49" charset="0"/>
-                <a:cs typeface="Courier New" panose="02070309020205020404" pitchFamily="49" charset="0"/>
-              </a:rPr>
-              <a:t>    </a:t>
-            </a:r>
-            <a:r>
-              <a:rPr lang="en-US" sz="1800" dirty="0" err="1">
-                <a:latin typeface="Courier New" panose="02070309020205020404" pitchFamily="49" charset="0"/>
-                <a:cs typeface="Courier New" panose="02070309020205020404" pitchFamily="49" charset="0"/>
-              </a:rPr>
-              <a:t>fu.date</a:t>
-            </a:r>
-            <a:r>
-              <a:rPr lang="en-US" sz="1800" dirty="0">
-                <a:latin typeface="Courier New" panose="02070309020205020404" pitchFamily="49" charset="0"/>
-                <a:cs typeface="Courier New" panose="02070309020205020404" pitchFamily="49" charset="0"/>
-              </a:rPr>
-              <a:t> </a:t>
-            </a:r>
-            <a:r>
-              <a:rPr lang="en-US" sz="1800" dirty="0" err="1">
-                <a:latin typeface="Courier New" panose="02070309020205020404" pitchFamily="49" charset="0"/>
-                <a:cs typeface="Courier New" panose="02070309020205020404" pitchFamily="49" charset="0"/>
-              </a:rPr>
-              <a:t>fustat</a:t>
-            </a:r>
-            <a:r>
-              <a:rPr lang="en-US" sz="1800" dirty="0">
-                <a:latin typeface="Courier New" panose="02070309020205020404" pitchFamily="49" charset="0"/>
-                <a:cs typeface="Courier New" panose="02070309020205020404" pitchFamily="49" charset="0"/>
-              </a:rPr>
-              <a:t> transplant</a:t>
-            </a:r>
-          </a:p>
-          <a:p>
-            <a:r>
-              <a:rPr lang="en-US" sz="1800" dirty="0">
-                <a:latin typeface="Courier New" panose="02070309020205020404" pitchFamily="49" charset="0"/>
-                <a:cs typeface="Courier New" panose="02070309020205020404" pitchFamily="49" charset="0"/>
-              </a:rPr>
-              <a:t>21 1969-02-01 1969-02-08 1971-11-29      1          1</a:t>
-            </a:r>
-          </a:p>
-          <a:p>
-            <a:endParaRPr lang="en-US" sz="1800" dirty="0">
-              <a:latin typeface="Courier New" panose="02070309020205020404" pitchFamily="49" charset="0"/>
-              <a:cs typeface="Courier New" panose="02070309020205020404" pitchFamily="49" charset="0"/>
-            </a:endParaRPr>
-          </a:p>
-          <a:p>
-            <a:r>
-              <a:rPr lang="en-US" sz="1800" dirty="0">
-                <a:latin typeface="Courier New" panose="02070309020205020404" pitchFamily="49" charset="0"/>
-                <a:cs typeface="Courier New" panose="02070309020205020404" pitchFamily="49" charset="0"/>
-              </a:rPr>
-              <a:t>id   time1     time2 event transplant</a:t>
-            </a:r>
-          </a:p>
-          <a:p>
-            <a:r>
-              <a:rPr lang="en-US" sz="1800" dirty="0">
-                <a:latin typeface="Courier New" panose="02070309020205020404" pitchFamily="49" charset="0"/>
-                <a:cs typeface="Courier New" panose="02070309020205020404" pitchFamily="49" charset="0"/>
-              </a:rPr>
-              <a:t>21  7 days 1031 days     D          1</a:t>
-            </a:r>
-          </a:p>
-          <a:p>
-            <a:endParaRPr lang="en-US" sz="1800" dirty="0">
-              <a:latin typeface="Courier New" panose="02070309020205020404" pitchFamily="49" charset="0"/>
-              <a:cs typeface="Courier New" panose="02070309020205020404" pitchFamily="49" charset="0"/>
-            </a:endParaRPr>
-          </a:p>
-          <a:p>
-            <a:r>
-              <a:rPr lang="en-US" sz="1800" dirty="0">
-                <a:latin typeface="Courier New" panose="02070309020205020404" pitchFamily="49" charset="0"/>
-                <a:cs typeface="Courier New" panose="02070309020205020404" pitchFamily="49" charset="0"/>
-              </a:rPr>
-              <a:t>id start stop event transplant</a:t>
-            </a:r>
-          </a:p>
-          <a:p>
-            <a:r>
-              <a:rPr lang="en-US" sz="1800" dirty="0">
-                <a:latin typeface="Courier New" panose="02070309020205020404" pitchFamily="49" charset="0"/>
-                <a:cs typeface="Courier New" panose="02070309020205020404" pitchFamily="49" charset="0"/>
-              </a:rPr>
-              <a:t>21     0    7     0          0</a:t>
-            </a:r>
-          </a:p>
-          <a:p>
-            <a:r>
-              <a:rPr lang="en-US" sz="1800" dirty="0">
-                <a:latin typeface="Courier New" panose="02070309020205020404" pitchFamily="49" charset="0"/>
-                <a:cs typeface="Courier New" panose="02070309020205020404" pitchFamily="49" charset="0"/>
-              </a:rPr>
-              <a:t>21     7 1031     1          1</a:t>
-            </a:r>
-          </a:p>
-          <a:p>
-            <a:pPr marL="342900" indent="-342900">
-              <a:buAutoNum type="arabicPlain" startAt="21"/>
-            </a:pPr>
-            <a:endParaRPr lang="en-US" sz="1800" dirty="0">
-              <a:latin typeface="Courier New" panose="02070309020205020404" pitchFamily="49" charset="0"/>
-              <a:cs typeface="Courier New" panose="02070309020205020404" pitchFamily="49" charset="0"/>
-            </a:endParaRPr>
-          </a:p>
-        </p:txBody>
-      </p:sp>
-      <p:sp>
-        <p:nvSpPr>
-          <p:cNvPr id="4" name="Footer Placeholder 3"/>
-          <p:cNvSpPr>
-            <a:spLocks noGrp="1"/>
-          </p:cNvSpPr>
-          <p:nvPr>
-            <p:ph type="ftr" sz="quarter" idx="10"/>
-          </p:nvPr>
-        </p:nvSpPr>
-        <p:spPr/>
-        <p:txBody>
-          <a:bodyPr/>
-          <a:lstStyle/>
-          <a:p>
-            <a:pPr>
-              <a:defRPr/>
-            </a:pPr>
-            <a:r>
-              <a:rPr lang="en-US" altLang="en-US" dirty="0"/>
-              <a:t>©2018 Steve Simon    http://TheAnalysisFactor.com</a:t>
-            </a:r>
-          </a:p>
-        </p:txBody>
-      </p:sp>
-      <p:sp>
-        <p:nvSpPr>
-          <p:cNvPr id="5" name="Slide Number Placeholder 4"/>
-          <p:cNvSpPr>
-            <a:spLocks noGrp="1"/>
-          </p:cNvSpPr>
-          <p:nvPr>
-            <p:ph type="sldNum" sz="quarter" idx="11"/>
-          </p:nvPr>
-        </p:nvSpPr>
-        <p:spPr/>
-        <p:txBody>
-          <a:bodyPr/>
-          <a:lstStyle/>
-          <a:p>
-            <a:pPr>
-              <a:defRPr/>
-            </a:pPr>
-            <a:endParaRPr lang="en-US"/>
-          </a:p>
-          <a:p>
-            <a:pPr>
-              <a:defRPr/>
-            </a:pPr>
-            <a:fld id="{E9A8CBA3-AA2B-46A6-BFA3-DCEBEAAB3F0A}" type="slidenum">
-              <a:rPr lang="en-US" smtClean="0"/>
-              <a:pPr>
-                <a:defRPr/>
-              </a:pPr>
-              <a:t>32</a:t>
-            </a:fld>
-            <a:endParaRPr lang="en-US"/>
-          </a:p>
-        </p:txBody>
-      </p:sp>
-      <p:sp>
-        <p:nvSpPr>
-          <p:cNvPr id="6" name="Text Placeholder 5"/>
-          <p:cNvSpPr>
-            <a:spLocks noGrp="1"/>
-          </p:cNvSpPr>
-          <p:nvPr>
-            <p:ph type="body" sz="quarter" idx="12"/>
-          </p:nvPr>
-        </p:nvSpPr>
-        <p:spPr/>
-        <p:txBody>
-          <a:bodyPr/>
-          <a:lstStyle/>
-          <a:p>
-            <a:r>
-              <a:rPr lang="en-US" dirty="0"/>
-              <a:t>Patient #21</a:t>
-            </a:r>
-          </a:p>
-        </p:txBody>
-      </p:sp>
-    </p:spTree>
-    <p:extLst>
-      <p:ext uri="{BB962C8B-B14F-4D97-AF65-F5344CB8AC3E}">
-        <p14:creationId xmlns:p14="http://schemas.microsoft.com/office/powerpoint/2010/main" val="2830790376"/>
-      </p:ext>
-    </p:extLst>
-  </p:cSld>
-  <p:clrMapOvr>
-    <a:masterClrMapping/>
-  </p:clrMapOvr>
-</p:sld>
-</file>
-
-<file path=ppt/slides/slide33.xml><?xml version="1.0" encoding="utf-8"?>
-<p:sld xmlns:a="http://schemas.openxmlformats.org/drawingml/2006/main" xmlns:r="http://schemas.openxmlformats.org/officeDocument/2006/relationships" xmlns:p="http://schemas.openxmlformats.org/presentationml/2006/main">
-  <p:cSld>
-    <p:spTree>
-      <p:nvGrpSpPr>
-        <p:cNvPr id="1" name=""/>
-        <p:cNvGrpSpPr/>
-        <p:nvPr/>
-      </p:nvGrpSpPr>
-      <p:grpSpPr>
-        <a:xfrm>
-          <a:off x="0" y="0"/>
-          <a:ext cx="0" cy="0"/>
-          <a:chOff x="0" y="0"/>
-          <a:chExt cx="0" cy="0"/>
-        </a:xfrm>
-      </p:grpSpPr>
-      <p:sp>
-        <p:nvSpPr>
-          <p:cNvPr id="2" name="Title 1"/>
-          <p:cNvSpPr>
-            <a:spLocks noGrp="1"/>
-          </p:cNvSpPr>
-          <p:nvPr>
-            <p:ph type="title"/>
-          </p:nvPr>
-        </p:nvSpPr>
-        <p:spPr/>
-        <p:txBody>
-          <a:bodyPr/>
-          <a:lstStyle/>
-          <a:p>
-            <a:r>
-              <a:rPr lang="en-US" dirty="0"/>
-              <a:t>Stanford transplant data</a:t>
-            </a:r>
-          </a:p>
-        </p:txBody>
-      </p:sp>
-      <p:sp>
-        <p:nvSpPr>
-          <p:cNvPr id="3" name="Text Placeholder 2"/>
-          <p:cNvSpPr>
-            <a:spLocks noGrp="1"/>
-          </p:cNvSpPr>
-          <p:nvPr>
-            <p:ph type="body" idx="1"/>
-          </p:nvPr>
-        </p:nvSpPr>
-        <p:spPr/>
-        <p:txBody>
-          <a:bodyPr/>
-          <a:lstStyle/>
-          <a:p>
-            <a:r>
-              <a:rPr lang="en-US" sz="1800" dirty="0">
-                <a:latin typeface="Courier New" panose="02070309020205020404" pitchFamily="49" charset="0"/>
-                <a:cs typeface="Courier New" panose="02070309020205020404" pitchFamily="49" charset="0"/>
-              </a:rPr>
-              <a:t>id  </a:t>
-            </a:r>
-            <a:r>
-              <a:rPr lang="en-US" sz="1800" dirty="0" err="1">
-                <a:latin typeface="Courier New" panose="02070309020205020404" pitchFamily="49" charset="0"/>
-                <a:cs typeface="Courier New" panose="02070309020205020404" pitchFamily="49" charset="0"/>
-              </a:rPr>
-              <a:t>accept.dt</a:t>
-            </a:r>
-            <a:r>
-              <a:rPr lang="en-US" sz="1800" dirty="0">
-                <a:latin typeface="Courier New" panose="02070309020205020404" pitchFamily="49" charset="0"/>
-                <a:cs typeface="Courier New" panose="02070309020205020404" pitchFamily="49" charset="0"/>
-              </a:rPr>
-              <a:t>    </a:t>
-            </a:r>
-            <a:r>
-              <a:rPr lang="en-US" sz="1800" dirty="0" err="1">
-                <a:latin typeface="Courier New" panose="02070309020205020404" pitchFamily="49" charset="0"/>
-                <a:cs typeface="Courier New" panose="02070309020205020404" pitchFamily="49" charset="0"/>
-              </a:rPr>
-              <a:t>tx.date</a:t>
-            </a:r>
-            <a:r>
-              <a:rPr lang="en-US" sz="1800" dirty="0">
-                <a:latin typeface="Courier New" panose="02070309020205020404" pitchFamily="49" charset="0"/>
-                <a:cs typeface="Courier New" panose="02070309020205020404" pitchFamily="49" charset="0"/>
-              </a:rPr>
-              <a:t>    </a:t>
-            </a:r>
-            <a:r>
-              <a:rPr lang="en-US" sz="1800" dirty="0" err="1">
-                <a:latin typeface="Courier New" panose="02070309020205020404" pitchFamily="49" charset="0"/>
-                <a:cs typeface="Courier New" panose="02070309020205020404" pitchFamily="49" charset="0"/>
-              </a:rPr>
-              <a:t>fu.date</a:t>
-            </a:r>
-            <a:r>
-              <a:rPr lang="en-US" sz="1800" dirty="0">
-                <a:latin typeface="Courier New" panose="02070309020205020404" pitchFamily="49" charset="0"/>
-                <a:cs typeface="Courier New" panose="02070309020205020404" pitchFamily="49" charset="0"/>
-              </a:rPr>
-              <a:t> </a:t>
-            </a:r>
-            <a:r>
-              <a:rPr lang="en-US" sz="1800" dirty="0" err="1">
-                <a:latin typeface="Courier New" panose="02070309020205020404" pitchFamily="49" charset="0"/>
-                <a:cs typeface="Courier New" panose="02070309020205020404" pitchFamily="49" charset="0"/>
-              </a:rPr>
-              <a:t>fustat</a:t>
-            </a:r>
-            <a:r>
-              <a:rPr lang="en-US" sz="1800" dirty="0">
-                <a:latin typeface="Courier New" panose="02070309020205020404" pitchFamily="49" charset="0"/>
-                <a:cs typeface="Courier New" panose="02070309020205020404" pitchFamily="49" charset="0"/>
-              </a:rPr>
-              <a:t> transplant</a:t>
-            </a:r>
-          </a:p>
-          <a:p>
-            <a:r>
-              <a:rPr lang="en-US" sz="1800" dirty="0">
-                <a:latin typeface="Courier New" panose="02070309020205020404" pitchFamily="49" charset="0"/>
-                <a:cs typeface="Courier New" panose="02070309020205020404" pitchFamily="49" charset="0"/>
-              </a:rPr>
-              <a:t>22 1969-03-18 1969-03-29 1969-05-07      1          1</a:t>
-            </a:r>
-          </a:p>
-          <a:p>
-            <a:endParaRPr lang="en-US" sz="1800" dirty="0">
-              <a:latin typeface="Courier New" panose="02070309020205020404" pitchFamily="49" charset="0"/>
-              <a:cs typeface="Courier New" panose="02070309020205020404" pitchFamily="49" charset="0"/>
-            </a:endParaRPr>
-          </a:p>
-          <a:p>
-            <a:r>
-              <a:rPr lang="en-US" sz="1800" dirty="0">
-                <a:latin typeface="Courier New" panose="02070309020205020404" pitchFamily="49" charset="0"/>
-                <a:cs typeface="Courier New" panose="02070309020205020404" pitchFamily="49" charset="0"/>
-              </a:rPr>
-              <a:t>id   time1     time2 event transplant</a:t>
-            </a:r>
-          </a:p>
-          <a:p>
-            <a:r>
-              <a:rPr lang="en-US" sz="1800" dirty="0">
-                <a:latin typeface="Courier New" panose="02070309020205020404" pitchFamily="49" charset="0"/>
-                <a:cs typeface="Courier New" panose="02070309020205020404" pitchFamily="49" charset="0"/>
-              </a:rPr>
-              <a:t>22 11 days   50 days     D          1</a:t>
-            </a:r>
-          </a:p>
-          <a:p>
-            <a:endParaRPr lang="en-US" sz="1800" dirty="0">
-              <a:latin typeface="Courier New" panose="02070309020205020404" pitchFamily="49" charset="0"/>
-              <a:cs typeface="Courier New" panose="02070309020205020404" pitchFamily="49" charset="0"/>
-            </a:endParaRPr>
-          </a:p>
-          <a:p>
-            <a:r>
-              <a:rPr lang="en-US" sz="1800" dirty="0">
-                <a:latin typeface="Courier New" panose="02070309020205020404" pitchFamily="49" charset="0"/>
-                <a:cs typeface="Courier New" panose="02070309020205020404" pitchFamily="49" charset="0"/>
-              </a:rPr>
-              <a:t>id start stop event transplant</a:t>
-            </a:r>
-          </a:p>
-          <a:p>
-            <a:r>
-              <a:rPr lang="en-US" sz="1800" dirty="0">
-                <a:latin typeface="Courier New" panose="02070309020205020404" pitchFamily="49" charset="0"/>
-                <a:cs typeface="Courier New" panose="02070309020205020404" pitchFamily="49" charset="0"/>
-              </a:rPr>
-              <a:t>22     0   11     0          0</a:t>
-            </a:r>
-          </a:p>
-          <a:p>
-            <a:r>
-              <a:rPr lang="en-US" sz="1800" dirty="0">
-                <a:latin typeface="Courier New" panose="02070309020205020404" pitchFamily="49" charset="0"/>
-                <a:cs typeface="Courier New" panose="02070309020205020404" pitchFamily="49" charset="0"/>
-              </a:rPr>
-              <a:t>22    11   50     1          1</a:t>
-            </a:r>
-          </a:p>
-        </p:txBody>
-      </p:sp>
-      <p:sp>
-        <p:nvSpPr>
-          <p:cNvPr id="4" name="Footer Placeholder 3"/>
-          <p:cNvSpPr>
-            <a:spLocks noGrp="1"/>
-          </p:cNvSpPr>
-          <p:nvPr>
-            <p:ph type="ftr" sz="quarter" idx="10"/>
-          </p:nvPr>
-        </p:nvSpPr>
-        <p:spPr/>
-        <p:txBody>
-          <a:bodyPr/>
-          <a:lstStyle/>
-          <a:p>
-            <a:pPr>
-              <a:defRPr/>
-            </a:pPr>
-            <a:r>
-              <a:rPr lang="en-US" altLang="en-US" dirty="0"/>
-              <a:t>©2018 Steve Simon    http://TheAnalysisFactor.com</a:t>
-            </a:r>
-          </a:p>
-        </p:txBody>
-      </p:sp>
-      <p:sp>
-        <p:nvSpPr>
-          <p:cNvPr id="5" name="Slide Number Placeholder 4"/>
-          <p:cNvSpPr>
-            <a:spLocks noGrp="1"/>
-          </p:cNvSpPr>
-          <p:nvPr>
-            <p:ph type="sldNum" sz="quarter" idx="11"/>
-          </p:nvPr>
-        </p:nvSpPr>
-        <p:spPr/>
-        <p:txBody>
-          <a:bodyPr/>
-          <a:lstStyle/>
-          <a:p>
-            <a:pPr>
-              <a:defRPr/>
-            </a:pPr>
-            <a:endParaRPr lang="en-US"/>
-          </a:p>
-          <a:p>
-            <a:pPr>
-              <a:defRPr/>
-            </a:pPr>
-            <a:fld id="{E9A8CBA3-AA2B-46A6-BFA3-DCEBEAAB3F0A}" type="slidenum">
-              <a:rPr lang="en-US" smtClean="0"/>
-              <a:pPr>
-                <a:defRPr/>
-              </a:pPr>
-              <a:t>33</a:t>
-            </a:fld>
-            <a:endParaRPr lang="en-US"/>
-          </a:p>
-        </p:txBody>
-      </p:sp>
-      <p:sp>
-        <p:nvSpPr>
-          <p:cNvPr id="6" name="Text Placeholder 5"/>
-          <p:cNvSpPr>
-            <a:spLocks noGrp="1"/>
-          </p:cNvSpPr>
-          <p:nvPr>
-            <p:ph type="body" sz="quarter" idx="12"/>
-          </p:nvPr>
-        </p:nvSpPr>
-        <p:spPr/>
-        <p:txBody>
-          <a:bodyPr/>
-          <a:lstStyle/>
-          <a:p>
-            <a:r>
-              <a:rPr lang="en-US" dirty="0"/>
-              <a:t>Patient #22</a:t>
-            </a:r>
-          </a:p>
-        </p:txBody>
-      </p:sp>
-    </p:spTree>
-    <p:extLst>
-      <p:ext uri="{BB962C8B-B14F-4D97-AF65-F5344CB8AC3E}">
-        <p14:creationId xmlns:p14="http://schemas.microsoft.com/office/powerpoint/2010/main" val="2452209786"/>
-      </p:ext>
-    </p:extLst>
-  </p:cSld>
-  <p:clrMapOvr>
-    <a:masterClrMapping/>
-  </p:clrMapOvr>
-</p:sld>
-</file>
-
-<file path=ppt/slides/slide34.xml><?xml version="1.0" encoding="utf-8"?>
-<p:sld xmlns:a="http://schemas.openxmlformats.org/drawingml/2006/main" xmlns:r="http://schemas.openxmlformats.org/officeDocument/2006/relationships" xmlns:p="http://schemas.openxmlformats.org/presentationml/2006/main">
-  <p:cSld>
-    <p:spTree>
-      <p:nvGrpSpPr>
-        <p:cNvPr id="1" name=""/>
-        <p:cNvGrpSpPr/>
-        <p:nvPr/>
-      </p:nvGrpSpPr>
-      <p:grpSpPr>
-        <a:xfrm>
-          <a:off x="0" y="0"/>
-          <a:ext cx="0" cy="0"/>
-          <a:chOff x="0" y="0"/>
-          <a:chExt cx="0" cy="0"/>
-        </a:xfrm>
-      </p:grpSpPr>
-      <p:sp>
-        <p:nvSpPr>
-          <p:cNvPr id="2" name="Title 1"/>
-          <p:cNvSpPr>
-            <a:spLocks noGrp="1"/>
-          </p:cNvSpPr>
-          <p:nvPr>
-            <p:ph type="title"/>
-          </p:nvPr>
-        </p:nvSpPr>
-        <p:spPr/>
-        <p:txBody>
-          <a:bodyPr/>
-          <a:lstStyle/>
-          <a:p>
-            <a:r>
-              <a:rPr lang="en-US" dirty="0"/>
-              <a:t>Stanford transplant data</a:t>
-            </a:r>
-          </a:p>
-        </p:txBody>
-      </p:sp>
-      <p:sp>
-        <p:nvSpPr>
-          <p:cNvPr id="3" name="Text Placeholder 2"/>
-          <p:cNvSpPr>
-            <a:spLocks noGrp="1"/>
-          </p:cNvSpPr>
-          <p:nvPr>
-            <p:ph type="body" idx="1"/>
-          </p:nvPr>
-        </p:nvSpPr>
-        <p:spPr/>
-        <p:txBody>
-          <a:bodyPr/>
-          <a:lstStyle/>
-          <a:p>
-            <a:r>
-              <a:rPr lang="en-US" sz="1800" dirty="0">
-                <a:latin typeface="Courier New" panose="02070309020205020404" pitchFamily="49" charset="0"/>
-                <a:cs typeface="Courier New" panose="02070309020205020404" pitchFamily="49" charset="0"/>
-              </a:rPr>
-              <a:t>id  </a:t>
-            </a:r>
-            <a:r>
-              <a:rPr lang="en-US" sz="1800" dirty="0" err="1">
-                <a:latin typeface="Courier New" panose="02070309020205020404" pitchFamily="49" charset="0"/>
-                <a:cs typeface="Courier New" panose="02070309020205020404" pitchFamily="49" charset="0"/>
-              </a:rPr>
-              <a:t>accept.dt</a:t>
-            </a:r>
-            <a:r>
-              <a:rPr lang="en-US" sz="1800" dirty="0">
-                <a:latin typeface="Courier New" panose="02070309020205020404" pitchFamily="49" charset="0"/>
-                <a:cs typeface="Courier New" panose="02070309020205020404" pitchFamily="49" charset="0"/>
-              </a:rPr>
-              <a:t>    </a:t>
-            </a:r>
-            <a:r>
-              <a:rPr lang="en-US" sz="1800" dirty="0" err="1">
-                <a:latin typeface="Courier New" panose="02070309020205020404" pitchFamily="49" charset="0"/>
-                <a:cs typeface="Courier New" panose="02070309020205020404" pitchFamily="49" charset="0"/>
-              </a:rPr>
-              <a:t>tx.date</a:t>
-            </a:r>
-            <a:r>
-              <a:rPr lang="en-US" sz="1800" dirty="0">
-                <a:latin typeface="Courier New" panose="02070309020205020404" pitchFamily="49" charset="0"/>
-                <a:cs typeface="Courier New" panose="02070309020205020404" pitchFamily="49" charset="0"/>
-              </a:rPr>
-              <a:t>    </a:t>
-            </a:r>
-            <a:r>
-              <a:rPr lang="en-US" sz="1800" dirty="0" err="1">
-                <a:latin typeface="Courier New" panose="02070309020205020404" pitchFamily="49" charset="0"/>
-                <a:cs typeface="Courier New" panose="02070309020205020404" pitchFamily="49" charset="0"/>
-              </a:rPr>
-              <a:t>fu.date</a:t>
-            </a:r>
-            <a:r>
-              <a:rPr lang="en-US" sz="1800" dirty="0">
-                <a:latin typeface="Courier New" panose="02070309020205020404" pitchFamily="49" charset="0"/>
-                <a:cs typeface="Courier New" panose="02070309020205020404" pitchFamily="49" charset="0"/>
-              </a:rPr>
-              <a:t> </a:t>
-            </a:r>
-            <a:r>
-              <a:rPr lang="en-US" sz="1800" dirty="0" err="1">
-                <a:latin typeface="Courier New" panose="02070309020205020404" pitchFamily="49" charset="0"/>
-                <a:cs typeface="Courier New" panose="02070309020205020404" pitchFamily="49" charset="0"/>
-              </a:rPr>
-              <a:t>fustat</a:t>
-            </a:r>
-            <a:r>
-              <a:rPr lang="en-US" sz="1800" dirty="0">
-                <a:latin typeface="Courier New" panose="02070309020205020404" pitchFamily="49" charset="0"/>
-                <a:cs typeface="Courier New" panose="02070309020205020404" pitchFamily="49" charset="0"/>
-              </a:rPr>
-              <a:t> transplant</a:t>
-            </a:r>
-          </a:p>
-          <a:p>
-            <a:r>
-              <a:rPr lang="en-US" sz="1800" dirty="0">
-                <a:latin typeface="Courier New" panose="02070309020205020404" pitchFamily="49" charset="0"/>
-                <a:cs typeface="Courier New" panose="02070309020205020404" pitchFamily="49" charset="0"/>
-              </a:rPr>
-              <a:t>23 1969-04-11 1969-04-13 1971-04-13      1          1</a:t>
-            </a:r>
-          </a:p>
-          <a:p>
-            <a:endParaRPr lang="en-US" sz="1800" dirty="0">
-              <a:latin typeface="Courier New" panose="02070309020205020404" pitchFamily="49" charset="0"/>
-              <a:cs typeface="Courier New" panose="02070309020205020404" pitchFamily="49" charset="0"/>
-            </a:endParaRPr>
-          </a:p>
-          <a:p>
-            <a:r>
-              <a:rPr lang="en-US" sz="1800" dirty="0">
-                <a:latin typeface="Courier New" panose="02070309020205020404" pitchFamily="49" charset="0"/>
-                <a:cs typeface="Courier New" panose="02070309020205020404" pitchFamily="49" charset="0"/>
-              </a:rPr>
-              <a:t>id   time1     time2 event transplant</a:t>
-            </a:r>
-          </a:p>
-          <a:p>
-            <a:r>
-              <a:rPr lang="en-US" sz="1800" dirty="0">
-                <a:latin typeface="Courier New" panose="02070309020205020404" pitchFamily="49" charset="0"/>
-                <a:cs typeface="Courier New" panose="02070309020205020404" pitchFamily="49" charset="0"/>
-              </a:rPr>
-              <a:t>23  2 days  732 days     D          1</a:t>
-            </a:r>
-          </a:p>
-          <a:p>
-            <a:endParaRPr lang="en-US" sz="1800" dirty="0">
-              <a:latin typeface="Courier New" panose="02070309020205020404" pitchFamily="49" charset="0"/>
-              <a:cs typeface="Courier New" panose="02070309020205020404" pitchFamily="49" charset="0"/>
-            </a:endParaRPr>
-          </a:p>
-          <a:p>
-            <a:r>
-              <a:rPr lang="en-US" sz="1800" dirty="0">
-                <a:latin typeface="Courier New" panose="02070309020205020404" pitchFamily="49" charset="0"/>
-                <a:cs typeface="Courier New" panose="02070309020205020404" pitchFamily="49" charset="0"/>
-              </a:rPr>
-              <a:t>id start stop event transplant</a:t>
-            </a:r>
-          </a:p>
-          <a:p>
-            <a:r>
-              <a:rPr lang="en-US" sz="1800" dirty="0">
-                <a:latin typeface="Courier New" panose="02070309020205020404" pitchFamily="49" charset="0"/>
-                <a:cs typeface="Courier New" panose="02070309020205020404" pitchFamily="49" charset="0"/>
-              </a:rPr>
-              <a:t>23     0    2     0          0</a:t>
-            </a:r>
-          </a:p>
-          <a:p>
-            <a:r>
-              <a:rPr lang="en-US" sz="1800" dirty="0">
-                <a:latin typeface="Courier New" panose="02070309020205020404" pitchFamily="49" charset="0"/>
-                <a:cs typeface="Courier New" panose="02070309020205020404" pitchFamily="49" charset="0"/>
-              </a:rPr>
-              <a:t>23     2  732     1          1</a:t>
-            </a:r>
-          </a:p>
-        </p:txBody>
-      </p:sp>
-      <p:sp>
-        <p:nvSpPr>
-          <p:cNvPr id="4" name="Footer Placeholder 3"/>
-          <p:cNvSpPr>
-            <a:spLocks noGrp="1"/>
-          </p:cNvSpPr>
-          <p:nvPr>
-            <p:ph type="ftr" sz="quarter" idx="10"/>
-          </p:nvPr>
-        </p:nvSpPr>
-        <p:spPr/>
-        <p:txBody>
-          <a:bodyPr/>
-          <a:lstStyle/>
-          <a:p>
-            <a:pPr>
-              <a:defRPr/>
-            </a:pPr>
-            <a:r>
-              <a:rPr lang="en-US" altLang="en-US" dirty="0"/>
-              <a:t>©2018 Steve Simon    http://TheAnalysisFactor.com</a:t>
-            </a:r>
-          </a:p>
-        </p:txBody>
-      </p:sp>
-      <p:sp>
-        <p:nvSpPr>
-          <p:cNvPr id="5" name="Slide Number Placeholder 4"/>
-          <p:cNvSpPr>
-            <a:spLocks noGrp="1"/>
-          </p:cNvSpPr>
-          <p:nvPr>
-            <p:ph type="sldNum" sz="quarter" idx="11"/>
-          </p:nvPr>
-        </p:nvSpPr>
-        <p:spPr/>
-        <p:txBody>
-          <a:bodyPr/>
-          <a:lstStyle/>
-          <a:p>
-            <a:pPr>
-              <a:defRPr/>
-            </a:pPr>
-            <a:endParaRPr lang="en-US"/>
-          </a:p>
-          <a:p>
-            <a:pPr>
-              <a:defRPr/>
-            </a:pPr>
-            <a:fld id="{E9A8CBA3-AA2B-46A6-BFA3-DCEBEAAB3F0A}" type="slidenum">
-              <a:rPr lang="en-US" smtClean="0"/>
-              <a:pPr>
-                <a:defRPr/>
-              </a:pPr>
-              <a:t>34</a:t>
-            </a:fld>
-            <a:endParaRPr lang="en-US"/>
-          </a:p>
-        </p:txBody>
-      </p:sp>
-      <p:sp>
-        <p:nvSpPr>
-          <p:cNvPr id="6" name="Text Placeholder 5"/>
-          <p:cNvSpPr>
-            <a:spLocks noGrp="1"/>
-          </p:cNvSpPr>
-          <p:nvPr>
-            <p:ph type="body" sz="quarter" idx="12"/>
-          </p:nvPr>
-        </p:nvSpPr>
-        <p:spPr/>
-        <p:txBody>
-          <a:bodyPr/>
-          <a:lstStyle/>
-          <a:p>
-            <a:r>
-              <a:rPr lang="en-US" dirty="0"/>
-              <a:t>Patient #23</a:t>
-            </a:r>
-          </a:p>
-        </p:txBody>
-      </p:sp>
-    </p:spTree>
-    <p:extLst>
-      <p:ext uri="{BB962C8B-B14F-4D97-AF65-F5344CB8AC3E}">
-        <p14:creationId xmlns:p14="http://schemas.microsoft.com/office/powerpoint/2010/main" val="1353099458"/>
-      </p:ext>
-    </p:extLst>
-  </p:cSld>
-  <p:clrMapOvr>
-    <a:masterClrMapping/>
-  </p:clrMapOvr>
-</p:sld>
-</file>
-
-<file path=ppt/slides/slide35.xml><?xml version="1.0" encoding="utf-8"?>
-<p:sld xmlns:a="http://schemas.openxmlformats.org/drawingml/2006/main" xmlns:r="http://schemas.openxmlformats.org/officeDocument/2006/relationships" xmlns:p="http://schemas.openxmlformats.org/presentationml/2006/main">
-  <p:cSld>
-    <p:spTree>
-      <p:nvGrpSpPr>
-        <p:cNvPr id="1" name=""/>
-        <p:cNvGrpSpPr/>
-        <p:nvPr/>
-      </p:nvGrpSpPr>
-      <p:grpSpPr>
-        <a:xfrm>
-          <a:off x="0" y="0"/>
-          <a:ext cx="0" cy="0"/>
-          <a:chOff x="0" y="0"/>
-          <a:chExt cx="0" cy="0"/>
-        </a:xfrm>
-      </p:grpSpPr>
-      <p:sp>
-        <p:nvSpPr>
-          <p:cNvPr id="2" name="Title 1"/>
-          <p:cNvSpPr>
-            <a:spLocks noGrp="1"/>
-          </p:cNvSpPr>
-          <p:nvPr>
-            <p:ph type="title"/>
-          </p:nvPr>
-        </p:nvSpPr>
-        <p:spPr/>
-        <p:txBody>
-          <a:bodyPr/>
-          <a:lstStyle/>
-          <a:p>
-            <a:r>
-              <a:rPr lang="en-US" dirty="0"/>
-              <a:t>Stanford transplant data</a:t>
-            </a:r>
-          </a:p>
-        </p:txBody>
-      </p:sp>
-      <p:sp>
-        <p:nvSpPr>
-          <p:cNvPr id="3" name="Text Placeholder 2"/>
-          <p:cNvSpPr>
-            <a:spLocks noGrp="1"/>
-          </p:cNvSpPr>
-          <p:nvPr>
-            <p:ph type="body" idx="1"/>
-          </p:nvPr>
-        </p:nvSpPr>
-        <p:spPr/>
-        <p:txBody>
-          <a:bodyPr/>
-          <a:lstStyle/>
-          <a:p>
-            <a:r>
-              <a:rPr lang="en-US" sz="1800" dirty="0">
-                <a:latin typeface="Courier New" panose="02070309020205020404" pitchFamily="49" charset="0"/>
-                <a:cs typeface="Courier New" panose="02070309020205020404" pitchFamily="49" charset="0"/>
-              </a:rPr>
-              <a:t>id  </a:t>
-            </a:r>
-            <a:r>
-              <a:rPr lang="en-US" sz="1800" dirty="0" err="1">
-                <a:latin typeface="Courier New" panose="02070309020205020404" pitchFamily="49" charset="0"/>
-                <a:cs typeface="Courier New" panose="02070309020205020404" pitchFamily="49" charset="0"/>
-              </a:rPr>
-              <a:t>accept.dt</a:t>
-            </a:r>
-            <a:r>
-              <a:rPr lang="en-US" sz="1800" dirty="0">
-                <a:latin typeface="Courier New" panose="02070309020205020404" pitchFamily="49" charset="0"/>
-                <a:cs typeface="Courier New" panose="02070309020205020404" pitchFamily="49" charset="0"/>
-              </a:rPr>
-              <a:t>    </a:t>
-            </a:r>
-            <a:r>
-              <a:rPr lang="en-US" sz="1800" dirty="0" err="1">
-                <a:latin typeface="Courier New" panose="02070309020205020404" pitchFamily="49" charset="0"/>
-                <a:cs typeface="Courier New" panose="02070309020205020404" pitchFamily="49" charset="0"/>
-              </a:rPr>
-              <a:t>tx.date</a:t>
-            </a:r>
-            <a:r>
-              <a:rPr lang="en-US" sz="1800" dirty="0">
-                <a:latin typeface="Courier New" panose="02070309020205020404" pitchFamily="49" charset="0"/>
-                <a:cs typeface="Courier New" panose="02070309020205020404" pitchFamily="49" charset="0"/>
-              </a:rPr>
-              <a:t>    </a:t>
-            </a:r>
-            <a:r>
-              <a:rPr lang="en-US" sz="1800" dirty="0" err="1">
-                <a:latin typeface="Courier New" panose="02070309020205020404" pitchFamily="49" charset="0"/>
-                <a:cs typeface="Courier New" panose="02070309020205020404" pitchFamily="49" charset="0"/>
-              </a:rPr>
-              <a:t>fu.date</a:t>
-            </a:r>
-            <a:r>
-              <a:rPr lang="en-US" sz="1800" dirty="0">
-                <a:latin typeface="Courier New" panose="02070309020205020404" pitchFamily="49" charset="0"/>
-                <a:cs typeface="Courier New" panose="02070309020205020404" pitchFamily="49" charset="0"/>
-              </a:rPr>
-              <a:t> </a:t>
-            </a:r>
-            <a:r>
-              <a:rPr lang="en-US" sz="1800" dirty="0" err="1">
-                <a:latin typeface="Courier New" panose="02070309020205020404" pitchFamily="49" charset="0"/>
-                <a:cs typeface="Courier New" panose="02070309020205020404" pitchFamily="49" charset="0"/>
-              </a:rPr>
-              <a:t>fustat</a:t>
-            </a:r>
-            <a:r>
-              <a:rPr lang="en-US" sz="1800" dirty="0">
-                <a:latin typeface="Courier New" panose="02070309020205020404" pitchFamily="49" charset="0"/>
-                <a:cs typeface="Courier New" panose="02070309020205020404" pitchFamily="49" charset="0"/>
-              </a:rPr>
-              <a:t> transplant</a:t>
-            </a:r>
-          </a:p>
-          <a:p>
-            <a:r>
-              <a:rPr lang="en-US" sz="1800" dirty="0">
-                <a:latin typeface="Courier New" panose="02070309020205020404" pitchFamily="49" charset="0"/>
-                <a:cs typeface="Courier New" panose="02070309020205020404" pitchFamily="49" charset="0"/>
-              </a:rPr>
-              <a:t>24 1969-04-25 1969-07-16 1969-11-29      1          1</a:t>
-            </a:r>
-          </a:p>
-          <a:p>
-            <a:endParaRPr lang="en-US" sz="1800" dirty="0">
-              <a:latin typeface="Courier New" panose="02070309020205020404" pitchFamily="49" charset="0"/>
-              <a:cs typeface="Courier New" panose="02070309020205020404" pitchFamily="49" charset="0"/>
-            </a:endParaRPr>
-          </a:p>
-          <a:p>
-            <a:r>
-              <a:rPr lang="en-US" sz="1800" dirty="0">
-                <a:latin typeface="Courier New" panose="02070309020205020404" pitchFamily="49" charset="0"/>
-                <a:cs typeface="Courier New" panose="02070309020205020404" pitchFamily="49" charset="0"/>
-              </a:rPr>
-              <a:t>id   time1     time2 event transplant</a:t>
-            </a:r>
-          </a:p>
-          <a:p>
-            <a:r>
-              <a:rPr lang="en-US" sz="1800" dirty="0">
-                <a:latin typeface="Courier New" panose="02070309020205020404" pitchFamily="49" charset="0"/>
-                <a:cs typeface="Courier New" panose="02070309020205020404" pitchFamily="49" charset="0"/>
-              </a:rPr>
-              <a:t>24 82 days  218 days     D          1</a:t>
-            </a:r>
-          </a:p>
-          <a:p>
-            <a:endParaRPr lang="en-US" sz="1800" dirty="0">
-              <a:latin typeface="Courier New" panose="02070309020205020404" pitchFamily="49" charset="0"/>
-              <a:cs typeface="Courier New" panose="02070309020205020404" pitchFamily="49" charset="0"/>
-            </a:endParaRPr>
-          </a:p>
-          <a:p>
-            <a:r>
-              <a:rPr lang="en-US" sz="1800" dirty="0">
-                <a:latin typeface="Courier New" panose="02070309020205020404" pitchFamily="49" charset="0"/>
-                <a:cs typeface="Courier New" panose="02070309020205020404" pitchFamily="49" charset="0"/>
-              </a:rPr>
-              <a:t>id start stop event transplant</a:t>
-            </a:r>
-          </a:p>
-          <a:p>
-            <a:r>
-              <a:rPr lang="en-US" sz="1800" dirty="0">
-                <a:latin typeface="Courier New" panose="02070309020205020404" pitchFamily="49" charset="0"/>
-                <a:cs typeface="Courier New" panose="02070309020205020404" pitchFamily="49" charset="0"/>
-              </a:rPr>
-              <a:t>24     0   82     0          0</a:t>
-            </a:r>
-          </a:p>
-          <a:p>
-            <a:r>
-              <a:rPr lang="en-US" sz="1800" dirty="0">
-                <a:latin typeface="Courier New" panose="02070309020205020404" pitchFamily="49" charset="0"/>
-                <a:cs typeface="Courier New" panose="02070309020205020404" pitchFamily="49" charset="0"/>
-              </a:rPr>
-              <a:t>24    82  218     1          1</a:t>
-            </a:r>
-          </a:p>
-        </p:txBody>
-      </p:sp>
-      <p:sp>
-        <p:nvSpPr>
-          <p:cNvPr id="4" name="Footer Placeholder 3"/>
-          <p:cNvSpPr>
-            <a:spLocks noGrp="1"/>
-          </p:cNvSpPr>
-          <p:nvPr>
-            <p:ph type="ftr" sz="quarter" idx="10"/>
-          </p:nvPr>
-        </p:nvSpPr>
-        <p:spPr/>
-        <p:txBody>
-          <a:bodyPr/>
-          <a:lstStyle/>
-          <a:p>
-            <a:pPr>
-              <a:defRPr/>
-            </a:pPr>
-            <a:r>
-              <a:rPr lang="en-US" altLang="en-US" dirty="0"/>
-              <a:t>©2018 Steve Simon    http://TheAnalysisFactor.com</a:t>
-            </a:r>
-          </a:p>
-        </p:txBody>
-      </p:sp>
-      <p:sp>
-        <p:nvSpPr>
-          <p:cNvPr id="5" name="Slide Number Placeholder 4"/>
-          <p:cNvSpPr>
-            <a:spLocks noGrp="1"/>
-          </p:cNvSpPr>
-          <p:nvPr>
-            <p:ph type="sldNum" sz="quarter" idx="11"/>
-          </p:nvPr>
-        </p:nvSpPr>
-        <p:spPr/>
-        <p:txBody>
-          <a:bodyPr/>
-          <a:lstStyle/>
-          <a:p>
-            <a:pPr>
-              <a:defRPr/>
-            </a:pPr>
-            <a:endParaRPr lang="en-US"/>
-          </a:p>
-          <a:p>
-            <a:pPr>
-              <a:defRPr/>
-            </a:pPr>
-            <a:fld id="{E9A8CBA3-AA2B-46A6-BFA3-DCEBEAAB3F0A}" type="slidenum">
-              <a:rPr lang="en-US" smtClean="0"/>
-              <a:pPr>
-                <a:defRPr/>
-              </a:pPr>
-              <a:t>35</a:t>
-            </a:fld>
-            <a:endParaRPr lang="en-US"/>
-          </a:p>
-        </p:txBody>
-      </p:sp>
-      <p:sp>
-        <p:nvSpPr>
-          <p:cNvPr id="6" name="Text Placeholder 5"/>
-          <p:cNvSpPr>
-            <a:spLocks noGrp="1"/>
-          </p:cNvSpPr>
-          <p:nvPr>
-            <p:ph type="body" sz="quarter" idx="12"/>
-          </p:nvPr>
-        </p:nvSpPr>
-        <p:spPr/>
-        <p:txBody>
-          <a:bodyPr/>
-          <a:lstStyle/>
-          <a:p>
-            <a:r>
-              <a:rPr lang="en-US" dirty="0"/>
-              <a:t>Patient #24</a:t>
-            </a:r>
-          </a:p>
-        </p:txBody>
-      </p:sp>
-    </p:spTree>
-    <p:extLst>
-      <p:ext uri="{BB962C8B-B14F-4D97-AF65-F5344CB8AC3E}">
-        <p14:creationId xmlns:p14="http://schemas.microsoft.com/office/powerpoint/2010/main" val="1815124891"/>
-      </p:ext>
-    </p:extLst>
-  </p:cSld>
-  <p:clrMapOvr>
-    <a:masterClrMapping/>
-  </p:clrMapOvr>
-</p:sld>
-</file>
-
-<file path=ppt/slides/slide36.xml><?xml version="1.0" encoding="utf-8"?>
-<p:sld xmlns:a="http://schemas.openxmlformats.org/drawingml/2006/main" xmlns:r="http://schemas.openxmlformats.org/officeDocument/2006/relationships" xmlns:p="http://schemas.openxmlformats.org/presentationml/2006/main">
-  <p:cSld>
-    <p:spTree>
-      <p:nvGrpSpPr>
-        <p:cNvPr id="1" name=""/>
-        <p:cNvGrpSpPr/>
-        <p:nvPr/>
-      </p:nvGrpSpPr>
-      <p:grpSpPr>
-        <a:xfrm>
-          <a:off x="0" y="0"/>
-          <a:ext cx="0" cy="0"/>
-          <a:chOff x="0" y="0"/>
-          <a:chExt cx="0" cy="0"/>
-        </a:xfrm>
-      </p:grpSpPr>
-      <p:sp>
-        <p:nvSpPr>
-          <p:cNvPr id="2" name="Title 1"/>
-          <p:cNvSpPr>
-            <a:spLocks noGrp="1"/>
-          </p:cNvSpPr>
-          <p:nvPr>
-            <p:ph type="title"/>
-          </p:nvPr>
-        </p:nvSpPr>
-        <p:spPr/>
-        <p:txBody>
-          <a:bodyPr/>
-          <a:lstStyle/>
-          <a:p>
-            <a:r>
-              <a:rPr lang="en-US" dirty="0"/>
-              <a:t>Stanford transplant data</a:t>
-            </a:r>
-          </a:p>
-        </p:txBody>
-      </p:sp>
-      <p:sp>
-        <p:nvSpPr>
-          <p:cNvPr id="3" name="Text Placeholder 2"/>
-          <p:cNvSpPr>
-            <a:spLocks noGrp="1"/>
-          </p:cNvSpPr>
-          <p:nvPr>
-            <p:ph type="body" idx="1"/>
-          </p:nvPr>
-        </p:nvSpPr>
-        <p:spPr/>
-        <p:txBody>
-          <a:bodyPr/>
-          <a:lstStyle/>
-          <a:p>
-            <a:r>
-              <a:rPr lang="en-US" sz="1800" dirty="0">
-                <a:latin typeface="Courier New" panose="02070309020205020404" pitchFamily="49" charset="0"/>
-                <a:cs typeface="Courier New" panose="02070309020205020404" pitchFamily="49" charset="0"/>
-              </a:rPr>
-              <a:t>id  </a:t>
-            </a:r>
-            <a:r>
-              <a:rPr lang="en-US" sz="1800" dirty="0" err="1">
-                <a:latin typeface="Courier New" panose="02070309020205020404" pitchFamily="49" charset="0"/>
-                <a:cs typeface="Courier New" panose="02070309020205020404" pitchFamily="49" charset="0"/>
-              </a:rPr>
-              <a:t>accept.dt</a:t>
-            </a:r>
-            <a:r>
-              <a:rPr lang="en-US" sz="1800" dirty="0">
-                <a:latin typeface="Courier New" panose="02070309020205020404" pitchFamily="49" charset="0"/>
-                <a:cs typeface="Courier New" panose="02070309020205020404" pitchFamily="49" charset="0"/>
-              </a:rPr>
-              <a:t>    </a:t>
-            </a:r>
-            <a:r>
-              <a:rPr lang="en-US" sz="1800" dirty="0" err="1">
-                <a:latin typeface="Courier New" panose="02070309020205020404" pitchFamily="49" charset="0"/>
-                <a:cs typeface="Courier New" panose="02070309020205020404" pitchFamily="49" charset="0"/>
-              </a:rPr>
-              <a:t>tx.date</a:t>
-            </a:r>
-            <a:r>
-              <a:rPr lang="en-US" sz="1800" dirty="0">
-                <a:latin typeface="Courier New" panose="02070309020205020404" pitchFamily="49" charset="0"/>
-                <a:cs typeface="Courier New" panose="02070309020205020404" pitchFamily="49" charset="0"/>
-              </a:rPr>
-              <a:t>    </a:t>
-            </a:r>
-            <a:r>
-              <a:rPr lang="en-US" sz="1800" dirty="0" err="1">
-                <a:latin typeface="Courier New" panose="02070309020205020404" pitchFamily="49" charset="0"/>
-                <a:cs typeface="Courier New" panose="02070309020205020404" pitchFamily="49" charset="0"/>
-              </a:rPr>
-              <a:t>fu.date</a:t>
-            </a:r>
-            <a:r>
-              <a:rPr lang="en-US" sz="1800" dirty="0">
-                <a:latin typeface="Courier New" panose="02070309020205020404" pitchFamily="49" charset="0"/>
-                <a:cs typeface="Courier New" panose="02070309020205020404" pitchFamily="49" charset="0"/>
-              </a:rPr>
-              <a:t> </a:t>
-            </a:r>
-            <a:r>
-              <a:rPr lang="en-US" sz="1800" dirty="0" err="1">
-                <a:latin typeface="Courier New" panose="02070309020205020404" pitchFamily="49" charset="0"/>
-                <a:cs typeface="Courier New" panose="02070309020205020404" pitchFamily="49" charset="0"/>
-              </a:rPr>
-              <a:t>fustat</a:t>
-            </a:r>
-            <a:r>
-              <a:rPr lang="en-US" sz="1800" dirty="0">
-                <a:latin typeface="Courier New" panose="02070309020205020404" pitchFamily="49" charset="0"/>
-                <a:cs typeface="Courier New" panose="02070309020205020404" pitchFamily="49" charset="0"/>
-              </a:rPr>
-              <a:t> transplant</a:t>
-            </a:r>
-          </a:p>
-          <a:p>
-            <a:r>
-              <a:rPr lang="en-US" sz="1800" dirty="0">
-                <a:latin typeface="Courier New" panose="02070309020205020404" pitchFamily="49" charset="0"/>
-                <a:cs typeface="Courier New" panose="02070309020205020404" pitchFamily="49" charset="0"/>
-              </a:rPr>
-              <a:t>25 1969-04-28 1969-05-22 1974-04-01      0          1</a:t>
-            </a:r>
-          </a:p>
-          <a:p>
-            <a:endParaRPr lang="en-US" sz="1800" dirty="0">
-              <a:latin typeface="Courier New" panose="02070309020205020404" pitchFamily="49" charset="0"/>
-              <a:cs typeface="Courier New" panose="02070309020205020404" pitchFamily="49" charset="0"/>
-            </a:endParaRPr>
-          </a:p>
-          <a:p>
-            <a:r>
-              <a:rPr lang="en-US" sz="1800" dirty="0">
-                <a:latin typeface="Courier New" panose="02070309020205020404" pitchFamily="49" charset="0"/>
-                <a:cs typeface="Courier New" panose="02070309020205020404" pitchFamily="49" charset="0"/>
-              </a:rPr>
-              <a:t>id   time1     time2 event transplant</a:t>
-            </a:r>
-          </a:p>
-          <a:p>
-            <a:r>
-              <a:rPr lang="en-US" sz="1800" dirty="0">
-                <a:latin typeface="Courier New" panose="02070309020205020404" pitchFamily="49" charset="0"/>
-                <a:cs typeface="Courier New" panose="02070309020205020404" pitchFamily="49" charset="0"/>
-              </a:rPr>
-              <a:t>25 24 days 1799 days     C          1</a:t>
-            </a:r>
-          </a:p>
-          <a:p>
-            <a:endParaRPr lang="en-US" sz="1800" dirty="0">
-              <a:latin typeface="Courier New" panose="02070309020205020404" pitchFamily="49" charset="0"/>
-              <a:cs typeface="Courier New" panose="02070309020205020404" pitchFamily="49" charset="0"/>
-            </a:endParaRPr>
-          </a:p>
-          <a:p>
-            <a:r>
-              <a:rPr lang="en-US" sz="1800" dirty="0">
-                <a:latin typeface="Courier New" panose="02070309020205020404" pitchFamily="49" charset="0"/>
-                <a:cs typeface="Courier New" panose="02070309020205020404" pitchFamily="49" charset="0"/>
-              </a:rPr>
-              <a:t>id start stop event transplant</a:t>
-            </a:r>
-          </a:p>
-          <a:p>
-            <a:r>
-              <a:rPr lang="en-US" sz="1800" dirty="0">
-                <a:latin typeface="Courier New" panose="02070309020205020404" pitchFamily="49" charset="0"/>
-                <a:cs typeface="Courier New" panose="02070309020205020404" pitchFamily="49" charset="0"/>
-              </a:rPr>
-              <a:t>25     0   24     0          0</a:t>
-            </a:r>
-          </a:p>
-          <a:p>
-            <a:r>
-              <a:rPr lang="en-US" sz="1800" dirty="0">
-                <a:latin typeface="Courier New" panose="02070309020205020404" pitchFamily="49" charset="0"/>
-                <a:cs typeface="Courier New" panose="02070309020205020404" pitchFamily="49" charset="0"/>
-              </a:rPr>
-              <a:t>25    24 1799     0          1</a:t>
-            </a:r>
-          </a:p>
-        </p:txBody>
-      </p:sp>
-      <p:sp>
-        <p:nvSpPr>
-          <p:cNvPr id="4" name="Footer Placeholder 3"/>
-          <p:cNvSpPr>
-            <a:spLocks noGrp="1"/>
-          </p:cNvSpPr>
-          <p:nvPr>
-            <p:ph type="ftr" sz="quarter" idx="10"/>
-          </p:nvPr>
-        </p:nvSpPr>
-        <p:spPr/>
-        <p:txBody>
-          <a:bodyPr/>
-          <a:lstStyle/>
-          <a:p>
-            <a:pPr>
-              <a:defRPr/>
-            </a:pPr>
-            <a:r>
-              <a:rPr lang="en-US" altLang="en-US" dirty="0"/>
-              <a:t>©2018 Steve Simon    http://TheAnalysisFactor.com</a:t>
-            </a:r>
-          </a:p>
-        </p:txBody>
-      </p:sp>
-      <p:sp>
-        <p:nvSpPr>
-          <p:cNvPr id="5" name="Slide Number Placeholder 4"/>
-          <p:cNvSpPr>
-            <a:spLocks noGrp="1"/>
-          </p:cNvSpPr>
-          <p:nvPr>
-            <p:ph type="sldNum" sz="quarter" idx="11"/>
-          </p:nvPr>
-        </p:nvSpPr>
-        <p:spPr/>
-        <p:txBody>
-          <a:bodyPr/>
-          <a:lstStyle/>
-          <a:p>
-            <a:pPr>
-              <a:defRPr/>
-            </a:pPr>
-            <a:endParaRPr lang="en-US"/>
-          </a:p>
-          <a:p>
-            <a:pPr>
-              <a:defRPr/>
-            </a:pPr>
-            <a:fld id="{E9A8CBA3-AA2B-46A6-BFA3-DCEBEAAB3F0A}" type="slidenum">
-              <a:rPr lang="en-US" smtClean="0"/>
-              <a:pPr>
-                <a:defRPr/>
-              </a:pPr>
-              <a:t>36</a:t>
-            </a:fld>
-            <a:endParaRPr lang="en-US"/>
-          </a:p>
-        </p:txBody>
-      </p:sp>
-      <p:sp>
-        <p:nvSpPr>
-          <p:cNvPr id="6" name="Text Placeholder 5"/>
-          <p:cNvSpPr>
-            <a:spLocks noGrp="1"/>
-          </p:cNvSpPr>
-          <p:nvPr>
-            <p:ph type="body" sz="quarter" idx="12"/>
-          </p:nvPr>
-        </p:nvSpPr>
-        <p:spPr/>
-        <p:txBody>
-          <a:bodyPr/>
-          <a:lstStyle/>
-          <a:p>
-            <a:r>
-              <a:rPr lang="en-US" dirty="0"/>
-              <a:t>Patient #25</a:t>
-            </a:r>
-          </a:p>
-        </p:txBody>
-      </p:sp>
-    </p:spTree>
-    <p:extLst>
-      <p:ext uri="{BB962C8B-B14F-4D97-AF65-F5344CB8AC3E}">
-        <p14:creationId xmlns:p14="http://schemas.microsoft.com/office/powerpoint/2010/main" val="2244761302"/>
-      </p:ext>
-    </p:extLst>
-  </p:cSld>
-  <p:clrMapOvr>
-    <a:masterClrMapping/>
-  </p:clrMapOvr>
-</p:sld>
-</file>
-
-<file path=ppt/slides/slide37.xml><?xml version="1.0" encoding="utf-8"?>
-<p:sld xmlns:a="http://schemas.openxmlformats.org/drawingml/2006/main" xmlns:r="http://schemas.openxmlformats.org/officeDocument/2006/relationships" xmlns:p="http://schemas.openxmlformats.org/presentationml/2006/main">
-  <p:cSld>
-    <p:spTree>
-      <p:nvGrpSpPr>
-        <p:cNvPr id="1" name=""/>
-        <p:cNvGrpSpPr/>
-        <p:nvPr/>
-      </p:nvGrpSpPr>
-      <p:grpSpPr>
-        <a:xfrm>
-          <a:off x="0" y="0"/>
-          <a:ext cx="0" cy="0"/>
-          <a:chOff x="0" y="0"/>
-          <a:chExt cx="0" cy="0"/>
-        </a:xfrm>
-      </p:grpSpPr>
-      <p:sp>
-        <p:nvSpPr>
-          <p:cNvPr id="2" name="Title 1"/>
-          <p:cNvSpPr>
-            <a:spLocks noGrp="1"/>
-          </p:cNvSpPr>
-          <p:nvPr>
-            <p:ph type="title"/>
-          </p:nvPr>
-        </p:nvSpPr>
-        <p:spPr/>
-        <p:txBody>
-          <a:bodyPr/>
-          <a:lstStyle/>
-          <a:p>
-            <a:r>
-              <a:rPr lang="en-US" dirty="0"/>
-              <a:t>Stanford transplant data</a:t>
-            </a:r>
-          </a:p>
-        </p:txBody>
-      </p:sp>
-      <p:sp>
-        <p:nvSpPr>
-          <p:cNvPr id="3" name="Text Placeholder 2"/>
-          <p:cNvSpPr>
-            <a:spLocks noGrp="1"/>
-          </p:cNvSpPr>
-          <p:nvPr>
-            <p:ph type="body" idx="1"/>
-          </p:nvPr>
-        </p:nvSpPr>
-        <p:spPr/>
-        <p:txBody>
-          <a:bodyPr/>
-          <a:lstStyle/>
-          <a:p>
-            <a:r>
-              <a:rPr lang="en-US" sz="1800" dirty="0">
-                <a:latin typeface="Courier New" panose="02070309020205020404" pitchFamily="49" charset="0"/>
-                <a:cs typeface="Courier New" panose="02070309020205020404" pitchFamily="49" charset="0"/>
-              </a:rPr>
-              <a:t>id  </a:t>
-            </a:r>
-            <a:r>
-              <a:rPr lang="en-US" sz="1800" dirty="0" err="1">
-                <a:latin typeface="Courier New" panose="02070309020205020404" pitchFamily="49" charset="0"/>
-                <a:cs typeface="Courier New" panose="02070309020205020404" pitchFamily="49" charset="0"/>
-              </a:rPr>
-              <a:t>accept.dt</a:t>
-            </a:r>
-            <a:r>
-              <a:rPr lang="en-US" sz="1800" dirty="0">
-                <a:latin typeface="Courier New" panose="02070309020205020404" pitchFamily="49" charset="0"/>
-                <a:cs typeface="Courier New" panose="02070309020205020404" pitchFamily="49" charset="0"/>
-              </a:rPr>
-              <a:t>    </a:t>
-            </a:r>
-            <a:r>
-              <a:rPr lang="en-US" sz="1800" dirty="0" err="1">
-                <a:latin typeface="Courier New" panose="02070309020205020404" pitchFamily="49" charset="0"/>
-                <a:cs typeface="Courier New" panose="02070309020205020404" pitchFamily="49" charset="0"/>
-              </a:rPr>
-              <a:t>tx.date</a:t>
-            </a:r>
-            <a:r>
-              <a:rPr lang="en-US" sz="1800" dirty="0">
-                <a:latin typeface="Courier New" panose="02070309020205020404" pitchFamily="49" charset="0"/>
-                <a:cs typeface="Courier New" panose="02070309020205020404" pitchFamily="49" charset="0"/>
-              </a:rPr>
-              <a:t>    </a:t>
-            </a:r>
-            <a:r>
-              <a:rPr lang="en-US" sz="1800" dirty="0" err="1">
-                <a:latin typeface="Courier New" panose="02070309020205020404" pitchFamily="49" charset="0"/>
-                <a:cs typeface="Courier New" panose="02070309020205020404" pitchFamily="49" charset="0"/>
-              </a:rPr>
-              <a:t>fu.date</a:t>
-            </a:r>
-            <a:r>
-              <a:rPr lang="en-US" sz="1800" dirty="0">
-                <a:latin typeface="Courier New" panose="02070309020205020404" pitchFamily="49" charset="0"/>
-                <a:cs typeface="Courier New" panose="02070309020205020404" pitchFamily="49" charset="0"/>
-              </a:rPr>
-              <a:t> </a:t>
-            </a:r>
-            <a:r>
-              <a:rPr lang="en-US" sz="1800" dirty="0" err="1">
-                <a:latin typeface="Courier New" panose="02070309020205020404" pitchFamily="49" charset="0"/>
-                <a:cs typeface="Courier New" panose="02070309020205020404" pitchFamily="49" charset="0"/>
-              </a:rPr>
-              <a:t>fustat</a:t>
-            </a:r>
-            <a:r>
-              <a:rPr lang="en-US" sz="1800" dirty="0">
-                <a:latin typeface="Courier New" panose="02070309020205020404" pitchFamily="49" charset="0"/>
-                <a:cs typeface="Courier New" panose="02070309020205020404" pitchFamily="49" charset="0"/>
-              </a:rPr>
-              <a:t> transplant</a:t>
-            </a:r>
-          </a:p>
-          <a:p>
-            <a:r>
-              <a:rPr lang="en-US" sz="1800" dirty="0">
-                <a:latin typeface="Courier New" panose="02070309020205020404" pitchFamily="49" charset="0"/>
-                <a:cs typeface="Courier New" panose="02070309020205020404" pitchFamily="49" charset="0"/>
-              </a:rPr>
-              <a:t>26 1969-05-01       &lt;NA&gt; 1973-03-01      0          0</a:t>
-            </a:r>
-          </a:p>
-          <a:p>
-            <a:endParaRPr lang="en-US" sz="1800" dirty="0">
-              <a:latin typeface="Courier New" panose="02070309020205020404" pitchFamily="49" charset="0"/>
-              <a:cs typeface="Courier New" panose="02070309020205020404" pitchFamily="49" charset="0"/>
-            </a:endParaRPr>
-          </a:p>
-          <a:p>
-            <a:r>
-              <a:rPr lang="en-US" sz="1800" dirty="0">
-                <a:latin typeface="Courier New" panose="02070309020205020404" pitchFamily="49" charset="0"/>
-                <a:cs typeface="Courier New" panose="02070309020205020404" pitchFamily="49" charset="0"/>
-              </a:rPr>
-              <a:t>id   time1     time2 event transplant</a:t>
-            </a:r>
-          </a:p>
-          <a:p>
-            <a:r>
-              <a:rPr lang="en-US" sz="1800" dirty="0">
-                <a:latin typeface="Courier New" panose="02070309020205020404" pitchFamily="49" charset="0"/>
-                <a:cs typeface="Courier New" panose="02070309020205020404" pitchFamily="49" charset="0"/>
-              </a:rPr>
-              <a:t>26 NA days 1400 days     C          0</a:t>
-            </a:r>
-          </a:p>
-          <a:p>
-            <a:endParaRPr lang="en-US" sz="1800" dirty="0">
-              <a:latin typeface="Courier New" panose="02070309020205020404" pitchFamily="49" charset="0"/>
-              <a:cs typeface="Courier New" panose="02070309020205020404" pitchFamily="49" charset="0"/>
-            </a:endParaRPr>
-          </a:p>
-          <a:p>
-            <a:r>
-              <a:rPr lang="en-US" sz="1800" dirty="0">
-                <a:latin typeface="Courier New" panose="02070309020205020404" pitchFamily="49" charset="0"/>
-                <a:cs typeface="Courier New" panose="02070309020205020404" pitchFamily="49" charset="0"/>
-              </a:rPr>
-              <a:t>id start stop event transplant</a:t>
-            </a:r>
-          </a:p>
-          <a:p>
-            <a:r>
-              <a:rPr lang="en-US" sz="1800" dirty="0">
-                <a:latin typeface="Courier New" panose="02070309020205020404" pitchFamily="49" charset="0"/>
-                <a:cs typeface="Courier New" panose="02070309020205020404" pitchFamily="49" charset="0"/>
-              </a:rPr>
-              <a:t>26     0 1400     0          0</a:t>
-            </a:r>
-          </a:p>
-        </p:txBody>
-      </p:sp>
-      <p:sp>
-        <p:nvSpPr>
-          <p:cNvPr id="4" name="Footer Placeholder 3"/>
-          <p:cNvSpPr>
-            <a:spLocks noGrp="1"/>
-          </p:cNvSpPr>
-          <p:nvPr>
-            <p:ph type="ftr" sz="quarter" idx="10"/>
-          </p:nvPr>
-        </p:nvSpPr>
-        <p:spPr/>
-        <p:txBody>
-          <a:bodyPr/>
-          <a:lstStyle/>
-          <a:p>
-            <a:pPr>
-              <a:defRPr/>
-            </a:pPr>
-            <a:r>
-              <a:rPr lang="en-US" altLang="en-US" dirty="0"/>
-              <a:t>©2018 Steve Simon    http://TheAnalysisFactor.com</a:t>
-            </a:r>
-          </a:p>
-        </p:txBody>
-      </p:sp>
-      <p:sp>
-        <p:nvSpPr>
-          <p:cNvPr id="5" name="Slide Number Placeholder 4"/>
-          <p:cNvSpPr>
-            <a:spLocks noGrp="1"/>
-          </p:cNvSpPr>
-          <p:nvPr>
-            <p:ph type="sldNum" sz="quarter" idx="11"/>
-          </p:nvPr>
-        </p:nvSpPr>
-        <p:spPr/>
-        <p:txBody>
-          <a:bodyPr/>
-          <a:lstStyle/>
-          <a:p>
-            <a:pPr>
-              <a:defRPr/>
-            </a:pPr>
-            <a:endParaRPr lang="en-US"/>
-          </a:p>
-          <a:p>
-            <a:pPr>
-              <a:defRPr/>
-            </a:pPr>
-            <a:fld id="{E9A8CBA3-AA2B-46A6-BFA3-DCEBEAAB3F0A}" type="slidenum">
-              <a:rPr lang="en-US" smtClean="0"/>
-              <a:pPr>
-                <a:defRPr/>
-              </a:pPr>
-              <a:t>37</a:t>
-            </a:fld>
-            <a:endParaRPr lang="en-US"/>
-          </a:p>
-        </p:txBody>
-      </p:sp>
-      <p:sp>
-        <p:nvSpPr>
-          <p:cNvPr id="6" name="Text Placeholder 5"/>
-          <p:cNvSpPr>
-            <a:spLocks noGrp="1"/>
-          </p:cNvSpPr>
-          <p:nvPr>
-            <p:ph type="body" sz="quarter" idx="12"/>
-          </p:nvPr>
-        </p:nvSpPr>
-        <p:spPr/>
-        <p:txBody>
-          <a:bodyPr/>
-          <a:lstStyle/>
-          <a:p>
-            <a:r>
-              <a:rPr lang="en-US" dirty="0"/>
-              <a:t>Patient #26</a:t>
-            </a:r>
-          </a:p>
-        </p:txBody>
-      </p:sp>
-    </p:spTree>
-    <p:extLst>
-      <p:ext uri="{BB962C8B-B14F-4D97-AF65-F5344CB8AC3E}">
-        <p14:creationId xmlns:p14="http://schemas.microsoft.com/office/powerpoint/2010/main" val="185560491"/>
-      </p:ext>
-    </p:extLst>
-  </p:cSld>
-  <p:clrMapOvr>
-    <a:masterClrMapping/>
-  </p:clrMapOvr>
-</p:sld>
-</file>
-
-<file path=ppt/slides/slide38.xml><?xml version="1.0" encoding="utf-8"?>
-<p:sld xmlns:a="http://schemas.openxmlformats.org/drawingml/2006/main" xmlns:r="http://schemas.openxmlformats.org/officeDocument/2006/relationships" xmlns:p="http://schemas.openxmlformats.org/presentationml/2006/main">
-  <p:cSld>
-    <p:spTree>
-      <p:nvGrpSpPr>
-        <p:cNvPr id="1" name=""/>
-        <p:cNvGrpSpPr/>
-        <p:nvPr/>
-      </p:nvGrpSpPr>
-      <p:grpSpPr>
-        <a:xfrm>
-          <a:off x="0" y="0"/>
-          <a:ext cx="0" cy="0"/>
-          <a:chOff x="0" y="0"/>
-          <a:chExt cx="0" cy="0"/>
-        </a:xfrm>
-      </p:grpSpPr>
-      <p:sp>
-        <p:nvSpPr>
-          <p:cNvPr id="2" name="Title 1"/>
-          <p:cNvSpPr>
-            <a:spLocks noGrp="1"/>
-          </p:cNvSpPr>
-          <p:nvPr>
-            <p:ph type="title"/>
-          </p:nvPr>
-        </p:nvSpPr>
-        <p:spPr/>
-        <p:txBody>
-          <a:bodyPr/>
-          <a:lstStyle/>
-          <a:p>
-            <a:r>
-              <a:rPr lang="en-US" dirty="0"/>
-              <a:t>Stanford transplant data</a:t>
-            </a:r>
-          </a:p>
-        </p:txBody>
-      </p:sp>
-      <p:sp>
-        <p:nvSpPr>
-          <p:cNvPr id="3" name="Text Placeholder 2"/>
-          <p:cNvSpPr>
-            <a:spLocks noGrp="1"/>
-          </p:cNvSpPr>
-          <p:nvPr>
-            <p:ph type="body" idx="1"/>
-          </p:nvPr>
-        </p:nvSpPr>
-        <p:spPr/>
-        <p:txBody>
-          <a:bodyPr/>
-          <a:lstStyle/>
-          <a:p>
-            <a:r>
-              <a:rPr lang="en-US" sz="1800" dirty="0">
-                <a:latin typeface="Courier New" panose="02070309020205020404" pitchFamily="49" charset="0"/>
-                <a:cs typeface="Courier New" panose="02070309020205020404" pitchFamily="49" charset="0"/>
-              </a:rPr>
-              <a:t>id  </a:t>
-            </a:r>
-            <a:r>
-              <a:rPr lang="en-US" sz="1800" dirty="0" err="1">
-                <a:latin typeface="Courier New" panose="02070309020205020404" pitchFamily="49" charset="0"/>
-                <a:cs typeface="Courier New" panose="02070309020205020404" pitchFamily="49" charset="0"/>
-              </a:rPr>
-              <a:t>accept.dt</a:t>
-            </a:r>
-            <a:r>
-              <a:rPr lang="en-US" sz="1800" dirty="0">
-                <a:latin typeface="Courier New" panose="02070309020205020404" pitchFamily="49" charset="0"/>
-                <a:cs typeface="Courier New" panose="02070309020205020404" pitchFamily="49" charset="0"/>
-              </a:rPr>
-              <a:t>    </a:t>
-            </a:r>
-            <a:r>
-              <a:rPr lang="en-US" sz="1800" dirty="0" err="1">
-                <a:latin typeface="Courier New" panose="02070309020205020404" pitchFamily="49" charset="0"/>
-                <a:cs typeface="Courier New" panose="02070309020205020404" pitchFamily="49" charset="0"/>
-              </a:rPr>
-              <a:t>tx.date</a:t>
-            </a:r>
-            <a:r>
-              <a:rPr lang="en-US" sz="1800" dirty="0">
-                <a:latin typeface="Courier New" panose="02070309020205020404" pitchFamily="49" charset="0"/>
-                <a:cs typeface="Courier New" panose="02070309020205020404" pitchFamily="49" charset="0"/>
-              </a:rPr>
-              <a:t>    </a:t>
-            </a:r>
-            <a:r>
-              <a:rPr lang="en-US" sz="1800" dirty="0" err="1">
-                <a:latin typeface="Courier New" panose="02070309020205020404" pitchFamily="49" charset="0"/>
-                <a:cs typeface="Courier New" panose="02070309020205020404" pitchFamily="49" charset="0"/>
-              </a:rPr>
-              <a:t>fu.date</a:t>
-            </a:r>
-            <a:r>
-              <a:rPr lang="en-US" sz="1800" dirty="0">
-                <a:latin typeface="Courier New" panose="02070309020205020404" pitchFamily="49" charset="0"/>
-                <a:cs typeface="Courier New" panose="02070309020205020404" pitchFamily="49" charset="0"/>
-              </a:rPr>
-              <a:t> </a:t>
-            </a:r>
-            <a:r>
-              <a:rPr lang="en-US" sz="1800" dirty="0" err="1">
-                <a:latin typeface="Courier New" panose="02070309020205020404" pitchFamily="49" charset="0"/>
-                <a:cs typeface="Courier New" panose="02070309020205020404" pitchFamily="49" charset="0"/>
-              </a:rPr>
-              <a:t>fustat</a:t>
-            </a:r>
-            <a:r>
-              <a:rPr lang="en-US" sz="1800" dirty="0">
-                <a:latin typeface="Courier New" panose="02070309020205020404" pitchFamily="49" charset="0"/>
-                <a:cs typeface="Courier New" panose="02070309020205020404" pitchFamily="49" charset="0"/>
-              </a:rPr>
-              <a:t> transplant</a:t>
-            </a:r>
-          </a:p>
-          <a:p>
-            <a:r>
-              <a:rPr lang="en-US" sz="1800" dirty="0">
-                <a:latin typeface="Courier New" panose="02070309020205020404" pitchFamily="49" charset="0"/>
-                <a:cs typeface="Courier New" panose="02070309020205020404" pitchFamily="49" charset="0"/>
-              </a:rPr>
-              <a:t>27 1969-05-04       &lt;NA&gt; 1970-01-21      1          0</a:t>
-            </a:r>
-          </a:p>
-          <a:p>
-            <a:endParaRPr lang="en-US" sz="1800" dirty="0">
-              <a:latin typeface="Courier New" panose="02070309020205020404" pitchFamily="49" charset="0"/>
-              <a:cs typeface="Courier New" panose="02070309020205020404" pitchFamily="49" charset="0"/>
-            </a:endParaRPr>
-          </a:p>
-          <a:p>
-            <a:r>
-              <a:rPr lang="en-US" sz="1800" dirty="0">
-                <a:latin typeface="Courier New" panose="02070309020205020404" pitchFamily="49" charset="0"/>
-                <a:cs typeface="Courier New" panose="02070309020205020404" pitchFamily="49" charset="0"/>
-              </a:rPr>
-              <a:t>id   time1     time2 event transplant</a:t>
-            </a:r>
-          </a:p>
-          <a:p>
-            <a:r>
-              <a:rPr lang="en-US" sz="1800" dirty="0">
-                <a:latin typeface="Courier New" panose="02070309020205020404" pitchFamily="49" charset="0"/>
-                <a:cs typeface="Courier New" panose="02070309020205020404" pitchFamily="49" charset="0"/>
-              </a:rPr>
-              <a:t>27 NA days  262 days     D          0</a:t>
-            </a:r>
-          </a:p>
-          <a:p>
-            <a:endParaRPr lang="en-US" sz="1800" dirty="0">
-              <a:latin typeface="Courier New" panose="02070309020205020404" pitchFamily="49" charset="0"/>
-              <a:cs typeface="Courier New" panose="02070309020205020404" pitchFamily="49" charset="0"/>
-            </a:endParaRPr>
-          </a:p>
-          <a:p>
-            <a:r>
-              <a:rPr lang="en-US" sz="1800" dirty="0">
-                <a:latin typeface="Courier New" panose="02070309020205020404" pitchFamily="49" charset="0"/>
-                <a:cs typeface="Courier New" panose="02070309020205020404" pitchFamily="49" charset="0"/>
-              </a:rPr>
-              <a:t>id start stop event transplant</a:t>
-            </a:r>
-          </a:p>
-          <a:p>
-            <a:r>
-              <a:rPr lang="en-US" sz="1800" dirty="0">
-                <a:latin typeface="Courier New" panose="02070309020205020404" pitchFamily="49" charset="0"/>
-                <a:cs typeface="Courier New" panose="02070309020205020404" pitchFamily="49" charset="0"/>
-              </a:rPr>
-              <a:t>27     0  262     1          0</a:t>
-            </a:r>
-          </a:p>
-        </p:txBody>
-      </p:sp>
-      <p:sp>
-        <p:nvSpPr>
-          <p:cNvPr id="4" name="Footer Placeholder 3"/>
-          <p:cNvSpPr>
-            <a:spLocks noGrp="1"/>
-          </p:cNvSpPr>
-          <p:nvPr>
-            <p:ph type="ftr" sz="quarter" idx="10"/>
-          </p:nvPr>
-        </p:nvSpPr>
-        <p:spPr/>
-        <p:txBody>
-          <a:bodyPr/>
-          <a:lstStyle/>
-          <a:p>
-            <a:pPr>
-              <a:defRPr/>
-            </a:pPr>
-            <a:r>
-              <a:rPr lang="en-US" altLang="en-US" dirty="0"/>
-              <a:t>©2018 Steve Simon    http://TheAnalysisFactor.com</a:t>
-            </a:r>
-          </a:p>
-        </p:txBody>
-      </p:sp>
-      <p:sp>
-        <p:nvSpPr>
-          <p:cNvPr id="5" name="Slide Number Placeholder 4"/>
-          <p:cNvSpPr>
-            <a:spLocks noGrp="1"/>
-          </p:cNvSpPr>
-          <p:nvPr>
-            <p:ph type="sldNum" sz="quarter" idx="11"/>
-          </p:nvPr>
-        </p:nvSpPr>
-        <p:spPr/>
-        <p:txBody>
-          <a:bodyPr/>
-          <a:lstStyle/>
-          <a:p>
-            <a:pPr>
-              <a:defRPr/>
-            </a:pPr>
-            <a:endParaRPr lang="en-US"/>
-          </a:p>
-          <a:p>
-            <a:pPr>
-              <a:defRPr/>
-            </a:pPr>
-            <a:fld id="{E9A8CBA3-AA2B-46A6-BFA3-DCEBEAAB3F0A}" type="slidenum">
-              <a:rPr lang="en-US" smtClean="0"/>
-              <a:pPr>
-                <a:defRPr/>
-              </a:pPr>
-              <a:t>38</a:t>
-            </a:fld>
-            <a:endParaRPr lang="en-US"/>
-          </a:p>
-        </p:txBody>
-      </p:sp>
-      <p:sp>
-        <p:nvSpPr>
-          <p:cNvPr id="6" name="Text Placeholder 5"/>
-          <p:cNvSpPr>
-            <a:spLocks noGrp="1"/>
-          </p:cNvSpPr>
-          <p:nvPr>
-            <p:ph type="body" sz="quarter" idx="12"/>
-          </p:nvPr>
-        </p:nvSpPr>
-        <p:spPr/>
-        <p:txBody>
-          <a:bodyPr/>
-          <a:lstStyle/>
-          <a:p>
-            <a:r>
-              <a:rPr lang="en-US" dirty="0"/>
-              <a:t>Patient #27</a:t>
-            </a:r>
-          </a:p>
-        </p:txBody>
-      </p:sp>
-    </p:spTree>
-    <p:extLst>
-      <p:ext uri="{BB962C8B-B14F-4D97-AF65-F5344CB8AC3E}">
-        <p14:creationId xmlns:p14="http://schemas.microsoft.com/office/powerpoint/2010/main" val="1134118722"/>
-      </p:ext>
-    </p:extLst>
-  </p:cSld>
-  <p:clrMapOvr>
-    <a:masterClrMapping/>
-  </p:clrMapOvr>
-</p:sld>
-</file>
-
-<file path=ppt/slides/slide39.xml><?xml version="1.0" encoding="utf-8"?>
-<p:sld xmlns:a="http://schemas.openxmlformats.org/drawingml/2006/main" xmlns:r="http://schemas.openxmlformats.org/officeDocument/2006/relationships" xmlns:p="http://schemas.openxmlformats.org/presentationml/2006/main">
-  <p:cSld>
-    <p:spTree>
-      <p:nvGrpSpPr>
-        <p:cNvPr id="1" name=""/>
-        <p:cNvGrpSpPr/>
-        <p:nvPr/>
-      </p:nvGrpSpPr>
-      <p:grpSpPr>
-        <a:xfrm>
-          <a:off x="0" y="0"/>
-          <a:ext cx="0" cy="0"/>
-          <a:chOff x="0" y="0"/>
-          <a:chExt cx="0" cy="0"/>
-        </a:xfrm>
-      </p:grpSpPr>
-      <p:sp>
-        <p:nvSpPr>
-          <p:cNvPr id="2" name="Title 1"/>
-          <p:cNvSpPr>
-            <a:spLocks noGrp="1"/>
-          </p:cNvSpPr>
-          <p:nvPr>
-            <p:ph type="title"/>
-          </p:nvPr>
-        </p:nvSpPr>
-        <p:spPr/>
-        <p:txBody>
-          <a:bodyPr/>
-          <a:lstStyle/>
-          <a:p>
-            <a:r>
-              <a:rPr lang="en-US" dirty="0"/>
-              <a:t>Stanford transplant data</a:t>
-            </a:r>
-          </a:p>
-        </p:txBody>
-      </p:sp>
-      <p:sp>
-        <p:nvSpPr>
-          <p:cNvPr id="3" name="Text Placeholder 2"/>
-          <p:cNvSpPr>
-            <a:spLocks noGrp="1"/>
-          </p:cNvSpPr>
-          <p:nvPr>
-            <p:ph type="body" idx="1"/>
-          </p:nvPr>
-        </p:nvSpPr>
-        <p:spPr/>
-        <p:txBody>
-          <a:bodyPr/>
-          <a:lstStyle/>
-          <a:p>
-            <a:r>
-              <a:rPr lang="en-US" sz="1800" dirty="0">
-                <a:latin typeface="Courier New" panose="02070309020205020404" pitchFamily="49" charset="0"/>
-                <a:cs typeface="Courier New" panose="02070309020205020404" pitchFamily="49" charset="0"/>
-              </a:rPr>
-              <a:t>id  </a:t>
-            </a:r>
-            <a:r>
-              <a:rPr lang="en-US" sz="1800" dirty="0" err="1">
-                <a:latin typeface="Courier New" panose="02070309020205020404" pitchFamily="49" charset="0"/>
-                <a:cs typeface="Courier New" panose="02070309020205020404" pitchFamily="49" charset="0"/>
-              </a:rPr>
-              <a:t>accept.dt</a:t>
-            </a:r>
-            <a:r>
-              <a:rPr lang="en-US" sz="1800" dirty="0">
-                <a:latin typeface="Courier New" panose="02070309020205020404" pitchFamily="49" charset="0"/>
-                <a:cs typeface="Courier New" panose="02070309020205020404" pitchFamily="49" charset="0"/>
-              </a:rPr>
-              <a:t>    </a:t>
-            </a:r>
-            <a:r>
-              <a:rPr lang="en-US" sz="1800" dirty="0" err="1">
-                <a:latin typeface="Courier New" panose="02070309020205020404" pitchFamily="49" charset="0"/>
-                <a:cs typeface="Courier New" panose="02070309020205020404" pitchFamily="49" charset="0"/>
-              </a:rPr>
-              <a:t>tx.date</a:t>
-            </a:r>
-            <a:r>
-              <a:rPr lang="en-US" sz="1800" dirty="0">
-                <a:latin typeface="Courier New" panose="02070309020205020404" pitchFamily="49" charset="0"/>
-                <a:cs typeface="Courier New" panose="02070309020205020404" pitchFamily="49" charset="0"/>
-              </a:rPr>
-              <a:t>    </a:t>
-            </a:r>
-            <a:r>
-              <a:rPr lang="en-US" sz="1800" dirty="0" err="1">
-                <a:latin typeface="Courier New" panose="02070309020205020404" pitchFamily="49" charset="0"/>
-                <a:cs typeface="Courier New" panose="02070309020205020404" pitchFamily="49" charset="0"/>
-              </a:rPr>
-              <a:t>fu.date</a:t>
-            </a:r>
-            <a:r>
-              <a:rPr lang="en-US" sz="1800" dirty="0">
-                <a:latin typeface="Courier New" panose="02070309020205020404" pitchFamily="49" charset="0"/>
-                <a:cs typeface="Courier New" panose="02070309020205020404" pitchFamily="49" charset="0"/>
-              </a:rPr>
-              <a:t> </a:t>
-            </a:r>
-            <a:r>
-              <a:rPr lang="en-US" sz="1800" dirty="0" err="1">
-                <a:latin typeface="Courier New" panose="02070309020205020404" pitchFamily="49" charset="0"/>
-                <a:cs typeface="Courier New" panose="02070309020205020404" pitchFamily="49" charset="0"/>
-              </a:rPr>
-              <a:t>fustat</a:t>
-            </a:r>
-            <a:r>
-              <a:rPr lang="en-US" sz="1800" dirty="0">
-                <a:latin typeface="Courier New" panose="02070309020205020404" pitchFamily="49" charset="0"/>
-                <a:cs typeface="Courier New" panose="02070309020205020404" pitchFamily="49" charset="0"/>
-              </a:rPr>
-              <a:t> transplant</a:t>
-            </a:r>
-          </a:p>
-          <a:p>
-            <a:r>
-              <a:rPr lang="en-US" sz="1800" dirty="0">
-                <a:latin typeface="Courier New" panose="02070309020205020404" pitchFamily="49" charset="0"/>
-                <a:cs typeface="Courier New" panose="02070309020205020404" pitchFamily="49" charset="0"/>
-              </a:rPr>
-              <a:t>28 1969-06-07 1969-08-16 1969-08-17      1          1</a:t>
-            </a:r>
-          </a:p>
-          <a:p>
-            <a:endParaRPr lang="en-US" sz="1800" dirty="0">
-              <a:latin typeface="Courier New" panose="02070309020205020404" pitchFamily="49" charset="0"/>
-              <a:cs typeface="Courier New" panose="02070309020205020404" pitchFamily="49" charset="0"/>
-            </a:endParaRPr>
-          </a:p>
-          <a:p>
-            <a:r>
-              <a:rPr lang="en-US" sz="1800" dirty="0">
-                <a:latin typeface="Courier New" panose="02070309020205020404" pitchFamily="49" charset="0"/>
-                <a:cs typeface="Courier New" panose="02070309020205020404" pitchFamily="49" charset="0"/>
-              </a:rPr>
-              <a:t>id   time1     time2 event transplant</a:t>
-            </a:r>
-          </a:p>
-          <a:p>
-            <a:r>
-              <a:rPr lang="en-US" sz="1800" dirty="0">
-                <a:latin typeface="Courier New" panose="02070309020205020404" pitchFamily="49" charset="0"/>
-                <a:cs typeface="Courier New" panose="02070309020205020404" pitchFamily="49" charset="0"/>
-              </a:rPr>
-              <a:t>28 70 days   71 days     D          1</a:t>
-            </a:r>
-          </a:p>
-          <a:p>
-            <a:endParaRPr lang="en-US" sz="1800" dirty="0">
-              <a:latin typeface="Courier New" panose="02070309020205020404" pitchFamily="49" charset="0"/>
-              <a:cs typeface="Courier New" panose="02070309020205020404" pitchFamily="49" charset="0"/>
-            </a:endParaRPr>
-          </a:p>
-          <a:p>
-            <a:r>
-              <a:rPr lang="en-US" sz="1800" dirty="0">
-                <a:latin typeface="Courier New" panose="02070309020205020404" pitchFamily="49" charset="0"/>
-                <a:cs typeface="Courier New" panose="02070309020205020404" pitchFamily="49" charset="0"/>
-              </a:rPr>
-              <a:t>id start stop event transplant</a:t>
-            </a:r>
-          </a:p>
-          <a:p>
-            <a:r>
-              <a:rPr lang="en-US" sz="1800" dirty="0">
-                <a:latin typeface="Courier New" panose="02070309020205020404" pitchFamily="49" charset="0"/>
-                <a:cs typeface="Courier New" panose="02070309020205020404" pitchFamily="49" charset="0"/>
-              </a:rPr>
-              <a:t>28     0   70     0          0</a:t>
-            </a:r>
-          </a:p>
-          <a:p>
-            <a:r>
-              <a:rPr lang="en-US" sz="1800" dirty="0">
-                <a:latin typeface="Courier New" panose="02070309020205020404" pitchFamily="49" charset="0"/>
-                <a:cs typeface="Courier New" panose="02070309020205020404" pitchFamily="49" charset="0"/>
-              </a:rPr>
-              <a:t>28    70   71     1          1</a:t>
-            </a:r>
-          </a:p>
-        </p:txBody>
-      </p:sp>
-      <p:sp>
-        <p:nvSpPr>
-          <p:cNvPr id="4" name="Footer Placeholder 3"/>
-          <p:cNvSpPr>
-            <a:spLocks noGrp="1"/>
-          </p:cNvSpPr>
-          <p:nvPr>
-            <p:ph type="ftr" sz="quarter" idx="10"/>
-          </p:nvPr>
-        </p:nvSpPr>
-        <p:spPr/>
-        <p:txBody>
-          <a:bodyPr/>
-          <a:lstStyle/>
-          <a:p>
-            <a:pPr>
-              <a:defRPr/>
-            </a:pPr>
-            <a:r>
-              <a:rPr lang="en-US" altLang="en-US" dirty="0"/>
-              <a:t>©2018 Steve Simon    http://TheAnalysisFactor.com</a:t>
-            </a:r>
-          </a:p>
-        </p:txBody>
-      </p:sp>
-      <p:sp>
-        <p:nvSpPr>
-          <p:cNvPr id="5" name="Slide Number Placeholder 4"/>
-          <p:cNvSpPr>
-            <a:spLocks noGrp="1"/>
-          </p:cNvSpPr>
-          <p:nvPr>
-            <p:ph type="sldNum" sz="quarter" idx="11"/>
-          </p:nvPr>
-        </p:nvSpPr>
-        <p:spPr/>
-        <p:txBody>
-          <a:bodyPr/>
-          <a:lstStyle/>
-          <a:p>
-            <a:pPr>
-              <a:defRPr/>
-            </a:pPr>
-            <a:endParaRPr lang="en-US"/>
-          </a:p>
-          <a:p>
-            <a:pPr>
-              <a:defRPr/>
-            </a:pPr>
-            <a:fld id="{E9A8CBA3-AA2B-46A6-BFA3-DCEBEAAB3F0A}" type="slidenum">
-              <a:rPr lang="en-US" smtClean="0"/>
-              <a:pPr>
-                <a:defRPr/>
-              </a:pPr>
-              <a:t>39</a:t>
-            </a:fld>
-            <a:endParaRPr lang="en-US"/>
-          </a:p>
-        </p:txBody>
-      </p:sp>
-      <p:sp>
-        <p:nvSpPr>
-          <p:cNvPr id="6" name="Text Placeholder 5"/>
-          <p:cNvSpPr>
-            <a:spLocks noGrp="1"/>
-          </p:cNvSpPr>
-          <p:nvPr>
-            <p:ph type="body" sz="quarter" idx="12"/>
-          </p:nvPr>
-        </p:nvSpPr>
-        <p:spPr/>
-        <p:txBody>
-          <a:bodyPr/>
-          <a:lstStyle/>
-          <a:p>
-            <a:r>
-              <a:rPr lang="en-US" dirty="0"/>
-              <a:t>Patient #28</a:t>
-            </a:r>
-          </a:p>
-        </p:txBody>
-      </p:sp>
-    </p:spTree>
-    <p:extLst>
-      <p:ext uri="{BB962C8B-B14F-4D97-AF65-F5344CB8AC3E}">
-        <p14:creationId xmlns:p14="http://schemas.microsoft.com/office/powerpoint/2010/main" val="1099184777"/>
-      </p:ext>
-    </p:extLst>
-  </p:cSld>
-  <p:clrMapOvr>
-    <a:masterClrMapping/>
-  </p:clrMapOvr>
-</p:sld>
-</file>
-
 <file path=ppt/slides/slide4.xml><?xml version="1.0" encoding="utf-8"?>
 <p:sld xmlns:a="http://schemas.openxmlformats.org/drawingml/2006/main" xmlns:r="http://schemas.openxmlformats.org/officeDocument/2006/relationships" xmlns:p="http://schemas.openxmlformats.org/presentationml/2006/main">
   <p:cSld>
@@ -9741,7 +5435,7 @@
           <a:p>
             <a:r>
               <a:rPr lang="en-US" dirty="0"/>
-              <a:t>Testing the proportional hazards assumption</a:t>
+              <a:t>Interval censored data</a:t>
             </a:r>
           </a:p>
         </p:txBody>
@@ -9761,56 +5455,18 @@
           <a:bodyPr/>
           <a:lstStyle/>
           <a:p>
-            <a:pPr marL="342900" indent="-342900">
-              <a:buFont typeface="+mj-lt"/>
-              <a:buAutoNum type="arabicPeriod"/>
-            </a:pPr>
             <a:r>
               <a:rPr lang="en-US" sz="1800" dirty="0"/>
-              <a:t>Patterns in Kaplan-Meier curves</a:t>
-            </a:r>
-          </a:p>
-          <a:p>
-            <a:pPr marL="342900" indent="-342900">
-              <a:buFont typeface="+mj-lt"/>
-              <a:buAutoNum type="arabicPeriod"/>
-            </a:pPr>
+              <a:t>In most studies, patients are considered part of the risk set from time 0 to the time that they either die or are censored. But sometimes patients start contributing information about survival only from a certain point forward. This is left truncation.</a:t>
+            </a:r>
+          </a:p>
+          <a:p>
+            <a:endParaRPr lang="en-US" sz="1800" dirty="0"/>
+          </a:p>
+          <a:p>
             <a:r>
               <a:rPr lang="en-US" sz="1800" dirty="0"/>
-              <a:t>Complementary log-log plot</a:t>
-            </a:r>
-          </a:p>
-          <a:p>
-            <a:pPr marL="342900" indent="-342900">
-              <a:buFont typeface="+mj-lt"/>
-              <a:buAutoNum type="arabicPeriod"/>
-            </a:pPr>
-            <a:r>
-              <a:rPr lang="en-US" sz="1800" dirty="0"/>
-              <a:t>Schoenfeld Residuals</a:t>
-            </a:r>
-          </a:p>
-          <a:p>
-            <a:pPr marL="342900" indent="-342900">
-              <a:buFont typeface="+mj-lt"/>
-              <a:buAutoNum type="arabicPeriod"/>
-            </a:pPr>
-            <a:r>
-              <a:rPr lang="en-US" sz="1800" dirty="0"/>
-              <a:t>Fit time varying covariates</a:t>
-            </a:r>
-          </a:p>
-          <a:p>
-            <a:pPr marL="342900" indent="-342900">
-              <a:buFont typeface="+mj-lt"/>
-              <a:buAutoNum type="arabicPeriod"/>
-            </a:pPr>
-            <a:endParaRPr lang="en-US" sz="1800" dirty="0"/>
-          </a:p>
-          <a:p>
-            <a:r>
-              <a:rPr lang="en-US" sz="1800" dirty="0"/>
-              <a:t>Save this for another day</a:t>
+              <a:t>Example: Patients who die in the hospital are excluded from your sample. A patient contributes to the risk set from the day of discharge onward. Setting the time of discharge to t=0 will mix patients with short and long lengths of stay.</a:t>
             </a:r>
             <a:endParaRPr lang="en-US" sz="1800" b="1" dirty="0">
               <a:latin typeface="Courier New" panose="02070309020205020404" pitchFamily="49" charset="0"/>
@@ -9896,7 +5552,7 @@
           <a:p>
             <a:r>
               <a:rPr lang="en-US" dirty="0"/>
-              <a:t>Several approaches</a:t>
+              <a:t>Left truncation</a:t>
             </a:r>
           </a:p>
         </p:txBody>
@@ -9905,842 +5561,6 @@
     <p:extLst>
       <p:ext uri="{BB962C8B-B14F-4D97-AF65-F5344CB8AC3E}">
         <p14:creationId xmlns:p14="http://schemas.microsoft.com/office/powerpoint/2010/main" val="2692073544"/>
-      </p:ext>
-    </p:extLst>
-  </p:cSld>
-  <p:clrMapOvr>
-    <a:masterClrMapping/>
-  </p:clrMapOvr>
-</p:sld>
-</file>
-
-<file path=ppt/slides/slide40.xml><?xml version="1.0" encoding="utf-8"?>
-<p:sld xmlns:a="http://schemas.openxmlformats.org/drawingml/2006/main" xmlns:r="http://schemas.openxmlformats.org/officeDocument/2006/relationships" xmlns:p="http://schemas.openxmlformats.org/presentationml/2006/main">
-  <p:cSld>
-    <p:spTree>
-      <p:nvGrpSpPr>
-        <p:cNvPr id="1" name=""/>
-        <p:cNvGrpSpPr/>
-        <p:nvPr/>
-      </p:nvGrpSpPr>
-      <p:grpSpPr>
-        <a:xfrm>
-          <a:off x="0" y="0"/>
-          <a:ext cx="0" cy="0"/>
-          <a:chOff x="0" y="0"/>
-          <a:chExt cx="0" cy="0"/>
-        </a:xfrm>
-      </p:grpSpPr>
-      <p:sp>
-        <p:nvSpPr>
-          <p:cNvPr id="2" name="Title 1"/>
-          <p:cNvSpPr>
-            <a:spLocks noGrp="1"/>
-          </p:cNvSpPr>
-          <p:nvPr>
-            <p:ph type="title"/>
-          </p:nvPr>
-        </p:nvSpPr>
-        <p:spPr/>
-        <p:txBody>
-          <a:bodyPr/>
-          <a:lstStyle/>
-          <a:p>
-            <a:r>
-              <a:rPr lang="en-US" dirty="0"/>
-              <a:t>Stanford transplant data</a:t>
-            </a:r>
-          </a:p>
-        </p:txBody>
-      </p:sp>
-      <p:sp>
-        <p:nvSpPr>
-          <p:cNvPr id="3" name="Text Placeholder 2"/>
-          <p:cNvSpPr>
-            <a:spLocks noGrp="1"/>
-          </p:cNvSpPr>
-          <p:nvPr>
-            <p:ph type="body" idx="1"/>
-          </p:nvPr>
-        </p:nvSpPr>
-        <p:spPr/>
-        <p:txBody>
-          <a:bodyPr/>
-          <a:lstStyle/>
-          <a:p>
-            <a:r>
-              <a:rPr lang="en-US" sz="1800" dirty="0">
-                <a:latin typeface="Courier New" panose="02070309020205020404" pitchFamily="49" charset="0"/>
-                <a:cs typeface="Courier New" panose="02070309020205020404" pitchFamily="49" charset="0"/>
-              </a:rPr>
-              <a:t>id  </a:t>
-            </a:r>
-            <a:r>
-              <a:rPr lang="en-US" sz="1800" dirty="0" err="1">
-                <a:latin typeface="Courier New" panose="02070309020205020404" pitchFamily="49" charset="0"/>
-                <a:cs typeface="Courier New" panose="02070309020205020404" pitchFamily="49" charset="0"/>
-              </a:rPr>
-              <a:t>accept.dt</a:t>
-            </a:r>
-            <a:r>
-              <a:rPr lang="en-US" sz="1800" dirty="0">
-                <a:latin typeface="Courier New" panose="02070309020205020404" pitchFamily="49" charset="0"/>
-                <a:cs typeface="Courier New" panose="02070309020205020404" pitchFamily="49" charset="0"/>
-              </a:rPr>
-              <a:t>    </a:t>
-            </a:r>
-            <a:r>
-              <a:rPr lang="en-US" sz="1800" dirty="0" err="1">
-                <a:latin typeface="Courier New" panose="02070309020205020404" pitchFamily="49" charset="0"/>
-                <a:cs typeface="Courier New" panose="02070309020205020404" pitchFamily="49" charset="0"/>
-              </a:rPr>
-              <a:t>tx.date</a:t>
-            </a:r>
-            <a:r>
-              <a:rPr lang="en-US" sz="1800" dirty="0">
-                <a:latin typeface="Courier New" panose="02070309020205020404" pitchFamily="49" charset="0"/>
-                <a:cs typeface="Courier New" panose="02070309020205020404" pitchFamily="49" charset="0"/>
-              </a:rPr>
-              <a:t>    </a:t>
-            </a:r>
-            <a:r>
-              <a:rPr lang="en-US" sz="1800" dirty="0" err="1">
-                <a:latin typeface="Courier New" panose="02070309020205020404" pitchFamily="49" charset="0"/>
-                <a:cs typeface="Courier New" panose="02070309020205020404" pitchFamily="49" charset="0"/>
-              </a:rPr>
-              <a:t>fu.date</a:t>
-            </a:r>
-            <a:r>
-              <a:rPr lang="en-US" sz="1800" dirty="0">
-                <a:latin typeface="Courier New" panose="02070309020205020404" pitchFamily="49" charset="0"/>
-                <a:cs typeface="Courier New" panose="02070309020205020404" pitchFamily="49" charset="0"/>
-              </a:rPr>
-              <a:t> </a:t>
-            </a:r>
-            <a:r>
-              <a:rPr lang="en-US" sz="1800" dirty="0" err="1">
-                <a:latin typeface="Courier New" panose="02070309020205020404" pitchFamily="49" charset="0"/>
-                <a:cs typeface="Courier New" panose="02070309020205020404" pitchFamily="49" charset="0"/>
-              </a:rPr>
-              <a:t>fustat</a:t>
-            </a:r>
-            <a:r>
-              <a:rPr lang="en-US" sz="1800" dirty="0">
-                <a:latin typeface="Courier New" panose="02070309020205020404" pitchFamily="49" charset="0"/>
-                <a:cs typeface="Courier New" panose="02070309020205020404" pitchFamily="49" charset="0"/>
-              </a:rPr>
-              <a:t> transplant</a:t>
-            </a:r>
-          </a:p>
-          <a:p>
-            <a:r>
-              <a:rPr lang="en-US" sz="1800" dirty="0">
-                <a:latin typeface="Courier New" panose="02070309020205020404" pitchFamily="49" charset="0"/>
-                <a:cs typeface="Courier New" panose="02070309020205020404" pitchFamily="49" charset="0"/>
-              </a:rPr>
-              <a:t>29 1969-07-14       &lt;NA&gt; 1969-08-17      1          0</a:t>
-            </a:r>
-          </a:p>
-          <a:p>
-            <a:endParaRPr lang="en-US" sz="1800" dirty="0">
-              <a:latin typeface="Courier New" panose="02070309020205020404" pitchFamily="49" charset="0"/>
-              <a:cs typeface="Courier New" panose="02070309020205020404" pitchFamily="49" charset="0"/>
-            </a:endParaRPr>
-          </a:p>
-          <a:p>
-            <a:r>
-              <a:rPr lang="en-US" sz="1800" dirty="0">
-                <a:latin typeface="Courier New" panose="02070309020205020404" pitchFamily="49" charset="0"/>
-                <a:cs typeface="Courier New" panose="02070309020205020404" pitchFamily="49" charset="0"/>
-              </a:rPr>
-              <a:t>id   time1     time2 event transplant</a:t>
-            </a:r>
-          </a:p>
-          <a:p>
-            <a:r>
-              <a:rPr lang="en-US" sz="1800" dirty="0">
-                <a:latin typeface="Courier New" panose="02070309020205020404" pitchFamily="49" charset="0"/>
-                <a:cs typeface="Courier New" panose="02070309020205020404" pitchFamily="49" charset="0"/>
-              </a:rPr>
-              <a:t>29 NA days   34 days     D          0</a:t>
-            </a:r>
-          </a:p>
-          <a:p>
-            <a:endParaRPr lang="en-US" sz="1800" dirty="0">
-              <a:latin typeface="Courier New" panose="02070309020205020404" pitchFamily="49" charset="0"/>
-              <a:cs typeface="Courier New" panose="02070309020205020404" pitchFamily="49" charset="0"/>
-            </a:endParaRPr>
-          </a:p>
-          <a:p>
-            <a:r>
-              <a:rPr lang="en-US" sz="1800" dirty="0">
-                <a:latin typeface="Courier New" panose="02070309020205020404" pitchFamily="49" charset="0"/>
-                <a:cs typeface="Courier New" panose="02070309020205020404" pitchFamily="49" charset="0"/>
-              </a:rPr>
-              <a:t>id start stop event transplant</a:t>
-            </a:r>
-          </a:p>
-          <a:p>
-            <a:r>
-              <a:rPr lang="en-US" sz="1800" dirty="0">
-                <a:latin typeface="Courier New" panose="02070309020205020404" pitchFamily="49" charset="0"/>
-                <a:cs typeface="Courier New" panose="02070309020205020404" pitchFamily="49" charset="0"/>
-              </a:rPr>
-              <a:t>29     0   34     1          0</a:t>
-            </a:r>
-          </a:p>
-        </p:txBody>
-      </p:sp>
-      <p:sp>
-        <p:nvSpPr>
-          <p:cNvPr id="4" name="Footer Placeholder 3"/>
-          <p:cNvSpPr>
-            <a:spLocks noGrp="1"/>
-          </p:cNvSpPr>
-          <p:nvPr>
-            <p:ph type="ftr" sz="quarter" idx="10"/>
-          </p:nvPr>
-        </p:nvSpPr>
-        <p:spPr/>
-        <p:txBody>
-          <a:bodyPr/>
-          <a:lstStyle/>
-          <a:p>
-            <a:pPr>
-              <a:defRPr/>
-            </a:pPr>
-            <a:r>
-              <a:rPr lang="en-US" altLang="en-US" dirty="0"/>
-              <a:t>©2018 Steve Simon    http://TheAnalysisFactor.com</a:t>
-            </a:r>
-          </a:p>
-        </p:txBody>
-      </p:sp>
-      <p:sp>
-        <p:nvSpPr>
-          <p:cNvPr id="5" name="Slide Number Placeholder 4"/>
-          <p:cNvSpPr>
-            <a:spLocks noGrp="1"/>
-          </p:cNvSpPr>
-          <p:nvPr>
-            <p:ph type="sldNum" sz="quarter" idx="11"/>
-          </p:nvPr>
-        </p:nvSpPr>
-        <p:spPr/>
-        <p:txBody>
-          <a:bodyPr/>
-          <a:lstStyle/>
-          <a:p>
-            <a:pPr>
-              <a:defRPr/>
-            </a:pPr>
-            <a:endParaRPr lang="en-US"/>
-          </a:p>
-          <a:p>
-            <a:pPr>
-              <a:defRPr/>
-            </a:pPr>
-            <a:fld id="{E9A8CBA3-AA2B-46A6-BFA3-DCEBEAAB3F0A}" type="slidenum">
-              <a:rPr lang="en-US" smtClean="0"/>
-              <a:pPr>
-                <a:defRPr/>
-              </a:pPr>
-              <a:t>40</a:t>
-            </a:fld>
-            <a:endParaRPr lang="en-US"/>
-          </a:p>
-        </p:txBody>
-      </p:sp>
-      <p:sp>
-        <p:nvSpPr>
-          <p:cNvPr id="6" name="Text Placeholder 5"/>
-          <p:cNvSpPr>
-            <a:spLocks noGrp="1"/>
-          </p:cNvSpPr>
-          <p:nvPr>
-            <p:ph type="body" sz="quarter" idx="12"/>
-          </p:nvPr>
-        </p:nvSpPr>
-        <p:spPr/>
-        <p:txBody>
-          <a:bodyPr/>
-          <a:lstStyle/>
-          <a:p>
-            <a:r>
-              <a:rPr lang="en-US" dirty="0"/>
-              <a:t>Patient #29</a:t>
-            </a:r>
-          </a:p>
-        </p:txBody>
-      </p:sp>
-    </p:spTree>
-    <p:extLst>
-      <p:ext uri="{BB962C8B-B14F-4D97-AF65-F5344CB8AC3E}">
-        <p14:creationId xmlns:p14="http://schemas.microsoft.com/office/powerpoint/2010/main" val="2485784403"/>
-      </p:ext>
-    </p:extLst>
-  </p:cSld>
-  <p:clrMapOvr>
-    <a:masterClrMapping/>
-  </p:clrMapOvr>
-</p:sld>
-</file>
-
-<file path=ppt/slides/slide41.xml><?xml version="1.0" encoding="utf-8"?>
-<p:sld xmlns:a="http://schemas.openxmlformats.org/drawingml/2006/main" xmlns:r="http://schemas.openxmlformats.org/officeDocument/2006/relationships" xmlns:p="http://schemas.openxmlformats.org/presentationml/2006/main">
-  <p:cSld>
-    <p:spTree>
-      <p:nvGrpSpPr>
-        <p:cNvPr id="1" name=""/>
-        <p:cNvGrpSpPr/>
-        <p:nvPr/>
-      </p:nvGrpSpPr>
-      <p:grpSpPr>
-        <a:xfrm>
-          <a:off x="0" y="0"/>
-          <a:ext cx="0" cy="0"/>
-          <a:chOff x="0" y="0"/>
-          <a:chExt cx="0" cy="0"/>
-        </a:xfrm>
-      </p:grpSpPr>
-      <p:sp>
-        <p:nvSpPr>
-          <p:cNvPr id="2" name="Title 1"/>
-          <p:cNvSpPr>
-            <a:spLocks noGrp="1"/>
-          </p:cNvSpPr>
-          <p:nvPr>
-            <p:ph type="title"/>
-          </p:nvPr>
-        </p:nvSpPr>
-        <p:spPr/>
-        <p:txBody>
-          <a:bodyPr/>
-          <a:lstStyle/>
-          <a:p>
-            <a:r>
-              <a:rPr lang="en-US" dirty="0"/>
-              <a:t>Stanford transplant data</a:t>
-            </a:r>
-          </a:p>
-        </p:txBody>
-      </p:sp>
-      <p:sp>
-        <p:nvSpPr>
-          <p:cNvPr id="3" name="Text Placeholder 2"/>
-          <p:cNvSpPr>
-            <a:spLocks noGrp="1"/>
-          </p:cNvSpPr>
-          <p:nvPr>
-            <p:ph type="body" idx="1"/>
-          </p:nvPr>
-        </p:nvSpPr>
-        <p:spPr/>
-        <p:txBody>
-          <a:bodyPr/>
-          <a:lstStyle/>
-          <a:p>
-            <a:r>
-              <a:rPr lang="en-US" sz="1800" dirty="0">
-                <a:latin typeface="Courier New" panose="02070309020205020404" pitchFamily="49" charset="0"/>
-                <a:cs typeface="Courier New" panose="02070309020205020404" pitchFamily="49" charset="0"/>
-              </a:rPr>
-              <a:t>id  </a:t>
-            </a:r>
-            <a:r>
-              <a:rPr lang="en-US" sz="1800" dirty="0" err="1">
-                <a:latin typeface="Courier New" panose="02070309020205020404" pitchFamily="49" charset="0"/>
-                <a:cs typeface="Courier New" panose="02070309020205020404" pitchFamily="49" charset="0"/>
-              </a:rPr>
-              <a:t>accept.dt</a:t>
-            </a:r>
-            <a:r>
-              <a:rPr lang="en-US" sz="1800" dirty="0">
-                <a:latin typeface="Courier New" panose="02070309020205020404" pitchFamily="49" charset="0"/>
-                <a:cs typeface="Courier New" panose="02070309020205020404" pitchFamily="49" charset="0"/>
-              </a:rPr>
-              <a:t>    </a:t>
-            </a:r>
-            <a:r>
-              <a:rPr lang="en-US" sz="1800" dirty="0" err="1">
-                <a:latin typeface="Courier New" panose="02070309020205020404" pitchFamily="49" charset="0"/>
-                <a:cs typeface="Courier New" panose="02070309020205020404" pitchFamily="49" charset="0"/>
-              </a:rPr>
-              <a:t>tx.date</a:t>
-            </a:r>
-            <a:r>
-              <a:rPr lang="en-US" sz="1800" dirty="0">
-                <a:latin typeface="Courier New" panose="02070309020205020404" pitchFamily="49" charset="0"/>
-                <a:cs typeface="Courier New" panose="02070309020205020404" pitchFamily="49" charset="0"/>
-              </a:rPr>
-              <a:t>    </a:t>
-            </a:r>
-            <a:r>
-              <a:rPr lang="en-US" sz="1800" dirty="0" err="1">
-                <a:latin typeface="Courier New" panose="02070309020205020404" pitchFamily="49" charset="0"/>
-                <a:cs typeface="Courier New" panose="02070309020205020404" pitchFamily="49" charset="0"/>
-              </a:rPr>
-              <a:t>fu.date</a:t>
-            </a:r>
-            <a:r>
-              <a:rPr lang="en-US" sz="1800" dirty="0">
-                <a:latin typeface="Courier New" panose="02070309020205020404" pitchFamily="49" charset="0"/>
-                <a:cs typeface="Courier New" panose="02070309020205020404" pitchFamily="49" charset="0"/>
-              </a:rPr>
-              <a:t> </a:t>
-            </a:r>
-            <a:r>
-              <a:rPr lang="en-US" sz="1800" dirty="0" err="1">
-                <a:latin typeface="Courier New" panose="02070309020205020404" pitchFamily="49" charset="0"/>
-                <a:cs typeface="Courier New" panose="02070309020205020404" pitchFamily="49" charset="0"/>
-              </a:rPr>
-              <a:t>fustat</a:t>
-            </a:r>
-            <a:r>
-              <a:rPr lang="en-US" sz="1800" dirty="0">
-                <a:latin typeface="Courier New" panose="02070309020205020404" pitchFamily="49" charset="0"/>
-                <a:cs typeface="Courier New" panose="02070309020205020404" pitchFamily="49" charset="0"/>
-              </a:rPr>
-              <a:t> transplant</a:t>
-            </a:r>
-          </a:p>
-          <a:p>
-            <a:r>
-              <a:rPr lang="en-US" sz="1800" dirty="0">
-                <a:latin typeface="Courier New" panose="02070309020205020404" pitchFamily="49" charset="0"/>
-                <a:cs typeface="Courier New" panose="02070309020205020404" pitchFamily="49" charset="0"/>
-              </a:rPr>
-              <a:t>30 1969-08-19 1969-09-03 1971-12-18      1          1</a:t>
-            </a:r>
-          </a:p>
-          <a:p>
-            <a:endParaRPr lang="en-US" sz="1800" dirty="0">
-              <a:latin typeface="Courier New" panose="02070309020205020404" pitchFamily="49" charset="0"/>
-              <a:cs typeface="Courier New" panose="02070309020205020404" pitchFamily="49" charset="0"/>
-            </a:endParaRPr>
-          </a:p>
-          <a:p>
-            <a:r>
-              <a:rPr lang="en-US" sz="1800" dirty="0">
-                <a:latin typeface="Courier New" panose="02070309020205020404" pitchFamily="49" charset="0"/>
-                <a:cs typeface="Courier New" panose="02070309020205020404" pitchFamily="49" charset="0"/>
-              </a:rPr>
-              <a:t>id   time1     time2 event transplant</a:t>
-            </a:r>
-          </a:p>
-          <a:p>
-            <a:r>
-              <a:rPr lang="en-US" sz="1800" dirty="0">
-                <a:latin typeface="Courier New" panose="02070309020205020404" pitchFamily="49" charset="0"/>
-                <a:cs typeface="Courier New" panose="02070309020205020404" pitchFamily="49" charset="0"/>
-              </a:rPr>
-              <a:t>30 15 days  851 days     D          1</a:t>
-            </a:r>
-          </a:p>
-          <a:p>
-            <a:endParaRPr lang="en-US" sz="1800" dirty="0">
-              <a:latin typeface="Courier New" panose="02070309020205020404" pitchFamily="49" charset="0"/>
-              <a:cs typeface="Courier New" panose="02070309020205020404" pitchFamily="49" charset="0"/>
-            </a:endParaRPr>
-          </a:p>
-          <a:p>
-            <a:r>
-              <a:rPr lang="en-US" sz="1800" dirty="0">
-                <a:latin typeface="Courier New" panose="02070309020205020404" pitchFamily="49" charset="0"/>
-                <a:cs typeface="Courier New" panose="02070309020205020404" pitchFamily="49" charset="0"/>
-              </a:rPr>
-              <a:t>id start stop event transplant</a:t>
-            </a:r>
-          </a:p>
-          <a:p>
-            <a:r>
-              <a:rPr lang="en-US" sz="1800" dirty="0">
-                <a:latin typeface="Courier New" panose="02070309020205020404" pitchFamily="49" charset="0"/>
-                <a:cs typeface="Courier New" panose="02070309020205020404" pitchFamily="49" charset="0"/>
-              </a:rPr>
-              <a:t>30     0   15     0          0</a:t>
-            </a:r>
-          </a:p>
-          <a:p>
-            <a:r>
-              <a:rPr lang="en-US" sz="1800" dirty="0">
-                <a:latin typeface="Courier New" panose="02070309020205020404" pitchFamily="49" charset="0"/>
-                <a:cs typeface="Courier New" panose="02070309020205020404" pitchFamily="49" charset="0"/>
-              </a:rPr>
-              <a:t>30    15  851     1          1</a:t>
-            </a:r>
-          </a:p>
-        </p:txBody>
-      </p:sp>
-      <p:sp>
-        <p:nvSpPr>
-          <p:cNvPr id="4" name="Footer Placeholder 3"/>
-          <p:cNvSpPr>
-            <a:spLocks noGrp="1"/>
-          </p:cNvSpPr>
-          <p:nvPr>
-            <p:ph type="ftr" sz="quarter" idx="10"/>
-          </p:nvPr>
-        </p:nvSpPr>
-        <p:spPr/>
-        <p:txBody>
-          <a:bodyPr/>
-          <a:lstStyle/>
-          <a:p>
-            <a:pPr>
-              <a:defRPr/>
-            </a:pPr>
-            <a:r>
-              <a:rPr lang="en-US" altLang="en-US" dirty="0"/>
-              <a:t>©2018 Steve Simon    http://TheAnalysisFactor.com</a:t>
-            </a:r>
-          </a:p>
-        </p:txBody>
-      </p:sp>
-      <p:sp>
-        <p:nvSpPr>
-          <p:cNvPr id="5" name="Slide Number Placeholder 4"/>
-          <p:cNvSpPr>
-            <a:spLocks noGrp="1"/>
-          </p:cNvSpPr>
-          <p:nvPr>
-            <p:ph type="sldNum" sz="quarter" idx="11"/>
-          </p:nvPr>
-        </p:nvSpPr>
-        <p:spPr/>
-        <p:txBody>
-          <a:bodyPr/>
-          <a:lstStyle/>
-          <a:p>
-            <a:pPr>
-              <a:defRPr/>
-            </a:pPr>
-            <a:endParaRPr lang="en-US"/>
-          </a:p>
-          <a:p>
-            <a:pPr>
-              <a:defRPr/>
-            </a:pPr>
-            <a:fld id="{E9A8CBA3-AA2B-46A6-BFA3-DCEBEAAB3F0A}" type="slidenum">
-              <a:rPr lang="en-US" smtClean="0"/>
-              <a:pPr>
-                <a:defRPr/>
-              </a:pPr>
-              <a:t>41</a:t>
-            </a:fld>
-            <a:endParaRPr lang="en-US"/>
-          </a:p>
-        </p:txBody>
-      </p:sp>
-      <p:sp>
-        <p:nvSpPr>
-          <p:cNvPr id="6" name="Text Placeholder 5"/>
-          <p:cNvSpPr>
-            <a:spLocks noGrp="1"/>
-          </p:cNvSpPr>
-          <p:nvPr>
-            <p:ph type="body" sz="quarter" idx="12"/>
-          </p:nvPr>
-        </p:nvSpPr>
-        <p:spPr/>
-        <p:txBody>
-          <a:bodyPr/>
-          <a:lstStyle/>
-          <a:p>
-            <a:r>
-              <a:rPr lang="en-US" dirty="0"/>
-              <a:t>Patient #30</a:t>
-            </a:r>
-          </a:p>
-        </p:txBody>
-      </p:sp>
-    </p:spTree>
-    <p:extLst>
-      <p:ext uri="{BB962C8B-B14F-4D97-AF65-F5344CB8AC3E}">
-        <p14:creationId xmlns:p14="http://schemas.microsoft.com/office/powerpoint/2010/main" val="461925367"/>
-      </p:ext>
-    </p:extLst>
-  </p:cSld>
-  <p:clrMapOvr>
-    <a:masterClrMapping/>
-  </p:clrMapOvr>
-</p:sld>
-</file>
-
-<file path=ppt/slides/slide42.xml><?xml version="1.0" encoding="utf-8"?>
-<p:sld xmlns:a="http://schemas.openxmlformats.org/drawingml/2006/main" xmlns:r="http://schemas.openxmlformats.org/officeDocument/2006/relationships" xmlns:p="http://schemas.openxmlformats.org/presentationml/2006/main">
-  <p:cSld>
-    <p:spTree>
-      <p:nvGrpSpPr>
-        <p:cNvPr id="1" name=""/>
-        <p:cNvGrpSpPr/>
-        <p:nvPr/>
-      </p:nvGrpSpPr>
-      <p:grpSpPr>
-        <a:xfrm>
-          <a:off x="0" y="0"/>
-          <a:ext cx="0" cy="0"/>
-          <a:chOff x="0" y="0"/>
-          <a:chExt cx="0" cy="0"/>
-        </a:xfrm>
-      </p:grpSpPr>
-      <p:sp>
-        <p:nvSpPr>
-          <p:cNvPr id="2" name="Title 1"/>
-          <p:cNvSpPr>
-            <a:spLocks noGrp="1"/>
-          </p:cNvSpPr>
-          <p:nvPr>
-            <p:ph type="title"/>
-          </p:nvPr>
-        </p:nvSpPr>
-        <p:spPr/>
-        <p:txBody>
-          <a:bodyPr/>
-          <a:lstStyle/>
-          <a:p>
-            <a:r>
-              <a:rPr lang="en-US" dirty="0"/>
-              <a:t>Stanford transplant data, time-varying model</a:t>
-            </a:r>
-          </a:p>
-        </p:txBody>
-      </p:sp>
-      <p:sp>
-        <p:nvSpPr>
-          <p:cNvPr id="5" name="Slide Number Placeholder 4"/>
-          <p:cNvSpPr>
-            <a:spLocks noGrp="1"/>
-          </p:cNvSpPr>
-          <p:nvPr>
-            <p:ph type="sldNum" sz="quarter" idx="11"/>
-          </p:nvPr>
-        </p:nvSpPr>
-        <p:spPr/>
-        <p:txBody>
-          <a:bodyPr/>
-          <a:lstStyle/>
-          <a:p>
-            <a:pPr>
-              <a:defRPr/>
-            </a:pPr>
-            <a:endParaRPr lang="en-US"/>
-          </a:p>
-          <a:p>
-            <a:pPr>
-              <a:defRPr/>
-            </a:pPr>
-            <a:fld id="{E9A8CBA3-AA2B-46A6-BFA3-DCEBEAAB3F0A}" type="slidenum">
-              <a:rPr lang="en-US" smtClean="0"/>
-              <a:pPr>
-                <a:defRPr/>
-              </a:pPr>
-              <a:t>42</a:t>
-            </a:fld>
-            <a:endParaRPr lang="en-US"/>
-          </a:p>
-        </p:txBody>
-      </p:sp>
-      <p:pic>
-        <p:nvPicPr>
-          <p:cNvPr id="3" name="Picture 2">
-            <a:extLst>
-              <a:ext uri="{FF2B5EF4-FFF2-40B4-BE49-F238E27FC236}">
-                <a16:creationId xmlns:a16="http://schemas.microsoft.com/office/drawing/2014/main" id="{23E150EA-D399-4620-B8ED-FA79690F2C06}"/>
-              </a:ext>
-            </a:extLst>
-          </p:cNvPr>
-          <p:cNvPicPr>
-            <a:picLocks noChangeAspect="1"/>
-          </p:cNvPicPr>
-          <p:nvPr/>
-        </p:nvPicPr>
-        <p:blipFill>
-          <a:blip r:embed="rId2"/>
-          <a:stretch>
-            <a:fillRect/>
-          </a:stretch>
-        </p:blipFill>
-        <p:spPr>
-          <a:xfrm>
-            <a:off x="426362" y="1219200"/>
-            <a:ext cx="8247619" cy="2095238"/>
-          </a:xfrm>
-          <a:prstGeom prst="rect">
-            <a:avLst/>
-          </a:prstGeom>
-        </p:spPr>
-      </p:pic>
-    </p:spTree>
-    <p:extLst>
-      <p:ext uri="{BB962C8B-B14F-4D97-AF65-F5344CB8AC3E}">
-        <p14:creationId xmlns:p14="http://schemas.microsoft.com/office/powerpoint/2010/main" val="2566188297"/>
-      </p:ext>
-    </p:extLst>
-  </p:cSld>
-  <p:clrMapOvr>
-    <a:masterClrMapping/>
-  </p:clrMapOvr>
-</p:sld>
-</file>
-
-<file path=ppt/slides/slide43.xml><?xml version="1.0" encoding="utf-8"?>
-<p:sld xmlns:a="http://schemas.openxmlformats.org/drawingml/2006/main" xmlns:r="http://schemas.openxmlformats.org/officeDocument/2006/relationships" xmlns:p="http://schemas.openxmlformats.org/presentationml/2006/main">
-  <p:cSld>
-    <p:spTree>
-      <p:nvGrpSpPr>
-        <p:cNvPr id="1" name=""/>
-        <p:cNvGrpSpPr/>
-        <p:nvPr/>
-      </p:nvGrpSpPr>
-      <p:grpSpPr>
-        <a:xfrm>
-          <a:off x="0" y="0"/>
-          <a:ext cx="0" cy="0"/>
-          <a:chOff x="0" y="0"/>
-          <a:chExt cx="0" cy="0"/>
-        </a:xfrm>
-      </p:grpSpPr>
-      <p:sp>
-        <p:nvSpPr>
-          <p:cNvPr id="2" name="Title 1"/>
-          <p:cNvSpPr>
-            <a:spLocks noGrp="1"/>
-          </p:cNvSpPr>
-          <p:nvPr>
-            <p:ph type="title"/>
-          </p:nvPr>
-        </p:nvSpPr>
-        <p:spPr/>
-        <p:txBody>
-          <a:bodyPr/>
-          <a:lstStyle/>
-          <a:p>
-            <a:r>
-              <a:rPr lang="en-US" dirty="0"/>
-              <a:t>Conclusion</a:t>
-            </a:r>
-          </a:p>
-        </p:txBody>
-      </p:sp>
-      <p:sp>
-        <p:nvSpPr>
-          <p:cNvPr id="3" name="Text Placeholder 2"/>
-          <p:cNvSpPr>
-            <a:spLocks noGrp="1"/>
-          </p:cNvSpPr>
-          <p:nvPr>
-            <p:ph type="body" idx="1"/>
-          </p:nvPr>
-        </p:nvSpPr>
-        <p:spPr/>
-        <p:txBody>
-          <a:bodyPr/>
-          <a:lstStyle/>
-          <a:p>
-            <a:pPr marL="457200" indent="-457200">
-              <a:buFont typeface="+mj-lt"/>
-              <a:buAutoNum type="arabicPeriod"/>
-            </a:pPr>
-            <a:r>
-              <a:rPr lang="en-US" dirty="0">
-                <a:latin typeface="+mj-lt"/>
-                <a:cs typeface="Courier New" panose="02070309020205020404" pitchFamily="49" charset="0"/>
-              </a:rPr>
-              <a:t>The</a:t>
-            </a:r>
-            <a:endParaRPr lang="en-US" dirty="0">
-              <a:latin typeface="+mj-lt"/>
-            </a:endParaRPr>
-          </a:p>
-        </p:txBody>
-      </p:sp>
-      <p:sp>
-        <p:nvSpPr>
-          <p:cNvPr id="4" name="Footer Placeholder 3"/>
-          <p:cNvSpPr>
-            <a:spLocks noGrp="1"/>
-          </p:cNvSpPr>
-          <p:nvPr>
-            <p:ph type="ftr" sz="quarter" idx="10"/>
-          </p:nvPr>
-        </p:nvSpPr>
-        <p:spPr/>
-        <p:txBody>
-          <a:bodyPr/>
-          <a:lstStyle/>
-          <a:p>
-            <a:pPr>
-              <a:defRPr/>
-            </a:pPr>
-            <a:r>
-              <a:rPr lang="en-US" altLang="en-US" dirty="0"/>
-              <a:t>©2018 Steve Simon    http://TheAnalysisFactor.com</a:t>
-            </a:r>
-          </a:p>
-        </p:txBody>
-      </p:sp>
-      <p:sp>
-        <p:nvSpPr>
-          <p:cNvPr id="5" name="Slide Number Placeholder 4"/>
-          <p:cNvSpPr>
-            <a:spLocks noGrp="1"/>
-          </p:cNvSpPr>
-          <p:nvPr>
-            <p:ph type="sldNum" sz="quarter" idx="11"/>
-          </p:nvPr>
-        </p:nvSpPr>
-        <p:spPr/>
-        <p:txBody>
-          <a:bodyPr/>
-          <a:lstStyle/>
-          <a:p>
-            <a:pPr>
-              <a:defRPr/>
-            </a:pPr>
-            <a:endParaRPr lang="en-US"/>
-          </a:p>
-          <a:p>
-            <a:pPr>
-              <a:defRPr/>
-            </a:pPr>
-            <a:fld id="{E9A8CBA3-AA2B-46A6-BFA3-DCEBEAAB3F0A}" type="slidenum">
-              <a:rPr lang="en-US" smtClean="0"/>
-              <a:pPr>
-                <a:defRPr/>
-              </a:pPr>
-              <a:t>43</a:t>
-            </a:fld>
-            <a:endParaRPr lang="en-US"/>
-          </a:p>
-        </p:txBody>
-      </p:sp>
-      <p:sp>
-        <p:nvSpPr>
-          <p:cNvPr id="6" name="Text Placeholder 5"/>
-          <p:cNvSpPr>
-            <a:spLocks noGrp="1"/>
-          </p:cNvSpPr>
-          <p:nvPr>
-            <p:ph type="body" sz="quarter" idx="12"/>
-          </p:nvPr>
-        </p:nvSpPr>
-        <p:spPr/>
-        <p:txBody>
-          <a:bodyPr/>
-          <a:lstStyle/>
-          <a:p>
-            <a:r>
-              <a:rPr lang="en-US" dirty="0"/>
-              <a:t>What have you learned today?</a:t>
-            </a:r>
-          </a:p>
-        </p:txBody>
-      </p:sp>
-    </p:spTree>
-    <p:extLst>
-      <p:ext uri="{BB962C8B-B14F-4D97-AF65-F5344CB8AC3E}">
-        <p14:creationId xmlns:p14="http://schemas.microsoft.com/office/powerpoint/2010/main" val="1691035053"/>
       </p:ext>
     </p:extLst>
   </p:cSld>
@@ -10784,8 +5604,52 @@
           <a:p>
             <a:r>
               <a:rPr lang="en-US" dirty="0"/>
-              <a:t>Patterns in the Kaplan-Meier curves</a:t>
-            </a:r>
+              <a:t>Interval censored data</a:t>
+            </a:r>
+          </a:p>
+        </p:txBody>
+      </p:sp>
+      <p:sp>
+        <p:nvSpPr>
+          <p:cNvPr id="3" name="Text Placeholder 2"/>
+          <p:cNvSpPr>
+            <a:spLocks noGrp="1"/>
+          </p:cNvSpPr>
+          <p:nvPr>
+            <p:ph type="body" idx="1"/>
+          </p:nvPr>
+        </p:nvSpPr>
+        <p:spPr/>
+        <p:txBody>
+          <a:bodyPr/>
+          <a:lstStyle/>
+          <a:p>
+            <a:r>
+              <a:rPr lang="en-US" sz="1800" dirty="0"/>
+              <a:t>Right censored. Event occurred sometime after last observed time.</a:t>
+            </a:r>
+          </a:p>
+          <a:p>
+            <a:endParaRPr lang="en-US" sz="1800" dirty="0"/>
+          </a:p>
+          <a:p>
+            <a:r>
+              <a:rPr lang="en-US" sz="1800" dirty="0"/>
+              <a:t>Left censored. Event occurred sometime before the first observed time.</a:t>
+            </a:r>
+          </a:p>
+          <a:p>
+            <a:endParaRPr lang="en-US" sz="1800" dirty="0"/>
+          </a:p>
+          <a:p>
+            <a:r>
+              <a:rPr lang="en-US" sz="1800" dirty="0"/>
+              <a:t>Left truncated. The patient does not contribute information about the risk of the event prior to the first observed time.</a:t>
+            </a:r>
+            <a:endParaRPr lang="en-US" sz="1800" b="1" dirty="0">
+              <a:latin typeface="Courier New" panose="02070309020205020404" pitchFamily="49" charset="0"/>
+              <a:cs typeface="Courier New" panose="02070309020205020404" pitchFamily="49" charset="0"/>
+            </a:endParaRPr>
           </a:p>
         </p:txBody>
       </p:sp>
@@ -10849,40 +5713,32 @@
           </a:p>
         </p:txBody>
       </p:sp>
-      <p:pic>
-        <p:nvPicPr>
-          <p:cNvPr id="14" name="Picture 13">
-            <a:extLst>
-              <a:ext uri="{FF2B5EF4-FFF2-40B4-BE49-F238E27FC236}">
-                <a16:creationId xmlns:a16="http://schemas.microsoft.com/office/drawing/2014/main" id="{8900260F-BADE-4445-BF83-73A0008195CB}"/>
-              </a:ext>
-            </a:extLst>
-          </p:cNvPr>
-          <p:cNvPicPr>
-            <a:picLocks noChangeAspect="1"/>
-          </p:cNvPicPr>
-          <p:nvPr/>
-        </p:nvPicPr>
-        <p:blipFill>
-          <a:blip r:embed="rId2"/>
-          <a:stretch>
-            <a:fillRect/>
-          </a:stretch>
-        </p:blipFill>
-        <p:spPr>
-          <a:xfrm>
-            <a:off x="457714" y="1143285"/>
-            <a:ext cx="8228571" cy="4571429"/>
-          </a:xfrm>
-          <a:prstGeom prst="rect">
-            <a:avLst/>
-          </a:prstGeom>
-        </p:spPr>
-      </p:pic>
+      <p:sp>
+        <p:nvSpPr>
+          <p:cNvPr id="6" name="Text Placeholder 5"/>
+          <p:cNvSpPr>
+            <a:spLocks noGrp="1"/>
+          </p:cNvSpPr>
+          <p:nvPr>
+            <p:ph type="body" sz="quarter" idx="12"/>
+          </p:nvPr>
+        </p:nvSpPr>
+        <p:spPr/>
+        <p:txBody>
+          <a:bodyPr/>
+          <a:lstStyle/>
+          <a:p>
+            <a:r>
+              <a:rPr lang="en-US" dirty="0"/>
+              <a:t>Left censored and left truncated are opposites</a:t>
+            </a:r>
+          </a:p>
+        </p:txBody>
+      </p:sp>
     </p:spTree>
     <p:extLst>
       <p:ext uri="{BB962C8B-B14F-4D97-AF65-F5344CB8AC3E}">
-        <p14:creationId xmlns:p14="http://schemas.microsoft.com/office/powerpoint/2010/main" val="590533799"/>
+        <p14:creationId xmlns:p14="http://schemas.microsoft.com/office/powerpoint/2010/main" val="1453809695"/>
       </p:ext>
     </p:extLst>
   </p:cSld>
@@ -10926,8 +5782,91 @@
           <a:p>
             <a:r>
               <a:rPr lang="en-US" dirty="0"/>
-              <a:t>Patterns in the Kaplan-Meier curves</a:t>
-            </a:r>
+              <a:t>Left truncation, example</a:t>
+            </a:r>
+          </a:p>
+        </p:txBody>
+      </p:sp>
+      <p:sp>
+        <p:nvSpPr>
+          <p:cNvPr id="3" name="Text Placeholder 2"/>
+          <p:cNvSpPr>
+            <a:spLocks noGrp="1"/>
+          </p:cNvSpPr>
+          <p:nvPr>
+            <p:ph type="body" idx="1"/>
+          </p:nvPr>
+        </p:nvSpPr>
+        <p:spPr/>
+        <p:txBody>
+          <a:bodyPr/>
+          <a:lstStyle/>
+          <a:p>
+            <a:r>
+              <a:rPr lang="en-US" sz="1800" dirty="0">
+                <a:latin typeface="Courier New" panose="02070309020205020404" pitchFamily="49" charset="0"/>
+                <a:cs typeface="Courier New" panose="02070309020205020404" pitchFamily="49" charset="0"/>
+              </a:rPr>
+              <a:t>     sex age time  death age2</a:t>
+            </a:r>
+          </a:p>
+          <a:p>
+            <a:r>
+              <a:rPr lang="en-US" sz="1800" dirty="0">
+                <a:latin typeface="Courier New" panose="02070309020205020404" pitchFamily="49" charset="0"/>
+                <a:cs typeface="Courier New" panose="02070309020205020404" pitchFamily="49" charset="0"/>
+              </a:rPr>
+              <a:t>1 female  51    1  death   52</a:t>
+            </a:r>
+          </a:p>
+          <a:p>
+            <a:r>
+              <a:rPr lang="en-US" sz="1800" dirty="0">
+                <a:latin typeface="Courier New" panose="02070309020205020404" pitchFamily="49" charset="0"/>
+                <a:cs typeface="Courier New" panose="02070309020205020404" pitchFamily="49" charset="0"/>
+              </a:rPr>
+              <a:t>2 female  58    1  death   59</a:t>
+            </a:r>
+          </a:p>
+          <a:p>
+            <a:r>
+              <a:rPr lang="en-US" sz="1800" dirty="0">
+                <a:latin typeface="Courier New" panose="02070309020205020404" pitchFamily="49" charset="0"/>
+                <a:cs typeface="Courier New" panose="02070309020205020404" pitchFamily="49" charset="0"/>
+              </a:rPr>
+              <a:t>3 female  55    2  death   57</a:t>
+            </a:r>
+          </a:p>
+          <a:p>
+            <a:r>
+              <a:rPr lang="en-US" sz="1800" dirty="0">
+                <a:latin typeface="Courier New" panose="02070309020205020404" pitchFamily="49" charset="0"/>
+                <a:cs typeface="Courier New" panose="02070309020205020404" pitchFamily="49" charset="0"/>
+              </a:rPr>
+              <a:t>4 female  28   22  death   50</a:t>
+            </a:r>
+          </a:p>
+          <a:p>
+            <a:r>
+              <a:rPr lang="en-US" sz="1800" dirty="0">
+                <a:latin typeface="Courier New" panose="02070309020205020404" pitchFamily="49" charset="0"/>
+                <a:cs typeface="Courier New" panose="02070309020205020404" pitchFamily="49" charset="0"/>
+              </a:rPr>
+              <a:t>5   male  21   30 censor   51</a:t>
+            </a:r>
+          </a:p>
+          <a:p>
+            <a:r>
+              <a:rPr lang="en-US" sz="1800" dirty="0">
+                <a:latin typeface="Courier New" panose="02070309020205020404" pitchFamily="49" charset="0"/>
+                <a:cs typeface="Courier New" panose="02070309020205020404" pitchFamily="49" charset="0"/>
+              </a:rPr>
+              <a:t>6   male  19   28  death   47</a:t>
+            </a:r>
+            <a:endParaRPr lang="en-US" sz="1800" b="1" dirty="0">
+              <a:latin typeface="Courier New" panose="02070309020205020404" pitchFamily="49" charset="0"/>
+              <a:cs typeface="Courier New" panose="02070309020205020404" pitchFamily="49" charset="0"/>
+            </a:endParaRPr>
           </a:p>
         </p:txBody>
       </p:sp>
@@ -10991,40 +5930,48 @@
           </a:p>
         </p:txBody>
       </p:sp>
-      <p:pic>
-        <p:nvPicPr>
-          <p:cNvPr id="3" name="Picture 2">
-            <a:extLst>
-              <a:ext uri="{FF2B5EF4-FFF2-40B4-BE49-F238E27FC236}">
-                <a16:creationId xmlns:a16="http://schemas.microsoft.com/office/drawing/2014/main" id="{80B73433-E03B-4B1C-976E-B3623A32F2F9}"/>
-              </a:ext>
-            </a:extLst>
-          </p:cNvPr>
-          <p:cNvPicPr>
-            <a:picLocks noChangeAspect="1"/>
-          </p:cNvPicPr>
-          <p:nvPr/>
-        </p:nvPicPr>
-        <p:blipFill>
-          <a:blip r:embed="rId2"/>
-          <a:stretch>
-            <a:fillRect/>
-          </a:stretch>
-        </p:blipFill>
-        <p:spPr>
-          <a:xfrm>
-            <a:off x="457200" y="1330611"/>
-            <a:ext cx="8228571" cy="4571429"/>
-          </a:xfrm>
-          <a:prstGeom prst="rect">
-            <a:avLst/>
-          </a:prstGeom>
-        </p:spPr>
-      </p:pic>
+      <p:sp>
+        <p:nvSpPr>
+          <p:cNvPr id="6" name="Text Placeholder 5"/>
+          <p:cNvSpPr>
+            <a:spLocks noGrp="1"/>
+          </p:cNvSpPr>
+          <p:nvPr>
+            <p:ph type="body" sz="quarter" idx="12"/>
+          </p:nvPr>
+        </p:nvSpPr>
+        <p:spPr/>
+        <p:txBody>
+          <a:bodyPr/>
+          <a:lstStyle/>
+          <a:p>
+            <a:r>
+              <a:rPr lang="en-US" sz="2000" dirty="0"/>
+              <a:t>math.usu.edu/</a:t>
+            </a:r>
+            <a:r>
+              <a:rPr lang="en-US" sz="2000" dirty="0" err="1"/>
+              <a:t>jrstevens</a:t>
+            </a:r>
+            <a:r>
+              <a:rPr lang="en-US" sz="2000" dirty="0"/>
+              <a:t>/</a:t>
+            </a:r>
+            <a:r>
+              <a:rPr lang="en-US" sz="2000" dirty="0" err="1"/>
+              <a:t>biostat</a:t>
+            </a:r>
+            <a:r>
+              <a:rPr lang="en-US" sz="2000" dirty="0"/>
+              <a:t>/projects2013/pres_LeftTruncation.pdf</a:t>
+            </a:r>
+          </a:p>
+        </p:txBody>
+      </p:sp>
     </p:spTree>
     <p:extLst>
       <p:ext uri="{BB962C8B-B14F-4D97-AF65-F5344CB8AC3E}">
-        <p14:creationId xmlns:p14="http://schemas.microsoft.com/office/powerpoint/2010/main" val="2120279368"/>
+        <p14:creationId xmlns:p14="http://schemas.microsoft.com/office/powerpoint/2010/main" val="362760579"/>
       </p:ext>
     </p:extLst>
   </p:cSld>
@@ -11068,7 +6015,7 @@
           <a:p>
             <a:r>
               <a:rPr lang="en-US" dirty="0"/>
-              <a:t>Patterns in the Kaplan-Meier curves</a:t>
+              <a:t>Left truncation, example</a:t>
             </a:r>
           </a:p>
         </p:txBody>
@@ -11135,10 +6082,10 @@
       </p:sp>
       <p:pic>
         <p:nvPicPr>
-          <p:cNvPr id="6" name="Picture 5">
+          <p:cNvPr id="7" name="Picture 6">
             <a:extLst>
               <a:ext uri="{FF2B5EF4-FFF2-40B4-BE49-F238E27FC236}">
-                <a16:creationId xmlns:a16="http://schemas.microsoft.com/office/drawing/2014/main" id="{DDC63C5B-AF76-4E9B-8566-B8EB46C9C94B}"/>
+                <a16:creationId xmlns:a16="http://schemas.microsoft.com/office/drawing/2014/main" id="{8346967D-0685-493F-8814-A4FBD70D9467}"/>
               </a:ext>
             </a:extLst>
           </p:cNvPr>
@@ -11155,8 +6102,8 @@
         </p:blipFill>
         <p:spPr>
           <a:xfrm>
-            <a:off x="466165" y="1330611"/>
-            <a:ext cx="8228571" cy="4571429"/>
+            <a:off x="457200" y="1143000"/>
+            <a:ext cx="8229600" cy="4572000"/>
           </a:xfrm>
           <a:prstGeom prst="rect">
             <a:avLst/>
@@ -11166,7 +6113,7 @@
     </p:spTree>
     <p:extLst>
       <p:ext uri="{BB962C8B-B14F-4D97-AF65-F5344CB8AC3E}">
-        <p14:creationId xmlns:p14="http://schemas.microsoft.com/office/powerpoint/2010/main" val="725762990"/>
+        <p14:creationId xmlns:p14="http://schemas.microsoft.com/office/powerpoint/2010/main" val="999476939"/>
       </p:ext>
     </p:extLst>
   </p:cSld>
@@ -11210,17 +6157,77 @@
           <a:p>
             <a:r>
               <a:rPr lang="en-US" dirty="0"/>
-              <a:t>Example: heroin clinic discharge times</a:t>
-            </a:r>
+              <a:t>Left truncation, patients at risk</a:t>
+            </a:r>
+          </a:p>
+        </p:txBody>
+      </p:sp>
+      <p:sp>
+        <p:nvSpPr>
+          <p:cNvPr id="4" name="Footer Placeholder 3"/>
+          <p:cNvSpPr>
+            <a:spLocks noGrp="1"/>
+          </p:cNvSpPr>
+          <p:nvPr>
+            <p:ph type="ftr" sz="quarter" idx="10"/>
+          </p:nvPr>
+        </p:nvSpPr>
+        <p:spPr/>
+        <p:txBody>
+          <a:bodyPr/>
+          <a:lstStyle/>
+          <a:p>
+            <a:pPr>
+              <a:defRPr/>
+            </a:pPr>
+            <a:r>
+              <a:rPr lang="en-US" altLang="en-US" dirty="0"/>
+              <a:t>©2018 Steve Simon    http://TheAnalysisFactor.com</a:t>
+            </a:r>
+          </a:p>
+        </p:txBody>
+      </p:sp>
+      <p:sp>
+        <p:nvSpPr>
+          <p:cNvPr id="5" name="Slide Number Placeholder 4"/>
+          <p:cNvSpPr>
+            <a:spLocks noGrp="1"/>
+          </p:cNvSpPr>
+          <p:nvPr>
+            <p:ph type="sldNum" sz="quarter" idx="11"/>
+          </p:nvPr>
+        </p:nvSpPr>
+        <p:spPr/>
+        <p:txBody>
+          <a:bodyPr/>
+          <a:lstStyle/>
+          <a:p>
+            <a:pPr>
+              <a:defRPr/>
+            </a:pPr>
+            <a:endParaRPr lang="en-US"/>
+          </a:p>
+          <a:p>
+            <a:pPr>
+              <a:defRPr/>
+            </a:pPr>
+            <a:fld id="{E9A8CBA3-AA2B-46A6-BFA3-DCEBEAAB3F0A}" type="slidenum">
+              <a:rPr lang="en-US" smtClean="0"/>
+              <a:pPr>
+                <a:defRPr/>
+              </a:pPr>
+              <a:t>8</a:t>
+            </a:fld>
+            <a:endParaRPr lang="en-US"/>
           </a:p>
         </p:txBody>
       </p:sp>
       <p:pic>
         <p:nvPicPr>
-          <p:cNvPr id="7" name="Picture 6">
+          <p:cNvPr id="6" name="Picture 5">
             <a:extLst>
               <a:ext uri="{FF2B5EF4-FFF2-40B4-BE49-F238E27FC236}">
-                <a16:creationId xmlns:a16="http://schemas.microsoft.com/office/drawing/2014/main" id="{E04D9315-51A5-4568-9062-E2208DB9D4C6}"/>
+                <a16:creationId xmlns:a16="http://schemas.microsoft.com/office/drawing/2014/main" id="{4E026971-5865-4F92-AC27-D50DC756F0EE}"/>
               </a:ext>
             </a:extLst>
           </p:cNvPr>
@@ -11237,78 +6244,18 @@
         </p:blipFill>
         <p:spPr>
           <a:xfrm>
-            <a:off x="457200" y="1286143"/>
-            <a:ext cx="7819048" cy="4285714"/>
+            <a:off x="457200" y="1143000"/>
+            <a:ext cx="8229600" cy="4572000"/>
           </a:xfrm>
           <a:prstGeom prst="rect">
             <a:avLst/>
           </a:prstGeom>
         </p:spPr>
       </p:pic>
-      <p:sp>
-        <p:nvSpPr>
-          <p:cNvPr id="4" name="Footer Placeholder 3"/>
-          <p:cNvSpPr>
-            <a:spLocks noGrp="1"/>
-          </p:cNvSpPr>
-          <p:nvPr>
-            <p:ph type="ftr" sz="quarter" idx="10"/>
-          </p:nvPr>
-        </p:nvSpPr>
-        <p:spPr/>
-        <p:txBody>
-          <a:bodyPr/>
-          <a:lstStyle/>
-          <a:p>
-            <a:pPr>
-              <a:defRPr/>
-            </a:pPr>
-            <a:r>
-              <a:rPr lang="en-US" altLang="en-US" dirty="0"/>
-              <a:t>Available at http://www.statsci.org/data/oz/heroin.html</a:t>
-            </a:r>
-          </a:p>
-        </p:txBody>
-      </p:sp>
-      <p:sp>
-        <p:nvSpPr>
-          <p:cNvPr id="5" name="Slide Number Placeholder 4"/>
-          <p:cNvSpPr>
-            <a:spLocks noGrp="1"/>
-          </p:cNvSpPr>
-          <p:nvPr>
-            <p:ph type="sldNum" sz="quarter" idx="11"/>
-          </p:nvPr>
-        </p:nvSpPr>
-        <p:spPr/>
-        <p:txBody>
-          <a:bodyPr/>
-          <a:lstStyle/>
-          <a:p>
-            <a:pPr>
-              <a:defRPr/>
-            </a:pPr>
-            <a:endParaRPr lang="en-US"/>
-          </a:p>
-          <a:p>
-            <a:pPr>
-              <a:defRPr/>
-            </a:pPr>
-            <a:fld id="{E9A8CBA3-AA2B-46A6-BFA3-DCEBEAAB3F0A}" type="slidenum">
-              <a:rPr lang="en-US" smtClean="0"/>
-              <a:pPr>
-                <a:defRPr/>
-              </a:pPr>
-              <a:t>8</a:t>
-            </a:fld>
-            <a:endParaRPr lang="en-US"/>
-          </a:p>
-        </p:txBody>
-      </p:sp>
     </p:spTree>
     <p:extLst>
       <p:ext uri="{BB962C8B-B14F-4D97-AF65-F5344CB8AC3E}">
-        <p14:creationId xmlns:p14="http://schemas.microsoft.com/office/powerpoint/2010/main" val="219183625"/>
+        <p14:creationId xmlns:p14="http://schemas.microsoft.com/office/powerpoint/2010/main" val="3374566686"/>
       </p:ext>
     </p:extLst>
   </p:cSld>
@@ -11352,7 +6299,7 @@
           <a:p>
             <a:r>
               <a:rPr lang="en-US" dirty="0"/>
-              <a:t>Example: heroin data set.</a:t>
+              <a:t>Left truncation, survival curves</a:t>
             </a:r>
           </a:p>
         </p:txBody>
@@ -11419,10 +6366,10 @@
       </p:sp>
       <p:pic>
         <p:nvPicPr>
-          <p:cNvPr id="3" name="Picture 2">
+          <p:cNvPr id="7" name="Picture 6">
             <a:extLst>
               <a:ext uri="{FF2B5EF4-FFF2-40B4-BE49-F238E27FC236}">
-                <a16:creationId xmlns:a16="http://schemas.microsoft.com/office/drawing/2014/main" id="{58BC9812-AB24-4942-ACD3-F219913F8C77}"/>
+                <a16:creationId xmlns:a16="http://schemas.microsoft.com/office/drawing/2014/main" id="{CE6FBFFB-4216-4B5D-A585-390E4CBF4FC2}"/>
               </a:ext>
             </a:extLst>
           </p:cNvPr>
@@ -11439,8 +6386,8 @@
         </p:blipFill>
         <p:spPr>
           <a:xfrm>
-            <a:off x="457714" y="1143285"/>
-            <a:ext cx="8228571" cy="4571429"/>
+            <a:off x="457200" y="1143000"/>
+            <a:ext cx="8229600" cy="4572000"/>
           </a:xfrm>
           <a:prstGeom prst="rect">
             <a:avLst/>
@@ -11450,7 +6397,7 @@
     </p:spTree>
     <p:extLst>
       <p:ext uri="{BB962C8B-B14F-4D97-AF65-F5344CB8AC3E}">
-        <p14:creationId xmlns:p14="http://schemas.microsoft.com/office/powerpoint/2010/main" val="468895222"/>
+        <p14:creationId xmlns:p14="http://schemas.microsoft.com/office/powerpoint/2010/main" val="517829728"/>
       </p:ext>
     </p:extLst>
   </p:cSld>

--- a/bin/survival lecture 7.pptx
+++ b/bin/survival lecture 7.pptx
@@ -5,10 +5,10 @@
     <p:sldMasterId id="2147483664" r:id="rId1"/>
   </p:sldMasterIdLst>
   <p:notesMasterIdLst>
-    <p:notesMasterId r:id="rId18"/>
+    <p:notesMasterId r:id="rId30"/>
   </p:notesMasterIdLst>
   <p:handoutMasterIdLst>
-    <p:handoutMasterId r:id="rId19"/>
+    <p:handoutMasterId r:id="rId31"/>
   </p:handoutMasterIdLst>
   <p:sldIdLst>
     <p:sldId id="256" r:id="rId2"/>
@@ -21,12 +21,24 @@
     <p:sldId id="428" r:id="rId9"/>
     <p:sldId id="429" r:id="rId10"/>
     <p:sldId id="432" r:id="rId11"/>
-    <p:sldId id="434" r:id="rId12"/>
-    <p:sldId id="435" r:id="rId13"/>
-    <p:sldId id="436" r:id="rId14"/>
-    <p:sldId id="437" r:id="rId15"/>
-    <p:sldId id="433" r:id="rId16"/>
-    <p:sldId id="342" r:id="rId17"/>
+    <p:sldId id="438" r:id="rId12"/>
+    <p:sldId id="439" r:id="rId13"/>
+    <p:sldId id="441" r:id="rId14"/>
+    <p:sldId id="440" r:id="rId15"/>
+    <p:sldId id="442" r:id="rId16"/>
+    <p:sldId id="443" r:id="rId17"/>
+    <p:sldId id="444" r:id="rId18"/>
+    <p:sldId id="445" r:id="rId19"/>
+    <p:sldId id="447" r:id="rId20"/>
+    <p:sldId id="448" r:id="rId21"/>
+    <p:sldId id="449" r:id="rId22"/>
+    <p:sldId id="434" r:id="rId23"/>
+    <p:sldId id="446" r:id="rId24"/>
+    <p:sldId id="435" r:id="rId25"/>
+    <p:sldId id="436" r:id="rId26"/>
+    <p:sldId id="437" r:id="rId27"/>
+    <p:sldId id="433" r:id="rId28"/>
+    <p:sldId id="342" r:id="rId29"/>
   </p:sldIdLst>
   <p:sldSz cx="9144000" cy="6858000" type="screen4x3"/>
   <p:notesSz cx="9601200" cy="7315200"/>
@@ -4042,7 +4054,7 @@
           <a:p>
             <a:r>
               <a:rPr lang="en-US" dirty="0"/>
-              <a:t>Frailty models</a:t>
+              <a:t>Frailty/cluster models</a:t>
             </a:r>
           </a:p>
         </p:txBody>
@@ -4064,7 +4076,7 @@
           <a:p>
             <a:r>
               <a:rPr lang="en-US" sz="1800" dirty="0"/>
-              <a:t>Frailty models account for correlation within a group.</a:t>
+              <a:t>Frailty/cluster models account for correlation within a group.</a:t>
             </a:r>
           </a:p>
           <a:p>
@@ -4268,7 +4280,138 @@
           <a:p>
             <a:r>
               <a:rPr lang="en-US" dirty="0"/>
-              <a:t>Cluster models</a:t>
+              <a:t>Ashkenazi data set</a:t>
+            </a:r>
+          </a:p>
+        </p:txBody>
+      </p:sp>
+      <p:sp>
+        <p:nvSpPr>
+          <p:cNvPr id="3" name="Text Placeholder 2"/>
+          <p:cNvSpPr>
+            <a:spLocks noGrp="1"/>
+          </p:cNvSpPr>
+          <p:nvPr>
+            <p:ph type="body" idx="1"/>
+          </p:nvPr>
+        </p:nvSpPr>
+        <p:spPr/>
+        <p:txBody>
+          <a:bodyPr/>
+          <a:lstStyle/>
+          <a:p>
+            <a:r>
+              <a:rPr lang="en-US" sz="1800" b="1" dirty="0">
+                <a:latin typeface="Courier New" panose="02070309020205020404" pitchFamily="49" charset="0"/>
+                <a:cs typeface="Courier New" panose="02070309020205020404" pitchFamily="49" charset="0"/>
+              </a:rPr>
+              <a:t>This is a random subset of data from the </a:t>
+            </a:r>
+            <a:r>
+              <a:rPr lang="en-US" sz="1800" b="1" dirty="0" err="1">
+                <a:latin typeface="Courier New" panose="02070309020205020404" pitchFamily="49" charset="0"/>
+                <a:cs typeface="Courier New" panose="02070309020205020404" pitchFamily="49" charset="0"/>
+              </a:rPr>
+              <a:t>Struewing</a:t>
+            </a:r>
+            <a:r>
+              <a:rPr lang="en-US" sz="1800" b="1" dirty="0">
+                <a:latin typeface="Courier New" panose="02070309020205020404" pitchFamily="49" charset="0"/>
+                <a:cs typeface="Courier New" panose="02070309020205020404" pitchFamily="49" charset="0"/>
+              </a:rPr>
+              <a:t> et al. (1997) study of Ashkenazi </a:t>
+            </a:r>
+            <a:r>
+              <a:rPr lang="en-US" sz="1800" b="1" dirty="0" err="1">
+                <a:latin typeface="Courier New" panose="02070309020205020404" pitchFamily="49" charset="0"/>
+                <a:cs typeface="Courier New" panose="02070309020205020404" pitchFamily="49" charset="0"/>
+              </a:rPr>
+              <a:t>jews</a:t>
+            </a:r>
+            <a:r>
+              <a:rPr lang="en-US" sz="1800" b="1" dirty="0">
+                <a:latin typeface="Courier New" panose="02070309020205020404" pitchFamily="49" charset="0"/>
+                <a:cs typeface="Courier New" panose="02070309020205020404" pitchFamily="49" charset="0"/>
+              </a:rPr>
+              <a:t> and breast cancer. The subset consists of pairs of first-degree female relatives who are also first degree relatives of a proband.</a:t>
+            </a:r>
+          </a:p>
+          <a:p>
+            <a:endParaRPr lang="en-US" sz="1800" b="1" dirty="0">
+              <a:latin typeface="Courier New" panose="02070309020205020404" pitchFamily="49" charset="0"/>
+              <a:cs typeface="Courier New" panose="02070309020205020404" pitchFamily="49" charset="0"/>
+            </a:endParaRPr>
+          </a:p>
+          <a:p>
+            <a:r>
+              <a:rPr lang="en-US" sz="1800" b="1" dirty="0" err="1">
+                <a:latin typeface="Courier New" panose="02070309020205020404" pitchFamily="49" charset="0"/>
+                <a:cs typeface="Courier New" panose="02070309020205020404" pitchFamily="49" charset="0"/>
+              </a:rPr>
+              <a:t>Struewing</a:t>
+            </a:r>
+            <a:r>
+              <a:rPr lang="en-US" sz="1800" b="1" dirty="0">
+                <a:latin typeface="Courier New" panose="02070309020205020404" pitchFamily="49" charset="0"/>
+                <a:cs typeface="Courier New" panose="02070309020205020404" pitchFamily="49" charset="0"/>
+              </a:rPr>
+              <a:t> JP, </a:t>
+            </a:r>
+            <a:r>
+              <a:rPr lang="en-US" sz="1800" b="1" dirty="0" err="1">
+                <a:latin typeface="Courier New" panose="02070309020205020404" pitchFamily="49" charset="0"/>
+                <a:cs typeface="Courier New" panose="02070309020205020404" pitchFamily="49" charset="0"/>
+              </a:rPr>
+              <a:t>Hartge</a:t>
+            </a:r>
+            <a:r>
+              <a:rPr lang="en-US" sz="1800" b="1" dirty="0">
+                <a:latin typeface="Courier New" panose="02070309020205020404" pitchFamily="49" charset="0"/>
+                <a:cs typeface="Courier New" panose="02070309020205020404" pitchFamily="49" charset="0"/>
+              </a:rPr>
+              <a:t> P, </a:t>
+            </a:r>
+            <a:r>
+              <a:rPr lang="en-US" sz="1800" b="1" dirty="0" err="1">
+                <a:latin typeface="Courier New" panose="02070309020205020404" pitchFamily="49" charset="0"/>
+                <a:cs typeface="Courier New" panose="02070309020205020404" pitchFamily="49" charset="0"/>
+              </a:rPr>
+              <a:t>Wacholder</a:t>
+            </a:r>
+            <a:r>
+              <a:rPr lang="en-US" sz="1800" b="1" dirty="0">
+                <a:latin typeface="Courier New" panose="02070309020205020404" pitchFamily="49" charset="0"/>
+                <a:cs typeface="Courier New" panose="02070309020205020404" pitchFamily="49" charset="0"/>
+              </a:rPr>
+              <a:t> S, Baker SM, Berlin M, McAdams M, Timmerman MM, Brody LC, and Tucker MA (1997) The risk of cancer associated with specific mutations of BRCA1 and BRCA2 among </a:t>
+            </a:r>
+            <a:r>
+              <a:rPr lang="en-US" sz="1800" b="1" dirty="0" err="1">
+                <a:latin typeface="Courier New" panose="02070309020205020404" pitchFamily="49" charset="0"/>
+                <a:cs typeface="Courier New" panose="02070309020205020404" pitchFamily="49" charset="0"/>
+              </a:rPr>
+              <a:t>ashkenazi</a:t>
+            </a:r>
+            <a:r>
+              <a:rPr lang="en-US" sz="1800" b="1" dirty="0">
+                <a:latin typeface="Courier New" panose="02070309020205020404" pitchFamily="49" charset="0"/>
+                <a:cs typeface="Courier New" panose="02070309020205020404" pitchFamily="49" charset="0"/>
+              </a:rPr>
+              <a:t> </a:t>
+            </a:r>
+            <a:r>
+              <a:rPr lang="en-US" sz="1800" b="1" dirty="0" err="1">
+                <a:latin typeface="Courier New" panose="02070309020205020404" pitchFamily="49" charset="0"/>
+                <a:cs typeface="Courier New" panose="02070309020205020404" pitchFamily="49" charset="0"/>
+              </a:rPr>
+              <a:t>jews</a:t>
+            </a:r>
+            <a:r>
+              <a:rPr lang="en-US" sz="1800" b="1" dirty="0">
+                <a:latin typeface="Courier New" panose="02070309020205020404" pitchFamily="49" charset="0"/>
+                <a:cs typeface="Courier New" panose="02070309020205020404" pitchFamily="49" charset="0"/>
+              </a:rPr>
+              <a:t>. New England Journal of Medicine 336, 1401-1408.)</a:t>
             </a:r>
           </a:p>
         </p:txBody>
@@ -4328,6 +4471,3124 @@
                 <a:defRPr/>
               </a:pPr>
               <a:t>11</a:t>
+            </a:fld>
+            <a:endParaRPr lang="en-US"/>
+          </a:p>
+        </p:txBody>
+      </p:sp>
+      <p:sp>
+        <p:nvSpPr>
+          <p:cNvPr id="6" name="Text Placeholder 5"/>
+          <p:cNvSpPr>
+            <a:spLocks noGrp="1"/>
+          </p:cNvSpPr>
+          <p:nvPr>
+            <p:ph type="body" sz="quarter" idx="12"/>
+          </p:nvPr>
+        </p:nvSpPr>
+        <p:spPr/>
+        <p:txBody>
+          <a:bodyPr/>
+          <a:lstStyle/>
+          <a:p>
+            <a:r>
+              <a:rPr lang="en-US" dirty="0"/>
+              <a:t>Description</a:t>
+            </a:r>
+          </a:p>
+        </p:txBody>
+      </p:sp>
+    </p:spTree>
+    <p:extLst>
+      <p:ext uri="{BB962C8B-B14F-4D97-AF65-F5344CB8AC3E}">
+        <p14:creationId xmlns:p14="http://schemas.microsoft.com/office/powerpoint/2010/main" val="398883636"/>
+      </p:ext>
+    </p:extLst>
+  </p:cSld>
+  <p:clrMapOvr>
+    <a:masterClrMapping/>
+  </p:clrMapOvr>
+</p:sld>
+</file>
+
+<file path=ppt/slides/slide12.xml><?xml version="1.0" encoding="utf-8"?>
+<p:sld xmlns:a="http://schemas.openxmlformats.org/drawingml/2006/main" xmlns:r="http://schemas.openxmlformats.org/officeDocument/2006/relationships" xmlns:p="http://schemas.openxmlformats.org/presentationml/2006/main">
+  <p:cSld>
+    <p:spTree>
+      <p:nvGrpSpPr>
+        <p:cNvPr id="1" name=""/>
+        <p:cNvGrpSpPr/>
+        <p:nvPr/>
+      </p:nvGrpSpPr>
+      <p:grpSpPr>
+        <a:xfrm>
+          <a:off x="0" y="0"/>
+          <a:ext cx="0" cy="0"/>
+          <a:chOff x="0" y="0"/>
+          <a:chExt cx="0" cy="0"/>
+        </a:xfrm>
+      </p:grpSpPr>
+      <p:sp>
+        <p:nvSpPr>
+          <p:cNvPr id="2" name="Title 1"/>
+          <p:cNvSpPr>
+            <a:spLocks noGrp="1"/>
+          </p:cNvSpPr>
+          <p:nvPr>
+            <p:ph type="title"/>
+          </p:nvPr>
+        </p:nvSpPr>
+        <p:spPr/>
+        <p:txBody>
+          <a:bodyPr/>
+          <a:lstStyle/>
+          <a:p>
+            <a:r>
+              <a:rPr lang="en-US" dirty="0"/>
+              <a:t>Ashkenazi data set</a:t>
+            </a:r>
+          </a:p>
+        </p:txBody>
+      </p:sp>
+      <p:sp>
+        <p:nvSpPr>
+          <p:cNvPr id="3" name="Text Placeholder 2"/>
+          <p:cNvSpPr>
+            <a:spLocks noGrp="1"/>
+          </p:cNvSpPr>
+          <p:nvPr>
+            <p:ph type="body" idx="1"/>
+          </p:nvPr>
+        </p:nvSpPr>
+        <p:spPr/>
+        <p:txBody>
+          <a:bodyPr/>
+          <a:lstStyle/>
+          <a:p>
+            <a:pPr marL="285750" indent="-285750">
+              <a:buFont typeface="Arial" panose="020B0604020202020204" pitchFamily="34" charset="0"/>
+              <a:buChar char="•"/>
+            </a:pPr>
+            <a:r>
+              <a:rPr lang="en-US" sz="1800" b="1" dirty="0" err="1">
+                <a:latin typeface="Courier New" panose="02070309020205020404" pitchFamily="49" charset="0"/>
+                <a:cs typeface="Courier New" panose="02070309020205020404" pitchFamily="49" charset="0"/>
+              </a:rPr>
+              <a:t>famID</a:t>
+            </a:r>
+            <a:r>
+              <a:rPr lang="en-US" sz="1800" b="1" dirty="0">
+                <a:latin typeface="Courier New" panose="02070309020205020404" pitchFamily="49" charset="0"/>
+                <a:cs typeface="Courier New" panose="02070309020205020404" pitchFamily="49" charset="0"/>
+              </a:rPr>
+              <a:t>: family ID indicator</a:t>
+            </a:r>
+          </a:p>
+          <a:p>
+            <a:pPr marL="285750" indent="-285750">
+              <a:buFont typeface="Arial" panose="020B0604020202020204" pitchFamily="34" charset="0"/>
+              <a:buChar char="•"/>
+            </a:pPr>
+            <a:r>
+              <a:rPr lang="en-US" sz="1800" b="1" dirty="0" err="1">
+                <a:latin typeface="Courier New" panose="02070309020205020404" pitchFamily="49" charset="0"/>
+                <a:cs typeface="Courier New" panose="02070309020205020404" pitchFamily="49" charset="0"/>
+              </a:rPr>
+              <a:t>brcancer</a:t>
+            </a:r>
+            <a:r>
+              <a:rPr lang="en-US" sz="1800" b="1" dirty="0">
+                <a:latin typeface="Courier New" panose="02070309020205020404" pitchFamily="49" charset="0"/>
+                <a:cs typeface="Courier New" panose="02070309020205020404" pitchFamily="49" charset="0"/>
+              </a:rPr>
+              <a:t>: 1 if subject had breast cancer, 0 if not</a:t>
+            </a:r>
+          </a:p>
+          <a:p>
+            <a:pPr marL="285750" indent="-285750">
+              <a:buFont typeface="Arial" panose="020B0604020202020204" pitchFamily="34" charset="0"/>
+              <a:buChar char="•"/>
+            </a:pPr>
+            <a:r>
+              <a:rPr lang="en-US" sz="1800" b="1" dirty="0">
+                <a:latin typeface="Courier New" panose="02070309020205020404" pitchFamily="49" charset="0"/>
+                <a:cs typeface="Courier New" panose="02070309020205020404" pitchFamily="49" charset="0"/>
+              </a:rPr>
+              <a:t>age: Age at onset of breast cancer, or current age if no breast cancer</a:t>
+            </a:r>
+          </a:p>
+          <a:p>
+            <a:pPr marL="285750" indent="-285750">
+              <a:buFont typeface="Arial" panose="020B0604020202020204" pitchFamily="34" charset="0"/>
+              <a:buChar char="•"/>
+            </a:pPr>
+            <a:r>
+              <a:rPr lang="en-US" sz="1800" b="1" dirty="0">
+                <a:latin typeface="Courier New" panose="02070309020205020404" pitchFamily="49" charset="0"/>
+                <a:cs typeface="Courier New" panose="02070309020205020404" pitchFamily="49" charset="0"/>
+              </a:rPr>
+              <a:t>mutant: 1 if first degree relative proband was a BRCA mutation carrier, 0 if not</a:t>
+            </a:r>
+          </a:p>
+          <a:p>
+            <a:endParaRPr lang="en-US" sz="1800" b="1" dirty="0">
+              <a:latin typeface="Courier New" panose="02070309020205020404" pitchFamily="49" charset="0"/>
+              <a:cs typeface="Courier New" panose="02070309020205020404" pitchFamily="49" charset="0"/>
+            </a:endParaRPr>
+          </a:p>
+          <a:p>
+            <a:endParaRPr lang="en-US" sz="1800" b="1" dirty="0">
+              <a:latin typeface="Courier New" panose="02070309020205020404" pitchFamily="49" charset="0"/>
+              <a:cs typeface="Courier New" panose="02070309020205020404" pitchFamily="49" charset="0"/>
+            </a:endParaRPr>
+          </a:p>
+        </p:txBody>
+      </p:sp>
+      <p:sp>
+        <p:nvSpPr>
+          <p:cNvPr id="4" name="Footer Placeholder 3"/>
+          <p:cNvSpPr>
+            <a:spLocks noGrp="1"/>
+          </p:cNvSpPr>
+          <p:nvPr>
+            <p:ph type="ftr" sz="quarter" idx="10"/>
+          </p:nvPr>
+        </p:nvSpPr>
+        <p:spPr/>
+        <p:txBody>
+          <a:bodyPr/>
+          <a:lstStyle/>
+          <a:p>
+            <a:pPr>
+              <a:defRPr/>
+            </a:pPr>
+            <a:r>
+              <a:rPr lang="en-US" altLang="en-US" dirty="0"/>
+              <a:t>©2018 Steve Simon    http://TheAnalysisFactor.com</a:t>
+            </a:r>
+          </a:p>
+        </p:txBody>
+      </p:sp>
+      <p:sp>
+        <p:nvSpPr>
+          <p:cNvPr id="5" name="Slide Number Placeholder 4"/>
+          <p:cNvSpPr>
+            <a:spLocks noGrp="1"/>
+          </p:cNvSpPr>
+          <p:nvPr>
+            <p:ph type="sldNum" sz="quarter" idx="11"/>
+          </p:nvPr>
+        </p:nvSpPr>
+        <p:spPr/>
+        <p:txBody>
+          <a:bodyPr/>
+          <a:lstStyle/>
+          <a:p>
+            <a:pPr>
+              <a:defRPr/>
+            </a:pPr>
+            <a:endParaRPr lang="en-US"/>
+          </a:p>
+          <a:p>
+            <a:pPr>
+              <a:defRPr/>
+            </a:pPr>
+            <a:fld id="{E9A8CBA3-AA2B-46A6-BFA3-DCEBEAAB3F0A}" type="slidenum">
+              <a:rPr lang="en-US" smtClean="0"/>
+              <a:pPr>
+                <a:defRPr/>
+              </a:pPr>
+              <a:t>12</a:t>
+            </a:fld>
+            <a:endParaRPr lang="en-US"/>
+          </a:p>
+        </p:txBody>
+      </p:sp>
+      <p:sp>
+        <p:nvSpPr>
+          <p:cNvPr id="6" name="Text Placeholder 5"/>
+          <p:cNvSpPr>
+            <a:spLocks noGrp="1"/>
+          </p:cNvSpPr>
+          <p:nvPr>
+            <p:ph type="body" sz="quarter" idx="12"/>
+          </p:nvPr>
+        </p:nvSpPr>
+        <p:spPr/>
+        <p:txBody>
+          <a:bodyPr/>
+          <a:lstStyle/>
+          <a:p>
+            <a:r>
+              <a:rPr lang="en-US" b="1" dirty="0">
+                <a:latin typeface="Courier New" panose="02070309020205020404" pitchFamily="49" charset="0"/>
+                <a:cs typeface="Courier New" panose="02070309020205020404" pitchFamily="49" charset="0"/>
+              </a:rPr>
+              <a:t>3920 observations and 4 variables</a:t>
+            </a:r>
+            <a:endParaRPr lang="en-US" dirty="0"/>
+          </a:p>
+        </p:txBody>
+      </p:sp>
+    </p:spTree>
+    <p:extLst>
+      <p:ext uri="{BB962C8B-B14F-4D97-AF65-F5344CB8AC3E}">
+        <p14:creationId xmlns:p14="http://schemas.microsoft.com/office/powerpoint/2010/main" val="2944027875"/>
+      </p:ext>
+    </p:extLst>
+  </p:cSld>
+  <p:clrMapOvr>
+    <a:masterClrMapping/>
+  </p:clrMapOvr>
+</p:sld>
+</file>
+
+<file path=ppt/slides/slide13.xml><?xml version="1.0" encoding="utf-8"?>
+<p:sld xmlns:a="http://schemas.openxmlformats.org/drawingml/2006/main" xmlns:r="http://schemas.openxmlformats.org/officeDocument/2006/relationships" xmlns:p="http://schemas.openxmlformats.org/presentationml/2006/main">
+  <p:cSld>
+    <p:spTree>
+      <p:nvGrpSpPr>
+        <p:cNvPr id="1" name=""/>
+        <p:cNvGrpSpPr/>
+        <p:nvPr/>
+      </p:nvGrpSpPr>
+      <p:grpSpPr>
+        <a:xfrm>
+          <a:off x="0" y="0"/>
+          <a:ext cx="0" cy="0"/>
+          <a:chOff x="0" y="0"/>
+          <a:chExt cx="0" cy="0"/>
+        </a:xfrm>
+      </p:grpSpPr>
+      <p:sp>
+        <p:nvSpPr>
+          <p:cNvPr id="2" name="Title 1"/>
+          <p:cNvSpPr>
+            <a:spLocks noGrp="1"/>
+          </p:cNvSpPr>
+          <p:nvPr>
+            <p:ph type="title"/>
+          </p:nvPr>
+        </p:nvSpPr>
+        <p:spPr/>
+        <p:txBody>
+          <a:bodyPr/>
+          <a:lstStyle/>
+          <a:p>
+            <a:r>
+              <a:rPr lang="en-US" dirty="0"/>
+              <a:t>Rats data set</a:t>
+            </a:r>
+          </a:p>
+        </p:txBody>
+      </p:sp>
+      <p:sp>
+        <p:nvSpPr>
+          <p:cNvPr id="3" name="Text Placeholder 2"/>
+          <p:cNvSpPr>
+            <a:spLocks noGrp="1"/>
+          </p:cNvSpPr>
+          <p:nvPr>
+            <p:ph type="body" idx="1"/>
+          </p:nvPr>
+        </p:nvSpPr>
+        <p:spPr/>
+        <p:txBody>
+          <a:bodyPr/>
+          <a:lstStyle/>
+          <a:p>
+            <a:r>
+              <a:rPr lang="en-US" sz="1800" b="1" dirty="0">
+                <a:latin typeface="Courier New" panose="02070309020205020404" pitchFamily="49" charset="0"/>
+                <a:cs typeface="Courier New" panose="02070309020205020404" pitchFamily="49" charset="0"/>
+              </a:rPr>
+              <a:t>Rat treatment data from Mantel et al. Three rats were chosen from each of 100 litters, one of which was treated with a drug, and then all followed for tumor incidence.</a:t>
+            </a:r>
+          </a:p>
+          <a:p>
+            <a:endParaRPr lang="en-US" sz="1800" b="1" dirty="0">
+              <a:latin typeface="Courier New" panose="02070309020205020404" pitchFamily="49" charset="0"/>
+              <a:cs typeface="Courier New" panose="02070309020205020404" pitchFamily="49" charset="0"/>
+            </a:endParaRPr>
+          </a:p>
+          <a:p>
+            <a:r>
+              <a:rPr lang="en-US" sz="1800" b="1" dirty="0">
+                <a:latin typeface="Courier New" panose="02070309020205020404" pitchFamily="49" charset="0"/>
+                <a:cs typeface="Courier New" panose="02070309020205020404" pitchFamily="49" charset="0"/>
+              </a:rPr>
+              <a:t>N. Mantel, N. R. </a:t>
+            </a:r>
+            <a:r>
+              <a:rPr lang="en-US" sz="1800" b="1" dirty="0" err="1">
+                <a:latin typeface="Courier New" panose="02070309020205020404" pitchFamily="49" charset="0"/>
+                <a:cs typeface="Courier New" panose="02070309020205020404" pitchFamily="49" charset="0"/>
+              </a:rPr>
+              <a:t>Bohidar</a:t>
+            </a:r>
+            <a:r>
+              <a:rPr lang="en-US" sz="1800" b="1" dirty="0">
+                <a:latin typeface="Courier New" panose="02070309020205020404" pitchFamily="49" charset="0"/>
+                <a:cs typeface="Courier New" panose="02070309020205020404" pitchFamily="49" charset="0"/>
+              </a:rPr>
+              <a:t> and J. L. </a:t>
+            </a:r>
+            <a:r>
+              <a:rPr lang="en-US" sz="1800" b="1" dirty="0" err="1">
+                <a:latin typeface="Courier New" panose="02070309020205020404" pitchFamily="49" charset="0"/>
+                <a:cs typeface="Courier New" panose="02070309020205020404" pitchFamily="49" charset="0"/>
+              </a:rPr>
+              <a:t>Ciminera</a:t>
+            </a:r>
+            <a:r>
+              <a:rPr lang="en-US" sz="1800" b="1" dirty="0">
+                <a:latin typeface="Courier New" panose="02070309020205020404" pitchFamily="49" charset="0"/>
+                <a:cs typeface="Courier New" panose="02070309020205020404" pitchFamily="49" charset="0"/>
+              </a:rPr>
+              <a:t>. Mantel-</a:t>
+            </a:r>
+            <a:r>
+              <a:rPr lang="en-US" sz="1800" b="1" dirty="0" err="1">
+                <a:latin typeface="Courier New" panose="02070309020205020404" pitchFamily="49" charset="0"/>
+                <a:cs typeface="Courier New" panose="02070309020205020404" pitchFamily="49" charset="0"/>
+              </a:rPr>
+              <a:t>Haenszel</a:t>
+            </a:r>
+            <a:r>
+              <a:rPr lang="en-US" sz="1800" b="1" dirty="0">
+                <a:latin typeface="Courier New" panose="02070309020205020404" pitchFamily="49" charset="0"/>
+                <a:cs typeface="Courier New" panose="02070309020205020404" pitchFamily="49" charset="0"/>
+              </a:rPr>
+              <a:t> analyses of litter-matched time to response data, with modifications for recovery of </a:t>
+            </a:r>
+            <a:r>
+              <a:rPr lang="en-US" sz="1800" b="1" dirty="0" err="1">
+                <a:latin typeface="Courier New" panose="02070309020205020404" pitchFamily="49" charset="0"/>
+                <a:cs typeface="Courier New" panose="02070309020205020404" pitchFamily="49" charset="0"/>
+              </a:rPr>
+              <a:t>interlitter</a:t>
+            </a:r>
+            <a:r>
+              <a:rPr lang="en-US" sz="1800" b="1" dirty="0">
+                <a:latin typeface="Courier New" panose="02070309020205020404" pitchFamily="49" charset="0"/>
+                <a:cs typeface="Courier New" panose="02070309020205020404" pitchFamily="49" charset="0"/>
+              </a:rPr>
+              <a:t> information. Cancer Research, 37:3863-3868, 1977.</a:t>
+            </a:r>
+          </a:p>
+          <a:p>
+            <a:endParaRPr lang="en-US" sz="1800" b="1" dirty="0">
+              <a:latin typeface="Courier New" panose="02070309020205020404" pitchFamily="49" charset="0"/>
+              <a:cs typeface="Courier New" panose="02070309020205020404" pitchFamily="49" charset="0"/>
+            </a:endParaRPr>
+          </a:p>
+        </p:txBody>
+      </p:sp>
+      <p:sp>
+        <p:nvSpPr>
+          <p:cNvPr id="4" name="Footer Placeholder 3"/>
+          <p:cNvSpPr>
+            <a:spLocks noGrp="1"/>
+          </p:cNvSpPr>
+          <p:nvPr>
+            <p:ph type="ftr" sz="quarter" idx="10"/>
+          </p:nvPr>
+        </p:nvSpPr>
+        <p:spPr/>
+        <p:txBody>
+          <a:bodyPr/>
+          <a:lstStyle/>
+          <a:p>
+            <a:pPr>
+              <a:defRPr/>
+            </a:pPr>
+            <a:r>
+              <a:rPr lang="en-US" altLang="en-US" dirty="0"/>
+              <a:t>©2018 Steve Simon    http://TheAnalysisFactor.com</a:t>
+            </a:r>
+          </a:p>
+        </p:txBody>
+      </p:sp>
+      <p:sp>
+        <p:nvSpPr>
+          <p:cNvPr id="5" name="Slide Number Placeholder 4"/>
+          <p:cNvSpPr>
+            <a:spLocks noGrp="1"/>
+          </p:cNvSpPr>
+          <p:nvPr>
+            <p:ph type="sldNum" sz="quarter" idx="11"/>
+          </p:nvPr>
+        </p:nvSpPr>
+        <p:spPr/>
+        <p:txBody>
+          <a:bodyPr/>
+          <a:lstStyle/>
+          <a:p>
+            <a:pPr>
+              <a:defRPr/>
+            </a:pPr>
+            <a:endParaRPr lang="en-US"/>
+          </a:p>
+          <a:p>
+            <a:pPr>
+              <a:defRPr/>
+            </a:pPr>
+            <a:fld id="{E9A8CBA3-AA2B-46A6-BFA3-DCEBEAAB3F0A}" type="slidenum">
+              <a:rPr lang="en-US" smtClean="0"/>
+              <a:pPr>
+                <a:defRPr/>
+              </a:pPr>
+              <a:t>13</a:t>
+            </a:fld>
+            <a:endParaRPr lang="en-US"/>
+          </a:p>
+        </p:txBody>
+      </p:sp>
+      <p:sp>
+        <p:nvSpPr>
+          <p:cNvPr id="6" name="Text Placeholder 5"/>
+          <p:cNvSpPr>
+            <a:spLocks noGrp="1"/>
+          </p:cNvSpPr>
+          <p:nvPr>
+            <p:ph type="body" sz="quarter" idx="12"/>
+          </p:nvPr>
+        </p:nvSpPr>
+        <p:spPr/>
+        <p:txBody>
+          <a:bodyPr/>
+          <a:lstStyle/>
+          <a:p>
+            <a:r>
+              <a:rPr lang="en-US" b="1" dirty="0">
+                <a:latin typeface="Courier New" panose="02070309020205020404" pitchFamily="49" charset="0"/>
+                <a:cs typeface="Courier New" panose="02070309020205020404" pitchFamily="49" charset="0"/>
+              </a:rPr>
+              <a:t>Description</a:t>
+            </a:r>
+            <a:endParaRPr lang="en-US" dirty="0"/>
+          </a:p>
+        </p:txBody>
+      </p:sp>
+    </p:spTree>
+    <p:extLst>
+      <p:ext uri="{BB962C8B-B14F-4D97-AF65-F5344CB8AC3E}">
+        <p14:creationId xmlns:p14="http://schemas.microsoft.com/office/powerpoint/2010/main" val="1425889960"/>
+      </p:ext>
+    </p:extLst>
+  </p:cSld>
+  <p:clrMapOvr>
+    <a:masterClrMapping/>
+  </p:clrMapOvr>
+</p:sld>
+</file>
+
+<file path=ppt/slides/slide14.xml><?xml version="1.0" encoding="utf-8"?>
+<p:sld xmlns:a="http://schemas.openxmlformats.org/drawingml/2006/main" xmlns:r="http://schemas.openxmlformats.org/officeDocument/2006/relationships" xmlns:p="http://schemas.openxmlformats.org/presentationml/2006/main">
+  <p:cSld>
+    <p:spTree>
+      <p:nvGrpSpPr>
+        <p:cNvPr id="1" name=""/>
+        <p:cNvGrpSpPr/>
+        <p:nvPr/>
+      </p:nvGrpSpPr>
+      <p:grpSpPr>
+        <a:xfrm>
+          <a:off x="0" y="0"/>
+          <a:ext cx="0" cy="0"/>
+          <a:chOff x="0" y="0"/>
+          <a:chExt cx="0" cy="0"/>
+        </a:xfrm>
+      </p:grpSpPr>
+      <p:sp>
+        <p:nvSpPr>
+          <p:cNvPr id="2" name="Title 1"/>
+          <p:cNvSpPr>
+            <a:spLocks noGrp="1"/>
+          </p:cNvSpPr>
+          <p:nvPr>
+            <p:ph type="title"/>
+          </p:nvPr>
+        </p:nvSpPr>
+        <p:spPr/>
+        <p:txBody>
+          <a:bodyPr/>
+          <a:lstStyle/>
+          <a:p>
+            <a:r>
+              <a:rPr lang="en-US" dirty="0"/>
+              <a:t>Rats data set</a:t>
+            </a:r>
+          </a:p>
+        </p:txBody>
+      </p:sp>
+      <p:sp>
+        <p:nvSpPr>
+          <p:cNvPr id="3" name="Text Placeholder 2"/>
+          <p:cNvSpPr>
+            <a:spLocks noGrp="1"/>
+          </p:cNvSpPr>
+          <p:nvPr>
+            <p:ph type="body" idx="1"/>
+          </p:nvPr>
+        </p:nvSpPr>
+        <p:spPr/>
+        <p:txBody>
+          <a:bodyPr/>
+          <a:lstStyle/>
+          <a:p>
+            <a:pPr marL="285750" indent="-285750">
+              <a:buFont typeface="Arial" panose="020B0604020202020204" pitchFamily="34" charset="0"/>
+              <a:buChar char="•"/>
+            </a:pPr>
+            <a:r>
+              <a:rPr lang="en-US" sz="1800" b="1" dirty="0">
+                <a:latin typeface="Courier New" panose="02070309020205020404" pitchFamily="49" charset="0"/>
+                <a:cs typeface="Courier New" panose="02070309020205020404" pitchFamily="49" charset="0"/>
+              </a:rPr>
+              <a:t>litter: litter number from 1 to 100</a:t>
+            </a:r>
+          </a:p>
+          <a:p>
+            <a:pPr marL="285750" indent="-285750">
+              <a:buFont typeface="Arial" panose="020B0604020202020204" pitchFamily="34" charset="0"/>
+              <a:buChar char="•"/>
+            </a:pPr>
+            <a:r>
+              <a:rPr lang="en-US" sz="1800" b="1" dirty="0" err="1">
+                <a:latin typeface="Courier New" panose="02070309020205020404" pitchFamily="49" charset="0"/>
+                <a:cs typeface="Courier New" panose="02070309020205020404" pitchFamily="49" charset="0"/>
+              </a:rPr>
+              <a:t>rx</a:t>
+            </a:r>
+            <a:r>
+              <a:rPr lang="en-US" sz="1800" b="1" dirty="0">
+                <a:latin typeface="Courier New" panose="02070309020205020404" pitchFamily="49" charset="0"/>
+                <a:cs typeface="Courier New" panose="02070309020205020404" pitchFamily="49" charset="0"/>
+              </a:rPr>
+              <a:t>: treatment,(1=drug, 0=control)</a:t>
+            </a:r>
+          </a:p>
+          <a:p>
+            <a:pPr marL="285750" indent="-285750">
+              <a:buFont typeface="Arial" panose="020B0604020202020204" pitchFamily="34" charset="0"/>
+              <a:buChar char="•"/>
+            </a:pPr>
+            <a:r>
+              <a:rPr lang="en-US" sz="1800" b="1" dirty="0">
+                <a:latin typeface="Courier New" panose="02070309020205020404" pitchFamily="49" charset="0"/>
+                <a:cs typeface="Courier New" panose="02070309020205020404" pitchFamily="49" charset="0"/>
+              </a:rPr>
+              <a:t>time: time to tumor or last follow-up</a:t>
+            </a:r>
+          </a:p>
+          <a:p>
+            <a:pPr marL="285750" indent="-285750">
+              <a:buFont typeface="Arial" panose="020B0604020202020204" pitchFamily="34" charset="0"/>
+              <a:buChar char="•"/>
+            </a:pPr>
+            <a:r>
+              <a:rPr lang="en-US" sz="1800" b="1" dirty="0">
+                <a:latin typeface="Courier New" panose="02070309020205020404" pitchFamily="49" charset="0"/>
+                <a:cs typeface="Courier New" panose="02070309020205020404" pitchFamily="49" charset="0"/>
+              </a:rPr>
+              <a:t>status: event status, 1=tumor and 0=censored</a:t>
+            </a:r>
+          </a:p>
+          <a:p>
+            <a:pPr marL="285750" indent="-285750">
+              <a:buFont typeface="Arial" panose="020B0604020202020204" pitchFamily="34" charset="0"/>
+              <a:buChar char="•"/>
+            </a:pPr>
+            <a:r>
+              <a:rPr lang="en-US" sz="1800" b="1" dirty="0">
+                <a:latin typeface="Courier New" panose="02070309020205020404" pitchFamily="49" charset="0"/>
+                <a:cs typeface="Courier New" panose="02070309020205020404" pitchFamily="49" charset="0"/>
+              </a:rPr>
+              <a:t>sex: male or female</a:t>
+            </a:r>
+          </a:p>
+        </p:txBody>
+      </p:sp>
+      <p:sp>
+        <p:nvSpPr>
+          <p:cNvPr id="4" name="Footer Placeholder 3"/>
+          <p:cNvSpPr>
+            <a:spLocks noGrp="1"/>
+          </p:cNvSpPr>
+          <p:nvPr>
+            <p:ph type="ftr" sz="quarter" idx="10"/>
+          </p:nvPr>
+        </p:nvSpPr>
+        <p:spPr/>
+        <p:txBody>
+          <a:bodyPr/>
+          <a:lstStyle/>
+          <a:p>
+            <a:pPr>
+              <a:defRPr/>
+            </a:pPr>
+            <a:r>
+              <a:rPr lang="en-US" altLang="en-US" dirty="0"/>
+              <a:t>©2018 Steve Simon    http://TheAnalysisFactor.com</a:t>
+            </a:r>
+          </a:p>
+        </p:txBody>
+      </p:sp>
+      <p:sp>
+        <p:nvSpPr>
+          <p:cNvPr id="5" name="Slide Number Placeholder 4"/>
+          <p:cNvSpPr>
+            <a:spLocks noGrp="1"/>
+          </p:cNvSpPr>
+          <p:nvPr>
+            <p:ph type="sldNum" sz="quarter" idx="11"/>
+          </p:nvPr>
+        </p:nvSpPr>
+        <p:spPr/>
+        <p:txBody>
+          <a:bodyPr/>
+          <a:lstStyle/>
+          <a:p>
+            <a:pPr>
+              <a:defRPr/>
+            </a:pPr>
+            <a:endParaRPr lang="en-US"/>
+          </a:p>
+          <a:p>
+            <a:pPr>
+              <a:defRPr/>
+            </a:pPr>
+            <a:fld id="{E9A8CBA3-AA2B-46A6-BFA3-DCEBEAAB3F0A}" type="slidenum">
+              <a:rPr lang="en-US" smtClean="0"/>
+              <a:pPr>
+                <a:defRPr/>
+              </a:pPr>
+              <a:t>14</a:t>
+            </a:fld>
+            <a:endParaRPr lang="en-US"/>
+          </a:p>
+        </p:txBody>
+      </p:sp>
+      <p:sp>
+        <p:nvSpPr>
+          <p:cNvPr id="6" name="Text Placeholder 5"/>
+          <p:cNvSpPr>
+            <a:spLocks noGrp="1"/>
+          </p:cNvSpPr>
+          <p:nvPr>
+            <p:ph type="body" sz="quarter" idx="12"/>
+          </p:nvPr>
+        </p:nvSpPr>
+        <p:spPr/>
+        <p:txBody>
+          <a:bodyPr/>
+          <a:lstStyle/>
+          <a:p>
+            <a:r>
+              <a:rPr lang="en-US" b="1" dirty="0">
+                <a:latin typeface="Courier New" panose="02070309020205020404" pitchFamily="49" charset="0"/>
+                <a:cs typeface="Courier New" panose="02070309020205020404" pitchFamily="49" charset="0"/>
+              </a:rPr>
+              <a:t>300 observations and 5 variables.</a:t>
+            </a:r>
+            <a:endParaRPr lang="en-US" dirty="0"/>
+          </a:p>
+        </p:txBody>
+      </p:sp>
+    </p:spTree>
+    <p:extLst>
+      <p:ext uri="{BB962C8B-B14F-4D97-AF65-F5344CB8AC3E}">
+        <p14:creationId xmlns:p14="http://schemas.microsoft.com/office/powerpoint/2010/main" val="3127566953"/>
+      </p:ext>
+    </p:extLst>
+  </p:cSld>
+  <p:clrMapOvr>
+    <a:masterClrMapping/>
+  </p:clrMapOvr>
+</p:sld>
+</file>
+
+<file path=ppt/slides/slide15.xml><?xml version="1.0" encoding="utf-8"?>
+<p:sld xmlns:a="http://schemas.openxmlformats.org/drawingml/2006/main" xmlns:r="http://schemas.openxmlformats.org/officeDocument/2006/relationships" xmlns:p="http://schemas.openxmlformats.org/presentationml/2006/main">
+  <p:cSld>
+    <p:spTree>
+      <p:nvGrpSpPr>
+        <p:cNvPr id="1" name=""/>
+        <p:cNvGrpSpPr/>
+        <p:nvPr/>
+      </p:nvGrpSpPr>
+      <p:grpSpPr>
+        <a:xfrm>
+          <a:off x="0" y="0"/>
+          <a:ext cx="0" cy="0"/>
+          <a:chOff x="0" y="0"/>
+          <a:chExt cx="0" cy="0"/>
+        </a:xfrm>
+      </p:grpSpPr>
+      <p:sp>
+        <p:nvSpPr>
+          <p:cNvPr id="2" name="Title 1"/>
+          <p:cNvSpPr>
+            <a:spLocks noGrp="1"/>
+          </p:cNvSpPr>
+          <p:nvPr>
+            <p:ph type="title"/>
+          </p:nvPr>
+        </p:nvSpPr>
+        <p:spPr/>
+        <p:txBody>
+          <a:bodyPr/>
+          <a:lstStyle/>
+          <a:p>
+            <a:r>
+              <a:rPr lang="en-US" dirty="0"/>
+              <a:t>Diabetes data set</a:t>
+            </a:r>
+          </a:p>
+        </p:txBody>
+      </p:sp>
+      <p:sp>
+        <p:nvSpPr>
+          <p:cNvPr id="3" name="Text Placeholder 2"/>
+          <p:cNvSpPr>
+            <a:spLocks noGrp="1"/>
+          </p:cNvSpPr>
+          <p:nvPr>
+            <p:ph type="body" idx="1"/>
+          </p:nvPr>
+        </p:nvSpPr>
+        <p:spPr/>
+        <p:txBody>
+          <a:bodyPr/>
+          <a:lstStyle/>
+          <a:p>
+            <a:r>
+              <a:rPr lang="en-US" sz="1800" b="1" dirty="0">
+                <a:latin typeface="Courier New" panose="02070309020205020404" pitchFamily="49" charset="0"/>
+                <a:cs typeface="Courier New" panose="02070309020205020404" pitchFamily="49" charset="0"/>
+              </a:rPr>
+              <a:t>The data was </a:t>
+            </a:r>
+            <a:r>
+              <a:rPr lang="en-US" sz="1800" b="1" dirty="0" err="1">
+                <a:latin typeface="Courier New" panose="02070309020205020404" pitchFamily="49" charset="0"/>
+                <a:cs typeface="Courier New" panose="02070309020205020404" pitchFamily="49" charset="0"/>
+              </a:rPr>
+              <a:t>colleceted</a:t>
+            </a:r>
+            <a:r>
+              <a:rPr lang="en-US" sz="1800" b="1" dirty="0">
+                <a:latin typeface="Courier New" panose="02070309020205020404" pitchFamily="49" charset="0"/>
+                <a:cs typeface="Courier New" panose="02070309020205020404" pitchFamily="49" charset="0"/>
+              </a:rPr>
+              <a:t> to test a laser treatment for delaying blindness in patients with </a:t>
+            </a:r>
+            <a:r>
+              <a:rPr lang="en-US" sz="1800" b="1" dirty="0" err="1">
+                <a:latin typeface="Courier New" panose="02070309020205020404" pitchFamily="49" charset="0"/>
+                <a:cs typeface="Courier New" panose="02070309020205020404" pitchFamily="49" charset="0"/>
+              </a:rPr>
+              <a:t>dibetic</a:t>
+            </a:r>
+            <a:r>
+              <a:rPr lang="en-US" sz="1800" b="1" dirty="0">
+                <a:latin typeface="Courier New" panose="02070309020205020404" pitchFamily="49" charset="0"/>
+                <a:cs typeface="Courier New" panose="02070309020205020404" pitchFamily="49" charset="0"/>
+              </a:rPr>
+              <a:t> retinopathy. The subset of 197 </a:t>
+            </a:r>
+            <a:r>
+              <a:rPr lang="en-US" sz="1800" b="1" dirty="0" err="1">
+                <a:latin typeface="Courier New" panose="02070309020205020404" pitchFamily="49" charset="0"/>
+                <a:cs typeface="Courier New" panose="02070309020205020404" pitchFamily="49" charset="0"/>
+              </a:rPr>
+              <a:t>patiens</a:t>
+            </a:r>
+            <a:r>
+              <a:rPr lang="en-US" sz="1800" b="1" dirty="0">
+                <a:latin typeface="Courier New" panose="02070309020205020404" pitchFamily="49" charset="0"/>
+                <a:cs typeface="Courier New" panose="02070309020205020404" pitchFamily="49" charset="0"/>
+              </a:rPr>
+              <a:t> given in </a:t>
+            </a:r>
+            <a:r>
+              <a:rPr lang="en-US" sz="1800" b="1" dirty="0" err="1">
+                <a:latin typeface="Courier New" panose="02070309020205020404" pitchFamily="49" charset="0"/>
+                <a:cs typeface="Courier New" panose="02070309020205020404" pitchFamily="49" charset="0"/>
+              </a:rPr>
+              <a:t>Huster</a:t>
+            </a:r>
+            <a:r>
+              <a:rPr lang="en-US" sz="1800" b="1" dirty="0">
+                <a:latin typeface="Courier New" panose="02070309020205020404" pitchFamily="49" charset="0"/>
+                <a:cs typeface="Courier New" panose="02070309020205020404" pitchFamily="49" charset="0"/>
+              </a:rPr>
+              <a:t> et al. (1989) is used.</a:t>
+            </a:r>
+          </a:p>
+          <a:p>
+            <a:endParaRPr lang="en-US" sz="1800" b="1" dirty="0">
+              <a:latin typeface="Courier New" panose="02070309020205020404" pitchFamily="49" charset="0"/>
+              <a:cs typeface="Courier New" panose="02070309020205020404" pitchFamily="49" charset="0"/>
+            </a:endParaRPr>
+          </a:p>
+          <a:p>
+            <a:r>
+              <a:rPr lang="en-US" sz="1800" b="1" dirty="0" err="1">
+                <a:latin typeface="Courier New" panose="02070309020205020404" pitchFamily="49" charset="0"/>
+                <a:cs typeface="Courier New" panose="02070309020205020404" pitchFamily="49" charset="0"/>
+              </a:rPr>
+              <a:t>Huster</a:t>
+            </a:r>
+            <a:r>
+              <a:rPr lang="en-US" sz="1800" b="1" dirty="0">
+                <a:latin typeface="Courier New" panose="02070309020205020404" pitchFamily="49" charset="0"/>
+                <a:cs typeface="Courier New" panose="02070309020205020404" pitchFamily="49" charset="0"/>
+              </a:rPr>
+              <a:t> W.J. and Brookmeyer, R. and Self. S. (1989) </a:t>
+            </a:r>
+            <a:r>
+              <a:rPr lang="en-US" sz="1800" b="1" dirty="0" err="1">
+                <a:latin typeface="Courier New" panose="02070309020205020404" pitchFamily="49" charset="0"/>
+                <a:cs typeface="Courier New" panose="02070309020205020404" pitchFamily="49" charset="0"/>
+              </a:rPr>
+              <a:t>MOdelling</a:t>
+            </a:r>
+            <a:r>
+              <a:rPr lang="en-US" sz="1800" b="1" dirty="0">
+                <a:latin typeface="Courier New" panose="02070309020205020404" pitchFamily="49" charset="0"/>
+                <a:cs typeface="Courier New" panose="02070309020205020404" pitchFamily="49" charset="0"/>
+              </a:rPr>
+              <a:t> paired survival data with covariates, Biometrics 45, 145-56.</a:t>
+            </a:r>
+          </a:p>
+        </p:txBody>
+      </p:sp>
+      <p:sp>
+        <p:nvSpPr>
+          <p:cNvPr id="4" name="Footer Placeholder 3"/>
+          <p:cNvSpPr>
+            <a:spLocks noGrp="1"/>
+          </p:cNvSpPr>
+          <p:nvPr>
+            <p:ph type="ftr" sz="quarter" idx="10"/>
+          </p:nvPr>
+        </p:nvSpPr>
+        <p:spPr/>
+        <p:txBody>
+          <a:bodyPr/>
+          <a:lstStyle/>
+          <a:p>
+            <a:pPr>
+              <a:defRPr/>
+            </a:pPr>
+            <a:r>
+              <a:rPr lang="en-US" altLang="en-US" dirty="0"/>
+              <a:t>©2018 Steve Simon    http://TheAnalysisFactor.com</a:t>
+            </a:r>
+          </a:p>
+        </p:txBody>
+      </p:sp>
+      <p:sp>
+        <p:nvSpPr>
+          <p:cNvPr id="5" name="Slide Number Placeholder 4"/>
+          <p:cNvSpPr>
+            <a:spLocks noGrp="1"/>
+          </p:cNvSpPr>
+          <p:nvPr>
+            <p:ph type="sldNum" sz="quarter" idx="11"/>
+          </p:nvPr>
+        </p:nvSpPr>
+        <p:spPr/>
+        <p:txBody>
+          <a:bodyPr/>
+          <a:lstStyle/>
+          <a:p>
+            <a:pPr>
+              <a:defRPr/>
+            </a:pPr>
+            <a:endParaRPr lang="en-US"/>
+          </a:p>
+          <a:p>
+            <a:pPr>
+              <a:defRPr/>
+            </a:pPr>
+            <a:fld id="{E9A8CBA3-AA2B-46A6-BFA3-DCEBEAAB3F0A}" type="slidenum">
+              <a:rPr lang="en-US" smtClean="0"/>
+              <a:pPr>
+                <a:defRPr/>
+              </a:pPr>
+              <a:t>15</a:t>
+            </a:fld>
+            <a:endParaRPr lang="en-US"/>
+          </a:p>
+        </p:txBody>
+      </p:sp>
+      <p:sp>
+        <p:nvSpPr>
+          <p:cNvPr id="6" name="Text Placeholder 5"/>
+          <p:cNvSpPr>
+            <a:spLocks noGrp="1"/>
+          </p:cNvSpPr>
+          <p:nvPr>
+            <p:ph type="body" sz="quarter" idx="12"/>
+          </p:nvPr>
+        </p:nvSpPr>
+        <p:spPr/>
+        <p:txBody>
+          <a:bodyPr/>
+          <a:lstStyle/>
+          <a:p>
+            <a:r>
+              <a:rPr lang="en-US" b="1" dirty="0">
+                <a:latin typeface="Courier New" panose="02070309020205020404" pitchFamily="49" charset="0"/>
+                <a:cs typeface="Courier New" panose="02070309020205020404" pitchFamily="49" charset="0"/>
+              </a:rPr>
+              <a:t>Description</a:t>
+            </a:r>
+            <a:endParaRPr lang="en-US" dirty="0"/>
+          </a:p>
+        </p:txBody>
+      </p:sp>
+    </p:spTree>
+    <p:extLst>
+      <p:ext uri="{BB962C8B-B14F-4D97-AF65-F5344CB8AC3E}">
+        <p14:creationId xmlns:p14="http://schemas.microsoft.com/office/powerpoint/2010/main" val="3095013022"/>
+      </p:ext>
+    </p:extLst>
+  </p:cSld>
+  <p:clrMapOvr>
+    <a:masterClrMapping/>
+  </p:clrMapOvr>
+</p:sld>
+</file>
+
+<file path=ppt/slides/slide16.xml><?xml version="1.0" encoding="utf-8"?>
+<p:sld xmlns:a="http://schemas.openxmlformats.org/drawingml/2006/main" xmlns:r="http://schemas.openxmlformats.org/officeDocument/2006/relationships" xmlns:p="http://schemas.openxmlformats.org/presentationml/2006/main">
+  <p:cSld>
+    <p:spTree>
+      <p:nvGrpSpPr>
+        <p:cNvPr id="1" name=""/>
+        <p:cNvGrpSpPr/>
+        <p:nvPr/>
+      </p:nvGrpSpPr>
+      <p:grpSpPr>
+        <a:xfrm>
+          <a:off x="0" y="0"/>
+          <a:ext cx="0" cy="0"/>
+          <a:chOff x="0" y="0"/>
+          <a:chExt cx="0" cy="0"/>
+        </a:xfrm>
+      </p:grpSpPr>
+      <p:sp>
+        <p:nvSpPr>
+          <p:cNvPr id="2" name="Title 1"/>
+          <p:cNvSpPr>
+            <a:spLocks noGrp="1"/>
+          </p:cNvSpPr>
+          <p:nvPr>
+            <p:ph type="title"/>
+          </p:nvPr>
+        </p:nvSpPr>
+        <p:spPr/>
+        <p:txBody>
+          <a:bodyPr/>
+          <a:lstStyle/>
+          <a:p>
+            <a:r>
+              <a:rPr lang="en-US" dirty="0"/>
+              <a:t>Diabetes data set</a:t>
+            </a:r>
+          </a:p>
+        </p:txBody>
+      </p:sp>
+      <p:sp>
+        <p:nvSpPr>
+          <p:cNvPr id="3" name="Text Placeholder 2"/>
+          <p:cNvSpPr>
+            <a:spLocks noGrp="1"/>
+          </p:cNvSpPr>
+          <p:nvPr>
+            <p:ph type="body" idx="1"/>
+          </p:nvPr>
+        </p:nvSpPr>
+        <p:spPr/>
+        <p:txBody>
+          <a:bodyPr/>
+          <a:lstStyle/>
+          <a:p>
+            <a:pPr marL="285750" indent="-285750">
+              <a:buFont typeface="Arial" panose="020B0604020202020204" pitchFamily="34" charset="0"/>
+              <a:buChar char="•"/>
+            </a:pPr>
+            <a:r>
+              <a:rPr lang="en-US" sz="1800" b="1" dirty="0">
+                <a:latin typeface="Courier New" panose="02070309020205020404" pitchFamily="49" charset="0"/>
+                <a:cs typeface="Courier New" panose="02070309020205020404" pitchFamily="49" charset="0"/>
+              </a:rPr>
+              <a:t>id: a numeric vector. Patient code.</a:t>
+            </a:r>
+          </a:p>
+          <a:p>
+            <a:pPr marL="285750" indent="-285750">
+              <a:buFont typeface="Arial" panose="020B0604020202020204" pitchFamily="34" charset="0"/>
+              <a:buChar char="•"/>
+            </a:pPr>
+            <a:r>
+              <a:rPr lang="en-US" sz="1800" b="1" dirty="0" err="1">
+                <a:latin typeface="Courier New" panose="02070309020205020404" pitchFamily="49" charset="0"/>
+                <a:cs typeface="Courier New" panose="02070309020205020404" pitchFamily="49" charset="0"/>
+              </a:rPr>
+              <a:t>agedx</a:t>
+            </a:r>
+            <a:r>
+              <a:rPr lang="en-US" sz="1800" b="1" dirty="0">
+                <a:latin typeface="Courier New" panose="02070309020205020404" pitchFamily="49" charset="0"/>
+                <a:cs typeface="Courier New" panose="02070309020205020404" pitchFamily="49" charset="0"/>
+              </a:rPr>
+              <a:t>: a numeric vector. Age of patient at diagnosis.</a:t>
+            </a:r>
+          </a:p>
+          <a:p>
+            <a:pPr marL="285750" indent="-285750">
+              <a:buFont typeface="Arial" panose="020B0604020202020204" pitchFamily="34" charset="0"/>
+              <a:buChar char="•"/>
+            </a:pPr>
+            <a:r>
+              <a:rPr lang="en-US" sz="1800" b="1" dirty="0">
+                <a:latin typeface="Courier New" panose="02070309020205020404" pitchFamily="49" charset="0"/>
+                <a:cs typeface="Courier New" panose="02070309020205020404" pitchFamily="49" charset="0"/>
+              </a:rPr>
+              <a:t>time: a numeric vector. Survival time: time to blindness or censoring.</a:t>
+            </a:r>
+          </a:p>
+          <a:p>
+            <a:pPr marL="285750" indent="-285750">
+              <a:buFont typeface="Arial" panose="020B0604020202020204" pitchFamily="34" charset="0"/>
+              <a:buChar char="•"/>
+            </a:pPr>
+            <a:r>
+              <a:rPr lang="en-US" sz="1800" b="1" dirty="0">
+                <a:latin typeface="Courier New" panose="02070309020205020404" pitchFamily="49" charset="0"/>
+                <a:cs typeface="Courier New" panose="02070309020205020404" pitchFamily="49" charset="0"/>
+              </a:rPr>
+              <a:t>status: a numeric vector code. Survival status. 1: blindness, 0: censored.</a:t>
+            </a:r>
+          </a:p>
+          <a:p>
+            <a:pPr marL="285750" indent="-285750">
+              <a:buFont typeface="Arial" panose="020B0604020202020204" pitchFamily="34" charset="0"/>
+              <a:buChar char="•"/>
+            </a:pPr>
+            <a:r>
+              <a:rPr lang="en-US" sz="1800" b="1" dirty="0" err="1">
+                <a:latin typeface="Courier New" panose="02070309020205020404" pitchFamily="49" charset="0"/>
+                <a:cs typeface="Courier New" panose="02070309020205020404" pitchFamily="49" charset="0"/>
+              </a:rPr>
+              <a:t>trteye</a:t>
+            </a:r>
+            <a:r>
+              <a:rPr lang="en-US" sz="1800" b="1" dirty="0">
+                <a:latin typeface="Courier New" panose="02070309020205020404" pitchFamily="49" charset="0"/>
+                <a:cs typeface="Courier New" panose="02070309020205020404" pitchFamily="49" charset="0"/>
+              </a:rPr>
+              <a:t>: a numeric vector code. Random eye selected for treatment. 1: left eye 2: right eye.</a:t>
+            </a:r>
+          </a:p>
+          <a:p>
+            <a:pPr marL="285750" indent="-285750">
+              <a:buFont typeface="Arial" panose="020B0604020202020204" pitchFamily="34" charset="0"/>
+              <a:buChar char="•"/>
+            </a:pPr>
+            <a:r>
+              <a:rPr lang="en-US" sz="1800" b="1" dirty="0">
+                <a:latin typeface="Courier New" panose="02070309020205020404" pitchFamily="49" charset="0"/>
+                <a:cs typeface="Courier New" panose="02070309020205020404" pitchFamily="49" charset="0"/>
+              </a:rPr>
+              <a:t>treat: a numeric vector. 1: treatment 0: untreated.</a:t>
+            </a:r>
+          </a:p>
+          <a:p>
+            <a:pPr marL="285750" indent="-285750">
+              <a:buFont typeface="Arial" panose="020B0604020202020204" pitchFamily="34" charset="0"/>
+              <a:buChar char="•"/>
+            </a:pPr>
+            <a:r>
+              <a:rPr lang="en-US" sz="1800" b="1" dirty="0">
+                <a:latin typeface="Courier New" panose="02070309020205020404" pitchFamily="49" charset="0"/>
+                <a:cs typeface="Courier New" panose="02070309020205020404" pitchFamily="49" charset="0"/>
+              </a:rPr>
+              <a:t>adult: a numeric vector code. 1: younger than 20, 2: older than 20.</a:t>
+            </a:r>
+          </a:p>
+        </p:txBody>
+      </p:sp>
+      <p:sp>
+        <p:nvSpPr>
+          <p:cNvPr id="4" name="Footer Placeholder 3"/>
+          <p:cNvSpPr>
+            <a:spLocks noGrp="1"/>
+          </p:cNvSpPr>
+          <p:nvPr>
+            <p:ph type="ftr" sz="quarter" idx="10"/>
+          </p:nvPr>
+        </p:nvSpPr>
+        <p:spPr/>
+        <p:txBody>
+          <a:bodyPr/>
+          <a:lstStyle/>
+          <a:p>
+            <a:pPr>
+              <a:defRPr/>
+            </a:pPr>
+            <a:r>
+              <a:rPr lang="en-US" altLang="en-US" dirty="0"/>
+              <a:t>©2018 Steve Simon    http://TheAnalysisFactor.com</a:t>
+            </a:r>
+          </a:p>
+        </p:txBody>
+      </p:sp>
+      <p:sp>
+        <p:nvSpPr>
+          <p:cNvPr id="5" name="Slide Number Placeholder 4"/>
+          <p:cNvSpPr>
+            <a:spLocks noGrp="1"/>
+          </p:cNvSpPr>
+          <p:nvPr>
+            <p:ph type="sldNum" sz="quarter" idx="11"/>
+          </p:nvPr>
+        </p:nvSpPr>
+        <p:spPr/>
+        <p:txBody>
+          <a:bodyPr/>
+          <a:lstStyle/>
+          <a:p>
+            <a:pPr>
+              <a:defRPr/>
+            </a:pPr>
+            <a:endParaRPr lang="en-US"/>
+          </a:p>
+          <a:p>
+            <a:pPr>
+              <a:defRPr/>
+            </a:pPr>
+            <a:fld id="{E9A8CBA3-AA2B-46A6-BFA3-DCEBEAAB3F0A}" type="slidenum">
+              <a:rPr lang="en-US" smtClean="0"/>
+              <a:pPr>
+                <a:defRPr/>
+              </a:pPr>
+              <a:t>16</a:t>
+            </a:fld>
+            <a:endParaRPr lang="en-US"/>
+          </a:p>
+        </p:txBody>
+      </p:sp>
+      <p:sp>
+        <p:nvSpPr>
+          <p:cNvPr id="6" name="Text Placeholder 5"/>
+          <p:cNvSpPr>
+            <a:spLocks noGrp="1"/>
+          </p:cNvSpPr>
+          <p:nvPr>
+            <p:ph type="body" sz="quarter" idx="12"/>
+          </p:nvPr>
+        </p:nvSpPr>
+        <p:spPr/>
+        <p:txBody>
+          <a:bodyPr/>
+          <a:lstStyle/>
+          <a:p>
+            <a:r>
+              <a:rPr lang="en-US" b="1" dirty="0">
+                <a:latin typeface="Courier New" panose="02070309020205020404" pitchFamily="49" charset="0"/>
+                <a:cs typeface="Courier New" panose="02070309020205020404" pitchFamily="49" charset="0"/>
+              </a:rPr>
+              <a:t>394 observations and 7 variables.</a:t>
+            </a:r>
+            <a:endParaRPr lang="en-US" dirty="0"/>
+          </a:p>
+        </p:txBody>
+      </p:sp>
+    </p:spTree>
+    <p:extLst>
+      <p:ext uri="{BB962C8B-B14F-4D97-AF65-F5344CB8AC3E}">
+        <p14:creationId xmlns:p14="http://schemas.microsoft.com/office/powerpoint/2010/main" val="2239621086"/>
+      </p:ext>
+    </p:extLst>
+  </p:cSld>
+  <p:clrMapOvr>
+    <a:masterClrMapping/>
+  </p:clrMapOvr>
+</p:sld>
+</file>
+
+<file path=ppt/slides/slide17.xml><?xml version="1.0" encoding="utf-8"?>
+<p:sld xmlns:a="http://schemas.openxmlformats.org/drawingml/2006/main" xmlns:r="http://schemas.openxmlformats.org/officeDocument/2006/relationships" xmlns:p="http://schemas.openxmlformats.org/presentationml/2006/main">
+  <p:cSld>
+    <p:spTree>
+      <p:nvGrpSpPr>
+        <p:cNvPr id="1" name=""/>
+        <p:cNvGrpSpPr/>
+        <p:nvPr/>
+      </p:nvGrpSpPr>
+      <p:grpSpPr>
+        <a:xfrm>
+          <a:off x="0" y="0"/>
+          <a:ext cx="0" cy="0"/>
+          <a:chOff x="0" y="0"/>
+          <a:chExt cx="0" cy="0"/>
+        </a:xfrm>
+      </p:grpSpPr>
+      <p:sp>
+        <p:nvSpPr>
+          <p:cNvPr id="2" name="Title 1"/>
+          <p:cNvSpPr>
+            <a:spLocks noGrp="1"/>
+          </p:cNvSpPr>
+          <p:nvPr>
+            <p:ph type="title"/>
+          </p:nvPr>
+        </p:nvSpPr>
+        <p:spPr/>
+        <p:txBody>
+          <a:bodyPr/>
+          <a:lstStyle/>
+          <a:p>
+            <a:r>
+              <a:rPr lang="en-US" dirty="0"/>
+              <a:t>Kidney data set</a:t>
+            </a:r>
+          </a:p>
+        </p:txBody>
+      </p:sp>
+      <p:sp>
+        <p:nvSpPr>
+          <p:cNvPr id="3" name="Text Placeholder 2"/>
+          <p:cNvSpPr>
+            <a:spLocks noGrp="1"/>
+          </p:cNvSpPr>
+          <p:nvPr>
+            <p:ph type="body" idx="1"/>
+          </p:nvPr>
+        </p:nvSpPr>
+        <p:spPr/>
+        <p:txBody>
+          <a:bodyPr/>
+          <a:lstStyle/>
+          <a:p>
+            <a:r>
+              <a:rPr lang="en-US" sz="1800" b="1" dirty="0">
+                <a:latin typeface="Courier New" panose="02070309020205020404" pitchFamily="49" charset="0"/>
+                <a:cs typeface="Courier New" panose="02070309020205020404" pitchFamily="49" charset="0"/>
+              </a:rPr>
+              <a:t>Data on the recurrence times to infection, at the point of insertion of the catheter, for kidney patients using portable dialysis equipment. Catheters may be removed for reasons other than infection, in which case the observation is censored. Each patient has exactly 2 observations.</a:t>
+            </a:r>
+          </a:p>
+          <a:p>
+            <a:endParaRPr lang="en-US" sz="1800" b="1" dirty="0">
+              <a:latin typeface="Courier New" panose="02070309020205020404" pitchFamily="49" charset="0"/>
+              <a:cs typeface="Courier New" panose="02070309020205020404" pitchFamily="49" charset="0"/>
+            </a:endParaRPr>
+          </a:p>
+          <a:p>
+            <a:r>
+              <a:rPr lang="en-US" sz="1800" b="1" dirty="0">
+                <a:latin typeface="Courier New" panose="02070309020205020404" pitchFamily="49" charset="0"/>
+                <a:cs typeface="Courier New" panose="02070309020205020404" pitchFamily="49" charset="0"/>
+              </a:rPr>
+              <a:t>CA </a:t>
+            </a:r>
+            <a:r>
+              <a:rPr lang="en-US" sz="1800" b="1" dirty="0" err="1">
+                <a:latin typeface="Courier New" panose="02070309020205020404" pitchFamily="49" charset="0"/>
+                <a:cs typeface="Courier New" panose="02070309020205020404" pitchFamily="49" charset="0"/>
+              </a:rPr>
+              <a:t>McGilchrist</a:t>
+            </a:r>
+            <a:r>
+              <a:rPr lang="en-US" sz="1800" b="1" dirty="0">
+                <a:latin typeface="Courier New" panose="02070309020205020404" pitchFamily="49" charset="0"/>
+                <a:cs typeface="Courier New" panose="02070309020205020404" pitchFamily="49" charset="0"/>
+              </a:rPr>
+              <a:t>, CW </a:t>
+            </a:r>
+            <a:r>
+              <a:rPr lang="en-US" sz="1800" b="1" dirty="0" err="1">
+                <a:latin typeface="Courier New" panose="02070309020205020404" pitchFamily="49" charset="0"/>
+                <a:cs typeface="Courier New" panose="02070309020205020404" pitchFamily="49" charset="0"/>
+              </a:rPr>
+              <a:t>Aisbett</a:t>
+            </a:r>
+            <a:r>
+              <a:rPr lang="en-US" sz="1800" b="1" dirty="0">
+                <a:latin typeface="Courier New" panose="02070309020205020404" pitchFamily="49" charset="0"/>
+                <a:cs typeface="Courier New" panose="02070309020205020404" pitchFamily="49" charset="0"/>
+              </a:rPr>
+              <a:t> (1991), Regression with frailty in survival analysis. Biometrics 47, 461–66.</a:t>
+            </a:r>
+          </a:p>
+        </p:txBody>
+      </p:sp>
+      <p:sp>
+        <p:nvSpPr>
+          <p:cNvPr id="4" name="Footer Placeholder 3"/>
+          <p:cNvSpPr>
+            <a:spLocks noGrp="1"/>
+          </p:cNvSpPr>
+          <p:nvPr>
+            <p:ph type="ftr" sz="quarter" idx="10"/>
+          </p:nvPr>
+        </p:nvSpPr>
+        <p:spPr/>
+        <p:txBody>
+          <a:bodyPr/>
+          <a:lstStyle/>
+          <a:p>
+            <a:pPr>
+              <a:defRPr/>
+            </a:pPr>
+            <a:r>
+              <a:rPr lang="en-US" altLang="en-US" dirty="0"/>
+              <a:t>©2018 Steve Simon    http://TheAnalysisFactor.com</a:t>
+            </a:r>
+          </a:p>
+        </p:txBody>
+      </p:sp>
+      <p:sp>
+        <p:nvSpPr>
+          <p:cNvPr id="5" name="Slide Number Placeholder 4"/>
+          <p:cNvSpPr>
+            <a:spLocks noGrp="1"/>
+          </p:cNvSpPr>
+          <p:nvPr>
+            <p:ph type="sldNum" sz="quarter" idx="11"/>
+          </p:nvPr>
+        </p:nvSpPr>
+        <p:spPr/>
+        <p:txBody>
+          <a:bodyPr/>
+          <a:lstStyle/>
+          <a:p>
+            <a:pPr>
+              <a:defRPr/>
+            </a:pPr>
+            <a:endParaRPr lang="en-US"/>
+          </a:p>
+          <a:p>
+            <a:pPr>
+              <a:defRPr/>
+            </a:pPr>
+            <a:fld id="{E9A8CBA3-AA2B-46A6-BFA3-DCEBEAAB3F0A}" type="slidenum">
+              <a:rPr lang="en-US" smtClean="0"/>
+              <a:pPr>
+                <a:defRPr/>
+              </a:pPr>
+              <a:t>17</a:t>
+            </a:fld>
+            <a:endParaRPr lang="en-US"/>
+          </a:p>
+        </p:txBody>
+      </p:sp>
+      <p:sp>
+        <p:nvSpPr>
+          <p:cNvPr id="6" name="Text Placeholder 5"/>
+          <p:cNvSpPr>
+            <a:spLocks noGrp="1"/>
+          </p:cNvSpPr>
+          <p:nvPr>
+            <p:ph type="body" sz="quarter" idx="12"/>
+          </p:nvPr>
+        </p:nvSpPr>
+        <p:spPr/>
+        <p:txBody>
+          <a:bodyPr/>
+          <a:lstStyle/>
+          <a:p>
+            <a:r>
+              <a:rPr lang="en-US" b="1" dirty="0">
+                <a:latin typeface="Courier New" panose="02070309020205020404" pitchFamily="49" charset="0"/>
+                <a:cs typeface="Courier New" panose="02070309020205020404" pitchFamily="49" charset="0"/>
+              </a:rPr>
+              <a:t>Description</a:t>
+            </a:r>
+            <a:endParaRPr lang="en-US" dirty="0"/>
+          </a:p>
+        </p:txBody>
+      </p:sp>
+    </p:spTree>
+    <p:extLst>
+      <p:ext uri="{BB962C8B-B14F-4D97-AF65-F5344CB8AC3E}">
+        <p14:creationId xmlns:p14="http://schemas.microsoft.com/office/powerpoint/2010/main" val="3305200947"/>
+      </p:ext>
+    </p:extLst>
+  </p:cSld>
+  <p:clrMapOvr>
+    <a:masterClrMapping/>
+  </p:clrMapOvr>
+</p:sld>
+</file>
+
+<file path=ppt/slides/slide18.xml><?xml version="1.0" encoding="utf-8"?>
+<p:sld xmlns:a="http://schemas.openxmlformats.org/drawingml/2006/main" xmlns:r="http://schemas.openxmlformats.org/officeDocument/2006/relationships" xmlns:p="http://schemas.openxmlformats.org/presentationml/2006/main">
+  <p:cSld>
+    <p:spTree>
+      <p:nvGrpSpPr>
+        <p:cNvPr id="1" name=""/>
+        <p:cNvGrpSpPr/>
+        <p:nvPr/>
+      </p:nvGrpSpPr>
+      <p:grpSpPr>
+        <a:xfrm>
+          <a:off x="0" y="0"/>
+          <a:ext cx="0" cy="0"/>
+          <a:chOff x="0" y="0"/>
+          <a:chExt cx="0" cy="0"/>
+        </a:xfrm>
+      </p:grpSpPr>
+      <p:sp>
+        <p:nvSpPr>
+          <p:cNvPr id="2" name="Title 1"/>
+          <p:cNvSpPr>
+            <a:spLocks noGrp="1"/>
+          </p:cNvSpPr>
+          <p:nvPr>
+            <p:ph type="title"/>
+          </p:nvPr>
+        </p:nvSpPr>
+        <p:spPr/>
+        <p:txBody>
+          <a:bodyPr/>
+          <a:lstStyle/>
+          <a:p>
+            <a:r>
+              <a:rPr lang="en-US" dirty="0"/>
+              <a:t>Kidney data set</a:t>
+            </a:r>
+          </a:p>
+        </p:txBody>
+      </p:sp>
+      <p:sp>
+        <p:nvSpPr>
+          <p:cNvPr id="3" name="Text Placeholder 2"/>
+          <p:cNvSpPr>
+            <a:spLocks noGrp="1"/>
+          </p:cNvSpPr>
+          <p:nvPr>
+            <p:ph type="body" idx="1"/>
+          </p:nvPr>
+        </p:nvSpPr>
+        <p:spPr/>
+        <p:txBody>
+          <a:bodyPr/>
+          <a:lstStyle/>
+          <a:p>
+            <a:pPr marL="285750" indent="-285750">
+              <a:buFont typeface="Arial" panose="020B0604020202020204" pitchFamily="34" charset="0"/>
+              <a:buChar char="•"/>
+            </a:pPr>
+            <a:r>
+              <a:rPr lang="en-US" sz="1800" b="1" dirty="0">
+                <a:latin typeface="Courier New" panose="02070309020205020404" pitchFamily="49" charset="0"/>
+                <a:cs typeface="Courier New" panose="02070309020205020404" pitchFamily="49" charset="0"/>
+              </a:rPr>
+              <a:t>patient: id</a:t>
+            </a:r>
+          </a:p>
+          <a:p>
+            <a:pPr marL="285750" indent="-285750">
+              <a:buFont typeface="Arial" panose="020B0604020202020204" pitchFamily="34" charset="0"/>
+              <a:buChar char="•"/>
+            </a:pPr>
+            <a:r>
+              <a:rPr lang="en-US" sz="1800" b="1" dirty="0">
+                <a:latin typeface="Courier New" panose="02070309020205020404" pitchFamily="49" charset="0"/>
+                <a:cs typeface="Courier New" panose="02070309020205020404" pitchFamily="49" charset="0"/>
+              </a:rPr>
+              <a:t>time: time</a:t>
+            </a:r>
+          </a:p>
+          <a:p>
+            <a:pPr marL="285750" indent="-285750">
+              <a:buFont typeface="Arial" panose="020B0604020202020204" pitchFamily="34" charset="0"/>
+              <a:buChar char="•"/>
+            </a:pPr>
+            <a:r>
+              <a:rPr lang="en-US" sz="1800" b="1" dirty="0">
+                <a:latin typeface="Courier New" panose="02070309020205020404" pitchFamily="49" charset="0"/>
+                <a:cs typeface="Courier New" panose="02070309020205020404" pitchFamily="49" charset="0"/>
+              </a:rPr>
+              <a:t>status: event status</a:t>
+            </a:r>
+          </a:p>
+          <a:p>
+            <a:pPr marL="285750" indent="-285750">
+              <a:buFont typeface="Arial" panose="020B0604020202020204" pitchFamily="34" charset="0"/>
+              <a:buChar char="•"/>
+            </a:pPr>
+            <a:r>
+              <a:rPr lang="en-US" sz="1800" b="1" dirty="0">
+                <a:latin typeface="Courier New" panose="02070309020205020404" pitchFamily="49" charset="0"/>
+                <a:cs typeface="Courier New" panose="02070309020205020404" pitchFamily="49" charset="0"/>
+              </a:rPr>
+              <a:t>age: in years</a:t>
+            </a:r>
+          </a:p>
+          <a:p>
+            <a:pPr marL="285750" indent="-285750">
+              <a:buFont typeface="Arial" panose="020B0604020202020204" pitchFamily="34" charset="0"/>
+              <a:buChar char="•"/>
+            </a:pPr>
+            <a:r>
+              <a:rPr lang="en-US" sz="1800" b="1" dirty="0">
+                <a:latin typeface="Courier New" panose="02070309020205020404" pitchFamily="49" charset="0"/>
+                <a:cs typeface="Courier New" panose="02070309020205020404" pitchFamily="49" charset="0"/>
+              </a:rPr>
+              <a:t>sex: 1=male, 2=female</a:t>
+            </a:r>
+          </a:p>
+          <a:p>
+            <a:pPr marL="285750" indent="-285750">
+              <a:buFont typeface="Arial" panose="020B0604020202020204" pitchFamily="34" charset="0"/>
+              <a:buChar char="•"/>
+            </a:pPr>
+            <a:r>
+              <a:rPr lang="en-US" sz="1800" b="1" dirty="0">
+                <a:latin typeface="Courier New" panose="02070309020205020404" pitchFamily="49" charset="0"/>
+                <a:cs typeface="Courier New" panose="02070309020205020404" pitchFamily="49" charset="0"/>
+              </a:rPr>
+              <a:t>disease: disease type (0=GN, 1=AN, 2=PKD, 3=Other)</a:t>
+            </a:r>
+          </a:p>
+          <a:p>
+            <a:pPr marL="285750" indent="-285750">
+              <a:buFont typeface="Arial" panose="020B0604020202020204" pitchFamily="34" charset="0"/>
+              <a:buChar char="•"/>
+            </a:pPr>
+            <a:r>
+              <a:rPr lang="en-US" sz="1800" b="1" dirty="0">
+                <a:latin typeface="Courier New" panose="02070309020205020404" pitchFamily="49" charset="0"/>
+                <a:cs typeface="Courier New" panose="02070309020205020404" pitchFamily="49" charset="0"/>
+              </a:rPr>
+              <a:t>frail: frailty estimate from original paper</a:t>
+            </a:r>
+          </a:p>
+        </p:txBody>
+      </p:sp>
+      <p:sp>
+        <p:nvSpPr>
+          <p:cNvPr id="4" name="Footer Placeholder 3"/>
+          <p:cNvSpPr>
+            <a:spLocks noGrp="1"/>
+          </p:cNvSpPr>
+          <p:nvPr>
+            <p:ph type="ftr" sz="quarter" idx="10"/>
+          </p:nvPr>
+        </p:nvSpPr>
+        <p:spPr/>
+        <p:txBody>
+          <a:bodyPr/>
+          <a:lstStyle/>
+          <a:p>
+            <a:pPr>
+              <a:defRPr/>
+            </a:pPr>
+            <a:r>
+              <a:rPr lang="en-US" altLang="en-US" dirty="0"/>
+              <a:t>©2018 Steve Simon    http://TheAnalysisFactor.com</a:t>
+            </a:r>
+          </a:p>
+        </p:txBody>
+      </p:sp>
+      <p:sp>
+        <p:nvSpPr>
+          <p:cNvPr id="5" name="Slide Number Placeholder 4"/>
+          <p:cNvSpPr>
+            <a:spLocks noGrp="1"/>
+          </p:cNvSpPr>
+          <p:nvPr>
+            <p:ph type="sldNum" sz="quarter" idx="11"/>
+          </p:nvPr>
+        </p:nvSpPr>
+        <p:spPr/>
+        <p:txBody>
+          <a:bodyPr/>
+          <a:lstStyle/>
+          <a:p>
+            <a:pPr>
+              <a:defRPr/>
+            </a:pPr>
+            <a:endParaRPr lang="en-US"/>
+          </a:p>
+          <a:p>
+            <a:pPr>
+              <a:defRPr/>
+            </a:pPr>
+            <a:fld id="{E9A8CBA3-AA2B-46A6-BFA3-DCEBEAAB3F0A}" type="slidenum">
+              <a:rPr lang="en-US" smtClean="0"/>
+              <a:pPr>
+                <a:defRPr/>
+              </a:pPr>
+              <a:t>18</a:t>
+            </a:fld>
+            <a:endParaRPr lang="en-US"/>
+          </a:p>
+        </p:txBody>
+      </p:sp>
+      <p:sp>
+        <p:nvSpPr>
+          <p:cNvPr id="6" name="Text Placeholder 5"/>
+          <p:cNvSpPr>
+            <a:spLocks noGrp="1"/>
+          </p:cNvSpPr>
+          <p:nvPr>
+            <p:ph type="body" sz="quarter" idx="12"/>
+          </p:nvPr>
+        </p:nvSpPr>
+        <p:spPr/>
+        <p:txBody>
+          <a:bodyPr/>
+          <a:lstStyle/>
+          <a:p>
+            <a:r>
+              <a:rPr lang="en-US" b="1" dirty="0">
+                <a:latin typeface="Courier New" panose="02070309020205020404" pitchFamily="49" charset="0"/>
+                <a:cs typeface="Courier New" panose="02070309020205020404" pitchFamily="49" charset="0"/>
+              </a:rPr>
+              <a:t>76 observations and 7 variables.</a:t>
+            </a:r>
+            <a:endParaRPr lang="en-US" dirty="0"/>
+          </a:p>
+        </p:txBody>
+      </p:sp>
+    </p:spTree>
+    <p:extLst>
+      <p:ext uri="{BB962C8B-B14F-4D97-AF65-F5344CB8AC3E}">
+        <p14:creationId xmlns:p14="http://schemas.microsoft.com/office/powerpoint/2010/main" val="3330262570"/>
+      </p:ext>
+    </p:extLst>
+  </p:cSld>
+  <p:clrMapOvr>
+    <a:masterClrMapping/>
+  </p:clrMapOvr>
+</p:sld>
+</file>
+
+<file path=ppt/slides/slide19.xml><?xml version="1.0" encoding="utf-8"?>
+<p:sld xmlns:a="http://schemas.openxmlformats.org/drawingml/2006/main" xmlns:r="http://schemas.openxmlformats.org/officeDocument/2006/relationships" xmlns:p="http://schemas.openxmlformats.org/presentationml/2006/main">
+  <p:cSld>
+    <p:spTree>
+      <p:nvGrpSpPr>
+        <p:cNvPr id="1" name=""/>
+        <p:cNvGrpSpPr/>
+        <p:nvPr/>
+      </p:nvGrpSpPr>
+      <p:grpSpPr>
+        <a:xfrm>
+          <a:off x="0" y="0"/>
+          <a:ext cx="0" cy="0"/>
+          <a:chOff x="0" y="0"/>
+          <a:chExt cx="0" cy="0"/>
+        </a:xfrm>
+      </p:grpSpPr>
+      <p:sp>
+        <p:nvSpPr>
+          <p:cNvPr id="2" name="Title 1"/>
+          <p:cNvSpPr>
+            <a:spLocks noGrp="1"/>
+          </p:cNvSpPr>
+          <p:nvPr>
+            <p:ph type="title"/>
+          </p:nvPr>
+        </p:nvSpPr>
+        <p:spPr/>
+        <p:txBody>
+          <a:bodyPr/>
+          <a:lstStyle/>
+          <a:p>
+            <a:r>
+              <a:rPr lang="en-US" dirty="0"/>
+              <a:t>Kidney data set</a:t>
+            </a:r>
+          </a:p>
+        </p:txBody>
+      </p:sp>
+      <p:sp>
+        <p:nvSpPr>
+          <p:cNvPr id="3" name="Text Placeholder 2"/>
+          <p:cNvSpPr>
+            <a:spLocks noGrp="1"/>
+          </p:cNvSpPr>
+          <p:nvPr>
+            <p:ph type="body" idx="1"/>
+          </p:nvPr>
+        </p:nvSpPr>
+        <p:spPr/>
+        <p:txBody>
+          <a:bodyPr/>
+          <a:lstStyle/>
+          <a:p>
+            <a:r>
+              <a:rPr lang="en-US" sz="1800" b="1" dirty="0">
+                <a:latin typeface="Courier New" panose="02070309020205020404" pitchFamily="49" charset="0"/>
+                <a:cs typeface="Courier New" panose="02070309020205020404" pitchFamily="49" charset="0"/>
+              </a:rPr>
+              <a:t>  id time status age sex disease frail</a:t>
+            </a:r>
+          </a:p>
+          <a:p>
+            <a:r>
+              <a:rPr lang="en-US" sz="1800" b="1" dirty="0">
+                <a:latin typeface="Courier New" panose="02070309020205020404" pitchFamily="49" charset="0"/>
+                <a:cs typeface="Courier New" panose="02070309020205020404" pitchFamily="49" charset="0"/>
+              </a:rPr>
+              <a:t>1  1    8      1  28   1   Other   2.3</a:t>
+            </a:r>
+          </a:p>
+          <a:p>
+            <a:r>
+              <a:rPr lang="en-US" sz="1800" b="1" dirty="0">
+                <a:latin typeface="Courier New" panose="02070309020205020404" pitchFamily="49" charset="0"/>
+                <a:cs typeface="Courier New" panose="02070309020205020404" pitchFamily="49" charset="0"/>
+              </a:rPr>
+              <a:t>2  1   16      1  28   1   Other   2.3</a:t>
+            </a:r>
+          </a:p>
+          <a:p>
+            <a:r>
+              <a:rPr lang="en-US" sz="1800" b="1" dirty="0">
+                <a:latin typeface="Courier New" panose="02070309020205020404" pitchFamily="49" charset="0"/>
+                <a:cs typeface="Courier New" panose="02070309020205020404" pitchFamily="49" charset="0"/>
+              </a:rPr>
+              <a:t>3  2   23      1  48   2      GN   1.9</a:t>
+            </a:r>
+          </a:p>
+          <a:p>
+            <a:r>
+              <a:rPr lang="en-US" sz="1800" b="1" dirty="0">
+                <a:latin typeface="Courier New" panose="02070309020205020404" pitchFamily="49" charset="0"/>
+                <a:cs typeface="Courier New" panose="02070309020205020404" pitchFamily="49" charset="0"/>
+              </a:rPr>
+              <a:t>4  2   13      0  48   2      GN   1.9</a:t>
+            </a:r>
+          </a:p>
+          <a:p>
+            <a:r>
+              <a:rPr lang="en-US" sz="1800" b="1" dirty="0">
+                <a:latin typeface="Courier New" panose="02070309020205020404" pitchFamily="49" charset="0"/>
+                <a:cs typeface="Courier New" panose="02070309020205020404" pitchFamily="49" charset="0"/>
+              </a:rPr>
+              <a:t>5  3   22      1  32   1   Other   1.2</a:t>
+            </a:r>
+          </a:p>
+          <a:p>
+            <a:r>
+              <a:rPr lang="en-US" sz="1800" b="1" dirty="0">
+                <a:latin typeface="Courier New" panose="02070309020205020404" pitchFamily="49" charset="0"/>
+                <a:cs typeface="Courier New" panose="02070309020205020404" pitchFamily="49" charset="0"/>
+              </a:rPr>
+              <a:t>6  3   28      1  32   1   Other   1.2</a:t>
+            </a:r>
+          </a:p>
+        </p:txBody>
+      </p:sp>
+      <p:sp>
+        <p:nvSpPr>
+          <p:cNvPr id="4" name="Footer Placeholder 3"/>
+          <p:cNvSpPr>
+            <a:spLocks noGrp="1"/>
+          </p:cNvSpPr>
+          <p:nvPr>
+            <p:ph type="ftr" sz="quarter" idx="10"/>
+          </p:nvPr>
+        </p:nvSpPr>
+        <p:spPr/>
+        <p:txBody>
+          <a:bodyPr/>
+          <a:lstStyle/>
+          <a:p>
+            <a:pPr>
+              <a:defRPr/>
+            </a:pPr>
+            <a:r>
+              <a:rPr lang="en-US" altLang="en-US" dirty="0"/>
+              <a:t>©2018 Steve Simon    http://TheAnalysisFactor.com</a:t>
+            </a:r>
+          </a:p>
+        </p:txBody>
+      </p:sp>
+      <p:sp>
+        <p:nvSpPr>
+          <p:cNvPr id="5" name="Slide Number Placeholder 4"/>
+          <p:cNvSpPr>
+            <a:spLocks noGrp="1"/>
+          </p:cNvSpPr>
+          <p:nvPr>
+            <p:ph type="sldNum" sz="quarter" idx="11"/>
+          </p:nvPr>
+        </p:nvSpPr>
+        <p:spPr/>
+        <p:txBody>
+          <a:bodyPr/>
+          <a:lstStyle/>
+          <a:p>
+            <a:pPr>
+              <a:defRPr/>
+            </a:pPr>
+            <a:endParaRPr lang="en-US"/>
+          </a:p>
+          <a:p>
+            <a:pPr>
+              <a:defRPr/>
+            </a:pPr>
+            <a:fld id="{E9A8CBA3-AA2B-46A6-BFA3-DCEBEAAB3F0A}" type="slidenum">
+              <a:rPr lang="en-US" smtClean="0"/>
+              <a:pPr>
+                <a:defRPr/>
+              </a:pPr>
+              <a:t>19</a:t>
+            </a:fld>
+            <a:endParaRPr lang="en-US"/>
+          </a:p>
+        </p:txBody>
+      </p:sp>
+      <p:sp>
+        <p:nvSpPr>
+          <p:cNvPr id="6" name="Text Placeholder 5"/>
+          <p:cNvSpPr>
+            <a:spLocks noGrp="1"/>
+          </p:cNvSpPr>
+          <p:nvPr>
+            <p:ph type="body" sz="quarter" idx="12"/>
+          </p:nvPr>
+        </p:nvSpPr>
+        <p:spPr/>
+        <p:txBody>
+          <a:bodyPr/>
+          <a:lstStyle/>
+          <a:p>
+            <a:r>
+              <a:rPr lang="en-US" b="1" dirty="0">
+                <a:latin typeface="Courier New" panose="02070309020205020404" pitchFamily="49" charset="0"/>
+                <a:cs typeface="Courier New" panose="02070309020205020404" pitchFamily="49" charset="0"/>
+              </a:rPr>
+              <a:t>First six rows.</a:t>
+            </a:r>
+            <a:endParaRPr lang="en-US" dirty="0"/>
+          </a:p>
+        </p:txBody>
+      </p:sp>
+    </p:spTree>
+    <p:extLst>
+      <p:ext uri="{BB962C8B-B14F-4D97-AF65-F5344CB8AC3E}">
+        <p14:creationId xmlns:p14="http://schemas.microsoft.com/office/powerpoint/2010/main" val="1604538166"/>
+      </p:ext>
+    </p:extLst>
+  </p:cSld>
+  <p:clrMapOvr>
+    <a:masterClrMapping/>
+  </p:clrMapOvr>
+</p:sld>
+</file>
+
+<file path=ppt/slides/slide2.xml><?xml version="1.0" encoding="utf-8"?>
+<p:sld xmlns:a="http://schemas.openxmlformats.org/drawingml/2006/main" xmlns:r="http://schemas.openxmlformats.org/officeDocument/2006/relationships" xmlns:p="http://schemas.openxmlformats.org/presentationml/2006/main">
+  <p:cSld>
+    <p:spTree>
+      <p:nvGrpSpPr>
+        <p:cNvPr id="1" name=""/>
+        <p:cNvGrpSpPr/>
+        <p:nvPr/>
+      </p:nvGrpSpPr>
+      <p:grpSpPr>
+        <a:xfrm>
+          <a:off x="0" y="0"/>
+          <a:ext cx="0" cy="0"/>
+          <a:chOff x="0" y="0"/>
+          <a:chExt cx="0" cy="0"/>
+        </a:xfrm>
+      </p:grpSpPr>
+      <p:sp>
+        <p:nvSpPr>
+          <p:cNvPr id="2" name="Title 1"/>
+          <p:cNvSpPr>
+            <a:spLocks noGrp="1"/>
+          </p:cNvSpPr>
+          <p:nvPr>
+            <p:ph type="title"/>
+          </p:nvPr>
+        </p:nvSpPr>
+        <p:spPr/>
+        <p:txBody>
+          <a:bodyPr/>
+          <a:lstStyle/>
+          <a:p>
+            <a:r>
+              <a:rPr lang="en-US" dirty="0"/>
+              <a:t>Abstract</a:t>
+            </a:r>
+          </a:p>
+        </p:txBody>
+      </p:sp>
+      <p:sp>
+        <p:nvSpPr>
+          <p:cNvPr id="3" name="Text Placeholder 2"/>
+          <p:cNvSpPr>
+            <a:spLocks noGrp="1"/>
+          </p:cNvSpPr>
+          <p:nvPr>
+            <p:ph type="body" idx="1"/>
+          </p:nvPr>
+        </p:nvSpPr>
+        <p:spPr/>
+        <p:txBody>
+          <a:bodyPr/>
+          <a:lstStyle/>
+          <a:p>
+            <a:r>
+              <a:rPr lang="en-US" dirty="0"/>
+              <a:t>Lecture 7. Frailty models. You can incorporate multiple events per patient and account for center effects using frailty models, the survival data analysis equivalent to mixed models in linear regression. You’ll see how to define random effects and how to fit and interpret these models.</a:t>
+            </a:r>
+          </a:p>
+        </p:txBody>
+      </p:sp>
+      <p:sp>
+        <p:nvSpPr>
+          <p:cNvPr id="4" name="Footer Placeholder 3"/>
+          <p:cNvSpPr>
+            <a:spLocks noGrp="1"/>
+          </p:cNvSpPr>
+          <p:nvPr>
+            <p:ph type="ftr" sz="quarter" idx="10"/>
+          </p:nvPr>
+        </p:nvSpPr>
+        <p:spPr/>
+        <p:txBody>
+          <a:bodyPr/>
+          <a:lstStyle/>
+          <a:p>
+            <a:pPr>
+              <a:defRPr/>
+            </a:pPr>
+            <a:r>
+              <a:rPr lang="en-US" altLang="en-US" dirty="0"/>
+              <a:t>©2018 Steve Simon    http://TheAnalysisFactor.com</a:t>
+            </a:r>
+          </a:p>
+        </p:txBody>
+      </p:sp>
+      <p:sp>
+        <p:nvSpPr>
+          <p:cNvPr id="5" name="Slide Number Placeholder 4"/>
+          <p:cNvSpPr>
+            <a:spLocks noGrp="1"/>
+          </p:cNvSpPr>
+          <p:nvPr>
+            <p:ph type="sldNum" sz="quarter" idx="11"/>
+          </p:nvPr>
+        </p:nvSpPr>
+        <p:spPr/>
+        <p:txBody>
+          <a:bodyPr/>
+          <a:lstStyle/>
+          <a:p>
+            <a:pPr>
+              <a:defRPr/>
+            </a:pPr>
+            <a:endParaRPr lang="en-US"/>
+          </a:p>
+          <a:p>
+            <a:pPr>
+              <a:defRPr/>
+            </a:pPr>
+            <a:fld id="{E9A8CBA3-AA2B-46A6-BFA3-DCEBEAAB3F0A}" type="slidenum">
+              <a:rPr lang="en-US" smtClean="0"/>
+              <a:pPr>
+                <a:defRPr/>
+              </a:pPr>
+              <a:t>2</a:t>
+            </a:fld>
+            <a:endParaRPr lang="en-US"/>
+          </a:p>
+        </p:txBody>
+      </p:sp>
+      <p:sp>
+        <p:nvSpPr>
+          <p:cNvPr id="6" name="Text Placeholder 5"/>
+          <p:cNvSpPr>
+            <a:spLocks noGrp="1"/>
+          </p:cNvSpPr>
+          <p:nvPr>
+            <p:ph type="body" sz="quarter" idx="12"/>
+          </p:nvPr>
+        </p:nvSpPr>
+        <p:spPr/>
+        <p:txBody>
+          <a:bodyPr/>
+          <a:lstStyle/>
+          <a:p>
+            <a:r>
+              <a:rPr lang="en-US" dirty="0"/>
+              <a:t>Lecture 7.</a:t>
+            </a:r>
+          </a:p>
+        </p:txBody>
+      </p:sp>
+    </p:spTree>
+    <p:extLst>
+      <p:ext uri="{BB962C8B-B14F-4D97-AF65-F5344CB8AC3E}">
+        <p14:creationId xmlns:p14="http://schemas.microsoft.com/office/powerpoint/2010/main" val="3091858404"/>
+      </p:ext>
+    </p:extLst>
+  </p:cSld>
+  <p:clrMapOvr>
+    <a:masterClrMapping/>
+  </p:clrMapOvr>
+</p:sld>
+</file>
+
+<file path=ppt/slides/slide20.xml><?xml version="1.0" encoding="utf-8"?>
+<p:sld xmlns:a="http://schemas.openxmlformats.org/drawingml/2006/main" xmlns:r="http://schemas.openxmlformats.org/officeDocument/2006/relationships" xmlns:p="http://schemas.openxmlformats.org/presentationml/2006/main">
+  <p:cSld>
+    <p:spTree>
+      <p:nvGrpSpPr>
+        <p:cNvPr id="1" name=""/>
+        <p:cNvGrpSpPr/>
+        <p:nvPr/>
+      </p:nvGrpSpPr>
+      <p:grpSpPr>
+        <a:xfrm>
+          <a:off x="0" y="0"/>
+          <a:ext cx="0" cy="0"/>
+          <a:chOff x="0" y="0"/>
+          <a:chExt cx="0" cy="0"/>
+        </a:xfrm>
+      </p:grpSpPr>
+      <p:sp>
+        <p:nvSpPr>
+          <p:cNvPr id="2" name="Title 1"/>
+          <p:cNvSpPr>
+            <a:spLocks noGrp="1"/>
+          </p:cNvSpPr>
+          <p:nvPr>
+            <p:ph type="title"/>
+          </p:nvPr>
+        </p:nvSpPr>
+        <p:spPr/>
+        <p:txBody>
+          <a:bodyPr/>
+          <a:lstStyle/>
+          <a:p>
+            <a:r>
+              <a:rPr lang="en-US" dirty="0"/>
+              <a:t>Kidney data set</a:t>
+            </a:r>
+          </a:p>
+        </p:txBody>
+      </p:sp>
+      <p:sp>
+        <p:nvSpPr>
+          <p:cNvPr id="3" name="Text Placeholder 2"/>
+          <p:cNvSpPr>
+            <a:spLocks noGrp="1"/>
+          </p:cNvSpPr>
+          <p:nvPr>
+            <p:ph type="body" idx="1"/>
+          </p:nvPr>
+        </p:nvSpPr>
+        <p:spPr/>
+        <p:txBody>
+          <a:bodyPr/>
+          <a:lstStyle/>
+          <a:p>
+            <a:r>
+              <a:rPr lang="en-US" sz="1800" b="1" dirty="0">
+                <a:latin typeface="Courier New" panose="02070309020205020404" pitchFamily="49" charset="0"/>
+                <a:cs typeface="Courier New" panose="02070309020205020404" pitchFamily="49" charset="0"/>
+              </a:rPr>
+              <a:t>status  0  1 </a:t>
+            </a:r>
+          </a:p>
+          <a:p>
+            <a:r>
+              <a:rPr lang="en-US" sz="1800" b="1" dirty="0">
+                <a:latin typeface="Courier New" panose="02070309020205020404" pitchFamily="49" charset="0"/>
+                <a:cs typeface="Courier New" panose="02070309020205020404" pitchFamily="49" charset="0"/>
+              </a:rPr>
+              <a:t>       18 58</a:t>
+            </a:r>
+          </a:p>
+          <a:p>
+            <a:endParaRPr lang="en-US" sz="1800" b="1" dirty="0">
+              <a:latin typeface="Courier New" panose="02070309020205020404" pitchFamily="49" charset="0"/>
+              <a:cs typeface="Courier New" panose="02070309020205020404" pitchFamily="49" charset="0"/>
+            </a:endParaRPr>
+          </a:p>
+          <a:p>
+            <a:r>
+              <a:rPr lang="en-US" sz="1800" b="1" dirty="0">
+                <a:latin typeface="Courier New" panose="02070309020205020404" pitchFamily="49" charset="0"/>
+                <a:cs typeface="Courier New" panose="02070309020205020404" pitchFamily="49" charset="0"/>
+              </a:rPr>
+              <a:t>sex     1  2 </a:t>
+            </a:r>
+          </a:p>
+          <a:p>
+            <a:r>
+              <a:rPr lang="en-US" sz="1800" b="1" dirty="0">
+                <a:latin typeface="Courier New" panose="02070309020205020404" pitchFamily="49" charset="0"/>
+                <a:cs typeface="Courier New" panose="02070309020205020404" pitchFamily="49" charset="0"/>
+              </a:rPr>
+              <a:t>       20 56</a:t>
+            </a:r>
+          </a:p>
+          <a:p>
+            <a:endParaRPr lang="en-US" sz="1800" b="1" dirty="0">
+              <a:latin typeface="Courier New" panose="02070309020205020404" pitchFamily="49" charset="0"/>
+              <a:cs typeface="Courier New" panose="02070309020205020404" pitchFamily="49" charset="0"/>
+            </a:endParaRPr>
+          </a:p>
+          <a:p>
+            <a:r>
+              <a:rPr lang="en-US" sz="1800" b="1" dirty="0">
+                <a:latin typeface="Courier New" panose="02070309020205020404" pitchFamily="49" charset="0"/>
+                <a:cs typeface="Courier New" panose="02070309020205020404" pitchFamily="49" charset="0"/>
+              </a:rPr>
+              <a:t>disease Other    GN    AN   PKD </a:t>
+            </a:r>
+          </a:p>
+          <a:p>
+            <a:r>
+              <a:rPr lang="en-US" sz="1800" b="1" dirty="0">
+                <a:latin typeface="Courier New" panose="02070309020205020404" pitchFamily="49" charset="0"/>
+                <a:cs typeface="Courier New" panose="02070309020205020404" pitchFamily="49" charset="0"/>
+              </a:rPr>
+              <a:t>           26    18    24     8</a:t>
+            </a:r>
+          </a:p>
+        </p:txBody>
+      </p:sp>
+      <p:sp>
+        <p:nvSpPr>
+          <p:cNvPr id="4" name="Footer Placeholder 3"/>
+          <p:cNvSpPr>
+            <a:spLocks noGrp="1"/>
+          </p:cNvSpPr>
+          <p:nvPr>
+            <p:ph type="ftr" sz="quarter" idx="10"/>
+          </p:nvPr>
+        </p:nvSpPr>
+        <p:spPr/>
+        <p:txBody>
+          <a:bodyPr/>
+          <a:lstStyle/>
+          <a:p>
+            <a:pPr>
+              <a:defRPr/>
+            </a:pPr>
+            <a:r>
+              <a:rPr lang="en-US" altLang="en-US" dirty="0"/>
+              <a:t>©2018 Steve Simon    http://TheAnalysisFactor.com</a:t>
+            </a:r>
+          </a:p>
+        </p:txBody>
+      </p:sp>
+      <p:sp>
+        <p:nvSpPr>
+          <p:cNvPr id="5" name="Slide Number Placeholder 4"/>
+          <p:cNvSpPr>
+            <a:spLocks noGrp="1"/>
+          </p:cNvSpPr>
+          <p:nvPr>
+            <p:ph type="sldNum" sz="quarter" idx="11"/>
+          </p:nvPr>
+        </p:nvSpPr>
+        <p:spPr/>
+        <p:txBody>
+          <a:bodyPr/>
+          <a:lstStyle/>
+          <a:p>
+            <a:pPr>
+              <a:defRPr/>
+            </a:pPr>
+            <a:endParaRPr lang="en-US"/>
+          </a:p>
+          <a:p>
+            <a:pPr>
+              <a:defRPr/>
+            </a:pPr>
+            <a:fld id="{E9A8CBA3-AA2B-46A6-BFA3-DCEBEAAB3F0A}" type="slidenum">
+              <a:rPr lang="en-US" smtClean="0"/>
+              <a:pPr>
+                <a:defRPr/>
+              </a:pPr>
+              <a:t>20</a:t>
+            </a:fld>
+            <a:endParaRPr lang="en-US"/>
+          </a:p>
+        </p:txBody>
+      </p:sp>
+      <p:sp>
+        <p:nvSpPr>
+          <p:cNvPr id="6" name="Text Placeholder 5"/>
+          <p:cNvSpPr>
+            <a:spLocks noGrp="1"/>
+          </p:cNvSpPr>
+          <p:nvPr>
+            <p:ph type="body" sz="quarter" idx="12"/>
+          </p:nvPr>
+        </p:nvSpPr>
+        <p:spPr/>
+        <p:txBody>
+          <a:bodyPr/>
+          <a:lstStyle/>
+          <a:p>
+            <a:r>
+              <a:rPr lang="en-US" b="1" dirty="0">
+                <a:latin typeface="Courier New" panose="02070309020205020404" pitchFamily="49" charset="0"/>
+                <a:cs typeface="Courier New" panose="02070309020205020404" pitchFamily="49" charset="0"/>
+              </a:rPr>
+              <a:t>Descriptive statistics.</a:t>
+            </a:r>
+            <a:endParaRPr lang="en-US" dirty="0"/>
+          </a:p>
+        </p:txBody>
+      </p:sp>
+    </p:spTree>
+    <p:extLst>
+      <p:ext uri="{BB962C8B-B14F-4D97-AF65-F5344CB8AC3E}">
+        <p14:creationId xmlns:p14="http://schemas.microsoft.com/office/powerpoint/2010/main" val="3160245932"/>
+      </p:ext>
+    </p:extLst>
+  </p:cSld>
+  <p:clrMapOvr>
+    <a:masterClrMapping/>
+  </p:clrMapOvr>
+</p:sld>
+</file>
+
+<file path=ppt/slides/slide21.xml><?xml version="1.0" encoding="utf-8"?>
+<p:sld xmlns:a="http://schemas.openxmlformats.org/drawingml/2006/main" xmlns:r="http://schemas.openxmlformats.org/officeDocument/2006/relationships" xmlns:p="http://schemas.openxmlformats.org/presentationml/2006/main">
+  <p:cSld>
+    <p:spTree>
+      <p:nvGrpSpPr>
+        <p:cNvPr id="1" name=""/>
+        <p:cNvGrpSpPr/>
+        <p:nvPr/>
+      </p:nvGrpSpPr>
+      <p:grpSpPr>
+        <a:xfrm>
+          <a:off x="0" y="0"/>
+          <a:ext cx="0" cy="0"/>
+          <a:chOff x="0" y="0"/>
+          <a:chExt cx="0" cy="0"/>
+        </a:xfrm>
+      </p:grpSpPr>
+      <p:sp>
+        <p:nvSpPr>
+          <p:cNvPr id="2" name="Title 1"/>
+          <p:cNvSpPr>
+            <a:spLocks noGrp="1"/>
+          </p:cNvSpPr>
+          <p:nvPr>
+            <p:ph type="title"/>
+          </p:nvPr>
+        </p:nvSpPr>
+        <p:spPr/>
+        <p:txBody>
+          <a:bodyPr/>
+          <a:lstStyle/>
+          <a:p>
+            <a:r>
+              <a:rPr lang="en-US" dirty="0"/>
+              <a:t>Kidney data set</a:t>
+            </a:r>
+          </a:p>
+        </p:txBody>
+      </p:sp>
+      <p:sp>
+        <p:nvSpPr>
+          <p:cNvPr id="3" name="Text Placeholder 2"/>
+          <p:cNvSpPr>
+            <a:spLocks noGrp="1"/>
+          </p:cNvSpPr>
+          <p:nvPr>
+            <p:ph type="body" idx="1"/>
+          </p:nvPr>
+        </p:nvSpPr>
+        <p:spPr/>
+        <p:txBody>
+          <a:bodyPr/>
+          <a:lstStyle/>
+          <a:p>
+            <a:r>
+              <a:rPr lang="en-US" sz="1800" b="1" dirty="0">
+                <a:latin typeface="Courier New" panose="02070309020205020404" pitchFamily="49" charset="0"/>
+                <a:cs typeface="Courier New" panose="02070309020205020404" pitchFamily="49" charset="0"/>
+              </a:rPr>
+              <a:t>time   Min. 1st Qu.  Median    Mean 3rd Qu.    Max. </a:t>
+            </a:r>
+          </a:p>
+          <a:p>
+            <a:r>
+              <a:rPr lang="en-US" sz="1800" b="1" dirty="0">
+                <a:latin typeface="Courier New" panose="02070309020205020404" pitchFamily="49" charset="0"/>
+                <a:cs typeface="Courier New" panose="02070309020205020404" pitchFamily="49" charset="0"/>
+              </a:rPr>
+              <a:t>        2.0    16.0    39.5   101.6   149.8   562.0</a:t>
+            </a:r>
+          </a:p>
+          <a:p>
+            <a:endParaRPr lang="en-US" sz="1800" b="1" dirty="0">
+              <a:latin typeface="Courier New" panose="02070309020205020404" pitchFamily="49" charset="0"/>
+              <a:cs typeface="Courier New" panose="02070309020205020404" pitchFamily="49" charset="0"/>
+            </a:endParaRPr>
+          </a:p>
+          <a:p>
+            <a:r>
+              <a:rPr lang="en-US" sz="1800" b="1" dirty="0">
+                <a:latin typeface="Courier New" panose="02070309020205020404" pitchFamily="49" charset="0"/>
+                <a:cs typeface="Courier New" panose="02070309020205020404" pitchFamily="49" charset="0"/>
+              </a:rPr>
+              <a:t>age    Min. 1st Qu.  Median    Mean 3rd Qu.    Max. </a:t>
+            </a:r>
+          </a:p>
+          <a:p>
+            <a:r>
+              <a:rPr lang="en-US" sz="1800" b="1" dirty="0">
+                <a:latin typeface="Courier New" panose="02070309020205020404" pitchFamily="49" charset="0"/>
+                <a:cs typeface="Courier New" panose="02070309020205020404" pitchFamily="49" charset="0"/>
+              </a:rPr>
+              <a:t>       10.0    34.0    45.5    43.7    54.0    69.0</a:t>
+            </a:r>
+          </a:p>
+          <a:p>
+            <a:endParaRPr lang="en-US" sz="1800" b="1" dirty="0">
+              <a:latin typeface="Courier New" panose="02070309020205020404" pitchFamily="49" charset="0"/>
+              <a:cs typeface="Courier New" panose="02070309020205020404" pitchFamily="49" charset="0"/>
+            </a:endParaRPr>
+          </a:p>
+          <a:p>
+            <a:r>
+              <a:rPr lang="en-US" sz="1800" b="1" dirty="0">
+                <a:latin typeface="Courier New" panose="02070309020205020404" pitchFamily="49" charset="0"/>
+                <a:cs typeface="Courier New" panose="02070309020205020404" pitchFamily="49" charset="0"/>
+              </a:rPr>
+              <a:t>frail  Min. 1st Qu.  Median    Mean 3rd Qu.    Max. </a:t>
+            </a:r>
+          </a:p>
+          <a:p>
+            <a:r>
+              <a:rPr lang="en-US" sz="1800" b="1" dirty="0">
+                <a:latin typeface="Courier New" panose="02070309020205020404" pitchFamily="49" charset="0"/>
+                <a:cs typeface="Courier New" panose="02070309020205020404" pitchFamily="49" charset="0"/>
+              </a:rPr>
+              <a:t>      0.200   0.600   1.100   1.184   1.500   3.000</a:t>
+            </a:r>
+          </a:p>
+          <a:p>
+            <a:endParaRPr lang="en-US" sz="1800" b="1" dirty="0">
+              <a:latin typeface="Courier New" panose="02070309020205020404" pitchFamily="49" charset="0"/>
+              <a:cs typeface="Courier New" panose="02070309020205020404" pitchFamily="49" charset="0"/>
+            </a:endParaRPr>
+          </a:p>
+          <a:p>
+            <a:endParaRPr lang="en-US" sz="1800" b="1" dirty="0">
+              <a:latin typeface="Courier New" panose="02070309020205020404" pitchFamily="49" charset="0"/>
+              <a:cs typeface="Courier New" panose="02070309020205020404" pitchFamily="49" charset="0"/>
+            </a:endParaRPr>
+          </a:p>
+          <a:p>
+            <a:endParaRPr lang="en-US" sz="1800" b="1" dirty="0">
+              <a:latin typeface="Courier New" panose="02070309020205020404" pitchFamily="49" charset="0"/>
+              <a:cs typeface="Courier New" panose="02070309020205020404" pitchFamily="49" charset="0"/>
+            </a:endParaRPr>
+          </a:p>
+          <a:p>
+            <a:endParaRPr lang="en-US" sz="1800" b="1" dirty="0">
+              <a:latin typeface="Courier New" panose="02070309020205020404" pitchFamily="49" charset="0"/>
+              <a:cs typeface="Courier New" panose="02070309020205020404" pitchFamily="49" charset="0"/>
+            </a:endParaRPr>
+          </a:p>
+          <a:p>
+            <a:endParaRPr lang="en-US" sz="1800" b="1" dirty="0">
+              <a:latin typeface="Courier New" panose="02070309020205020404" pitchFamily="49" charset="0"/>
+              <a:cs typeface="Courier New" panose="02070309020205020404" pitchFamily="49" charset="0"/>
+            </a:endParaRPr>
+          </a:p>
+          <a:p>
+            <a:endParaRPr lang="en-US" sz="1800" b="1" dirty="0">
+              <a:latin typeface="Courier New" panose="02070309020205020404" pitchFamily="49" charset="0"/>
+              <a:cs typeface="Courier New" panose="02070309020205020404" pitchFamily="49" charset="0"/>
+            </a:endParaRPr>
+          </a:p>
+          <a:p>
+            <a:endParaRPr lang="en-US" sz="1800" b="1" dirty="0">
+              <a:latin typeface="Courier New" panose="02070309020205020404" pitchFamily="49" charset="0"/>
+              <a:cs typeface="Courier New" panose="02070309020205020404" pitchFamily="49" charset="0"/>
+            </a:endParaRPr>
+          </a:p>
+          <a:p>
+            <a:endParaRPr lang="en-US" sz="1800" b="1" dirty="0">
+              <a:latin typeface="Courier New" panose="02070309020205020404" pitchFamily="49" charset="0"/>
+              <a:cs typeface="Courier New" panose="02070309020205020404" pitchFamily="49" charset="0"/>
+            </a:endParaRPr>
+          </a:p>
+          <a:p>
+            <a:endParaRPr lang="en-US" sz="1800" b="1" dirty="0">
+              <a:latin typeface="Courier New" panose="02070309020205020404" pitchFamily="49" charset="0"/>
+              <a:cs typeface="Courier New" panose="02070309020205020404" pitchFamily="49" charset="0"/>
+            </a:endParaRPr>
+          </a:p>
+          <a:p>
+            <a:endParaRPr lang="en-US" sz="1800" b="1" dirty="0">
+              <a:latin typeface="Courier New" panose="02070309020205020404" pitchFamily="49" charset="0"/>
+              <a:cs typeface="Courier New" panose="02070309020205020404" pitchFamily="49" charset="0"/>
+            </a:endParaRPr>
+          </a:p>
+          <a:p>
+            <a:endParaRPr lang="en-US" sz="1800" b="1" dirty="0">
+              <a:latin typeface="Courier New" panose="02070309020205020404" pitchFamily="49" charset="0"/>
+              <a:cs typeface="Courier New" panose="02070309020205020404" pitchFamily="49" charset="0"/>
+            </a:endParaRPr>
+          </a:p>
+          <a:p>
+            <a:endParaRPr lang="en-US" sz="1800" b="1" dirty="0">
+              <a:latin typeface="Courier New" panose="02070309020205020404" pitchFamily="49" charset="0"/>
+              <a:cs typeface="Courier New" panose="02070309020205020404" pitchFamily="49" charset="0"/>
+            </a:endParaRPr>
+          </a:p>
+          <a:p>
+            <a:endParaRPr lang="en-US" sz="1800" b="1" dirty="0">
+              <a:latin typeface="Courier New" panose="02070309020205020404" pitchFamily="49" charset="0"/>
+              <a:cs typeface="Courier New" panose="02070309020205020404" pitchFamily="49" charset="0"/>
+            </a:endParaRPr>
+          </a:p>
+          <a:p>
+            <a:endParaRPr lang="en-US" sz="1800" b="1" dirty="0">
+              <a:latin typeface="Courier New" panose="02070309020205020404" pitchFamily="49" charset="0"/>
+              <a:cs typeface="Courier New" panose="02070309020205020404" pitchFamily="49" charset="0"/>
+            </a:endParaRPr>
+          </a:p>
+          <a:p>
+            <a:endParaRPr lang="en-US" sz="1800" b="1" dirty="0">
+              <a:latin typeface="Courier New" panose="02070309020205020404" pitchFamily="49" charset="0"/>
+              <a:cs typeface="Courier New" panose="02070309020205020404" pitchFamily="49" charset="0"/>
+            </a:endParaRPr>
+          </a:p>
+          <a:p>
+            <a:endParaRPr lang="en-US" sz="1800" b="1" dirty="0">
+              <a:latin typeface="Courier New" panose="02070309020205020404" pitchFamily="49" charset="0"/>
+              <a:cs typeface="Courier New" panose="02070309020205020404" pitchFamily="49" charset="0"/>
+            </a:endParaRPr>
+          </a:p>
+          <a:p>
+            <a:endParaRPr lang="en-US" sz="1800" b="1" dirty="0">
+              <a:latin typeface="Courier New" panose="02070309020205020404" pitchFamily="49" charset="0"/>
+              <a:cs typeface="Courier New" panose="02070309020205020404" pitchFamily="49" charset="0"/>
+            </a:endParaRPr>
+          </a:p>
+          <a:p>
+            <a:endParaRPr lang="en-US" sz="1800" b="1" dirty="0">
+              <a:latin typeface="Courier New" panose="02070309020205020404" pitchFamily="49" charset="0"/>
+              <a:cs typeface="Courier New" panose="02070309020205020404" pitchFamily="49" charset="0"/>
+            </a:endParaRPr>
+          </a:p>
+          <a:p>
+            <a:endParaRPr lang="en-US" sz="1800" b="1" dirty="0">
+              <a:latin typeface="Courier New" panose="02070309020205020404" pitchFamily="49" charset="0"/>
+              <a:cs typeface="Courier New" panose="02070309020205020404" pitchFamily="49" charset="0"/>
+            </a:endParaRPr>
+          </a:p>
+          <a:p>
+            <a:endParaRPr lang="en-US" sz="1800" b="1" dirty="0">
+              <a:latin typeface="Courier New" panose="02070309020205020404" pitchFamily="49" charset="0"/>
+              <a:cs typeface="Courier New" panose="02070309020205020404" pitchFamily="49" charset="0"/>
+            </a:endParaRPr>
+          </a:p>
+          <a:p>
+            <a:endParaRPr lang="en-US" sz="1800" b="1" dirty="0">
+              <a:latin typeface="Courier New" panose="02070309020205020404" pitchFamily="49" charset="0"/>
+              <a:cs typeface="Courier New" panose="02070309020205020404" pitchFamily="49" charset="0"/>
+            </a:endParaRPr>
+          </a:p>
+          <a:p>
+            <a:endParaRPr lang="en-US" sz="1800" b="1" dirty="0">
+              <a:latin typeface="Courier New" panose="02070309020205020404" pitchFamily="49" charset="0"/>
+              <a:cs typeface="Courier New" panose="02070309020205020404" pitchFamily="49" charset="0"/>
+            </a:endParaRPr>
+          </a:p>
+          <a:p>
+            <a:endParaRPr lang="en-US" sz="1800" b="1" dirty="0">
+              <a:latin typeface="Courier New" panose="02070309020205020404" pitchFamily="49" charset="0"/>
+              <a:cs typeface="Courier New" panose="02070309020205020404" pitchFamily="49" charset="0"/>
+            </a:endParaRPr>
+          </a:p>
+          <a:p>
+            <a:endParaRPr lang="en-US" sz="1800" b="1" dirty="0">
+              <a:latin typeface="Courier New" panose="02070309020205020404" pitchFamily="49" charset="0"/>
+              <a:cs typeface="Courier New" panose="02070309020205020404" pitchFamily="49" charset="0"/>
+            </a:endParaRPr>
+          </a:p>
+          <a:p>
+            <a:endParaRPr lang="en-US" sz="1800" b="1" dirty="0">
+              <a:latin typeface="Courier New" panose="02070309020205020404" pitchFamily="49" charset="0"/>
+              <a:cs typeface="Courier New" panose="02070309020205020404" pitchFamily="49" charset="0"/>
+            </a:endParaRPr>
+          </a:p>
+          <a:p>
+            <a:endParaRPr lang="en-US" sz="1800" b="1" dirty="0">
+              <a:latin typeface="Courier New" panose="02070309020205020404" pitchFamily="49" charset="0"/>
+              <a:cs typeface="Courier New" panose="02070309020205020404" pitchFamily="49" charset="0"/>
+            </a:endParaRPr>
+          </a:p>
+          <a:p>
+            <a:endParaRPr lang="en-US" sz="1800" b="1" dirty="0">
+              <a:latin typeface="Courier New" panose="02070309020205020404" pitchFamily="49" charset="0"/>
+              <a:cs typeface="Courier New" panose="02070309020205020404" pitchFamily="49" charset="0"/>
+            </a:endParaRPr>
+          </a:p>
+          <a:p>
+            <a:endParaRPr lang="en-US" sz="1800" b="1" dirty="0">
+              <a:latin typeface="Courier New" panose="02070309020205020404" pitchFamily="49" charset="0"/>
+              <a:cs typeface="Courier New" panose="02070309020205020404" pitchFamily="49" charset="0"/>
+            </a:endParaRPr>
+          </a:p>
+          <a:p>
+            <a:endParaRPr lang="en-US" sz="1800" b="1" dirty="0">
+              <a:latin typeface="Courier New" panose="02070309020205020404" pitchFamily="49" charset="0"/>
+              <a:cs typeface="Courier New" panose="02070309020205020404" pitchFamily="49" charset="0"/>
+            </a:endParaRPr>
+          </a:p>
+          <a:p>
+            <a:endParaRPr lang="en-US" sz="1800" b="1" dirty="0">
+              <a:latin typeface="Courier New" panose="02070309020205020404" pitchFamily="49" charset="0"/>
+              <a:cs typeface="Courier New" panose="02070309020205020404" pitchFamily="49" charset="0"/>
+            </a:endParaRPr>
+          </a:p>
+          <a:p>
+            <a:endParaRPr lang="en-US" sz="1800" b="1" dirty="0">
+              <a:latin typeface="Courier New" panose="02070309020205020404" pitchFamily="49" charset="0"/>
+              <a:cs typeface="Courier New" panose="02070309020205020404" pitchFamily="49" charset="0"/>
+            </a:endParaRPr>
+          </a:p>
+          <a:p>
+            <a:endParaRPr lang="en-US" sz="1800" b="1" dirty="0">
+              <a:latin typeface="Courier New" panose="02070309020205020404" pitchFamily="49" charset="0"/>
+              <a:cs typeface="Courier New" panose="02070309020205020404" pitchFamily="49" charset="0"/>
+            </a:endParaRPr>
+          </a:p>
+          <a:p>
+            <a:endParaRPr lang="en-US" sz="1800" b="1" dirty="0">
+              <a:latin typeface="Courier New" panose="02070309020205020404" pitchFamily="49" charset="0"/>
+              <a:cs typeface="Courier New" panose="02070309020205020404" pitchFamily="49" charset="0"/>
+            </a:endParaRPr>
+          </a:p>
+          <a:p>
+            <a:endParaRPr lang="en-US" sz="1800" b="1" dirty="0">
+              <a:latin typeface="Courier New" panose="02070309020205020404" pitchFamily="49" charset="0"/>
+              <a:cs typeface="Courier New" panose="02070309020205020404" pitchFamily="49" charset="0"/>
+            </a:endParaRPr>
+          </a:p>
+          <a:p>
+            <a:endParaRPr lang="en-US" sz="1800" b="1" dirty="0">
+              <a:latin typeface="Courier New" panose="02070309020205020404" pitchFamily="49" charset="0"/>
+              <a:cs typeface="Courier New" panose="02070309020205020404" pitchFamily="49" charset="0"/>
+            </a:endParaRPr>
+          </a:p>
+          <a:p>
+            <a:endParaRPr lang="en-US" sz="1800" b="1" dirty="0">
+              <a:latin typeface="Courier New" panose="02070309020205020404" pitchFamily="49" charset="0"/>
+              <a:cs typeface="Courier New" panose="02070309020205020404" pitchFamily="49" charset="0"/>
+            </a:endParaRPr>
+          </a:p>
+          <a:p>
+            <a:endParaRPr lang="en-US" sz="1800" b="1" dirty="0">
+              <a:latin typeface="Courier New" panose="02070309020205020404" pitchFamily="49" charset="0"/>
+              <a:cs typeface="Courier New" panose="02070309020205020404" pitchFamily="49" charset="0"/>
+            </a:endParaRPr>
+          </a:p>
+          <a:p>
+            <a:endParaRPr lang="en-US" sz="1800" b="1" dirty="0">
+              <a:latin typeface="Courier New" panose="02070309020205020404" pitchFamily="49" charset="0"/>
+              <a:cs typeface="Courier New" panose="02070309020205020404" pitchFamily="49" charset="0"/>
+            </a:endParaRPr>
+          </a:p>
+          <a:p>
+            <a:endParaRPr lang="en-US" sz="1800" b="1" dirty="0">
+              <a:latin typeface="Courier New" panose="02070309020205020404" pitchFamily="49" charset="0"/>
+              <a:cs typeface="Courier New" panose="02070309020205020404" pitchFamily="49" charset="0"/>
+            </a:endParaRPr>
+          </a:p>
+          <a:p>
+            <a:endParaRPr lang="en-US" sz="1800" b="1" dirty="0">
+              <a:latin typeface="Courier New" panose="02070309020205020404" pitchFamily="49" charset="0"/>
+              <a:cs typeface="Courier New" panose="02070309020205020404" pitchFamily="49" charset="0"/>
+            </a:endParaRPr>
+          </a:p>
+          <a:p>
+            <a:endParaRPr lang="en-US" sz="1800" b="1" dirty="0">
+              <a:latin typeface="Courier New" panose="02070309020205020404" pitchFamily="49" charset="0"/>
+              <a:cs typeface="Courier New" panose="02070309020205020404" pitchFamily="49" charset="0"/>
+            </a:endParaRPr>
+          </a:p>
+          <a:p>
+            <a:endParaRPr lang="en-US" sz="1800" b="1" dirty="0">
+              <a:latin typeface="Courier New" panose="02070309020205020404" pitchFamily="49" charset="0"/>
+              <a:cs typeface="Courier New" panose="02070309020205020404" pitchFamily="49" charset="0"/>
+            </a:endParaRPr>
+          </a:p>
+          <a:p>
+            <a:endParaRPr lang="en-US" sz="1800" b="1" dirty="0">
+              <a:latin typeface="Courier New" panose="02070309020205020404" pitchFamily="49" charset="0"/>
+              <a:cs typeface="Courier New" panose="02070309020205020404" pitchFamily="49" charset="0"/>
+            </a:endParaRPr>
+          </a:p>
+          <a:p>
+            <a:endParaRPr lang="en-US" sz="1800" b="1" dirty="0">
+              <a:latin typeface="Courier New" panose="02070309020205020404" pitchFamily="49" charset="0"/>
+              <a:cs typeface="Courier New" panose="02070309020205020404" pitchFamily="49" charset="0"/>
+            </a:endParaRPr>
+          </a:p>
+          <a:p>
+            <a:endParaRPr lang="en-US" sz="1800" b="1" dirty="0">
+              <a:latin typeface="Courier New" panose="02070309020205020404" pitchFamily="49" charset="0"/>
+              <a:cs typeface="Courier New" panose="02070309020205020404" pitchFamily="49" charset="0"/>
+            </a:endParaRPr>
+          </a:p>
+          <a:p>
+            <a:endParaRPr lang="en-US" sz="1800" b="1" dirty="0">
+              <a:latin typeface="Courier New" panose="02070309020205020404" pitchFamily="49" charset="0"/>
+              <a:cs typeface="Courier New" panose="02070309020205020404" pitchFamily="49" charset="0"/>
+            </a:endParaRPr>
+          </a:p>
+          <a:p>
+            <a:endParaRPr lang="en-US" sz="1800" b="1" dirty="0">
+              <a:latin typeface="Courier New" panose="02070309020205020404" pitchFamily="49" charset="0"/>
+              <a:cs typeface="Courier New" panose="02070309020205020404" pitchFamily="49" charset="0"/>
+            </a:endParaRPr>
+          </a:p>
+          <a:p>
+            <a:endParaRPr lang="en-US" sz="1800" b="1" dirty="0">
+              <a:latin typeface="Courier New" panose="02070309020205020404" pitchFamily="49" charset="0"/>
+              <a:cs typeface="Courier New" panose="02070309020205020404" pitchFamily="49" charset="0"/>
+            </a:endParaRPr>
+          </a:p>
+          <a:p>
+            <a:endParaRPr lang="en-US" sz="1800" b="1" dirty="0">
+              <a:latin typeface="Courier New" panose="02070309020205020404" pitchFamily="49" charset="0"/>
+              <a:cs typeface="Courier New" panose="02070309020205020404" pitchFamily="49" charset="0"/>
+            </a:endParaRPr>
+          </a:p>
+          <a:p>
+            <a:endParaRPr lang="en-US" sz="1800" b="1" dirty="0">
+              <a:latin typeface="Courier New" panose="02070309020205020404" pitchFamily="49" charset="0"/>
+              <a:cs typeface="Courier New" panose="02070309020205020404" pitchFamily="49" charset="0"/>
+            </a:endParaRPr>
+          </a:p>
+          <a:p>
+            <a:endParaRPr lang="en-US" sz="1800" b="1" dirty="0">
+              <a:latin typeface="Courier New" panose="02070309020205020404" pitchFamily="49" charset="0"/>
+              <a:cs typeface="Courier New" panose="02070309020205020404" pitchFamily="49" charset="0"/>
+            </a:endParaRPr>
+          </a:p>
+          <a:p>
+            <a:endParaRPr lang="en-US" sz="1800" b="1" dirty="0">
+              <a:latin typeface="Courier New" panose="02070309020205020404" pitchFamily="49" charset="0"/>
+              <a:cs typeface="Courier New" panose="02070309020205020404" pitchFamily="49" charset="0"/>
+            </a:endParaRPr>
+          </a:p>
+          <a:p>
+            <a:endParaRPr lang="en-US" sz="1800" b="1" dirty="0">
+              <a:latin typeface="Courier New" panose="02070309020205020404" pitchFamily="49" charset="0"/>
+              <a:cs typeface="Courier New" panose="02070309020205020404" pitchFamily="49" charset="0"/>
+            </a:endParaRPr>
+          </a:p>
+          <a:p>
+            <a:endParaRPr lang="en-US" sz="1800" b="1" dirty="0">
+              <a:latin typeface="Courier New" panose="02070309020205020404" pitchFamily="49" charset="0"/>
+              <a:cs typeface="Courier New" panose="02070309020205020404" pitchFamily="49" charset="0"/>
+            </a:endParaRPr>
+          </a:p>
+          <a:p>
+            <a:endParaRPr lang="en-US" sz="1800" b="1" dirty="0">
+              <a:latin typeface="Courier New" panose="02070309020205020404" pitchFamily="49" charset="0"/>
+              <a:cs typeface="Courier New" panose="02070309020205020404" pitchFamily="49" charset="0"/>
+            </a:endParaRPr>
+          </a:p>
+          <a:p>
+            <a:endParaRPr lang="en-US" sz="1800" b="1" dirty="0">
+              <a:latin typeface="Courier New" panose="02070309020205020404" pitchFamily="49" charset="0"/>
+              <a:cs typeface="Courier New" panose="02070309020205020404" pitchFamily="49" charset="0"/>
+            </a:endParaRPr>
+          </a:p>
+          <a:p>
+            <a:endParaRPr lang="en-US" sz="1800" b="1" dirty="0">
+              <a:latin typeface="Courier New" panose="02070309020205020404" pitchFamily="49" charset="0"/>
+              <a:cs typeface="Courier New" panose="02070309020205020404" pitchFamily="49" charset="0"/>
+            </a:endParaRPr>
+          </a:p>
+          <a:p>
+            <a:endParaRPr lang="en-US" sz="1800" b="1" dirty="0">
+              <a:latin typeface="Courier New" panose="02070309020205020404" pitchFamily="49" charset="0"/>
+              <a:cs typeface="Courier New" panose="02070309020205020404" pitchFamily="49" charset="0"/>
+            </a:endParaRPr>
+          </a:p>
+          <a:p>
+            <a:r>
+              <a:rPr lang="en-US" sz="1800" b="1" dirty="0">
+                <a:latin typeface="Courier New" panose="02070309020205020404" pitchFamily="49" charset="0"/>
+                <a:cs typeface="Courier New" panose="02070309020205020404" pitchFamily="49" charset="0"/>
+              </a:rPr>
+              <a:t>##    Min. 1st Qu.  Median    Mean 3rd Qu.    Max. </a:t>
+            </a:r>
+          </a:p>
+          <a:p>
+            <a:r>
+              <a:rPr lang="en-US" sz="1800" b="1" dirty="0">
+                <a:latin typeface="Courier New" panose="02070309020205020404" pitchFamily="49" charset="0"/>
+                <a:cs typeface="Courier New" panose="02070309020205020404" pitchFamily="49" charset="0"/>
+              </a:rPr>
+              <a:t>##   0.200   0.600   1.100   1.184   1.500   3.000</a:t>
+            </a:r>
+          </a:p>
+        </p:txBody>
+      </p:sp>
+      <p:sp>
+        <p:nvSpPr>
+          <p:cNvPr id="4" name="Footer Placeholder 3"/>
+          <p:cNvSpPr>
+            <a:spLocks noGrp="1"/>
+          </p:cNvSpPr>
+          <p:nvPr>
+            <p:ph type="ftr" sz="quarter" idx="10"/>
+          </p:nvPr>
+        </p:nvSpPr>
+        <p:spPr/>
+        <p:txBody>
+          <a:bodyPr/>
+          <a:lstStyle/>
+          <a:p>
+            <a:pPr>
+              <a:defRPr/>
+            </a:pPr>
+            <a:r>
+              <a:rPr lang="en-US" altLang="en-US" dirty="0"/>
+              <a:t>©2018 Steve Simon    http://TheAnalysisFactor.com</a:t>
+            </a:r>
+          </a:p>
+        </p:txBody>
+      </p:sp>
+      <p:sp>
+        <p:nvSpPr>
+          <p:cNvPr id="5" name="Slide Number Placeholder 4"/>
+          <p:cNvSpPr>
+            <a:spLocks noGrp="1"/>
+          </p:cNvSpPr>
+          <p:nvPr>
+            <p:ph type="sldNum" sz="quarter" idx="11"/>
+          </p:nvPr>
+        </p:nvSpPr>
+        <p:spPr/>
+        <p:txBody>
+          <a:bodyPr/>
+          <a:lstStyle/>
+          <a:p>
+            <a:pPr>
+              <a:defRPr/>
+            </a:pPr>
+            <a:endParaRPr lang="en-US"/>
+          </a:p>
+          <a:p>
+            <a:pPr>
+              <a:defRPr/>
+            </a:pPr>
+            <a:fld id="{E9A8CBA3-AA2B-46A6-BFA3-DCEBEAAB3F0A}" type="slidenum">
+              <a:rPr lang="en-US" smtClean="0"/>
+              <a:pPr>
+                <a:defRPr/>
+              </a:pPr>
+              <a:t>21</a:t>
+            </a:fld>
+            <a:endParaRPr lang="en-US"/>
+          </a:p>
+        </p:txBody>
+      </p:sp>
+      <p:sp>
+        <p:nvSpPr>
+          <p:cNvPr id="6" name="Text Placeholder 5"/>
+          <p:cNvSpPr>
+            <a:spLocks noGrp="1"/>
+          </p:cNvSpPr>
+          <p:nvPr>
+            <p:ph type="body" sz="quarter" idx="12"/>
+          </p:nvPr>
+        </p:nvSpPr>
+        <p:spPr/>
+        <p:txBody>
+          <a:bodyPr/>
+          <a:lstStyle/>
+          <a:p>
+            <a:r>
+              <a:rPr lang="en-US" b="1" dirty="0">
+                <a:latin typeface="Courier New" panose="02070309020205020404" pitchFamily="49" charset="0"/>
+                <a:cs typeface="Courier New" panose="02070309020205020404" pitchFamily="49" charset="0"/>
+              </a:rPr>
+              <a:t>Descriptive statistics.</a:t>
+            </a:r>
+            <a:endParaRPr lang="en-US" dirty="0"/>
+          </a:p>
+        </p:txBody>
+      </p:sp>
+    </p:spTree>
+    <p:extLst>
+      <p:ext uri="{BB962C8B-B14F-4D97-AF65-F5344CB8AC3E}">
+        <p14:creationId xmlns:p14="http://schemas.microsoft.com/office/powerpoint/2010/main" val="491449933"/>
+      </p:ext>
+    </p:extLst>
+  </p:cSld>
+  <p:clrMapOvr>
+    <a:masterClrMapping/>
+  </p:clrMapOvr>
+</p:sld>
+</file>
+
+<file path=ppt/slides/slide22.xml><?xml version="1.0" encoding="utf-8"?>
+<p:sld xmlns:a="http://schemas.openxmlformats.org/drawingml/2006/main" xmlns:r="http://schemas.openxmlformats.org/officeDocument/2006/relationships" xmlns:p="http://schemas.openxmlformats.org/presentationml/2006/main">
+  <p:cSld>
+    <p:spTree>
+      <p:nvGrpSpPr>
+        <p:cNvPr id="1" name=""/>
+        <p:cNvGrpSpPr/>
+        <p:nvPr/>
+      </p:nvGrpSpPr>
+      <p:grpSpPr>
+        <a:xfrm>
+          <a:off x="0" y="0"/>
+          <a:ext cx="0" cy="0"/>
+          <a:chOff x="0" y="0"/>
+          <a:chExt cx="0" cy="0"/>
+        </a:xfrm>
+      </p:grpSpPr>
+      <p:sp>
+        <p:nvSpPr>
+          <p:cNvPr id="2" name="Title 1"/>
+          <p:cNvSpPr>
+            <a:spLocks noGrp="1"/>
+          </p:cNvSpPr>
+          <p:nvPr>
+            <p:ph type="title"/>
+          </p:nvPr>
+        </p:nvSpPr>
+        <p:spPr/>
+        <p:txBody>
+          <a:bodyPr/>
+          <a:lstStyle/>
+          <a:p>
+            <a:r>
+              <a:rPr lang="en-US" dirty="0"/>
+              <a:t>Kidney data set</a:t>
+            </a:r>
+          </a:p>
+        </p:txBody>
+      </p:sp>
+      <p:sp>
+        <p:nvSpPr>
+          <p:cNvPr id="4" name="Footer Placeholder 3"/>
+          <p:cNvSpPr>
+            <a:spLocks noGrp="1"/>
+          </p:cNvSpPr>
+          <p:nvPr>
+            <p:ph type="ftr" sz="quarter" idx="10"/>
+          </p:nvPr>
+        </p:nvSpPr>
+        <p:spPr/>
+        <p:txBody>
+          <a:bodyPr/>
+          <a:lstStyle/>
+          <a:p>
+            <a:pPr>
+              <a:defRPr/>
+            </a:pPr>
+            <a:r>
+              <a:rPr lang="en-US" altLang="en-US" dirty="0"/>
+              <a:t>©2018 Steve Simon    http://TheAnalysisFactor.com</a:t>
+            </a:r>
+          </a:p>
+        </p:txBody>
+      </p:sp>
+      <p:sp>
+        <p:nvSpPr>
+          <p:cNvPr id="5" name="Slide Number Placeholder 4"/>
+          <p:cNvSpPr>
+            <a:spLocks noGrp="1"/>
+          </p:cNvSpPr>
+          <p:nvPr>
+            <p:ph type="sldNum" sz="quarter" idx="11"/>
+          </p:nvPr>
+        </p:nvSpPr>
+        <p:spPr/>
+        <p:txBody>
+          <a:bodyPr/>
+          <a:lstStyle/>
+          <a:p>
+            <a:pPr>
+              <a:defRPr/>
+            </a:pPr>
+            <a:endParaRPr lang="en-US"/>
+          </a:p>
+          <a:p>
+            <a:pPr>
+              <a:defRPr/>
+            </a:pPr>
+            <a:fld id="{E9A8CBA3-AA2B-46A6-BFA3-DCEBEAAB3F0A}" type="slidenum">
+              <a:rPr lang="en-US" smtClean="0"/>
+              <a:pPr>
+                <a:defRPr/>
+              </a:pPr>
+              <a:t>22</a:t>
+            </a:fld>
+            <a:endParaRPr lang="en-US"/>
+          </a:p>
+        </p:txBody>
+      </p:sp>
+      <p:pic>
+        <p:nvPicPr>
+          <p:cNvPr id="7" name="Picture 6">
+            <a:extLst>
+              <a:ext uri="{FF2B5EF4-FFF2-40B4-BE49-F238E27FC236}">
+                <a16:creationId xmlns:a16="http://schemas.microsoft.com/office/drawing/2014/main" id="{EED32372-9D11-45DB-A5F2-17C50E19353C}"/>
+              </a:ext>
+            </a:extLst>
+          </p:cNvPr>
+          <p:cNvPicPr>
+            <a:picLocks noChangeAspect="1"/>
+          </p:cNvPicPr>
+          <p:nvPr/>
+        </p:nvPicPr>
+        <p:blipFill>
+          <a:blip r:embed="rId2"/>
+          <a:stretch>
+            <a:fillRect/>
+          </a:stretch>
+        </p:blipFill>
+        <p:spPr>
+          <a:xfrm>
+            <a:off x="457714" y="1143285"/>
+            <a:ext cx="8228571" cy="4571429"/>
+          </a:xfrm>
+          <a:prstGeom prst="rect">
+            <a:avLst/>
+          </a:prstGeom>
+        </p:spPr>
+      </p:pic>
+    </p:spTree>
+    <p:extLst>
+      <p:ext uri="{BB962C8B-B14F-4D97-AF65-F5344CB8AC3E}">
+        <p14:creationId xmlns:p14="http://schemas.microsoft.com/office/powerpoint/2010/main" val="3277170177"/>
+      </p:ext>
+    </p:extLst>
+  </p:cSld>
+  <p:clrMapOvr>
+    <a:masterClrMapping/>
+  </p:clrMapOvr>
+</p:sld>
+</file>
+
+<file path=ppt/slides/slide23.xml><?xml version="1.0" encoding="utf-8"?>
+<p:sld xmlns:a="http://schemas.openxmlformats.org/drawingml/2006/main" xmlns:r="http://schemas.openxmlformats.org/officeDocument/2006/relationships" xmlns:p="http://schemas.openxmlformats.org/presentationml/2006/main">
+  <p:cSld>
+    <p:spTree>
+      <p:nvGrpSpPr>
+        <p:cNvPr id="1" name=""/>
+        <p:cNvGrpSpPr/>
+        <p:nvPr/>
+      </p:nvGrpSpPr>
+      <p:grpSpPr>
+        <a:xfrm>
+          <a:off x="0" y="0"/>
+          <a:ext cx="0" cy="0"/>
+          <a:chOff x="0" y="0"/>
+          <a:chExt cx="0" cy="0"/>
+        </a:xfrm>
+      </p:grpSpPr>
+      <p:sp>
+        <p:nvSpPr>
+          <p:cNvPr id="2" name="Title 1"/>
+          <p:cNvSpPr>
+            <a:spLocks noGrp="1"/>
+          </p:cNvSpPr>
+          <p:nvPr>
+            <p:ph type="title"/>
+          </p:nvPr>
+        </p:nvSpPr>
+        <p:spPr/>
+        <p:txBody>
+          <a:bodyPr/>
+          <a:lstStyle/>
+          <a:p>
+            <a:r>
+              <a:rPr lang="en-US" dirty="0"/>
+              <a:t>Cluster models</a:t>
+            </a:r>
+          </a:p>
+        </p:txBody>
+      </p:sp>
+      <p:sp>
+        <p:nvSpPr>
+          <p:cNvPr id="4" name="Footer Placeholder 3"/>
+          <p:cNvSpPr>
+            <a:spLocks noGrp="1"/>
+          </p:cNvSpPr>
+          <p:nvPr>
+            <p:ph type="ftr" sz="quarter" idx="10"/>
+          </p:nvPr>
+        </p:nvSpPr>
+        <p:spPr/>
+        <p:txBody>
+          <a:bodyPr/>
+          <a:lstStyle/>
+          <a:p>
+            <a:pPr>
+              <a:defRPr/>
+            </a:pPr>
+            <a:r>
+              <a:rPr lang="en-US" altLang="en-US" dirty="0"/>
+              <a:t>©2018 Steve Simon    http://TheAnalysisFactor.com</a:t>
+            </a:r>
+          </a:p>
+        </p:txBody>
+      </p:sp>
+      <p:sp>
+        <p:nvSpPr>
+          <p:cNvPr id="5" name="Slide Number Placeholder 4"/>
+          <p:cNvSpPr>
+            <a:spLocks noGrp="1"/>
+          </p:cNvSpPr>
+          <p:nvPr>
+            <p:ph type="sldNum" sz="quarter" idx="11"/>
+          </p:nvPr>
+        </p:nvSpPr>
+        <p:spPr/>
+        <p:txBody>
+          <a:bodyPr/>
+          <a:lstStyle/>
+          <a:p>
+            <a:pPr>
+              <a:defRPr/>
+            </a:pPr>
+            <a:endParaRPr lang="en-US"/>
+          </a:p>
+          <a:p>
+            <a:pPr>
+              <a:defRPr/>
+            </a:pPr>
+            <a:fld id="{E9A8CBA3-AA2B-46A6-BFA3-DCEBEAAB3F0A}" type="slidenum">
+              <a:rPr lang="en-US" smtClean="0"/>
+              <a:pPr>
+                <a:defRPr/>
+              </a:pPr>
+              <a:t>23</a:t>
             </a:fld>
             <a:endParaRPr lang="en-US"/>
           </a:p>
@@ -4366,7 +7627,7 @@
     </p:spTree>
     <p:extLst>
       <p:ext uri="{BB962C8B-B14F-4D97-AF65-F5344CB8AC3E}">
-        <p14:creationId xmlns:p14="http://schemas.microsoft.com/office/powerpoint/2010/main" val="3277170177"/>
+        <p14:creationId xmlns:p14="http://schemas.microsoft.com/office/powerpoint/2010/main" val="2757786098"/>
       </p:ext>
     </p:extLst>
   </p:cSld>
@@ -4376,7 +7637,7 @@
 </p:sld>
 </file>
 
-<file path=ppt/slides/slide12.xml><?xml version="1.0" encoding="utf-8"?>
+<file path=ppt/slides/slide24.xml><?xml version="1.0" encoding="utf-8"?>
 <p:sld xmlns:a="http://schemas.openxmlformats.org/drawingml/2006/main" xmlns:r="http://schemas.openxmlformats.org/officeDocument/2006/relationships" xmlns:p="http://schemas.openxmlformats.org/presentationml/2006/main">
   <p:cSld>
     <p:spTree>
@@ -4469,7 +7730,7 @@
               <a:pPr>
                 <a:defRPr/>
               </a:pPr>
-              <a:t>12</a:t>
+              <a:t>24</a:t>
             </a:fld>
             <a:endParaRPr lang="en-US"/>
           </a:p>
@@ -4518,7 +7779,7 @@
 </p:sld>
 </file>
 
-<file path=ppt/slides/slide13.xml><?xml version="1.0" encoding="utf-8"?>
+<file path=ppt/slides/slide25.xml><?xml version="1.0" encoding="utf-8"?>
 <p:sld xmlns:a="http://schemas.openxmlformats.org/drawingml/2006/main" xmlns:r="http://schemas.openxmlformats.org/officeDocument/2006/relationships" xmlns:p="http://schemas.openxmlformats.org/presentationml/2006/main">
   <p:cSld>
     <p:spTree>
@@ -4611,7 +7872,7 @@
               <a:pPr>
                 <a:defRPr/>
               </a:pPr>
-              <a:t>13</a:t>
+              <a:t>25</a:t>
             </a:fld>
             <a:endParaRPr lang="en-US"/>
           </a:p>
@@ -4660,7 +7921,7 @@
 </p:sld>
 </file>
 
-<file path=ppt/slides/slide14.xml><?xml version="1.0" encoding="utf-8"?>
+<file path=ppt/slides/slide26.xml><?xml version="1.0" encoding="utf-8"?>
 <p:sld xmlns:a="http://schemas.openxmlformats.org/drawingml/2006/main" xmlns:r="http://schemas.openxmlformats.org/officeDocument/2006/relationships" xmlns:p="http://schemas.openxmlformats.org/presentationml/2006/main">
   <p:cSld>
     <p:spTree>
@@ -4753,7 +8014,7 @@
               <a:pPr>
                 <a:defRPr/>
               </a:pPr>
-              <a:t>14</a:t>
+              <a:t>26</a:t>
             </a:fld>
             <a:endParaRPr lang="en-US"/>
           </a:p>
@@ -4802,7 +8063,7 @@
 </p:sld>
 </file>
 
-<file path=ppt/slides/slide15.xml><?xml version="1.0" encoding="utf-8"?>
+<file path=ppt/slides/slide27.xml><?xml version="1.0" encoding="utf-8"?>
 <p:sld xmlns:a="http://schemas.openxmlformats.org/drawingml/2006/main" xmlns:r="http://schemas.openxmlformats.org/officeDocument/2006/relationships" xmlns:p="http://schemas.openxmlformats.org/presentationml/2006/main">
   <p:cSld>
     <p:spTree>
@@ -4895,7 +8156,7 @@
               <a:pPr>
                 <a:defRPr/>
               </a:pPr>
-              <a:t>15</a:t>
+              <a:t>27</a:t>
             </a:fld>
             <a:endParaRPr lang="en-US"/>
           </a:p>
@@ -4944,7 +8205,7 @@
 </p:sld>
 </file>
 
-<file path=ppt/slides/slide16.xml><?xml version="1.0" encoding="utf-8"?>
+<file path=ppt/slides/slide28.xml><?xml version="1.0" encoding="utf-8"?>
 <p:sld xmlns:a="http://schemas.openxmlformats.org/drawingml/2006/main" xmlns:r="http://schemas.openxmlformats.org/officeDocument/2006/relationships" xmlns:p="http://schemas.openxmlformats.org/presentationml/2006/main">
   <p:cSld>
     <p:spTree>
@@ -5062,7 +8323,7 @@
               <a:pPr>
                 <a:defRPr/>
               </a:pPr>
-              <a:t>16</a:t>
+              <a:t>28</a:t>
             </a:fld>
             <a:endParaRPr lang="en-US"/>
           </a:p>
@@ -5094,162 +8355,6 @@
     <p:extLst>
       <p:ext uri="{BB962C8B-B14F-4D97-AF65-F5344CB8AC3E}">
         <p14:creationId xmlns:p14="http://schemas.microsoft.com/office/powerpoint/2010/main" val="1691035053"/>
-      </p:ext>
-    </p:extLst>
-  </p:cSld>
-  <p:clrMapOvr>
-    <a:masterClrMapping/>
-  </p:clrMapOvr>
-</p:sld>
-</file>
-
-<file path=ppt/slides/slide2.xml><?xml version="1.0" encoding="utf-8"?>
-<p:sld xmlns:a="http://schemas.openxmlformats.org/drawingml/2006/main" xmlns:r="http://schemas.openxmlformats.org/officeDocument/2006/relationships" xmlns:p="http://schemas.openxmlformats.org/presentationml/2006/main">
-  <p:cSld>
-    <p:spTree>
-      <p:nvGrpSpPr>
-        <p:cNvPr id="1" name=""/>
-        <p:cNvGrpSpPr/>
-        <p:nvPr/>
-      </p:nvGrpSpPr>
-      <p:grpSpPr>
-        <a:xfrm>
-          <a:off x="0" y="0"/>
-          <a:ext cx="0" cy="0"/>
-          <a:chOff x="0" y="0"/>
-          <a:chExt cx="0" cy="0"/>
-        </a:xfrm>
-      </p:grpSpPr>
-      <p:sp>
-        <p:nvSpPr>
-          <p:cNvPr id="2" name="Title 1"/>
-          <p:cNvSpPr>
-            <a:spLocks noGrp="1"/>
-          </p:cNvSpPr>
-          <p:nvPr>
-            <p:ph type="title"/>
-          </p:nvPr>
-        </p:nvSpPr>
-        <p:spPr/>
-        <p:txBody>
-          <a:bodyPr/>
-          <a:lstStyle/>
-          <a:p>
-            <a:r>
-              <a:rPr lang="en-US" dirty="0"/>
-              <a:t>Abstract</a:t>
-            </a:r>
-          </a:p>
-        </p:txBody>
-      </p:sp>
-      <p:sp>
-        <p:nvSpPr>
-          <p:cNvPr id="3" name="Text Placeholder 2"/>
-          <p:cNvSpPr>
-            <a:spLocks noGrp="1"/>
-          </p:cNvSpPr>
-          <p:nvPr>
-            <p:ph type="body" idx="1"/>
-          </p:nvPr>
-        </p:nvSpPr>
-        <p:spPr/>
-        <p:txBody>
-          <a:bodyPr/>
-          <a:lstStyle/>
-          <a:p>
-            <a:r>
-              <a:rPr lang="en-US" dirty="0"/>
-              <a:t>Lecture 7. Frailty models. You can incorporate multiple events per patient and account for center effects using frailty models, the survival data analysis equivalent to mixed models in linear regression. You’ll see how to define random effects and how to fit and interpret these models.</a:t>
-            </a:r>
-          </a:p>
-        </p:txBody>
-      </p:sp>
-      <p:sp>
-        <p:nvSpPr>
-          <p:cNvPr id="4" name="Footer Placeholder 3"/>
-          <p:cNvSpPr>
-            <a:spLocks noGrp="1"/>
-          </p:cNvSpPr>
-          <p:nvPr>
-            <p:ph type="ftr" sz="quarter" idx="10"/>
-          </p:nvPr>
-        </p:nvSpPr>
-        <p:spPr/>
-        <p:txBody>
-          <a:bodyPr/>
-          <a:lstStyle/>
-          <a:p>
-            <a:pPr>
-              <a:defRPr/>
-            </a:pPr>
-            <a:r>
-              <a:rPr lang="en-US" altLang="en-US" dirty="0"/>
-              <a:t>©2018 Steve Simon    http://TheAnalysisFactor.com</a:t>
-            </a:r>
-          </a:p>
-        </p:txBody>
-      </p:sp>
-      <p:sp>
-        <p:nvSpPr>
-          <p:cNvPr id="5" name="Slide Number Placeholder 4"/>
-          <p:cNvSpPr>
-            <a:spLocks noGrp="1"/>
-          </p:cNvSpPr>
-          <p:nvPr>
-            <p:ph type="sldNum" sz="quarter" idx="11"/>
-          </p:nvPr>
-        </p:nvSpPr>
-        <p:spPr/>
-        <p:txBody>
-          <a:bodyPr/>
-          <a:lstStyle/>
-          <a:p>
-            <a:pPr>
-              <a:defRPr/>
-            </a:pPr>
-            <a:endParaRPr lang="en-US"/>
-          </a:p>
-          <a:p>
-            <a:pPr>
-              <a:defRPr/>
-            </a:pPr>
-            <a:fld id="{E9A8CBA3-AA2B-46A6-BFA3-DCEBEAAB3F0A}" type="slidenum">
-              <a:rPr lang="en-US" smtClean="0"/>
-              <a:pPr>
-                <a:defRPr/>
-              </a:pPr>
-              <a:t>2</a:t>
-            </a:fld>
-            <a:endParaRPr lang="en-US"/>
-          </a:p>
-        </p:txBody>
-      </p:sp>
-      <p:sp>
-        <p:nvSpPr>
-          <p:cNvPr id="6" name="Text Placeholder 5"/>
-          <p:cNvSpPr>
-            <a:spLocks noGrp="1"/>
-          </p:cNvSpPr>
-          <p:nvPr>
-            <p:ph type="body" sz="quarter" idx="12"/>
-          </p:nvPr>
-        </p:nvSpPr>
-        <p:spPr/>
-        <p:txBody>
-          <a:bodyPr/>
-          <a:lstStyle/>
-          <a:p>
-            <a:r>
-              <a:rPr lang="en-US" dirty="0"/>
-              <a:t>Lecture 7.</a:t>
-            </a:r>
-          </a:p>
-        </p:txBody>
-      </p:sp>
-    </p:spTree>
-    <p:extLst>
-      <p:ext uri="{BB962C8B-B14F-4D97-AF65-F5344CB8AC3E}">
-        <p14:creationId xmlns:p14="http://schemas.microsoft.com/office/powerpoint/2010/main" val="3091858404"/>
       </p:ext>
     </p:extLst>
   </p:cSld>

--- a/bin/survival lecture 7.pptx
+++ b/bin/survival lecture 7.pptx
@@ -5,10 +5,10 @@
     <p:sldMasterId id="2147483664" r:id="rId1"/>
   </p:sldMasterIdLst>
   <p:notesMasterIdLst>
-    <p:notesMasterId r:id="rId30"/>
+    <p:notesMasterId r:id="rId31"/>
   </p:notesMasterIdLst>
   <p:handoutMasterIdLst>
-    <p:handoutMasterId r:id="rId31"/>
+    <p:handoutMasterId r:id="rId32"/>
   </p:handoutMasterIdLst>
   <p:sldIdLst>
     <p:sldId id="256" r:id="rId2"/>
@@ -17,28 +17,29 @@
     <p:sldId id="385" r:id="rId5"/>
     <p:sldId id="430" r:id="rId6"/>
     <p:sldId id="426" r:id="rId7"/>
-    <p:sldId id="427" r:id="rId8"/>
-    <p:sldId id="428" r:id="rId9"/>
-    <p:sldId id="429" r:id="rId10"/>
-    <p:sldId id="432" r:id="rId11"/>
-    <p:sldId id="438" r:id="rId12"/>
-    <p:sldId id="439" r:id="rId13"/>
-    <p:sldId id="441" r:id="rId14"/>
-    <p:sldId id="440" r:id="rId15"/>
-    <p:sldId id="442" r:id="rId16"/>
-    <p:sldId id="443" r:id="rId17"/>
-    <p:sldId id="444" r:id="rId18"/>
-    <p:sldId id="445" r:id="rId19"/>
-    <p:sldId id="447" r:id="rId20"/>
-    <p:sldId id="448" r:id="rId21"/>
-    <p:sldId id="449" r:id="rId22"/>
-    <p:sldId id="434" r:id="rId23"/>
-    <p:sldId id="446" r:id="rId24"/>
-    <p:sldId id="435" r:id="rId25"/>
-    <p:sldId id="436" r:id="rId26"/>
-    <p:sldId id="437" r:id="rId27"/>
-    <p:sldId id="433" r:id="rId28"/>
-    <p:sldId id="342" r:id="rId29"/>
+    <p:sldId id="450" r:id="rId8"/>
+    <p:sldId id="427" r:id="rId9"/>
+    <p:sldId id="428" r:id="rId10"/>
+    <p:sldId id="429" r:id="rId11"/>
+    <p:sldId id="432" r:id="rId12"/>
+    <p:sldId id="438" r:id="rId13"/>
+    <p:sldId id="439" r:id="rId14"/>
+    <p:sldId id="441" r:id="rId15"/>
+    <p:sldId id="440" r:id="rId16"/>
+    <p:sldId id="442" r:id="rId17"/>
+    <p:sldId id="443" r:id="rId18"/>
+    <p:sldId id="444" r:id="rId19"/>
+    <p:sldId id="445" r:id="rId20"/>
+    <p:sldId id="447" r:id="rId21"/>
+    <p:sldId id="448" r:id="rId22"/>
+    <p:sldId id="449" r:id="rId23"/>
+    <p:sldId id="434" r:id="rId24"/>
+    <p:sldId id="446" r:id="rId25"/>
+    <p:sldId id="435" r:id="rId26"/>
+    <p:sldId id="436" r:id="rId27"/>
+    <p:sldId id="437" r:id="rId28"/>
+    <p:sldId id="433" r:id="rId29"/>
+    <p:sldId id="342" r:id="rId30"/>
   </p:sldIdLst>
   <p:sldSz cx="9144000" cy="6858000" type="screen4x3"/>
   <p:notesSz cx="9601200" cy="7315200"/>
@@ -355,7 +356,7 @@
               <a:pPr>
                 <a:defRPr/>
               </a:pPr>
-              <a:t>6/9/2018</a:t>
+              <a:t>6/11/2018</a:t>
             </a:fld>
             <a:endParaRPr lang="en-US" altLang="en-US"/>
           </a:p>
@@ -663,7 +664,7 @@
               <a:pPr>
                 <a:defRPr/>
               </a:pPr>
-              <a:t>6/9/2018</a:t>
+              <a:t>6/11/2018</a:t>
             </a:fld>
             <a:endParaRPr lang="en-US" altLang="en-US"/>
           </a:p>
@@ -4054,100 +4055,8 @@
           <a:p>
             <a:r>
               <a:rPr lang="en-US" dirty="0"/>
-              <a:t>Frailty/cluster models</a:t>
-            </a:r>
-          </a:p>
-        </p:txBody>
-      </p:sp>
-      <p:sp>
-        <p:nvSpPr>
-          <p:cNvPr id="3" name="Text Placeholder 2"/>
-          <p:cNvSpPr>
-            <a:spLocks noGrp="1"/>
-          </p:cNvSpPr>
-          <p:nvPr>
-            <p:ph type="body" idx="1"/>
-          </p:nvPr>
-        </p:nvSpPr>
-        <p:spPr/>
-        <p:txBody>
-          <a:bodyPr/>
-          <a:lstStyle/>
-          <a:p>
-            <a:r>
-              <a:rPr lang="en-US" sz="1800" dirty="0"/>
-              <a:t>Frailty/cluster models account for correlation within a group.</a:t>
-            </a:r>
-          </a:p>
-          <a:p>
-            <a:pPr marL="285750" indent="-285750">
-              <a:buFont typeface="Arial" panose="020B0604020202020204" pitchFamily="34" charset="0"/>
-              <a:buChar char="•"/>
-            </a:pPr>
-            <a:r>
-              <a:rPr lang="en-US" sz="1800" dirty="0"/>
-              <a:t>Multiple events for the same person.</a:t>
-            </a:r>
-          </a:p>
-          <a:p>
-            <a:pPr marL="285750" indent="-285750">
-              <a:buFont typeface="Arial" panose="020B0604020202020204" pitchFamily="34" charset="0"/>
-              <a:buChar char="•"/>
-            </a:pPr>
-            <a:r>
-              <a:rPr lang="en-US" sz="1800" dirty="0"/>
-              <a:t>Multiple sites on the same person.</a:t>
-            </a:r>
-          </a:p>
-          <a:p>
-            <a:pPr marL="285750" indent="-285750">
-              <a:buFont typeface="Arial" panose="020B0604020202020204" pitchFamily="34" charset="0"/>
-              <a:buChar char="•"/>
-            </a:pPr>
-            <a:r>
-              <a:rPr lang="en-US" sz="1800" dirty="0"/>
-              <a:t>Multiple people in the same family</a:t>
-            </a:r>
-          </a:p>
-          <a:p>
-            <a:pPr marL="285750" indent="-285750">
-              <a:buFont typeface="Arial" panose="020B0604020202020204" pitchFamily="34" charset="0"/>
-              <a:buChar char="•"/>
-            </a:pPr>
-            <a:r>
-              <a:rPr lang="en-US" sz="1800" dirty="0"/>
-              <a:t>Multiple animals in the same litter.</a:t>
-            </a:r>
-          </a:p>
-          <a:p>
-            <a:pPr marL="285750" indent="-285750">
-              <a:buFont typeface="Arial" panose="020B0604020202020204" pitchFamily="34" charset="0"/>
-              <a:buChar char="•"/>
-            </a:pPr>
-            <a:r>
-              <a:rPr lang="en-US" sz="1800" dirty="0"/>
-              <a:t>Multiple visitors in the same hospital</a:t>
-            </a:r>
-          </a:p>
-          <a:p>
-            <a:pPr marL="285750" indent="-285750">
-              <a:buFont typeface="Arial" panose="020B0604020202020204" pitchFamily="34" charset="0"/>
-              <a:buChar char="•"/>
-            </a:pPr>
-            <a:r>
-              <a:rPr lang="en-US" sz="1800" dirty="0"/>
-              <a:t>Multiple students in the same classroom/school.</a:t>
-            </a:r>
-          </a:p>
-          <a:p>
-            <a:pPr marL="285750" indent="-285750">
-              <a:buFont typeface="Arial" panose="020B0604020202020204" pitchFamily="34" charset="0"/>
-              <a:buChar char="•"/>
-            </a:pPr>
-            <a:endParaRPr lang="en-US" sz="1800" b="1" dirty="0">
-              <a:latin typeface="Courier New" panose="02070309020205020404" pitchFamily="49" charset="0"/>
-              <a:cs typeface="Courier New" panose="02070309020205020404" pitchFamily="49" charset="0"/>
-            </a:endParaRPr>
+              <a:t>Psychiatric dataset, survival curves</a:t>
+            </a:r>
           </a:p>
         </p:txBody>
       </p:sp>
@@ -4211,32 +4120,40 @@
           </a:p>
         </p:txBody>
       </p:sp>
-      <p:sp>
-        <p:nvSpPr>
-          <p:cNvPr id="6" name="Text Placeholder 5"/>
-          <p:cNvSpPr>
-            <a:spLocks noGrp="1"/>
-          </p:cNvSpPr>
-          <p:nvPr>
-            <p:ph type="body" sz="quarter" idx="12"/>
-          </p:nvPr>
-        </p:nvSpPr>
-        <p:spPr/>
-        <p:txBody>
-          <a:bodyPr/>
-          <a:lstStyle/>
-          <a:p>
-            <a:r>
-              <a:rPr lang="en-US" dirty="0"/>
-              <a:t>Settings</a:t>
-            </a:r>
-          </a:p>
-        </p:txBody>
-      </p:sp>
+      <p:pic>
+        <p:nvPicPr>
+          <p:cNvPr id="7" name="Picture 6">
+            <a:extLst>
+              <a:ext uri="{FF2B5EF4-FFF2-40B4-BE49-F238E27FC236}">
+                <a16:creationId xmlns:a16="http://schemas.microsoft.com/office/drawing/2014/main" id="{CE6FBFFB-4216-4B5D-A585-390E4CBF4FC2}"/>
+              </a:ext>
+            </a:extLst>
+          </p:cNvPr>
+          <p:cNvPicPr>
+            <a:picLocks noChangeAspect="1"/>
+          </p:cNvPicPr>
+          <p:nvPr/>
+        </p:nvPicPr>
+        <p:blipFill>
+          <a:blip r:embed="rId2"/>
+          <a:stretch>
+            <a:fillRect/>
+          </a:stretch>
+        </p:blipFill>
+        <p:spPr>
+          <a:xfrm>
+            <a:off x="457200" y="1143000"/>
+            <a:ext cx="8229600" cy="4572000"/>
+          </a:xfrm>
+          <a:prstGeom prst="rect">
+            <a:avLst/>
+          </a:prstGeom>
+        </p:spPr>
+      </p:pic>
     </p:spTree>
     <p:extLst>
       <p:ext uri="{BB962C8B-B14F-4D97-AF65-F5344CB8AC3E}">
-        <p14:creationId xmlns:p14="http://schemas.microsoft.com/office/powerpoint/2010/main" val="1934846528"/>
+        <p14:creationId xmlns:p14="http://schemas.microsoft.com/office/powerpoint/2010/main" val="517829728"/>
       </p:ext>
     </p:extLst>
   </p:cSld>
@@ -4280,7 +4197,7 @@
           <a:p>
             <a:r>
               <a:rPr lang="en-US" dirty="0"/>
-              <a:t>Ashkenazi data set</a:t>
+              <a:t>Frailty/cluster models</a:t>
             </a:r>
           </a:p>
         </p:txBody>
@@ -4301,118 +4218,79 @@
           <a:lstStyle/>
           <a:p>
             <a:r>
-              <a:rPr lang="en-US" sz="1800" b="1" dirty="0">
-                <a:latin typeface="Courier New" panose="02070309020205020404" pitchFamily="49" charset="0"/>
-                <a:cs typeface="Courier New" panose="02070309020205020404" pitchFamily="49" charset="0"/>
-              </a:rPr>
-              <a:t>This is a random subset of data from the </a:t>
-            </a:r>
-            <a:r>
-              <a:rPr lang="en-US" sz="1800" b="1" dirty="0" err="1">
-                <a:latin typeface="Courier New" panose="02070309020205020404" pitchFamily="49" charset="0"/>
-                <a:cs typeface="Courier New" panose="02070309020205020404" pitchFamily="49" charset="0"/>
-              </a:rPr>
-              <a:t>Struewing</a:t>
-            </a:r>
-            <a:r>
-              <a:rPr lang="en-US" sz="1800" b="1" dirty="0">
-                <a:latin typeface="Courier New" panose="02070309020205020404" pitchFamily="49" charset="0"/>
-                <a:cs typeface="Courier New" panose="02070309020205020404" pitchFamily="49" charset="0"/>
-              </a:rPr>
-              <a:t> et al. (1997) study of Ashkenazi </a:t>
-            </a:r>
-            <a:r>
-              <a:rPr lang="en-US" sz="1800" b="1" dirty="0" err="1">
-                <a:latin typeface="Courier New" panose="02070309020205020404" pitchFamily="49" charset="0"/>
-                <a:cs typeface="Courier New" panose="02070309020205020404" pitchFamily="49" charset="0"/>
-              </a:rPr>
-              <a:t>jews</a:t>
-            </a:r>
-            <a:r>
-              <a:rPr lang="en-US" sz="1800" b="1" dirty="0">
-                <a:latin typeface="Courier New" panose="02070309020205020404" pitchFamily="49" charset="0"/>
-                <a:cs typeface="Courier New" panose="02070309020205020404" pitchFamily="49" charset="0"/>
-              </a:rPr>
-              <a:t> and breast cancer. The subset consists of pairs of first-degree female relatives who are also first degree relatives of a proband.</a:t>
-            </a:r>
-          </a:p>
-          <a:p>
+              <a:rPr lang="en-US" sz="1800" dirty="0"/>
+              <a:t>Frailty/cluster models account for correlation within a group.</a:t>
+            </a:r>
+          </a:p>
+          <a:p>
+            <a:pPr marL="285750" indent="-285750">
+              <a:buFont typeface="Arial" panose="020B0604020202020204" pitchFamily="34" charset="0"/>
+              <a:buChar char="•"/>
+            </a:pPr>
+            <a:r>
+              <a:rPr lang="en-US" sz="1800" dirty="0"/>
+              <a:t>Multiple events for the same person.</a:t>
+            </a:r>
+          </a:p>
+          <a:p>
+            <a:pPr marL="285750" indent="-285750">
+              <a:buFont typeface="Arial" panose="020B0604020202020204" pitchFamily="34" charset="0"/>
+              <a:buChar char="•"/>
+            </a:pPr>
+            <a:r>
+              <a:rPr lang="en-US" sz="1800" dirty="0"/>
+              <a:t>Multiple sites on the same person.</a:t>
+            </a:r>
+          </a:p>
+          <a:p>
+            <a:pPr marL="285750" indent="-285750">
+              <a:buFont typeface="Arial" panose="020B0604020202020204" pitchFamily="34" charset="0"/>
+              <a:buChar char="•"/>
+            </a:pPr>
+            <a:r>
+              <a:rPr lang="en-US" sz="1800" dirty="0"/>
+              <a:t>Multiple people in the same family</a:t>
+            </a:r>
+          </a:p>
+          <a:p>
+            <a:pPr marL="285750" indent="-285750">
+              <a:buFont typeface="Arial" panose="020B0604020202020204" pitchFamily="34" charset="0"/>
+              <a:buChar char="•"/>
+            </a:pPr>
+            <a:r>
+              <a:rPr lang="en-US" sz="1800" dirty="0"/>
+              <a:t>Multiple animals in the same litter.</a:t>
+            </a:r>
+          </a:p>
+          <a:p>
+            <a:pPr marL="285750" indent="-285750">
+              <a:buFont typeface="Arial" panose="020B0604020202020204" pitchFamily="34" charset="0"/>
+              <a:buChar char="•"/>
+            </a:pPr>
+            <a:r>
+              <a:rPr lang="en-US" sz="1800" dirty="0"/>
+              <a:t>Multiple visitors in the same hospital</a:t>
+            </a:r>
+          </a:p>
+          <a:p>
+            <a:pPr marL="285750" indent="-285750">
+              <a:buFont typeface="Arial" panose="020B0604020202020204" pitchFamily="34" charset="0"/>
+              <a:buChar char="•"/>
+            </a:pPr>
+            <a:r>
+              <a:rPr lang="en-US" sz="1800" dirty="0"/>
+              <a:t>Multiple students in the same classroom/school.</a:t>
+            </a:r>
+          </a:p>
+          <a:p>
+            <a:pPr marL="285750" indent="-285750">
+              <a:buFont typeface="Arial" panose="020B0604020202020204" pitchFamily="34" charset="0"/>
+              <a:buChar char="•"/>
+            </a:pPr>
             <a:endParaRPr lang="en-US" sz="1800" b="1" dirty="0">
               <a:latin typeface="Courier New" panose="02070309020205020404" pitchFamily="49" charset="0"/>
               <a:cs typeface="Courier New" panose="02070309020205020404" pitchFamily="49" charset="0"/>
             </a:endParaRPr>
-          </a:p>
-          <a:p>
-            <a:r>
-              <a:rPr lang="en-US" sz="1800" b="1" dirty="0" err="1">
-                <a:latin typeface="Courier New" panose="02070309020205020404" pitchFamily="49" charset="0"/>
-                <a:cs typeface="Courier New" panose="02070309020205020404" pitchFamily="49" charset="0"/>
-              </a:rPr>
-              <a:t>Struewing</a:t>
-            </a:r>
-            <a:r>
-              <a:rPr lang="en-US" sz="1800" b="1" dirty="0">
-                <a:latin typeface="Courier New" panose="02070309020205020404" pitchFamily="49" charset="0"/>
-                <a:cs typeface="Courier New" panose="02070309020205020404" pitchFamily="49" charset="0"/>
-              </a:rPr>
-              <a:t> JP, </a:t>
-            </a:r>
-            <a:r>
-              <a:rPr lang="en-US" sz="1800" b="1" dirty="0" err="1">
-                <a:latin typeface="Courier New" panose="02070309020205020404" pitchFamily="49" charset="0"/>
-                <a:cs typeface="Courier New" panose="02070309020205020404" pitchFamily="49" charset="0"/>
-              </a:rPr>
-              <a:t>Hartge</a:t>
-            </a:r>
-            <a:r>
-              <a:rPr lang="en-US" sz="1800" b="1" dirty="0">
-                <a:latin typeface="Courier New" panose="02070309020205020404" pitchFamily="49" charset="0"/>
-                <a:cs typeface="Courier New" panose="02070309020205020404" pitchFamily="49" charset="0"/>
-              </a:rPr>
-              <a:t> P, </a:t>
-            </a:r>
-            <a:r>
-              <a:rPr lang="en-US" sz="1800" b="1" dirty="0" err="1">
-                <a:latin typeface="Courier New" panose="02070309020205020404" pitchFamily="49" charset="0"/>
-                <a:cs typeface="Courier New" panose="02070309020205020404" pitchFamily="49" charset="0"/>
-              </a:rPr>
-              <a:t>Wacholder</a:t>
-            </a:r>
-            <a:r>
-              <a:rPr lang="en-US" sz="1800" b="1" dirty="0">
-                <a:latin typeface="Courier New" panose="02070309020205020404" pitchFamily="49" charset="0"/>
-                <a:cs typeface="Courier New" panose="02070309020205020404" pitchFamily="49" charset="0"/>
-              </a:rPr>
-              <a:t> S, Baker SM, Berlin M, McAdams M, Timmerman MM, Brody LC, and Tucker MA (1997) The risk of cancer associated with specific mutations of BRCA1 and BRCA2 among </a:t>
-            </a:r>
-            <a:r>
-              <a:rPr lang="en-US" sz="1800" b="1" dirty="0" err="1">
-                <a:latin typeface="Courier New" panose="02070309020205020404" pitchFamily="49" charset="0"/>
-                <a:cs typeface="Courier New" panose="02070309020205020404" pitchFamily="49" charset="0"/>
-              </a:rPr>
-              <a:t>ashkenazi</a:t>
-            </a:r>
-            <a:r>
-              <a:rPr lang="en-US" sz="1800" b="1" dirty="0">
-                <a:latin typeface="Courier New" panose="02070309020205020404" pitchFamily="49" charset="0"/>
-                <a:cs typeface="Courier New" panose="02070309020205020404" pitchFamily="49" charset="0"/>
-              </a:rPr>
-              <a:t> </a:t>
-            </a:r>
-            <a:r>
-              <a:rPr lang="en-US" sz="1800" b="1" dirty="0" err="1">
-                <a:latin typeface="Courier New" panose="02070309020205020404" pitchFamily="49" charset="0"/>
-                <a:cs typeface="Courier New" panose="02070309020205020404" pitchFamily="49" charset="0"/>
-              </a:rPr>
-              <a:t>jews</a:t>
-            </a:r>
-            <a:r>
-              <a:rPr lang="en-US" sz="1800" b="1" dirty="0">
-                <a:latin typeface="Courier New" panose="02070309020205020404" pitchFamily="49" charset="0"/>
-                <a:cs typeface="Courier New" panose="02070309020205020404" pitchFamily="49" charset="0"/>
-              </a:rPr>
-              <a:t>. New England Journal of Medicine 336, 1401-1408.)</a:t>
-            </a:r>
           </a:p>
         </p:txBody>
       </p:sp>
@@ -4493,7 +4371,7 @@
           <a:p>
             <a:r>
               <a:rPr lang="en-US" dirty="0"/>
-              <a:t>Description</a:t>
+              <a:t>Settings</a:t>
             </a:r>
           </a:p>
         </p:txBody>
@@ -4501,7 +4379,7 @@
     </p:spTree>
     <p:extLst>
       <p:ext uri="{BB962C8B-B14F-4D97-AF65-F5344CB8AC3E}">
-        <p14:creationId xmlns:p14="http://schemas.microsoft.com/office/powerpoint/2010/main" val="398883636"/>
+        <p14:creationId xmlns:p14="http://schemas.microsoft.com/office/powerpoint/2010/main" val="1934846528"/>
       </p:ext>
     </p:extLst>
   </p:cSld>
@@ -4565,82 +4443,103 @@
           <a:bodyPr/>
           <a:lstStyle/>
           <a:p>
-            <a:pPr marL="285750" indent="-285750">
-              <a:buFont typeface="Arial" panose="020B0604020202020204" pitchFamily="34" charset="0"/>
-              <a:buChar char="•"/>
-            </a:pPr>
-            <a:r>
-              <a:rPr lang="en-US" sz="1800" b="1" dirty="0" err="1">
-                <a:latin typeface="Courier New" panose="02070309020205020404" pitchFamily="49" charset="0"/>
-                <a:cs typeface="Courier New" panose="02070309020205020404" pitchFamily="49" charset="0"/>
+            <a:r>
+              <a:rPr lang="en-US" sz="1800" dirty="0">
+                <a:cs typeface="Calibri" panose="020F0502020204030204" pitchFamily="34" charset="0"/>
               </a:rPr>
-              <a:t>famID</a:t>
-            </a:r>
-            <a:r>
-              <a:rPr lang="en-US" sz="1800" b="1" dirty="0">
-                <a:latin typeface="Courier New" panose="02070309020205020404" pitchFamily="49" charset="0"/>
-                <a:cs typeface="Courier New" panose="02070309020205020404" pitchFamily="49" charset="0"/>
+              <a:t>This is a random subset of data from the </a:t>
+            </a:r>
+            <a:r>
+              <a:rPr lang="en-US" sz="1800" dirty="0" err="1">
+                <a:cs typeface="Calibri" panose="020F0502020204030204" pitchFamily="34" charset="0"/>
               </a:rPr>
-              <a:t>: family ID indicator</a:t>
-            </a:r>
-          </a:p>
-          <a:p>
-            <a:pPr marL="285750" indent="-285750">
-              <a:buFont typeface="Arial" panose="020B0604020202020204" pitchFamily="34" charset="0"/>
-              <a:buChar char="•"/>
-            </a:pPr>
-            <a:r>
-              <a:rPr lang="en-US" sz="1800" b="1" dirty="0" err="1">
-                <a:latin typeface="Courier New" panose="02070309020205020404" pitchFamily="49" charset="0"/>
-                <a:cs typeface="Courier New" panose="02070309020205020404" pitchFamily="49" charset="0"/>
+              <a:t>Struewing</a:t>
+            </a:r>
+            <a:r>
+              <a:rPr lang="en-US" sz="1800" dirty="0">
+                <a:cs typeface="Calibri" panose="020F0502020204030204" pitchFamily="34" charset="0"/>
               </a:rPr>
-              <a:t>brcancer</a:t>
-            </a:r>
-            <a:r>
-              <a:rPr lang="en-US" sz="1800" b="1" dirty="0">
-                <a:latin typeface="Courier New" panose="02070309020205020404" pitchFamily="49" charset="0"/>
-                <a:cs typeface="Courier New" panose="02070309020205020404" pitchFamily="49" charset="0"/>
+              <a:t> et al. (1997) study of Ashkenazi </a:t>
+            </a:r>
+            <a:r>
+              <a:rPr lang="en-US" sz="1800" dirty="0" err="1">
+                <a:cs typeface="Calibri" panose="020F0502020204030204" pitchFamily="34" charset="0"/>
               </a:rPr>
-              <a:t>: 1 if subject had breast cancer, 0 if not</a:t>
-            </a:r>
-          </a:p>
-          <a:p>
-            <a:pPr marL="285750" indent="-285750">
-              <a:buFont typeface="Arial" panose="020B0604020202020204" pitchFamily="34" charset="0"/>
-              <a:buChar char="•"/>
-            </a:pPr>
-            <a:r>
-              <a:rPr lang="en-US" sz="1800" b="1" dirty="0">
-                <a:latin typeface="Courier New" panose="02070309020205020404" pitchFamily="49" charset="0"/>
-                <a:cs typeface="Courier New" panose="02070309020205020404" pitchFamily="49" charset="0"/>
+              <a:t>jews</a:t>
+            </a:r>
+            <a:r>
+              <a:rPr lang="en-US" sz="1800" dirty="0">
+                <a:cs typeface="Calibri" panose="020F0502020204030204" pitchFamily="34" charset="0"/>
               </a:rPr>
-              <a:t>age: Age at onset of breast cancer, or current age if no breast cancer</a:t>
-            </a:r>
-          </a:p>
-          <a:p>
-            <a:pPr marL="285750" indent="-285750">
-              <a:buFont typeface="Arial" panose="020B0604020202020204" pitchFamily="34" charset="0"/>
-              <a:buChar char="•"/>
-            </a:pPr>
-            <a:r>
-              <a:rPr lang="en-US" sz="1800" b="1" dirty="0">
-                <a:latin typeface="Courier New" panose="02070309020205020404" pitchFamily="49" charset="0"/>
-                <a:cs typeface="Courier New" panose="02070309020205020404" pitchFamily="49" charset="0"/>
+              <a:t> and breast cancer. The subset consists of pairs of first-degree female relatives who are also first degree relatives of a proband.</a:t>
+            </a:r>
+          </a:p>
+          <a:p>
+            <a:endParaRPr lang="en-US" sz="1800" dirty="0">
+              <a:cs typeface="Calibri" panose="020F0502020204030204" pitchFamily="34" charset="0"/>
+            </a:endParaRPr>
+          </a:p>
+          <a:p>
+            <a:r>
+              <a:rPr lang="en-US" sz="1800" dirty="0" err="1">
+                <a:cs typeface="Calibri" panose="020F0502020204030204" pitchFamily="34" charset="0"/>
               </a:rPr>
-              <a:t>mutant: 1 if first degree relative proband was a BRCA mutation carrier, 0 if not</a:t>
-            </a:r>
-          </a:p>
-          <a:p>
-            <a:endParaRPr lang="en-US" sz="1800" b="1" dirty="0">
-              <a:latin typeface="Courier New" panose="02070309020205020404" pitchFamily="49" charset="0"/>
-              <a:cs typeface="Courier New" panose="02070309020205020404" pitchFamily="49" charset="0"/>
-            </a:endParaRPr>
-          </a:p>
-          <a:p>
-            <a:endParaRPr lang="en-US" sz="1800" b="1" dirty="0">
-              <a:latin typeface="Courier New" panose="02070309020205020404" pitchFamily="49" charset="0"/>
-              <a:cs typeface="Courier New" panose="02070309020205020404" pitchFamily="49" charset="0"/>
-            </a:endParaRPr>
+              <a:t>Struewing</a:t>
+            </a:r>
+            <a:r>
+              <a:rPr lang="en-US" sz="1800" dirty="0">
+                <a:cs typeface="Calibri" panose="020F0502020204030204" pitchFamily="34" charset="0"/>
+              </a:rPr>
+              <a:t> JP, </a:t>
+            </a:r>
+            <a:r>
+              <a:rPr lang="en-US" sz="1800" dirty="0" err="1">
+                <a:cs typeface="Calibri" panose="020F0502020204030204" pitchFamily="34" charset="0"/>
+              </a:rPr>
+              <a:t>Hartge</a:t>
+            </a:r>
+            <a:r>
+              <a:rPr lang="en-US" sz="1800" dirty="0">
+                <a:cs typeface="Calibri" panose="020F0502020204030204" pitchFamily="34" charset="0"/>
+              </a:rPr>
+              <a:t> P, </a:t>
+            </a:r>
+            <a:r>
+              <a:rPr lang="en-US" sz="1800" dirty="0" err="1">
+                <a:cs typeface="Calibri" panose="020F0502020204030204" pitchFamily="34" charset="0"/>
+              </a:rPr>
+              <a:t>Wacholder</a:t>
+            </a:r>
+            <a:r>
+              <a:rPr lang="en-US" sz="1800" dirty="0">
+                <a:cs typeface="Calibri" panose="020F0502020204030204" pitchFamily="34" charset="0"/>
+              </a:rPr>
+              <a:t> S, Baker SM, Berlin M, McAdams M, Timmerman MM, Brody LC, and Tucker MA (1997) The risk of cancer associated with specific mutations of BRCA1 and BRCA2 among </a:t>
+            </a:r>
+            <a:r>
+              <a:rPr lang="en-US" sz="1800" dirty="0" err="1">
+                <a:cs typeface="Calibri" panose="020F0502020204030204" pitchFamily="34" charset="0"/>
+              </a:rPr>
+              <a:t>ashkenazi</a:t>
+            </a:r>
+            <a:r>
+              <a:rPr lang="en-US" sz="1800" dirty="0">
+                <a:cs typeface="Calibri" panose="020F0502020204030204" pitchFamily="34" charset="0"/>
+              </a:rPr>
+              <a:t> </a:t>
+            </a:r>
+            <a:r>
+              <a:rPr lang="en-US" sz="1800" dirty="0" err="1">
+                <a:cs typeface="Calibri" panose="020F0502020204030204" pitchFamily="34" charset="0"/>
+              </a:rPr>
+              <a:t>jews</a:t>
+            </a:r>
+            <a:r>
+              <a:rPr lang="en-US" sz="1800" dirty="0">
+                <a:cs typeface="Calibri" panose="020F0502020204030204" pitchFamily="34" charset="0"/>
+              </a:rPr>
+              <a:t>. New England Journal of Medicine 336, 1401-1408.)</a:t>
+            </a:r>
           </a:p>
         </p:txBody>
       </p:sp>
@@ -4720,20 +4619,16 @@
           <a:lstStyle/>
           <a:p>
             <a:r>
-              <a:rPr lang="en-US" b="1" dirty="0">
-                <a:latin typeface="Courier New" panose="02070309020205020404" pitchFamily="49" charset="0"/>
-                <a:cs typeface="Courier New" panose="02070309020205020404" pitchFamily="49" charset="0"/>
-              </a:rPr>
-              <a:t>3920 observations and 4 variables</a:t>
-            </a:r>
-            <a:endParaRPr lang="en-US" dirty="0"/>
+              <a:rPr lang="en-US" dirty="0"/>
+              <a:t>Description</a:t>
+            </a:r>
           </a:p>
         </p:txBody>
       </p:sp>
     </p:spTree>
     <p:extLst>
       <p:ext uri="{BB962C8B-B14F-4D97-AF65-F5344CB8AC3E}">
-        <p14:creationId xmlns:p14="http://schemas.microsoft.com/office/powerpoint/2010/main" val="2944027875"/>
+        <p14:creationId xmlns:p14="http://schemas.microsoft.com/office/powerpoint/2010/main" val="398883636"/>
       </p:ext>
     </p:extLst>
   </p:cSld>
@@ -4777,7 +4672,7 @@
           <a:p>
             <a:r>
               <a:rPr lang="en-US" dirty="0"/>
-              <a:t>Rats data set</a:t>
+              <a:t>Ashkenazi data set</a:t>
             </a:r>
           </a:p>
         </p:txBody>
@@ -4797,90 +4692,64 @@
           <a:bodyPr/>
           <a:lstStyle/>
           <a:p>
-            <a:r>
-              <a:rPr lang="en-US" sz="1800" b="1" dirty="0">
-                <a:latin typeface="Courier New" panose="02070309020205020404" pitchFamily="49" charset="0"/>
-                <a:cs typeface="Courier New" panose="02070309020205020404" pitchFamily="49" charset="0"/>
+            <a:pPr marL="285750" indent="-285750">
+              <a:buFont typeface="Arial" panose="020B0604020202020204" pitchFamily="34" charset="0"/>
+              <a:buChar char="•"/>
+            </a:pPr>
+            <a:r>
+              <a:rPr lang="en-US" sz="1800" dirty="0" err="1">
+                <a:cs typeface="Calibri" panose="020F0502020204030204" pitchFamily="34" charset="0"/>
               </a:rPr>
-              <a:t>Rat treatment data from Mantel et al. Three rats were chosen from each of 100 litters, one of which was treated with a drug, and then all followed for tumor incidence.</a:t>
-            </a:r>
-          </a:p>
-          <a:p>
-            <a:endParaRPr lang="en-US" sz="1800" b="1" dirty="0">
-              <a:latin typeface="Courier New" panose="02070309020205020404" pitchFamily="49" charset="0"/>
-              <a:cs typeface="Courier New" panose="02070309020205020404" pitchFamily="49" charset="0"/>
-            </a:endParaRPr>
-          </a:p>
-          <a:p>
-            <a:r>
-              <a:rPr lang="en-US" sz="1800" b="1" dirty="0">
-                <a:latin typeface="Courier New" panose="02070309020205020404" pitchFamily="49" charset="0"/>
-                <a:cs typeface="Courier New" panose="02070309020205020404" pitchFamily="49" charset="0"/>
+              <a:t>famID</a:t>
+            </a:r>
+            <a:r>
+              <a:rPr lang="en-US" sz="1800" dirty="0">
+                <a:cs typeface="Calibri" panose="020F0502020204030204" pitchFamily="34" charset="0"/>
               </a:rPr>
-              <a:t>N. Mantel, N. R. </a:t>
-            </a:r>
-            <a:r>
-              <a:rPr lang="en-US" sz="1800" b="1" dirty="0" err="1">
-                <a:latin typeface="Courier New" panose="02070309020205020404" pitchFamily="49" charset="0"/>
-                <a:cs typeface="Courier New" panose="02070309020205020404" pitchFamily="49" charset="0"/>
+              <a:t>: family ID indicator</a:t>
+            </a:r>
+          </a:p>
+          <a:p>
+            <a:pPr marL="285750" indent="-285750">
+              <a:buFont typeface="Arial" panose="020B0604020202020204" pitchFamily="34" charset="0"/>
+              <a:buChar char="•"/>
+            </a:pPr>
+            <a:r>
+              <a:rPr lang="en-US" sz="1800" dirty="0" err="1">
+                <a:cs typeface="Calibri" panose="020F0502020204030204" pitchFamily="34" charset="0"/>
               </a:rPr>
-              <a:t>Bohidar</a:t>
-            </a:r>
-            <a:r>
-              <a:rPr lang="en-US" sz="1800" b="1" dirty="0">
-                <a:latin typeface="Courier New" panose="02070309020205020404" pitchFamily="49" charset="0"/>
-                <a:cs typeface="Courier New" panose="02070309020205020404" pitchFamily="49" charset="0"/>
+              <a:t>brcancer</a:t>
+            </a:r>
+            <a:r>
+              <a:rPr lang="en-US" sz="1800" dirty="0">
+                <a:cs typeface="Calibri" panose="020F0502020204030204" pitchFamily="34" charset="0"/>
               </a:rPr>
-              <a:t> and J. L. </a:t>
-            </a:r>
-            <a:r>
-              <a:rPr lang="en-US" sz="1800" b="1" dirty="0" err="1">
-                <a:latin typeface="Courier New" panose="02070309020205020404" pitchFamily="49" charset="0"/>
-                <a:cs typeface="Courier New" panose="02070309020205020404" pitchFamily="49" charset="0"/>
+              <a:t>: 1 if subject had breast cancer, 0 if not</a:t>
+            </a:r>
+          </a:p>
+          <a:p>
+            <a:pPr marL="285750" indent="-285750">
+              <a:buFont typeface="Arial" panose="020B0604020202020204" pitchFamily="34" charset="0"/>
+              <a:buChar char="•"/>
+            </a:pPr>
+            <a:r>
+              <a:rPr lang="en-US" sz="1800" dirty="0">
+                <a:cs typeface="Calibri" panose="020F0502020204030204" pitchFamily="34" charset="0"/>
               </a:rPr>
-              <a:t>Ciminera</a:t>
-            </a:r>
-            <a:r>
-              <a:rPr lang="en-US" sz="1800" b="1" dirty="0">
-                <a:latin typeface="Courier New" panose="02070309020205020404" pitchFamily="49" charset="0"/>
-                <a:cs typeface="Courier New" panose="02070309020205020404" pitchFamily="49" charset="0"/>
+              <a:t>age: Age at onset of breast cancer, or current age if no breast cancer</a:t>
+            </a:r>
+          </a:p>
+          <a:p>
+            <a:pPr marL="285750" indent="-285750">
+              <a:buFont typeface="Arial" panose="020B0604020202020204" pitchFamily="34" charset="0"/>
+              <a:buChar char="•"/>
+            </a:pPr>
+            <a:r>
+              <a:rPr lang="en-US" sz="1800" dirty="0">
+                <a:cs typeface="Calibri" panose="020F0502020204030204" pitchFamily="34" charset="0"/>
               </a:rPr>
-              <a:t>. Mantel-</a:t>
-            </a:r>
-            <a:r>
-              <a:rPr lang="en-US" sz="1800" b="1" dirty="0" err="1">
-                <a:latin typeface="Courier New" panose="02070309020205020404" pitchFamily="49" charset="0"/>
-                <a:cs typeface="Courier New" panose="02070309020205020404" pitchFamily="49" charset="0"/>
-              </a:rPr>
-              <a:t>Haenszel</a:t>
-            </a:r>
-            <a:r>
-              <a:rPr lang="en-US" sz="1800" b="1" dirty="0">
-                <a:latin typeface="Courier New" panose="02070309020205020404" pitchFamily="49" charset="0"/>
-                <a:cs typeface="Courier New" panose="02070309020205020404" pitchFamily="49" charset="0"/>
-              </a:rPr>
-              <a:t> analyses of litter-matched time to response data, with modifications for recovery of </a:t>
-            </a:r>
-            <a:r>
-              <a:rPr lang="en-US" sz="1800" b="1" dirty="0" err="1">
-                <a:latin typeface="Courier New" panose="02070309020205020404" pitchFamily="49" charset="0"/>
-                <a:cs typeface="Courier New" panose="02070309020205020404" pitchFamily="49" charset="0"/>
-              </a:rPr>
-              <a:t>interlitter</a:t>
-            </a:r>
-            <a:r>
-              <a:rPr lang="en-US" sz="1800" b="1" dirty="0">
-                <a:latin typeface="Courier New" panose="02070309020205020404" pitchFamily="49" charset="0"/>
-                <a:cs typeface="Courier New" panose="02070309020205020404" pitchFamily="49" charset="0"/>
-              </a:rPr>
-              <a:t> information. Cancer Research, 37:3863-3868, 1977.</a:t>
-            </a:r>
-          </a:p>
-          <a:p>
-            <a:endParaRPr lang="en-US" sz="1800" b="1" dirty="0">
-              <a:latin typeface="Courier New" panose="02070309020205020404" pitchFamily="49" charset="0"/>
-              <a:cs typeface="Courier New" panose="02070309020205020404" pitchFamily="49" charset="0"/>
-            </a:endParaRPr>
+              <a:t>mutant: 1 if first degree relative proband was a BRCA mutation carrier, 0 if not</a:t>
+            </a:r>
           </a:p>
         </p:txBody>
       </p:sp>
@@ -4960,20 +4829,18 @@
           <a:lstStyle/>
           <a:p>
             <a:r>
-              <a:rPr lang="en-US" b="1" dirty="0">
-                <a:latin typeface="Courier New" panose="02070309020205020404" pitchFamily="49" charset="0"/>
-                <a:cs typeface="Courier New" panose="02070309020205020404" pitchFamily="49" charset="0"/>
+              <a:rPr lang="en-US" dirty="0">
+                <a:cs typeface="Calibri" panose="020F0502020204030204" pitchFamily="34" charset="0"/>
               </a:rPr>
-              <a:t>Description</a:t>
-            </a:r>
-            <a:endParaRPr lang="en-US" dirty="0"/>
+              <a:t>3920 observations and 4 variables</a:t>
+            </a:r>
           </a:p>
         </p:txBody>
       </p:sp>
     </p:spTree>
     <p:extLst>
       <p:ext uri="{BB962C8B-B14F-4D97-AF65-F5344CB8AC3E}">
-        <p14:creationId xmlns:p14="http://schemas.microsoft.com/office/powerpoint/2010/main" val="1425889960"/>
+        <p14:creationId xmlns:p14="http://schemas.microsoft.com/office/powerpoint/2010/main" val="2944027875"/>
       </p:ext>
     </p:extLst>
   </p:cSld>
@@ -5037,76 +4904,78 @@
           <a:bodyPr/>
           <a:lstStyle/>
           <a:p>
-            <a:pPr marL="285750" indent="-285750">
-              <a:buFont typeface="Arial" panose="020B0604020202020204" pitchFamily="34" charset="0"/>
-              <a:buChar char="•"/>
-            </a:pPr>
-            <a:r>
-              <a:rPr lang="en-US" sz="1800" b="1" dirty="0">
-                <a:latin typeface="Courier New" panose="02070309020205020404" pitchFamily="49" charset="0"/>
-                <a:cs typeface="Courier New" panose="02070309020205020404" pitchFamily="49" charset="0"/>
+            <a:r>
+              <a:rPr lang="en-US" sz="1800" dirty="0">
+                <a:cs typeface="Calibri" panose="020F0502020204030204" pitchFamily="34" charset="0"/>
               </a:rPr>
-              <a:t>litter: litter number from 1 to 100</a:t>
-            </a:r>
-          </a:p>
-          <a:p>
-            <a:pPr marL="285750" indent="-285750">
-              <a:buFont typeface="Arial" panose="020B0604020202020204" pitchFamily="34" charset="0"/>
-              <a:buChar char="•"/>
-            </a:pPr>
-            <a:r>
-              <a:rPr lang="en-US" sz="1800" b="1" dirty="0" err="1">
-                <a:latin typeface="Courier New" panose="02070309020205020404" pitchFamily="49" charset="0"/>
-                <a:cs typeface="Courier New" panose="02070309020205020404" pitchFamily="49" charset="0"/>
+              <a:t>Rat treatment data from Mantel et al. Three rats were chosen from each of 100 litters, one of which was treated with a drug, and then all followed for tumor incidence.</a:t>
+            </a:r>
+          </a:p>
+          <a:p>
+            <a:endParaRPr lang="en-US" sz="1800" dirty="0">
+              <a:cs typeface="Calibri" panose="020F0502020204030204" pitchFamily="34" charset="0"/>
+            </a:endParaRPr>
+          </a:p>
+          <a:p>
+            <a:r>
+              <a:rPr lang="en-US" sz="1800" dirty="0">
+                <a:cs typeface="Calibri" panose="020F0502020204030204" pitchFamily="34" charset="0"/>
               </a:rPr>
-              <a:t>rx</a:t>
-            </a:r>
-            <a:r>
-              <a:rPr lang="en-US" sz="1800" b="1" dirty="0">
-                <a:latin typeface="Courier New" panose="02070309020205020404" pitchFamily="49" charset="0"/>
-                <a:cs typeface="Courier New" panose="02070309020205020404" pitchFamily="49" charset="0"/>
+              <a:t>N. Mantel, N. R. </a:t>
+            </a:r>
+            <a:r>
+              <a:rPr lang="en-US" sz="1800" dirty="0" err="1">
+                <a:cs typeface="Calibri" panose="020F0502020204030204" pitchFamily="34" charset="0"/>
               </a:rPr>
-              <a:t>: treatment,(1=drug, 0=control)</a:t>
-            </a:r>
-          </a:p>
-          <a:p>
-            <a:pPr marL="285750" indent="-285750">
-              <a:buFont typeface="Arial" panose="020B0604020202020204" pitchFamily="34" charset="0"/>
-              <a:buChar char="•"/>
-            </a:pPr>
-            <a:r>
-              <a:rPr lang="en-US" sz="1800" b="1" dirty="0">
-                <a:latin typeface="Courier New" panose="02070309020205020404" pitchFamily="49" charset="0"/>
-                <a:cs typeface="Courier New" panose="02070309020205020404" pitchFamily="49" charset="0"/>
+              <a:t>Bohidar</a:t>
+            </a:r>
+            <a:r>
+              <a:rPr lang="en-US" sz="1800" dirty="0">
+                <a:cs typeface="Calibri" panose="020F0502020204030204" pitchFamily="34" charset="0"/>
               </a:rPr>
-              <a:t>time: time to tumor or last follow-up</a:t>
-            </a:r>
-          </a:p>
-          <a:p>
-            <a:pPr marL="285750" indent="-285750">
-              <a:buFont typeface="Arial" panose="020B0604020202020204" pitchFamily="34" charset="0"/>
-              <a:buChar char="•"/>
-            </a:pPr>
-            <a:r>
-              <a:rPr lang="en-US" sz="1800" b="1" dirty="0">
-                <a:latin typeface="Courier New" panose="02070309020205020404" pitchFamily="49" charset="0"/>
-                <a:cs typeface="Courier New" panose="02070309020205020404" pitchFamily="49" charset="0"/>
+              <a:t> and J. L. </a:t>
+            </a:r>
+            <a:r>
+              <a:rPr lang="en-US" sz="1800" dirty="0" err="1">
+                <a:cs typeface="Calibri" panose="020F0502020204030204" pitchFamily="34" charset="0"/>
               </a:rPr>
-              <a:t>status: event status, 1=tumor and 0=censored</a:t>
-            </a:r>
-          </a:p>
-          <a:p>
-            <a:pPr marL="285750" indent="-285750">
-              <a:buFont typeface="Arial" panose="020B0604020202020204" pitchFamily="34" charset="0"/>
-              <a:buChar char="•"/>
-            </a:pPr>
-            <a:r>
-              <a:rPr lang="en-US" sz="1800" b="1" dirty="0">
-                <a:latin typeface="Courier New" panose="02070309020205020404" pitchFamily="49" charset="0"/>
-                <a:cs typeface="Courier New" panose="02070309020205020404" pitchFamily="49" charset="0"/>
+              <a:t>Ciminera</a:t>
+            </a:r>
+            <a:r>
+              <a:rPr lang="en-US" sz="1800" dirty="0">
+                <a:cs typeface="Calibri" panose="020F0502020204030204" pitchFamily="34" charset="0"/>
               </a:rPr>
-              <a:t>sex: male or female</a:t>
-            </a:r>
+              <a:t>. Mantel-</a:t>
+            </a:r>
+            <a:r>
+              <a:rPr lang="en-US" sz="1800" dirty="0" err="1">
+                <a:cs typeface="Calibri" panose="020F0502020204030204" pitchFamily="34" charset="0"/>
+              </a:rPr>
+              <a:t>Haenszel</a:t>
+            </a:r>
+            <a:r>
+              <a:rPr lang="en-US" sz="1800" dirty="0">
+                <a:cs typeface="Calibri" panose="020F0502020204030204" pitchFamily="34" charset="0"/>
+              </a:rPr>
+              <a:t> analyses of litter-matched time to response data, with modifications for recovery of </a:t>
+            </a:r>
+            <a:r>
+              <a:rPr lang="en-US" sz="1800" dirty="0" err="1">
+                <a:cs typeface="Calibri" panose="020F0502020204030204" pitchFamily="34" charset="0"/>
+              </a:rPr>
+              <a:t>interlitter</a:t>
+            </a:r>
+            <a:r>
+              <a:rPr lang="en-US" sz="1800" dirty="0">
+                <a:cs typeface="Calibri" panose="020F0502020204030204" pitchFamily="34" charset="0"/>
+              </a:rPr>
+              <a:t> information. Cancer Research, 37:3863-3868, 1977.</a:t>
+            </a:r>
+          </a:p>
+          <a:p>
+            <a:endParaRPr lang="en-US" sz="1800" dirty="0">
+              <a:cs typeface="Calibri" panose="020F0502020204030204" pitchFamily="34" charset="0"/>
+            </a:endParaRPr>
           </a:p>
         </p:txBody>
       </p:sp>
@@ -5187,19 +5056,20 @@
           <a:p>
             <a:r>
               <a:rPr lang="en-US" b="1" dirty="0">
-                <a:latin typeface="Courier New" panose="02070309020205020404" pitchFamily="49" charset="0"/>
-                <a:cs typeface="Courier New" panose="02070309020205020404" pitchFamily="49" charset="0"/>
+                <a:cs typeface="Calibri" panose="020F0502020204030204" pitchFamily="34" charset="0"/>
               </a:rPr>
-              <a:t>300 observations and 5 variables.</a:t>
-            </a:r>
-            <a:endParaRPr lang="en-US" dirty="0"/>
+              <a:t>Description</a:t>
+            </a:r>
+            <a:endParaRPr lang="en-US" dirty="0">
+              <a:cs typeface="Calibri" panose="020F0502020204030204" pitchFamily="34" charset="0"/>
+            </a:endParaRPr>
           </a:p>
         </p:txBody>
       </p:sp>
     </p:spTree>
     <p:extLst>
       <p:ext uri="{BB962C8B-B14F-4D97-AF65-F5344CB8AC3E}">
-        <p14:creationId xmlns:p14="http://schemas.microsoft.com/office/powerpoint/2010/main" val="3127566953"/>
+        <p14:creationId xmlns:p14="http://schemas.microsoft.com/office/powerpoint/2010/main" val="1425889960"/>
       </p:ext>
     </p:extLst>
   </p:cSld>
@@ -5243,7 +5113,7 @@
           <a:p>
             <a:r>
               <a:rPr lang="en-US" dirty="0"/>
-              <a:t>Diabetes data set</a:t>
+              <a:t>Rats data set</a:t>
             </a:r>
           </a:p>
         </p:txBody>
@@ -5263,104 +5133,69 @@
           <a:bodyPr/>
           <a:lstStyle/>
           <a:p>
-            <a:r>
-              <a:rPr lang="en-US" sz="1800" b="1" dirty="0">
-                <a:latin typeface="Courier New" panose="02070309020205020404" pitchFamily="49" charset="0"/>
-                <a:cs typeface="Courier New" panose="02070309020205020404" pitchFamily="49" charset="0"/>
+            <a:pPr marL="285750" indent="-285750">
+              <a:buFont typeface="Arial" panose="020B0604020202020204" pitchFamily="34" charset="0"/>
+              <a:buChar char="•"/>
+            </a:pPr>
+            <a:r>
+              <a:rPr lang="en-US" sz="1800" dirty="0">
+                <a:cs typeface="Calibri" panose="020F0502020204030204" pitchFamily="34" charset="0"/>
               </a:rPr>
-              <a:t>The data was </a:t>
-            </a:r>
-            <a:r>
-              <a:rPr lang="en-US" sz="1800" b="1" dirty="0" err="1">
-                <a:latin typeface="Courier New" panose="02070309020205020404" pitchFamily="49" charset="0"/>
-                <a:cs typeface="Courier New" panose="02070309020205020404" pitchFamily="49" charset="0"/>
+              <a:t>litter: litter number from 1 to 100</a:t>
+            </a:r>
+          </a:p>
+          <a:p>
+            <a:pPr marL="285750" indent="-285750">
+              <a:buFont typeface="Arial" panose="020B0604020202020204" pitchFamily="34" charset="0"/>
+              <a:buChar char="•"/>
+            </a:pPr>
+            <a:r>
+              <a:rPr lang="en-US" sz="1800" dirty="0" err="1">
+                <a:cs typeface="Calibri" panose="020F0502020204030204" pitchFamily="34" charset="0"/>
               </a:rPr>
-              <a:t>colleceted</a:t>
-            </a:r>
-            <a:r>
-              <a:rPr lang="en-US" sz="1800" b="1" dirty="0">
-                <a:latin typeface="Courier New" panose="02070309020205020404" pitchFamily="49" charset="0"/>
-                <a:cs typeface="Courier New" panose="02070309020205020404" pitchFamily="49" charset="0"/>
+              <a:t>rx</a:t>
+            </a:r>
+            <a:r>
+              <a:rPr lang="en-US" sz="1800" dirty="0">
+                <a:cs typeface="Calibri" panose="020F0502020204030204" pitchFamily="34" charset="0"/>
               </a:rPr>
-              <a:t> to test a laser treatment for delaying blindness in patients with </a:t>
-            </a:r>
-            <a:r>
-              <a:rPr lang="en-US" sz="1800" b="1" dirty="0" err="1">
-                <a:latin typeface="Courier New" panose="02070309020205020404" pitchFamily="49" charset="0"/>
-                <a:cs typeface="Courier New" panose="02070309020205020404" pitchFamily="49" charset="0"/>
+              <a:t>: treatment,(1=drug, 0=control)</a:t>
+            </a:r>
+          </a:p>
+          <a:p>
+            <a:pPr marL="285750" indent="-285750">
+              <a:buFont typeface="Arial" panose="020B0604020202020204" pitchFamily="34" charset="0"/>
+              <a:buChar char="•"/>
+            </a:pPr>
+            <a:r>
+              <a:rPr lang="en-US" sz="1800" dirty="0">
+                <a:cs typeface="Calibri" panose="020F0502020204030204" pitchFamily="34" charset="0"/>
               </a:rPr>
-              <a:t>dibetic</a:t>
-            </a:r>
-            <a:r>
-              <a:rPr lang="en-US" sz="1800" b="1" dirty="0">
-                <a:latin typeface="Courier New" panose="02070309020205020404" pitchFamily="49" charset="0"/>
-                <a:cs typeface="Courier New" panose="02070309020205020404" pitchFamily="49" charset="0"/>
+              <a:t>time: time to tumor or last follow-up</a:t>
+            </a:r>
+          </a:p>
+          <a:p>
+            <a:pPr marL="285750" indent="-285750">
+              <a:buFont typeface="Arial" panose="020B0604020202020204" pitchFamily="34" charset="0"/>
+              <a:buChar char="•"/>
+            </a:pPr>
+            <a:r>
+              <a:rPr lang="en-US" sz="1800" dirty="0">
+                <a:cs typeface="Calibri" panose="020F0502020204030204" pitchFamily="34" charset="0"/>
               </a:rPr>
-              <a:t> retinopathy. The subset of 197 </a:t>
-            </a:r>
-            <a:r>
-              <a:rPr lang="en-US" sz="1800" b="1" dirty="0" err="1">
-                <a:latin typeface="Courier New" panose="02070309020205020404" pitchFamily="49" charset="0"/>
-                <a:cs typeface="Courier New" panose="02070309020205020404" pitchFamily="49" charset="0"/>
+              <a:t>status: event status, 1=tumor and 0=censored</a:t>
+            </a:r>
+          </a:p>
+          <a:p>
+            <a:pPr marL="285750" indent="-285750">
+              <a:buFont typeface="Arial" panose="020B0604020202020204" pitchFamily="34" charset="0"/>
+              <a:buChar char="•"/>
+            </a:pPr>
+            <a:r>
+              <a:rPr lang="en-US" sz="1800" dirty="0">
+                <a:cs typeface="Calibri" panose="020F0502020204030204" pitchFamily="34" charset="0"/>
               </a:rPr>
-              <a:t>patiens</a:t>
-            </a:r>
-            <a:r>
-              <a:rPr lang="en-US" sz="1800" b="1" dirty="0">
-                <a:latin typeface="Courier New" panose="02070309020205020404" pitchFamily="49" charset="0"/>
-                <a:cs typeface="Courier New" panose="02070309020205020404" pitchFamily="49" charset="0"/>
-              </a:rPr>
-              <a:t> given in </a:t>
-            </a:r>
-            <a:r>
-              <a:rPr lang="en-US" sz="1800" b="1" dirty="0" err="1">
-                <a:latin typeface="Courier New" panose="02070309020205020404" pitchFamily="49" charset="0"/>
-                <a:cs typeface="Courier New" panose="02070309020205020404" pitchFamily="49" charset="0"/>
-              </a:rPr>
-              <a:t>Huster</a:t>
-            </a:r>
-            <a:r>
-              <a:rPr lang="en-US" sz="1800" b="1" dirty="0">
-                <a:latin typeface="Courier New" panose="02070309020205020404" pitchFamily="49" charset="0"/>
-                <a:cs typeface="Courier New" panose="02070309020205020404" pitchFamily="49" charset="0"/>
-              </a:rPr>
-              <a:t> et al. (1989) is used.</a:t>
-            </a:r>
-          </a:p>
-          <a:p>
-            <a:endParaRPr lang="en-US" sz="1800" b="1" dirty="0">
-              <a:latin typeface="Courier New" panose="02070309020205020404" pitchFamily="49" charset="0"/>
-              <a:cs typeface="Courier New" panose="02070309020205020404" pitchFamily="49" charset="0"/>
-            </a:endParaRPr>
-          </a:p>
-          <a:p>
-            <a:r>
-              <a:rPr lang="en-US" sz="1800" b="1" dirty="0" err="1">
-                <a:latin typeface="Courier New" panose="02070309020205020404" pitchFamily="49" charset="0"/>
-                <a:cs typeface="Courier New" panose="02070309020205020404" pitchFamily="49" charset="0"/>
-              </a:rPr>
-              <a:t>Huster</a:t>
-            </a:r>
-            <a:r>
-              <a:rPr lang="en-US" sz="1800" b="1" dirty="0">
-                <a:latin typeface="Courier New" panose="02070309020205020404" pitchFamily="49" charset="0"/>
-                <a:cs typeface="Courier New" panose="02070309020205020404" pitchFamily="49" charset="0"/>
-              </a:rPr>
-              <a:t> W.J. and Brookmeyer, R. and Self. S. (1989) </a:t>
-            </a:r>
-            <a:r>
-              <a:rPr lang="en-US" sz="1800" b="1" dirty="0" err="1">
-                <a:latin typeface="Courier New" panose="02070309020205020404" pitchFamily="49" charset="0"/>
-                <a:cs typeface="Courier New" panose="02070309020205020404" pitchFamily="49" charset="0"/>
-              </a:rPr>
-              <a:t>MOdelling</a:t>
-            </a:r>
-            <a:r>
-              <a:rPr lang="en-US" sz="1800" b="1" dirty="0">
-                <a:latin typeface="Courier New" panose="02070309020205020404" pitchFamily="49" charset="0"/>
-                <a:cs typeface="Courier New" panose="02070309020205020404" pitchFamily="49" charset="0"/>
-              </a:rPr>
-              <a:t> paired survival data with covariates, Biometrics 45, 145-56.</a:t>
+              <a:t>sex: male or female</a:t>
             </a:r>
           </a:p>
         </p:txBody>
@@ -5441,20 +5276,18 @@
           <a:lstStyle/>
           <a:p>
             <a:r>
-              <a:rPr lang="en-US" b="1" dirty="0">
-                <a:latin typeface="Courier New" panose="02070309020205020404" pitchFamily="49" charset="0"/>
-                <a:cs typeface="Courier New" panose="02070309020205020404" pitchFamily="49" charset="0"/>
+              <a:rPr lang="en-US" dirty="0">
+                <a:cs typeface="Calibri" panose="020F0502020204030204" pitchFamily="34" charset="0"/>
               </a:rPr>
-              <a:t>Description</a:t>
-            </a:r>
-            <a:endParaRPr lang="en-US" dirty="0"/>
+              <a:t>300 observations and 5 variables.</a:t>
+            </a:r>
           </a:p>
         </p:txBody>
       </p:sp>
     </p:spTree>
     <p:extLst>
       <p:ext uri="{BB962C8B-B14F-4D97-AF65-F5344CB8AC3E}">
-        <p14:creationId xmlns:p14="http://schemas.microsoft.com/office/powerpoint/2010/main" val="3095013022"/>
+        <p14:creationId xmlns:p14="http://schemas.microsoft.com/office/powerpoint/2010/main" val="3127566953"/>
       </p:ext>
     </p:extLst>
   </p:cSld>
@@ -5518,108 +5351,54 @@
           <a:bodyPr/>
           <a:lstStyle/>
           <a:p>
-            <a:pPr marL="285750" indent="-285750">
-              <a:buFont typeface="Arial" panose="020B0604020202020204" pitchFamily="34" charset="0"/>
-              <a:buChar char="•"/>
-            </a:pPr>
-            <a:r>
-              <a:rPr lang="en-US" sz="1800" b="1" dirty="0">
-                <a:latin typeface="Courier New" panose="02070309020205020404" pitchFamily="49" charset="0"/>
-                <a:cs typeface="Courier New" panose="02070309020205020404" pitchFamily="49" charset="0"/>
+            <a:r>
+              <a:rPr lang="en-US" sz="1800" dirty="0">
+                <a:cs typeface="Calibri" panose="020F0502020204030204" pitchFamily="34" charset="0"/>
               </a:rPr>
-              <a:t>id: a numeric vector. Patient code.</a:t>
-            </a:r>
-          </a:p>
-          <a:p>
-            <a:pPr marL="285750" indent="-285750">
-              <a:buFont typeface="Arial" panose="020B0604020202020204" pitchFamily="34" charset="0"/>
-              <a:buChar char="•"/>
-            </a:pPr>
-            <a:r>
-              <a:rPr lang="en-US" sz="1800" b="1" dirty="0" err="1">
-                <a:latin typeface="Courier New" panose="02070309020205020404" pitchFamily="49" charset="0"/>
-                <a:cs typeface="Courier New" panose="02070309020205020404" pitchFamily="49" charset="0"/>
+              <a:t>The data was collected to test a laser treatment for delaying blindness in patients with diabetic retinopathy. The subset of 197 </a:t>
+            </a:r>
+            <a:r>
+              <a:rPr lang="en-US" sz="1800" dirty="0" err="1">
+                <a:cs typeface="Calibri" panose="020F0502020204030204" pitchFamily="34" charset="0"/>
               </a:rPr>
-              <a:t>agedx</a:t>
-            </a:r>
-            <a:r>
-              <a:rPr lang="en-US" sz="1800" b="1" dirty="0">
-                <a:latin typeface="Courier New" panose="02070309020205020404" pitchFamily="49" charset="0"/>
-                <a:cs typeface="Courier New" panose="02070309020205020404" pitchFamily="49" charset="0"/>
+              <a:t>patiens</a:t>
+            </a:r>
+            <a:r>
+              <a:rPr lang="en-US" sz="1800" dirty="0">
+                <a:cs typeface="Calibri" panose="020F0502020204030204" pitchFamily="34" charset="0"/>
               </a:rPr>
-              <a:t>: a numeric vector. Age of patient at diagnosis.</a:t>
-            </a:r>
-          </a:p>
-          <a:p>
-            <a:pPr marL="285750" indent="-285750">
-              <a:buFont typeface="Arial" panose="020B0604020202020204" pitchFamily="34" charset="0"/>
-              <a:buChar char="•"/>
-            </a:pPr>
-            <a:r>
-              <a:rPr lang="en-US" sz="1800" b="1" dirty="0">
-                <a:latin typeface="Courier New" panose="02070309020205020404" pitchFamily="49" charset="0"/>
-                <a:cs typeface="Courier New" panose="02070309020205020404" pitchFamily="49" charset="0"/>
+              <a:t> given in </a:t>
+            </a:r>
+            <a:r>
+              <a:rPr lang="en-US" sz="1800" dirty="0" err="1">
+                <a:cs typeface="Calibri" panose="020F0502020204030204" pitchFamily="34" charset="0"/>
               </a:rPr>
-              <a:t>time: a numeric vector. Survival time: time to blindness or censoring.</a:t>
-            </a:r>
-          </a:p>
-          <a:p>
-            <a:pPr marL="285750" indent="-285750">
-              <a:buFont typeface="Arial" panose="020B0604020202020204" pitchFamily="34" charset="0"/>
-              <a:buChar char="•"/>
-            </a:pPr>
-            <a:r>
-              <a:rPr lang="en-US" sz="1800" b="1" dirty="0">
-                <a:latin typeface="Courier New" panose="02070309020205020404" pitchFamily="49" charset="0"/>
-                <a:cs typeface="Courier New" panose="02070309020205020404" pitchFamily="49" charset="0"/>
+              <a:t>Huster</a:t>
+            </a:r>
+            <a:r>
+              <a:rPr lang="en-US" sz="1800" dirty="0">
+                <a:cs typeface="Calibri" panose="020F0502020204030204" pitchFamily="34" charset="0"/>
               </a:rPr>
-              <a:t>status: a numeric vector code. Survival status. 1: blindness, 0: censored.</a:t>
-            </a:r>
-          </a:p>
-          <a:p>
-            <a:pPr marL="285750" indent="-285750">
-              <a:buFont typeface="Arial" panose="020B0604020202020204" pitchFamily="34" charset="0"/>
-              <a:buChar char="•"/>
-            </a:pPr>
-            <a:r>
-              <a:rPr lang="en-US" sz="1800" b="1" dirty="0" err="1">
-                <a:latin typeface="Courier New" panose="02070309020205020404" pitchFamily="49" charset="0"/>
-                <a:cs typeface="Courier New" panose="02070309020205020404" pitchFamily="49" charset="0"/>
+              <a:t> et al. (1989) is used.</a:t>
+            </a:r>
+          </a:p>
+          <a:p>
+            <a:endParaRPr lang="en-US" sz="1800" dirty="0">
+              <a:cs typeface="Calibri" panose="020F0502020204030204" pitchFamily="34" charset="0"/>
+            </a:endParaRPr>
+          </a:p>
+          <a:p>
+            <a:r>
+              <a:rPr lang="en-US" sz="1800" dirty="0" err="1">
+                <a:cs typeface="Calibri" panose="020F0502020204030204" pitchFamily="34" charset="0"/>
               </a:rPr>
-              <a:t>trteye</a:t>
-            </a:r>
-            <a:r>
-              <a:rPr lang="en-US" sz="1800" b="1" dirty="0">
-                <a:latin typeface="Courier New" panose="02070309020205020404" pitchFamily="49" charset="0"/>
-                <a:cs typeface="Courier New" panose="02070309020205020404" pitchFamily="49" charset="0"/>
+              <a:t>Huster</a:t>
+            </a:r>
+            <a:r>
+              <a:rPr lang="en-US" sz="1800" dirty="0">
+                <a:cs typeface="Calibri" panose="020F0502020204030204" pitchFamily="34" charset="0"/>
               </a:rPr>
-              <a:t>: a numeric vector code. Random eye selected for treatment. 1: left eye 2: right eye.</a:t>
-            </a:r>
-          </a:p>
-          <a:p>
-            <a:pPr marL="285750" indent="-285750">
-              <a:buFont typeface="Arial" panose="020B0604020202020204" pitchFamily="34" charset="0"/>
-              <a:buChar char="•"/>
-            </a:pPr>
-            <a:r>
-              <a:rPr lang="en-US" sz="1800" b="1" dirty="0">
-                <a:latin typeface="Courier New" panose="02070309020205020404" pitchFamily="49" charset="0"/>
-                <a:cs typeface="Courier New" panose="02070309020205020404" pitchFamily="49" charset="0"/>
-              </a:rPr>
-              <a:t>treat: a numeric vector. 1: treatment 0: untreated.</a:t>
-            </a:r>
-          </a:p>
-          <a:p>
-            <a:pPr marL="285750" indent="-285750">
-              <a:buFont typeface="Arial" panose="020B0604020202020204" pitchFamily="34" charset="0"/>
-              <a:buChar char="•"/>
-            </a:pPr>
-            <a:r>
-              <a:rPr lang="en-US" sz="1800" b="1" dirty="0">
-                <a:latin typeface="Courier New" panose="02070309020205020404" pitchFamily="49" charset="0"/>
-                <a:cs typeface="Courier New" panose="02070309020205020404" pitchFamily="49" charset="0"/>
-              </a:rPr>
-              <a:t>adult: a numeric vector code. 1: younger than 20, 2: older than 20.</a:t>
+              <a:t> W.J. and Brookmeyer, R. and Self. S. (1989) Modelling paired survival data with covariates, Biometrics 45, 145-56.</a:t>
             </a:r>
           </a:p>
         </p:txBody>
@@ -5700,20 +5479,18 @@
           <a:lstStyle/>
           <a:p>
             <a:r>
-              <a:rPr lang="en-US" b="1" dirty="0">
-                <a:latin typeface="Courier New" panose="02070309020205020404" pitchFamily="49" charset="0"/>
-                <a:cs typeface="Courier New" panose="02070309020205020404" pitchFamily="49" charset="0"/>
+              <a:rPr lang="en-US" dirty="0">
+                <a:cs typeface="Calibri" panose="020F0502020204030204" pitchFamily="34" charset="0"/>
               </a:rPr>
-              <a:t>394 observations and 7 variables.</a:t>
-            </a:r>
-            <a:endParaRPr lang="en-US" dirty="0"/>
+              <a:t>Description</a:t>
+            </a:r>
           </a:p>
         </p:txBody>
       </p:sp>
     </p:spTree>
     <p:extLst>
       <p:ext uri="{BB962C8B-B14F-4D97-AF65-F5344CB8AC3E}">
-        <p14:creationId xmlns:p14="http://schemas.microsoft.com/office/powerpoint/2010/main" val="2239621086"/>
+        <p14:creationId xmlns:p14="http://schemas.microsoft.com/office/powerpoint/2010/main" val="3095013022"/>
       </p:ext>
     </p:extLst>
   </p:cSld>
@@ -5757,7 +5534,7 @@
           <a:p>
             <a:r>
               <a:rPr lang="en-US" dirty="0"/>
-              <a:t>Kidney data set</a:t>
+              <a:t>Diabetes data set</a:t>
             </a:r>
           </a:p>
         </p:txBody>
@@ -5777,55 +5554,99 @@
           <a:bodyPr/>
           <a:lstStyle/>
           <a:p>
-            <a:r>
-              <a:rPr lang="en-US" sz="1800" b="1" dirty="0">
-                <a:latin typeface="Courier New" panose="02070309020205020404" pitchFamily="49" charset="0"/>
-                <a:cs typeface="Courier New" panose="02070309020205020404" pitchFamily="49" charset="0"/>
+            <a:pPr marL="285750" indent="-285750">
+              <a:buFont typeface="Arial" panose="020B0604020202020204" pitchFamily="34" charset="0"/>
+              <a:buChar char="•"/>
+            </a:pPr>
+            <a:r>
+              <a:rPr lang="en-US" sz="1800" dirty="0">
+                <a:cs typeface="Calibri" panose="020F0502020204030204" pitchFamily="34" charset="0"/>
               </a:rPr>
-              <a:t>Data on the recurrence times to infection, at the point of insertion of the catheter, for kidney patients using portable dialysis equipment. Catheters may be removed for reasons other than infection, in which case the observation is censored. Each patient has exactly 2 observations.</a:t>
-            </a:r>
-          </a:p>
-          <a:p>
-            <a:endParaRPr lang="en-US" sz="1800" b="1" dirty="0">
-              <a:latin typeface="Courier New" panose="02070309020205020404" pitchFamily="49" charset="0"/>
-              <a:cs typeface="Courier New" panose="02070309020205020404" pitchFamily="49" charset="0"/>
-            </a:endParaRPr>
-          </a:p>
-          <a:p>
-            <a:r>
-              <a:rPr lang="en-US" sz="1800" b="1" dirty="0">
-                <a:latin typeface="Courier New" panose="02070309020205020404" pitchFamily="49" charset="0"/>
-                <a:cs typeface="Courier New" panose="02070309020205020404" pitchFamily="49" charset="0"/>
+              <a:t>id: a numeric vector. Patient code.</a:t>
+            </a:r>
+          </a:p>
+          <a:p>
+            <a:pPr marL="285750" indent="-285750">
+              <a:buFont typeface="Arial" panose="020B0604020202020204" pitchFamily="34" charset="0"/>
+              <a:buChar char="•"/>
+            </a:pPr>
+            <a:r>
+              <a:rPr lang="en-US" sz="1800" dirty="0" err="1">
+                <a:cs typeface="Calibri" panose="020F0502020204030204" pitchFamily="34" charset="0"/>
               </a:rPr>
-              <a:t>CA </a:t>
-            </a:r>
-            <a:r>
-              <a:rPr lang="en-US" sz="1800" b="1" dirty="0" err="1">
-                <a:latin typeface="Courier New" panose="02070309020205020404" pitchFamily="49" charset="0"/>
-                <a:cs typeface="Courier New" panose="02070309020205020404" pitchFamily="49" charset="0"/>
+              <a:t>agedx</a:t>
+            </a:r>
+            <a:r>
+              <a:rPr lang="en-US" sz="1800" dirty="0">
+                <a:cs typeface="Calibri" panose="020F0502020204030204" pitchFamily="34" charset="0"/>
               </a:rPr>
-              <a:t>McGilchrist</a:t>
-            </a:r>
-            <a:r>
-              <a:rPr lang="en-US" sz="1800" b="1" dirty="0">
-                <a:latin typeface="Courier New" panose="02070309020205020404" pitchFamily="49" charset="0"/>
-                <a:cs typeface="Courier New" panose="02070309020205020404" pitchFamily="49" charset="0"/>
+              <a:t>: a numeric vector. Age of patient at diagnosis.</a:t>
+            </a:r>
+          </a:p>
+          <a:p>
+            <a:pPr marL="285750" indent="-285750">
+              <a:buFont typeface="Arial" panose="020B0604020202020204" pitchFamily="34" charset="0"/>
+              <a:buChar char="•"/>
+            </a:pPr>
+            <a:r>
+              <a:rPr lang="en-US" sz="1800" dirty="0">
+                <a:cs typeface="Calibri" panose="020F0502020204030204" pitchFamily="34" charset="0"/>
               </a:rPr>
-              <a:t>, CW </a:t>
-            </a:r>
-            <a:r>
-              <a:rPr lang="en-US" sz="1800" b="1" dirty="0" err="1">
-                <a:latin typeface="Courier New" panose="02070309020205020404" pitchFamily="49" charset="0"/>
-                <a:cs typeface="Courier New" panose="02070309020205020404" pitchFamily="49" charset="0"/>
+              <a:t>time: a numeric vector. Survival time: time to blindness or censoring.</a:t>
+            </a:r>
+          </a:p>
+          <a:p>
+            <a:pPr marL="285750" indent="-285750">
+              <a:buFont typeface="Arial" panose="020B0604020202020204" pitchFamily="34" charset="0"/>
+              <a:buChar char="•"/>
+            </a:pPr>
+            <a:r>
+              <a:rPr lang="en-US" sz="1800" dirty="0">
+                <a:cs typeface="Calibri" panose="020F0502020204030204" pitchFamily="34" charset="0"/>
               </a:rPr>
-              <a:t>Aisbett</a:t>
-            </a:r>
-            <a:r>
-              <a:rPr lang="en-US" sz="1800" b="1" dirty="0">
-                <a:latin typeface="Courier New" panose="02070309020205020404" pitchFamily="49" charset="0"/>
-                <a:cs typeface="Courier New" panose="02070309020205020404" pitchFamily="49" charset="0"/>
+              <a:t>status: a numeric vector code. Survival status. 1: blindness, 0: censored.</a:t>
+            </a:r>
+          </a:p>
+          <a:p>
+            <a:pPr marL="285750" indent="-285750">
+              <a:buFont typeface="Arial" panose="020B0604020202020204" pitchFamily="34" charset="0"/>
+              <a:buChar char="•"/>
+            </a:pPr>
+            <a:r>
+              <a:rPr lang="en-US" sz="1800" dirty="0" err="1">
+                <a:cs typeface="Calibri" panose="020F0502020204030204" pitchFamily="34" charset="0"/>
               </a:rPr>
-              <a:t> (1991), Regression with frailty in survival analysis. Biometrics 47, 461–66.</a:t>
+              <a:t>trteye</a:t>
+            </a:r>
+            <a:r>
+              <a:rPr lang="en-US" sz="1800" dirty="0">
+                <a:cs typeface="Calibri" panose="020F0502020204030204" pitchFamily="34" charset="0"/>
+              </a:rPr>
+              <a:t>: a numeric vector code. Random eye selected for treatment. 1: left eye 2: right eye.</a:t>
+            </a:r>
+          </a:p>
+          <a:p>
+            <a:pPr marL="285750" indent="-285750">
+              <a:buFont typeface="Arial" panose="020B0604020202020204" pitchFamily="34" charset="0"/>
+              <a:buChar char="•"/>
+            </a:pPr>
+            <a:r>
+              <a:rPr lang="en-US" sz="1800" dirty="0">
+                <a:cs typeface="Calibri" panose="020F0502020204030204" pitchFamily="34" charset="0"/>
+              </a:rPr>
+              <a:t>treat: a numeric vector. 1: treatment 0: untreated.</a:t>
+            </a:r>
+          </a:p>
+          <a:p>
+            <a:pPr marL="285750" indent="-285750">
+              <a:buFont typeface="Arial" panose="020B0604020202020204" pitchFamily="34" charset="0"/>
+              <a:buChar char="•"/>
+            </a:pPr>
+            <a:r>
+              <a:rPr lang="en-US" sz="1800" dirty="0">
+                <a:cs typeface="Calibri" panose="020F0502020204030204" pitchFamily="34" charset="0"/>
+              </a:rPr>
+              <a:t>adult: a numeric vector code. 1: younger than 20, 2: older than 20.</a:t>
             </a:r>
           </a:p>
         </p:txBody>
@@ -5906,20 +5727,18 @@
           <a:lstStyle/>
           <a:p>
             <a:r>
-              <a:rPr lang="en-US" b="1" dirty="0">
-                <a:latin typeface="Courier New" panose="02070309020205020404" pitchFamily="49" charset="0"/>
-                <a:cs typeface="Courier New" panose="02070309020205020404" pitchFamily="49" charset="0"/>
+              <a:rPr lang="en-US" dirty="0">
+                <a:cs typeface="Calibri" panose="020F0502020204030204" pitchFamily="34" charset="0"/>
               </a:rPr>
-              <a:t>Description</a:t>
-            </a:r>
-            <a:endParaRPr lang="en-US" dirty="0"/>
+              <a:t>394 observations and 7 variables.</a:t>
+            </a:r>
           </a:p>
         </p:txBody>
       </p:sp>
     </p:spTree>
     <p:extLst>
       <p:ext uri="{BB962C8B-B14F-4D97-AF65-F5344CB8AC3E}">
-        <p14:creationId xmlns:p14="http://schemas.microsoft.com/office/powerpoint/2010/main" val="3305200947"/>
+        <p14:creationId xmlns:p14="http://schemas.microsoft.com/office/powerpoint/2010/main" val="2239621086"/>
       </p:ext>
     </p:extLst>
   </p:cSld>
@@ -5983,94 +5802,48 @@
           <a:bodyPr/>
           <a:lstStyle/>
           <a:p>
-            <a:pPr marL="285750" indent="-285750">
-              <a:buFont typeface="Arial" panose="020B0604020202020204" pitchFamily="34" charset="0"/>
-              <a:buChar char="•"/>
-            </a:pPr>
-            <a:r>
-              <a:rPr lang="en-US" sz="1800" b="1" dirty="0">
-                <a:latin typeface="Courier New" panose="02070309020205020404" pitchFamily="49" charset="0"/>
-                <a:cs typeface="Courier New" panose="02070309020205020404" pitchFamily="49" charset="0"/>
+            <a:r>
+              <a:rPr lang="en-US" sz="1800" dirty="0">
+                <a:cs typeface="Calibri" panose="020F0502020204030204" pitchFamily="34" charset="0"/>
               </a:rPr>
-              <a:t>patient: id</a:t>
-            </a:r>
-          </a:p>
-          <a:p>
-            <a:pPr marL="285750" indent="-285750">
-              <a:buFont typeface="Arial" panose="020B0604020202020204" pitchFamily="34" charset="0"/>
-              <a:buChar char="•"/>
-            </a:pPr>
-            <a:r>
-              <a:rPr lang="en-US" sz="1800" b="1" dirty="0">
-                <a:latin typeface="Courier New" panose="02070309020205020404" pitchFamily="49" charset="0"/>
-                <a:cs typeface="Courier New" panose="02070309020205020404" pitchFamily="49" charset="0"/>
+              <a:t>Data on the recurrence times to infection, at the point of insertion of the catheter, for kidney patients using portable dialysis equipment. Catheters may be removed for reasons other than infection, in which case the observation is censored. Each patient has exactly 2 observations.</a:t>
+            </a:r>
+          </a:p>
+          <a:p>
+            <a:endParaRPr lang="en-US" sz="1800" dirty="0">
+              <a:cs typeface="Calibri" panose="020F0502020204030204" pitchFamily="34" charset="0"/>
+            </a:endParaRPr>
+          </a:p>
+          <a:p>
+            <a:r>
+              <a:rPr lang="en-US" sz="1800" dirty="0">
+                <a:cs typeface="Calibri" panose="020F0502020204030204" pitchFamily="34" charset="0"/>
               </a:rPr>
-              <a:t>time: time</a:t>
-            </a:r>
-          </a:p>
-          <a:p>
-            <a:pPr marL="285750" indent="-285750">
-              <a:buFont typeface="Arial" panose="020B0604020202020204" pitchFamily="34" charset="0"/>
-              <a:buChar char="•"/>
-            </a:pPr>
-            <a:r>
-              <a:rPr lang="en-US" sz="1800" b="1" dirty="0">
-                <a:latin typeface="Courier New" panose="02070309020205020404" pitchFamily="49" charset="0"/>
-                <a:cs typeface="Courier New" panose="02070309020205020404" pitchFamily="49" charset="0"/>
+              <a:t>CA </a:t>
+            </a:r>
+            <a:r>
+              <a:rPr lang="en-US" sz="1800" dirty="0" err="1">
+                <a:cs typeface="Calibri" panose="020F0502020204030204" pitchFamily="34" charset="0"/>
               </a:rPr>
-              <a:t>status: event status</a:t>
-            </a:r>
-          </a:p>
-          <a:p>
-            <a:pPr marL="285750" indent="-285750">
-              <a:buFont typeface="Arial" panose="020B0604020202020204" pitchFamily="34" charset="0"/>
-              <a:buChar char="•"/>
-            </a:pPr>
-            <a:r>
-              <a:rPr lang="en-US" sz="1800" b="1" dirty="0">
-                <a:latin typeface="Courier New" panose="02070309020205020404" pitchFamily="49" charset="0"/>
-                <a:cs typeface="Courier New" panose="02070309020205020404" pitchFamily="49" charset="0"/>
+              <a:t>McGilchrist</a:t>
+            </a:r>
+            <a:r>
+              <a:rPr lang="en-US" sz="1800" dirty="0">
+                <a:cs typeface="Calibri" panose="020F0502020204030204" pitchFamily="34" charset="0"/>
               </a:rPr>
-              <a:t>age: in years</a:t>
-            </a:r>
-          </a:p>
-          <a:p>
-            <a:pPr marL="285750" indent="-285750">
-              <a:buFont typeface="Arial" panose="020B0604020202020204" pitchFamily="34" charset="0"/>
-              <a:buChar char="•"/>
-            </a:pPr>
-            <a:r>
-              <a:rPr lang="en-US" sz="1800" b="1" dirty="0">
-                <a:latin typeface="Courier New" panose="02070309020205020404" pitchFamily="49" charset="0"/>
-                <a:cs typeface="Courier New" panose="02070309020205020404" pitchFamily="49" charset="0"/>
+              <a:t>, CW </a:t>
+            </a:r>
+            <a:r>
+              <a:rPr lang="en-US" sz="1800" dirty="0" err="1">
+                <a:cs typeface="Calibri" panose="020F0502020204030204" pitchFamily="34" charset="0"/>
               </a:rPr>
-              <a:t>sex: 1=male, 2=female</a:t>
-            </a:r>
-          </a:p>
-          <a:p>
-            <a:pPr marL="285750" indent="-285750">
-              <a:buFont typeface="Arial" panose="020B0604020202020204" pitchFamily="34" charset="0"/>
-              <a:buChar char="•"/>
-            </a:pPr>
-            <a:r>
-              <a:rPr lang="en-US" sz="1800" b="1" dirty="0">
-                <a:latin typeface="Courier New" panose="02070309020205020404" pitchFamily="49" charset="0"/>
-                <a:cs typeface="Courier New" panose="02070309020205020404" pitchFamily="49" charset="0"/>
+              <a:t>Aisbett</a:t>
+            </a:r>
+            <a:r>
+              <a:rPr lang="en-US" sz="1800" dirty="0">
+                <a:cs typeface="Calibri" panose="020F0502020204030204" pitchFamily="34" charset="0"/>
               </a:rPr>
-              <a:t>disease: disease type (0=GN, 1=AN, 2=PKD, 3=Other)</a:t>
-            </a:r>
-          </a:p>
-          <a:p>
-            <a:pPr marL="285750" indent="-285750">
-              <a:buFont typeface="Arial" panose="020B0604020202020204" pitchFamily="34" charset="0"/>
-              <a:buChar char="•"/>
-            </a:pPr>
-            <a:r>
-              <a:rPr lang="en-US" sz="1800" b="1" dirty="0">
-                <a:latin typeface="Courier New" panose="02070309020205020404" pitchFamily="49" charset="0"/>
-                <a:cs typeface="Courier New" panose="02070309020205020404" pitchFamily="49" charset="0"/>
-              </a:rPr>
-              <a:t>frail: frailty estimate from original paper</a:t>
+              <a:t> (1991), Regression with frailty in survival analysis. Biometrics 47, 461–66.</a:t>
             </a:r>
           </a:p>
         </p:txBody>
@@ -6151,20 +5924,18 @@
           <a:lstStyle/>
           <a:p>
             <a:r>
-              <a:rPr lang="en-US" b="1" dirty="0">
-                <a:latin typeface="Courier New" panose="02070309020205020404" pitchFamily="49" charset="0"/>
-                <a:cs typeface="Courier New" panose="02070309020205020404" pitchFamily="49" charset="0"/>
+              <a:rPr lang="en-US" dirty="0">
+                <a:cs typeface="Calibri" panose="020F0502020204030204" pitchFamily="34" charset="0"/>
               </a:rPr>
-              <a:t>76 observations and 7 variables.</a:t>
-            </a:r>
-            <a:endParaRPr lang="en-US" dirty="0"/>
+              <a:t>Description</a:t>
+            </a:r>
           </a:p>
         </p:txBody>
       </p:sp>
     </p:spTree>
     <p:extLst>
       <p:ext uri="{BB962C8B-B14F-4D97-AF65-F5344CB8AC3E}">
-        <p14:creationId xmlns:p14="http://schemas.microsoft.com/office/powerpoint/2010/main" val="3330262570"/>
+        <p14:creationId xmlns:p14="http://schemas.microsoft.com/office/powerpoint/2010/main" val="3305200947"/>
       </p:ext>
     </p:extLst>
   </p:cSld>
@@ -6228,66 +5999,87 @@
           <a:bodyPr/>
           <a:lstStyle/>
           <a:p>
-            <a:r>
-              <a:rPr lang="en-US" sz="1800" b="1" dirty="0">
-                <a:latin typeface="Courier New" panose="02070309020205020404" pitchFamily="49" charset="0"/>
-                <a:cs typeface="Courier New" panose="02070309020205020404" pitchFamily="49" charset="0"/>
+            <a:pPr marL="285750" indent="-285750">
+              <a:buFont typeface="Arial" panose="020B0604020202020204" pitchFamily="34" charset="0"/>
+              <a:buChar char="•"/>
+            </a:pPr>
+            <a:r>
+              <a:rPr lang="en-US" sz="1800" dirty="0">
+                <a:cs typeface="Calibri" panose="020F0502020204030204" pitchFamily="34" charset="0"/>
               </a:rPr>
-              <a:t>  id time status age sex disease frail</a:t>
-            </a:r>
-          </a:p>
-          <a:p>
-            <a:r>
-              <a:rPr lang="en-US" sz="1800" b="1" dirty="0">
-                <a:latin typeface="Courier New" panose="02070309020205020404" pitchFamily="49" charset="0"/>
-                <a:cs typeface="Courier New" panose="02070309020205020404" pitchFamily="49" charset="0"/>
+              <a:t>patient: id</a:t>
+            </a:r>
+          </a:p>
+          <a:p>
+            <a:pPr marL="285750" indent="-285750">
+              <a:buFont typeface="Arial" panose="020B0604020202020204" pitchFamily="34" charset="0"/>
+              <a:buChar char="•"/>
+            </a:pPr>
+            <a:r>
+              <a:rPr lang="en-US" sz="1800" dirty="0">
+                <a:cs typeface="Calibri" panose="020F0502020204030204" pitchFamily="34" charset="0"/>
               </a:rPr>
-              <a:t>1  1    8      1  28   1   Other   2.3</a:t>
-            </a:r>
-          </a:p>
-          <a:p>
-            <a:r>
-              <a:rPr lang="en-US" sz="1800" b="1" dirty="0">
-                <a:latin typeface="Courier New" panose="02070309020205020404" pitchFamily="49" charset="0"/>
-                <a:cs typeface="Courier New" panose="02070309020205020404" pitchFamily="49" charset="0"/>
+              <a:t>time: time</a:t>
+            </a:r>
+          </a:p>
+          <a:p>
+            <a:pPr marL="285750" indent="-285750">
+              <a:buFont typeface="Arial" panose="020B0604020202020204" pitchFamily="34" charset="0"/>
+              <a:buChar char="•"/>
+            </a:pPr>
+            <a:r>
+              <a:rPr lang="en-US" sz="1800" dirty="0">
+                <a:cs typeface="Calibri" panose="020F0502020204030204" pitchFamily="34" charset="0"/>
               </a:rPr>
-              <a:t>2  1   16      1  28   1   Other   2.3</a:t>
-            </a:r>
-          </a:p>
-          <a:p>
-            <a:r>
-              <a:rPr lang="en-US" sz="1800" b="1" dirty="0">
-                <a:latin typeface="Courier New" panose="02070309020205020404" pitchFamily="49" charset="0"/>
-                <a:cs typeface="Courier New" panose="02070309020205020404" pitchFamily="49" charset="0"/>
+              <a:t>status: event status</a:t>
+            </a:r>
+          </a:p>
+          <a:p>
+            <a:pPr marL="285750" indent="-285750">
+              <a:buFont typeface="Arial" panose="020B0604020202020204" pitchFamily="34" charset="0"/>
+              <a:buChar char="•"/>
+            </a:pPr>
+            <a:r>
+              <a:rPr lang="en-US" sz="1800" dirty="0">
+                <a:cs typeface="Calibri" panose="020F0502020204030204" pitchFamily="34" charset="0"/>
               </a:rPr>
-              <a:t>3  2   23      1  48   2      GN   1.9</a:t>
-            </a:r>
-          </a:p>
-          <a:p>
-            <a:r>
-              <a:rPr lang="en-US" sz="1800" b="1" dirty="0">
-                <a:latin typeface="Courier New" panose="02070309020205020404" pitchFamily="49" charset="0"/>
-                <a:cs typeface="Courier New" panose="02070309020205020404" pitchFamily="49" charset="0"/>
+              <a:t>age: in years</a:t>
+            </a:r>
+          </a:p>
+          <a:p>
+            <a:pPr marL="285750" indent="-285750">
+              <a:buFont typeface="Arial" panose="020B0604020202020204" pitchFamily="34" charset="0"/>
+              <a:buChar char="•"/>
+            </a:pPr>
+            <a:r>
+              <a:rPr lang="en-US" sz="1800" dirty="0">
+                <a:cs typeface="Calibri" panose="020F0502020204030204" pitchFamily="34" charset="0"/>
               </a:rPr>
-              <a:t>4  2   13      0  48   2      GN   1.9</a:t>
-            </a:r>
-          </a:p>
-          <a:p>
-            <a:r>
-              <a:rPr lang="en-US" sz="1800" b="1" dirty="0">
-                <a:latin typeface="Courier New" panose="02070309020205020404" pitchFamily="49" charset="0"/>
-                <a:cs typeface="Courier New" panose="02070309020205020404" pitchFamily="49" charset="0"/>
+              <a:t>sex: 1=male, 2=female</a:t>
+            </a:r>
+          </a:p>
+          <a:p>
+            <a:pPr marL="285750" indent="-285750">
+              <a:buFont typeface="Arial" panose="020B0604020202020204" pitchFamily="34" charset="0"/>
+              <a:buChar char="•"/>
+            </a:pPr>
+            <a:r>
+              <a:rPr lang="en-US" sz="1800" dirty="0">
+                <a:cs typeface="Calibri" panose="020F0502020204030204" pitchFamily="34" charset="0"/>
               </a:rPr>
-              <a:t>5  3   22      1  32   1   Other   1.2</a:t>
-            </a:r>
-          </a:p>
-          <a:p>
-            <a:r>
-              <a:rPr lang="en-US" sz="1800" b="1" dirty="0">
-                <a:latin typeface="Courier New" panose="02070309020205020404" pitchFamily="49" charset="0"/>
-                <a:cs typeface="Courier New" panose="02070309020205020404" pitchFamily="49" charset="0"/>
+              <a:t>disease: disease type (0=GN, 1=AN, 2=PKD, 3=Other)</a:t>
+            </a:r>
+          </a:p>
+          <a:p>
+            <a:pPr marL="285750" indent="-285750">
+              <a:buFont typeface="Arial" panose="020B0604020202020204" pitchFamily="34" charset="0"/>
+              <a:buChar char="•"/>
+            </a:pPr>
+            <a:r>
+              <a:rPr lang="en-US" sz="1800" dirty="0">
+                <a:cs typeface="Calibri" panose="020F0502020204030204" pitchFamily="34" charset="0"/>
               </a:rPr>
-              <a:t>6  3   28      1  32   1   Other   1.2</a:t>
+              <a:t>frail: frailty estimate from original paper</a:t>
             </a:r>
           </a:p>
         </p:txBody>
@@ -6368,20 +6160,18 @@
           <a:lstStyle/>
           <a:p>
             <a:r>
-              <a:rPr lang="en-US" b="1" dirty="0">
-                <a:latin typeface="Courier New" panose="02070309020205020404" pitchFamily="49" charset="0"/>
-                <a:cs typeface="Courier New" panose="02070309020205020404" pitchFamily="49" charset="0"/>
+              <a:rPr lang="en-US" dirty="0">
+                <a:cs typeface="Calibri" panose="020F0502020204030204" pitchFamily="34" charset="0"/>
               </a:rPr>
-              <a:t>First six rows.</a:t>
-            </a:r>
-            <a:endParaRPr lang="en-US" dirty="0"/>
+              <a:t>76 observations and 7 variables.</a:t>
+            </a:r>
           </a:p>
         </p:txBody>
       </p:sp>
     </p:spTree>
     <p:extLst>
       <p:ext uri="{BB962C8B-B14F-4D97-AF65-F5344CB8AC3E}">
-        <p14:creationId xmlns:p14="http://schemas.microsoft.com/office/powerpoint/2010/main" val="1604538166"/>
+        <p14:creationId xmlns:p14="http://schemas.microsoft.com/office/powerpoint/2010/main" val="3330262570"/>
       </p:ext>
     </p:extLst>
   </p:cSld>
@@ -6606,7 +6396,7 @@
                 <a:latin typeface="Courier New" panose="02070309020205020404" pitchFamily="49" charset="0"/>
                 <a:cs typeface="Courier New" panose="02070309020205020404" pitchFamily="49" charset="0"/>
               </a:rPr>
-              <a:t>status  0  1 </a:t>
+              <a:t>  id time status age sex disease frail</a:t>
             </a:r>
           </a:p>
           <a:p>
@@ -6615,14 +6405,8 @@
                 <a:latin typeface="Courier New" panose="02070309020205020404" pitchFamily="49" charset="0"/>
                 <a:cs typeface="Courier New" panose="02070309020205020404" pitchFamily="49" charset="0"/>
               </a:rPr>
-              <a:t>       18 58</a:t>
-            </a:r>
-          </a:p>
-          <a:p>
-            <a:endParaRPr lang="en-US" sz="1800" b="1" dirty="0">
-              <a:latin typeface="Courier New" panose="02070309020205020404" pitchFamily="49" charset="0"/>
-              <a:cs typeface="Courier New" panose="02070309020205020404" pitchFamily="49" charset="0"/>
-            </a:endParaRPr>
+              <a:t>1  1    8      1  28   1   Other   2.3</a:t>
+            </a:r>
           </a:p>
           <a:p>
             <a:r>
@@ -6630,7 +6414,7 @@
                 <a:latin typeface="Courier New" panose="02070309020205020404" pitchFamily="49" charset="0"/>
                 <a:cs typeface="Courier New" panose="02070309020205020404" pitchFamily="49" charset="0"/>
               </a:rPr>
-              <a:t>sex     1  2 </a:t>
+              <a:t>2  1   16      1  28   1   Other   2.3</a:t>
             </a:r>
           </a:p>
           <a:p>
@@ -6639,14 +6423,8 @@
                 <a:latin typeface="Courier New" panose="02070309020205020404" pitchFamily="49" charset="0"/>
                 <a:cs typeface="Courier New" panose="02070309020205020404" pitchFamily="49" charset="0"/>
               </a:rPr>
-              <a:t>       20 56</a:t>
-            </a:r>
-          </a:p>
-          <a:p>
-            <a:endParaRPr lang="en-US" sz="1800" b="1" dirty="0">
-              <a:latin typeface="Courier New" panose="02070309020205020404" pitchFamily="49" charset="0"/>
-              <a:cs typeface="Courier New" panose="02070309020205020404" pitchFamily="49" charset="0"/>
-            </a:endParaRPr>
+              <a:t>3  2   23      1  48   2      GN   1.9</a:t>
+            </a:r>
           </a:p>
           <a:p>
             <a:r>
@@ -6654,7 +6432,7 @@
                 <a:latin typeface="Courier New" panose="02070309020205020404" pitchFamily="49" charset="0"/>
                 <a:cs typeface="Courier New" panose="02070309020205020404" pitchFamily="49" charset="0"/>
               </a:rPr>
-              <a:t>disease Other    GN    AN   PKD </a:t>
+              <a:t>4  2   13      0  48   2      GN   1.9</a:t>
             </a:r>
           </a:p>
           <a:p>
@@ -6663,7 +6441,16 @@
                 <a:latin typeface="Courier New" panose="02070309020205020404" pitchFamily="49" charset="0"/>
                 <a:cs typeface="Courier New" panose="02070309020205020404" pitchFamily="49" charset="0"/>
               </a:rPr>
-              <a:t>           26    18    24     8</a:t>
+              <a:t>5  3   22      1  32   1   Other   1.2</a:t>
+            </a:r>
+          </a:p>
+          <a:p>
+            <a:r>
+              <a:rPr lang="en-US" sz="1800" b="1" dirty="0">
+                <a:latin typeface="Courier New" panose="02070309020205020404" pitchFamily="49" charset="0"/>
+                <a:cs typeface="Courier New" panose="02070309020205020404" pitchFamily="49" charset="0"/>
+              </a:rPr>
+              <a:t>6  3   28      1  32   1   Other   1.2</a:t>
             </a:r>
           </a:p>
         </p:txBody>
@@ -6744,20 +6531,18 @@
           <a:lstStyle/>
           <a:p>
             <a:r>
-              <a:rPr lang="en-US" b="1" dirty="0">
-                <a:latin typeface="Courier New" panose="02070309020205020404" pitchFamily="49" charset="0"/>
-                <a:cs typeface="Courier New" panose="02070309020205020404" pitchFamily="49" charset="0"/>
+              <a:rPr lang="en-US" dirty="0">
+                <a:cs typeface="Calibri" panose="020F0502020204030204" pitchFamily="34" charset="0"/>
               </a:rPr>
-              <a:t>Descriptive statistics.</a:t>
-            </a:r>
-            <a:endParaRPr lang="en-US" dirty="0"/>
+              <a:t>First six rows.</a:t>
+            </a:r>
           </a:p>
         </p:txBody>
       </p:sp>
     </p:spTree>
     <p:extLst>
       <p:ext uri="{BB962C8B-B14F-4D97-AF65-F5344CB8AC3E}">
-        <p14:creationId xmlns:p14="http://schemas.microsoft.com/office/powerpoint/2010/main" val="3160245932"/>
+        <p14:creationId xmlns:p14="http://schemas.microsoft.com/office/powerpoint/2010/main" val="1604538166"/>
       </p:ext>
     </p:extLst>
   </p:cSld>
@@ -6826,7 +6611,7 @@
                 <a:latin typeface="Courier New" panose="02070309020205020404" pitchFamily="49" charset="0"/>
                 <a:cs typeface="Courier New" panose="02070309020205020404" pitchFamily="49" charset="0"/>
               </a:rPr>
-              <a:t>time   Min. 1st Qu.  Median    Mean 3rd Qu.    Max. </a:t>
+              <a:t>status  0  1 </a:t>
             </a:r>
           </a:p>
           <a:p>
@@ -6835,7 +6620,7 @@
                 <a:latin typeface="Courier New" panose="02070309020205020404" pitchFamily="49" charset="0"/>
                 <a:cs typeface="Courier New" panose="02070309020205020404" pitchFamily="49" charset="0"/>
               </a:rPr>
-              <a:t>        2.0    16.0    39.5   101.6   149.8   562.0</a:t>
+              <a:t>       18 58</a:t>
             </a:r>
           </a:p>
           <a:p>
@@ -6850,7 +6635,7 @@
                 <a:latin typeface="Courier New" panose="02070309020205020404" pitchFamily="49" charset="0"/>
                 <a:cs typeface="Courier New" panose="02070309020205020404" pitchFamily="49" charset="0"/>
               </a:rPr>
-              <a:t>age    Min. 1st Qu.  Median    Mean 3rd Qu.    Max. </a:t>
+              <a:t>sex     1  2 </a:t>
             </a:r>
           </a:p>
           <a:p>
@@ -6859,7 +6644,7 @@
                 <a:latin typeface="Courier New" panose="02070309020205020404" pitchFamily="49" charset="0"/>
                 <a:cs typeface="Courier New" panose="02070309020205020404" pitchFamily="49" charset="0"/>
               </a:rPr>
-              <a:t>       10.0    34.0    45.5    43.7    54.0    69.0</a:t>
+              <a:t>       20 56</a:t>
             </a:r>
           </a:p>
           <a:p>
@@ -6874,7 +6659,7 @@
                 <a:latin typeface="Courier New" panose="02070309020205020404" pitchFamily="49" charset="0"/>
                 <a:cs typeface="Courier New" panose="02070309020205020404" pitchFamily="49" charset="0"/>
               </a:rPr>
-              <a:t>frail  Min. 1st Qu.  Median    Mean 3rd Qu.    Max. </a:t>
+              <a:t>disease Other    GN    AN   PKD </a:t>
             </a:r>
           </a:p>
           <a:p>
@@ -6883,373 +6668,7 @@
                 <a:latin typeface="Courier New" panose="02070309020205020404" pitchFamily="49" charset="0"/>
                 <a:cs typeface="Courier New" panose="02070309020205020404" pitchFamily="49" charset="0"/>
               </a:rPr>
-              <a:t>      0.200   0.600   1.100   1.184   1.500   3.000</a:t>
-            </a:r>
-          </a:p>
-          <a:p>
-            <a:endParaRPr lang="en-US" sz="1800" b="1" dirty="0">
-              <a:latin typeface="Courier New" panose="02070309020205020404" pitchFamily="49" charset="0"/>
-              <a:cs typeface="Courier New" panose="02070309020205020404" pitchFamily="49" charset="0"/>
-            </a:endParaRPr>
-          </a:p>
-          <a:p>
-            <a:endParaRPr lang="en-US" sz="1800" b="1" dirty="0">
-              <a:latin typeface="Courier New" panose="02070309020205020404" pitchFamily="49" charset="0"/>
-              <a:cs typeface="Courier New" panose="02070309020205020404" pitchFamily="49" charset="0"/>
-            </a:endParaRPr>
-          </a:p>
-          <a:p>
-            <a:endParaRPr lang="en-US" sz="1800" b="1" dirty="0">
-              <a:latin typeface="Courier New" panose="02070309020205020404" pitchFamily="49" charset="0"/>
-              <a:cs typeface="Courier New" panose="02070309020205020404" pitchFamily="49" charset="0"/>
-            </a:endParaRPr>
-          </a:p>
-          <a:p>
-            <a:endParaRPr lang="en-US" sz="1800" b="1" dirty="0">
-              <a:latin typeface="Courier New" panose="02070309020205020404" pitchFamily="49" charset="0"/>
-              <a:cs typeface="Courier New" panose="02070309020205020404" pitchFamily="49" charset="0"/>
-            </a:endParaRPr>
-          </a:p>
-          <a:p>
-            <a:endParaRPr lang="en-US" sz="1800" b="1" dirty="0">
-              <a:latin typeface="Courier New" panose="02070309020205020404" pitchFamily="49" charset="0"/>
-              <a:cs typeface="Courier New" panose="02070309020205020404" pitchFamily="49" charset="0"/>
-            </a:endParaRPr>
-          </a:p>
-          <a:p>
-            <a:endParaRPr lang="en-US" sz="1800" b="1" dirty="0">
-              <a:latin typeface="Courier New" panose="02070309020205020404" pitchFamily="49" charset="0"/>
-              <a:cs typeface="Courier New" panose="02070309020205020404" pitchFamily="49" charset="0"/>
-            </a:endParaRPr>
-          </a:p>
-          <a:p>
-            <a:endParaRPr lang="en-US" sz="1800" b="1" dirty="0">
-              <a:latin typeface="Courier New" panose="02070309020205020404" pitchFamily="49" charset="0"/>
-              <a:cs typeface="Courier New" panose="02070309020205020404" pitchFamily="49" charset="0"/>
-            </a:endParaRPr>
-          </a:p>
-          <a:p>
-            <a:endParaRPr lang="en-US" sz="1800" b="1" dirty="0">
-              <a:latin typeface="Courier New" panose="02070309020205020404" pitchFamily="49" charset="0"/>
-              <a:cs typeface="Courier New" panose="02070309020205020404" pitchFamily="49" charset="0"/>
-            </a:endParaRPr>
-          </a:p>
-          <a:p>
-            <a:endParaRPr lang="en-US" sz="1800" b="1" dirty="0">
-              <a:latin typeface="Courier New" panose="02070309020205020404" pitchFamily="49" charset="0"/>
-              <a:cs typeface="Courier New" panose="02070309020205020404" pitchFamily="49" charset="0"/>
-            </a:endParaRPr>
-          </a:p>
-          <a:p>
-            <a:endParaRPr lang="en-US" sz="1800" b="1" dirty="0">
-              <a:latin typeface="Courier New" panose="02070309020205020404" pitchFamily="49" charset="0"/>
-              <a:cs typeface="Courier New" panose="02070309020205020404" pitchFamily="49" charset="0"/>
-            </a:endParaRPr>
-          </a:p>
-          <a:p>
-            <a:endParaRPr lang="en-US" sz="1800" b="1" dirty="0">
-              <a:latin typeface="Courier New" panose="02070309020205020404" pitchFamily="49" charset="0"/>
-              <a:cs typeface="Courier New" panose="02070309020205020404" pitchFamily="49" charset="0"/>
-            </a:endParaRPr>
-          </a:p>
-          <a:p>
-            <a:endParaRPr lang="en-US" sz="1800" b="1" dirty="0">
-              <a:latin typeface="Courier New" panose="02070309020205020404" pitchFamily="49" charset="0"/>
-              <a:cs typeface="Courier New" panose="02070309020205020404" pitchFamily="49" charset="0"/>
-            </a:endParaRPr>
-          </a:p>
-          <a:p>
-            <a:endParaRPr lang="en-US" sz="1800" b="1" dirty="0">
-              <a:latin typeface="Courier New" panose="02070309020205020404" pitchFamily="49" charset="0"/>
-              <a:cs typeface="Courier New" panose="02070309020205020404" pitchFamily="49" charset="0"/>
-            </a:endParaRPr>
-          </a:p>
-          <a:p>
-            <a:endParaRPr lang="en-US" sz="1800" b="1" dirty="0">
-              <a:latin typeface="Courier New" panose="02070309020205020404" pitchFamily="49" charset="0"/>
-              <a:cs typeface="Courier New" panose="02070309020205020404" pitchFamily="49" charset="0"/>
-            </a:endParaRPr>
-          </a:p>
-          <a:p>
-            <a:endParaRPr lang="en-US" sz="1800" b="1" dirty="0">
-              <a:latin typeface="Courier New" panose="02070309020205020404" pitchFamily="49" charset="0"/>
-              <a:cs typeface="Courier New" panose="02070309020205020404" pitchFamily="49" charset="0"/>
-            </a:endParaRPr>
-          </a:p>
-          <a:p>
-            <a:endParaRPr lang="en-US" sz="1800" b="1" dirty="0">
-              <a:latin typeface="Courier New" panose="02070309020205020404" pitchFamily="49" charset="0"/>
-              <a:cs typeface="Courier New" panose="02070309020205020404" pitchFamily="49" charset="0"/>
-            </a:endParaRPr>
-          </a:p>
-          <a:p>
-            <a:endParaRPr lang="en-US" sz="1800" b="1" dirty="0">
-              <a:latin typeface="Courier New" panose="02070309020205020404" pitchFamily="49" charset="0"/>
-              <a:cs typeface="Courier New" panose="02070309020205020404" pitchFamily="49" charset="0"/>
-            </a:endParaRPr>
-          </a:p>
-          <a:p>
-            <a:endParaRPr lang="en-US" sz="1800" b="1" dirty="0">
-              <a:latin typeface="Courier New" panose="02070309020205020404" pitchFamily="49" charset="0"/>
-              <a:cs typeface="Courier New" panose="02070309020205020404" pitchFamily="49" charset="0"/>
-            </a:endParaRPr>
-          </a:p>
-          <a:p>
-            <a:endParaRPr lang="en-US" sz="1800" b="1" dirty="0">
-              <a:latin typeface="Courier New" panose="02070309020205020404" pitchFamily="49" charset="0"/>
-              <a:cs typeface="Courier New" panose="02070309020205020404" pitchFamily="49" charset="0"/>
-            </a:endParaRPr>
-          </a:p>
-          <a:p>
-            <a:endParaRPr lang="en-US" sz="1800" b="1" dirty="0">
-              <a:latin typeface="Courier New" panose="02070309020205020404" pitchFamily="49" charset="0"/>
-              <a:cs typeface="Courier New" panose="02070309020205020404" pitchFamily="49" charset="0"/>
-            </a:endParaRPr>
-          </a:p>
-          <a:p>
-            <a:endParaRPr lang="en-US" sz="1800" b="1" dirty="0">
-              <a:latin typeface="Courier New" panose="02070309020205020404" pitchFamily="49" charset="0"/>
-              <a:cs typeface="Courier New" panose="02070309020205020404" pitchFamily="49" charset="0"/>
-            </a:endParaRPr>
-          </a:p>
-          <a:p>
-            <a:endParaRPr lang="en-US" sz="1800" b="1" dirty="0">
-              <a:latin typeface="Courier New" panose="02070309020205020404" pitchFamily="49" charset="0"/>
-              <a:cs typeface="Courier New" panose="02070309020205020404" pitchFamily="49" charset="0"/>
-            </a:endParaRPr>
-          </a:p>
-          <a:p>
-            <a:endParaRPr lang="en-US" sz="1800" b="1" dirty="0">
-              <a:latin typeface="Courier New" panose="02070309020205020404" pitchFamily="49" charset="0"/>
-              <a:cs typeface="Courier New" panose="02070309020205020404" pitchFamily="49" charset="0"/>
-            </a:endParaRPr>
-          </a:p>
-          <a:p>
-            <a:endParaRPr lang="en-US" sz="1800" b="1" dirty="0">
-              <a:latin typeface="Courier New" panose="02070309020205020404" pitchFamily="49" charset="0"/>
-              <a:cs typeface="Courier New" panose="02070309020205020404" pitchFamily="49" charset="0"/>
-            </a:endParaRPr>
-          </a:p>
-          <a:p>
-            <a:endParaRPr lang="en-US" sz="1800" b="1" dirty="0">
-              <a:latin typeface="Courier New" panose="02070309020205020404" pitchFamily="49" charset="0"/>
-              <a:cs typeface="Courier New" panose="02070309020205020404" pitchFamily="49" charset="0"/>
-            </a:endParaRPr>
-          </a:p>
-          <a:p>
-            <a:endParaRPr lang="en-US" sz="1800" b="1" dirty="0">
-              <a:latin typeface="Courier New" panose="02070309020205020404" pitchFamily="49" charset="0"/>
-              <a:cs typeface="Courier New" panose="02070309020205020404" pitchFamily="49" charset="0"/>
-            </a:endParaRPr>
-          </a:p>
-          <a:p>
-            <a:endParaRPr lang="en-US" sz="1800" b="1" dirty="0">
-              <a:latin typeface="Courier New" panose="02070309020205020404" pitchFamily="49" charset="0"/>
-              <a:cs typeface="Courier New" panose="02070309020205020404" pitchFamily="49" charset="0"/>
-            </a:endParaRPr>
-          </a:p>
-          <a:p>
-            <a:endParaRPr lang="en-US" sz="1800" b="1" dirty="0">
-              <a:latin typeface="Courier New" panose="02070309020205020404" pitchFamily="49" charset="0"/>
-              <a:cs typeface="Courier New" panose="02070309020205020404" pitchFamily="49" charset="0"/>
-            </a:endParaRPr>
-          </a:p>
-          <a:p>
-            <a:endParaRPr lang="en-US" sz="1800" b="1" dirty="0">
-              <a:latin typeface="Courier New" panose="02070309020205020404" pitchFamily="49" charset="0"/>
-              <a:cs typeface="Courier New" panose="02070309020205020404" pitchFamily="49" charset="0"/>
-            </a:endParaRPr>
-          </a:p>
-          <a:p>
-            <a:endParaRPr lang="en-US" sz="1800" b="1" dirty="0">
-              <a:latin typeface="Courier New" panose="02070309020205020404" pitchFamily="49" charset="0"/>
-              <a:cs typeface="Courier New" panose="02070309020205020404" pitchFamily="49" charset="0"/>
-            </a:endParaRPr>
-          </a:p>
-          <a:p>
-            <a:endParaRPr lang="en-US" sz="1800" b="1" dirty="0">
-              <a:latin typeface="Courier New" panose="02070309020205020404" pitchFamily="49" charset="0"/>
-              <a:cs typeface="Courier New" panose="02070309020205020404" pitchFamily="49" charset="0"/>
-            </a:endParaRPr>
-          </a:p>
-          <a:p>
-            <a:endParaRPr lang="en-US" sz="1800" b="1" dirty="0">
-              <a:latin typeface="Courier New" panose="02070309020205020404" pitchFamily="49" charset="0"/>
-              <a:cs typeface="Courier New" panose="02070309020205020404" pitchFamily="49" charset="0"/>
-            </a:endParaRPr>
-          </a:p>
-          <a:p>
-            <a:endParaRPr lang="en-US" sz="1800" b="1" dirty="0">
-              <a:latin typeface="Courier New" panose="02070309020205020404" pitchFamily="49" charset="0"/>
-              <a:cs typeface="Courier New" panose="02070309020205020404" pitchFamily="49" charset="0"/>
-            </a:endParaRPr>
-          </a:p>
-          <a:p>
-            <a:endParaRPr lang="en-US" sz="1800" b="1" dirty="0">
-              <a:latin typeface="Courier New" panose="02070309020205020404" pitchFamily="49" charset="0"/>
-              <a:cs typeface="Courier New" panose="02070309020205020404" pitchFamily="49" charset="0"/>
-            </a:endParaRPr>
-          </a:p>
-          <a:p>
-            <a:endParaRPr lang="en-US" sz="1800" b="1" dirty="0">
-              <a:latin typeface="Courier New" panose="02070309020205020404" pitchFamily="49" charset="0"/>
-              <a:cs typeface="Courier New" panose="02070309020205020404" pitchFamily="49" charset="0"/>
-            </a:endParaRPr>
-          </a:p>
-          <a:p>
-            <a:endParaRPr lang="en-US" sz="1800" b="1" dirty="0">
-              <a:latin typeface="Courier New" panose="02070309020205020404" pitchFamily="49" charset="0"/>
-              <a:cs typeface="Courier New" panose="02070309020205020404" pitchFamily="49" charset="0"/>
-            </a:endParaRPr>
-          </a:p>
-          <a:p>
-            <a:endParaRPr lang="en-US" sz="1800" b="1" dirty="0">
-              <a:latin typeface="Courier New" panose="02070309020205020404" pitchFamily="49" charset="0"/>
-              <a:cs typeface="Courier New" panose="02070309020205020404" pitchFamily="49" charset="0"/>
-            </a:endParaRPr>
-          </a:p>
-          <a:p>
-            <a:endParaRPr lang="en-US" sz="1800" b="1" dirty="0">
-              <a:latin typeface="Courier New" panose="02070309020205020404" pitchFamily="49" charset="0"/>
-              <a:cs typeface="Courier New" panose="02070309020205020404" pitchFamily="49" charset="0"/>
-            </a:endParaRPr>
-          </a:p>
-          <a:p>
-            <a:endParaRPr lang="en-US" sz="1800" b="1" dirty="0">
-              <a:latin typeface="Courier New" panose="02070309020205020404" pitchFamily="49" charset="0"/>
-              <a:cs typeface="Courier New" panose="02070309020205020404" pitchFamily="49" charset="0"/>
-            </a:endParaRPr>
-          </a:p>
-          <a:p>
-            <a:endParaRPr lang="en-US" sz="1800" b="1" dirty="0">
-              <a:latin typeface="Courier New" panose="02070309020205020404" pitchFamily="49" charset="0"/>
-              <a:cs typeface="Courier New" panose="02070309020205020404" pitchFamily="49" charset="0"/>
-            </a:endParaRPr>
-          </a:p>
-          <a:p>
-            <a:endParaRPr lang="en-US" sz="1800" b="1" dirty="0">
-              <a:latin typeface="Courier New" panose="02070309020205020404" pitchFamily="49" charset="0"/>
-              <a:cs typeface="Courier New" panose="02070309020205020404" pitchFamily="49" charset="0"/>
-            </a:endParaRPr>
-          </a:p>
-          <a:p>
-            <a:endParaRPr lang="en-US" sz="1800" b="1" dirty="0">
-              <a:latin typeface="Courier New" panose="02070309020205020404" pitchFamily="49" charset="0"/>
-              <a:cs typeface="Courier New" panose="02070309020205020404" pitchFamily="49" charset="0"/>
-            </a:endParaRPr>
-          </a:p>
-          <a:p>
-            <a:endParaRPr lang="en-US" sz="1800" b="1" dirty="0">
-              <a:latin typeface="Courier New" panose="02070309020205020404" pitchFamily="49" charset="0"/>
-              <a:cs typeface="Courier New" panose="02070309020205020404" pitchFamily="49" charset="0"/>
-            </a:endParaRPr>
-          </a:p>
-          <a:p>
-            <a:endParaRPr lang="en-US" sz="1800" b="1" dirty="0">
-              <a:latin typeface="Courier New" panose="02070309020205020404" pitchFamily="49" charset="0"/>
-              <a:cs typeface="Courier New" panose="02070309020205020404" pitchFamily="49" charset="0"/>
-            </a:endParaRPr>
-          </a:p>
-          <a:p>
-            <a:endParaRPr lang="en-US" sz="1800" b="1" dirty="0">
-              <a:latin typeface="Courier New" panose="02070309020205020404" pitchFamily="49" charset="0"/>
-              <a:cs typeface="Courier New" panose="02070309020205020404" pitchFamily="49" charset="0"/>
-            </a:endParaRPr>
-          </a:p>
-          <a:p>
-            <a:endParaRPr lang="en-US" sz="1800" b="1" dirty="0">
-              <a:latin typeface="Courier New" panose="02070309020205020404" pitchFamily="49" charset="0"/>
-              <a:cs typeface="Courier New" panose="02070309020205020404" pitchFamily="49" charset="0"/>
-            </a:endParaRPr>
-          </a:p>
-          <a:p>
-            <a:endParaRPr lang="en-US" sz="1800" b="1" dirty="0">
-              <a:latin typeface="Courier New" panose="02070309020205020404" pitchFamily="49" charset="0"/>
-              <a:cs typeface="Courier New" panose="02070309020205020404" pitchFamily="49" charset="0"/>
-            </a:endParaRPr>
-          </a:p>
-          <a:p>
-            <a:endParaRPr lang="en-US" sz="1800" b="1" dirty="0">
-              <a:latin typeface="Courier New" panose="02070309020205020404" pitchFamily="49" charset="0"/>
-              <a:cs typeface="Courier New" panose="02070309020205020404" pitchFamily="49" charset="0"/>
-            </a:endParaRPr>
-          </a:p>
-          <a:p>
-            <a:endParaRPr lang="en-US" sz="1800" b="1" dirty="0">
-              <a:latin typeface="Courier New" panose="02070309020205020404" pitchFamily="49" charset="0"/>
-              <a:cs typeface="Courier New" panose="02070309020205020404" pitchFamily="49" charset="0"/>
-            </a:endParaRPr>
-          </a:p>
-          <a:p>
-            <a:endParaRPr lang="en-US" sz="1800" b="1" dirty="0">
-              <a:latin typeface="Courier New" panose="02070309020205020404" pitchFamily="49" charset="0"/>
-              <a:cs typeface="Courier New" panose="02070309020205020404" pitchFamily="49" charset="0"/>
-            </a:endParaRPr>
-          </a:p>
-          <a:p>
-            <a:endParaRPr lang="en-US" sz="1800" b="1" dirty="0">
-              <a:latin typeface="Courier New" panose="02070309020205020404" pitchFamily="49" charset="0"/>
-              <a:cs typeface="Courier New" panose="02070309020205020404" pitchFamily="49" charset="0"/>
-            </a:endParaRPr>
-          </a:p>
-          <a:p>
-            <a:endParaRPr lang="en-US" sz="1800" b="1" dirty="0">
-              <a:latin typeface="Courier New" panose="02070309020205020404" pitchFamily="49" charset="0"/>
-              <a:cs typeface="Courier New" panose="02070309020205020404" pitchFamily="49" charset="0"/>
-            </a:endParaRPr>
-          </a:p>
-          <a:p>
-            <a:endParaRPr lang="en-US" sz="1800" b="1" dirty="0">
-              <a:latin typeface="Courier New" panose="02070309020205020404" pitchFamily="49" charset="0"/>
-              <a:cs typeface="Courier New" panose="02070309020205020404" pitchFamily="49" charset="0"/>
-            </a:endParaRPr>
-          </a:p>
-          <a:p>
-            <a:endParaRPr lang="en-US" sz="1800" b="1" dirty="0">
-              <a:latin typeface="Courier New" panose="02070309020205020404" pitchFamily="49" charset="0"/>
-              <a:cs typeface="Courier New" panose="02070309020205020404" pitchFamily="49" charset="0"/>
-            </a:endParaRPr>
-          </a:p>
-          <a:p>
-            <a:endParaRPr lang="en-US" sz="1800" b="1" dirty="0">
-              <a:latin typeface="Courier New" panose="02070309020205020404" pitchFamily="49" charset="0"/>
-              <a:cs typeface="Courier New" panose="02070309020205020404" pitchFamily="49" charset="0"/>
-            </a:endParaRPr>
-          </a:p>
-          <a:p>
-            <a:endParaRPr lang="en-US" sz="1800" b="1" dirty="0">
-              <a:latin typeface="Courier New" panose="02070309020205020404" pitchFamily="49" charset="0"/>
-              <a:cs typeface="Courier New" panose="02070309020205020404" pitchFamily="49" charset="0"/>
-            </a:endParaRPr>
-          </a:p>
-          <a:p>
-            <a:endParaRPr lang="en-US" sz="1800" b="1" dirty="0">
-              <a:latin typeface="Courier New" panose="02070309020205020404" pitchFamily="49" charset="0"/>
-              <a:cs typeface="Courier New" panose="02070309020205020404" pitchFamily="49" charset="0"/>
-            </a:endParaRPr>
-          </a:p>
-          <a:p>
-            <a:endParaRPr lang="en-US" sz="1800" b="1" dirty="0">
-              <a:latin typeface="Courier New" panose="02070309020205020404" pitchFamily="49" charset="0"/>
-              <a:cs typeface="Courier New" panose="02070309020205020404" pitchFamily="49" charset="0"/>
-            </a:endParaRPr>
-          </a:p>
-          <a:p>
-            <a:r>
-              <a:rPr lang="en-US" sz="1800" b="1" dirty="0">
-                <a:latin typeface="Courier New" panose="02070309020205020404" pitchFamily="49" charset="0"/>
-                <a:cs typeface="Courier New" panose="02070309020205020404" pitchFamily="49" charset="0"/>
-              </a:rPr>
-              <a:t>##    Min. 1st Qu.  Median    Mean 3rd Qu.    Max. </a:t>
-            </a:r>
-          </a:p>
-          <a:p>
-            <a:r>
-              <a:rPr lang="en-US" sz="1800" b="1" dirty="0">
-                <a:latin typeface="Courier New" panose="02070309020205020404" pitchFamily="49" charset="0"/>
-                <a:cs typeface="Courier New" panose="02070309020205020404" pitchFamily="49" charset="0"/>
-              </a:rPr>
-              <a:t>##   0.200   0.600   1.100   1.184   1.500   3.000</a:t>
+              <a:t>           26    18    24     8</a:t>
             </a:r>
           </a:p>
         </p:txBody>
@@ -7330,20 +6749,18 @@
           <a:lstStyle/>
           <a:p>
             <a:r>
-              <a:rPr lang="en-US" b="1" dirty="0">
-                <a:latin typeface="Courier New" panose="02070309020205020404" pitchFamily="49" charset="0"/>
-                <a:cs typeface="Courier New" panose="02070309020205020404" pitchFamily="49" charset="0"/>
+              <a:rPr lang="en-US" dirty="0">
+                <a:cs typeface="Calibri" panose="020F0502020204030204" pitchFamily="34" charset="0"/>
               </a:rPr>
               <a:t>Descriptive statistics.</a:t>
             </a:r>
-            <a:endParaRPr lang="en-US" dirty="0"/>
           </a:p>
         </p:txBody>
       </p:sp>
     </p:spTree>
     <p:extLst>
       <p:ext uri="{BB962C8B-B14F-4D97-AF65-F5344CB8AC3E}">
-        <p14:creationId xmlns:p14="http://schemas.microsoft.com/office/powerpoint/2010/main" val="491449933"/>
+        <p14:creationId xmlns:p14="http://schemas.microsoft.com/office/powerpoint/2010/main" val="3160245932"/>
       </p:ext>
     </p:extLst>
   </p:cSld>
@@ -7394,6 +6811,454 @@
       </p:sp>
       <p:sp>
         <p:nvSpPr>
+          <p:cNvPr id="3" name="Text Placeholder 2"/>
+          <p:cNvSpPr>
+            <a:spLocks noGrp="1"/>
+          </p:cNvSpPr>
+          <p:nvPr>
+            <p:ph type="body" idx="1"/>
+          </p:nvPr>
+        </p:nvSpPr>
+        <p:spPr/>
+        <p:txBody>
+          <a:bodyPr/>
+          <a:lstStyle/>
+          <a:p>
+            <a:r>
+              <a:rPr lang="en-US" sz="1800" b="1" dirty="0">
+                <a:latin typeface="Courier New" panose="02070309020205020404" pitchFamily="49" charset="0"/>
+                <a:cs typeface="Courier New" panose="02070309020205020404" pitchFamily="49" charset="0"/>
+              </a:rPr>
+              <a:t>time   Min. 1st Qu.  Median    Mean 3rd Qu.    Max. </a:t>
+            </a:r>
+          </a:p>
+          <a:p>
+            <a:r>
+              <a:rPr lang="en-US" sz="1800" b="1" dirty="0">
+                <a:latin typeface="Courier New" panose="02070309020205020404" pitchFamily="49" charset="0"/>
+                <a:cs typeface="Courier New" panose="02070309020205020404" pitchFamily="49" charset="0"/>
+              </a:rPr>
+              <a:t>        2.0    16.0    39.5   101.6   149.8   562.0</a:t>
+            </a:r>
+          </a:p>
+          <a:p>
+            <a:endParaRPr lang="en-US" sz="1800" b="1" dirty="0">
+              <a:latin typeface="Courier New" panose="02070309020205020404" pitchFamily="49" charset="0"/>
+              <a:cs typeface="Courier New" panose="02070309020205020404" pitchFamily="49" charset="0"/>
+            </a:endParaRPr>
+          </a:p>
+          <a:p>
+            <a:r>
+              <a:rPr lang="en-US" sz="1800" b="1" dirty="0">
+                <a:latin typeface="Courier New" panose="02070309020205020404" pitchFamily="49" charset="0"/>
+                <a:cs typeface="Courier New" panose="02070309020205020404" pitchFamily="49" charset="0"/>
+              </a:rPr>
+              <a:t>age    Min. 1st Qu.  Median    Mean 3rd Qu.    Max. </a:t>
+            </a:r>
+          </a:p>
+          <a:p>
+            <a:r>
+              <a:rPr lang="en-US" sz="1800" b="1" dirty="0">
+                <a:latin typeface="Courier New" panose="02070309020205020404" pitchFamily="49" charset="0"/>
+                <a:cs typeface="Courier New" panose="02070309020205020404" pitchFamily="49" charset="0"/>
+              </a:rPr>
+              <a:t>       10.0    34.0    45.5    43.7    54.0    69.0</a:t>
+            </a:r>
+          </a:p>
+          <a:p>
+            <a:endParaRPr lang="en-US" sz="1800" b="1" dirty="0">
+              <a:latin typeface="Courier New" panose="02070309020205020404" pitchFamily="49" charset="0"/>
+              <a:cs typeface="Courier New" panose="02070309020205020404" pitchFamily="49" charset="0"/>
+            </a:endParaRPr>
+          </a:p>
+          <a:p>
+            <a:r>
+              <a:rPr lang="en-US" sz="1800" b="1" dirty="0">
+                <a:latin typeface="Courier New" panose="02070309020205020404" pitchFamily="49" charset="0"/>
+                <a:cs typeface="Courier New" panose="02070309020205020404" pitchFamily="49" charset="0"/>
+              </a:rPr>
+              <a:t>frail  Min. 1st Qu.  Median    Mean 3rd Qu.    Max. </a:t>
+            </a:r>
+          </a:p>
+          <a:p>
+            <a:r>
+              <a:rPr lang="en-US" sz="1800" b="1" dirty="0">
+                <a:latin typeface="Courier New" panose="02070309020205020404" pitchFamily="49" charset="0"/>
+                <a:cs typeface="Courier New" panose="02070309020205020404" pitchFamily="49" charset="0"/>
+              </a:rPr>
+              <a:t>      0.200   0.600   1.100   1.184   1.500   3.000</a:t>
+            </a:r>
+          </a:p>
+          <a:p>
+            <a:endParaRPr lang="en-US" sz="1800" b="1" dirty="0">
+              <a:latin typeface="Courier New" panose="02070309020205020404" pitchFamily="49" charset="0"/>
+              <a:cs typeface="Courier New" panose="02070309020205020404" pitchFamily="49" charset="0"/>
+            </a:endParaRPr>
+          </a:p>
+          <a:p>
+            <a:endParaRPr lang="en-US" sz="1800" b="1" dirty="0">
+              <a:latin typeface="Courier New" panose="02070309020205020404" pitchFamily="49" charset="0"/>
+              <a:cs typeface="Courier New" panose="02070309020205020404" pitchFamily="49" charset="0"/>
+            </a:endParaRPr>
+          </a:p>
+          <a:p>
+            <a:endParaRPr lang="en-US" sz="1800" b="1" dirty="0">
+              <a:latin typeface="Courier New" panose="02070309020205020404" pitchFamily="49" charset="0"/>
+              <a:cs typeface="Courier New" panose="02070309020205020404" pitchFamily="49" charset="0"/>
+            </a:endParaRPr>
+          </a:p>
+          <a:p>
+            <a:endParaRPr lang="en-US" sz="1800" b="1" dirty="0">
+              <a:latin typeface="Courier New" panose="02070309020205020404" pitchFamily="49" charset="0"/>
+              <a:cs typeface="Courier New" panose="02070309020205020404" pitchFamily="49" charset="0"/>
+            </a:endParaRPr>
+          </a:p>
+          <a:p>
+            <a:endParaRPr lang="en-US" sz="1800" b="1" dirty="0">
+              <a:latin typeface="Courier New" panose="02070309020205020404" pitchFamily="49" charset="0"/>
+              <a:cs typeface="Courier New" panose="02070309020205020404" pitchFamily="49" charset="0"/>
+            </a:endParaRPr>
+          </a:p>
+          <a:p>
+            <a:endParaRPr lang="en-US" sz="1800" b="1" dirty="0">
+              <a:latin typeface="Courier New" panose="02070309020205020404" pitchFamily="49" charset="0"/>
+              <a:cs typeface="Courier New" panose="02070309020205020404" pitchFamily="49" charset="0"/>
+            </a:endParaRPr>
+          </a:p>
+          <a:p>
+            <a:endParaRPr lang="en-US" sz="1800" b="1" dirty="0">
+              <a:latin typeface="Courier New" panose="02070309020205020404" pitchFamily="49" charset="0"/>
+              <a:cs typeface="Courier New" panose="02070309020205020404" pitchFamily="49" charset="0"/>
+            </a:endParaRPr>
+          </a:p>
+          <a:p>
+            <a:endParaRPr lang="en-US" sz="1800" b="1" dirty="0">
+              <a:latin typeface="Courier New" panose="02070309020205020404" pitchFamily="49" charset="0"/>
+              <a:cs typeface="Courier New" panose="02070309020205020404" pitchFamily="49" charset="0"/>
+            </a:endParaRPr>
+          </a:p>
+          <a:p>
+            <a:endParaRPr lang="en-US" sz="1800" b="1" dirty="0">
+              <a:latin typeface="Courier New" panose="02070309020205020404" pitchFamily="49" charset="0"/>
+              <a:cs typeface="Courier New" panose="02070309020205020404" pitchFamily="49" charset="0"/>
+            </a:endParaRPr>
+          </a:p>
+          <a:p>
+            <a:endParaRPr lang="en-US" sz="1800" b="1" dirty="0">
+              <a:latin typeface="Courier New" panose="02070309020205020404" pitchFamily="49" charset="0"/>
+              <a:cs typeface="Courier New" panose="02070309020205020404" pitchFamily="49" charset="0"/>
+            </a:endParaRPr>
+          </a:p>
+          <a:p>
+            <a:endParaRPr lang="en-US" sz="1800" b="1" dirty="0">
+              <a:latin typeface="Courier New" panose="02070309020205020404" pitchFamily="49" charset="0"/>
+              <a:cs typeface="Courier New" panose="02070309020205020404" pitchFamily="49" charset="0"/>
+            </a:endParaRPr>
+          </a:p>
+          <a:p>
+            <a:endParaRPr lang="en-US" sz="1800" b="1" dirty="0">
+              <a:latin typeface="Courier New" panose="02070309020205020404" pitchFamily="49" charset="0"/>
+              <a:cs typeface="Courier New" panose="02070309020205020404" pitchFamily="49" charset="0"/>
+            </a:endParaRPr>
+          </a:p>
+          <a:p>
+            <a:endParaRPr lang="en-US" sz="1800" b="1" dirty="0">
+              <a:latin typeface="Courier New" panose="02070309020205020404" pitchFamily="49" charset="0"/>
+              <a:cs typeface="Courier New" panose="02070309020205020404" pitchFamily="49" charset="0"/>
+            </a:endParaRPr>
+          </a:p>
+          <a:p>
+            <a:endParaRPr lang="en-US" sz="1800" b="1" dirty="0">
+              <a:latin typeface="Courier New" panose="02070309020205020404" pitchFamily="49" charset="0"/>
+              <a:cs typeface="Courier New" panose="02070309020205020404" pitchFamily="49" charset="0"/>
+            </a:endParaRPr>
+          </a:p>
+          <a:p>
+            <a:endParaRPr lang="en-US" sz="1800" b="1" dirty="0">
+              <a:latin typeface="Courier New" panose="02070309020205020404" pitchFamily="49" charset="0"/>
+              <a:cs typeface="Courier New" panose="02070309020205020404" pitchFamily="49" charset="0"/>
+            </a:endParaRPr>
+          </a:p>
+          <a:p>
+            <a:endParaRPr lang="en-US" sz="1800" b="1" dirty="0">
+              <a:latin typeface="Courier New" panose="02070309020205020404" pitchFamily="49" charset="0"/>
+              <a:cs typeface="Courier New" panose="02070309020205020404" pitchFamily="49" charset="0"/>
+            </a:endParaRPr>
+          </a:p>
+          <a:p>
+            <a:endParaRPr lang="en-US" sz="1800" b="1" dirty="0">
+              <a:latin typeface="Courier New" panose="02070309020205020404" pitchFamily="49" charset="0"/>
+              <a:cs typeface="Courier New" panose="02070309020205020404" pitchFamily="49" charset="0"/>
+            </a:endParaRPr>
+          </a:p>
+          <a:p>
+            <a:endParaRPr lang="en-US" sz="1800" b="1" dirty="0">
+              <a:latin typeface="Courier New" panose="02070309020205020404" pitchFamily="49" charset="0"/>
+              <a:cs typeface="Courier New" panose="02070309020205020404" pitchFamily="49" charset="0"/>
+            </a:endParaRPr>
+          </a:p>
+          <a:p>
+            <a:endParaRPr lang="en-US" sz="1800" b="1" dirty="0">
+              <a:latin typeface="Courier New" panose="02070309020205020404" pitchFamily="49" charset="0"/>
+              <a:cs typeface="Courier New" panose="02070309020205020404" pitchFamily="49" charset="0"/>
+            </a:endParaRPr>
+          </a:p>
+          <a:p>
+            <a:endParaRPr lang="en-US" sz="1800" b="1" dirty="0">
+              <a:latin typeface="Courier New" panose="02070309020205020404" pitchFamily="49" charset="0"/>
+              <a:cs typeface="Courier New" panose="02070309020205020404" pitchFamily="49" charset="0"/>
+            </a:endParaRPr>
+          </a:p>
+          <a:p>
+            <a:endParaRPr lang="en-US" sz="1800" b="1" dirty="0">
+              <a:latin typeface="Courier New" panose="02070309020205020404" pitchFamily="49" charset="0"/>
+              <a:cs typeface="Courier New" panose="02070309020205020404" pitchFamily="49" charset="0"/>
+            </a:endParaRPr>
+          </a:p>
+          <a:p>
+            <a:endParaRPr lang="en-US" sz="1800" b="1" dirty="0">
+              <a:latin typeface="Courier New" panose="02070309020205020404" pitchFamily="49" charset="0"/>
+              <a:cs typeface="Courier New" panose="02070309020205020404" pitchFamily="49" charset="0"/>
+            </a:endParaRPr>
+          </a:p>
+          <a:p>
+            <a:endParaRPr lang="en-US" sz="1800" b="1" dirty="0">
+              <a:latin typeface="Courier New" panose="02070309020205020404" pitchFamily="49" charset="0"/>
+              <a:cs typeface="Courier New" panose="02070309020205020404" pitchFamily="49" charset="0"/>
+            </a:endParaRPr>
+          </a:p>
+          <a:p>
+            <a:endParaRPr lang="en-US" sz="1800" b="1" dirty="0">
+              <a:latin typeface="Courier New" panose="02070309020205020404" pitchFamily="49" charset="0"/>
+              <a:cs typeface="Courier New" panose="02070309020205020404" pitchFamily="49" charset="0"/>
+            </a:endParaRPr>
+          </a:p>
+          <a:p>
+            <a:endParaRPr lang="en-US" sz="1800" b="1" dirty="0">
+              <a:latin typeface="Courier New" panose="02070309020205020404" pitchFamily="49" charset="0"/>
+              <a:cs typeface="Courier New" panose="02070309020205020404" pitchFamily="49" charset="0"/>
+            </a:endParaRPr>
+          </a:p>
+          <a:p>
+            <a:endParaRPr lang="en-US" sz="1800" b="1" dirty="0">
+              <a:latin typeface="Courier New" panose="02070309020205020404" pitchFamily="49" charset="0"/>
+              <a:cs typeface="Courier New" panose="02070309020205020404" pitchFamily="49" charset="0"/>
+            </a:endParaRPr>
+          </a:p>
+          <a:p>
+            <a:endParaRPr lang="en-US" sz="1800" b="1" dirty="0">
+              <a:latin typeface="Courier New" panose="02070309020205020404" pitchFamily="49" charset="0"/>
+              <a:cs typeface="Courier New" panose="02070309020205020404" pitchFamily="49" charset="0"/>
+            </a:endParaRPr>
+          </a:p>
+          <a:p>
+            <a:endParaRPr lang="en-US" sz="1800" b="1" dirty="0">
+              <a:latin typeface="Courier New" panose="02070309020205020404" pitchFamily="49" charset="0"/>
+              <a:cs typeface="Courier New" panose="02070309020205020404" pitchFamily="49" charset="0"/>
+            </a:endParaRPr>
+          </a:p>
+          <a:p>
+            <a:endParaRPr lang="en-US" sz="1800" b="1" dirty="0">
+              <a:latin typeface="Courier New" panose="02070309020205020404" pitchFamily="49" charset="0"/>
+              <a:cs typeface="Courier New" panose="02070309020205020404" pitchFamily="49" charset="0"/>
+            </a:endParaRPr>
+          </a:p>
+          <a:p>
+            <a:endParaRPr lang="en-US" sz="1800" b="1" dirty="0">
+              <a:latin typeface="Courier New" panose="02070309020205020404" pitchFamily="49" charset="0"/>
+              <a:cs typeface="Courier New" panose="02070309020205020404" pitchFamily="49" charset="0"/>
+            </a:endParaRPr>
+          </a:p>
+          <a:p>
+            <a:endParaRPr lang="en-US" sz="1800" b="1" dirty="0">
+              <a:latin typeface="Courier New" panose="02070309020205020404" pitchFamily="49" charset="0"/>
+              <a:cs typeface="Courier New" panose="02070309020205020404" pitchFamily="49" charset="0"/>
+            </a:endParaRPr>
+          </a:p>
+          <a:p>
+            <a:endParaRPr lang="en-US" sz="1800" b="1" dirty="0">
+              <a:latin typeface="Courier New" panose="02070309020205020404" pitchFamily="49" charset="0"/>
+              <a:cs typeface="Courier New" panose="02070309020205020404" pitchFamily="49" charset="0"/>
+            </a:endParaRPr>
+          </a:p>
+          <a:p>
+            <a:endParaRPr lang="en-US" sz="1800" b="1" dirty="0">
+              <a:latin typeface="Courier New" panose="02070309020205020404" pitchFamily="49" charset="0"/>
+              <a:cs typeface="Courier New" panose="02070309020205020404" pitchFamily="49" charset="0"/>
+            </a:endParaRPr>
+          </a:p>
+          <a:p>
+            <a:endParaRPr lang="en-US" sz="1800" b="1" dirty="0">
+              <a:latin typeface="Courier New" panose="02070309020205020404" pitchFamily="49" charset="0"/>
+              <a:cs typeface="Courier New" panose="02070309020205020404" pitchFamily="49" charset="0"/>
+            </a:endParaRPr>
+          </a:p>
+          <a:p>
+            <a:endParaRPr lang="en-US" sz="1800" b="1" dirty="0">
+              <a:latin typeface="Courier New" panose="02070309020205020404" pitchFamily="49" charset="0"/>
+              <a:cs typeface="Courier New" panose="02070309020205020404" pitchFamily="49" charset="0"/>
+            </a:endParaRPr>
+          </a:p>
+          <a:p>
+            <a:endParaRPr lang="en-US" sz="1800" b="1" dirty="0">
+              <a:latin typeface="Courier New" panose="02070309020205020404" pitchFamily="49" charset="0"/>
+              <a:cs typeface="Courier New" panose="02070309020205020404" pitchFamily="49" charset="0"/>
+            </a:endParaRPr>
+          </a:p>
+          <a:p>
+            <a:endParaRPr lang="en-US" sz="1800" b="1" dirty="0">
+              <a:latin typeface="Courier New" panose="02070309020205020404" pitchFamily="49" charset="0"/>
+              <a:cs typeface="Courier New" panose="02070309020205020404" pitchFamily="49" charset="0"/>
+            </a:endParaRPr>
+          </a:p>
+          <a:p>
+            <a:endParaRPr lang="en-US" sz="1800" b="1" dirty="0">
+              <a:latin typeface="Courier New" panose="02070309020205020404" pitchFamily="49" charset="0"/>
+              <a:cs typeface="Courier New" panose="02070309020205020404" pitchFamily="49" charset="0"/>
+            </a:endParaRPr>
+          </a:p>
+          <a:p>
+            <a:endParaRPr lang="en-US" sz="1800" b="1" dirty="0">
+              <a:latin typeface="Courier New" panose="02070309020205020404" pitchFamily="49" charset="0"/>
+              <a:cs typeface="Courier New" panose="02070309020205020404" pitchFamily="49" charset="0"/>
+            </a:endParaRPr>
+          </a:p>
+          <a:p>
+            <a:endParaRPr lang="en-US" sz="1800" b="1" dirty="0">
+              <a:latin typeface="Courier New" panose="02070309020205020404" pitchFamily="49" charset="0"/>
+              <a:cs typeface="Courier New" panose="02070309020205020404" pitchFamily="49" charset="0"/>
+            </a:endParaRPr>
+          </a:p>
+          <a:p>
+            <a:endParaRPr lang="en-US" sz="1800" b="1" dirty="0">
+              <a:latin typeface="Courier New" panose="02070309020205020404" pitchFamily="49" charset="0"/>
+              <a:cs typeface="Courier New" panose="02070309020205020404" pitchFamily="49" charset="0"/>
+            </a:endParaRPr>
+          </a:p>
+          <a:p>
+            <a:endParaRPr lang="en-US" sz="1800" b="1" dirty="0">
+              <a:latin typeface="Courier New" panose="02070309020205020404" pitchFamily="49" charset="0"/>
+              <a:cs typeface="Courier New" panose="02070309020205020404" pitchFamily="49" charset="0"/>
+            </a:endParaRPr>
+          </a:p>
+          <a:p>
+            <a:endParaRPr lang="en-US" sz="1800" b="1" dirty="0">
+              <a:latin typeface="Courier New" panose="02070309020205020404" pitchFamily="49" charset="0"/>
+              <a:cs typeface="Courier New" panose="02070309020205020404" pitchFamily="49" charset="0"/>
+            </a:endParaRPr>
+          </a:p>
+          <a:p>
+            <a:endParaRPr lang="en-US" sz="1800" b="1" dirty="0">
+              <a:latin typeface="Courier New" panose="02070309020205020404" pitchFamily="49" charset="0"/>
+              <a:cs typeface="Courier New" panose="02070309020205020404" pitchFamily="49" charset="0"/>
+            </a:endParaRPr>
+          </a:p>
+          <a:p>
+            <a:endParaRPr lang="en-US" sz="1800" b="1" dirty="0">
+              <a:latin typeface="Courier New" panose="02070309020205020404" pitchFamily="49" charset="0"/>
+              <a:cs typeface="Courier New" panose="02070309020205020404" pitchFamily="49" charset="0"/>
+            </a:endParaRPr>
+          </a:p>
+          <a:p>
+            <a:endParaRPr lang="en-US" sz="1800" b="1" dirty="0">
+              <a:latin typeface="Courier New" panose="02070309020205020404" pitchFamily="49" charset="0"/>
+              <a:cs typeface="Courier New" panose="02070309020205020404" pitchFamily="49" charset="0"/>
+            </a:endParaRPr>
+          </a:p>
+          <a:p>
+            <a:endParaRPr lang="en-US" sz="1800" b="1" dirty="0">
+              <a:latin typeface="Courier New" panose="02070309020205020404" pitchFamily="49" charset="0"/>
+              <a:cs typeface="Courier New" panose="02070309020205020404" pitchFamily="49" charset="0"/>
+            </a:endParaRPr>
+          </a:p>
+          <a:p>
+            <a:endParaRPr lang="en-US" sz="1800" b="1" dirty="0">
+              <a:latin typeface="Courier New" panose="02070309020205020404" pitchFamily="49" charset="0"/>
+              <a:cs typeface="Courier New" panose="02070309020205020404" pitchFamily="49" charset="0"/>
+            </a:endParaRPr>
+          </a:p>
+          <a:p>
+            <a:endParaRPr lang="en-US" sz="1800" b="1" dirty="0">
+              <a:latin typeface="Courier New" panose="02070309020205020404" pitchFamily="49" charset="0"/>
+              <a:cs typeface="Courier New" panose="02070309020205020404" pitchFamily="49" charset="0"/>
+            </a:endParaRPr>
+          </a:p>
+          <a:p>
+            <a:endParaRPr lang="en-US" sz="1800" b="1" dirty="0">
+              <a:latin typeface="Courier New" panose="02070309020205020404" pitchFamily="49" charset="0"/>
+              <a:cs typeface="Courier New" panose="02070309020205020404" pitchFamily="49" charset="0"/>
+            </a:endParaRPr>
+          </a:p>
+          <a:p>
+            <a:endParaRPr lang="en-US" sz="1800" b="1" dirty="0">
+              <a:latin typeface="Courier New" panose="02070309020205020404" pitchFamily="49" charset="0"/>
+              <a:cs typeface="Courier New" panose="02070309020205020404" pitchFamily="49" charset="0"/>
+            </a:endParaRPr>
+          </a:p>
+          <a:p>
+            <a:endParaRPr lang="en-US" sz="1800" b="1" dirty="0">
+              <a:latin typeface="Courier New" panose="02070309020205020404" pitchFamily="49" charset="0"/>
+              <a:cs typeface="Courier New" panose="02070309020205020404" pitchFamily="49" charset="0"/>
+            </a:endParaRPr>
+          </a:p>
+          <a:p>
+            <a:endParaRPr lang="en-US" sz="1800" b="1" dirty="0">
+              <a:latin typeface="Courier New" panose="02070309020205020404" pitchFamily="49" charset="0"/>
+              <a:cs typeface="Courier New" panose="02070309020205020404" pitchFamily="49" charset="0"/>
+            </a:endParaRPr>
+          </a:p>
+          <a:p>
+            <a:endParaRPr lang="en-US" sz="1800" b="1" dirty="0">
+              <a:latin typeface="Courier New" panose="02070309020205020404" pitchFamily="49" charset="0"/>
+              <a:cs typeface="Courier New" panose="02070309020205020404" pitchFamily="49" charset="0"/>
+            </a:endParaRPr>
+          </a:p>
+          <a:p>
+            <a:endParaRPr lang="en-US" sz="1800" b="1" dirty="0">
+              <a:latin typeface="Courier New" panose="02070309020205020404" pitchFamily="49" charset="0"/>
+              <a:cs typeface="Courier New" panose="02070309020205020404" pitchFamily="49" charset="0"/>
+            </a:endParaRPr>
+          </a:p>
+          <a:p>
+            <a:endParaRPr lang="en-US" sz="1800" b="1" dirty="0">
+              <a:latin typeface="Courier New" panose="02070309020205020404" pitchFamily="49" charset="0"/>
+              <a:cs typeface="Courier New" panose="02070309020205020404" pitchFamily="49" charset="0"/>
+            </a:endParaRPr>
+          </a:p>
+          <a:p>
+            <a:endParaRPr lang="en-US" sz="1800" b="1" dirty="0">
+              <a:latin typeface="Courier New" panose="02070309020205020404" pitchFamily="49" charset="0"/>
+              <a:cs typeface="Courier New" panose="02070309020205020404" pitchFamily="49" charset="0"/>
+            </a:endParaRPr>
+          </a:p>
+          <a:p>
+            <a:endParaRPr lang="en-US" sz="1800" b="1" dirty="0">
+              <a:latin typeface="Courier New" panose="02070309020205020404" pitchFamily="49" charset="0"/>
+              <a:cs typeface="Courier New" panose="02070309020205020404" pitchFamily="49" charset="0"/>
+            </a:endParaRPr>
+          </a:p>
+          <a:p>
+            <a:r>
+              <a:rPr lang="en-US" sz="1800" b="1" dirty="0">
+                <a:latin typeface="Courier New" panose="02070309020205020404" pitchFamily="49" charset="0"/>
+                <a:cs typeface="Courier New" panose="02070309020205020404" pitchFamily="49" charset="0"/>
+              </a:rPr>
+              <a:t>##    Min. 1st Qu.  Median    Mean 3rd Qu.    Max. </a:t>
+            </a:r>
+          </a:p>
+          <a:p>
+            <a:r>
+              <a:rPr lang="en-US" sz="1800" b="1" dirty="0">
+                <a:latin typeface="Courier New" panose="02070309020205020404" pitchFamily="49" charset="0"/>
+                <a:cs typeface="Courier New" panose="02070309020205020404" pitchFamily="49" charset="0"/>
+              </a:rPr>
+              <a:t>##   0.200   0.600   1.100   1.184   1.500   3.000</a:t>
+            </a:r>
+          </a:p>
+        </p:txBody>
+      </p:sp>
+      <p:sp>
+        <p:nvSpPr>
           <p:cNvPr id="4" name="Footer Placeholder 3"/>
           <p:cNvSpPr>
             <a:spLocks noGrp="1"/>
@@ -7447,6 +7312,142 @@
                 <a:defRPr/>
               </a:pPr>
               <a:t>22</a:t>
+            </a:fld>
+            <a:endParaRPr lang="en-US"/>
+          </a:p>
+        </p:txBody>
+      </p:sp>
+      <p:sp>
+        <p:nvSpPr>
+          <p:cNvPr id="6" name="Text Placeholder 5"/>
+          <p:cNvSpPr>
+            <a:spLocks noGrp="1"/>
+          </p:cNvSpPr>
+          <p:nvPr>
+            <p:ph type="body" sz="quarter" idx="12"/>
+          </p:nvPr>
+        </p:nvSpPr>
+        <p:spPr/>
+        <p:txBody>
+          <a:bodyPr/>
+          <a:lstStyle/>
+          <a:p>
+            <a:r>
+              <a:rPr lang="en-US" dirty="0">
+                <a:cs typeface="Calibri" panose="020F0502020204030204" pitchFamily="34" charset="0"/>
+              </a:rPr>
+              <a:t>Descriptive statistics.</a:t>
+            </a:r>
+          </a:p>
+        </p:txBody>
+      </p:sp>
+    </p:spTree>
+    <p:extLst>
+      <p:ext uri="{BB962C8B-B14F-4D97-AF65-F5344CB8AC3E}">
+        <p14:creationId xmlns:p14="http://schemas.microsoft.com/office/powerpoint/2010/main" val="491449933"/>
+      </p:ext>
+    </p:extLst>
+  </p:cSld>
+  <p:clrMapOvr>
+    <a:masterClrMapping/>
+  </p:clrMapOvr>
+</p:sld>
+</file>
+
+<file path=ppt/slides/slide23.xml><?xml version="1.0" encoding="utf-8"?>
+<p:sld xmlns:a="http://schemas.openxmlformats.org/drawingml/2006/main" xmlns:r="http://schemas.openxmlformats.org/officeDocument/2006/relationships" xmlns:p="http://schemas.openxmlformats.org/presentationml/2006/main">
+  <p:cSld>
+    <p:spTree>
+      <p:nvGrpSpPr>
+        <p:cNvPr id="1" name=""/>
+        <p:cNvGrpSpPr/>
+        <p:nvPr/>
+      </p:nvGrpSpPr>
+      <p:grpSpPr>
+        <a:xfrm>
+          <a:off x="0" y="0"/>
+          <a:ext cx="0" cy="0"/>
+          <a:chOff x="0" y="0"/>
+          <a:chExt cx="0" cy="0"/>
+        </a:xfrm>
+      </p:grpSpPr>
+      <p:sp>
+        <p:nvSpPr>
+          <p:cNvPr id="2" name="Title 1"/>
+          <p:cNvSpPr>
+            <a:spLocks noGrp="1"/>
+          </p:cNvSpPr>
+          <p:nvPr>
+            <p:ph type="title"/>
+          </p:nvPr>
+        </p:nvSpPr>
+        <p:spPr/>
+        <p:txBody>
+          <a:bodyPr/>
+          <a:lstStyle/>
+          <a:p>
+            <a:r>
+              <a:rPr lang="en-US" dirty="0"/>
+              <a:t>Kidney data set</a:t>
+            </a:r>
+          </a:p>
+        </p:txBody>
+      </p:sp>
+      <p:sp>
+        <p:nvSpPr>
+          <p:cNvPr id="4" name="Footer Placeholder 3"/>
+          <p:cNvSpPr>
+            <a:spLocks noGrp="1"/>
+          </p:cNvSpPr>
+          <p:nvPr>
+            <p:ph type="ftr" sz="quarter" idx="10"/>
+          </p:nvPr>
+        </p:nvSpPr>
+        <p:spPr/>
+        <p:txBody>
+          <a:bodyPr/>
+          <a:lstStyle/>
+          <a:p>
+            <a:pPr>
+              <a:defRPr/>
+            </a:pPr>
+            <a:r>
+              <a:rPr lang="en-US" altLang="en-US" dirty="0"/>
+              <a:t>©2018 Steve Simon    http://TheAnalysisFactor.com</a:t>
+            </a:r>
+          </a:p>
+        </p:txBody>
+      </p:sp>
+      <p:sp>
+        <p:nvSpPr>
+          <p:cNvPr id="5" name="Slide Number Placeholder 4"/>
+          <p:cNvSpPr>
+            <a:spLocks noGrp="1"/>
+          </p:cNvSpPr>
+          <p:nvPr>
+            <p:ph type="sldNum" sz="quarter" idx="11"/>
+          </p:nvPr>
+        </p:nvSpPr>
+        <p:spPr/>
+        <p:txBody>
+          <a:bodyPr/>
+          <a:lstStyle/>
+          <a:p>
+            <a:pPr>
+              <a:defRPr/>
+            </a:pPr>
+            <a:endParaRPr lang="en-US"/>
+          </a:p>
+          <a:p>
+            <a:pPr>
+              <a:defRPr/>
+            </a:pPr>
+            <a:fld id="{E9A8CBA3-AA2B-46A6-BFA3-DCEBEAAB3F0A}" type="slidenum">
+              <a:rPr lang="en-US" smtClean="0"/>
+              <a:pPr>
+                <a:defRPr/>
+              </a:pPr>
+              <a:t>23</a:t>
             </a:fld>
             <a:endParaRPr lang="en-US"/>
           </a:p>
@@ -7495,7 +7496,7 @@
 </p:sld>
 </file>
 
-<file path=ppt/slides/slide23.xml><?xml version="1.0" encoding="utf-8"?>
+<file path=ppt/slides/slide24.xml><?xml version="1.0" encoding="utf-8"?>
 <p:sld xmlns:a="http://schemas.openxmlformats.org/drawingml/2006/main" xmlns:r="http://schemas.openxmlformats.org/officeDocument/2006/relationships" xmlns:p="http://schemas.openxmlformats.org/presentationml/2006/main">
   <p:cSld>
     <p:spTree>
@@ -7588,7 +7589,7 @@
               <a:pPr>
                 <a:defRPr/>
               </a:pPr>
-              <a:t>23</a:t>
+              <a:t>24</a:t>
             </a:fld>
             <a:endParaRPr lang="en-US"/>
           </a:p>
@@ -7637,7 +7638,7 @@
 </p:sld>
 </file>
 
-<file path=ppt/slides/slide24.xml><?xml version="1.0" encoding="utf-8"?>
+<file path=ppt/slides/slide25.xml><?xml version="1.0" encoding="utf-8"?>
 <p:sld xmlns:a="http://schemas.openxmlformats.org/drawingml/2006/main" xmlns:r="http://schemas.openxmlformats.org/officeDocument/2006/relationships" xmlns:p="http://schemas.openxmlformats.org/presentationml/2006/main">
   <p:cSld>
     <p:spTree>
@@ -7730,7 +7731,7 @@
               <a:pPr>
                 <a:defRPr/>
               </a:pPr>
-              <a:t>24</a:t>
+              <a:t>25</a:t>
             </a:fld>
             <a:endParaRPr lang="en-US"/>
           </a:p>
@@ -7779,7 +7780,7 @@
 </p:sld>
 </file>
 
-<file path=ppt/slides/slide25.xml><?xml version="1.0" encoding="utf-8"?>
+<file path=ppt/slides/slide26.xml><?xml version="1.0" encoding="utf-8"?>
 <p:sld xmlns:a="http://schemas.openxmlformats.org/drawingml/2006/main" xmlns:r="http://schemas.openxmlformats.org/officeDocument/2006/relationships" xmlns:p="http://schemas.openxmlformats.org/presentationml/2006/main">
   <p:cSld>
     <p:spTree>
@@ -7872,7 +7873,7 @@
               <a:pPr>
                 <a:defRPr/>
               </a:pPr>
-              <a:t>25</a:t>
+              <a:t>26</a:t>
             </a:fld>
             <a:endParaRPr lang="en-US"/>
           </a:p>
@@ -7921,7 +7922,7 @@
 </p:sld>
 </file>
 
-<file path=ppt/slides/slide26.xml><?xml version="1.0" encoding="utf-8"?>
+<file path=ppt/slides/slide27.xml><?xml version="1.0" encoding="utf-8"?>
 <p:sld xmlns:a="http://schemas.openxmlformats.org/drawingml/2006/main" xmlns:r="http://schemas.openxmlformats.org/officeDocument/2006/relationships" xmlns:p="http://schemas.openxmlformats.org/presentationml/2006/main">
   <p:cSld>
     <p:spTree>
@@ -8014,7 +8015,7 @@
               <a:pPr>
                 <a:defRPr/>
               </a:pPr>
-              <a:t>26</a:t>
+              <a:t>27</a:t>
             </a:fld>
             <a:endParaRPr lang="en-US"/>
           </a:p>
@@ -8063,7 +8064,7 @@
 </p:sld>
 </file>
 
-<file path=ppt/slides/slide27.xml><?xml version="1.0" encoding="utf-8"?>
+<file path=ppt/slides/slide28.xml><?xml version="1.0" encoding="utf-8"?>
 <p:sld xmlns:a="http://schemas.openxmlformats.org/drawingml/2006/main" xmlns:r="http://schemas.openxmlformats.org/officeDocument/2006/relationships" xmlns:p="http://schemas.openxmlformats.org/presentationml/2006/main">
   <p:cSld>
     <p:spTree>
@@ -8156,7 +8157,7 @@
               <a:pPr>
                 <a:defRPr/>
               </a:pPr>
-              <a:t>27</a:t>
+              <a:t>28</a:t>
             </a:fld>
             <a:endParaRPr lang="en-US"/>
           </a:p>
@@ -8205,7 +8206,7 @@
 </p:sld>
 </file>
 
-<file path=ppt/slides/slide28.xml><?xml version="1.0" encoding="utf-8"?>
+<file path=ppt/slides/slide29.xml><?xml version="1.0" encoding="utf-8"?>
 <p:sld xmlns:a="http://schemas.openxmlformats.org/drawingml/2006/main" xmlns:r="http://schemas.openxmlformats.org/officeDocument/2006/relationships" xmlns:p="http://schemas.openxmlformats.org/presentationml/2006/main">
   <p:cSld>
     <p:spTree>
@@ -8323,7 +8324,7 @@
               <a:pPr>
                 <a:defRPr/>
               </a:pPr>
-              <a:t>28</a:t>
+              <a:t>29</a:t>
             </a:fld>
             <a:endParaRPr lang="en-US"/>
           </a:p>
@@ -8887,7 +8888,7 @@
           <a:p>
             <a:r>
               <a:rPr lang="en-US" dirty="0"/>
-              <a:t>Left truncation, example</a:t>
+              <a:t>Psychiatric dataset</a:t>
             </a:r>
           </a:p>
         </p:txBody>
@@ -9120,8 +9121,37 @@
           <a:p>
             <a:r>
               <a:rPr lang="en-US" dirty="0"/>
-              <a:t>Left truncation, example</a:t>
-            </a:r>
+              <a:t>Psychiatric dataset</a:t>
+            </a:r>
+          </a:p>
+        </p:txBody>
+      </p:sp>
+      <p:sp>
+        <p:nvSpPr>
+          <p:cNvPr id="3" name="Text Placeholder 2"/>
+          <p:cNvSpPr>
+            <a:spLocks noGrp="1"/>
+          </p:cNvSpPr>
+          <p:nvPr>
+            <p:ph type="body" idx="1"/>
+          </p:nvPr>
+        </p:nvSpPr>
+        <p:spPr/>
+        <p:txBody>
+          <a:bodyPr/>
+          <a:lstStyle/>
+          <a:p>
+            <a:r>
+              <a:rPr lang="en-US" sz="1800" dirty="0">
+                <a:latin typeface="Courier New" panose="02070309020205020404" pitchFamily="49" charset="0"/>
+                <a:cs typeface="Courier New" panose="02070309020205020404" pitchFamily="49" charset="0"/>
+              </a:rPr>
+              <a:t>7</a:t>
+            </a:r>
+            <a:endParaRPr lang="en-US" sz="1800" b="1" dirty="0">
+              <a:latin typeface="Courier New" panose="02070309020205020404" pitchFamily="49" charset="0"/>
+              <a:cs typeface="Courier New" panose="02070309020205020404" pitchFamily="49" charset="0"/>
+            </a:endParaRPr>
           </a:p>
         </p:txBody>
       </p:sp>
@@ -9180,6 +9210,140 @@
                 <a:defRPr/>
               </a:pPr>
               <a:t>7</a:t>
+            </a:fld>
+            <a:endParaRPr lang="en-US"/>
+          </a:p>
+        </p:txBody>
+      </p:sp>
+      <p:sp>
+        <p:nvSpPr>
+          <p:cNvPr id="6" name="Text Placeholder 5"/>
+          <p:cNvSpPr>
+            <a:spLocks noGrp="1"/>
+          </p:cNvSpPr>
+          <p:nvPr>
+            <p:ph type="body" sz="quarter" idx="12"/>
+          </p:nvPr>
+        </p:nvSpPr>
+        <p:spPr/>
+        <p:txBody>
+          <a:bodyPr/>
+          <a:lstStyle/>
+          <a:p>
+            <a:r>
+              <a:rPr lang="en-US" dirty="0"/>
+              <a:t>Descriptive statistics</a:t>
+            </a:r>
+          </a:p>
+        </p:txBody>
+      </p:sp>
+    </p:spTree>
+    <p:extLst>
+      <p:ext uri="{BB962C8B-B14F-4D97-AF65-F5344CB8AC3E}">
+        <p14:creationId xmlns:p14="http://schemas.microsoft.com/office/powerpoint/2010/main" val="131666312"/>
+      </p:ext>
+    </p:extLst>
+  </p:cSld>
+  <p:clrMapOvr>
+    <a:masterClrMapping/>
+  </p:clrMapOvr>
+</p:sld>
+</file>
+
+<file path=ppt/slides/slide8.xml><?xml version="1.0" encoding="utf-8"?>
+<p:sld xmlns:a="http://schemas.openxmlformats.org/drawingml/2006/main" xmlns:r="http://schemas.openxmlformats.org/officeDocument/2006/relationships" xmlns:p="http://schemas.openxmlformats.org/presentationml/2006/main">
+  <p:cSld>
+    <p:spTree>
+      <p:nvGrpSpPr>
+        <p:cNvPr id="1" name=""/>
+        <p:cNvGrpSpPr/>
+        <p:nvPr/>
+      </p:nvGrpSpPr>
+      <p:grpSpPr>
+        <a:xfrm>
+          <a:off x="0" y="0"/>
+          <a:ext cx="0" cy="0"/>
+          <a:chOff x="0" y="0"/>
+          <a:chExt cx="0" cy="0"/>
+        </a:xfrm>
+      </p:grpSpPr>
+      <p:sp>
+        <p:nvSpPr>
+          <p:cNvPr id="2" name="Title 1"/>
+          <p:cNvSpPr>
+            <a:spLocks noGrp="1"/>
+          </p:cNvSpPr>
+          <p:nvPr>
+            <p:ph type="title"/>
+          </p:nvPr>
+        </p:nvSpPr>
+        <p:spPr/>
+        <p:txBody>
+          <a:bodyPr/>
+          <a:lstStyle/>
+          <a:p>
+            <a:r>
+              <a:rPr lang="en-US" dirty="0"/>
+              <a:t>Psychiatric dataset</a:t>
+            </a:r>
+          </a:p>
+        </p:txBody>
+      </p:sp>
+      <p:sp>
+        <p:nvSpPr>
+          <p:cNvPr id="4" name="Footer Placeholder 3"/>
+          <p:cNvSpPr>
+            <a:spLocks noGrp="1"/>
+          </p:cNvSpPr>
+          <p:nvPr>
+            <p:ph type="ftr" sz="quarter" idx="10"/>
+          </p:nvPr>
+        </p:nvSpPr>
+        <p:spPr/>
+        <p:txBody>
+          <a:bodyPr/>
+          <a:lstStyle/>
+          <a:p>
+            <a:pPr>
+              <a:defRPr/>
+            </a:pPr>
+            <a:r>
+              <a:rPr lang="en-US" altLang="en-US" dirty="0"/>
+              <a:t>©2018 Steve Simon    http://TheAnalysisFactor.com</a:t>
+            </a:r>
+          </a:p>
+        </p:txBody>
+      </p:sp>
+      <p:sp>
+        <p:nvSpPr>
+          <p:cNvPr id="5" name="Slide Number Placeholder 4"/>
+          <p:cNvSpPr>
+            <a:spLocks noGrp="1"/>
+          </p:cNvSpPr>
+          <p:nvPr>
+            <p:ph type="sldNum" sz="quarter" idx="11"/>
+          </p:nvPr>
+        </p:nvSpPr>
+        <p:spPr/>
+        <p:txBody>
+          <a:bodyPr/>
+          <a:lstStyle/>
+          <a:p>
+            <a:pPr>
+              <a:defRPr/>
+            </a:pPr>
+            <a:endParaRPr lang="en-US"/>
+          </a:p>
+          <a:p>
+            <a:pPr>
+              <a:defRPr/>
+            </a:pPr>
+            <a:fld id="{E9A8CBA3-AA2B-46A6-BFA3-DCEBEAAB3F0A}" type="slidenum">
+              <a:rPr lang="en-US" smtClean="0"/>
+              <a:pPr>
+                <a:defRPr/>
+              </a:pPr>
+              <a:t>8</a:t>
             </a:fld>
             <a:endParaRPr lang="en-US"/>
           </a:p>
@@ -9228,7 +9392,7 @@
 </p:sld>
 </file>
 
-<file path=ppt/slides/slide8.xml><?xml version="1.0" encoding="utf-8"?>
+<file path=ppt/slides/slide9.xml><?xml version="1.0" encoding="utf-8"?>
 <p:sld xmlns:a="http://schemas.openxmlformats.org/drawingml/2006/main" xmlns:r="http://schemas.openxmlformats.org/officeDocument/2006/relationships" xmlns:p="http://schemas.openxmlformats.org/presentationml/2006/main">
   <p:cSld>
     <p:spTree>
@@ -9262,7 +9426,7 @@
           <a:p>
             <a:r>
               <a:rPr lang="en-US" dirty="0"/>
-              <a:t>Left truncation, patients at risk</a:t>
+              <a:t>Psychiatric dataset, patients at risk</a:t>
             </a:r>
           </a:p>
         </p:txBody>
@@ -9321,7 +9485,7 @@
               <a:pPr>
                 <a:defRPr/>
               </a:pPr>
-              <a:t>8</a:t>
+              <a:t>9</a:t>
             </a:fld>
             <a:endParaRPr lang="en-US"/>
           </a:p>
@@ -9361,148 +9525,6 @@
     <p:extLst>
       <p:ext uri="{BB962C8B-B14F-4D97-AF65-F5344CB8AC3E}">
         <p14:creationId xmlns:p14="http://schemas.microsoft.com/office/powerpoint/2010/main" val="3374566686"/>
-      </p:ext>
-    </p:extLst>
-  </p:cSld>
-  <p:clrMapOvr>
-    <a:masterClrMapping/>
-  </p:clrMapOvr>
-</p:sld>
-</file>
-
-<file path=ppt/slides/slide9.xml><?xml version="1.0" encoding="utf-8"?>
-<p:sld xmlns:a="http://schemas.openxmlformats.org/drawingml/2006/main" xmlns:r="http://schemas.openxmlformats.org/officeDocument/2006/relationships" xmlns:p="http://schemas.openxmlformats.org/presentationml/2006/main">
-  <p:cSld>
-    <p:spTree>
-      <p:nvGrpSpPr>
-        <p:cNvPr id="1" name=""/>
-        <p:cNvGrpSpPr/>
-        <p:nvPr/>
-      </p:nvGrpSpPr>
-      <p:grpSpPr>
-        <a:xfrm>
-          <a:off x="0" y="0"/>
-          <a:ext cx="0" cy="0"/>
-          <a:chOff x="0" y="0"/>
-          <a:chExt cx="0" cy="0"/>
-        </a:xfrm>
-      </p:grpSpPr>
-      <p:sp>
-        <p:nvSpPr>
-          <p:cNvPr id="2" name="Title 1"/>
-          <p:cNvSpPr>
-            <a:spLocks noGrp="1"/>
-          </p:cNvSpPr>
-          <p:nvPr>
-            <p:ph type="title"/>
-          </p:nvPr>
-        </p:nvSpPr>
-        <p:spPr/>
-        <p:txBody>
-          <a:bodyPr/>
-          <a:lstStyle/>
-          <a:p>
-            <a:r>
-              <a:rPr lang="en-US" dirty="0"/>
-              <a:t>Left truncation, survival curves</a:t>
-            </a:r>
-          </a:p>
-        </p:txBody>
-      </p:sp>
-      <p:sp>
-        <p:nvSpPr>
-          <p:cNvPr id="4" name="Footer Placeholder 3"/>
-          <p:cNvSpPr>
-            <a:spLocks noGrp="1"/>
-          </p:cNvSpPr>
-          <p:nvPr>
-            <p:ph type="ftr" sz="quarter" idx="10"/>
-          </p:nvPr>
-        </p:nvSpPr>
-        <p:spPr/>
-        <p:txBody>
-          <a:bodyPr/>
-          <a:lstStyle/>
-          <a:p>
-            <a:pPr>
-              <a:defRPr/>
-            </a:pPr>
-            <a:r>
-              <a:rPr lang="en-US" altLang="en-US" dirty="0"/>
-              <a:t>©2018 Steve Simon    http://TheAnalysisFactor.com</a:t>
-            </a:r>
-          </a:p>
-        </p:txBody>
-      </p:sp>
-      <p:sp>
-        <p:nvSpPr>
-          <p:cNvPr id="5" name="Slide Number Placeholder 4"/>
-          <p:cNvSpPr>
-            <a:spLocks noGrp="1"/>
-          </p:cNvSpPr>
-          <p:nvPr>
-            <p:ph type="sldNum" sz="quarter" idx="11"/>
-          </p:nvPr>
-        </p:nvSpPr>
-        <p:spPr/>
-        <p:txBody>
-          <a:bodyPr/>
-          <a:lstStyle/>
-          <a:p>
-            <a:pPr>
-              <a:defRPr/>
-            </a:pPr>
-            <a:endParaRPr lang="en-US"/>
-          </a:p>
-          <a:p>
-            <a:pPr>
-              <a:defRPr/>
-            </a:pPr>
-            <a:fld id="{E9A8CBA3-AA2B-46A6-BFA3-DCEBEAAB3F0A}" type="slidenum">
-              <a:rPr lang="en-US" smtClean="0"/>
-              <a:pPr>
-                <a:defRPr/>
-              </a:pPr>
-              <a:t>9</a:t>
-            </a:fld>
-            <a:endParaRPr lang="en-US"/>
-          </a:p>
-        </p:txBody>
-      </p:sp>
-      <p:pic>
-        <p:nvPicPr>
-          <p:cNvPr id="7" name="Picture 6">
-            <a:extLst>
-              <a:ext uri="{FF2B5EF4-FFF2-40B4-BE49-F238E27FC236}">
-                <a16:creationId xmlns:a16="http://schemas.microsoft.com/office/drawing/2014/main" id="{CE6FBFFB-4216-4B5D-A585-390E4CBF4FC2}"/>
-              </a:ext>
-            </a:extLst>
-          </p:cNvPr>
-          <p:cNvPicPr>
-            <a:picLocks noChangeAspect="1"/>
-          </p:cNvPicPr>
-          <p:nvPr/>
-        </p:nvPicPr>
-        <p:blipFill>
-          <a:blip r:embed="rId2"/>
-          <a:stretch>
-            <a:fillRect/>
-          </a:stretch>
-        </p:blipFill>
-        <p:spPr>
-          <a:xfrm>
-            <a:off x="457200" y="1143000"/>
-            <a:ext cx="8229600" cy="4572000"/>
-          </a:xfrm>
-          <a:prstGeom prst="rect">
-            <a:avLst/>
-          </a:prstGeom>
-        </p:spPr>
-      </p:pic>
-    </p:spTree>
-    <p:extLst>
-      <p:ext uri="{BB962C8B-B14F-4D97-AF65-F5344CB8AC3E}">
-        <p14:creationId xmlns:p14="http://schemas.microsoft.com/office/powerpoint/2010/main" val="517829728"/>
       </p:ext>
     </p:extLst>
   </p:cSld>

--- a/bin/survival lecture 7.pptx
+++ b/bin/survival lecture 7.pptx
@@ -5,10 +5,10 @@
     <p:sldMasterId id="2147483664" r:id="rId1"/>
   </p:sldMasterIdLst>
   <p:notesMasterIdLst>
-    <p:notesMasterId r:id="rId31"/>
+    <p:notesMasterId r:id="rId50"/>
   </p:notesMasterIdLst>
   <p:handoutMasterIdLst>
-    <p:handoutMasterId r:id="rId32"/>
+    <p:handoutMasterId r:id="rId51"/>
   </p:handoutMasterIdLst>
   <p:sldIdLst>
     <p:sldId id="256" r:id="rId2"/>
@@ -17,29 +17,48 @@
     <p:sldId id="385" r:id="rId5"/>
     <p:sldId id="430" r:id="rId6"/>
     <p:sldId id="426" r:id="rId7"/>
-    <p:sldId id="450" r:id="rId8"/>
-    <p:sldId id="427" r:id="rId9"/>
-    <p:sldId id="428" r:id="rId10"/>
-    <p:sldId id="429" r:id="rId11"/>
-    <p:sldId id="432" r:id="rId12"/>
-    <p:sldId id="438" r:id="rId13"/>
-    <p:sldId id="439" r:id="rId14"/>
-    <p:sldId id="441" r:id="rId15"/>
-    <p:sldId id="440" r:id="rId16"/>
-    <p:sldId id="442" r:id="rId17"/>
-    <p:sldId id="443" r:id="rId18"/>
-    <p:sldId id="444" r:id="rId19"/>
-    <p:sldId id="445" r:id="rId20"/>
-    <p:sldId id="447" r:id="rId21"/>
-    <p:sldId id="448" r:id="rId22"/>
-    <p:sldId id="449" r:id="rId23"/>
-    <p:sldId id="434" r:id="rId24"/>
-    <p:sldId id="446" r:id="rId25"/>
-    <p:sldId id="435" r:id="rId26"/>
-    <p:sldId id="436" r:id="rId27"/>
-    <p:sldId id="437" r:id="rId28"/>
-    <p:sldId id="433" r:id="rId29"/>
-    <p:sldId id="342" r:id="rId30"/>
+    <p:sldId id="451" r:id="rId8"/>
+    <p:sldId id="450" r:id="rId9"/>
+    <p:sldId id="427" r:id="rId10"/>
+    <p:sldId id="428" r:id="rId11"/>
+    <p:sldId id="429" r:id="rId12"/>
+    <p:sldId id="432" r:id="rId13"/>
+    <p:sldId id="438" r:id="rId14"/>
+    <p:sldId id="439" r:id="rId15"/>
+    <p:sldId id="452" r:id="rId16"/>
+    <p:sldId id="457" r:id="rId17"/>
+    <p:sldId id="456" r:id="rId18"/>
+    <p:sldId id="441" r:id="rId19"/>
+    <p:sldId id="440" r:id="rId20"/>
+    <p:sldId id="453" r:id="rId21"/>
+    <p:sldId id="458" r:id="rId22"/>
+    <p:sldId id="464" r:id="rId23"/>
+    <p:sldId id="465" r:id="rId24"/>
+    <p:sldId id="442" r:id="rId25"/>
+    <p:sldId id="443" r:id="rId26"/>
+    <p:sldId id="455" r:id="rId27"/>
+    <p:sldId id="459" r:id="rId28"/>
+    <p:sldId id="454" r:id="rId29"/>
+    <p:sldId id="466" r:id="rId30"/>
+    <p:sldId id="444" r:id="rId31"/>
+    <p:sldId id="445" r:id="rId32"/>
+    <p:sldId id="447" r:id="rId33"/>
+    <p:sldId id="448" r:id="rId34"/>
+    <p:sldId id="449" r:id="rId35"/>
+    <p:sldId id="434" r:id="rId36"/>
+    <p:sldId id="468" r:id="rId37"/>
+    <p:sldId id="446" r:id="rId38"/>
+    <p:sldId id="460" r:id="rId39"/>
+    <p:sldId id="435" r:id="rId40"/>
+    <p:sldId id="436" r:id="rId41"/>
+    <p:sldId id="437" r:id="rId42"/>
+    <p:sldId id="461" r:id="rId43"/>
+    <p:sldId id="462" r:id="rId44"/>
+    <p:sldId id="463" r:id="rId45"/>
+    <p:sldId id="467" r:id="rId46"/>
+    <p:sldId id="433" r:id="rId47"/>
+    <p:sldId id="469" r:id="rId48"/>
+    <p:sldId id="342" r:id="rId49"/>
   </p:sldIdLst>
   <p:sldSz cx="9144000" cy="6858000" type="screen4x3"/>
   <p:notesSz cx="9601200" cy="7315200"/>
@@ -4055,7 +4074,7 @@
           <a:p>
             <a:r>
               <a:rPr lang="en-US" dirty="0"/>
-              <a:t>Psychiatric dataset, survival curves</a:t>
+              <a:t>Psychiatric dataset, patients at risk</a:t>
             </a:r>
           </a:p>
         </p:txBody>
@@ -4115,6 +4134,148 @@
                 <a:defRPr/>
               </a:pPr>
               <a:t>10</a:t>
+            </a:fld>
+            <a:endParaRPr lang="en-US"/>
+          </a:p>
+        </p:txBody>
+      </p:sp>
+      <p:pic>
+        <p:nvPicPr>
+          <p:cNvPr id="6" name="Picture 5">
+            <a:extLst>
+              <a:ext uri="{FF2B5EF4-FFF2-40B4-BE49-F238E27FC236}">
+                <a16:creationId xmlns:a16="http://schemas.microsoft.com/office/drawing/2014/main" id="{4E026971-5865-4F92-AC27-D50DC756F0EE}"/>
+              </a:ext>
+            </a:extLst>
+          </p:cNvPr>
+          <p:cNvPicPr>
+            <a:picLocks noChangeAspect="1"/>
+          </p:cNvPicPr>
+          <p:nvPr/>
+        </p:nvPicPr>
+        <p:blipFill>
+          <a:blip r:embed="rId2"/>
+          <a:stretch>
+            <a:fillRect/>
+          </a:stretch>
+        </p:blipFill>
+        <p:spPr>
+          <a:xfrm>
+            <a:off x="457200" y="1143000"/>
+            <a:ext cx="8229600" cy="4572000"/>
+          </a:xfrm>
+          <a:prstGeom prst="rect">
+            <a:avLst/>
+          </a:prstGeom>
+        </p:spPr>
+      </p:pic>
+    </p:spTree>
+    <p:extLst>
+      <p:ext uri="{BB962C8B-B14F-4D97-AF65-F5344CB8AC3E}">
+        <p14:creationId xmlns:p14="http://schemas.microsoft.com/office/powerpoint/2010/main" val="3374566686"/>
+      </p:ext>
+    </p:extLst>
+  </p:cSld>
+  <p:clrMapOvr>
+    <a:masterClrMapping/>
+  </p:clrMapOvr>
+</p:sld>
+</file>
+
+<file path=ppt/slides/slide11.xml><?xml version="1.0" encoding="utf-8"?>
+<p:sld xmlns:a="http://schemas.openxmlformats.org/drawingml/2006/main" xmlns:r="http://schemas.openxmlformats.org/officeDocument/2006/relationships" xmlns:p="http://schemas.openxmlformats.org/presentationml/2006/main">
+  <p:cSld>
+    <p:spTree>
+      <p:nvGrpSpPr>
+        <p:cNvPr id="1" name=""/>
+        <p:cNvGrpSpPr/>
+        <p:nvPr/>
+      </p:nvGrpSpPr>
+      <p:grpSpPr>
+        <a:xfrm>
+          <a:off x="0" y="0"/>
+          <a:ext cx="0" cy="0"/>
+          <a:chOff x="0" y="0"/>
+          <a:chExt cx="0" cy="0"/>
+        </a:xfrm>
+      </p:grpSpPr>
+      <p:sp>
+        <p:nvSpPr>
+          <p:cNvPr id="2" name="Title 1"/>
+          <p:cNvSpPr>
+            <a:spLocks noGrp="1"/>
+          </p:cNvSpPr>
+          <p:nvPr>
+            <p:ph type="title"/>
+          </p:nvPr>
+        </p:nvSpPr>
+        <p:spPr/>
+        <p:txBody>
+          <a:bodyPr/>
+          <a:lstStyle/>
+          <a:p>
+            <a:r>
+              <a:rPr lang="en-US" dirty="0"/>
+              <a:t>Psychiatric survival curves, red=males</a:t>
+            </a:r>
+          </a:p>
+        </p:txBody>
+      </p:sp>
+      <p:sp>
+        <p:nvSpPr>
+          <p:cNvPr id="4" name="Footer Placeholder 3"/>
+          <p:cNvSpPr>
+            <a:spLocks noGrp="1"/>
+          </p:cNvSpPr>
+          <p:nvPr>
+            <p:ph type="ftr" sz="quarter" idx="10"/>
+          </p:nvPr>
+        </p:nvSpPr>
+        <p:spPr/>
+        <p:txBody>
+          <a:bodyPr/>
+          <a:lstStyle/>
+          <a:p>
+            <a:pPr>
+              <a:defRPr/>
+            </a:pPr>
+            <a:r>
+              <a:rPr lang="en-US" altLang="en-US" dirty="0"/>
+              <a:t>©2018 Steve Simon    http://TheAnalysisFactor.com</a:t>
+            </a:r>
+          </a:p>
+        </p:txBody>
+      </p:sp>
+      <p:sp>
+        <p:nvSpPr>
+          <p:cNvPr id="5" name="Slide Number Placeholder 4"/>
+          <p:cNvSpPr>
+            <a:spLocks noGrp="1"/>
+          </p:cNvSpPr>
+          <p:nvPr>
+            <p:ph type="sldNum" sz="quarter" idx="11"/>
+          </p:nvPr>
+        </p:nvSpPr>
+        <p:spPr/>
+        <p:txBody>
+          <a:bodyPr/>
+          <a:lstStyle/>
+          <a:p>
+            <a:pPr>
+              <a:defRPr/>
+            </a:pPr>
+            <a:endParaRPr lang="en-US"/>
+          </a:p>
+          <a:p>
+            <a:pPr>
+              <a:defRPr/>
+            </a:pPr>
+            <a:fld id="{E9A8CBA3-AA2B-46A6-BFA3-DCEBEAAB3F0A}" type="slidenum">
+              <a:rPr lang="en-US" smtClean="0"/>
+              <a:pPr>
+                <a:defRPr/>
+              </a:pPr>
+              <a:t>11</a:t>
             </a:fld>
             <a:endParaRPr lang="en-US"/>
           </a:p>
@@ -4163,232 +4324,6 @@
 </p:sld>
 </file>
 
-<file path=ppt/slides/slide11.xml><?xml version="1.0" encoding="utf-8"?>
-<p:sld xmlns:a="http://schemas.openxmlformats.org/drawingml/2006/main" xmlns:r="http://schemas.openxmlformats.org/officeDocument/2006/relationships" xmlns:p="http://schemas.openxmlformats.org/presentationml/2006/main">
-  <p:cSld>
-    <p:spTree>
-      <p:nvGrpSpPr>
-        <p:cNvPr id="1" name=""/>
-        <p:cNvGrpSpPr/>
-        <p:nvPr/>
-      </p:nvGrpSpPr>
-      <p:grpSpPr>
-        <a:xfrm>
-          <a:off x="0" y="0"/>
-          <a:ext cx="0" cy="0"/>
-          <a:chOff x="0" y="0"/>
-          <a:chExt cx="0" cy="0"/>
-        </a:xfrm>
-      </p:grpSpPr>
-      <p:sp>
-        <p:nvSpPr>
-          <p:cNvPr id="2" name="Title 1"/>
-          <p:cNvSpPr>
-            <a:spLocks noGrp="1"/>
-          </p:cNvSpPr>
-          <p:nvPr>
-            <p:ph type="title"/>
-          </p:nvPr>
-        </p:nvSpPr>
-        <p:spPr/>
-        <p:txBody>
-          <a:bodyPr/>
-          <a:lstStyle/>
-          <a:p>
-            <a:r>
-              <a:rPr lang="en-US" dirty="0"/>
-              <a:t>Frailty/cluster models</a:t>
-            </a:r>
-          </a:p>
-        </p:txBody>
-      </p:sp>
-      <p:sp>
-        <p:nvSpPr>
-          <p:cNvPr id="3" name="Text Placeholder 2"/>
-          <p:cNvSpPr>
-            <a:spLocks noGrp="1"/>
-          </p:cNvSpPr>
-          <p:nvPr>
-            <p:ph type="body" idx="1"/>
-          </p:nvPr>
-        </p:nvSpPr>
-        <p:spPr/>
-        <p:txBody>
-          <a:bodyPr/>
-          <a:lstStyle/>
-          <a:p>
-            <a:r>
-              <a:rPr lang="en-US" sz="1800" dirty="0"/>
-              <a:t>Frailty/cluster models account for correlation within a group.</a:t>
-            </a:r>
-          </a:p>
-          <a:p>
-            <a:pPr marL="285750" indent="-285750">
-              <a:buFont typeface="Arial" panose="020B0604020202020204" pitchFamily="34" charset="0"/>
-              <a:buChar char="•"/>
-            </a:pPr>
-            <a:r>
-              <a:rPr lang="en-US" sz="1800" dirty="0"/>
-              <a:t>Multiple events for the same person.</a:t>
-            </a:r>
-          </a:p>
-          <a:p>
-            <a:pPr marL="285750" indent="-285750">
-              <a:buFont typeface="Arial" panose="020B0604020202020204" pitchFamily="34" charset="0"/>
-              <a:buChar char="•"/>
-            </a:pPr>
-            <a:r>
-              <a:rPr lang="en-US" sz="1800" dirty="0"/>
-              <a:t>Multiple sites on the same person.</a:t>
-            </a:r>
-          </a:p>
-          <a:p>
-            <a:pPr marL="285750" indent="-285750">
-              <a:buFont typeface="Arial" panose="020B0604020202020204" pitchFamily="34" charset="0"/>
-              <a:buChar char="•"/>
-            </a:pPr>
-            <a:r>
-              <a:rPr lang="en-US" sz="1800" dirty="0"/>
-              <a:t>Multiple people in the same family</a:t>
-            </a:r>
-          </a:p>
-          <a:p>
-            <a:pPr marL="285750" indent="-285750">
-              <a:buFont typeface="Arial" panose="020B0604020202020204" pitchFamily="34" charset="0"/>
-              <a:buChar char="•"/>
-            </a:pPr>
-            <a:r>
-              <a:rPr lang="en-US" sz="1800" dirty="0"/>
-              <a:t>Multiple animals in the same litter.</a:t>
-            </a:r>
-          </a:p>
-          <a:p>
-            <a:pPr marL="285750" indent="-285750">
-              <a:buFont typeface="Arial" panose="020B0604020202020204" pitchFamily="34" charset="0"/>
-              <a:buChar char="•"/>
-            </a:pPr>
-            <a:r>
-              <a:rPr lang="en-US" sz="1800" dirty="0"/>
-              <a:t>Multiple visitors in the same hospital</a:t>
-            </a:r>
-          </a:p>
-          <a:p>
-            <a:pPr marL="285750" indent="-285750">
-              <a:buFont typeface="Arial" panose="020B0604020202020204" pitchFamily="34" charset="0"/>
-              <a:buChar char="•"/>
-            </a:pPr>
-            <a:r>
-              <a:rPr lang="en-US" sz="1800" dirty="0"/>
-              <a:t>Multiple students in the same classroom/school.</a:t>
-            </a:r>
-          </a:p>
-          <a:p>
-            <a:pPr marL="285750" indent="-285750">
-              <a:buFont typeface="Arial" panose="020B0604020202020204" pitchFamily="34" charset="0"/>
-              <a:buChar char="•"/>
-            </a:pPr>
-            <a:endParaRPr lang="en-US" sz="1800" b="1" dirty="0">
-              <a:latin typeface="Courier New" panose="02070309020205020404" pitchFamily="49" charset="0"/>
-              <a:cs typeface="Courier New" panose="02070309020205020404" pitchFamily="49" charset="0"/>
-            </a:endParaRPr>
-          </a:p>
-        </p:txBody>
-      </p:sp>
-      <p:sp>
-        <p:nvSpPr>
-          <p:cNvPr id="4" name="Footer Placeholder 3"/>
-          <p:cNvSpPr>
-            <a:spLocks noGrp="1"/>
-          </p:cNvSpPr>
-          <p:nvPr>
-            <p:ph type="ftr" sz="quarter" idx="10"/>
-          </p:nvPr>
-        </p:nvSpPr>
-        <p:spPr/>
-        <p:txBody>
-          <a:bodyPr/>
-          <a:lstStyle/>
-          <a:p>
-            <a:pPr>
-              <a:defRPr/>
-            </a:pPr>
-            <a:r>
-              <a:rPr lang="en-US" altLang="en-US" dirty="0"/>
-              <a:t>©2018 Steve Simon    http://TheAnalysisFactor.com</a:t>
-            </a:r>
-          </a:p>
-        </p:txBody>
-      </p:sp>
-      <p:sp>
-        <p:nvSpPr>
-          <p:cNvPr id="5" name="Slide Number Placeholder 4"/>
-          <p:cNvSpPr>
-            <a:spLocks noGrp="1"/>
-          </p:cNvSpPr>
-          <p:nvPr>
-            <p:ph type="sldNum" sz="quarter" idx="11"/>
-          </p:nvPr>
-        </p:nvSpPr>
-        <p:spPr/>
-        <p:txBody>
-          <a:bodyPr/>
-          <a:lstStyle/>
-          <a:p>
-            <a:pPr>
-              <a:defRPr/>
-            </a:pPr>
-            <a:endParaRPr lang="en-US"/>
-          </a:p>
-          <a:p>
-            <a:pPr>
-              <a:defRPr/>
-            </a:pPr>
-            <a:fld id="{E9A8CBA3-AA2B-46A6-BFA3-DCEBEAAB3F0A}" type="slidenum">
-              <a:rPr lang="en-US" smtClean="0"/>
-              <a:pPr>
-                <a:defRPr/>
-              </a:pPr>
-              <a:t>11</a:t>
-            </a:fld>
-            <a:endParaRPr lang="en-US"/>
-          </a:p>
-        </p:txBody>
-      </p:sp>
-      <p:sp>
-        <p:nvSpPr>
-          <p:cNvPr id="6" name="Text Placeholder 5"/>
-          <p:cNvSpPr>
-            <a:spLocks noGrp="1"/>
-          </p:cNvSpPr>
-          <p:nvPr>
-            <p:ph type="body" sz="quarter" idx="12"/>
-          </p:nvPr>
-        </p:nvSpPr>
-        <p:spPr/>
-        <p:txBody>
-          <a:bodyPr/>
-          <a:lstStyle/>
-          <a:p>
-            <a:r>
-              <a:rPr lang="en-US" dirty="0"/>
-              <a:t>Settings</a:t>
-            </a:r>
-          </a:p>
-        </p:txBody>
-      </p:sp>
-    </p:spTree>
-    <p:extLst>
-      <p:ext uri="{BB962C8B-B14F-4D97-AF65-F5344CB8AC3E}">
-        <p14:creationId xmlns:p14="http://schemas.microsoft.com/office/powerpoint/2010/main" val="1934846528"/>
-      </p:ext>
-    </p:extLst>
-  </p:cSld>
-  <p:clrMapOvr>
-    <a:masterClrMapping/>
-  </p:clrMapOvr>
-</p:sld>
-</file>
-
 <file path=ppt/slides/slide12.xml><?xml version="1.0" encoding="utf-8"?>
 <p:sld xmlns:a="http://schemas.openxmlformats.org/drawingml/2006/main" xmlns:r="http://schemas.openxmlformats.org/officeDocument/2006/relationships" xmlns:p="http://schemas.openxmlformats.org/presentationml/2006/main">
   <p:cSld>
@@ -4423,7 +4358,7 @@
           <a:p>
             <a:r>
               <a:rPr lang="en-US" dirty="0"/>
-              <a:t>Ashkenazi data set</a:t>
+              <a:t>Frailty/cluster models</a:t>
             </a:r>
           </a:p>
         </p:txBody>
@@ -4444,102 +4379,79 @@
           <a:lstStyle/>
           <a:p>
             <a:r>
-              <a:rPr lang="en-US" sz="1800" dirty="0">
-                <a:cs typeface="Calibri" panose="020F0502020204030204" pitchFamily="34" charset="0"/>
-              </a:rPr>
-              <a:t>This is a random subset of data from the </a:t>
-            </a:r>
-            <a:r>
-              <a:rPr lang="en-US" sz="1800" dirty="0" err="1">
-                <a:cs typeface="Calibri" panose="020F0502020204030204" pitchFamily="34" charset="0"/>
-              </a:rPr>
-              <a:t>Struewing</a:t>
-            </a:r>
-            <a:r>
-              <a:rPr lang="en-US" sz="1800" dirty="0">
-                <a:cs typeface="Calibri" panose="020F0502020204030204" pitchFamily="34" charset="0"/>
-              </a:rPr>
-              <a:t> et al. (1997) study of Ashkenazi </a:t>
-            </a:r>
-            <a:r>
-              <a:rPr lang="en-US" sz="1800" dirty="0" err="1">
-                <a:cs typeface="Calibri" panose="020F0502020204030204" pitchFamily="34" charset="0"/>
-              </a:rPr>
-              <a:t>jews</a:t>
-            </a:r>
-            <a:r>
-              <a:rPr lang="en-US" sz="1800" dirty="0">
-                <a:cs typeface="Calibri" panose="020F0502020204030204" pitchFamily="34" charset="0"/>
-              </a:rPr>
-              <a:t> and breast cancer. The subset consists of pairs of first-degree female relatives who are also first degree relatives of a proband.</a:t>
-            </a:r>
-          </a:p>
-          <a:p>
-            <a:endParaRPr lang="en-US" sz="1800" dirty="0">
-              <a:cs typeface="Calibri" panose="020F0502020204030204" pitchFamily="34" charset="0"/>
+              <a:rPr lang="en-US" sz="1800" dirty="0"/>
+              <a:t>Frailty/cluster models account for correlation within a group.</a:t>
+            </a:r>
+          </a:p>
+          <a:p>
+            <a:pPr marL="285750" indent="-285750">
+              <a:buFont typeface="Arial" panose="020B0604020202020204" pitchFamily="34" charset="0"/>
+              <a:buChar char="•"/>
+            </a:pPr>
+            <a:r>
+              <a:rPr lang="en-US" sz="1800" dirty="0"/>
+              <a:t>Multiple events for the same person.</a:t>
+            </a:r>
+          </a:p>
+          <a:p>
+            <a:pPr marL="285750" indent="-285750">
+              <a:buFont typeface="Arial" panose="020B0604020202020204" pitchFamily="34" charset="0"/>
+              <a:buChar char="•"/>
+            </a:pPr>
+            <a:r>
+              <a:rPr lang="en-US" sz="1800" dirty="0"/>
+              <a:t>Multiple sites on the same person.</a:t>
+            </a:r>
+          </a:p>
+          <a:p>
+            <a:pPr marL="285750" indent="-285750">
+              <a:buFont typeface="Arial" panose="020B0604020202020204" pitchFamily="34" charset="0"/>
+              <a:buChar char="•"/>
+            </a:pPr>
+            <a:r>
+              <a:rPr lang="en-US" sz="1800" dirty="0"/>
+              <a:t>Multiple people in the same family</a:t>
+            </a:r>
+          </a:p>
+          <a:p>
+            <a:pPr marL="285750" indent="-285750">
+              <a:buFont typeface="Arial" panose="020B0604020202020204" pitchFamily="34" charset="0"/>
+              <a:buChar char="•"/>
+            </a:pPr>
+            <a:r>
+              <a:rPr lang="en-US" sz="1800" dirty="0"/>
+              <a:t>Multiple animals in the same litter.</a:t>
+            </a:r>
+          </a:p>
+          <a:p>
+            <a:pPr marL="285750" indent="-285750">
+              <a:buFont typeface="Arial" panose="020B0604020202020204" pitchFamily="34" charset="0"/>
+              <a:buChar char="•"/>
+            </a:pPr>
+            <a:r>
+              <a:rPr lang="en-US" sz="1800" dirty="0"/>
+              <a:t>Multiple visitors in the same hospital</a:t>
+            </a:r>
+          </a:p>
+          <a:p>
+            <a:pPr marL="285750" indent="-285750">
+              <a:buFont typeface="Arial" panose="020B0604020202020204" pitchFamily="34" charset="0"/>
+              <a:buChar char="•"/>
+            </a:pPr>
+            <a:r>
+              <a:rPr lang="en-US" sz="1800" dirty="0"/>
+              <a:t>Multiple students in the same classroom/school.</a:t>
+            </a:r>
+          </a:p>
+          <a:p>
+            <a:pPr marL="285750" indent="-285750">
+              <a:buFont typeface="Arial" panose="020B0604020202020204" pitchFamily="34" charset="0"/>
+              <a:buChar char="•"/>
+            </a:pPr>
+            <a:endParaRPr lang="en-US" sz="1800" b="1" dirty="0">
+              <a:latin typeface="Courier New" panose="02070309020205020404" pitchFamily="49" charset="0"/>
+              <a:cs typeface="Courier New" panose="02070309020205020404" pitchFamily="49" charset="0"/>
             </a:endParaRPr>
-          </a:p>
-          <a:p>
-            <a:r>
-              <a:rPr lang="en-US" sz="1800" dirty="0" err="1">
-                <a:cs typeface="Calibri" panose="020F0502020204030204" pitchFamily="34" charset="0"/>
-              </a:rPr>
-              <a:t>Struewing</a:t>
-            </a:r>
-            <a:r>
-              <a:rPr lang="en-US" sz="1800" dirty="0">
-                <a:cs typeface="Calibri" panose="020F0502020204030204" pitchFamily="34" charset="0"/>
-              </a:rPr>
-              <a:t> JP, </a:t>
-            </a:r>
-            <a:r>
-              <a:rPr lang="en-US" sz="1800" dirty="0" err="1">
-                <a:cs typeface="Calibri" panose="020F0502020204030204" pitchFamily="34" charset="0"/>
-              </a:rPr>
-              <a:t>Hartge</a:t>
-            </a:r>
-            <a:r>
-              <a:rPr lang="en-US" sz="1800" dirty="0">
-                <a:cs typeface="Calibri" panose="020F0502020204030204" pitchFamily="34" charset="0"/>
-              </a:rPr>
-              <a:t> P, </a:t>
-            </a:r>
-            <a:r>
-              <a:rPr lang="en-US" sz="1800" dirty="0" err="1">
-                <a:cs typeface="Calibri" panose="020F0502020204030204" pitchFamily="34" charset="0"/>
-              </a:rPr>
-              <a:t>Wacholder</a:t>
-            </a:r>
-            <a:r>
-              <a:rPr lang="en-US" sz="1800" dirty="0">
-                <a:cs typeface="Calibri" panose="020F0502020204030204" pitchFamily="34" charset="0"/>
-              </a:rPr>
-              <a:t> S, Baker SM, Berlin M, McAdams M, Timmerman MM, Brody LC, and Tucker MA (1997) The risk of cancer associated with specific mutations of BRCA1 and BRCA2 among </a:t>
-            </a:r>
-            <a:r>
-              <a:rPr lang="en-US" sz="1800" dirty="0" err="1">
-                <a:cs typeface="Calibri" panose="020F0502020204030204" pitchFamily="34" charset="0"/>
-              </a:rPr>
-              <a:t>ashkenazi</a:t>
-            </a:r>
-            <a:r>
-              <a:rPr lang="en-US" sz="1800" dirty="0">
-                <a:cs typeface="Calibri" panose="020F0502020204030204" pitchFamily="34" charset="0"/>
-              </a:rPr>
-              <a:t> </a:t>
-            </a:r>
-            <a:r>
-              <a:rPr lang="en-US" sz="1800" dirty="0" err="1">
-                <a:cs typeface="Calibri" panose="020F0502020204030204" pitchFamily="34" charset="0"/>
-              </a:rPr>
-              <a:t>jews</a:t>
-            </a:r>
-            <a:r>
-              <a:rPr lang="en-US" sz="1800" dirty="0">
-                <a:cs typeface="Calibri" panose="020F0502020204030204" pitchFamily="34" charset="0"/>
-              </a:rPr>
-              <a:t>. New England Journal of Medicine 336, 1401-1408.)</a:t>
-            </a:r>
           </a:p>
         </p:txBody>
       </p:sp>
@@ -4620,7 +4532,7 @@
           <a:p>
             <a:r>
               <a:rPr lang="en-US" dirty="0"/>
-              <a:t>Description</a:t>
+              <a:t>Settings</a:t>
             </a:r>
           </a:p>
         </p:txBody>
@@ -4628,7 +4540,7 @@
     </p:spTree>
     <p:extLst>
       <p:ext uri="{BB962C8B-B14F-4D97-AF65-F5344CB8AC3E}">
-        <p14:creationId xmlns:p14="http://schemas.microsoft.com/office/powerpoint/2010/main" val="398883636"/>
+        <p14:creationId xmlns:p14="http://schemas.microsoft.com/office/powerpoint/2010/main" val="1934846528"/>
       </p:ext>
     </p:extLst>
   </p:cSld>
@@ -4692,63 +4604,102 @@
           <a:bodyPr/>
           <a:lstStyle/>
           <a:p>
-            <a:pPr marL="285750" indent="-285750">
-              <a:buFont typeface="Arial" panose="020B0604020202020204" pitchFamily="34" charset="0"/>
-              <a:buChar char="•"/>
-            </a:pPr>
+            <a:r>
+              <a:rPr lang="en-US" sz="1800" dirty="0">
+                <a:cs typeface="Calibri" panose="020F0502020204030204" pitchFamily="34" charset="0"/>
+              </a:rPr>
+              <a:t>This is a random subset of data from the </a:t>
+            </a:r>
             <a:r>
               <a:rPr lang="en-US" sz="1800" dirty="0" err="1">
                 <a:cs typeface="Calibri" panose="020F0502020204030204" pitchFamily="34" charset="0"/>
               </a:rPr>
-              <a:t>famID</a:t>
+              <a:t>Struewing</a:t>
             </a:r>
             <a:r>
               <a:rPr lang="en-US" sz="1800" dirty="0">
                 <a:cs typeface="Calibri" panose="020F0502020204030204" pitchFamily="34" charset="0"/>
               </a:rPr>
-              <a:t>: family ID indicator</a:t>
-            </a:r>
-          </a:p>
-          <a:p>
-            <a:pPr marL="285750" indent="-285750">
-              <a:buFont typeface="Arial" panose="020B0604020202020204" pitchFamily="34" charset="0"/>
-              <a:buChar char="•"/>
-            </a:pPr>
+              <a:t> et al. (1997) study of Ashkenazi </a:t>
+            </a:r>
             <a:r>
               <a:rPr lang="en-US" sz="1800" dirty="0" err="1">
                 <a:cs typeface="Calibri" panose="020F0502020204030204" pitchFamily="34" charset="0"/>
               </a:rPr>
-              <a:t>brcancer</a:t>
+              <a:t>jews</a:t>
             </a:r>
             <a:r>
               <a:rPr lang="en-US" sz="1800" dirty="0">
                 <a:cs typeface="Calibri" panose="020F0502020204030204" pitchFamily="34" charset="0"/>
               </a:rPr>
-              <a:t>: 1 if subject had breast cancer, 0 if not</a:t>
-            </a:r>
-          </a:p>
-          <a:p>
-            <a:pPr marL="285750" indent="-285750">
-              <a:buFont typeface="Arial" panose="020B0604020202020204" pitchFamily="34" charset="0"/>
-              <a:buChar char="•"/>
-            </a:pPr>
+              <a:t> and breast cancer. The subset consists of pairs of first-degree female relatives who are also first degree relatives of a proband.</a:t>
+            </a:r>
+          </a:p>
+          <a:p>
+            <a:endParaRPr lang="en-US" sz="1800" dirty="0">
+              <a:cs typeface="Calibri" panose="020F0502020204030204" pitchFamily="34" charset="0"/>
+            </a:endParaRPr>
+          </a:p>
+          <a:p>
+            <a:r>
+              <a:rPr lang="en-US" sz="1800" dirty="0" err="1">
+                <a:cs typeface="Calibri" panose="020F0502020204030204" pitchFamily="34" charset="0"/>
+              </a:rPr>
+              <a:t>Struewing</a:t>
+            </a:r>
             <a:r>
               <a:rPr lang="en-US" sz="1800" dirty="0">
                 <a:cs typeface="Calibri" panose="020F0502020204030204" pitchFamily="34" charset="0"/>
               </a:rPr>
-              <a:t>age: Age at onset of breast cancer, or current age if no breast cancer</a:t>
-            </a:r>
-          </a:p>
-          <a:p>
-            <a:pPr marL="285750" indent="-285750">
-              <a:buFont typeface="Arial" panose="020B0604020202020204" pitchFamily="34" charset="0"/>
-              <a:buChar char="•"/>
-            </a:pPr>
+              <a:t> JP, </a:t>
+            </a:r>
+            <a:r>
+              <a:rPr lang="en-US" sz="1800" dirty="0" err="1">
+                <a:cs typeface="Calibri" panose="020F0502020204030204" pitchFamily="34" charset="0"/>
+              </a:rPr>
+              <a:t>Hartge</a:t>
+            </a:r>
             <a:r>
               <a:rPr lang="en-US" sz="1800" dirty="0">
                 <a:cs typeface="Calibri" panose="020F0502020204030204" pitchFamily="34" charset="0"/>
               </a:rPr>
-              <a:t>mutant: 1 if first degree relative proband was a BRCA mutation carrier, 0 if not</a:t>
+              <a:t> P, </a:t>
+            </a:r>
+            <a:r>
+              <a:rPr lang="en-US" sz="1800" dirty="0" err="1">
+                <a:cs typeface="Calibri" panose="020F0502020204030204" pitchFamily="34" charset="0"/>
+              </a:rPr>
+              <a:t>Wacholder</a:t>
+            </a:r>
+            <a:r>
+              <a:rPr lang="en-US" sz="1800" dirty="0">
+                <a:cs typeface="Calibri" panose="020F0502020204030204" pitchFamily="34" charset="0"/>
+              </a:rPr>
+              <a:t> S, Baker SM, Berlin M, McAdams M, Timmerman MM, Brody LC, and Tucker MA (1997) The risk of cancer associated with specific mutations of BRCA1 and BRCA2 among </a:t>
+            </a:r>
+            <a:r>
+              <a:rPr lang="en-US" sz="1800" dirty="0" err="1">
+                <a:cs typeface="Calibri" panose="020F0502020204030204" pitchFamily="34" charset="0"/>
+              </a:rPr>
+              <a:t>ashkenazi</a:t>
+            </a:r>
+            <a:r>
+              <a:rPr lang="en-US" sz="1800" dirty="0">
+                <a:cs typeface="Calibri" panose="020F0502020204030204" pitchFamily="34" charset="0"/>
+              </a:rPr>
+              <a:t> </a:t>
+            </a:r>
+            <a:r>
+              <a:rPr lang="en-US" sz="1800" dirty="0" err="1">
+                <a:cs typeface="Calibri" panose="020F0502020204030204" pitchFamily="34" charset="0"/>
+              </a:rPr>
+              <a:t>jews</a:t>
+            </a:r>
+            <a:r>
+              <a:rPr lang="en-US" sz="1800" dirty="0">
+                <a:cs typeface="Calibri" panose="020F0502020204030204" pitchFamily="34" charset="0"/>
+              </a:rPr>
+              <a:t>. New England Journal of Medicine 336, 1401-1408.)</a:t>
             </a:r>
           </a:p>
         </p:txBody>
@@ -4829,10 +4780,8 @@
           <a:lstStyle/>
           <a:p>
             <a:r>
-              <a:rPr lang="en-US" dirty="0">
-                <a:cs typeface="Calibri" panose="020F0502020204030204" pitchFamily="34" charset="0"/>
-              </a:rPr>
-              <a:t>3920 observations and 4 variables</a:t>
+              <a:rPr lang="en-US" dirty="0"/>
+              <a:t>Description</a:t>
             </a:r>
           </a:p>
         </p:txBody>
@@ -4840,7 +4789,7 @@
     </p:spTree>
     <p:extLst>
       <p:ext uri="{BB962C8B-B14F-4D97-AF65-F5344CB8AC3E}">
-        <p14:creationId xmlns:p14="http://schemas.microsoft.com/office/powerpoint/2010/main" val="2944027875"/>
+        <p14:creationId xmlns:p14="http://schemas.microsoft.com/office/powerpoint/2010/main" val="398883636"/>
       </p:ext>
     </p:extLst>
   </p:cSld>
@@ -4884,7 +4833,7 @@
           <a:p>
             <a:r>
               <a:rPr lang="en-US" dirty="0"/>
-              <a:t>Rats data set</a:t>
+              <a:t>Ashkenazi data set</a:t>
             </a:r>
           </a:p>
         </p:txBody>
@@ -4904,78 +4853,64 @@
           <a:bodyPr/>
           <a:lstStyle/>
           <a:p>
+            <a:pPr marL="285750" indent="-285750">
+              <a:buFont typeface="Arial" panose="020B0604020202020204" pitchFamily="34" charset="0"/>
+              <a:buChar char="•"/>
+            </a:pPr>
+            <a:r>
+              <a:rPr lang="en-US" sz="1800" dirty="0" err="1">
+                <a:cs typeface="Calibri" panose="020F0502020204030204" pitchFamily="34" charset="0"/>
+              </a:rPr>
+              <a:t>famID</a:t>
+            </a:r>
             <a:r>
               <a:rPr lang="en-US" sz="1800" dirty="0">
                 <a:cs typeface="Calibri" panose="020F0502020204030204" pitchFamily="34" charset="0"/>
               </a:rPr>
-              <a:t>Rat treatment data from Mantel et al. Three rats were chosen from each of 100 litters, one of which was treated with a drug, and then all followed for tumor incidence.</a:t>
-            </a:r>
-          </a:p>
-          <a:p>
-            <a:endParaRPr lang="en-US" sz="1800" dirty="0">
-              <a:cs typeface="Calibri" panose="020F0502020204030204" pitchFamily="34" charset="0"/>
-            </a:endParaRPr>
-          </a:p>
-          <a:p>
+              <a:t>: family ID indicator</a:t>
+            </a:r>
+          </a:p>
+          <a:p>
+            <a:pPr marL="285750" indent="-285750">
+              <a:buFont typeface="Arial" panose="020B0604020202020204" pitchFamily="34" charset="0"/>
+              <a:buChar char="•"/>
+            </a:pPr>
+            <a:r>
+              <a:rPr lang="en-US" sz="1800" dirty="0" err="1">
+                <a:cs typeface="Calibri" panose="020F0502020204030204" pitchFamily="34" charset="0"/>
+              </a:rPr>
+              <a:t>brcancer</a:t>
+            </a:r>
             <a:r>
               <a:rPr lang="en-US" sz="1800" dirty="0">
                 <a:cs typeface="Calibri" panose="020F0502020204030204" pitchFamily="34" charset="0"/>
               </a:rPr>
-              <a:t>N. Mantel, N. R. </a:t>
-            </a:r>
-            <a:r>
-              <a:rPr lang="en-US" sz="1800" dirty="0" err="1">
-                <a:cs typeface="Calibri" panose="020F0502020204030204" pitchFamily="34" charset="0"/>
-              </a:rPr>
-              <a:t>Bohidar</a:t>
-            </a:r>
+              <a:t>: 1 if subject had breast cancer, 0 if not</a:t>
+            </a:r>
+          </a:p>
+          <a:p>
+            <a:pPr marL="285750" indent="-285750">
+              <a:buFont typeface="Arial" panose="020B0604020202020204" pitchFamily="34" charset="0"/>
+              <a:buChar char="•"/>
+            </a:pPr>
             <a:r>
               <a:rPr lang="en-US" sz="1800" dirty="0">
                 <a:cs typeface="Calibri" panose="020F0502020204030204" pitchFamily="34" charset="0"/>
               </a:rPr>
-              <a:t> and J. L. </a:t>
-            </a:r>
-            <a:r>
-              <a:rPr lang="en-US" sz="1800" dirty="0" err="1">
-                <a:cs typeface="Calibri" panose="020F0502020204030204" pitchFamily="34" charset="0"/>
-              </a:rPr>
-              <a:t>Ciminera</a:t>
-            </a:r>
+              <a:t>age: Age at onset of breast cancer, or current age if no breast cancer</a:t>
+            </a:r>
+          </a:p>
+          <a:p>
+            <a:pPr marL="285750" indent="-285750">
+              <a:buFont typeface="Arial" panose="020B0604020202020204" pitchFamily="34" charset="0"/>
+              <a:buChar char="•"/>
+            </a:pPr>
             <a:r>
               <a:rPr lang="en-US" sz="1800" dirty="0">
                 <a:cs typeface="Calibri" panose="020F0502020204030204" pitchFamily="34" charset="0"/>
               </a:rPr>
-              <a:t>. Mantel-</a:t>
-            </a:r>
-            <a:r>
-              <a:rPr lang="en-US" sz="1800" dirty="0" err="1">
-                <a:cs typeface="Calibri" panose="020F0502020204030204" pitchFamily="34" charset="0"/>
-              </a:rPr>
-              <a:t>Haenszel</a:t>
-            </a:r>
-            <a:r>
-              <a:rPr lang="en-US" sz="1800" dirty="0">
-                <a:cs typeface="Calibri" panose="020F0502020204030204" pitchFamily="34" charset="0"/>
-              </a:rPr>
-              <a:t> analyses of litter-matched time to response data, with modifications for recovery of </a:t>
-            </a:r>
-            <a:r>
-              <a:rPr lang="en-US" sz="1800" dirty="0" err="1">
-                <a:cs typeface="Calibri" panose="020F0502020204030204" pitchFamily="34" charset="0"/>
-              </a:rPr>
-              <a:t>interlitter</a:t>
-            </a:r>
-            <a:r>
-              <a:rPr lang="en-US" sz="1800" dirty="0">
-                <a:cs typeface="Calibri" panose="020F0502020204030204" pitchFamily="34" charset="0"/>
-              </a:rPr>
-              <a:t> information. Cancer Research, 37:3863-3868, 1977.</a:t>
-            </a:r>
-          </a:p>
-          <a:p>
-            <a:endParaRPr lang="en-US" sz="1800" dirty="0">
-              <a:cs typeface="Calibri" panose="020F0502020204030204" pitchFamily="34" charset="0"/>
-            </a:endParaRPr>
+              <a:t>mutant: 1 if first degree relative proband was a BRCA mutation carrier, 0 if not</a:t>
+            </a:r>
           </a:p>
         </p:txBody>
       </p:sp>
@@ -5055,21 +4990,18 @@
           <a:lstStyle/>
           <a:p>
             <a:r>
-              <a:rPr lang="en-US" b="1" dirty="0">
+              <a:rPr lang="en-US" dirty="0">
                 <a:cs typeface="Calibri" panose="020F0502020204030204" pitchFamily="34" charset="0"/>
               </a:rPr>
-              <a:t>Description</a:t>
-            </a:r>
-            <a:endParaRPr lang="en-US" dirty="0">
-              <a:cs typeface="Calibri" panose="020F0502020204030204" pitchFamily="34" charset="0"/>
-            </a:endParaRPr>
+              <a:t>3920 observations and 4 variables</a:t>
+            </a:r>
           </a:p>
         </p:txBody>
       </p:sp>
     </p:spTree>
     <p:extLst>
       <p:ext uri="{BB962C8B-B14F-4D97-AF65-F5344CB8AC3E}">
-        <p14:creationId xmlns:p14="http://schemas.microsoft.com/office/powerpoint/2010/main" val="1425889960"/>
+        <p14:creationId xmlns:p14="http://schemas.microsoft.com/office/powerpoint/2010/main" val="2944027875"/>
       </p:ext>
     </p:extLst>
   </p:cSld>
@@ -5113,7 +5045,7 @@
           <a:p>
             <a:r>
               <a:rPr lang="en-US" dirty="0"/>
-              <a:t>Rats data set</a:t>
+              <a:t>Ashkenazi data set</a:t>
             </a:r>
           </a:p>
         </p:txBody>
@@ -5133,69 +5065,94 @@
           <a:bodyPr/>
           <a:lstStyle/>
           <a:p>
-            <a:pPr marL="285750" indent="-285750">
-              <a:buFont typeface="Arial" panose="020B0604020202020204" pitchFamily="34" charset="0"/>
-              <a:buChar char="•"/>
-            </a:pPr>
             <a:r>
               <a:rPr lang="en-US" sz="1800" dirty="0">
-                <a:cs typeface="Calibri" panose="020F0502020204030204" pitchFamily="34" charset="0"/>
-              </a:rPr>
-              <a:t>litter: litter number from 1 to 100</a:t>
-            </a:r>
-          </a:p>
-          <a:p>
-            <a:pPr marL="285750" indent="-285750">
-              <a:buFont typeface="Arial" panose="020B0604020202020204" pitchFamily="34" charset="0"/>
-              <a:buChar char="•"/>
-            </a:pPr>
+                <a:latin typeface="Courier New" panose="02070309020205020404" pitchFamily="49" charset="0"/>
+                <a:cs typeface="Courier New" panose="02070309020205020404" pitchFamily="49" charset="0"/>
+              </a:rPr>
+              <a:t>  </a:t>
+            </a:r>
             <a:r>
               <a:rPr lang="en-US" sz="1800" dirty="0" err="1">
-                <a:cs typeface="Calibri" panose="020F0502020204030204" pitchFamily="34" charset="0"/>
-              </a:rPr>
-              <a:t>rx</a:t>
+                <a:latin typeface="Courier New" panose="02070309020205020404" pitchFamily="49" charset="0"/>
+                <a:cs typeface="Courier New" panose="02070309020205020404" pitchFamily="49" charset="0"/>
+              </a:rPr>
+              <a:t>famID</a:t>
             </a:r>
             <a:r>
               <a:rPr lang="en-US" sz="1800" dirty="0">
-                <a:cs typeface="Calibri" panose="020F0502020204030204" pitchFamily="34" charset="0"/>
-              </a:rPr>
-              <a:t>: treatment,(1=drug, 0=control)</a:t>
-            </a:r>
-          </a:p>
-          <a:p>
-            <a:pPr marL="285750" indent="-285750">
-              <a:buFont typeface="Arial" panose="020B0604020202020204" pitchFamily="34" charset="0"/>
-              <a:buChar char="•"/>
-            </a:pPr>
+                <a:latin typeface="Courier New" panose="02070309020205020404" pitchFamily="49" charset="0"/>
+                <a:cs typeface="Courier New" panose="02070309020205020404" pitchFamily="49" charset="0"/>
+              </a:rPr>
+              <a:t> </a:t>
+            </a:r>
+            <a:r>
+              <a:rPr lang="en-US" sz="1800" dirty="0" err="1">
+                <a:latin typeface="Courier New" panose="02070309020205020404" pitchFamily="49" charset="0"/>
+                <a:cs typeface="Courier New" panose="02070309020205020404" pitchFamily="49" charset="0"/>
+              </a:rPr>
+              <a:t>brcancer</a:t>
+            </a:r>
             <a:r>
               <a:rPr lang="en-US" sz="1800" dirty="0">
-                <a:cs typeface="Calibri" panose="020F0502020204030204" pitchFamily="34" charset="0"/>
-              </a:rPr>
-              <a:t>time: time to tumor or last follow-up</a:t>
-            </a:r>
-          </a:p>
-          <a:p>
-            <a:pPr marL="285750" indent="-285750">
-              <a:buFont typeface="Arial" panose="020B0604020202020204" pitchFamily="34" charset="0"/>
-              <a:buChar char="•"/>
-            </a:pPr>
+                <a:latin typeface="Courier New" panose="02070309020205020404" pitchFamily="49" charset="0"/>
+                <a:cs typeface="Courier New" panose="02070309020205020404" pitchFamily="49" charset="0"/>
+              </a:rPr>
+              <a:t> age mutant</a:t>
+            </a:r>
+          </a:p>
+          <a:p>
             <a:r>
               <a:rPr lang="en-US" sz="1800" dirty="0">
-                <a:cs typeface="Calibri" panose="020F0502020204030204" pitchFamily="34" charset="0"/>
-              </a:rPr>
-              <a:t>status: event status, 1=tumor and 0=censored</a:t>
-            </a:r>
-          </a:p>
-          <a:p>
-            <a:pPr marL="285750" indent="-285750">
-              <a:buFont typeface="Arial" panose="020B0604020202020204" pitchFamily="34" charset="0"/>
-              <a:buChar char="•"/>
-            </a:pPr>
+                <a:latin typeface="Courier New" panose="02070309020205020404" pitchFamily="49" charset="0"/>
+                <a:cs typeface="Courier New" panose="02070309020205020404" pitchFamily="49" charset="0"/>
+              </a:rPr>
+              <a:t>1     1        0  73      0</a:t>
+            </a:r>
+          </a:p>
+          <a:p>
             <a:r>
               <a:rPr lang="en-US" sz="1800" dirty="0">
-                <a:cs typeface="Calibri" panose="020F0502020204030204" pitchFamily="34" charset="0"/>
-              </a:rPr>
-              <a:t>sex: male or female</a:t>
+                <a:latin typeface="Courier New" panose="02070309020205020404" pitchFamily="49" charset="0"/>
+                <a:cs typeface="Courier New" panose="02070309020205020404" pitchFamily="49" charset="0"/>
+              </a:rPr>
+              <a:t>2     1        0  40      0</a:t>
+            </a:r>
+          </a:p>
+          <a:p>
+            <a:r>
+              <a:rPr lang="en-US" sz="1800" dirty="0">
+                <a:latin typeface="Courier New" panose="02070309020205020404" pitchFamily="49" charset="0"/>
+                <a:cs typeface="Courier New" panose="02070309020205020404" pitchFamily="49" charset="0"/>
+              </a:rPr>
+              <a:t>3     7        0  48      0</a:t>
+            </a:r>
+          </a:p>
+          <a:p>
+            <a:r>
+              <a:rPr lang="en-US" sz="1800" dirty="0">
+                <a:latin typeface="Courier New" panose="02070309020205020404" pitchFamily="49" charset="0"/>
+                <a:cs typeface="Courier New" panose="02070309020205020404" pitchFamily="49" charset="0"/>
+              </a:rPr>
+              <a:t>4     7        0  25      0</a:t>
+            </a:r>
+          </a:p>
+          <a:p>
+            <a:r>
+              <a:rPr lang="en-US" sz="1800" dirty="0">
+                <a:latin typeface="Courier New" panose="02070309020205020404" pitchFamily="49" charset="0"/>
+                <a:cs typeface="Courier New" panose="02070309020205020404" pitchFamily="49" charset="0"/>
+              </a:rPr>
+              <a:t>5     8        0  56      0</a:t>
+            </a:r>
+          </a:p>
+          <a:p>
+            <a:r>
+              <a:rPr lang="en-US" sz="1800" dirty="0">
+                <a:latin typeface="Courier New" panose="02070309020205020404" pitchFamily="49" charset="0"/>
+                <a:cs typeface="Courier New" panose="02070309020205020404" pitchFamily="49" charset="0"/>
+              </a:rPr>
+              <a:t>6     8        0  55      0</a:t>
             </a:r>
           </a:p>
         </p:txBody>
@@ -5279,7 +5236,7 @@
               <a:rPr lang="en-US" dirty="0">
                 <a:cs typeface="Calibri" panose="020F0502020204030204" pitchFamily="34" charset="0"/>
               </a:rPr>
-              <a:t>300 observations and 5 variables.</a:t>
+              <a:t>First six rows</a:t>
             </a:r>
           </a:p>
         </p:txBody>
@@ -5287,7 +5244,7 @@
     </p:spTree>
     <p:extLst>
       <p:ext uri="{BB962C8B-B14F-4D97-AF65-F5344CB8AC3E}">
-        <p14:creationId xmlns:p14="http://schemas.microsoft.com/office/powerpoint/2010/main" val="3127566953"/>
+        <p14:creationId xmlns:p14="http://schemas.microsoft.com/office/powerpoint/2010/main" val="2571706625"/>
       </p:ext>
     </p:extLst>
   </p:cSld>
@@ -5331,7 +5288,7 @@
           <a:p>
             <a:r>
               <a:rPr lang="en-US" dirty="0"/>
-              <a:t>Diabetes data set</a:t>
+              <a:t>Ashkenazi data set</a:t>
             </a:r>
           </a:p>
         </p:txBody>
@@ -5352,53 +5309,75 @@
           <a:lstStyle/>
           <a:p>
             <a:r>
+              <a:rPr lang="en-US" sz="1800" dirty="0" err="1">
+                <a:latin typeface="Courier New" panose="02070309020205020404" pitchFamily="49" charset="0"/>
+                <a:cs typeface="Courier New" panose="02070309020205020404" pitchFamily="49" charset="0"/>
+              </a:rPr>
+              <a:t>brcanacer</a:t>
+            </a:r>
+            <a:r>
               <a:rPr lang="en-US" sz="1800" dirty="0">
-                <a:cs typeface="Calibri" panose="020F0502020204030204" pitchFamily="34" charset="0"/>
-              </a:rPr>
-              <a:t>The data was collected to test a laser treatment for delaying blindness in patients with diabetic retinopathy. The subset of 197 </a:t>
-            </a:r>
-            <a:r>
-              <a:rPr lang="en-US" sz="1800" dirty="0" err="1">
-                <a:cs typeface="Calibri" panose="020F0502020204030204" pitchFamily="34" charset="0"/>
-              </a:rPr>
-              <a:t>patiens</a:t>
-            </a:r>
+                <a:latin typeface="Courier New" panose="02070309020205020404" pitchFamily="49" charset="0"/>
+                <a:cs typeface="Courier New" panose="02070309020205020404" pitchFamily="49" charset="0"/>
+              </a:rPr>
+              <a:t>       0    1 </a:t>
+            </a:r>
+          </a:p>
+          <a:p>
             <a:r>
               <a:rPr lang="en-US" sz="1800" dirty="0">
-                <a:cs typeface="Calibri" panose="020F0502020204030204" pitchFamily="34" charset="0"/>
-              </a:rPr>
-              <a:t> given in </a:t>
-            </a:r>
-            <a:r>
-              <a:rPr lang="en-US" sz="1800" dirty="0" err="1">
-                <a:cs typeface="Calibri" panose="020F0502020204030204" pitchFamily="34" charset="0"/>
-              </a:rPr>
-              <a:t>Huster</a:t>
-            </a:r>
+                <a:latin typeface="Courier New" panose="02070309020205020404" pitchFamily="49" charset="0"/>
+                <a:cs typeface="Courier New" panose="02070309020205020404" pitchFamily="49" charset="0"/>
+              </a:rPr>
+              <a:t>             3447  473</a:t>
+            </a:r>
+          </a:p>
+          <a:p>
+            <a:endParaRPr lang="en-US" sz="1800" dirty="0">
+              <a:latin typeface="Courier New" panose="02070309020205020404" pitchFamily="49" charset="0"/>
+              <a:cs typeface="Courier New" panose="02070309020205020404" pitchFamily="49" charset="0"/>
+            </a:endParaRPr>
+          </a:p>
+          <a:p>
             <a:r>
               <a:rPr lang="en-US" sz="1800" dirty="0">
-                <a:cs typeface="Calibri" panose="020F0502020204030204" pitchFamily="34" charset="0"/>
-              </a:rPr>
-              <a:t> et al. (1989) is used.</a:t>
+                <a:latin typeface="Courier New" panose="02070309020205020404" pitchFamily="49" charset="0"/>
+                <a:cs typeface="Courier New" panose="02070309020205020404" pitchFamily="49" charset="0"/>
+              </a:rPr>
+              <a:t>mutant          0    1 </a:t>
+            </a:r>
+          </a:p>
+          <a:p>
+            <a:r>
+              <a:rPr lang="en-US" sz="1800" dirty="0">
+                <a:latin typeface="Courier New" panose="02070309020205020404" pitchFamily="49" charset="0"/>
+                <a:cs typeface="Courier New" panose="02070309020205020404" pitchFamily="49" charset="0"/>
+              </a:rPr>
+              <a:t>             3830   90</a:t>
             </a:r>
           </a:p>
           <a:p>
             <a:endParaRPr lang="en-US" sz="1800" dirty="0">
-              <a:cs typeface="Calibri" panose="020F0502020204030204" pitchFamily="34" charset="0"/>
+              <a:latin typeface="Courier New" panose="02070309020205020404" pitchFamily="49" charset="0"/>
+              <a:cs typeface="Courier New" panose="02070309020205020404" pitchFamily="49" charset="0"/>
             </a:endParaRPr>
           </a:p>
           <a:p>
             <a:r>
-              <a:rPr lang="en-US" sz="1800" dirty="0" err="1">
-                <a:cs typeface="Calibri" panose="020F0502020204030204" pitchFamily="34" charset="0"/>
-              </a:rPr>
-              <a:t>Huster</a:t>
-            </a:r>
-            <a:r>
               <a:rPr lang="en-US" sz="1800" dirty="0">
-                <a:cs typeface="Calibri" panose="020F0502020204030204" pitchFamily="34" charset="0"/>
-              </a:rPr>
-              <a:t> W.J. and Brookmeyer, R. and Self. S. (1989) Modelling paired survival data with covariates, Biometrics 45, 145-56.</a:t>
+                <a:latin typeface="Courier New" panose="02070309020205020404" pitchFamily="49" charset="0"/>
+                <a:cs typeface="Courier New" panose="02070309020205020404" pitchFamily="49" charset="0"/>
+              </a:rPr>
+              <a:t>age     Min. 1st Qu.  Median    Mean 3rd Qu.    Max. </a:t>
+            </a:r>
+          </a:p>
+          <a:p>
+            <a:r>
+              <a:rPr lang="en-US" sz="1800" dirty="0">
+                <a:latin typeface="Courier New" panose="02070309020205020404" pitchFamily="49" charset="0"/>
+                <a:cs typeface="Courier New" panose="02070309020205020404" pitchFamily="49" charset="0"/>
+              </a:rPr>
+              <a:t>        1.00   45.00   59.00   58.63   73.00  100.00</a:t>
             </a:r>
           </a:p>
         </p:txBody>
@@ -5482,7 +5461,7 @@
               <a:rPr lang="en-US" dirty="0">
                 <a:cs typeface="Calibri" panose="020F0502020204030204" pitchFamily="34" charset="0"/>
               </a:rPr>
-              <a:t>Description</a:t>
+              <a:t>Descriptive statistics</a:t>
             </a:r>
           </a:p>
         </p:txBody>
@@ -5490,7 +5469,7 @@
     </p:spTree>
     <p:extLst>
       <p:ext uri="{BB962C8B-B14F-4D97-AF65-F5344CB8AC3E}">
-        <p14:creationId xmlns:p14="http://schemas.microsoft.com/office/powerpoint/2010/main" val="3095013022"/>
+        <p14:creationId xmlns:p14="http://schemas.microsoft.com/office/powerpoint/2010/main" val="2518695629"/>
       </p:ext>
     </p:extLst>
   </p:cSld>
@@ -5534,119 +5513,7 @@
           <a:p>
             <a:r>
               <a:rPr lang="en-US" dirty="0"/>
-              <a:t>Diabetes data set</a:t>
-            </a:r>
-          </a:p>
-        </p:txBody>
-      </p:sp>
-      <p:sp>
-        <p:nvSpPr>
-          <p:cNvPr id="3" name="Text Placeholder 2"/>
-          <p:cNvSpPr>
-            <a:spLocks noGrp="1"/>
-          </p:cNvSpPr>
-          <p:nvPr>
-            <p:ph type="body" idx="1"/>
-          </p:nvPr>
-        </p:nvSpPr>
-        <p:spPr/>
-        <p:txBody>
-          <a:bodyPr/>
-          <a:lstStyle/>
-          <a:p>
-            <a:pPr marL="285750" indent="-285750">
-              <a:buFont typeface="Arial" panose="020B0604020202020204" pitchFamily="34" charset="0"/>
-              <a:buChar char="•"/>
-            </a:pPr>
-            <a:r>
-              <a:rPr lang="en-US" sz="1800" dirty="0">
-                <a:cs typeface="Calibri" panose="020F0502020204030204" pitchFamily="34" charset="0"/>
-              </a:rPr>
-              <a:t>id: a numeric vector. Patient code.</a:t>
-            </a:r>
-          </a:p>
-          <a:p>
-            <a:pPr marL="285750" indent="-285750">
-              <a:buFont typeface="Arial" panose="020B0604020202020204" pitchFamily="34" charset="0"/>
-              <a:buChar char="•"/>
-            </a:pPr>
-            <a:r>
-              <a:rPr lang="en-US" sz="1800" dirty="0" err="1">
-                <a:cs typeface="Calibri" panose="020F0502020204030204" pitchFamily="34" charset="0"/>
-              </a:rPr>
-              <a:t>agedx</a:t>
-            </a:r>
-            <a:r>
-              <a:rPr lang="en-US" sz="1800" dirty="0">
-                <a:cs typeface="Calibri" panose="020F0502020204030204" pitchFamily="34" charset="0"/>
-              </a:rPr>
-              <a:t>: a numeric vector. Age of patient at diagnosis.</a:t>
-            </a:r>
-          </a:p>
-          <a:p>
-            <a:pPr marL="285750" indent="-285750">
-              <a:buFont typeface="Arial" panose="020B0604020202020204" pitchFamily="34" charset="0"/>
-              <a:buChar char="•"/>
-            </a:pPr>
-            <a:r>
-              <a:rPr lang="en-US" sz="1800" dirty="0">
-                <a:cs typeface="Calibri" panose="020F0502020204030204" pitchFamily="34" charset="0"/>
-              </a:rPr>
-              <a:t>time: a numeric vector. Survival time: time to blindness or censoring.</a:t>
-            </a:r>
-          </a:p>
-          <a:p>
-            <a:pPr marL="285750" indent="-285750">
-              <a:buFont typeface="Arial" panose="020B0604020202020204" pitchFamily="34" charset="0"/>
-              <a:buChar char="•"/>
-            </a:pPr>
-            <a:r>
-              <a:rPr lang="en-US" sz="1800" dirty="0">
-                <a:cs typeface="Calibri" panose="020F0502020204030204" pitchFamily="34" charset="0"/>
-              </a:rPr>
-              <a:t>status: a numeric vector code. Survival status. 1: blindness, 0: censored.</a:t>
-            </a:r>
-          </a:p>
-          <a:p>
-            <a:pPr marL="285750" indent="-285750">
-              <a:buFont typeface="Arial" panose="020B0604020202020204" pitchFamily="34" charset="0"/>
-              <a:buChar char="•"/>
-            </a:pPr>
-            <a:r>
-              <a:rPr lang="en-US" sz="1800" dirty="0" err="1">
-                <a:cs typeface="Calibri" panose="020F0502020204030204" pitchFamily="34" charset="0"/>
-              </a:rPr>
-              <a:t>trteye</a:t>
-            </a:r>
-            <a:r>
-              <a:rPr lang="en-US" sz="1800" dirty="0">
-                <a:cs typeface="Calibri" panose="020F0502020204030204" pitchFamily="34" charset="0"/>
-              </a:rPr>
-              <a:t>: a numeric vector code. Random eye selected for treatment. 1: left eye 2: right eye.</a:t>
-            </a:r>
-          </a:p>
-          <a:p>
-            <a:pPr marL="285750" indent="-285750">
-              <a:buFont typeface="Arial" panose="020B0604020202020204" pitchFamily="34" charset="0"/>
-              <a:buChar char="•"/>
-            </a:pPr>
-            <a:r>
-              <a:rPr lang="en-US" sz="1800" dirty="0">
-                <a:cs typeface="Calibri" panose="020F0502020204030204" pitchFamily="34" charset="0"/>
-              </a:rPr>
-              <a:t>treat: a numeric vector. 1: treatment 0: untreated.</a:t>
-            </a:r>
-          </a:p>
-          <a:p>
-            <a:pPr marL="285750" indent="-285750">
-              <a:buFont typeface="Arial" panose="020B0604020202020204" pitchFamily="34" charset="0"/>
-              <a:buChar char="•"/>
-            </a:pPr>
-            <a:r>
-              <a:rPr lang="en-US" sz="1800" dirty="0">
-                <a:cs typeface="Calibri" panose="020F0502020204030204" pitchFamily="34" charset="0"/>
-              </a:rPr>
-              <a:t>adult: a numeric vector code. 1: younger than 20, 2: older than 20.</a:t>
+              <a:t>Ashkenazi survival curves, lower curve is mutant</a:t>
             </a:r>
           </a:p>
         </p:txBody>
@@ -5711,34 +5578,40 @@
           </a:p>
         </p:txBody>
       </p:sp>
-      <p:sp>
-        <p:nvSpPr>
-          <p:cNvPr id="6" name="Text Placeholder 5"/>
-          <p:cNvSpPr>
-            <a:spLocks noGrp="1"/>
-          </p:cNvSpPr>
-          <p:nvPr>
-            <p:ph type="body" sz="quarter" idx="12"/>
-          </p:nvPr>
-        </p:nvSpPr>
-        <p:spPr/>
-        <p:txBody>
-          <a:bodyPr/>
-          <a:lstStyle/>
-          <a:p>
-            <a:r>
-              <a:rPr lang="en-US" dirty="0">
-                <a:cs typeface="Calibri" panose="020F0502020204030204" pitchFamily="34" charset="0"/>
-              </a:rPr>
-              <a:t>394 observations and 7 variables.</a:t>
-            </a:r>
-          </a:p>
-        </p:txBody>
-      </p:sp>
+      <p:pic>
+        <p:nvPicPr>
+          <p:cNvPr id="3" name="Picture 2">
+            <a:extLst>
+              <a:ext uri="{FF2B5EF4-FFF2-40B4-BE49-F238E27FC236}">
+                <a16:creationId xmlns:a16="http://schemas.microsoft.com/office/drawing/2014/main" id="{9D52464C-900C-470D-9C8F-449DC463D464}"/>
+              </a:ext>
+            </a:extLst>
+          </p:cNvPr>
+          <p:cNvPicPr>
+            <a:picLocks noChangeAspect="1"/>
+          </p:cNvPicPr>
+          <p:nvPr/>
+        </p:nvPicPr>
+        <p:blipFill>
+          <a:blip r:embed="rId2"/>
+          <a:stretch>
+            <a:fillRect/>
+          </a:stretch>
+        </p:blipFill>
+        <p:spPr>
+          <a:xfrm>
+            <a:off x="457714" y="1143285"/>
+            <a:ext cx="8228571" cy="4571429"/>
+          </a:xfrm>
+          <a:prstGeom prst="rect">
+            <a:avLst/>
+          </a:prstGeom>
+        </p:spPr>
+      </p:pic>
     </p:spTree>
     <p:extLst>
       <p:ext uri="{BB962C8B-B14F-4D97-AF65-F5344CB8AC3E}">
-        <p14:creationId xmlns:p14="http://schemas.microsoft.com/office/powerpoint/2010/main" val="2239621086"/>
+        <p14:creationId xmlns:p14="http://schemas.microsoft.com/office/powerpoint/2010/main" val="835794239"/>
       </p:ext>
     </p:extLst>
   </p:cSld>
@@ -5782,7 +5655,7 @@
           <a:p>
             <a:r>
               <a:rPr lang="en-US" dirty="0"/>
-              <a:t>Kidney data set</a:t>
+              <a:t>Rats data set</a:t>
             </a:r>
           </a:p>
         </p:txBody>
@@ -5806,7 +5679,7 @@
               <a:rPr lang="en-US" sz="1800" dirty="0">
                 <a:cs typeface="Calibri" panose="020F0502020204030204" pitchFamily="34" charset="0"/>
               </a:rPr>
-              <a:t>Data on the recurrence times to infection, at the point of insertion of the catheter, for kidney patients using portable dialysis equipment. Catheters may be removed for reasons other than infection, in which case the observation is censored. Each patient has exactly 2 observations.</a:t>
+              <a:t>Rat treatment data from Mantel et al. Three rats were chosen from each of 100 litters, one of which was treated with a drug, and then all followed for tumor incidence.</a:t>
             </a:r>
           </a:p>
           <a:p>
@@ -5819,32 +5692,61 @@
               <a:rPr lang="en-US" sz="1800" dirty="0">
                 <a:cs typeface="Calibri" panose="020F0502020204030204" pitchFamily="34" charset="0"/>
               </a:rPr>
-              <a:t>CA </a:t>
+              <a:t>N. Mantel, N. R. </a:t>
             </a:r>
             <a:r>
               <a:rPr lang="en-US" sz="1800" dirty="0" err="1">
                 <a:cs typeface="Calibri" panose="020F0502020204030204" pitchFamily="34" charset="0"/>
               </a:rPr>
-              <a:t>McGilchrist</a:t>
+              <a:t>Bohidar</a:t>
             </a:r>
             <a:r>
               <a:rPr lang="en-US" sz="1800" dirty="0">
                 <a:cs typeface="Calibri" panose="020F0502020204030204" pitchFamily="34" charset="0"/>
               </a:rPr>
-              <a:t>, CW </a:t>
+              <a:t> and J. L. </a:t>
             </a:r>
             <a:r>
               <a:rPr lang="en-US" sz="1800" dirty="0" err="1">
                 <a:cs typeface="Calibri" panose="020F0502020204030204" pitchFamily="34" charset="0"/>
               </a:rPr>
-              <a:t>Aisbett</a:t>
+              <a:t>Ciminera</a:t>
             </a:r>
             <a:r>
               <a:rPr lang="en-US" sz="1800" dirty="0">
                 <a:cs typeface="Calibri" panose="020F0502020204030204" pitchFamily="34" charset="0"/>
               </a:rPr>
-              <a:t> (1991), Regression with frailty in survival analysis. Biometrics 47, 461–66.</a:t>
-            </a:r>
+              <a:t>. Mantel-</a:t>
+            </a:r>
+            <a:r>
+              <a:rPr lang="en-US" sz="1800" dirty="0" err="1">
+                <a:cs typeface="Calibri" panose="020F0502020204030204" pitchFamily="34" charset="0"/>
+              </a:rPr>
+              <a:t>Haenszel</a:t>
+            </a:r>
+            <a:r>
+              <a:rPr lang="en-US" sz="1800" dirty="0">
+                <a:cs typeface="Calibri" panose="020F0502020204030204" pitchFamily="34" charset="0"/>
+              </a:rPr>
+              <a:t> analyses of litter-matched time to response data, with modifications for recovery of </a:t>
+            </a:r>
+            <a:r>
+              <a:rPr lang="en-US" sz="1800" dirty="0" err="1">
+                <a:cs typeface="Calibri" panose="020F0502020204030204" pitchFamily="34" charset="0"/>
+              </a:rPr>
+              <a:t>interlitter</a:t>
+            </a:r>
+            <a:r>
+              <a:rPr lang="en-US" sz="1800" dirty="0">
+                <a:cs typeface="Calibri" panose="020F0502020204030204" pitchFamily="34" charset="0"/>
+              </a:rPr>
+              <a:t> information. Cancer Research, 37:3863-3868, 1977.</a:t>
+            </a:r>
+          </a:p>
+          <a:p>
+            <a:endParaRPr lang="en-US" sz="1800" dirty="0">
+              <a:cs typeface="Calibri" panose="020F0502020204030204" pitchFamily="34" charset="0"/>
+            </a:endParaRPr>
           </a:p>
         </p:txBody>
       </p:sp>
@@ -5935,7 +5837,7 @@
     </p:spTree>
     <p:extLst>
       <p:ext uri="{BB962C8B-B14F-4D97-AF65-F5344CB8AC3E}">
-        <p14:creationId xmlns:p14="http://schemas.microsoft.com/office/powerpoint/2010/main" val="3305200947"/>
+        <p14:creationId xmlns:p14="http://schemas.microsoft.com/office/powerpoint/2010/main" val="1425889960"/>
       </p:ext>
     </p:extLst>
   </p:cSld>
@@ -5979,7 +5881,7 @@
           <a:p>
             <a:r>
               <a:rPr lang="en-US" dirty="0"/>
-              <a:t>Kidney data set</a:t>
+              <a:t>Rats data set</a:t>
             </a:r>
           </a:p>
         </p:txBody>
@@ -6007,7 +5909,7 @@
               <a:rPr lang="en-US" sz="1800" dirty="0">
                 <a:cs typeface="Calibri" panose="020F0502020204030204" pitchFamily="34" charset="0"/>
               </a:rPr>
-              <a:t>patient: id</a:t>
+              <a:t>litter: litter number from 1 to 100</a:t>
             </a:r>
           </a:p>
           <a:p>
@@ -6016,10 +5918,16 @@
               <a:buChar char="•"/>
             </a:pPr>
             <a:r>
+              <a:rPr lang="en-US" sz="1800" dirty="0" err="1">
+                <a:cs typeface="Calibri" panose="020F0502020204030204" pitchFamily="34" charset="0"/>
+              </a:rPr>
+              <a:t>rx</a:t>
+            </a:r>
+            <a:r>
               <a:rPr lang="en-US" sz="1800" dirty="0">
                 <a:cs typeface="Calibri" panose="020F0502020204030204" pitchFamily="34" charset="0"/>
               </a:rPr>
-              <a:t>time: time</a:t>
+              <a:t>: treatment,(1=drug, 0=control)</a:t>
             </a:r>
           </a:p>
           <a:p>
@@ -6031,7 +5939,7 @@
               <a:rPr lang="en-US" sz="1800" dirty="0">
                 <a:cs typeface="Calibri" panose="020F0502020204030204" pitchFamily="34" charset="0"/>
               </a:rPr>
-              <a:t>status: event status</a:t>
+              <a:t>time: time to tumor or last follow-up</a:t>
             </a:r>
           </a:p>
           <a:p>
@@ -6043,7 +5951,7 @@
               <a:rPr lang="en-US" sz="1800" dirty="0">
                 <a:cs typeface="Calibri" panose="020F0502020204030204" pitchFamily="34" charset="0"/>
               </a:rPr>
-              <a:t>age: in years</a:t>
+              <a:t>status: event status, 1=tumor and 0=censored</a:t>
             </a:r>
           </a:p>
           <a:p>
@@ -6055,31 +5963,7 @@
               <a:rPr lang="en-US" sz="1800" dirty="0">
                 <a:cs typeface="Calibri" panose="020F0502020204030204" pitchFamily="34" charset="0"/>
               </a:rPr>
-              <a:t>sex: 1=male, 2=female</a:t>
-            </a:r>
-          </a:p>
-          <a:p>
-            <a:pPr marL="285750" indent="-285750">
-              <a:buFont typeface="Arial" panose="020B0604020202020204" pitchFamily="34" charset="0"/>
-              <a:buChar char="•"/>
-            </a:pPr>
-            <a:r>
-              <a:rPr lang="en-US" sz="1800" dirty="0">
-                <a:cs typeface="Calibri" panose="020F0502020204030204" pitchFamily="34" charset="0"/>
-              </a:rPr>
-              <a:t>disease: disease type (0=GN, 1=AN, 2=PKD, 3=Other)</a:t>
-            </a:r>
-          </a:p>
-          <a:p>
-            <a:pPr marL="285750" indent="-285750">
-              <a:buFont typeface="Arial" panose="020B0604020202020204" pitchFamily="34" charset="0"/>
-              <a:buChar char="•"/>
-            </a:pPr>
-            <a:r>
-              <a:rPr lang="en-US" sz="1800" dirty="0">
-                <a:cs typeface="Calibri" panose="020F0502020204030204" pitchFamily="34" charset="0"/>
-              </a:rPr>
-              <a:t>frail: frailty estimate from original paper</a:t>
+              <a:t>sex: male or female</a:t>
             </a:r>
           </a:p>
         </p:txBody>
@@ -6163,7 +6047,7 @@
               <a:rPr lang="en-US" dirty="0">
                 <a:cs typeface="Calibri" panose="020F0502020204030204" pitchFamily="34" charset="0"/>
               </a:rPr>
-              <a:t>76 observations and 7 variables.</a:t>
+              <a:t>300 observations and 5 variables.</a:t>
             </a:r>
           </a:p>
         </p:txBody>
@@ -6171,7 +6055,7 @@
     </p:spTree>
     <p:extLst>
       <p:ext uri="{BB962C8B-B14F-4D97-AF65-F5344CB8AC3E}">
-        <p14:creationId xmlns:p14="http://schemas.microsoft.com/office/powerpoint/2010/main" val="3330262570"/>
+        <p14:creationId xmlns:p14="http://schemas.microsoft.com/office/powerpoint/2010/main" val="3127566953"/>
       </p:ext>
     </p:extLst>
   </p:cSld>
@@ -6371,7 +6255,7 @@
           <a:p>
             <a:r>
               <a:rPr lang="en-US" dirty="0"/>
-              <a:t>Kidney data set</a:t>
+              <a:t>Rats data set</a:t>
             </a:r>
           </a:p>
         </p:txBody>
@@ -6392,65 +6276,79 @@
           <a:lstStyle/>
           <a:p>
             <a:r>
-              <a:rPr lang="en-US" sz="1800" b="1" dirty="0">
-                <a:latin typeface="Courier New" panose="02070309020205020404" pitchFamily="49" charset="0"/>
-                <a:cs typeface="Courier New" panose="02070309020205020404" pitchFamily="49" charset="0"/>
-              </a:rPr>
-              <a:t>  id time status age sex disease frail</a:t>
-            </a:r>
-          </a:p>
-          <a:p>
-            <a:r>
-              <a:rPr lang="en-US" sz="1800" b="1" dirty="0">
-                <a:latin typeface="Courier New" panose="02070309020205020404" pitchFamily="49" charset="0"/>
-                <a:cs typeface="Courier New" panose="02070309020205020404" pitchFamily="49" charset="0"/>
-              </a:rPr>
-              <a:t>1  1    8      1  28   1   Other   2.3</a:t>
-            </a:r>
-          </a:p>
-          <a:p>
-            <a:r>
-              <a:rPr lang="en-US" sz="1800" b="1" dirty="0">
-                <a:latin typeface="Courier New" panose="02070309020205020404" pitchFamily="49" charset="0"/>
-                <a:cs typeface="Courier New" panose="02070309020205020404" pitchFamily="49" charset="0"/>
-              </a:rPr>
-              <a:t>2  1   16      1  28   1   Other   2.3</a:t>
-            </a:r>
-          </a:p>
-          <a:p>
-            <a:r>
-              <a:rPr lang="en-US" sz="1800" b="1" dirty="0">
-                <a:latin typeface="Courier New" panose="02070309020205020404" pitchFamily="49" charset="0"/>
-                <a:cs typeface="Courier New" panose="02070309020205020404" pitchFamily="49" charset="0"/>
-              </a:rPr>
-              <a:t>3  2   23      1  48   2      GN   1.9</a:t>
-            </a:r>
-          </a:p>
-          <a:p>
-            <a:r>
-              <a:rPr lang="en-US" sz="1800" b="1" dirty="0">
-                <a:latin typeface="Courier New" panose="02070309020205020404" pitchFamily="49" charset="0"/>
-                <a:cs typeface="Courier New" panose="02070309020205020404" pitchFamily="49" charset="0"/>
-              </a:rPr>
-              <a:t>4  2   13      0  48   2      GN   1.9</a:t>
-            </a:r>
-          </a:p>
-          <a:p>
-            <a:r>
-              <a:rPr lang="en-US" sz="1800" b="1" dirty="0">
-                <a:latin typeface="Courier New" panose="02070309020205020404" pitchFamily="49" charset="0"/>
-                <a:cs typeface="Courier New" panose="02070309020205020404" pitchFamily="49" charset="0"/>
-              </a:rPr>
-              <a:t>5  3   22      1  32   1   Other   1.2</a:t>
-            </a:r>
-          </a:p>
-          <a:p>
-            <a:r>
-              <a:rPr lang="en-US" sz="1800" b="1" dirty="0">
-                <a:latin typeface="Courier New" panose="02070309020205020404" pitchFamily="49" charset="0"/>
-                <a:cs typeface="Courier New" panose="02070309020205020404" pitchFamily="49" charset="0"/>
-              </a:rPr>
-              <a:t>6  3   28      1  32   1   Other   1.2</a:t>
+              <a:rPr lang="en-US" sz="1800" dirty="0">
+                <a:latin typeface="Courier New" panose="02070309020205020404" pitchFamily="49" charset="0"/>
+                <a:cs typeface="Courier New" panose="02070309020205020404" pitchFamily="49" charset="0"/>
+              </a:rPr>
+              <a:t>  litter </a:t>
+            </a:r>
+            <a:r>
+              <a:rPr lang="en-US" sz="1800" dirty="0" err="1">
+                <a:latin typeface="Courier New" panose="02070309020205020404" pitchFamily="49" charset="0"/>
+                <a:cs typeface="Courier New" panose="02070309020205020404" pitchFamily="49" charset="0"/>
+              </a:rPr>
+              <a:t>rx</a:t>
+            </a:r>
+            <a:r>
+              <a:rPr lang="en-US" sz="1800" dirty="0">
+                <a:latin typeface="Courier New" panose="02070309020205020404" pitchFamily="49" charset="0"/>
+                <a:cs typeface="Courier New" panose="02070309020205020404" pitchFamily="49" charset="0"/>
+              </a:rPr>
+              <a:t> time status sex</a:t>
+            </a:r>
+          </a:p>
+          <a:p>
+            <a:r>
+              <a:rPr lang="en-US" sz="1800" dirty="0">
+                <a:latin typeface="Courier New" panose="02070309020205020404" pitchFamily="49" charset="0"/>
+                <a:cs typeface="Courier New" panose="02070309020205020404" pitchFamily="49" charset="0"/>
+              </a:rPr>
+              <a:t>1      1  1  101      0   f</a:t>
+            </a:r>
+          </a:p>
+          <a:p>
+            <a:r>
+              <a:rPr lang="en-US" sz="1800" dirty="0">
+                <a:latin typeface="Courier New" panose="02070309020205020404" pitchFamily="49" charset="0"/>
+                <a:cs typeface="Courier New" panose="02070309020205020404" pitchFamily="49" charset="0"/>
+              </a:rPr>
+              <a:t>2      1  0   49      1   f</a:t>
+            </a:r>
+          </a:p>
+          <a:p>
+            <a:r>
+              <a:rPr lang="en-US" sz="1800" dirty="0">
+                <a:latin typeface="Courier New" panose="02070309020205020404" pitchFamily="49" charset="0"/>
+                <a:cs typeface="Courier New" panose="02070309020205020404" pitchFamily="49" charset="0"/>
+              </a:rPr>
+              <a:t>3      1  0  104      0   f</a:t>
+            </a:r>
+          </a:p>
+          <a:p>
+            <a:r>
+              <a:rPr lang="en-US" sz="1800" dirty="0">
+                <a:latin typeface="Courier New" panose="02070309020205020404" pitchFamily="49" charset="0"/>
+                <a:cs typeface="Courier New" panose="02070309020205020404" pitchFamily="49" charset="0"/>
+              </a:rPr>
+              <a:t>4      2  1   91      0   m</a:t>
+            </a:r>
+          </a:p>
+          <a:p>
+            <a:r>
+              <a:rPr lang="en-US" sz="1800" dirty="0">
+                <a:latin typeface="Courier New" panose="02070309020205020404" pitchFamily="49" charset="0"/>
+                <a:cs typeface="Courier New" panose="02070309020205020404" pitchFamily="49" charset="0"/>
+              </a:rPr>
+              <a:t>5      2  0  104      0   m</a:t>
+            </a:r>
+          </a:p>
+          <a:p>
+            <a:r>
+              <a:rPr lang="en-US" sz="1800" dirty="0">
+                <a:latin typeface="Courier New" panose="02070309020205020404" pitchFamily="49" charset="0"/>
+                <a:cs typeface="Courier New" panose="02070309020205020404" pitchFamily="49" charset="0"/>
+              </a:rPr>
+              <a:t>6      2  0  102      0   m</a:t>
             </a:r>
           </a:p>
         </p:txBody>
@@ -6534,7 +6432,7 @@
               <a:rPr lang="en-US" dirty="0">
                 <a:cs typeface="Calibri" panose="020F0502020204030204" pitchFamily="34" charset="0"/>
               </a:rPr>
-              <a:t>First six rows.</a:t>
+              <a:t>First six rows</a:t>
             </a:r>
           </a:p>
         </p:txBody>
@@ -6542,7 +6440,7 @@
     </p:spTree>
     <p:extLst>
       <p:ext uri="{BB962C8B-B14F-4D97-AF65-F5344CB8AC3E}">
-        <p14:creationId xmlns:p14="http://schemas.microsoft.com/office/powerpoint/2010/main" val="1604538166"/>
+        <p14:creationId xmlns:p14="http://schemas.microsoft.com/office/powerpoint/2010/main" val="809615935"/>
       </p:ext>
     </p:extLst>
   </p:cSld>
@@ -6586,7 +6484,7 @@
           <a:p>
             <a:r>
               <a:rPr lang="en-US" dirty="0"/>
-              <a:t>Kidney data set</a:t>
+              <a:t>Rats data set</a:t>
             </a:r>
           </a:p>
         </p:txBody>
@@ -6607,68 +6505,99 @@
           <a:lstStyle/>
           <a:p>
             <a:r>
-              <a:rPr lang="en-US" sz="1800" b="1" dirty="0">
-                <a:latin typeface="Courier New" panose="02070309020205020404" pitchFamily="49" charset="0"/>
-                <a:cs typeface="Courier New" panose="02070309020205020404" pitchFamily="49" charset="0"/>
-              </a:rPr>
-              <a:t>status  0  1 </a:t>
-            </a:r>
-          </a:p>
-          <a:p>
-            <a:r>
-              <a:rPr lang="en-US" sz="1800" b="1" dirty="0">
-                <a:latin typeface="Courier New" panose="02070309020205020404" pitchFamily="49" charset="0"/>
-                <a:cs typeface="Courier New" panose="02070309020205020404" pitchFamily="49" charset="0"/>
-              </a:rPr>
-              <a:t>       18 58</a:t>
-            </a:r>
-          </a:p>
-          <a:p>
-            <a:endParaRPr lang="en-US" sz="1800" b="1" dirty="0">
+              <a:rPr lang="en-US" sz="1800" dirty="0" err="1">
+                <a:latin typeface="Courier New" panose="02070309020205020404" pitchFamily="49" charset="0"/>
+                <a:cs typeface="Courier New" panose="02070309020205020404" pitchFamily="49" charset="0"/>
+              </a:rPr>
+              <a:t>rx</a:t>
+            </a:r>
+            <a:r>
+              <a:rPr lang="en-US" sz="1800" dirty="0">
+                <a:latin typeface="Courier New" panose="02070309020205020404" pitchFamily="49" charset="0"/>
+                <a:cs typeface="Courier New" panose="02070309020205020404" pitchFamily="49" charset="0"/>
+              </a:rPr>
+              <a:t>       0   1 </a:t>
+            </a:r>
+          </a:p>
+          <a:p>
+            <a:r>
+              <a:rPr lang="en-US" sz="1800" dirty="0">
+                <a:latin typeface="Courier New" panose="02070309020205020404" pitchFamily="49" charset="0"/>
+                <a:cs typeface="Courier New" panose="02070309020205020404" pitchFamily="49" charset="0"/>
+              </a:rPr>
+              <a:t>       200 100</a:t>
+            </a:r>
+          </a:p>
+          <a:p>
+            <a:endParaRPr lang="en-US" sz="1800" dirty="0">
               <a:latin typeface="Courier New" panose="02070309020205020404" pitchFamily="49" charset="0"/>
               <a:cs typeface="Courier New" panose="02070309020205020404" pitchFamily="49" charset="0"/>
             </a:endParaRPr>
           </a:p>
           <a:p>
             <a:r>
-              <a:rPr lang="en-US" sz="1800" b="1" dirty="0">
-                <a:latin typeface="Courier New" panose="02070309020205020404" pitchFamily="49" charset="0"/>
-                <a:cs typeface="Courier New" panose="02070309020205020404" pitchFamily="49" charset="0"/>
-              </a:rPr>
-              <a:t>sex     1  2 </a:t>
-            </a:r>
-          </a:p>
-          <a:p>
-            <a:r>
-              <a:rPr lang="en-US" sz="1800" b="1" dirty="0">
-                <a:latin typeface="Courier New" panose="02070309020205020404" pitchFamily="49" charset="0"/>
-                <a:cs typeface="Courier New" panose="02070309020205020404" pitchFamily="49" charset="0"/>
-              </a:rPr>
-              <a:t>       20 56</a:t>
-            </a:r>
-          </a:p>
-          <a:p>
-            <a:endParaRPr lang="en-US" sz="1800" b="1" dirty="0">
+              <a:rPr lang="en-US" sz="1800" dirty="0">
+                <a:latin typeface="Courier New" panose="02070309020205020404" pitchFamily="49" charset="0"/>
+                <a:cs typeface="Courier New" panose="02070309020205020404" pitchFamily="49" charset="0"/>
+              </a:rPr>
+              <a:t>status   0   1 </a:t>
+            </a:r>
+          </a:p>
+          <a:p>
+            <a:r>
+              <a:rPr lang="en-US" sz="1800" dirty="0">
+                <a:latin typeface="Courier New" panose="02070309020205020404" pitchFamily="49" charset="0"/>
+                <a:cs typeface="Courier New" panose="02070309020205020404" pitchFamily="49" charset="0"/>
+              </a:rPr>
+              <a:t>       258  42</a:t>
+            </a:r>
+          </a:p>
+          <a:p>
+            <a:endParaRPr lang="en-US" sz="1800" dirty="0">
               <a:latin typeface="Courier New" panose="02070309020205020404" pitchFamily="49" charset="0"/>
               <a:cs typeface="Courier New" panose="02070309020205020404" pitchFamily="49" charset="0"/>
             </a:endParaRPr>
           </a:p>
           <a:p>
             <a:r>
-              <a:rPr lang="en-US" sz="1800" b="1" dirty="0">
-                <a:latin typeface="Courier New" panose="02070309020205020404" pitchFamily="49" charset="0"/>
-                <a:cs typeface="Courier New" panose="02070309020205020404" pitchFamily="49" charset="0"/>
-              </a:rPr>
-              <a:t>disease Other    GN    AN   PKD </a:t>
-            </a:r>
-          </a:p>
-          <a:p>
-            <a:r>
-              <a:rPr lang="en-US" sz="1800" b="1" dirty="0">
-                <a:latin typeface="Courier New" panose="02070309020205020404" pitchFamily="49" charset="0"/>
-                <a:cs typeface="Courier New" panose="02070309020205020404" pitchFamily="49" charset="0"/>
-              </a:rPr>
-              <a:t>           26    18    24     8</a:t>
+              <a:rPr lang="en-US" sz="1800" dirty="0">
+                <a:latin typeface="Courier New" panose="02070309020205020404" pitchFamily="49" charset="0"/>
+                <a:cs typeface="Courier New" panose="02070309020205020404" pitchFamily="49" charset="0"/>
+              </a:rPr>
+              <a:t>sex      f   m </a:t>
+            </a:r>
+          </a:p>
+          <a:p>
+            <a:r>
+              <a:rPr lang="en-US" sz="1800" dirty="0">
+                <a:latin typeface="Courier New" panose="02070309020205020404" pitchFamily="49" charset="0"/>
+                <a:cs typeface="Courier New" panose="02070309020205020404" pitchFamily="49" charset="0"/>
+              </a:rPr>
+              <a:t>       150 150</a:t>
+            </a:r>
+          </a:p>
+          <a:p>
+            <a:endParaRPr lang="en-US" sz="1800" dirty="0">
+              <a:latin typeface="Courier New" panose="02070309020205020404" pitchFamily="49" charset="0"/>
+              <a:cs typeface="Courier New" panose="02070309020205020404" pitchFamily="49" charset="0"/>
+            </a:endParaRPr>
+          </a:p>
+          <a:p>
+            <a:r>
+              <a:rPr lang="en-US" sz="1800" dirty="0">
+                <a:latin typeface="Courier New" panose="02070309020205020404" pitchFamily="49" charset="0"/>
+                <a:cs typeface="Courier New" panose="02070309020205020404" pitchFamily="49" charset="0"/>
+              </a:rPr>
+              <a:t>time    Min. 1st Qu.  Median    Mean 3rd Qu.    Max. </a:t>
+            </a:r>
+          </a:p>
+          <a:p>
+            <a:r>
+              <a:rPr lang="en-US" sz="1800" dirty="0">
+                <a:latin typeface="Courier New" panose="02070309020205020404" pitchFamily="49" charset="0"/>
+                <a:cs typeface="Courier New" panose="02070309020205020404" pitchFamily="49" charset="0"/>
+              </a:rPr>
+              <a:t>       23.00   80.75   98.00   90.44  104.00  104.000</a:t>
             </a:r>
           </a:p>
         </p:txBody>
@@ -6752,7 +6681,7 @@
               <a:rPr lang="en-US" dirty="0">
                 <a:cs typeface="Calibri" panose="020F0502020204030204" pitchFamily="34" charset="0"/>
               </a:rPr>
-              <a:t>Descriptive statistics.</a:t>
+              <a:t>Descriptive statistics</a:t>
             </a:r>
           </a:p>
         </p:txBody>
@@ -6760,7 +6689,7 @@
     </p:spTree>
     <p:extLst>
       <p:ext uri="{BB962C8B-B14F-4D97-AF65-F5344CB8AC3E}">
-        <p14:creationId xmlns:p14="http://schemas.microsoft.com/office/powerpoint/2010/main" val="3160245932"/>
+        <p14:creationId xmlns:p14="http://schemas.microsoft.com/office/powerpoint/2010/main" val="2220703137"/>
       </p:ext>
     </p:extLst>
   </p:cSld>
@@ -6804,455 +6733,7 @@
           <a:p>
             <a:r>
               <a:rPr lang="en-US" dirty="0"/>
-              <a:t>Kidney data set</a:t>
-            </a:r>
-          </a:p>
-        </p:txBody>
-      </p:sp>
-      <p:sp>
-        <p:nvSpPr>
-          <p:cNvPr id="3" name="Text Placeholder 2"/>
-          <p:cNvSpPr>
-            <a:spLocks noGrp="1"/>
-          </p:cNvSpPr>
-          <p:nvPr>
-            <p:ph type="body" idx="1"/>
-          </p:nvPr>
-        </p:nvSpPr>
-        <p:spPr/>
-        <p:txBody>
-          <a:bodyPr/>
-          <a:lstStyle/>
-          <a:p>
-            <a:r>
-              <a:rPr lang="en-US" sz="1800" b="1" dirty="0">
-                <a:latin typeface="Courier New" panose="02070309020205020404" pitchFamily="49" charset="0"/>
-                <a:cs typeface="Courier New" panose="02070309020205020404" pitchFamily="49" charset="0"/>
-              </a:rPr>
-              <a:t>time   Min. 1st Qu.  Median    Mean 3rd Qu.    Max. </a:t>
-            </a:r>
-          </a:p>
-          <a:p>
-            <a:r>
-              <a:rPr lang="en-US" sz="1800" b="1" dirty="0">
-                <a:latin typeface="Courier New" panose="02070309020205020404" pitchFamily="49" charset="0"/>
-                <a:cs typeface="Courier New" panose="02070309020205020404" pitchFamily="49" charset="0"/>
-              </a:rPr>
-              <a:t>        2.0    16.0    39.5   101.6   149.8   562.0</a:t>
-            </a:r>
-          </a:p>
-          <a:p>
-            <a:endParaRPr lang="en-US" sz="1800" b="1" dirty="0">
-              <a:latin typeface="Courier New" panose="02070309020205020404" pitchFamily="49" charset="0"/>
-              <a:cs typeface="Courier New" panose="02070309020205020404" pitchFamily="49" charset="0"/>
-            </a:endParaRPr>
-          </a:p>
-          <a:p>
-            <a:r>
-              <a:rPr lang="en-US" sz="1800" b="1" dirty="0">
-                <a:latin typeface="Courier New" panose="02070309020205020404" pitchFamily="49" charset="0"/>
-                <a:cs typeface="Courier New" panose="02070309020205020404" pitchFamily="49" charset="0"/>
-              </a:rPr>
-              <a:t>age    Min. 1st Qu.  Median    Mean 3rd Qu.    Max. </a:t>
-            </a:r>
-          </a:p>
-          <a:p>
-            <a:r>
-              <a:rPr lang="en-US" sz="1800" b="1" dirty="0">
-                <a:latin typeface="Courier New" panose="02070309020205020404" pitchFamily="49" charset="0"/>
-                <a:cs typeface="Courier New" panose="02070309020205020404" pitchFamily="49" charset="0"/>
-              </a:rPr>
-              <a:t>       10.0    34.0    45.5    43.7    54.0    69.0</a:t>
-            </a:r>
-          </a:p>
-          <a:p>
-            <a:endParaRPr lang="en-US" sz="1800" b="1" dirty="0">
-              <a:latin typeface="Courier New" panose="02070309020205020404" pitchFamily="49" charset="0"/>
-              <a:cs typeface="Courier New" panose="02070309020205020404" pitchFamily="49" charset="0"/>
-            </a:endParaRPr>
-          </a:p>
-          <a:p>
-            <a:r>
-              <a:rPr lang="en-US" sz="1800" b="1" dirty="0">
-                <a:latin typeface="Courier New" panose="02070309020205020404" pitchFamily="49" charset="0"/>
-                <a:cs typeface="Courier New" panose="02070309020205020404" pitchFamily="49" charset="0"/>
-              </a:rPr>
-              <a:t>frail  Min. 1st Qu.  Median    Mean 3rd Qu.    Max. </a:t>
-            </a:r>
-          </a:p>
-          <a:p>
-            <a:r>
-              <a:rPr lang="en-US" sz="1800" b="1" dirty="0">
-                <a:latin typeface="Courier New" panose="02070309020205020404" pitchFamily="49" charset="0"/>
-                <a:cs typeface="Courier New" panose="02070309020205020404" pitchFamily="49" charset="0"/>
-              </a:rPr>
-              <a:t>      0.200   0.600   1.100   1.184   1.500   3.000</a:t>
-            </a:r>
-          </a:p>
-          <a:p>
-            <a:endParaRPr lang="en-US" sz="1800" b="1" dirty="0">
-              <a:latin typeface="Courier New" panose="02070309020205020404" pitchFamily="49" charset="0"/>
-              <a:cs typeface="Courier New" panose="02070309020205020404" pitchFamily="49" charset="0"/>
-            </a:endParaRPr>
-          </a:p>
-          <a:p>
-            <a:endParaRPr lang="en-US" sz="1800" b="1" dirty="0">
-              <a:latin typeface="Courier New" panose="02070309020205020404" pitchFamily="49" charset="0"/>
-              <a:cs typeface="Courier New" panose="02070309020205020404" pitchFamily="49" charset="0"/>
-            </a:endParaRPr>
-          </a:p>
-          <a:p>
-            <a:endParaRPr lang="en-US" sz="1800" b="1" dirty="0">
-              <a:latin typeface="Courier New" panose="02070309020205020404" pitchFamily="49" charset="0"/>
-              <a:cs typeface="Courier New" panose="02070309020205020404" pitchFamily="49" charset="0"/>
-            </a:endParaRPr>
-          </a:p>
-          <a:p>
-            <a:endParaRPr lang="en-US" sz="1800" b="1" dirty="0">
-              <a:latin typeface="Courier New" panose="02070309020205020404" pitchFamily="49" charset="0"/>
-              <a:cs typeface="Courier New" panose="02070309020205020404" pitchFamily="49" charset="0"/>
-            </a:endParaRPr>
-          </a:p>
-          <a:p>
-            <a:endParaRPr lang="en-US" sz="1800" b="1" dirty="0">
-              <a:latin typeface="Courier New" panose="02070309020205020404" pitchFamily="49" charset="0"/>
-              <a:cs typeface="Courier New" panose="02070309020205020404" pitchFamily="49" charset="0"/>
-            </a:endParaRPr>
-          </a:p>
-          <a:p>
-            <a:endParaRPr lang="en-US" sz="1800" b="1" dirty="0">
-              <a:latin typeface="Courier New" panose="02070309020205020404" pitchFamily="49" charset="0"/>
-              <a:cs typeface="Courier New" panose="02070309020205020404" pitchFamily="49" charset="0"/>
-            </a:endParaRPr>
-          </a:p>
-          <a:p>
-            <a:endParaRPr lang="en-US" sz="1800" b="1" dirty="0">
-              <a:latin typeface="Courier New" panose="02070309020205020404" pitchFamily="49" charset="0"/>
-              <a:cs typeface="Courier New" panose="02070309020205020404" pitchFamily="49" charset="0"/>
-            </a:endParaRPr>
-          </a:p>
-          <a:p>
-            <a:endParaRPr lang="en-US" sz="1800" b="1" dirty="0">
-              <a:latin typeface="Courier New" panose="02070309020205020404" pitchFamily="49" charset="0"/>
-              <a:cs typeface="Courier New" panose="02070309020205020404" pitchFamily="49" charset="0"/>
-            </a:endParaRPr>
-          </a:p>
-          <a:p>
-            <a:endParaRPr lang="en-US" sz="1800" b="1" dirty="0">
-              <a:latin typeface="Courier New" panose="02070309020205020404" pitchFamily="49" charset="0"/>
-              <a:cs typeface="Courier New" panose="02070309020205020404" pitchFamily="49" charset="0"/>
-            </a:endParaRPr>
-          </a:p>
-          <a:p>
-            <a:endParaRPr lang="en-US" sz="1800" b="1" dirty="0">
-              <a:latin typeface="Courier New" panose="02070309020205020404" pitchFamily="49" charset="0"/>
-              <a:cs typeface="Courier New" panose="02070309020205020404" pitchFamily="49" charset="0"/>
-            </a:endParaRPr>
-          </a:p>
-          <a:p>
-            <a:endParaRPr lang="en-US" sz="1800" b="1" dirty="0">
-              <a:latin typeface="Courier New" panose="02070309020205020404" pitchFamily="49" charset="0"/>
-              <a:cs typeface="Courier New" panose="02070309020205020404" pitchFamily="49" charset="0"/>
-            </a:endParaRPr>
-          </a:p>
-          <a:p>
-            <a:endParaRPr lang="en-US" sz="1800" b="1" dirty="0">
-              <a:latin typeface="Courier New" panose="02070309020205020404" pitchFamily="49" charset="0"/>
-              <a:cs typeface="Courier New" panose="02070309020205020404" pitchFamily="49" charset="0"/>
-            </a:endParaRPr>
-          </a:p>
-          <a:p>
-            <a:endParaRPr lang="en-US" sz="1800" b="1" dirty="0">
-              <a:latin typeface="Courier New" panose="02070309020205020404" pitchFamily="49" charset="0"/>
-              <a:cs typeface="Courier New" panose="02070309020205020404" pitchFamily="49" charset="0"/>
-            </a:endParaRPr>
-          </a:p>
-          <a:p>
-            <a:endParaRPr lang="en-US" sz="1800" b="1" dirty="0">
-              <a:latin typeface="Courier New" panose="02070309020205020404" pitchFamily="49" charset="0"/>
-              <a:cs typeface="Courier New" panose="02070309020205020404" pitchFamily="49" charset="0"/>
-            </a:endParaRPr>
-          </a:p>
-          <a:p>
-            <a:endParaRPr lang="en-US" sz="1800" b="1" dirty="0">
-              <a:latin typeface="Courier New" panose="02070309020205020404" pitchFamily="49" charset="0"/>
-              <a:cs typeface="Courier New" panose="02070309020205020404" pitchFamily="49" charset="0"/>
-            </a:endParaRPr>
-          </a:p>
-          <a:p>
-            <a:endParaRPr lang="en-US" sz="1800" b="1" dirty="0">
-              <a:latin typeface="Courier New" panose="02070309020205020404" pitchFamily="49" charset="0"/>
-              <a:cs typeface="Courier New" panose="02070309020205020404" pitchFamily="49" charset="0"/>
-            </a:endParaRPr>
-          </a:p>
-          <a:p>
-            <a:endParaRPr lang="en-US" sz="1800" b="1" dirty="0">
-              <a:latin typeface="Courier New" panose="02070309020205020404" pitchFamily="49" charset="0"/>
-              <a:cs typeface="Courier New" panose="02070309020205020404" pitchFamily="49" charset="0"/>
-            </a:endParaRPr>
-          </a:p>
-          <a:p>
-            <a:endParaRPr lang="en-US" sz="1800" b="1" dirty="0">
-              <a:latin typeface="Courier New" panose="02070309020205020404" pitchFamily="49" charset="0"/>
-              <a:cs typeface="Courier New" panose="02070309020205020404" pitchFamily="49" charset="0"/>
-            </a:endParaRPr>
-          </a:p>
-          <a:p>
-            <a:endParaRPr lang="en-US" sz="1800" b="1" dirty="0">
-              <a:latin typeface="Courier New" panose="02070309020205020404" pitchFamily="49" charset="0"/>
-              <a:cs typeface="Courier New" panose="02070309020205020404" pitchFamily="49" charset="0"/>
-            </a:endParaRPr>
-          </a:p>
-          <a:p>
-            <a:endParaRPr lang="en-US" sz="1800" b="1" dirty="0">
-              <a:latin typeface="Courier New" panose="02070309020205020404" pitchFamily="49" charset="0"/>
-              <a:cs typeface="Courier New" panose="02070309020205020404" pitchFamily="49" charset="0"/>
-            </a:endParaRPr>
-          </a:p>
-          <a:p>
-            <a:endParaRPr lang="en-US" sz="1800" b="1" dirty="0">
-              <a:latin typeface="Courier New" panose="02070309020205020404" pitchFamily="49" charset="0"/>
-              <a:cs typeface="Courier New" panose="02070309020205020404" pitchFamily="49" charset="0"/>
-            </a:endParaRPr>
-          </a:p>
-          <a:p>
-            <a:endParaRPr lang="en-US" sz="1800" b="1" dirty="0">
-              <a:latin typeface="Courier New" panose="02070309020205020404" pitchFamily="49" charset="0"/>
-              <a:cs typeface="Courier New" panose="02070309020205020404" pitchFamily="49" charset="0"/>
-            </a:endParaRPr>
-          </a:p>
-          <a:p>
-            <a:endParaRPr lang="en-US" sz="1800" b="1" dirty="0">
-              <a:latin typeface="Courier New" panose="02070309020205020404" pitchFamily="49" charset="0"/>
-              <a:cs typeface="Courier New" panose="02070309020205020404" pitchFamily="49" charset="0"/>
-            </a:endParaRPr>
-          </a:p>
-          <a:p>
-            <a:endParaRPr lang="en-US" sz="1800" b="1" dirty="0">
-              <a:latin typeface="Courier New" panose="02070309020205020404" pitchFamily="49" charset="0"/>
-              <a:cs typeface="Courier New" panose="02070309020205020404" pitchFamily="49" charset="0"/>
-            </a:endParaRPr>
-          </a:p>
-          <a:p>
-            <a:endParaRPr lang="en-US" sz="1800" b="1" dirty="0">
-              <a:latin typeface="Courier New" panose="02070309020205020404" pitchFamily="49" charset="0"/>
-              <a:cs typeface="Courier New" panose="02070309020205020404" pitchFamily="49" charset="0"/>
-            </a:endParaRPr>
-          </a:p>
-          <a:p>
-            <a:endParaRPr lang="en-US" sz="1800" b="1" dirty="0">
-              <a:latin typeface="Courier New" panose="02070309020205020404" pitchFamily="49" charset="0"/>
-              <a:cs typeface="Courier New" panose="02070309020205020404" pitchFamily="49" charset="0"/>
-            </a:endParaRPr>
-          </a:p>
-          <a:p>
-            <a:endParaRPr lang="en-US" sz="1800" b="1" dirty="0">
-              <a:latin typeface="Courier New" panose="02070309020205020404" pitchFamily="49" charset="0"/>
-              <a:cs typeface="Courier New" panose="02070309020205020404" pitchFamily="49" charset="0"/>
-            </a:endParaRPr>
-          </a:p>
-          <a:p>
-            <a:endParaRPr lang="en-US" sz="1800" b="1" dirty="0">
-              <a:latin typeface="Courier New" panose="02070309020205020404" pitchFamily="49" charset="0"/>
-              <a:cs typeface="Courier New" panose="02070309020205020404" pitchFamily="49" charset="0"/>
-            </a:endParaRPr>
-          </a:p>
-          <a:p>
-            <a:endParaRPr lang="en-US" sz="1800" b="1" dirty="0">
-              <a:latin typeface="Courier New" panose="02070309020205020404" pitchFamily="49" charset="0"/>
-              <a:cs typeface="Courier New" panose="02070309020205020404" pitchFamily="49" charset="0"/>
-            </a:endParaRPr>
-          </a:p>
-          <a:p>
-            <a:endParaRPr lang="en-US" sz="1800" b="1" dirty="0">
-              <a:latin typeface="Courier New" panose="02070309020205020404" pitchFamily="49" charset="0"/>
-              <a:cs typeface="Courier New" panose="02070309020205020404" pitchFamily="49" charset="0"/>
-            </a:endParaRPr>
-          </a:p>
-          <a:p>
-            <a:endParaRPr lang="en-US" sz="1800" b="1" dirty="0">
-              <a:latin typeface="Courier New" panose="02070309020205020404" pitchFamily="49" charset="0"/>
-              <a:cs typeface="Courier New" panose="02070309020205020404" pitchFamily="49" charset="0"/>
-            </a:endParaRPr>
-          </a:p>
-          <a:p>
-            <a:endParaRPr lang="en-US" sz="1800" b="1" dirty="0">
-              <a:latin typeface="Courier New" panose="02070309020205020404" pitchFamily="49" charset="0"/>
-              <a:cs typeface="Courier New" panose="02070309020205020404" pitchFamily="49" charset="0"/>
-            </a:endParaRPr>
-          </a:p>
-          <a:p>
-            <a:endParaRPr lang="en-US" sz="1800" b="1" dirty="0">
-              <a:latin typeface="Courier New" panose="02070309020205020404" pitchFamily="49" charset="0"/>
-              <a:cs typeface="Courier New" panose="02070309020205020404" pitchFamily="49" charset="0"/>
-            </a:endParaRPr>
-          </a:p>
-          <a:p>
-            <a:endParaRPr lang="en-US" sz="1800" b="1" dirty="0">
-              <a:latin typeface="Courier New" panose="02070309020205020404" pitchFamily="49" charset="0"/>
-              <a:cs typeface="Courier New" panose="02070309020205020404" pitchFamily="49" charset="0"/>
-            </a:endParaRPr>
-          </a:p>
-          <a:p>
-            <a:endParaRPr lang="en-US" sz="1800" b="1" dirty="0">
-              <a:latin typeface="Courier New" panose="02070309020205020404" pitchFamily="49" charset="0"/>
-              <a:cs typeface="Courier New" panose="02070309020205020404" pitchFamily="49" charset="0"/>
-            </a:endParaRPr>
-          </a:p>
-          <a:p>
-            <a:endParaRPr lang="en-US" sz="1800" b="1" dirty="0">
-              <a:latin typeface="Courier New" panose="02070309020205020404" pitchFamily="49" charset="0"/>
-              <a:cs typeface="Courier New" panose="02070309020205020404" pitchFamily="49" charset="0"/>
-            </a:endParaRPr>
-          </a:p>
-          <a:p>
-            <a:endParaRPr lang="en-US" sz="1800" b="1" dirty="0">
-              <a:latin typeface="Courier New" panose="02070309020205020404" pitchFamily="49" charset="0"/>
-              <a:cs typeface="Courier New" panose="02070309020205020404" pitchFamily="49" charset="0"/>
-            </a:endParaRPr>
-          </a:p>
-          <a:p>
-            <a:endParaRPr lang="en-US" sz="1800" b="1" dirty="0">
-              <a:latin typeface="Courier New" panose="02070309020205020404" pitchFamily="49" charset="0"/>
-              <a:cs typeface="Courier New" panose="02070309020205020404" pitchFamily="49" charset="0"/>
-            </a:endParaRPr>
-          </a:p>
-          <a:p>
-            <a:endParaRPr lang="en-US" sz="1800" b="1" dirty="0">
-              <a:latin typeface="Courier New" panose="02070309020205020404" pitchFamily="49" charset="0"/>
-              <a:cs typeface="Courier New" panose="02070309020205020404" pitchFamily="49" charset="0"/>
-            </a:endParaRPr>
-          </a:p>
-          <a:p>
-            <a:endParaRPr lang="en-US" sz="1800" b="1" dirty="0">
-              <a:latin typeface="Courier New" panose="02070309020205020404" pitchFamily="49" charset="0"/>
-              <a:cs typeface="Courier New" panose="02070309020205020404" pitchFamily="49" charset="0"/>
-            </a:endParaRPr>
-          </a:p>
-          <a:p>
-            <a:endParaRPr lang="en-US" sz="1800" b="1" dirty="0">
-              <a:latin typeface="Courier New" panose="02070309020205020404" pitchFamily="49" charset="0"/>
-              <a:cs typeface="Courier New" panose="02070309020205020404" pitchFamily="49" charset="0"/>
-            </a:endParaRPr>
-          </a:p>
-          <a:p>
-            <a:endParaRPr lang="en-US" sz="1800" b="1" dirty="0">
-              <a:latin typeface="Courier New" panose="02070309020205020404" pitchFamily="49" charset="0"/>
-              <a:cs typeface="Courier New" panose="02070309020205020404" pitchFamily="49" charset="0"/>
-            </a:endParaRPr>
-          </a:p>
-          <a:p>
-            <a:endParaRPr lang="en-US" sz="1800" b="1" dirty="0">
-              <a:latin typeface="Courier New" panose="02070309020205020404" pitchFamily="49" charset="0"/>
-              <a:cs typeface="Courier New" panose="02070309020205020404" pitchFamily="49" charset="0"/>
-            </a:endParaRPr>
-          </a:p>
-          <a:p>
-            <a:endParaRPr lang="en-US" sz="1800" b="1" dirty="0">
-              <a:latin typeface="Courier New" panose="02070309020205020404" pitchFamily="49" charset="0"/>
-              <a:cs typeface="Courier New" panose="02070309020205020404" pitchFamily="49" charset="0"/>
-            </a:endParaRPr>
-          </a:p>
-          <a:p>
-            <a:endParaRPr lang="en-US" sz="1800" b="1" dirty="0">
-              <a:latin typeface="Courier New" panose="02070309020205020404" pitchFamily="49" charset="0"/>
-              <a:cs typeface="Courier New" panose="02070309020205020404" pitchFamily="49" charset="0"/>
-            </a:endParaRPr>
-          </a:p>
-          <a:p>
-            <a:endParaRPr lang="en-US" sz="1800" b="1" dirty="0">
-              <a:latin typeface="Courier New" panose="02070309020205020404" pitchFamily="49" charset="0"/>
-              <a:cs typeface="Courier New" panose="02070309020205020404" pitchFamily="49" charset="0"/>
-            </a:endParaRPr>
-          </a:p>
-          <a:p>
-            <a:endParaRPr lang="en-US" sz="1800" b="1" dirty="0">
-              <a:latin typeface="Courier New" panose="02070309020205020404" pitchFamily="49" charset="0"/>
-              <a:cs typeface="Courier New" panose="02070309020205020404" pitchFamily="49" charset="0"/>
-            </a:endParaRPr>
-          </a:p>
-          <a:p>
-            <a:endParaRPr lang="en-US" sz="1800" b="1" dirty="0">
-              <a:latin typeface="Courier New" panose="02070309020205020404" pitchFamily="49" charset="0"/>
-              <a:cs typeface="Courier New" panose="02070309020205020404" pitchFamily="49" charset="0"/>
-            </a:endParaRPr>
-          </a:p>
-          <a:p>
-            <a:endParaRPr lang="en-US" sz="1800" b="1" dirty="0">
-              <a:latin typeface="Courier New" panose="02070309020205020404" pitchFamily="49" charset="0"/>
-              <a:cs typeface="Courier New" panose="02070309020205020404" pitchFamily="49" charset="0"/>
-            </a:endParaRPr>
-          </a:p>
-          <a:p>
-            <a:endParaRPr lang="en-US" sz="1800" b="1" dirty="0">
-              <a:latin typeface="Courier New" panose="02070309020205020404" pitchFamily="49" charset="0"/>
-              <a:cs typeface="Courier New" panose="02070309020205020404" pitchFamily="49" charset="0"/>
-            </a:endParaRPr>
-          </a:p>
-          <a:p>
-            <a:endParaRPr lang="en-US" sz="1800" b="1" dirty="0">
-              <a:latin typeface="Courier New" panose="02070309020205020404" pitchFamily="49" charset="0"/>
-              <a:cs typeface="Courier New" panose="02070309020205020404" pitchFamily="49" charset="0"/>
-            </a:endParaRPr>
-          </a:p>
-          <a:p>
-            <a:endParaRPr lang="en-US" sz="1800" b="1" dirty="0">
-              <a:latin typeface="Courier New" panose="02070309020205020404" pitchFamily="49" charset="0"/>
-              <a:cs typeface="Courier New" panose="02070309020205020404" pitchFamily="49" charset="0"/>
-            </a:endParaRPr>
-          </a:p>
-          <a:p>
-            <a:endParaRPr lang="en-US" sz="1800" b="1" dirty="0">
-              <a:latin typeface="Courier New" panose="02070309020205020404" pitchFamily="49" charset="0"/>
-              <a:cs typeface="Courier New" panose="02070309020205020404" pitchFamily="49" charset="0"/>
-            </a:endParaRPr>
-          </a:p>
-          <a:p>
-            <a:endParaRPr lang="en-US" sz="1800" b="1" dirty="0">
-              <a:latin typeface="Courier New" panose="02070309020205020404" pitchFamily="49" charset="0"/>
-              <a:cs typeface="Courier New" panose="02070309020205020404" pitchFamily="49" charset="0"/>
-            </a:endParaRPr>
-          </a:p>
-          <a:p>
-            <a:endParaRPr lang="en-US" sz="1800" b="1" dirty="0">
-              <a:latin typeface="Courier New" panose="02070309020205020404" pitchFamily="49" charset="0"/>
-              <a:cs typeface="Courier New" panose="02070309020205020404" pitchFamily="49" charset="0"/>
-            </a:endParaRPr>
-          </a:p>
-          <a:p>
-            <a:endParaRPr lang="en-US" sz="1800" b="1" dirty="0">
-              <a:latin typeface="Courier New" panose="02070309020205020404" pitchFamily="49" charset="0"/>
-              <a:cs typeface="Courier New" panose="02070309020205020404" pitchFamily="49" charset="0"/>
-            </a:endParaRPr>
-          </a:p>
-          <a:p>
-            <a:endParaRPr lang="en-US" sz="1800" b="1" dirty="0">
-              <a:latin typeface="Courier New" panose="02070309020205020404" pitchFamily="49" charset="0"/>
-              <a:cs typeface="Courier New" panose="02070309020205020404" pitchFamily="49" charset="0"/>
-            </a:endParaRPr>
-          </a:p>
-          <a:p>
-            <a:endParaRPr lang="en-US" sz="1800" b="1" dirty="0">
-              <a:latin typeface="Courier New" panose="02070309020205020404" pitchFamily="49" charset="0"/>
-              <a:cs typeface="Courier New" panose="02070309020205020404" pitchFamily="49" charset="0"/>
-            </a:endParaRPr>
-          </a:p>
-          <a:p>
-            <a:r>
-              <a:rPr lang="en-US" sz="1800" b="1" dirty="0">
-                <a:latin typeface="Courier New" panose="02070309020205020404" pitchFamily="49" charset="0"/>
-                <a:cs typeface="Courier New" panose="02070309020205020404" pitchFamily="49" charset="0"/>
-              </a:rPr>
-              <a:t>##    Min. 1st Qu.  Median    Mean 3rd Qu.    Max. </a:t>
-            </a:r>
-          </a:p>
-          <a:p>
-            <a:r>
-              <a:rPr lang="en-US" sz="1800" b="1" dirty="0">
-                <a:latin typeface="Courier New" panose="02070309020205020404" pitchFamily="49" charset="0"/>
-                <a:cs typeface="Courier New" panose="02070309020205020404" pitchFamily="49" charset="0"/>
-              </a:rPr>
-              <a:t>##   0.200   0.600   1.100   1.184   1.500   3.000</a:t>
+              <a:t>Rats data set</a:t>
             </a:r>
           </a:p>
         </p:txBody>
@@ -7317,34 +6798,40 @@
           </a:p>
         </p:txBody>
       </p:sp>
-      <p:sp>
-        <p:nvSpPr>
-          <p:cNvPr id="6" name="Text Placeholder 5"/>
-          <p:cNvSpPr>
-            <a:spLocks noGrp="1"/>
-          </p:cNvSpPr>
-          <p:nvPr>
-            <p:ph type="body" sz="quarter" idx="12"/>
-          </p:nvPr>
-        </p:nvSpPr>
-        <p:spPr/>
-        <p:txBody>
-          <a:bodyPr/>
-          <a:lstStyle/>
-          <a:p>
-            <a:r>
-              <a:rPr lang="en-US" dirty="0">
-                <a:cs typeface="Calibri" panose="020F0502020204030204" pitchFamily="34" charset="0"/>
-              </a:rPr>
-              <a:t>Descriptive statistics.</a:t>
-            </a:r>
-          </a:p>
-        </p:txBody>
-      </p:sp>
+      <p:pic>
+        <p:nvPicPr>
+          <p:cNvPr id="3" name="Picture 2">
+            <a:extLst>
+              <a:ext uri="{FF2B5EF4-FFF2-40B4-BE49-F238E27FC236}">
+                <a16:creationId xmlns:a16="http://schemas.microsoft.com/office/drawing/2014/main" id="{EAE0F61F-2C0C-4A5B-9D90-BBC284933389}"/>
+              </a:ext>
+            </a:extLst>
+          </p:cNvPr>
+          <p:cNvPicPr>
+            <a:picLocks noChangeAspect="1"/>
+          </p:cNvPicPr>
+          <p:nvPr/>
+        </p:nvPicPr>
+        <p:blipFill>
+          <a:blip r:embed="rId2"/>
+          <a:stretch>
+            <a:fillRect/>
+          </a:stretch>
+        </p:blipFill>
+        <p:spPr>
+          <a:xfrm>
+            <a:off x="457714" y="1143285"/>
+            <a:ext cx="8228571" cy="4571429"/>
+          </a:xfrm>
+          <a:prstGeom prst="rect">
+            <a:avLst/>
+          </a:prstGeom>
+        </p:spPr>
+      </p:pic>
     </p:spTree>
     <p:extLst>
       <p:ext uri="{BB962C8B-B14F-4D97-AF65-F5344CB8AC3E}">
-        <p14:creationId xmlns:p14="http://schemas.microsoft.com/office/powerpoint/2010/main" val="491449933"/>
+        <p14:creationId xmlns:p14="http://schemas.microsoft.com/office/powerpoint/2010/main" val="3267150757"/>
       </p:ext>
     </p:extLst>
   </p:cSld>
@@ -7388,7 +6875,7 @@
           <a:p>
             <a:r>
               <a:rPr lang="en-US" dirty="0"/>
-              <a:t>Kidney data set</a:t>
+              <a:t>Rats data set</a:t>
             </a:r>
           </a:p>
         </p:txBody>
@@ -7455,10 +6942,3027 @@
       </p:sp>
       <p:pic>
         <p:nvPicPr>
-          <p:cNvPr id="7" name="Picture 6">
+          <p:cNvPr id="6" name="Picture 5">
             <a:extLst>
               <a:ext uri="{FF2B5EF4-FFF2-40B4-BE49-F238E27FC236}">
-                <a16:creationId xmlns:a16="http://schemas.microsoft.com/office/drawing/2014/main" id="{EED32372-9D11-45DB-A5F2-17C50E19353C}"/>
+                <a16:creationId xmlns:a16="http://schemas.microsoft.com/office/drawing/2014/main" id="{56AFD89B-CB5A-4980-B728-A9F49A0EEAE9}"/>
+              </a:ext>
+            </a:extLst>
+          </p:cNvPr>
+          <p:cNvPicPr>
+            <a:picLocks noChangeAspect="1"/>
+          </p:cNvPicPr>
+          <p:nvPr/>
+        </p:nvPicPr>
+        <p:blipFill>
+          <a:blip r:embed="rId2"/>
+          <a:stretch>
+            <a:fillRect/>
+          </a:stretch>
+        </p:blipFill>
+        <p:spPr>
+          <a:xfrm>
+            <a:off x="457714" y="1143285"/>
+            <a:ext cx="8228571" cy="4571429"/>
+          </a:xfrm>
+          <a:prstGeom prst="rect">
+            <a:avLst/>
+          </a:prstGeom>
+        </p:spPr>
+      </p:pic>
+    </p:spTree>
+    <p:extLst>
+      <p:ext uri="{BB962C8B-B14F-4D97-AF65-F5344CB8AC3E}">
+        <p14:creationId xmlns:p14="http://schemas.microsoft.com/office/powerpoint/2010/main" val="1810632972"/>
+      </p:ext>
+    </p:extLst>
+  </p:cSld>
+  <p:clrMapOvr>
+    <a:masterClrMapping/>
+  </p:clrMapOvr>
+</p:sld>
+</file>
+
+<file path=ppt/slides/slide24.xml><?xml version="1.0" encoding="utf-8"?>
+<p:sld xmlns:a="http://schemas.openxmlformats.org/drawingml/2006/main" xmlns:r="http://schemas.openxmlformats.org/officeDocument/2006/relationships" xmlns:p="http://schemas.openxmlformats.org/presentationml/2006/main">
+  <p:cSld>
+    <p:spTree>
+      <p:nvGrpSpPr>
+        <p:cNvPr id="1" name=""/>
+        <p:cNvGrpSpPr/>
+        <p:nvPr/>
+      </p:nvGrpSpPr>
+      <p:grpSpPr>
+        <a:xfrm>
+          <a:off x="0" y="0"/>
+          <a:ext cx="0" cy="0"/>
+          <a:chOff x="0" y="0"/>
+          <a:chExt cx="0" cy="0"/>
+        </a:xfrm>
+      </p:grpSpPr>
+      <p:sp>
+        <p:nvSpPr>
+          <p:cNvPr id="2" name="Title 1"/>
+          <p:cNvSpPr>
+            <a:spLocks noGrp="1"/>
+          </p:cNvSpPr>
+          <p:nvPr>
+            <p:ph type="title"/>
+          </p:nvPr>
+        </p:nvSpPr>
+        <p:spPr/>
+        <p:txBody>
+          <a:bodyPr/>
+          <a:lstStyle/>
+          <a:p>
+            <a:r>
+              <a:rPr lang="en-US" dirty="0"/>
+              <a:t>Diabetes data set</a:t>
+            </a:r>
+          </a:p>
+        </p:txBody>
+      </p:sp>
+      <p:sp>
+        <p:nvSpPr>
+          <p:cNvPr id="3" name="Text Placeholder 2"/>
+          <p:cNvSpPr>
+            <a:spLocks noGrp="1"/>
+          </p:cNvSpPr>
+          <p:nvPr>
+            <p:ph type="body" idx="1"/>
+          </p:nvPr>
+        </p:nvSpPr>
+        <p:spPr/>
+        <p:txBody>
+          <a:bodyPr/>
+          <a:lstStyle/>
+          <a:p>
+            <a:r>
+              <a:rPr lang="en-US" sz="1800" dirty="0">
+                <a:cs typeface="Calibri" panose="020F0502020204030204" pitchFamily="34" charset="0"/>
+              </a:rPr>
+              <a:t>The data was collected to test a laser treatment for delaying blindness in patients with diabetic retinopathy. The subset of 197 </a:t>
+            </a:r>
+            <a:r>
+              <a:rPr lang="en-US" sz="1800" dirty="0" err="1">
+                <a:cs typeface="Calibri" panose="020F0502020204030204" pitchFamily="34" charset="0"/>
+              </a:rPr>
+              <a:t>patiens</a:t>
+            </a:r>
+            <a:r>
+              <a:rPr lang="en-US" sz="1800" dirty="0">
+                <a:cs typeface="Calibri" panose="020F0502020204030204" pitchFamily="34" charset="0"/>
+              </a:rPr>
+              <a:t> given in </a:t>
+            </a:r>
+            <a:r>
+              <a:rPr lang="en-US" sz="1800" dirty="0" err="1">
+                <a:cs typeface="Calibri" panose="020F0502020204030204" pitchFamily="34" charset="0"/>
+              </a:rPr>
+              <a:t>Huster</a:t>
+            </a:r>
+            <a:r>
+              <a:rPr lang="en-US" sz="1800" dirty="0">
+                <a:cs typeface="Calibri" panose="020F0502020204030204" pitchFamily="34" charset="0"/>
+              </a:rPr>
+              <a:t> et al. (1989) is used.</a:t>
+            </a:r>
+          </a:p>
+          <a:p>
+            <a:endParaRPr lang="en-US" sz="1800" dirty="0">
+              <a:cs typeface="Calibri" panose="020F0502020204030204" pitchFamily="34" charset="0"/>
+            </a:endParaRPr>
+          </a:p>
+          <a:p>
+            <a:r>
+              <a:rPr lang="en-US" sz="1800" dirty="0" err="1">
+                <a:cs typeface="Calibri" panose="020F0502020204030204" pitchFamily="34" charset="0"/>
+              </a:rPr>
+              <a:t>Huster</a:t>
+            </a:r>
+            <a:r>
+              <a:rPr lang="en-US" sz="1800" dirty="0">
+                <a:cs typeface="Calibri" panose="020F0502020204030204" pitchFamily="34" charset="0"/>
+              </a:rPr>
+              <a:t> W.J. and Brookmeyer, R. and Self. S. (1989) Modelling paired survival data with covariates, Biometrics 45, 145-56.</a:t>
+            </a:r>
+          </a:p>
+        </p:txBody>
+      </p:sp>
+      <p:sp>
+        <p:nvSpPr>
+          <p:cNvPr id="4" name="Footer Placeholder 3"/>
+          <p:cNvSpPr>
+            <a:spLocks noGrp="1"/>
+          </p:cNvSpPr>
+          <p:nvPr>
+            <p:ph type="ftr" sz="quarter" idx="10"/>
+          </p:nvPr>
+        </p:nvSpPr>
+        <p:spPr/>
+        <p:txBody>
+          <a:bodyPr/>
+          <a:lstStyle/>
+          <a:p>
+            <a:pPr>
+              <a:defRPr/>
+            </a:pPr>
+            <a:r>
+              <a:rPr lang="en-US" altLang="en-US" dirty="0"/>
+              <a:t>©2018 Steve Simon    http://TheAnalysisFactor.com</a:t>
+            </a:r>
+          </a:p>
+        </p:txBody>
+      </p:sp>
+      <p:sp>
+        <p:nvSpPr>
+          <p:cNvPr id="5" name="Slide Number Placeholder 4"/>
+          <p:cNvSpPr>
+            <a:spLocks noGrp="1"/>
+          </p:cNvSpPr>
+          <p:nvPr>
+            <p:ph type="sldNum" sz="quarter" idx="11"/>
+          </p:nvPr>
+        </p:nvSpPr>
+        <p:spPr/>
+        <p:txBody>
+          <a:bodyPr/>
+          <a:lstStyle/>
+          <a:p>
+            <a:pPr>
+              <a:defRPr/>
+            </a:pPr>
+            <a:endParaRPr lang="en-US"/>
+          </a:p>
+          <a:p>
+            <a:pPr>
+              <a:defRPr/>
+            </a:pPr>
+            <a:fld id="{E9A8CBA3-AA2B-46A6-BFA3-DCEBEAAB3F0A}" type="slidenum">
+              <a:rPr lang="en-US" smtClean="0"/>
+              <a:pPr>
+                <a:defRPr/>
+              </a:pPr>
+              <a:t>24</a:t>
+            </a:fld>
+            <a:endParaRPr lang="en-US"/>
+          </a:p>
+        </p:txBody>
+      </p:sp>
+      <p:sp>
+        <p:nvSpPr>
+          <p:cNvPr id="6" name="Text Placeholder 5"/>
+          <p:cNvSpPr>
+            <a:spLocks noGrp="1"/>
+          </p:cNvSpPr>
+          <p:nvPr>
+            <p:ph type="body" sz="quarter" idx="12"/>
+          </p:nvPr>
+        </p:nvSpPr>
+        <p:spPr/>
+        <p:txBody>
+          <a:bodyPr/>
+          <a:lstStyle/>
+          <a:p>
+            <a:r>
+              <a:rPr lang="en-US" dirty="0">
+                <a:cs typeface="Calibri" panose="020F0502020204030204" pitchFamily="34" charset="0"/>
+              </a:rPr>
+              <a:t>Description</a:t>
+            </a:r>
+          </a:p>
+        </p:txBody>
+      </p:sp>
+    </p:spTree>
+    <p:extLst>
+      <p:ext uri="{BB962C8B-B14F-4D97-AF65-F5344CB8AC3E}">
+        <p14:creationId xmlns:p14="http://schemas.microsoft.com/office/powerpoint/2010/main" val="3095013022"/>
+      </p:ext>
+    </p:extLst>
+  </p:cSld>
+  <p:clrMapOvr>
+    <a:masterClrMapping/>
+  </p:clrMapOvr>
+</p:sld>
+</file>
+
+<file path=ppt/slides/slide25.xml><?xml version="1.0" encoding="utf-8"?>
+<p:sld xmlns:a="http://schemas.openxmlformats.org/drawingml/2006/main" xmlns:r="http://schemas.openxmlformats.org/officeDocument/2006/relationships" xmlns:p="http://schemas.openxmlformats.org/presentationml/2006/main">
+  <p:cSld>
+    <p:spTree>
+      <p:nvGrpSpPr>
+        <p:cNvPr id="1" name=""/>
+        <p:cNvGrpSpPr/>
+        <p:nvPr/>
+      </p:nvGrpSpPr>
+      <p:grpSpPr>
+        <a:xfrm>
+          <a:off x="0" y="0"/>
+          <a:ext cx="0" cy="0"/>
+          <a:chOff x="0" y="0"/>
+          <a:chExt cx="0" cy="0"/>
+        </a:xfrm>
+      </p:grpSpPr>
+      <p:sp>
+        <p:nvSpPr>
+          <p:cNvPr id="2" name="Title 1"/>
+          <p:cNvSpPr>
+            <a:spLocks noGrp="1"/>
+          </p:cNvSpPr>
+          <p:nvPr>
+            <p:ph type="title"/>
+          </p:nvPr>
+        </p:nvSpPr>
+        <p:spPr/>
+        <p:txBody>
+          <a:bodyPr/>
+          <a:lstStyle/>
+          <a:p>
+            <a:r>
+              <a:rPr lang="en-US" dirty="0"/>
+              <a:t>Diabetes data set</a:t>
+            </a:r>
+          </a:p>
+        </p:txBody>
+      </p:sp>
+      <p:sp>
+        <p:nvSpPr>
+          <p:cNvPr id="3" name="Text Placeholder 2"/>
+          <p:cNvSpPr>
+            <a:spLocks noGrp="1"/>
+          </p:cNvSpPr>
+          <p:nvPr>
+            <p:ph type="body" idx="1"/>
+          </p:nvPr>
+        </p:nvSpPr>
+        <p:spPr/>
+        <p:txBody>
+          <a:bodyPr/>
+          <a:lstStyle/>
+          <a:p>
+            <a:pPr marL="285750" indent="-285750">
+              <a:buFont typeface="Arial" panose="020B0604020202020204" pitchFamily="34" charset="0"/>
+              <a:buChar char="•"/>
+            </a:pPr>
+            <a:r>
+              <a:rPr lang="en-US" sz="1800" dirty="0">
+                <a:cs typeface="Calibri" panose="020F0502020204030204" pitchFamily="34" charset="0"/>
+              </a:rPr>
+              <a:t>id: a numeric vector. Patient code.</a:t>
+            </a:r>
+          </a:p>
+          <a:p>
+            <a:pPr marL="285750" indent="-285750">
+              <a:buFont typeface="Arial" panose="020B0604020202020204" pitchFamily="34" charset="0"/>
+              <a:buChar char="•"/>
+            </a:pPr>
+            <a:r>
+              <a:rPr lang="en-US" sz="1800" dirty="0" err="1">
+                <a:cs typeface="Calibri" panose="020F0502020204030204" pitchFamily="34" charset="0"/>
+              </a:rPr>
+              <a:t>agedx</a:t>
+            </a:r>
+            <a:r>
+              <a:rPr lang="en-US" sz="1800" dirty="0">
+                <a:cs typeface="Calibri" panose="020F0502020204030204" pitchFamily="34" charset="0"/>
+              </a:rPr>
+              <a:t>: a numeric vector. Age of patient at diagnosis.</a:t>
+            </a:r>
+          </a:p>
+          <a:p>
+            <a:pPr marL="285750" indent="-285750">
+              <a:buFont typeface="Arial" panose="020B0604020202020204" pitchFamily="34" charset="0"/>
+              <a:buChar char="•"/>
+            </a:pPr>
+            <a:r>
+              <a:rPr lang="en-US" sz="1800" dirty="0">
+                <a:cs typeface="Calibri" panose="020F0502020204030204" pitchFamily="34" charset="0"/>
+              </a:rPr>
+              <a:t>time: a numeric vector. Survival time: time to blindness or censoring.</a:t>
+            </a:r>
+          </a:p>
+          <a:p>
+            <a:pPr marL="285750" indent="-285750">
+              <a:buFont typeface="Arial" panose="020B0604020202020204" pitchFamily="34" charset="0"/>
+              <a:buChar char="•"/>
+            </a:pPr>
+            <a:r>
+              <a:rPr lang="en-US" sz="1800" dirty="0">
+                <a:cs typeface="Calibri" panose="020F0502020204030204" pitchFamily="34" charset="0"/>
+              </a:rPr>
+              <a:t>status: a numeric vector code. Survival status. 1: blindness, 0: censored.</a:t>
+            </a:r>
+          </a:p>
+          <a:p>
+            <a:pPr marL="285750" indent="-285750">
+              <a:buFont typeface="Arial" panose="020B0604020202020204" pitchFamily="34" charset="0"/>
+              <a:buChar char="•"/>
+            </a:pPr>
+            <a:r>
+              <a:rPr lang="en-US" sz="1800" dirty="0" err="1">
+                <a:cs typeface="Calibri" panose="020F0502020204030204" pitchFamily="34" charset="0"/>
+              </a:rPr>
+              <a:t>trteye</a:t>
+            </a:r>
+            <a:r>
+              <a:rPr lang="en-US" sz="1800" dirty="0">
+                <a:cs typeface="Calibri" panose="020F0502020204030204" pitchFamily="34" charset="0"/>
+              </a:rPr>
+              <a:t>: a numeric vector code. Random eye selected for treatment. 1: left eye 2: right eye.</a:t>
+            </a:r>
+          </a:p>
+          <a:p>
+            <a:pPr marL="285750" indent="-285750">
+              <a:buFont typeface="Arial" panose="020B0604020202020204" pitchFamily="34" charset="0"/>
+              <a:buChar char="•"/>
+            </a:pPr>
+            <a:r>
+              <a:rPr lang="en-US" sz="1800" dirty="0">
+                <a:cs typeface="Calibri" panose="020F0502020204030204" pitchFamily="34" charset="0"/>
+              </a:rPr>
+              <a:t>treat: a numeric vector. 1: treatment 0: untreated.</a:t>
+            </a:r>
+          </a:p>
+          <a:p>
+            <a:pPr marL="285750" indent="-285750">
+              <a:buFont typeface="Arial" panose="020B0604020202020204" pitchFamily="34" charset="0"/>
+              <a:buChar char="•"/>
+            </a:pPr>
+            <a:r>
+              <a:rPr lang="en-US" sz="1800" dirty="0">
+                <a:cs typeface="Calibri" panose="020F0502020204030204" pitchFamily="34" charset="0"/>
+              </a:rPr>
+              <a:t>adult: a numeric vector code. 1: younger than 20, 2: older than 20.</a:t>
+            </a:r>
+          </a:p>
+        </p:txBody>
+      </p:sp>
+      <p:sp>
+        <p:nvSpPr>
+          <p:cNvPr id="4" name="Footer Placeholder 3"/>
+          <p:cNvSpPr>
+            <a:spLocks noGrp="1"/>
+          </p:cNvSpPr>
+          <p:nvPr>
+            <p:ph type="ftr" sz="quarter" idx="10"/>
+          </p:nvPr>
+        </p:nvSpPr>
+        <p:spPr/>
+        <p:txBody>
+          <a:bodyPr/>
+          <a:lstStyle/>
+          <a:p>
+            <a:pPr>
+              <a:defRPr/>
+            </a:pPr>
+            <a:r>
+              <a:rPr lang="en-US" altLang="en-US" dirty="0"/>
+              <a:t>©2018 Steve Simon    http://TheAnalysisFactor.com</a:t>
+            </a:r>
+          </a:p>
+        </p:txBody>
+      </p:sp>
+      <p:sp>
+        <p:nvSpPr>
+          <p:cNvPr id="5" name="Slide Number Placeholder 4"/>
+          <p:cNvSpPr>
+            <a:spLocks noGrp="1"/>
+          </p:cNvSpPr>
+          <p:nvPr>
+            <p:ph type="sldNum" sz="quarter" idx="11"/>
+          </p:nvPr>
+        </p:nvSpPr>
+        <p:spPr/>
+        <p:txBody>
+          <a:bodyPr/>
+          <a:lstStyle/>
+          <a:p>
+            <a:pPr>
+              <a:defRPr/>
+            </a:pPr>
+            <a:endParaRPr lang="en-US"/>
+          </a:p>
+          <a:p>
+            <a:pPr>
+              <a:defRPr/>
+            </a:pPr>
+            <a:fld id="{E9A8CBA3-AA2B-46A6-BFA3-DCEBEAAB3F0A}" type="slidenum">
+              <a:rPr lang="en-US" smtClean="0"/>
+              <a:pPr>
+                <a:defRPr/>
+              </a:pPr>
+              <a:t>25</a:t>
+            </a:fld>
+            <a:endParaRPr lang="en-US"/>
+          </a:p>
+        </p:txBody>
+      </p:sp>
+      <p:sp>
+        <p:nvSpPr>
+          <p:cNvPr id="6" name="Text Placeholder 5"/>
+          <p:cNvSpPr>
+            <a:spLocks noGrp="1"/>
+          </p:cNvSpPr>
+          <p:nvPr>
+            <p:ph type="body" sz="quarter" idx="12"/>
+          </p:nvPr>
+        </p:nvSpPr>
+        <p:spPr/>
+        <p:txBody>
+          <a:bodyPr/>
+          <a:lstStyle/>
+          <a:p>
+            <a:r>
+              <a:rPr lang="en-US" dirty="0">
+                <a:cs typeface="Calibri" panose="020F0502020204030204" pitchFamily="34" charset="0"/>
+              </a:rPr>
+              <a:t>394 observations and 7 variables.</a:t>
+            </a:r>
+          </a:p>
+        </p:txBody>
+      </p:sp>
+    </p:spTree>
+    <p:extLst>
+      <p:ext uri="{BB962C8B-B14F-4D97-AF65-F5344CB8AC3E}">
+        <p14:creationId xmlns:p14="http://schemas.microsoft.com/office/powerpoint/2010/main" val="2239621086"/>
+      </p:ext>
+    </p:extLst>
+  </p:cSld>
+  <p:clrMapOvr>
+    <a:masterClrMapping/>
+  </p:clrMapOvr>
+</p:sld>
+</file>
+
+<file path=ppt/slides/slide26.xml><?xml version="1.0" encoding="utf-8"?>
+<p:sld xmlns:a="http://schemas.openxmlformats.org/drawingml/2006/main" xmlns:r="http://schemas.openxmlformats.org/officeDocument/2006/relationships" xmlns:p="http://schemas.openxmlformats.org/presentationml/2006/main">
+  <p:cSld>
+    <p:spTree>
+      <p:nvGrpSpPr>
+        <p:cNvPr id="1" name=""/>
+        <p:cNvGrpSpPr/>
+        <p:nvPr/>
+      </p:nvGrpSpPr>
+      <p:grpSpPr>
+        <a:xfrm>
+          <a:off x="0" y="0"/>
+          <a:ext cx="0" cy="0"/>
+          <a:chOff x="0" y="0"/>
+          <a:chExt cx="0" cy="0"/>
+        </a:xfrm>
+      </p:grpSpPr>
+      <p:sp>
+        <p:nvSpPr>
+          <p:cNvPr id="2" name="Title 1"/>
+          <p:cNvSpPr>
+            <a:spLocks noGrp="1"/>
+          </p:cNvSpPr>
+          <p:nvPr>
+            <p:ph type="title"/>
+          </p:nvPr>
+        </p:nvSpPr>
+        <p:spPr/>
+        <p:txBody>
+          <a:bodyPr/>
+          <a:lstStyle/>
+          <a:p>
+            <a:r>
+              <a:rPr lang="en-US" dirty="0"/>
+              <a:t>Diabetes data set</a:t>
+            </a:r>
+          </a:p>
+        </p:txBody>
+      </p:sp>
+      <p:sp>
+        <p:nvSpPr>
+          <p:cNvPr id="3" name="Text Placeholder 2"/>
+          <p:cNvSpPr>
+            <a:spLocks noGrp="1"/>
+          </p:cNvSpPr>
+          <p:nvPr>
+            <p:ph type="body" idx="1"/>
+          </p:nvPr>
+        </p:nvSpPr>
+        <p:spPr/>
+        <p:txBody>
+          <a:bodyPr/>
+          <a:lstStyle/>
+          <a:p>
+            <a:r>
+              <a:rPr lang="en-US" sz="1800" dirty="0">
+                <a:latin typeface="Courier New" panose="02070309020205020404" pitchFamily="49" charset="0"/>
+                <a:cs typeface="Courier New" panose="02070309020205020404" pitchFamily="49" charset="0"/>
+              </a:rPr>
+              <a:t>  id     time status </a:t>
+            </a:r>
+            <a:r>
+              <a:rPr lang="en-US" sz="1800" dirty="0" err="1">
+                <a:latin typeface="Courier New" panose="02070309020205020404" pitchFamily="49" charset="0"/>
+                <a:cs typeface="Courier New" panose="02070309020205020404" pitchFamily="49" charset="0"/>
+              </a:rPr>
+              <a:t>trteye</a:t>
+            </a:r>
+            <a:r>
+              <a:rPr lang="en-US" sz="1800" dirty="0">
+                <a:latin typeface="Courier New" panose="02070309020205020404" pitchFamily="49" charset="0"/>
+                <a:cs typeface="Courier New" panose="02070309020205020404" pitchFamily="49" charset="0"/>
+              </a:rPr>
+              <a:t> treat adult </a:t>
+            </a:r>
+            <a:r>
+              <a:rPr lang="en-US" sz="1800" dirty="0" err="1">
+                <a:latin typeface="Courier New" panose="02070309020205020404" pitchFamily="49" charset="0"/>
+                <a:cs typeface="Courier New" panose="02070309020205020404" pitchFamily="49" charset="0"/>
+              </a:rPr>
+              <a:t>agedx</a:t>
+            </a:r>
+            <a:endParaRPr lang="en-US" sz="1800" dirty="0">
+              <a:latin typeface="Courier New" panose="02070309020205020404" pitchFamily="49" charset="0"/>
+              <a:cs typeface="Courier New" panose="02070309020205020404" pitchFamily="49" charset="0"/>
+            </a:endParaRPr>
+          </a:p>
+          <a:p>
+            <a:r>
+              <a:rPr lang="en-US" sz="1800" dirty="0">
+                <a:latin typeface="Courier New" panose="02070309020205020404" pitchFamily="49" charset="0"/>
+                <a:cs typeface="Courier New" panose="02070309020205020404" pitchFamily="49" charset="0"/>
+              </a:rPr>
+              <a:t>1  5 46.24967      0      2     1     2    28</a:t>
+            </a:r>
+          </a:p>
+          <a:p>
+            <a:r>
+              <a:rPr lang="en-US" sz="1800" dirty="0">
+                <a:latin typeface="Courier New" panose="02070309020205020404" pitchFamily="49" charset="0"/>
+                <a:cs typeface="Courier New" panose="02070309020205020404" pitchFamily="49" charset="0"/>
+              </a:rPr>
+              <a:t>2  5 46.27553      0      2     0     2    28</a:t>
+            </a:r>
+          </a:p>
+          <a:p>
+            <a:r>
+              <a:rPr lang="en-US" sz="1800" dirty="0">
+                <a:latin typeface="Courier New" panose="02070309020205020404" pitchFamily="49" charset="0"/>
+                <a:cs typeface="Courier New" panose="02070309020205020404" pitchFamily="49" charset="0"/>
+              </a:rPr>
+              <a:t>3 14 42.50684      0      1     1     1    12</a:t>
+            </a:r>
+          </a:p>
+          <a:p>
+            <a:r>
+              <a:rPr lang="en-US" sz="1800" dirty="0">
+                <a:latin typeface="Courier New" panose="02070309020205020404" pitchFamily="49" charset="0"/>
+                <a:cs typeface="Courier New" panose="02070309020205020404" pitchFamily="49" charset="0"/>
+              </a:rPr>
+              <a:t>4 14 31.34145      1      1     0     1    12</a:t>
+            </a:r>
+          </a:p>
+          <a:p>
+            <a:r>
+              <a:rPr lang="en-US" sz="1800" dirty="0">
+                <a:latin typeface="Courier New" panose="02070309020205020404" pitchFamily="49" charset="0"/>
+                <a:cs typeface="Courier New" panose="02070309020205020404" pitchFamily="49" charset="0"/>
+              </a:rPr>
+              <a:t>5 16 42.30098      0      1     1     1     9</a:t>
+            </a:r>
+          </a:p>
+          <a:p>
+            <a:r>
+              <a:rPr lang="en-US" sz="1800" dirty="0">
+                <a:latin typeface="Courier New" panose="02070309020205020404" pitchFamily="49" charset="0"/>
+                <a:cs typeface="Courier New" panose="02070309020205020404" pitchFamily="49" charset="0"/>
+              </a:rPr>
+              <a:t>6 16 42.27406      0      1     0     1     9</a:t>
+            </a:r>
+          </a:p>
+        </p:txBody>
+      </p:sp>
+      <p:sp>
+        <p:nvSpPr>
+          <p:cNvPr id="4" name="Footer Placeholder 3"/>
+          <p:cNvSpPr>
+            <a:spLocks noGrp="1"/>
+          </p:cNvSpPr>
+          <p:nvPr>
+            <p:ph type="ftr" sz="quarter" idx="10"/>
+          </p:nvPr>
+        </p:nvSpPr>
+        <p:spPr/>
+        <p:txBody>
+          <a:bodyPr/>
+          <a:lstStyle/>
+          <a:p>
+            <a:pPr>
+              <a:defRPr/>
+            </a:pPr>
+            <a:r>
+              <a:rPr lang="en-US" altLang="en-US" dirty="0"/>
+              <a:t>©2018 Steve Simon    http://TheAnalysisFactor.com</a:t>
+            </a:r>
+          </a:p>
+        </p:txBody>
+      </p:sp>
+      <p:sp>
+        <p:nvSpPr>
+          <p:cNvPr id="5" name="Slide Number Placeholder 4"/>
+          <p:cNvSpPr>
+            <a:spLocks noGrp="1"/>
+          </p:cNvSpPr>
+          <p:nvPr>
+            <p:ph type="sldNum" sz="quarter" idx="11"/>
+          </p:nvPr>
+        </p:nvSpPr>
+        <p:spPr/>
+        <p:txBody>
+          <a:bodyPr/>
+          <a:lstStyle/>
+          <a:p>
+            <a:pPr>
+              <a:defRPr/>
+            </a:pPr>
+            <a:endParaRPr lang="en-US"/>
+          </a:p>
+          <a:p>
+            <a:pPr>
+              <a:defRPr/>
+            </a:pPr>
+            <a:fld id="{E9A8CBA3-AA2B-46A6-BFA3-DCEBEAAB3F0A}" type="slidenum">
+              <a:rPr lang="en-US" smtClean="0"/>
+              <a:pPr>
+                <a:defRPr/>
+              </a:pPr>
+              <a:t>26</a:t>
+            </a:fld>
+            <a:endParaRPr lang="en-US"/>
+          </a:p>
+        </p:txBody>
+      </p:sp>
+      <p:sp>
+        <p:nvSpPr>
+          <p:cNvPr id="6" name="Text Placeholder 5"/>
+          <p:cNvSpPr>
+            <a:spLocks noGrp="1"/>
+          </p:cNvSpPr>
+          <p:nvPr>
+            <p:ph type="body" sz="quarter" idx="12"/>
+          </p:nvPr>
+        </p:nvSpPr>
+        <p:spPr/>
+        <p:txBody>
+          <a:bodyPr/>
+          <a:lstStyle/>
+          <a:p>
+            <a:r>
+              <a:rPr lang="en-US" dirty="0">
+                <a:cs typeface="Calibri" panose="020F0502020204030204" pitchFamily="34" charset="0"/>
+              </a:rPr>
+              <a:t>First six rows</a:t>
+            </a:r>
+          </a:p>
+        </p:txBody>
+      </p:sp>
+    </p:spTree>
+    <p:extLst>
+      <p:ext uri="{BB962C8B-B14F-4D97-AF65-F5344CB8AC3E}">
+        <p14:creationId xmlns:p14="http://schemas.microsoft.com/office/powerpoint/2010/main" val="4110440666"/>
+      </p:ext>
+    </p:extLst>
+  </p:cSld>
+  <p:clrMapOvr>
+    <a:masterClrMapping/>
+  </p:clrMapOvr>
+</p:sld>
+</file>
+
+<file path=ppt/slides/slide27.xml><?xml version="1.0" encoding="utf-8"?>
+<p:sld xmlns:a="http://schemas.openxmlformats.org/drawingml/2006/main" xmlns:r="http://schemas.openxmlformats.org/officeDocument/2006/relationships" xmlns:p="http://schemas.openxmlformats.org/presentationml/2006/main">
+  <p:cSld>
+    <p:spTree>
+      <p:nvGrpSpPr>
+        <p:cNvPr id="1" name=""/>
+        <p:cNvGrpSpPr/>
+        <p:nvPr/>
+      </p:nvGrpSpPr>
+      <p:grpSpPr>
+        <a:xfrm>
+          <a:off x="0" y="0"/>
+          <a:ext cx="0" cy="0"/>
+          <a:chOff x="0" y="0"/>
+          <a:chExt cx="0" cy="0"/>
+        </a:xfrm>
+      </p:grpSpPr>
+      <p:sp>
+        <p:nvSpPr>
+          <p:cNvPr id="2" name="Title 1"/>
+          <p:cNvSpPr>
+            <a:spLocks noGrp="1"/>
+          </p:cNvSpPr>
+          <p:nvPr>
+            <p:ph type="title"/>
+          </p:nvPr>
+        </p:nvSpPr>
+        <p:spPr/>
+        <p:txBody>
+          <a:bodyPr/>
+          <a:lstStyle/>
+          <a:p>
+            <a:r>
+              <a:rPr lang="en-US" dirty="0"/>
+              <a:t>Diabetes data set</a:t>
+            </a:r>
+          </a:p>
+        </p:txBody>
+      </p:sp>
+      <p:sp>
+        <p:nvSpPr>
+          <p:cNvPr id="3" name="Text Placeholder 2"/>
+          <p:cNvSpPr>
+            <a:spLocks noGrp="1"/>
+          </p:cNvSpPr>
+          <p:nvPr>
+            <p:ph type="body" idx="1"/>
+          </p:nvPr>
+        </p:nvSpPr>
+        <p:spPr/>
+        <p:txBody>
+          <a:bodyPr/>
+          <a:lstStyle/>
+          <a:p>
+            <a:r>
+              <a:rPr lang="en-US" sz="1800" dirty="0">
+                <a:latin typeface="Courier New" panose="02070309020205020404" pitchFamily="49" charset="0"/>
+                <a:cs typeface="Courier New" panose="02070309020205020404" pitchFamily="49" charset="0"/>
+              </a:rPr>
+              <a:t>status  0   1 </a:t>
+            </a:r>
+          </a:p>
+          <a:p>
+            <a:r>
+              <a:rPr lang="en-US" sz="1800" dirty="0">
+                <a:latin typeface="Courier New" panose="02070309020205020404" pitchFamily="49" charset="0"/>
+                <a:cs typeface="Courier New" panose="02070309020205020404" pitchFamily="49" charset="0"/>
+              </a:rPr>
+              <a:t>      239 155</a:t>
+            </a:r>
+          </a:p>
+          <a:p>
+            <a:endParaRPr lang="en-US" sz="1800" dirty="0">
+              <a:latin typeface="Courier New" panose="02070309020205020404" pitchFamily="49" charset="0"/>
+              <a:cs typeface="Courier New" panose="02070309020205020404" pitchFamily="49" charset="0"/>
+            </a:endParaRPr>
+          </a:p>
+          <a:p>
+            <a:r>
+              <a:rPr lang="en-US" sz="1800" dirty="0" err="1">
+                <a:latin typeface="Courier New" panose="02070309020205020404" pitchFamily="49" charset="0"/>
+                <a:cs typeface="Courier New" panose="02070309020205020404" pitchFamily="49" charset="0"/>
+              </a:rPr>
+              <a:t>trteye</a:t>
+            </a:r>
+            <a:r>
+              <a:rPr lang="en-US" sz="1800" dirty="0">
+                <a:latin typeface="Courier New" panose="02070309020205020404" pitchFamily="49" charset="0"/>
+                <a:cs typeface="Courier New" panose="02070309020205020404" pitchFamily="49" charset="0"/>
+              </a:rPr>
+              <a:t>  1   2 </a:t>
+            </a:r>
+          </a:p>
+          <a:p>
+            <a:r>
+              <a:rPr lang="en-US" sz="1800" dirty="0">
+                <a:latin typeface="Courier New" panose="02070309020205020404" pitchFamily="49" charset="0"/>
+                <a:cs typeface="Courier New" panose="02070309020205020404" pitchFamily="49" charset="0"/>
+              </a:rPr>
+              <a:t>      178 216</a:t>
+            </a:r>
+          </a:p>
+          <a:p>
+            <a:endParaRPr lang="en-US" sz="1800" dirty="0">
+              <a:latin typeface="Courier New" panose="02070309020205020404" pitchFamily="49" charset="0"/>
+              <a:cs typeface="Courier New" panose="02070309020205020404" pitchFamily="49" charset="0"/>
+            </a:endParaRPr>
+          </a:p>
+          <a:p>
+            <a:r>
+              <a:rPr lang="en-US" sz="1800" dirty="0">
+                <a:latin typeface="Courier New" panose="02070309020205020404" pitchFamily="49" charset="0"/>
+                <a:cs typeface="Courier New" panose="02070309020205020404" pitchFamily="49" charset="0"/>
+              </a:rPr>
+              <a:t>treat   0   1 </a:t>
+            </a:r>
+          </a:p>
+          <a:p>
+            <a:r>
+              <a:rPr lang="en-US" sz="1800" dirty="0">
+                <a:latin typeface="Courier New" panose="02070309020205020404" pitchFamily="49" charset="0"/>
+                <a:cs typeface="Courier New" panose="02070309020205020404" pitchFamily="49" charset="0"/>
+              </a:rPr>
+              <a:t>      197 197</a:t>
+            </a:r>
+          </a:p>
+          <a:p>
+            <a:endParaRPr lang="en-US" sz="1800" dirty="0">
+              <a:latin typeface="Courier New" panose="02070309020205020404" pitchFamily="49" charset="0"/>
+              <a:cs typeface="Courier New" panose="02070309020205020404" pitchFamily="49" charset="0"/>
+            </a:endParaRPr>
+          </a:p>
+          <a:p>
+            <a:r>
+              <a:rPr lang="en-US" sz="1800" dirty="0">
+                <a:latin typeface="Courier New" panose="02070309020205020404" pitchFamily="49" charset="0"/>
+                <a:cs typeface="Courier New" panose="02070309020205020404" pitchFamily="49" charset="0"/>
+              </a:rPr>
+              <a:t>adult   1   2 </a:t>
+            </a:r>
+          </a:p>
+          <a:p>
+            <a:r>
+              <a:rPr lang="en-US" sz="1800" dirty="0">
+                <a:latin typeface="Courier New" panose="02070309020205020404" pitchFamily="49" charset="0"/>
+                <a:cs typeface="Courier New" panose="02070309020205020404" pitchFamily="49" charset="0"/>
+              </a:rPr>
+              <a:t>      228 166</a:t>
+            </a:r>
+          </a:p>
+        </p:txBody>
+      </p:sp>
+      <p:sp>
+        <p:nvSpPr>
+          <p:cNvPr id="4" name="Footer Placeholder 3"/>
+          <p:cNvSpPr>
+            <a:spLocks noGrp="1"/>
+          </p:cNvSpPr>
+          <p:nvPr>
+            <p:ph type="ftr" sz="quarter" idx="10"/>
+          </p:nvPr>
+        </p:nvSpPr>
+        <p:spPr/>
+        <p:txBody>
+          <a:bodyPr/>
+          <a:lstStyle/>
+          <a:p>
+            <a:pPr>
+              <a:defRPr/>
+            </a:pPr>
+            <a:r>
+              <a:rPr lang="en-US" altLang="en-US" dirty="0"/>
+              <a:t>©2018 Steve Simon    http://TheAnalysisFactor.com</a:t>
+            </a:r>
+          </a:p>
+        </p:txBody>
+      </p:sp>
+      <p:sp>
+        <p:nvSpPr>
+          <p:cNvPr id="5" name="Slide Number Placeholder 4"/>
+          <p:cNvSpPr>
+            <a:spLocks noGrp="1"/>
+          </p:cNvSpPr>
+          <p:nvPr>
+            <p:ph type="sldNum" sz="quarter" idx="11"/>
+          </p:nvPr>
+        </p:nvSpPr>
+        <p:spPr/>
+        <p:txBody>
+          <a:bodyPr/>
+          <a:lstStyle/>
+          <a:p>
+            <a:pPr>
+              <a:defRPr/>
+            </a:pPr>
+            <a:endParaRPr lang="en-US"/>
+          </a:p>
+          <a:p>
+            <a:pPr>
+              <a:defRPr/>
+            </a:pPr>
+            <a:fld id="{E9A8CBA3-AA2B-46A6-BFA3-DCEBEAAB3F0A}" type="slidenum">
+              <a:rPr lang="en-US" smtClean="0"/>
+              <a:pPr>
+                <a:defRPr/>
+              </a:pPr>
+              <a:t>27</a:t>
+            </a:fld>
+            <a:endParaRPr lang="en-US"/>
+          </a:p>
+        </p:txBody>
+      </p:sp>
+      <p:sp>
+        <p:nvSpPr>
+          <p:cNvPr id="6" name="Text Placeholder 5"/>
+          <p:cNvSpPr>
+            <a:spLocks noGrp="1"/>
+          </p:cNvSpPr>
+          <p:nvPr>
+            <p:ph type="body" sz="quarter" idx="12"/>
+          </p:nvPr>
+        </p:nvSpPr>
+        <p:spPr/>
+        <p:txBody>
+          <a:bodyPr/>
+          <a:lstStyle/>
+          <a:p>
+            <a:r>
+              <a:rPr lang="en-US" dirty="0">
+                <a:cs typeface="Calibri" panose="020F0502020204030204" pitchFamily="34" charset="0"/>
+              </a:rPr>
+              <a:t>Descriptive statistics</a:t>
+            </a:r>
+          </a:p>
+        </p:txBody>
+      </p:sp>
+    </p:spTree>
+    <p:extLst>
+      <p:ext uri="{BB962C8B-B14F-4D97-AF65-F5344CB8AC3E}">
+        <p14:creationId xmlns:p14="http://schemas.microsoft.com/office/powerpoint/2010/main" val="554184133"/>
+      </p:ext>
+    </p:extLst>
+  </p:cSld>
+  <p:clrMapOvr>
+    <a:masterClrMapping/>
+  </p:clrMapOvr>
+</p:sld>
+</file>
+
+<file path=ppt/slides/slide28.xml><?xml version="1.0" encoding="utf-8"?>
+<p:sld xmlns:a="http://schemas.openxmlformats.org/drawingml/2006/main" xmlns:r="http://schemas.openxmlformats.org/officeDocument/2006/relationships" xmlns:p="http://schemas.openxmlformats.org/presentationml/2006/main">
+  <p:cSld>
+    <p:spTree>
+      <p:nvGrpSpPr>
+        <p:cNvPr id="1" name=""/>
+        <p:cNvGrpSpPr/>
+        <p:nvPr/>
+      </p:nvGrpSpPr>
+      <p:grpSpPr>
+        <a:xfrm>
+          <a:off x="0" y="0"/>
+          <a:ext cx="0" cy="0"/>
+          <a:chOff x="0" y="0"/>
+          <a:chExt cx="0" cy="0"/>
+        </a:xfrm>
+      </p:grpSpPr>
+      <p:sp>
+        <p:nvSpPr>
+          <p:cNvPr id="2" name="Title 1"/>
+          <p:cNvSpPr>
+            <a:spLocks noGrp="1"/>
+          </p:cNvSpPr>
+          <p:nvPr>
+            <p:ph type="title"/>
+          </p:nvPr>
+        </p:nvSpPr>
+        <p:spPr/>
+        <p:txBody>
+          <a:bodyPr/>
+          <a:lstStyle/>
+          <a:p>
+            <a:r>
+              <a:rPr lang="en-US" dirty="0"/>
+              <a:t>Diabetes data set</a:t>
+            </a:r>
+          </a:p>
+        </p:txBody>
+      </p:sp>
+      <p:sp>
+        <p:nvSpPr>
+          <p:cNvPr id="3" name="Text Placeholder 2"/>
+          <p:cNvSpPr>
+            <a:spLocks noGrp="1"/>
+          </p:cNvSpPr>
+          <p:nvPr>
+            <p:ph type="body" idx="1"/>
+          </p:nvPr>
+        </p:nvSpPr>
+        <p:spPr/>
+        <p:txBody>
+          <a:bodyPr/>
+          <a:lstStyle/>
+          <a:p>
+            <a:r>
+              <a:rPr lang="en-US" sz="1800" dirty="0">
+                <a:latin typeface="Courier New" panose="02070309020205020404" pitchFamily="49" charset="0"/>
+                <a:cs typeface="Courier New" panose="02070309020205020404" pitchFamily="49" charset="0"/>
+              </a:rPr>
+              <a:t>time    Min. 1st Qu.  Median    Mean 3rd Qu.    Max. </a:t>
+            </a:r>
+          </a:p>
+          <a:p>
+            <a:r>
+              <a:rPr lang="en-US" sz="1800" dirty="0">
+                <a:latin typeface="Courier New" panose="02070309020205020404" pitchFamily="49" charset="0"/>
+                <a:cs typeface="Courier New" panose="02070309020205020404" pitchFamily="49" charset="0"/>
+              </a:rPr>
+              <a:t>      0.3154 13.9851 38.8293 35.6105 54.2951 75.0260</a:t>
+            </a:r>
+          </a:p>
+          <a:p>
+            <a:endParaRPr lang="en-US" sz="1800" dirty="0">
+              <a:latin typeface="Courier New" panose="02070309020205020404" pitchFamily="49" charset="0"/>
+              <a:cs typeface="Courier New" panose="02070309020205020404" pitchFamily="49" charset="0"/>
+            </a:endParaRPr>
+          </a:p>
+          <a:p>
+            <a:r>
+              <a:rPr lang="en-US" sz="1800" dirty="0" err="1">
+                <a:latin typeface="Courier New" panose="02070309020205020404" pitchFamily="49" charset="0"/>
+                <a:cs typeface="Courier New" panose="02070309020205020404" pitchFamily="49" charset="0"/>
+              </a:rPr>
+              <a:t>agedx</a:t>
+            </a:r>
+            <a:r>
+              <a:rPr lang="en-US" sz="1800" dirty="0">
+                <a:latin typeface="Courier New" panose="02070309020205020404" pitchFamily="49" charset="0"/>
+                <a:cs typeface="Courier New" panose="02070309020205020404" pitchFamily="49" charset="0"/>
+              </a:rPr>
+              <a:t>   Min. 1st Qu.  Median    Mean 3rd Qu.    Max. </a:t>
+            </a:r>
+          </a:p>
+          <a:p>
+            <a:r>
+              <a:rPr lang="en-US" sz="1800" dirty="0">
+                <a:latin typeface="Courier New" panose="02070309020205020404" pitchFamily="49" charset="0"/>
+                <a:cs typeface="Courier New" panose="02070309020205020404" pitchFamily="49" charset="0"/>
+              </a:rPr>
+              <a:t>        1.00   10.00   16.00   20.78   30.00   58.00</a:t>
+            </a:r>
+          </a:p>
+        </p:txBody>
+      </p:sp>
+      <p:sp>
+        <p:nvSpPr>
+          <p:cNvPr id="4" name="Footer Placeholder 3"/>
+          <p:cNvSpPr>
+            <a:spLocks noGrp="1"/>
+          </p:cNvSpPr>
+          <p:nvPr>
+            <p:ph type="ftr" sz="quarter" idx="10"/>
+          </p:nvPr>
+        </p:nvSpPr>
+        <p:spPr/>
+        <p:txBody>
+          <a:bodyPr/>
+          <a:lstStyle/>
+          <a:p>
+            <a:pPr>
+              <a:defRPr/>
+            </a:pPr>
+            <a:r>
+              <a:rPr lang="en-US" altLang="en-US" dirty="0"/>
+              <a:t>©2018 Steve Simon    http://TheAnalysisFactor.com</a:t>
+            </a:r>
+          </a:p>
+        </p:txBody>
+      </p:sp>
+      <p:sp>
+        <p:nvSpPr>
+          <p:cNvPr id="5" name="Slide Number Placeholder 4"/>
+          <p:cNvSpPr>
+            <a:spLocks noGrp="1"/>
+          </p:cNvSpPr>
+          <p:nvPr>
+            <p:ph type="sldNum" sz="quarter" idx="11"/>
+          </p:nvPr>
+        </p:nvSpPr>
+        <p:spPr/>
+        <p:txBody>
+          <a:bodyPr/>
+          <a:lstStyle/>
+          <a:p>
+            <a:pPr>
+              <a:defRPr/>
+            </a:pPr>
+            <a:endParaRPr lang="en-US"/>
+          </a:p>
+          <a:p>
+            <a:pPr>
+              <a:defRPr/>
+            </a:pPr>
+            <a:fld id="{E9A8CBA3-AA2B-46A6-BFA3-DCEBEAAB3F0A}" type="slidenum">
+              <a:rPr lang="en-US" smtClean="0"/>
+              <a:pPr>
+                <a:defRPr/>
+              </a:pPr>
+              <a:t>28</a:t>
+            </a:fld>
+            <a:endParaRPr lang="en-US"/>
+          </a:p>
+        </p:txBody>
+      </p:sp>
+      <p:sp>
+        <p:nvSpPr>
+          <p:cNvPr id="6" name="Text Placeholder 5"/>
+          <p:cNvSpPr>
+            <a:spLocks noGrp="1"/>
+          </p:cNvSpPr>
+          <p:nvPr>
+            <p:ph type="body" sz="quarter" idx="12"/>
+          </p:nvPr>
+        </p:nvSpPr>
+        <p:spPr/>
+        <p:txBody>
+          <a:bodyPr/>
+          <a:lstStyle/>
+          <a:p>
+            <a:r>
+              <a:rPr lang="en-US" dirty="0">
+                <a:cs typeface="Calibri" panose="020F0502020204030204" pitchFamily="34" charset="0"/>
+              </a:rPr>
+              <a:t>Descriptive statistics</a:t>
+            </a:r>
+          </a:p>
+        </p:txBody>
+      </p:sp>
+    </p:spTree>
+    <p:extLst>
+      <p:ext uri="{BB962C8B-B14F-4D97-AF65-F5344CB8AC3E}">
+        <p14:creationId xmlns:p14="http://schemas.microsoft.com/office/powerpoint/2010/main" val="2277061586"/>
+      </p:ext>
+    </p:extLst>
+  </p:cSld>
+  <p:clrMapOvr>
+    <a:masterClrMapping/>
+  </p:clrMapOvr>
+</p:sld>
+</file>
+
+<file path=ppt/slides/slide29.xml><?xml version="1.0" encoding="utf-8"?>
+<p:sld xmlns:a="http://schemas.openxmlformats.org/drawingml/2006/main" xmlns:r="http://schemas.openxmlformats.org/officeDocument/2006/relationships" xmlns:p="http://schemas.openxmlformats.org/presentationml/2006/main">
+  <p:cSld>
+    <p:spTree>
+      <p:nvGrpSpPr>
+        <p:cNvPr id="1" name=""/>
+        <p:cNvGrpSpPr/>
+        <p:nvPr/>
+      </p:nvGrpSpPr>
+      <p:grpSpPr>
+        <a:xfrm>
+          <a:off x="0" y="0"/>
+          <a:ext cx="0" cy="0"/>
+          <a:chOff x="0" y="0"/>
+          <a:chExt cx="0" cy="0"/>
+        </a:xfrm>
+      </p:grpSpPr>
+      <p:sp>
+        <p:nvSpPr>
+          <p:cNvPr id="2" name="Title 1"/>
+          <p:cNvSpPr>
+            <a:spLocks noGrp="1"/>
+          </p:cNvSpPr>
+          <p:nvPr>
+            <p:ph type="title"/>
+          </p:nvPr>
+        </p:nvSpPr>
+        <p:spPr/>
+        <p:txBody>
+          <a:bodyPr/>
+          <a:lstStyle/>
+          <a:p>
+            <a:r>
+              <a:rPr lang="en-US" dirty="0"/>
+              <a:t>Diabetes data set</a:t>
+            </a:r>
+          </a:p>
+        </p:txBody>
+      </p:sp>
+      <p:sp>
+        <p:nvSpPr>
+          <p:cNvPr id="4" name="Footer Placeholder 3"/>
+          <p:cNvSpPr>
+            <a:spLocks noGrp="1"/>
+          </p:cNvSpPr>
+          <p:nvPr>
+            <p:ph type="ftr" sz="quarter" idx="10"/>
+          </p:nvPr>
+        </p:nvSpPr>
+        <p:spPr/>
+        <p:txBody>
+          <a:bodyPr/>
+          <a:lstStyle/>
+          <a:p>
+            <a:pPr>
+              <a:defRPr/>
+            </a:pPr>
+            <a:r>
+              <a:rPr lang="en-US" altLang="en-US" dirty="0"/>
+              <a:t>©2018 Steve Simon    http://TheAnalysisFactor.com</a:t>
+            </a:r>
+          </a:p>
+        </p:txBody>
+      </p:sp>
+      <p:sp>
+        <p:nvSpPr>
+          <p:cNvPr id="5" name="Slide Number Placeholder 4"/>
+          <p:cNvSpPr>
+            <a:spLocks noGrp="1"/>
+          </p:cNvSpPr>
+          <p:nvPr>
+            <p:ph type="sldNum" sz="quarter" idx="11"/>
+          </p:nvPr>
+        </p:nvSpPr>
+        <p:spPr/>
+        <p:txBody>
+          <a:bodyPr/>
+          <a:lstStyle/>
+          <a:p>
+            <a:pPr>
+              <a:defRPr/>
+            </a:pPr>
+            <a:endParaRPr lang="en-US"/>
+          </a:p>
+          <a:p>
+            <a:pPr>
+              <a:defRPr/>
+            </a:pPr>
+            <a:fld id="{E9A8CBA3-AA2B-46A6-BFA3-DCEBEAAB3F0A}" type="slidenum">
+              <a:rPr lang="en-US" smtClean="0"/>
+              <a:pPr>
+                <a:defRPr/>
+              </a:pPr>
+              <a:t>29</a:t>
+            </a:fld>
+            <a:endParaRPr lang="en-US"/>
+          </a:p>
+        </p:txBody>
+      </p:sp>
+      <p:pic>
+        <p:nvPicPr>
+          <p:cNvPr id="3" name="Picture 2">
+            <a:extLst>
+              <a:ext uri="{FF2B5EF4-FFF2-40B4-BE49-F238E27FC236}">
+                <a16:creationId xmlns:a16="http://schemas.microsoft.com/office/drawing/2014/main" id="{65057476-7FB0-4DE6-A7F0-0A45EA906EF5}"/>
+              </a:ext>
+            </a:extLst>
+          </p:cNvPr>
+          <p:cNvPicPr>
+            <a:picLocks noChangeAspect="1"/>
+          </p:cNvPicPr>
+          <p:nvPr/>
+        </p:nvPicPr>
+        <p:blipFill>
+          <a:blip r:embed="rId2"/>
+          <a:stretch>
+            <a:fillRect/>
+          </a:stretch>
+        </p:blipFill>
+        <p:spPr>
+          <a:xfrm>
+            <a:off x="457714" y="1143285"/>
+            <a:ext cx="8228571" cy="4571429"/>
+          </a:xfrm>
+          <a:prstGeom prst="rect">
+            <a:avLst/>
+          </a:prstGeom>
+        </p:spPr>
+      </p:pic>
+    </p:spTree>
+    <p:extLst>
+      <p:ext uri="{BB962C8B-B14F-4D97-AF65-F5344CB8AC3E}">
+        <p14:creationId xmlns:p14="http://schemas.microsoft.com/office/powerpoint/2010/main" val="446159131"/>
+      </p:ext>
+    </p:extLst>
+  </p:cSld>
+  <p:clrMapOvr>
+    <a:masterClrMapping/>
+  </p:clrMapOvr>
+</p:sld>
+</file>
+
+<file path=ppt/slides/slide3.xml><?xml version="1.0" encoding="utf-8"?>
+<p:sld xmlns:a="http://schemas.openxmlformats.org/drawingml/2006/main" xmlns:r="http://schemas.openxmlformats.org/officeDocument/2006/relationships" xmlns:p="http://schemas.openxmlformats.org/presentationml/2006/main">
+  <p:cSld>
+    <p:spTree>
+      <p:nvGrpSpPr>
+        <p:cNvPr id="1" name=""/>
+        <p:cNvGrpSpPr/>
+        <p:nvPr/>
+      </p:nvGrpSpPr>
+      <p:grpSpPr>
+        <a:xfrm>
+          <a:off x="0" y="0"/>
+          <a:ext cx="0" cy="0"/>
+          <a:chOff x="0" y="0"/>
+          <a:chExt cx="0" cy="0"/>
+        </a:xfrm>
+      </p:grpSpPr>
+      <p:sp>
+        <p:nvSpPr>
+          <p:cNvPr id="2" name="Title 1"/>
+          <p:cNvSpPr>
+            <a:spLocks noGrp="1"/>
+          </p:cNvSpPr>
+          <p:nvPr>
+            <p:ph type="title"/>
+          </p:nvPr>
+        </p:nvSpPr>
+        <p:spPr/>
+        <p:txBody>
+          <a:bodyPr/>
+          <a:lstStyle/>
+          <a:p>
+            <a:r>
+              <a:rPr lang="en-US" dirty="0"/>
+              <a:t>Interval censored data</a:t>
+            </a:r>
+          </a:p>
+        </p:txBody>
+      </p:sp>
+      <p:sp>
+        <p:nvSpPr>
+          <p:cNvPr id="4" name="Footer Placeholder 3"/>
+          <p:cNvSpPr>
+            <a:spLocks noGrp="1"/>
+          </p:cNvSpPr>
+          <p:nvPr>
+            <p:ph type="ftr" sz="quarter" idx="10"/>
+          </p:nvPr>
+        </p:nvSpPr>
+        <p:spPr/>
+        <p:txBody>
+          <a:bodyPr/>
+          <a:lstStyle/>
+          <a:p>
+            <a:pPr>
+              <a:defRPr/>
+            </a:pPr>
+            <a:r>
+              <a:rPr lang="en-US" altLang="en-US" dirty="0"/>
+              <a:t>©2018 Steve Simon    http://TheAnalysisFactor.com</a:t>
+            </a:r>
+          </a:p>
+        </p:txBody>
+      </p:sp>
+      <p:sp>
+        <p:nvSpPr>
+          <p:cNvPr id="5" name="Slide Number Placeholder 4"/>
+          <p:cNvSpPr>
+            <a:spLocks noGrp="1"/>
+          </p:cNvSpPr>
+          <p:nvPr>
+            <p:ph type="sldNum" sz="quarter" idx="11"/>
+          </p:nvPr>
+        </p:nvSpPr>
+        <p:spPr/>
+        <p:txBody>
+          <a:bodyPr/>
+          <a:lstStyle/>
+          <a:p>
+            <a:pPr>
+              <a:defRPr/>
+            </a:pPr>
+            <a:endParaRPr lang="en-US"/>
+          </a:p>
+          <a:p>
+            <a:pPr>
+              <a:defRPr/>
+            </a:pPr>
+            <a:fld id="{E9A8CBA3-AA2B-46A6-BFA3-DCEBEAAB3F0A}" type="slidenum">
+              <a:rPr lang="en-US" smtClean="0"/>
+              <a:pPr>
+                <a:defRPr/>
+              </a:pPr>
+              <a:t>3</a:t>
+            </a:fld>
+            <a:endParaRPr lang="en-US"/>
+          </a:p>
+        </p:txBody>
+      </p:sp>
+      <p:pic>
+        <p:nvPicPr>
+          <p:cNvPr id="6" name="Picture 5">
+            <a:extLst>
+              <a:ext uri="{FF2B5EF4-FFF2-40B4-BE49-F238E27FC236}">
+                <a16:creationId xmlns:a16="http://schemas.microsoft.com/office/drawing/2014/main" id="{26EF7899-826F-498A-BBC5-467CE2A94BBB}"/>
+              </a:ext>
+            </a:extLst>
+          </p:cNvPr>
+          <p:cNvPicPr>
+            <a:picLocks noChangeAspect="1"/>
+          </p:cNvPicPr>
+          <p:nvPr/>
+        </p:nvPicPr>
+        <p:blipFill>
+          <a:blip r:embed="rId2"/>
+          <a:stretch>
+            <a:fillRect/>
+          </a:stretch>
+        </p:blipFill>
+        <p:spPr>
+          <a:xfrm>
+            <a:off x="457200" y="1219200"/>
+            <a:ext cx="8114286" cy="2504762"/>
+          </a:xfrm>
+          <a:prstGeom prst="rect">
+            <a:avLst/>
+          </a:prstGeom>
+        </p:spPr>
+      </p:pic>
+    </p:spTree>
+    <p:extLst>
+      <p:ext uri="{BB962C8B-B14F-4D97-AF65-F5344CB8AC3E}">
+        <p14:creationId xmlns:p14="http://schemas.microsoft.com/office/powerpoint/2010/main" val="3060898849"/>
+      </p:ext>
+    </p:extLst>
+  </p:cSld>
+  <p:clrMapOvr>
+    <a:masterClrMapping/>
+  </p:clrMapOvr>
+</p:sld>
+</file>
+
+<file path=ppt/slides/slide30.xml><?xml version="1.0" encoding="utf-8"?>
+<p:sld xmlns:a="http://schemas.openxmlformats.org/drawingml/2006/main" xmlns:r="http://schemas.openxmlformats.org/officeDocument/2006/relationships" xmlns:p="http://schemas.openxmlformats.org/presentationml/2006/main">
+  <p:cSld>
+    <p:spTree>
+      <p:nvGrpSpPr>
+        <p:cNvPr id="1" name=""/>
+        <p:cNvGrpSpPr/>
+        <p:nvPr/>
+      </p:nvGrpSpPr>
+      <p:grpSpPr>
+        <a:xfrm>
+          <a:off x="0" y="0"/>
+          <a:ext cx="0" cy="0"/>
+          <a:chOff x="0" y="0"/>
+          <a:chExt cx="0" cy="0"/>
+        </a:xfrm>
+      </p:grpSpPr>
+      <p:sp>
+        <p:nvSpPr>
+          <p:cNvPr id="2" name="Title 1"/>
+          <p:cNvSpPr>
+            <a:spLocks noGrp="1"/>
+          </p:cNvSpPr>
+          <p:nvPr>
+            <p:ph type="title"/>
+          </p:nvPr>
+        </p:nvSpPr>
+        <p:spPr/>
+        <p:txBody>
+          <a:bodyPr/>
+          <a:lstStyle/>
+          <a:p>
+            <a:r>
+              <a:rPr lang="en-US" dirty="0"/>
+              <a:t>Kidney data set</a:t>
+            </a:r>
+          </a:p>
+        </p:txBody>
+      </p:sp>
+      <p:sp>
+        <p:nvSpPr>
+          <p:cNvPr id="3" name="Text Placeholder 2"/>
+          <p:cNvSpPr>
+            <a:spLocks noGrp="1"/>
+          </p:cNvSpPr>
+          <p:nvPr>
+            <p:ph type="body" idx="1"/>
+          </p:nvPr>
+        </p:nvSpPr>
+        <p:spPr/>
+        <p:txBody>
+          <a:bodyPr/>
+          <a:lstStyle/>
+          <a:p>
+            <a:r>
+              <a:rPr lang="en-US" sz="1800" dirty="0">
+                <a:cs typeface="Calibri" panose="020F0502020204030204" pitchFamily="34" charset="0"/>
+              </a:rPr>
+              <a:t>Data on the recurrence times to infection, at the point of insertion of the catheter, for kidney patients using portable dialysis equipment. Catheters may be removed for reasons other than infection, in which case the observation is censored. Each patient has exactly 2 observations.</a:t>
+            </a:r>
+          </a:p>
+          <a:p>
+            <a:endParaRPr lang="en-US" sz="1800" dirty="0">
+              <a:cs typeface="Calibri" panose="020F0502020204030204" pitchFamily="34" charset="0"/>
+            </a:endParaRPr>
+          </a:p>
+          <a:p>
+            <a:r>
+              <a:rPr lang="en-US" sz="1800" dirty="0">
+                <a:cs typeface="Calibri" panose="020F0502020204030204" pitchFamily="34" charset="0"/>
+              </a:rPr>
+              <a:t>CA </a:t>
+            </a:r>
+            <a:r>
+              <a:rPr lang="en-US" sz="1800" dirty="0" err="1">
+                <a:cs typeface="Calibri" panose="020F0502020204030204" pitchFamily="34" charset="0"/>
+              </a:rPr>
+              <a:t>McGilchrist</a:t>
+            </a:r>
+            <a:r>
+              <a:rPr lang="en-US" sz="1800" dirty="0">
+                <a:cs typeface="Calibri" panose="020F0502020204030204" pitchFamily="34" charset="0"/>
+              </a:rPr>
+              <a:t>, CW </a:t>
+            </a:r>
+            <a:r>
+              <a:rPr lang="en-US" sz="1800" dirty="0" err="1">
+                <a:cs typeface="Calibri" panose="020F0502020204030204" pitchFamily="34" charset="0"/>
+              </a:rPr>
+              <a:t>Aisbett</a:t>
+            </a:r>
+            <a:r>
+              <a:rPr lang="en-US" sz="1800" dirty="0">
+                <a:cs typeface="Calibri" panose="020F0502020204030204" pitchFamily="34" charset="0"/>
+              </a:rPr>
+              <a:t> (1991), Regression with frailty in survival analysis. Biometrics 47, 461–66.</a:t>
+            </a:r>
+          </a:p>
+        </p:txBody>
+      </p:sp>
+      <p:sp>
+        <p:nvSpPr>
+          <p:cNvPr id="4" name="Footer Placeholder 3"/>
+          <p:cNvSpPr>
+            <a:spLocks noGrp="1"/>
+          </p:cNvSpPr>
+          <p:nvPr>
+            <p:ph type="ftr" sz="quarter" idx="10"/>
+          </p:nvPr>
+        </p:nvSpPr>
+        <p:spPr/>
+        <p:txBody>
+          <a:bodyPr/>
+          <a:lstStyle/>
+          <a:p>
+            <a:pPr>
+              <a:defRPr/>
+            </a:pPr>
+            <a:r>
+              <a:rPr lang="en-US" altLang="en-US" dirty="0"/>
+              <a:t>©2018 Steve Simon    http://TheAnalysisFactor.com</a:t>
+            </a:r>
+          </a:p>
+        </p:txBody>
+      </p:sp>
+      <p:sp>
+        <p:nvSpPr>
+          <p:cNvPr id="5" name="Slide Number Placeholder 4"/>
+          <p:cNvSpPr>
+            <a:spLocks noGrp="1"/>
+          </p:cNvSpPr>
+          <p:nvPr>
+            <p:ph type="sldNum" sz="quarter" idx="11"/>
+          </p:nvPr>
+        </p:nvSpPr>
+        <p:spPr/>
+        <p:txBody>
+          <a:bodyPr/>
+          <a:lstStyle/>
+          <a:p>
+            <a:pPr>
+              <a:defRPr/>
+            </a:pPr>
+            <a:endParaRPr lang="en-US"/>
+          </a:p>
+          <a:p>
+            <a:pPr>
+              <a:defRPr/>
+            </a:pPr>
+            <a:fld id="{E9A8CBA3-AA2B-46A6-BFA3-DCEBEAAB3F0A}" type="slidenum">
+              <a:rPr lang="en-US" smtClean="0"/>
+              <a:pPr>
+                <a:defRPr/>
+              </a:pPr>
+              <a:t>30</a:t>
+            </a:fld>
+            <a:endParaRPr lang="en-US"/>
+          </a:p>
+        </p:txBody>
+      </p:sp>
+      <p:sp>
+        <p:nvSpPr>
+          <p:cNvPr id="6" name="Text Placeholder 5"/>
+          <p:cNvSpPr>
+            <a:spLocks noGrp="1"/>
+          </p:cNvSpPr>
+          <p:nvPr>
+            <p:ph type="body" sz="quarter" idx="12"/>
+          </p:nvPr>
+        </p:nvSpPr>
+        <p:spPr/>
+        <p:txBody>
+          <a:bodyPr/>
+          <a:lstStyle/>
+          <a:p>
+            <a:r>
+              <a:rPr lang="en-US" dirty="0">
+                <a:cs typeface="Calibri" panose="020F0502020204030204" pitchFamily="34" charset="0"/>
+              </a:rPr>
+              <a:t>Description</a:t>
+            </a:r>
+          </a:p>
+        </p:txBody>
+      </p:sp>
+    </p:spTree>
+    <p:extLst>
+      <p:ext uri="{BB962C8B-B14F-4D97-AF65-F5344CB8AC3E}">
+        <p14:creationId xmlns:p14="http://schemas.microsoft.com/office/powerpoint/2010/main" val="3305200947"/>
+      </p:ext>
+    </p:extLst>
+  </p:cSld>
+  <p:clrMapOvr>
+    <a:masterClrMapping/>
+  </p:clrMapOvr>
+</p:sld>
+</file>
+
+<file path=ppt/slides/slide31.xml><?xml version="1.0" encoding="utf-8"?>
+<p:sld xmlns:a="http://schemas.openxmlformats.org/drawingml/2006/main" xmlns:r="http://schemas.openxmlformats.org/officeDocument/2006/relationships" xmlns:p="http://schemas.openxmlformats.org/presentationml/2006/main">
+  <p:cSld>
+    <p:spTree>
+      <p:nvGrpSpPr>
+        <p:cNvPr id="1" name=""/>
+        <p:cNvGrpSpPr/>
+        <p:nvPr/>
+      </p:nvGrpSpPr>
+      <p:grpSpPr>
+        <a:xfrm>
+          <a:off x="0" y="0"/>
+          <a:ext cx="0" cy="0"/>
+          <a:chOff x="0" y="0"/>
+          <a:chExt cx="0" cy="0"/>
+        </a:xfrm>
+      </p:grpSpPr>
+      <p:sp>
+        <p:nvSpPr>
+          <p:cNvPr id="2" name="Title 1"/>
+          <p:cNvSpPr>
+            <a:spLocks noGrp="1"/>
+          </p:cNvSpPr>
+          <p:nvPr>
+            <p:ph type="title"/>
+          </p:nvPr>
+        </p:nvSpPr>
+        <p:spPr/>
+        <p:txBody>
+          <a:bodyPr/>
+          <a:lstStyle/>
+          <a:p>
+            <a:r>
+              <a:rPr lang="en-US" dirty="0"/>
+              <a:t>Kidney data set</a:t>
+            </a:r>
+          </a:p>
+        </p:txBody>
+      </p:sp>
+      <p:sp>
+        <p:nvSpPr>
+          <p:cNvPr id="3" name="Text Placeholder 2"/>
+          <p:cNvSpPr>
+            <a:spLocks noGrp="1"/>
+          </p:cNvSpPr>
+          <p:nvPr>
+            <p:ph type="body" idx="1"/>
+          </p:nvPr>
+        </p:nvSpPr>
+        <p:spPr/>
+        <p:txBody>
+          <a:bodyPr/>
+          <a:lstStyle/>
+          <a:p>
+            <a:pPr marL="285750" indent="-285750">
+              <a:buFont typeface="Arial" panose="020B0604020202020204" pitchFamily="34" charset="0"/>
+              <a:buChar char="•"/>
+            </a:pPr>
+            <a:r>
+              <a:rPr lang="en-US" sz="1800" dirty="0">
+                <a:cs typeface="Calibri" panose="020F0502020204030204" pitchFamily="34" charset="0"/>
+              </a:rPr>
+              <a:t>patient: id</a:t>
+            </a:r>
+          </a:p>
+          <a:p>
+            <a:pPr marL="285750" indent="-285750">
+              <a:buFont typeface="Arial" panose="020B0604020202020204" pitchFamily="34" charset="0"/>
+              <a:buChar char="•"/>
+            </a:pPr>
+            <a:r>
+              <a:rPr lang="en-US" sz="1800" dirty="0">
+                <a:cs typeface="Calibri" panose="020F0502020204030204" pitchFamily="34" charset="0"/>
+              </a:rPr>
+              <a:t>time: time</a:t>
+            </a:r>
+          </a:p>
+          <a:p>
+            <a:pPr marL="285750" indent="-285750">
+              <a:buFont typeface="Arial" panose="020B0604020202020204" pitchFamily="34" charset="0"/>
+              <a:buChar char="•"/>
+            </a:pPr>
+            <a:r>
+              <a:rPr lang="en-US" sz="1800" dirty="0">
+                <a:cs typeface="Calibri" panose="020F0502020204030204" pitchFamily="34" charset="0"/>
+              </a:rPr>
+              <a:t>status: event status</a:t>
+            </a:r>
+          </a:p>
+          <a:p>
+            <a:pPr marL="285750" indent="-285750">
+              <a:buFont typeface="Arial" panose="020B0604020202020204" pitchFamily="34" charset="0"/>
+              <a:buChar char="•"/>
+            </a:pPr>
+            <a:r>
+              <a:rPr lang="en-US" sz="1800" dirty="0">
+                <a:cs typeface="Calibri" panose="020F0502020204030204" pitchFamily="34" charset="0"/>
+              </a:rPr>
+              <a:t>age: in years</a:t>
+            </a:r>
+          </a:p>
+          <a:p>
+            <a:pPr marL="285750" indent="-285750">
+              <a:buFont typeface="Arial" panose="020B0604020202020204" pitchFamily="34" charset="0"/>
+              <a:buChar char="•"/>
+            </a:pPr>
+            <a:r>
+              <a:rPr lang="en-US" sz="1800" dirty="0">
+                <a:cs typeface="Calibri" panose="020F0502020204030204" pitchFamily="34" charset="0"/>
+              </a:rPr>
+              <a:t>sex: 1=male, 2=female</a:t>
+            </a:r>
+          </a:p>
+          <a:p>
+            <a:pPr marL="285750" indent="-285750">
+              <a:buFont typeface="Arial" panose="020B0604020202020204" pitchFamily="34" charset="0"/>
+              <a:buChar char="•"/>
+            </a:pPr>
+            <a:r>
+              <a:rPr lang="en-US" sz="1800" dirty="0">
+                <a:cs typeface="Calibri" panose="020F0502020204030204" pitchFamily="34" charset="0"/>
+              </a:rPr>
+              <a:t>disease: disease type (0=GN, 1=AN, 2=PKD, 3=Other)</a:t>
+            </a:r>
+          </a:p>
+          <a:p>
+            <a:pPr marL="285750" indent="-285750">
+              <a:buFont typeface="Arial" panose="020B0604020202020204" pitchFamily="34" charset="0"/>
+              <a:buChar char="•"/>
+            </a:pPr>
+            <a:r>
+              <a:rPr lang="en-US" sz="1800" dirty="0">
+                <a:cs typeface="Calibri" panose="020F0502020204030204" pitchFamily="34" charset="0"/>
+              </a:rPr>
+              <a:t>frail: frailty estimate from original paper</a:t>
+            </a:r>
+          </a:p>
+        </p:txBody>
+      </p:sp>
+      <p:sp>
+        <p:nvSpPr>
+          <p:cNvPr id="4" name="Footer Placeholder 3"/>
+          <p:cNvSpPr>
+            <a:spLocks noGrp="1"/>
+          </p:cNvSpPr>
+          <p:nvPr>
+            <p:ph type="ftr" sz="quarter" idx="10"/>
+          </p:nvPr>
+        </p:nvSpPr>
+        <p:spPr/>
+        <p:txBody>
+          <a:bodyPr/>
+          <a:lstStyle/>
+          <a:p>
+            <a:pPr>
+              <a:defRPr/>
+            </a:pPr>
+            <a:r>
+              <a:rPr lang="en-US" altLang="en-US" dirty="0"/>
+              <a:t>©2018 Steve Simon    http://TheAnalysisFactor.com</a:t>
+            </a:r>
+          </a:p>
+        </p:txBody>
+      </p:sp>
+      <p:sp>
+        <p:nvSpPr>
+          <p:cNvPr id="5" name="Slide Number Placeholder 4"/>
+          <p:cNvSpPr>
+            <a:spLocks noGrp="1"/>
+          </p:cNvSpPr>
+          <p:nvPr>
+            <p:ph type="sldNum" sz="quarter" idx="11"/>
+          </p:nvPr>
+        </p:nvSpPr>
+        <p:spPr/>
+        <p:txBody>
+          <a:bodyPr/>
+          <a:lstStyle/>
+          <a:p>
+            <a:pPr>
+              <a:defRPr/>
+            </a:pPr>
+            <a:endParaRPr lang="en-US"/>
+          </a:p>
+          <a:p>
+            <a:pPr>
+              <a:defRPr/>
+            </a:pPr>
+            <a:fld id="{E9A8CBA3-AA2B-46A6-BFA3-DCEBEAAB3F0A}" type="slidenum">
+              <a:rPr lang="en-US" smtClean="0"/>
+              <a:pPr>
+                <a:defRPr/>
+              </a:pPr>
+              <a:t>31</a:t>
+            </a:fld>
+            <a:endParaRPr lang="en-US"/>
+          </a:p>
+        </p:txBody>
+      </p:sp>
+      <p:sp>
+        <p:nvSpPr>
+          <p:cNvPr id="6" name="Text Placeholder 5"/>
+          <p:cNvSpPr>
+            <a:spLocks noGrp="1"/>
+          </p:cNvSpPr>
+          <p:nvPr>
+            <p:ph type="body" sz="quarter" idx="12"/>
+          </p:nvPr>
+        </p:nvSpPr>
+        <p:spPr/>
+        <p:txBody>
+          <a:bodyPr/>
+          <a:lstStyle/>
+          <a:p>
+            <a:r>
+              <a:rPr lang="en-US" dirty="0">
+                <a:cs typeface="Calibri" panose="020F0502020204030204" pitchFamily="34" charset="0"/>
+              </a:rPr>
+              <a:t>76 observations and 7 variables.</a:t>
+            </a:r>
+          </a:p>
+        </p:txBody>
+      </p:sp>
+    </p:spTree>
+    <p:extLst>
+      <p:ext uri="{BB962C8B-B14F-4D97-AF65-F5344CB8AC3E}">
+        <p14:creationId xmlns:p14="http://schemas.microsoft.com/office/powerpoint/2010/main" val="3330262570"/>
+      </p:ext>
+    </p:extLst>
+  </p:cSld>
+  <p:clrMapOvr>
+    <a:masterClrMapping/>
+  </p:clrMapOvr>
+</p:sld>
+</file>
+
+<file path=ppt/slides/slide32.xml><?xml version="1.0" encoding="utf-8"?>
+<p:sld xmlns:a="http://schemas.openxmlformats.org/drawingml/2006/main" xmlns:r="http://schemas.openxmlformats.org/officeDocument/2006/relationships" xmlns:p="http://schemas.openxmlformats.org/presentationml/2006/main">
+  <p:cSld>
+    <p:spTree>
+      <p:nvGrpSpPr>
+        <p:cNvPr id="1" name=""/>
+        <p:cNvGrpSpPr/>
+        <p:nvPr/>
+      </p:nvGrpSpPr>
+      <p:grpSpPr>
+        <a:xfrm>
+          <a:off x="0" y="0"/>
+          <a:ext cx="0" cy="0"/>
+          <a:chOff x="0" y="0"/>
+          <a:chExt cx="0" cy="0"/>
+        </a:xfrm>
+      </p:grpSpPr>
+      <p:sp>
+        <p:nvSpPr>
+          <p:cNvPr id="2" name="Title 1"/>
+          <p:cNvSpPr>
+            <a:spLocks noGrp="1"/>
+          </p:cNvSpPr>
+          <p:nvPr>
+            <p:ph type="title"/>
+          </p:nvPr>
+        </p:nvSpPr>
+        <p:spPr/>
+        <p:txBody>
+          <a:bodyPr/>
+          <a:lstStyle/>
+          <a:p>
+            <a:r>
+              <a:rPr lang="en-US" dirty="0"/>
+              <a:t>Kidney data set</a:t>
+            </a:r>
+          </a:p>
+        </p:txBody>
+      </p:sp>
+      <p:sp>
+        <p:nvSpPr>
+          <p:cNvPr id="3" name="Text Placeholder 2"/>
+          <p:cNvSpPr>
+            <a:spLocks noGrp="1"/>
+          </p:cNvSpPr>
+          <p:nvPr>
+            <p:ph type="body" idx="1"/>
+          </p:nvPr>
+        </p:nvSpPr>
+        <p:spPr/>
+        <p:txBody>
+          <a:bodyPr/>
+          <a:lstStyle/>
+          <a:p>
+            <a:r>
+              <a:rPr lang="en-US" sz="1800" b="1" dirty="0">
+                <a:latin typeface="Courier New" panose="02070309020205020404" pitchFamily="49" charset="0"/>
+                <a:cs typeface="Courier New" panose="02070309020205020404" pitchFamily="49" charset="0"/>
+              </a:rPr>
+              <a:t>  id time status age sex disease frail</a:t>
+            </a:r>
+          </a:p>
+          <a:p>
+            <a:r>
+              <a:rPr lang="en-US" sz="1800" b="1" dirty="0">
+                <a:latin typeface="Courier New" panose="02070309020205020404" pitchFamily="49" charset="0"/>
+                <a:cs typeface="Courier New" panose="02070309020205020404" pitchFamily="49" charset="0"/>
+              </a:rPr>
+              <a:t>1  1    8      1  28   1   Other   2.3</a:t>
+            </a:r>
+          </a:p>
+          <a:p>
+            <a:r>
+              <a:rPr lang="en-US" sz="1800" b="1" dirty="0">
+                <a:latin typeface="Courier New" panose="02070309020205020404" pitchFamily="49" charset="0"/>
+                <a:cs typeface="Courier New" panose="02070309020205020404" pitchFamily="49" charset="0"/>
+              </a:rPr>
+              <a:t>2  1   16      1  28   1   Other   2.3</a:t>
+            </a:r>
+          </a:p>
+          <a:p>
+            <a:r>
+              <a:rPr lang="en-US" sz="1800" b="1" dirty="0">
+                <a:latin typeface="Courier New" panose="02070309020205020404" pitchFamily="49" charset="0"/>
+                <a:cs typeface="Courier New" panose="02070309020205020404" pitchFamily="49" charset="0"/>
+              </a:rPr>
+              <a:t>3  2   23      1  48   2      GN   1.9</a:t>
+            </a:r>
+          </a:p>
+          <a:p>
+            <a:r>
+              <a:rPr lang="en-US" sz="1800" b="1" dirty="0">
+                <a:latin typeface="Courier New" panose="02070309020205020404" pitchFamily="49" charset="0"/>
+                <a:cs typeface="Courier New" panose="02070309020205020404" pitchFamily="49" charset="0"/>
+              </a:rPr>
+              <a:t>4  2   13      0  48   2      GN   1.9</a:t>
+            </a:r>
+          </a:p>
+          <a:p>
+            <a:r>
+              <a:rPr lang="en-US" sz="1800" b="1" dirty="0">
+                <a:latin typeface="Courier New" panose="02070309020205020404" pitchFamily="49" charset="0"/>
+                <a:cs typeface="Courier New" panose="02070309020205020404" pitchFamily="49" charset="0"/>
+              </a:rPr>
+              <a:t>5  3   22      1  32   1   Other   1.2</a:t>
+            </a:r>
+          </a:p>
+          <a:p>
+            <a:r>
+              <a:rPr lang="en-US" sz="1800" b="1" dirty="0">
+                <a:latin typeface="Courier New" panose="02070309020205020404" pitchFamily="49" charset="0"/>
+                <a:cs typeface="Courier New" panose="02070309020205020404" pitchFamily="49" charset="0"/>
+              </a:rPr>
+              <a:t>6  3   28      1  32   1   Other   1.2</a:t>
+            </a:r>
+          </a:p>
+        </p:txBody>
+      </p:sp>
+      <p:sp>
+        <p:nvSpPr>
+          <p:cNvPr id="4" name="Footer Placeholder 3"/>
+          <p:cNvSpPr>
+            <a:spLocks noGrp="1"/>
+          </p:cNvSpPr>
+          <p:nvPr>
+            <p:ph type="ftr" sz="quarter" idx="10"/>
+          </p:nvPr>
+        </p:nvSpPr>
+        <p:spPr/>
+        <p:txBody>
+          <a:bodyPr/>
+          <a:lstStyle/>
+          <a:p>
+            <a:pPr>
+              <a:defRPr/>
+            </a:pPr>
+            <a:r>
+              <a:rPr lang="en-US" altLang="en-US" dirty="0"/>
+              <a:t>©2018 Steve Simon    http://TheAnalysisFactor.com</a:t>
+            </a:r>
+          </a:p>
+        </p:txBody>
+      </p:sp>
+      <p:sp>
+        <p:nvSpPr>
+          <p:cNvPr id="5" name="Slide Number Placeholder 4"/>
+          <p:cNvSpPr>
+            <a:spLocks noGrp="1"/>
+          </p:cNvSpPr>
+          <p:nvPr>
+            <p:ph type="sldNum" sz="quarter" idx="11"/>
+          </p:nvPr>
+        </p:nvSpPr>
+        <p:spPr/>
+        <p:txBody>
+          <a:bodyPr/>
+          <a:lstStyle/>
+          <a:p>
+            <a:pPr>
+              <a:defRPr/>
+            </a:pPr>
+            <a:endParaRPr lang="en-US"/>
+          </a:p>
+          <a:p>
+            <a:pPr>
+              <a:defRPr/>
+            </a:pPr>
+            <a:fld id="{E9A8CBA3-AA2B-46A6-BFA3-DCEBEAAB3F0A}" type="slidenum">
+              <a:rPr lang="en-US" smtClean="0"/>
+              <a:pPr>
+                <a:defRPr/>
+              </a:pPr>
+              <a:t>32</a:t>
+            </a:fld>
+            <a:endParaRPr lang="en-US"/>
+          </a:p>
+        </p:txBody>
+      </p:sp>
+      <p:sp>
+        <p:nvSpPr>
+          <p:cNvPr id="6" name="Text Placeholder 5"/>
+          <p:cNvSpPr>
+            <a:spLocks noGrp="1"/>
+          </p:cNvSpPr>
+          <p:nvPr>
+            <p:ph type="body" sz="quarter" idx="12"/>
+          </p:nvPr>
+        </p:nvSpPr>
+        <p:spPr/>
+        <p:txBody>
+          <a:bodyPr/>
+          <a:lstStyle/>
+          <a:p>
+            <a:r>
+              <a:rPr lang="en-US" dirty="0">
+                <a:cs typeface="Calibri" panose="020F0502020204030204" pitchFamily="34" charset="0"/>
+              </a:rPr>
+              <a:t>First six rows.</a:t>
+            </a:r>
+          </a:p>
+        </p:txBody>
+      </p:sp>
+    </p:spTree>
+    <p:extLst>
+      <p:ext uri="{BB962C8B-B14F-4D97-AF65-F5344CB8AC3E}">
+        <p14:creationId xmlns:p14="http://schemas.microsoft.com/office/powerpoint/2010/main" val="1604538166"/>
+      </p:ext>
+    </p:extLst>
+  </p:cSld>
+  <p:clrMapOvr>
+    <a:masterClrMapping/>
+  </p:clrMapOvr>
+</p:sld>
+</file>
+
+<file path=ppt/slides/slide33.xml><?xml version="1.0" encoding="utf-8"?>
+<p:sld xmlns:a="http://schemas.openxmlformats.org/drawingml/2006/main" xmlns:r="http://schemas.openxmlformats.org/officeDocument/2006/relationships" xmlns:p="http://schemas.openxmlformats.org/presentationml/2006/main">
+  <p:cSld>
+    <p:spTree>
+      <p:nvGrpSpPr>
+        <p:cNvPr id="1" name=""/>
+        <p:cNvGrpSpPr/>
+        <p:nvPr/>
+      </p:nvGrpSpPr>
+      <p:grpSpPr>
+        <a:xfrm>
+          <a:off x="0" y="0"/>
+          <a:ext cx="0" cy="0"/>
+          <a:chOff x="0" y="0"/>
+          <a:chExt cx="0" cy="0"/>
+        </a:xfrm>
+      </p:grpSpPr>
+      <p:sp>
+        <p:nvSpPr>
+          <p:cNvPr id="2" name="Title 1"/>
+          <p:cNvSpPr>
+            <a:spLocks noGrp="1"/>
+          </p:cNvSpPr>
+          <p:nvPr>
+            <p:ph type="title"/>
+          </p:nvPr>
+        </p:nvSpPr>
+        <p:spPr/>
+        <p:txBody>
+          <a:bodyPr/>
+          <a:lstStyle/>
+          <a:p>
+            <a:r>
+              <a:rPr lang="en-US" dirty="0"/>
+              <a:t>Kidney data set</a:t>
+            </a:r>
+          </a:p>
+        </p:txBody>
+      </p:sp>
+      <p:sp>
+        <p:nvSpPr>
+          <p:cNvPr id="3" name="Text Placeholder 2"/>
+          <p:cNvSpPr>
+            <a:spLocks noGrp="1"/>
+          </p:cNvSpPr>
+          <p:nvPr>
+            <p:ph type="body" idx="1"/>
+          </p:nvPr>
+        </p:nvSpPr>
+        <p:spPr/>
+        <p:txBody>
+          <a:bodyPr/>
+          <a:lstStyle/>
+          <a:p>
+            <a:r>
+              <a:rPr lang="en-US" sz="1800" b="1" dirty="0">
+                <a:latin typeface="Courier New" panose="02070309020205020404" pitchFamily="49" charset="0"/>
+                <a:cs typeface="Courier New" panose="02070309020205020404" pitchFamily="49" charset="0"/>
+              </a:rPr>
+              <a:t>status  0  1 </a:t>
+            </a:r>
+          </a:p>
+          <a:p>
+            <a:r>
+              <a:rPr lang="en-US" sz="1800" b="1" dirty="0">
+                <a:latin typeface="Courier New" panose="02070309020205020404" pitchFamily="49" charset="0"/>
+                <a:cs typeface="Courier New" panose="02070309020205020404" pitchFamily="49" charset="0"/>
+              </a:rPr>
+              <a:t>       18 58</a:t>
+            </a:r>
+          </a:p>
+          <a:p>
+            <a:endParaRPr lang="en-US" sz="1800" b="1" dirty="0">
+              <a:latin typeface="Courier New" panose="02070309020205020404" pitchFamily="49" charset="0"/>
+              <a:cs typeface="Courier New" panose="02070309020205020404" pitchFamily="49" charset="0"/>
+            </a:endParaRPr>
+          </a:p>
+          <a:p>
+            <a:r>
+              <a:rPr lang="en-US" sz="1800" b="1" dirty="0">
+                <a:latin typeface="Courier New" panose="02070309020205020404" pitchFamily="49" charset="0"/>
+                <a:cs typeface="Courier New" panose="02070309020205020404" pitchFamily="49" charset="0"/>
+              </a:rPr>
+              <a:t>sex     1  2 </a:t>
+            </a:r>
+          </a:p>
+          <a:p>
+            <a:r>
+              <a:rPr lang="en-US" sz="1800" b="1" dirty="0">
+                <a:latin typeface="Courier New" panose="02070309020205020404" pitchFamily="49" charset="0"/>
+                <a:cs typeface="Courier New" panose="02070309020205020404" pitchFamily="49" charset="0"/>
+              </a:rPr>
+              <a:t>       20 56</a:t>
+            </a:r>
+          </a:p>
+          <a:p>
+            <a:endParaRPr lang="en-US" sz="1800" b="1" dirty="0">
+              <a:latin typeface="Courier New" panose="02070309020205020404" pitchFamily="49" charset="0"/>
+              <a:cs typeface="Courier New" panose="02070309020205020404" pitchFamily="49" charset="0"/>
+            </a:endParaRPr>
+          </a:p>
+          <a:p>
+            <a:r>
+              <a:rPr lang="en-US" sz="1800" b="1" dirty="0">
+                <a:latin typeface="Courier New" panose="02070309020205020404" pitchFamily="49" charset="0"/>
+                <a:cs typeface="Courier New" panose="02070309020205020404" pitchFamily="49" charset="0"/>
+              </a:rPr>
+              <a:t>disease Other    GN    AN   PKD </a:t>
+            </a:r>
+          </a:p>
+          <a:p>
+            <a:r>
+              <a:rPr lang="en-US" sz="1800" b="1" dirty="0">
+                <a:latin typeface="Courier New" panose="02070309020205020404" pitchFamily="49" charset="0"/>
+                <a:cs typeface="Courier New" panose="02070309020205020404" pitchFamily="49" charset="0"/>
+              </a:rPr>
+              <a:t>           26    18    24     8</a:t>
+            </a:r>
+          </a:p>
+        </p:txBody>
+      </p:sp>
+      <p:sp>
+        <p:nvSpPr>
+          <p:cNvPr id="4" name="Footer Placeholder 3"/>
+          <p:cNvSpPr>
+            <a:spLocks noGrp="1"/>
+          </p:cNvSpPr>
+          <p:nvPr>
+            <p:ph type="ftr" sz="quarter" idx="10"/>
+          </p:nvPr>
+        </p:nvSpPr>
+        <p:spPr/>
+        <p:txBody>
+          <a:bodyPr/>
+          <a:lstStyle/>
+          <a:p>
+            <a:pPr>
+              <a:defRPr/>
+            </a:pPr>
+            <a:r>
+              <a:rPr lang="en-US" altLang="en-US" dirty="0"/>
+              <a:t>©2018 Steve Simon    http://TheAnalysisFactor.com</a:t>
+            </a:r>
+          </a:p>
+        </p:txBody>
+      </p:sp>
+      <p:sp>
+        <p:nvSpPr>
+          <p:cNvPr id="5" name="Slide Number Placeholder 4"/>
+          <p:cNvSpPr>
+            <a:spLocks noGrp="1"/>
+          </p:cNvSpPr>
+          <p:nvPr>
+            <p:ph type="sldNum" sz="quarter" idx="11"/>
+          </p:nvPr>
+        </p:nvSpPr>
+        <p:spPr/>
+        <p:txBody>
+          <a:bodyPr/>
+          <a:lstStyle/>
+          <a:p>
+            <a:pPr>
+              <a:defRPr/>
+            </a:pPr>
+            <a:endParaRPr lang="en-US"/>
+          </a:p>
+          <a:p>
+            <a:pPr>
+              <a:defRPr/>
+            </a:pPr>
+            <a:fld id="{E9A8CBA3-AA2B-46A6-BFA3-DCEBEAAB3F0A}" type="slidenum">
+              <a:rPr lang="en-US" smtClean="0"/>
+              <a:pPr>
+                <a:defRPr/>
+              </a:pPr>
+              <a:t>33</a:t>
+            </a:fld>
+            <a:endParaRPr lang="en-US"/>
+          </a:p>
+        </p:txBody>
+      </p:sp>
+      <p:sp>
+        <p:nvSpPr>
+          <p:cNvPr id="6" name="Text Placeholder 5"/>
+          <p:cNvSpPr>
+            <a:spLocks noGrp="1"/>
+          </p:cNvSpPr>
+          <p:nvPr>
+            <p:ph type="body" sz="quarter" idx="12"/>
+          </p:nvPr>
+        </p:nvSpPr>
+        <p:spPr/>
+        <p:txBody>
+          <a:bodyPr/>
+          <a:lstStyle/>
+          <a:p>
+            <a:r>
+              <a:rPr lang="en-US" dirty="0">
+                <a:cs typeface="Calibri" panose="020F0502020204030204" pitchFamily="34" charset="0"/>
+              </a:rPr>
+              <a:t>Descriptive statistics.</a:t>
+            </a:r>
+          </a:p>
+        </p:txBody>
+      </p:sp>
+    </p:spTree>
+    <p:extLst>
+      <p:ext uri="{BB962C8B-B14F-4D97-AF65-F5344CB8AC3E}">
+        <p14:creationId xmlns:p14="http://schemas.microsoft.com/office/powerpoint/2010/main" val="3160245932"/>
+      </p:ext>
+    </p:extLst>
+  </p:cSld>
+  <p:clrMapOvr>
+    <a:masterClrMapping/>
+  </p:clrMapOvr>
+</p:sld>
+</file>
+
+<file path=ppt/slides/slide34.xml><?xml version="1.0" encoding="utf-8"?>
+<p:sld xmlns:a="http://schemas.openxmlformats.org/drawingml/2006/main" xmlns:r="http://schemas.openxmlformats.org/officeDocument/2006/relationships" xmlns:p="http://schemas.openxmlformats.org/presentationml/2006/main">
+  <p:cSld>
+    <p:spTree>
+      <p:nvGrpSpPr>
+        <p:cNvPr id="1" name=""/>
+        <p:cNvGrpSpPr/>
+        <p:nvPr/>
+      </p:nvGrpSpPr>
+      <p:grpSpPr>
+        <a:xfrm>
+          <a:off x="0" y="0"/>
+          <a:ext cx="0" cy="0"/>
+          <a:chOff x="0" y="0"/>
+          <a:chExt cx="0" cy="0"/>
+        </a:xfrm>
+      </p:grpSpPr>
+      <p:sp>
+        <p:nvSpPr>
+          <p:cNvPr id="2" name="Title 1"/>
+          <p:cNvSpPr>
+            <a:spLocks noGrp="1"/>
+          </p:cNvSpPr>
+          <p:nvPr>
+            <p:ph type="title"/>
+          </p:nvPr>
+        </p:nvSpPr>
+        <p:spPr/>
+        <p:txBody>
+          <a:bodyPr/>
+          <a:lstStyle/>
+          <a:p>
+            <a:r>
+              <a:rPr lang="en-US" dirty="0"/>
+              <a:t>Kidney data set</a:t>
+            </a:r>
+          </a:p>
+        </p:txBody>
+      </p:sp>
+      <p:sp>
+        <p:nvSpPr>
+          <p:cNvPr id="3" name="Text Placeholder 2"/>
+          <p:cNvSpPr>
+            <a:spLocks noGrp="1"/>
+          </p:cNvSpPr>
+          <p:nvPr>
+            <p:ph type="body" idx="1"/>
+          </p:nvPr>
+        </p:nvSpPr>
+        <p:spPr/>
+        <p:txBody>
+          <a:bodyPr/>
+          <a:lstStyle/>
+          <a:p>
+            <a:r>
+              <a:rPr lang="en-US" sz="1800" b="1" dirty="0">
+                <a:latin typeface="Courier New" panose="02070309020205020404" pitchFamily="49" charset="0"/>
+                <a:cs typeface="Courier New" panose="02070309020205020404" pitchFamily="49" charset="0"/>
+              </a:rPr>
+              <a:t>time   Min. 1st Qu.  Median    Mean 3rd Qu.    Max. </a:t>
+            </a:r>
+          </a:p>
+          <a:p>
+            <a:r>
+              <a:rPr lang="en-US" sz="1800" b="1" dirty="0">
+                <a:latin typeface="Courier New" panose="02070309020205020404" pitchFamily="49" charset="0"/>
+                <a:cs typeface="Courier New" panose="02070309020205020404" pitchFamily="49" charset="0"/>
+              </a:rPr>
+              <a:t>        2.0    16.0    39.5   101.6   149.8   562.0</a:t>
+            </a:r>
+          </a:p>
+          <a:p>
+            <a:endParaRPr lang="en-US" sz="1800" b="1" dirty="0">
+              <a:latin typeface="Courier New" panose="02070309020205020404" pitchFamily="49" charset="0"/>
+              <a:cs typeface="Courier New" panose="02070309020205020404" pitchFamily="49" charset="0"/>
+            </a:endParaRPr>
+          </a:p>
+          <a:p>
+            <a:r>
+              <a:rPr lang="en-US" sz="1800" b="1" dirty="0">
+                <a:latin typeface="Courier New" panose="02070309020205020404" pitchFamily="49" charset="0"/>
+                <a:cs typeface="Courier New" panose="02070309020205020404" pitchFamily="49" charset="0"/>
+              </a:rPr>
+              <a:t>age    Min. 1st Qu.  Median    Mean 3rd Qu.    Max. </a:t>
+            </a:r>
+          </a:p>
+          <a:p>
+            <a:r>
+              <a:rPr lang="en-US" sz="1800" b="1" dirty="0">
+                <a:latin typeface="Courier New" panose="02070309020205020404" pitchFamily="49" charset="0"/>
+                <a:cs typeface="Courier New" panose="02070309020205020404" pitchFamily="49" charset="0"/>
+              </a:rPr>
+              <a:t>       10.0    34.0    45.5    43.7    54.0    69.0</a:t>
+            </a:r>
+          </a:p>
+          <a:p>
+            <a:endParaRPr lang="en-US" sz="1800" b="1" dirty="0">
+              <a:latin typeface="Courier New" panose="02070309020205020404" pitchFamily="49" charset="0"/>
+              <a:cs typeface="Courier New" panose="02070309020205020404" pitchFamily="49" charset="0"/>
+            </a:endParaRPr>
+          </a:p>
+          <a:p>
+            <a:r>
+              <a:rPr lang="en-US" sz="1800" b="1" dirty="0">
+                <a:latin typeface="Courier New" panose="02070309020205020404" pitchFamily="49" charset="0"/>
+                <a:cs typeface="Courier New" panose="02070309020205020404" pitchFamily="49" charset="0"/>
+              </a:rPr>
+              <a:t>frail  Min. 1st Qu.  Median    Mean 3rd Qu.    Max. </a:t>
+            </a:r>
+          </a:p>
+          <a:p>
+            <a:r>
+              <a:rPr lang="en-US" sz="1800" b="1" dirty="0">
+                <a:latin typeface="Courier New" panose="02070309020205020404" pitchFamily="49" charset="0"/>
+                <a:cs typeface="Courier New" panose="02070309020205020404" pitchFamily="49" charset="0"/>
+              </a:rPr>
+              <a:t>      0.200   0.600   1.100   1.184   1.500   3.000</a:t>
+            </a:r>
+          </a:p>
+          <a:p>
+            <a:endParaRPr lang="en-US" sz="1800" b="1" dirty="0">
+              <a:latin typeface="Courier New" panose="02070309020205020404" pitchFamily="49" charset="0"/>
+              <a:cs typeface="Courier New" panose="02070309020205020404" pitchFamily="49" charset="0"/>
+            </a:endParaRPr>
+          </a:p>
+          <a:p>
+            <a:endParaRPr lang="en-US" sz="1800" b="1" dirty="0">
+              <a:latin typeface="Courier New" panose="02070309020205020404" pitchFamily="49" charset="0"/>
+              <a:cs typeface="Courier New" panose="02070309020205020404" pitchFamily="49" charset="0"/>
+            </a:endParaRPr>
+          </a:p>
+          <a:p>
+            <a:endParaRPr lang="en-US" sz="1800" b="1" dirty="0">
+              <a:latin typeface="Courier New" panose="02070309020205020404" pitchFamily="49" charset="0"/>
+              <a:cs typeface="Courier New" panose="02070309020205020404" pitchFamily="49" charset="0"/>
+            </a:endParaRPr>
+          </a:p>
+          <a:p>
+            <a:endParaRPr lang="en-US" sz="1800" b="1" dirty="0">
+              <a:latin typeface="Courier New" panose="02070309020205020404" pitchFamily="49" charset="0"/>
+              <a:cs typeface="Courier New" panose="02070309020205020404" pitchFamily="49" charset="0"/>
+            </a:endParaRPr>
+          </a:p>
+          <a:p>
+            <a:endParaRPr lang="en-US" sz="1800" b="1" dirty="0">
+              <a:latin typeface="Courier New" panose="02070309020205020404" pitchFamily="49" charset="0"/>
+              <a:cs typeface="Courier New" panose="02070309020205020404" pitchFamily="49" charset="0"/>
+            </a:endParaRPr>
+          </a:p>
+          <a:p>
+            <a:endParaRPr lang="en-US" sz="1800" b="1" dirty="0">
+              <a:latin typeface="Courier New" panose="02070309020205020404" pitchFamily="49" charset="0"/>
+              <a:cs typeface="Courier New" panose="02070309020205020404" pitchFamily="49" charset="0"/>
+            </a:endParaRPr>
+          </a:p>
+          <a:p>
+            <a:endParaRPr lang="en-US" sz="1800" b="1" dirty="0">
+              <a:latin typeface="Courier New" panose="02070309020205020404" pitchFamily="49" charset="0"/>
+              <a:cs typeface="Courier New" panose="02070309020205020404" pitchFamily="49" charset="0"/>
+            </a:endParaRPr>
+          </a:p>
+          <a:p>
+            <a:endParaRPr lang="en-US" sz="1800" b="1" dirty="0">
+              <a:latin typeface="Courier New" panose="02070309020205020404" pitchFamily="49" charset="0"/>
+              <a:cs typeface="Courier New" panose="02070309020205020404" pitchFamily="49" charset="0"/>
+            </a:endParaRPr>
+          </a:p>
+          <a:p>
+            <a:endParaRPr lang="en-US" sz="1800" b="1" dirty="0">
+              <a:latin typeface="Courier New" panose="02070309020205020404" pitchFamily="49" charset="0"/>
+              <a:cs typeface="Courier New" panose="02070309020205020404" pitchFamily="49" charset="0"/>
+            </a:endParaRPr>
+          </a:p>
+          <a:p>
+            <a:endParaRPr lang="en-US" sz="1800" b="1" dirty="0">
+              <a:latin typeface="Courier New" panose="02070309020205020404" pitchFamily="49" charset="0"/>
+              <a:cs typeface="Courier New" panose="02070309020205020404" pitchFamily="49" charset="0"/>
+            </a:endParaRPr>
+          </a:p>
+          <a:p>
+            <a:endParaRPr lang="en-US" sz="1800" b="1" dirty="0">
+              <a:latin typeface="Courier New" panose="02070309020205020404" pitchFamily="49" charset="0"/>
+              <a:cs typeface="Courier New" panose="02070309020205020404" pitchFamily="49" charset="0"/>
+            </a:endParaRPr>
+          </a:p>
+          <a:p>
+            <a:endParaRPr lang="en-US" sz="1800" b="1" dirty="0">
+              <a:latin typeface="Courier New" panose="02070309020205020404" pitchFamily="49" charset="0"/>
+              <a:cs typeface="Courier New" panose="02070309020205020404" pitchFamily="49" charset="0"/>
+            </a:endParaRPr>
+          </a:p>
+          <a:p>
+            <a:endParaRPr lang="en-US" sz="1800" b="1" dirty="0">
+              <a:latin typeface="Courier New" panose="02070309020205020404" pitchFamily="49" charset="0"/>
+              <a:cs typeface="Courier New" panose="02070309020205020404" pitchFamily="49" charset="0"/>
+            </a:endParaRPr>
+          </a:p>
+          <a:p>
+            <a:endParaRPr lang="en-US" sz="1800" b="1" dirty="0">
+              <a:latin typeface="Courier New" panose="02070309020205020404" pitchFamily="49" charset="0"/>
+              <a:cs typeface="Courier New" panose="02070309020205020404" pitchFamily="49" charset="0"/>
+            </a:endParaRPr>
+          </a:p>
+          <a:p>
+            <a:endParaRPr lang="en-US" sz="1800" b="1" dirty="0">
+              <a:latin typeface="Courier New" panose="02070309020205020404" pitchFamily="49" charset="0"/>
+              <a:cs typeface="Courier New" panose="02070309020205020404" pitchFamily="49" charset="0"/>
+            </a:endParaRPr>
+          </a:p>
+          <a:p>
+            <a:endParaRPr lang="en-US" sz="1800" b="1" dirty="0">
+              <a:latin typeface="Courier New" panose="02070309020205020404" pitchFamily="49" charset="0"/>
+              <a:cs typeface="Courier New" panose="02070309020205020404" pitchFamily="49" charset="0"/>
+            </a:endParaRPr>
+          </a:p>
+          <a:p>
+            <a:endParaRPr lang="en-US" sz="1800" b="1" dirty="0">
+              <a:latin typeface="Courier New" panose="02070309020205020404" pitchFamily="49" charset="0"/>
+              <a:cs typeface="Courier New" panose="02070309020205020404" pitchFamily="49" charset="0"/>
+            </a:endParaRPr>
+          </a:p>
+          <a:p>
+            <a:endParaRPr lang="en-US" sz="1800" b="1" dirty="0">
+              <a:latin typeface="Courier New" panose="02070309020205020404" pitchFamily="49" charset="0"/>
+              <a:cs typeface="Courier New" panose="02070309020205020404" pitchFamily="49" charset="0"/>
+            </a:endParaRPr>
+          </a:p>
+          <a:p>
+            <a:endParaRPr lang="en-US" sz="1800" b="1" dirty="0">
+              <a:latin typeface="Courier New" panose="02070309020205020404" pitchFamily="49" charset="0"/>
+              <a:cs typeface="Courier New" panose="02070309020205020404" pitchFamily="49" charset="0"/>
+            </a:endParaRPr>
+          </a:p>
+          <a:p>
+            <a:endParaRPr lang="en-US" sz="1800" b="1" dirty="0">
+              <a:latin typeface="Courier New" panose="02070309020205020404" pitchFamily="49" charset="0"/>
+              <a:cs typeface="Courier New" panose="02070309020205020404" pitchFamily="49" charset="0"/>
+            </a:endParaRPr>
+          </a:p>
+          <a:p>
+            <a:endParaRPr lang="en-US" sz="1800" b="1" dirty="0">
+              <a:latin typeface="Courier New" panose="02070309020205020404" pitchFamily="49" charset="0"/>
+              <a:cs typeface="Courier New" panose="02070309020205020404" pitchFamily="49" charset="0"/>
+            </a:endParaRPr>
+          </a:p>
+          <a:p>
+            <a:endParaRPr lang="en-US" sz="1800" b="1" dirty="0">
+              <a:latin typeface="Courier New" panose="02070309020205020404" pitchFamily="49" charset="0"/>
+              <a:cs typeface="Courier New" panose="02070309020205020404" pitchFamily="49" charset="0"/>
+            </a:endParaRPr>
+          </a:p>
+          <a:p>
+            <a:endParaRPr lang="en-US" sz="1800" b="1" dirty="0">
+              <a:latin typeface="Courier New" panose="02070309020205020404" pitchFamily="49" charset="0"/>
+              <a:cs typeface="Courier New" panose="02070309020205020404" pitchFamily="49" charset="0"/>
+            </a:endParaRPr>
+          </a:p>
+          <a:p>
+            <a:endParaRPr lang="en-US" sz="1800" b="1" dirty="0">
+              <a:latin typeface="Courier New" panose="02070309020205020404" pitchFamily="49" charset="0"/>
+              <a:cs typeface="Courier New" panose="02070309020205020404" pitchFamily="49" charset="0"/>
+            </a:endParaRPr>
+          </a:p>
+          <a:p>
+            <a:endParaRPr lang="en-US" sz="1800" b="1" dirty="0">
+              <a:latin typeface="Courier New" panose="02070309020205020404" pitchFamily="49" charset="0"/>
+              <a:cs typeface="Courier New" panose="02070309020205020404" pitchFamily="49" charset="0"/>
+            </a:endParaRPr>
+          </a:p>
+          <a:p>
+            <a:endParaRPr lang="en-US" sz="1800" b="1" dirty="0">
+              <a:latin typeface="Courier New" panose="02070309020205020404" pitchFamily="49" charset="0"/>
+              <a:cs typeface="Courier New" panose="02070309020205020404" pitchFamily="49" charset="0"/>
+            </a:endParaRPr>
+          </a:p>
+          <a:p>
+            <a:endParaRPr lang="en-US" sz="1800" b="1" dirty="0">
+              <a:latin typeface="Courier New" panose="02070309020205020404" pitchFamily="49" charset="0"/>
+              <a:cs typeface="Courier New" panose="02070309020205020404" pitchFamily="49" charset="0"/>
+            </a:endParaRPr>
+          </a:p>
+          <a:p>
+            <a:endParaRPr lang="en-US" sz="1800" b="1" dirty="0">
+              <a:latin typeface="Courier New" panose="02070309020205020404" pitchFamily="49" charset="0"/>
+              <a:cs typeface="Courier New" panose="02070309020205020404" pitchFamily="49" charset="0"/>
+            </a:endParaRPr>
+          </a:p>
+          <a:p>
+            <a:endParaRPr lang="en-US" sz="1800" b="1" dirty="0">
+              <a:latin typeface="Courier New" panose="02070309020205020404" pitchFamily="49" charset="0"/>
+              <a:cs typeface="Courier New" panose="02070309020205020404" pitchFamily="49" charset="0"/>
+            </a:endParaRPr>
+          </a:p>
+          <a:p>
+            <a:endParaRPr lang="en-US" sz="1800" b="1" dirty="0">
+              <a:latin typeface="Courier New" panose="02070309020205020404" pitchFamily="49" charset="0"/>
+              <a:cs typeface="Courier New" panose="02070309020205020404" pitchFamily="49" charset="0"/>
+            </a:endParaRPr>
+          </a:p>
+          <a:p>
+            <a:endParaRPr lang="en-US" sz="1800" b="1" dirty="0">
+              <a:latin typeface="Courier New" panose="02070309020205020404" pitchFamily="49" charset="0"/>
+              <a:cs typeface="Courier New" panose="02070309020205020404" pitchFamily="49" charset="0"/>
+            </a:endParaRPr>
+          </a:p>
+          <a:p>
+            <a:endParaRPr lang="en-US" sz="1800" b="1" dirty="0">
+              <a:latin typeface="Courier New" panose="02070309020205020404" pitchFamily="49" charset="0"/>
+              <a:cs typeface="Courier New" panose="02070309020205020404" pitchFamily="49" charset="0"/>
+            </a:endParaRPr>
+          </a:p>
+          <a:p>
+            <a:endParaRPr lang="en-US" sz="1800" b="1" dirty="0">
+              <a:latin typeface="Courier New" panose="02070309020205020404" pitchFamily="49" charset="0"/>
+              <a:cs typeface="Courier New" panose="02070309020205020404" pitchFamily="49" charset="0"/>
+            </a:endParaRPr>
+          </a:p>
+          <a:p>
+            <a:endParaRPr lang="en-US" sz="1800" b="1" dirty="0">
+              <a:latin typeface="Courier New" panose="02070309020205020404" pitchFamily="49" charset="0"/>
+              <a:cs typeface="Courier New" panose="02070309020205020404" pitchFamily="49" charset="0"/>
+            </a:endParaRPr>
+          </a:p>
+          <a:p>
+            <a:endParaRPr lang="en-US" sz="1800" b="1" dirty="0">
+              <a:latin typeface="Courier New" panose="02070309020205020404" pitchFamily="49" charset="0"/>
+              <a:cs typeface="Courier New" panose="02070309020205020404" pitchFamily="49" charset="0"/>
+            </a:endParaRPr>
+          </a:p>
+          <a:p>
+            <a:endParaRPr lang="en-US" sz="1800" b="1" dirty="0">
+              <a:latin typeface="Courier New" panose="02070309020205020404" pitchFamily="49" charset="0"/>
+              <a:cs typeface="Courier New" panose="02070309020205020404" pitchFamily="49" charset="0"/>
+            </a:endParaRPr>
+          </a:p>
+          <a:p>
+            <a:endParaRPr lang="en-US" sz="1800" b="1" dirty="0">
+              <a:latin typeface="Courier New" panose="02070309020205020404" pitchFamily="49" charset="0"/>
+              <a:cs typeface="Courier New" panose="02070309020205020404" pitchFamily="49" charset="0"/>
+            </a:endParaRPr>
+          </a:p>
+          <a:p>
+            <a:endParaRPr lang="en-US" sz="1800" b="1" dirty="0">
+              <a:latin typeface="Courier New" panose="02070309020205020404" pitchFamily="49" charset="0"/>
+              <a:cs typeface="Courier New" panose="02070309020205020404" pitchFamily="49" charset="0"/>
+            </a:endParaRPr>
+          </a:p>
+          <a:p>
+            <a:endParaRPr lang="en-US" sz="1800" b="1" dirty="0">
+              <a:latin typeface="Courier New" panose="02070309020205020404" pitchFamily="49" charset="0"/>
+              <a:cs typeface="Courier New" panose="02070309020205020404" pitchFamily="49" charset="0"/>
+            </a:endParaRPr>
+          </a:p>
+          <a:p>
+            <a:endParaRPr lang="en-US" sz="1800" b="1" dirty="0">
+              <a:latin typeface="Courier New" panose="02070309020205020404" pitchFamily="49" charset="0"/>
+              <a:cs typeface="Courier New" panose="02070309020205020404" pitchFamily="49" charset="0"/>
+            </a:endParaRPr>
+          </a:p>
+          <a:p>
+            <a:endParaRPr lang="en-US" sz="1800" b="1" dirty="0">
+              <a:latin typeface="Courier New" panose="02070309020205020404" pitchFamily="49" charset="0"/>
+              <a:cs typeface="Courier New" panose="02070309020205020404" pitchFamily="49" charset="0"/>
+            </a:endParaRPr>
+          </a:p>
+          <a:p>
+            <a:endParaRPr lang="en-US" sz="1800" b="1" dirty="0">
+              <a:latin typeface="Courier New" panose="02070309020205020404" pitchFamily="49" charset="0"/>
+              <a:cs typeface="Courier New" panose="02070309020205020404" pitchFamily="49" charset="0"/>
+            </a:endParaRPr>
+          </a:p>
+          <a:p>
+            <a:endParaRPr lang="en-US" sz="1800" b="1" dirty="0">
+              <a:latin typeface="Courier New" panose="02070309020205020404" pitchFamily="49" charset="0"/>
+              <a:cs typeface="Courier New" panose="02070309020205020404" pitchFamily="49" charset="0"/>
+            </a:endParaRPr>
+          </a:p>
+          <a:p>
+            <a:endParaRPr lang="en-US" sz="1800" b="1" dirty="0">
+              <a:latin typeface="Courier New" panose="02070309020205020404" pitchFamily="49" charset="0"/>
+              <a:cs typeface="Courier New" panose="02070309020205020404" pitchFamily="49" charset="0"/>
+            </a:endParaRPr>
+          </a:p>
+          <a:p>
+            <a:endParaRPr lang="en-US" sz="1800" b="1" dirty="0">
+              <a:latin typeface="Courier New" panose="02070309020205020404" pitchFamily="49" charset="0"/>
+              <a:cs typeface="Courier New" panose="02070309020205020404" pitchFamily="49" charset="0"/>
+            </a:endParaRPr>
+          </a:p>
+          <a:p>
+            <a:endParaRPr lang="en-US" sz="1800" b="1" dirty="0">
+              <a:latin typeface="Courier New" panose="02070309020205020404" pitchFamily="49" charset="0"/>
+              <a:cs typeface="Courier New" panose="02070309020205020404" pitchFamily="49" charset="0"/>
+            </a:endParaRPr>
+          </a:p>
+          <a:p>
+            <a:endParaRPr lang="en-US" sz="1800" b="1" dirty="0">
+              <a:latin typeface="Courier New" panose="02070309020205020404" pitchFamily="49" charset="0"/>
+              <a:cs typeface="Courier New" panose="02070309020205020404" pitchFamily="49" charset="0"/>
+            </a:endParaRPr>
+          </a:p>
+          <a:p>
+            <a:endParaRPr lang="en-US" sz="1800" b="1" dirty="0">
+              <a:latin typeface="Courier New" panose="02070309020205020404" pitchFamily="49" charset="0"/>
+              <a:cs typeface="Courier New" panose="02070309020205020404" pitchFamily="49" charset="0"/>
+            </a:endParaRPr>
+          </a:p>
+          <a:p>
+            <a:endParaRPr lang="en-US" sz="1800" b="1" dirty="0">
+              <a:latin typeface="Courier New" panose="02070309020205020404" pitchFamily="49" charset="0"/>
+              <a:cs typeface="Courier New" panose="02070309020205020404" pitchFamily="49" charset="0"/>
+            </a:endParaRPr>
+          </a:p>
+          <a:p>
+            <a:endParaRPr lang="en-US" sz="1800" b="1" dirty="0">
+              <a:latin typeface="Courier New" panose="02070309020205020404" pitchFamily="49" charset="0"/>
+              <a:cs typeface="Courier New" panose="02070309020205020404" pitchFamily="49" charset="0"/>
+            </a:endParaRPr>
+          </a:p>
+          <a:p>
+            <a:endParaRPr lang="en-US" sz="1800" b="1" dirty="0">
+              <a:latin typeface="Courier New" panose="02070309020205020404" pitchFamily="49" charset="0"/>
+              <a:cs typeface="Courier New" panose="02070309020205020404" pitchFamily="49" charset="0"/>
+            </a:endParaRPr>
+          </a:p>
+          <a:p>
+            <a:endParaRPr lang="en-US" sz="1800" b="1" dirty="0">
+              <a:latin typeface="Courier New" panose="02070309020205020404" pitchFamily="49" charset="0"/>
+              <a:cs typeface="Courier New" panose="02070309020205020404" pitchFamily="49" charset="0"/>
+            </a:endParaRPr>
+          </a:p>
+          <a:p>
+            <a:endParaRPr lang="en-US" sz="1800" b="1" dirty="0">
+              <a:latin typeface="Courier New" panose="02070309020205020404" pitchFamily="49" charset="0"/>
+              <a:cs typeface="Courier New" panose="02070309020205020404" pitchFamily="49" charset="0"/>
+            </a:endParaRPr>
+          </a:p>
+          <a:p>
+            <a:endParaRPr lang="en-US" sz="1800" b="1" dirty="0">
+              <a:latin typeface="Courier New" panose="02070309020205020404" pitchFamily="49" charset="0"/>
+              <a:cs typeface="Courier New" panose="02070309020205020404" pitchFamily="49" charset="0"/>
+            </a:endParaRPr>
+          </a:p>
+          <a:p>
+            <a:endParaRPr lang="en-US" sz="1800" b="1" dirty="0">
+              <a:latin typeface="Courier New" panose="02070309020205020404" pitchFamily="49" charset="0"/>
+              <a:cs typeface="Courier New" panose="02070309020205020404" pitchFamily="49" charset="0"/>
+            </a:endParaRPr>
+          </a:p>
+          <a:p>
+            <a:endParaRPr lang="en-US" sz="1800" b="1" dirty="0">
+              <a:latin typeface="Courier New" panose="02070309020205020404" pitchFamily="49" charset="0"/>
+              <a:cs typeface="Courier New" panose="02070309020205020404" pitchFamily="49" charset="0"/>
+            </a:endParaRPr>
+          </a:p>
+          <a:p>
+            <a:endParaRPr lang="en-US" sz="1800" b="1" dirty="0">
+              <a:latin typeface="Courier New" panose="02070309020205020404" pitchFamily="49" charset="0"/>
+              <a:cs typeface="Courier New" panose="02070309020205020404" pitchFamily="49" charset="0"/>
+            </a:endParaRPr>
+          </a:p>
+          <a:p>
+            <a:endParaRPr lang="en-US" sz="1800" b="1" dirty="0">
+              <a:latin typeface="Courier New" panose="02070309020205020404" pitchFamily="49" charset="0"/>
+              <a:cs typeface="Courier New" panose="02070309020205020404" pitchFamily="49" charset="0"/>
+            </a:endParaRPr>
+          </a:p>
+          <a:p>
+            <a:r>
+              <a:rPr lang="en-US" sz="1800" b="1" dirty="0">
+                <a:latin typeface="Courier New" panose="02070309020205020404" pitchFamily="49" charset="0"/>
+                <a:cs typeface="Courier New" panose="02070309020205020404" pitchFamily="49" charset="0"/>
+              </a:rPr>
+              <a:t>   Min. 1st Qu.  Median    Mean 3rd Qu.    Max. </a:t>
+            </a:r>
+          </a:p>
+          <a:p>
+            <a:r>
+              <a:rPr lang="en-US" sz="1800" b="1" dirty="0">
+                <a:latin typeface="Courier New" panose="02070309020205020404" pitchFamily="49" charset="0"/>
+                <a:cs typeface="Courier New" panose="02070309020205020404" pitchFamily="49" charset="0"/>
+              </a:rPr>
+              <a:t>  0.200   0.600   1.100   1.184   1.500   3.000</a:t>
+            </a:r>
+          </a:p>
+        </p:txBody>
+      </p:sp>
+      <p:sp>
+        <p:nvSpPr>
+          <p:cNvPr id="4" name="Footer Placeholder 3"/>
+          <p:cNvSpPr>
+            <a:spLocks noGrp="1"/>
+          </p:cNvSpPr>
+          <p:nvPr>
+            <p:ph type="ftr" sz="quarter" idx="10"/>
+          </p:nvPr>
+        </p:nvSpPr>
+        <p:spPr/>
+        <p:txBody>
+          <a:bodyPr/>
+          <a:lstStyle/>
+          <a:p>
+            <a:pPr>
+              <a:defRPr/>
+            </a:pPr>
+            <a:r>
+              <a:rPr lang="en-US" altLang="en-US" dirty="0"/>
+              <a:t>©2018 Steve Simon    http://TheAnalysisFactor.com</a:t>
+            </a:r>
+          </a:p>
+        </p:txBody>
+      </p:sp>
+      <p:sp>
+        <p:nvSpPr>
+          <p:cNvPr id="5" name="Slide Number Placeholder 4"/>
+          <p:cNvSpPr>
+            <a:spLocks noGrp="1"/>
+          </p:cNvSpPr>
+          <p:nvPr>
+            <p:ph type="sldNum" sz="quarter" idx="11"/>
+          </p:nvPr>
+        </p:nvSpPr>
+        <p:spPr/>
+        <p:txBody>
+          <a:bodyPr/>
+          <a:lstStyle/>
+          <a:p>
+            <a:pPr>
+              <a:defRPr/>
+            </a:pPr>
+            <a:endParaRPr lang="en-US"/>
+          </a:p>
+          <a:p>
+            <a:pPr>
+              <a:defRPr/>
+            </a:pPr>
+            <a:fld id="{E9A8CBA3-AA2B-46A6-BFA3-DCEBEAAB3F0A}" type="slidenum">
+              <a:rPr lang="en-US" smtClean="0"/>
+              <a:pPr>
+                <a:defRPr/>
+              </a:pPr>
+              <a:t>34</a:t>
+            </a:fld>
+            <a:endParaRPr lang="en-US"/>
+          </a:p>
+        </p:txBody>
+      </p:sp>
+      <p:sp>
+        <p:nvSpPr>
+          <p:cNvPr id="6" name="Text Placeholder 5"/>
+          <p:cNvSpPr>
+            <a:spLocks noGrp="1"/>
+          </p:cNvSpPr>
+          <p:nvPr>
+            <p:ph type="body" sz="quarter" idx="12"/>
+          </p:nvPr>
+        </p:nvSpPr>
+        <p:spPr/>
+        <p:txBody>
+          <a:bodyPr/>
+          <a:lstStyle/>
+          <a:p>
+            <a:r>
+              <a:rPr lang="en-US" dirty="0">
+                <a:cs typeface="Calibri" panose="020F0502020204030204" pitchFamily="34" charset="0"/>
+              </a:rPr>
+              <a:t>Descriptive statistics.</a:t>
+            </a:r>
+          </a:p>
+        </p:txBody>
+      </p:sp>
+    </p:spTree>
+    <p:extLst>
+      <p:ext uri="{BB962C8B-B14F-4D97-AF65-F5344CB8AC3E}">
+        <p14:creationId xmlns:p14="http://schemas.microsoft.com/office/powerpoint/2010/main" val="491449933"/>
+      </p:ext>
+    </p:extLst>
+  </p:cSld>
+  <p:clrMapOvr>
+    <a:masterClrMapping/>
+  </p:clrMapOvr>
+</p:sld>
+</file>
+
+<file path=ppt/slides/slide35.xml><?xml version="1.0" encoding="utf-8"?>
+<p:sld xmlns:a="http://schemas.openxmlformats.org/drawingml/2006/main" xmlns:r="http://schemas.openxmlformats.org/officeDocument/2006/relationships" xmlns:p="http://schemas.openxmlformats.org/presentationml/2006/main">
+  <p:cSld>
+    <p:spTree>
+      <p:nvGrpSpPr>
+        <p:cNvPr id="1" name=""/>
+        <p:cNvGrpSpPr/>
+        <p:nvPr/>
+      </p:nvGrpSpPr>
+      <p:grpSpPr>
+        <a:xfrm>
+          <a:off x="0" y="0"/>
+          <a:ext cx="0" cy="0"/>
+          <a:chOff x="0" y="0"/>
+          <a:chExt cx="0" cy="0"/>
+        </a:xfrm>
+      </p:grpSpPr>
+      <p:sp>
+        <p:nvSpPr>
+          <p:cNvPr id="2" name="Title 1"/>
+          <p:cNvSpPr>
+            <a:spLocks noGrp="1"/>
+          </p:cNvSpPr>
+          <p:nvPr>
+            <p:ph type="title"/>
+          </p:nvPr>
+        </p:nvSpPr>
+        <p:spPr/>
+        <p:txBody>
+          <a:bodyPr/>
+          <a:lstStyle/>
+          <a:p>
+            <a:r>
+              <a:rPr lang="en-US" dirty="0"/>
+              <a:t>Kidney data set</a:t>
+            </a:r>
+          </a:p>
+        </p:txBody>
+      </p:sp>
+      <p:sp>
+        <p:nvSpPr>
+          <p:cNvPr id="4" name="Footer Placeholder 3"/>
+          <p:cNvSpPr>
+            <a:spLocks noGrp="1"/>
+          </p:cNvSpPr>
+          <p:nvPr>
+            <p:ph type="ftr" sz="quarter" idx="10"/>
+          </p:nvPr>
+        </p:nvSpPr>
+        <p:spPr/>
+        <p:txBody>
+          <a:bodyPr/>
+          <a:lstStyle/>
+          <a:p>
+            <a:pPr>
+              <a:defRPr/>
+            </a:pPr>
+            <a:r>
+              <a:rPr lang="en-US" altLang="en-US" dirty="0"/>
+              <a:t>©2018 Steve Simon    http://TheAnalysisFactor.com</a:t>
+            </a:r>
+          </a:p>
+        </p:txBody>
+      </p:sp>
+      <p:sp>
+        <p:nvSpPr>
+          <p:cNvPr id="5" name="Slide Number Placeholder 4"/>
+          <p:cNvSpPr>
+            <a:spLocks noGrp="1"/>
+          </p:cNvSpPr>
+          <p:nvPr>
+            <p:ph type="sldNum" sz="quarter" idx="11"/>
+          </p:nvPr>
+        </p:nvSpPr>
+        <p:spPr/>
+        <p:txBody>
+          <a:bodyPr/>
+          <a:lstStyle/>
+          <a:p>
+            <a:pPr>
+              <a:defRPr/>
+            </a:pPr>
+            <a:endParaRPr lang="en-US"/>
+          </a:p>
+          <a:p>
+            <a:pPr>
+              <a:defRPr/>
+            </a:pPr>
+            <a:fld id="{E9A8CBA3-AA2B-46A6-BFA3-DCEBEAAB3F0A}" type="slidenum">
+              <a:rPr lang="en-US" smtClean="0"/>
+              <a:pPr>
+                <a:defRPr/>
+              </a:pPr>
+              <a:t>35</a:t>
+            </a:fld>
+            <a:endParaRPr lang="en-US"/>
+          </a:p>
+        </p:txBody>
+      </p:sp>
+      <p:pic>
+        <p:nvPicPr>
+          <p:cNvPr id="3" name="Picture 2">
+            <a:extLst>
+              <a:ext uri="{FF2B5EF4-FFF2-40B4-BE49-F238E27FC236}">
+                <a16:creationId xmlns:a16="http://schemas.microsoft.com/office/drawing/2014/main" id="{F41C9F02-4147-447D-A57E-3BDFDF8CF3AF}"/>
               </a:ext>
             </a:extLst>
           </p:cNvPr>
@@ -7496,7 +10000,7 @@
 </p:sld>
 </file>
 
-<file path=ppt/slides/slide24.xml><?xml version="1.0" encoding="utf-8"?>
+<file path=ppt/slides/slide36.xml><?xml version="1.0" encoding="utf-8"?>
 <p:sld xmlns:a="http://schemas.openxmlformats.org/drawingml/2006/main" xmlns:r="http://schemas.openxmlformats.org/officeDocument/2006/relationships" xmlns:p="http://schemas.openxmlformats.org/presentationml/2006/main">
   <p:cSld>
     <p:spTree>
@@ -7530,7 +10034,7 @@
           <a:p>
             <a:r>
               <a:rPr lang="en-US" dirty="0"/>
-              <a:t>Cluster models</a:t>
+              <a:t>Kidney data set</a:t>
             </a:r>
           </a:p>
         </p:txBody>
@@ -7589,7 +10093,149 @@
               <a:pPr>
                 <a:defRPr/>
               </a:pPr>
-              <a:t>24</a:t>
+              <a:t>36</a:t>
+            </a:fld>
+            <a:endParaRPr lang="en-US"/>
+          </a:p>
+        </p:txBody>
+      </p:sp>
+      <p:pic>
+        <p:nvPicPr>
+          <p:cNvPr id="3" name="Picture 2">
+            <a:extLst>
+              <a:ext uri="{FF2B5EF4-FFF2-40B4-BE49-F238E27FC236}">
+                <a16:creationId xmlns:a16="http://schemas.microsoft.com/office/drawing/2014/main" id="{883423A3-510B-455F-B5D7-3AD432B6BD84}"/>
+              </a:ext>
+            </a:extLst>
+          </p:cNvPr>
+          <p:cNvPicPr>
+            <a:picLocks noChangeAspect="1"/>
+          </p:cNvPicPr>
+          <p:nvPr/>
+        </p:nvPicPr>
+        <p:blipFill>
+          <a:blip r:embed="rId2"/>
+          <a:stretch>
+            <a:fillRect/>
+          </a:stretch>
+        </p:blipFill>
+        <p:spPr>
+          <a:xfrm>
+            <a:off x="457714" y="1143285"/>
+            <a:ext cx="8228571" cy="4571429"/>
+          </a:xfrm>
+          <a:prstGeom prst="rect">
+            <a:avLst/>
+          </a:prstGeom>
+        </p:spPr>
+      </p:pic>
+    </p:spTree>
+    <p:extLst>
+      <p:ext uri="{BB962C8B-B14F-4D97-AF65-F5344CB8AC3E}">
+        <p14:creationId xmlns:p14="http://schemas.microsoft.com/office/powerpoint/2010/main" val="192740858"/>
+      </p:ext>
+    </p:extLst>
+  </p:cSld>
+  <p:clrMapOvr>
+    <a:masterClrMapping/>
+  </p:clrMapOvr>
+</p:sld>
+</file>
+
+<file path=ppt/slides/slide37.xml><?xml version="1.0" encoding="utf-8"?>
+<p:sld xmlns:a="http://schemas.openxmlformats.org/drawingml/2006/main" xmlns:r="http://schemas.openxmlformats.org/officeDocument/2006/relationships" xmlns:p="http://schemas.openxmlformats.org/presentationml/2006/main">
+  <p:cSld>
+    <p:spTree>
+      <p:nvGrpSpPr>
+        <p:cNvPr id="1" name=""/>
+        <p:cNvGrpSpPr/>
+        <p:nvPr/>
+      </p:nvGrpSpPr>
+      <p:grpSpPr>
+        <a:xfrm>
+          <a:off x="0" y="0"/>
+          <a:ext cx="0" cy="0"/>
+          <a:chOff x="0" y="0"/>
+          <a:chExt cx="0" cy="0"/>
+        </a:xfrm>
+      </p:grpSpPr>
+      <p:sp>
+        <p:nvSpPr>
+          <p:cNvPr id="2" name="Title 1"/>
+          <p:cNvSpPr>
+            <a:spLocks noGrp="1"/>
+          </p:cNvSpPr>
+          <p:nvPr>
+            <p:ph type="title"/>
+          </p:nvPr>
+        </p:nvSpPr>
+        <p:spPr/>
+        <p:txBody>
+          <a:bodyPr/>
+          <a:lstStyle/>
+          <a:p>
+            <a:r>
+              <a:rPr lang="en-US" dirty="0"/>
+              <a:t>Cluster models</a:t>
+            </a:r>
+          </a:p>
+        </p:txBody>
+      </p:sp>
+      <p:sp>
+        <p:nvSpPr>
+          <p:cNvPr id="4" name="Footer Placeholder 3"/>
+          <p:cNvSpPr>
+            <a:spLocks noGrp="1"/>
+          </p:cNvSpPr>
+          <p:nvPr>
+            <p:ph type="ftr" sz="quarter" idx="10"/>
+          </p:nvPr>
+        </p:nvSpPr>
+        <p:spPr/>
+        <p:txBody>
+          <a:bodyPr/>
+          <a:lstStyle/>
+          <a:p>
+            <a:pPr>
+              <a:defRPr/>
+            </a:pPr>
+            <a:r>
+              <a:rPr lang="en-US" altLang="en-US" dirty="0"/>
+              <a:t>©2018 Steve Simon    http://TheAnalysisFactor.com</a:t>
+            </a:r>
+          </a:p>
+        </p:txBody>
+      </p:sp>
+      <p:sp>
+        <p:nvSpPr>
+          <p:cNvPr id="5" name="Slide Number Placeholder 4"/>
+          <p:cNvSpPr>
+            <a:spLocks noGrp="1"/>
+          </p:cNvSpPr>
+          <p:nvPr>
+            <p:ph type="sldNum" sz="quarter" idx="11"/>
+          </p:nvPr>
+        </p:nvSpPr>
+        <p:spPr/>
+        <p:txBody>
+          <a:bodyPr/>
+          <a:lstStyle/>
+          <a:p>
+            <a:pPr>
+              <a:defRPr/>
+            </a:pPr>
+            <a:endParaRPr lang="en-US"/>
+          </a:p>
+          <a:p>
+            <a:pPr>
+              <a:defRPr/>
+            </a:pPr>
+            <a:fld id="{E9A8CBA3-AA2B-46A6-BFA3-DCEBEAAB3F0A}" type="slidenum">
+              <a:rPr lang="en-US" smtClean="0"/>
+              <a:pPr>
+                <a:defRPr/>
+              </a:pPr>
+              <a:t>37</a:t>
             </a:fld>
             <a:endParaRPr lang="en-US"/>
           </a:p>
@@ -7638,7 +10284,7 @@
 </p:sld>
 </file>
 
-<file path=ppt/slides/slide25.xml><?xml version="1.0" encoding="utf-8"?>
+<file path=ppt/slides/slide38.xml><?xml version="1.0" encoding="utf-8"?>
 <p:sld xmlns:a="http://schemas.openxmlformats.org/drawingml/2006/main" xmlns:r="http://schemas.openxmlformats.org/officeDocument/2006/relationships" xmlns:p="http://schemas.openxmlformats.org/presentationml/2006/main">
   <p:cSld>
     <p:spTree>
@@ -7672,7 +10318,107 @@
           <a:p>
             <a:r>
               <a:rPr lang="en-US" dirty="0"/>
-              <a:t>Frailty models</a:t>
+              <a:t>Ashkenazi data set</a:t>
+            </a:r>
+          </a:p>
+        </p:txBody>
+      </p:sp>
+      <p:sp>
+        <p:nvSpPr>
+          <p:cNvPr id="3" name="Text Placeholder 2"/>
+          <p:cNvSpPr>
+            <a:spLocks noGrp="1"/>
+          </p:cNvSpPr>
+          <p:nvPr>
+            <p:ph type="body" idx="1"/>
+          </p:nvPr>
+        </p:nvSpPr>
+        <p:spPr/>
+        <p:txBody>
+          <a:bodyPr/>
+          <a:lstStyle/>
+          <a:p>
+            <a:r>
+              <a:rPr lang="en-US" sz="1800" dirty="0">
+                <a:latin typeface="Courier New" panose="02070309020205020404" pitchFamily="49" charset="0"/>
+                <a:cs typeface="Courier New" panose="02070309020205020404" pitchFamily="49" charset="0"/>
+              </a:rPr>
+              <a:t>        </a:t>
+            </a:r>
+            <a:r>
+              <a:rPr lang="en-US" sz="1800" dirty="0" err="1">
+                <a:latin typeface="Courier New" panose="02070309020205020404" pitchFamily="49" charset="0"/>
+                <a:cs typeface="Courier New" panose="02070309020205020404" pitchFamily="49" charset="0"/>
+              </a:rPr>
+              <a:t>coef</a:t>
+            </a:r>
+            <a:r>
+              <a:rPr lang="en-US" sz="1800" dirty="0">
+                <a:latin typeface="Courier New" panose="02070309020205020404" pitchFamily="49" charset="0"/>
+                <a:cs typeface="Courier New" panose="02070309020205020404" pitchFamily="49" charset="0"/>
+              </a:rPr>
+              <a:t> exp(</a:t>
+            </a:r>
+            <a:r>
+              <a:rPr lang="en-US" sz="1800" dirty="0" err="1">
+                <a:latin typeface="Courier New" panose="02070309020205020404" pitchFamily="49" charset="0"/>
+                <a:cs typeface="Courier New" panose="02070309020205020404" pitchFamily="49" charset="0"/>
+              </a:rPr>
+              <a:t>coef</a:t>
+            </a:r>
+            <a:r>
+              <a:rPr lang="en-US" sz="1800" dirty="0">
+                <a:latin typeface="Courier New" panose="02070309020205020404" pitchFamily="49" charset="0"/>
+                <a:cs typeface="Courier New" panose="02070309020205020404" pitchFamily="49" charset="0"/>
+              </a:rPr>
+              <a:t>) se(</a:t>
+            </a:r>
+            <a:r>
+              <a:rPr lang="en-US" sz="1800" dirty="0" err="1">
+                <a:latin typeface="Courier New" panose="02070309020205020404" pitchFamily="49" charset="0"/>
+                <a:cs typeface="Courier New" panose="02070309020205020404" pitchFamily="49" charset="0"/>
+              </a:rPr>
+              <a:t>coef</a:t>
+            </a:r>
+            <a:r>
+              <a:rPr lang="en-US" sz="1800" dirty="0">
+                <a:latin typeface="Courier New" panose="02070309020205020404" pitchFamily="49" charset="0"/>
+                <a:cs typeface="Courier New" panose="02070309020205020404" pitchFamily="49" charset="0"/>
+              </a:rPr>
+              <a:t>) robust se    z     p</a:t>
+            </a:r>
+          </a:p>
+          <a:p>
+            <a:r>
+              <a:rPr lang="en-US" sz="1800" dirty="0">
+                <a:latin typeface="Courier New" panose="02070309020205020404" pitchFamily="49" charset="0"/>
+                <a:cs typeface="Courier New" panose="02070309020205020404" pitchFamily="49" charset="0"/>
+              </a:rPr>
+              <a:t>mutant 1.191     3.290    0.198     0.202 5.89 4e-09</a:t>
+            </a:r>
+          </a:p>
+          <a:p>
+            <a:endParaRPr lang="en-US" sz="1800" dirty="0">
+              <a:latin typeface="Courier New" panose="02070309020205020404" pitchFamily="49" charset="0"/>
+              <a:cs typeface="Courier New" panose="02070309020205020404" pitchFamily="49" charset="0"/>
+            </a:endParaRPr>
+          </a:p>
+          <a:p>
+            <a:r>
+              <a:rPr lang="en-US" sz="1800" dirty="0">
+                <a:latin typeface="Courier New" panose="02070309020205020404" pitchFamily="49" charset="0"/>
+                <a:cs typeface="Courier New" panose="02070309020205020404" pitchFamily="49" charset="0"/>
+              </a:rPr>
+              <a:t>Likelihood ratio test=25.9  on 1 df, p=3.55e-07</a:t>
+            </a:r>
+          </a:p>
+          <a:p>
+            <a:r>
+              <a:rPr lang="en-US" sz="1800" dirty="0">
+                <a:latin typeface="Courier New" panose="02070309020205020404" pitchFamily="49" charset="0"/>
+                <a:cs typeface="Courier New" panose="02070309020205020404" pitchFamily="49" charset="0"/>
+              </a:rPr>
+              <a:t>n= 3920, number of events= 473</a:t>
             </a:r>
           </a:p>
         </p:txBody>
@@ -7731,7 +10477,143 @@
               <a:pPr>
                 <a:defRPr/>
               </a:pPr>
-              <a:t>25</a:t>
+              <a:t>38</a:t>
+            </a:fld>
+            <a:endParaRPr lang="en-US"/>
+          </a:p>
+        </p:txBody>
+      </p:sp>
+      <p:sp>
+        <p:nvSpPr>
+          <p:cNvPr id="6" name="Text Placeholder 5"/>
+          <p:cNvSpPr>
+            <a:spLocks noGrp="1"/>
+          </p:cNvSpPr>
+          <p:nvPr>
+            <p:ph type="body" sz="quarter" idx="12"/>
+          </p:nvPr>
+        </p:nvSpPr>
+        <p:spPr/>
+        <p:txBody>
+          <a:bodyPr/>
+          <a:lstStyle/>
+          <a:p>
+            <a:r>
+              <a:rPr lang="en-US" dirty="0">
+                <a:cs typeface="Calibri" panose="020F0502020204030204" pitchFamily="34" charset="0"/>
+              </a:rPr>
+              <a:t>Cluster model</a:t>
+            </a:r>
+          </a:p>
+        </p:txBody>
+      </p:sp>
+    </p:spTree>
+    <p:extLst>
+      <p:ext uri="{BB962C8B-B14F-4D97-AF65-F5344CB8AC3E}">
+        <p14:creationId xmlns:p14="http://schemas.microsoft.com/office/powerpoint/2010/main" val="2908153905"/>
+      </p:ext>
+    </p:extLst>
+  </p:cSld>
+  <p:clrMapOvr>
+    <a:masterClrMapping/>
+  </p:clrMapOvr>
+</p:sld>
+</file>
+
+<file path=ppt/slides/slide39.xml><?xml version="1.0" encoding="utf-8"?>
+<p:sld xmlns:a="http://schemas.openxmlformats.org/drawingml/2006/main" xmlns:r="http://schemas.openxmlformats.org/officeDocument/2006/relationships" xmlns:p="http://schemas.openxmlformats.org/presentationml/2006/main">
+  <p:cSld>
+    <p:spTree>
+      <p:nvGrpSpPr>
+        <p:cNvPr id="1" name=""/>
+        <p:cNvGrpSpPr/>
+        <p:nvPr/>
+      </p:nvGrpSpPr>
+      <p:grpSpPr>
+        <a:xfrm>
+          <a:off x="0" y="0"/>
+          <a:ext cx="0" cy="0"/>
+          <a:chOff x="0" y="0"/>
+          <a:chExt cx="0" cy="0"/>
+        </a:xfrm>
+      </p:grpSpPr>
+      <p:sp>
+        <p:nvSpPr>
+          <p:cNvPr id="2" name="Title 1"/>
+          <p:cNvSpPr>
+            <a:spLocks noGrp="1"/>
+          </p:cNvSpPr>
+          <p:nvPr>
+            <p:ph type="title"/>
+          </p:nvPr>
+        </p:nvSpPr>
+        <p:spPr/>
+        <p:txBody>
+          <a:bodyPr/>
+          <a:lstStyle/>
+          <a:p>
+            <a:r>
+              <a:rPr lang="en-US" dirty="0"/>
+              <a:t>Frailty models</a:t>
+            </a:r>
+          </a:p>
+        </p:txBody>
+      </p:sp>
+      <p:sp>
+        <p:nvSpPr>
+          <p:cNvPr id="4" name="Footer Placeholder 3"/>
+          <p:cNvSpPr>
+            <a:spLocks noGrp="1"/>
+          </p:cNvSpPr>
+          <p:nvPr>
+            <p:ph type="ftr" sz="quarter" idx="10"/>
+          </p:nvPr>
+        </p:nvSpPr>
+        <p:spPr/>
+        <p:txBody>
+          <a:bodyPr/>
+          <a:lstStyle/>
+          <a:p>
+            <a:pPr>
+              <a:defRPr/>
+            </a:pPr>
+            <a:r>
+              <a:rPr lang="en-US" altLang="en-US" dirty="0"/>
+              <a:t>©2018 Steve Simon    http://TheAnalysisFactor.com</a:t>
+            </a:r>
+          </a:p>
+        </p:txBody>
+      </p:sp>
+      <p:sp>
+        <p:nvSpPr>
+          <p:cNvPr id="5" name="Slide Number Placeholder 4"/>
+          <p:cNvSpPr>
+            <a:spLocks noGrp="1"/>
+          </p:cNvSpPr>
+          <p:nvPr>
+            <p:ph type="sldNum" sz="quarter" idx="11"/>
+          </p:nvPr>
+        </p:nvSpPr>
+        <p:spPr/>
+        <p:txBody>
+          <a:bodyPr/>
+          <a:lstStyle/>
+          <a:p>
+            <a:pPr>
+              <a:defRPr/>
+            </a:pPr>
+            <a:endParaRPr lang="en-US"/>
+          </a:p>
+          <a:p>
+            <a:pPr>
+              <a:defRPr/>
+            </a:pPr>
+            <a:fld id="{E9A8CBA3-AA2B-46A6-BFA3-DCEBEAAB3F0A}" type="slidenum">
+              <a:rPr lang="en-US" smtClean="0"/>
+              <a:pPr>
+                <a:defRPr/>
+              </a:pPr>
+              <a:t>39</a:t>
             </a:fld>
             <a:endParaRPr lang="en-US"/>
           </a:p>
@@ -7780,7 +10662,7 @@
 </p:sld>
 </file>
 
-<file path=ppt/slides/slide26.xml><?xml version="1.0" encoding="utf-8"?>
+<file path=ppt/slides/slide4.xml><?xml version="1.0" encoding="utf-8"?>
 <p:sld xmlns:a="http://schemas.openxmlformats.org/drawingml/2006/main" xmlns:r="http://schemas.openxmlformats.org/officeDocument/2006/relationships" xmlns:p="http://schemas.openxmlformats.org/presentationml/2006/main">
   <p:cSld>
     <p:spTree>
@@ -7814,8 +10696,43 @@
           <a:p>
             <a:r>
               <a:rPr lang="en-US" dirty="0"/>
-              <a:t>Frailty models</a:t>
-            </a:r>
+              <a:t>Interval censored data</a:t>
+            </a:r>
+          </a:p>
+        </p:txBody>
+      </p:sp>
+      <p:sp>
+        <p:nvSpPr>
+          <p:cNvPr id="3" name="Text Placeholder 2"/>
+          <p:cNvSpPr>
+            <a:spLocks noGrp="1"/>
+          </p:cNvSpPr>
+          <p:nvPr>
+            <p:ph type="body" idx="1"/>
+          </p:nvPr>
+        </p:nvSpPr>
+        <p:spPr/>
+        <p:txBody>
+          <a:bodyPr/>
+          <a:lstStyle/>
+          <a:p>
+            <a:r>
+              <a:rPr lang="en-US" sz="1800" dirty="0"/>
+              <a:t>In most studies, patients are considered part of the risk set from time 0 to the time that they either die or are censored. But sometimes patients start contributing information about survival only from a certain point forward. This is left truncation.</a:t>
+            </a:r>
+          </a:p>
+          <a:p>
+            <a:endParaRPr lang="en-US" sz="1800" dirty="0"/>
+          </a:p>
+          <a:p>
+            <a:r>
+              <a:rPr lang="en-US" sz="1800" dirty="0"/>
+              <a:t>Example: Patients who die in the hospital are excluded from your sample. A patient contributes to the risk set from the day of discharge onward. Setting the time of discharge to t=0 will mix patients with short and long lengths of stay.</a:t>
+            </a:r>
+            <a:endParaRPr lang="en-US" sz="1800" b="1" dirty="0">
+              <a:latin typeface="Courier New" panose="02070309020205020404" pitchFamily="49" charset="0"/>
+              <a:cs typeface="Courier New" panose="02070309020205020404" pitchFamily="49" charset="0"/>
+            </a:endParaRPr>
           </a:p>
         </p:txBody>
       </p:sp>
@@ -7873,7 +10790,141 @@
               <a:pPr>
                 <a:defRPr/>
               </a:pPr>
-              <a:t>26</a:t>
+              <a:t>4</a:t>
+            </a:fld>
+            <a:endParaRPr lang="en-US"/>
+          </a:p>
+        </p:txBody>
+      </p:sp>
+      <p:sp>
+        <p:nvSpPr>
+          <p:cNvPr id="6" name="Text Placeholder 5"/>
+          <p:cNvSpPr>
+            <a:spLocks noGrp="1"/>
+          </p:cNvSpPr>
+          <p:nvPr>
+            <p:ph type="body" sz="quarter" idx="12"/>
+          </p:nvPr>
+        </p:nvSpPr>
+        <p:spPr/>
+        <p:txBody>
+          <a:bodyPr/>
+          <a:lstStyle/>
+          <a:p>
+            <a:r>
+              <a:rPr lang="en-US" dirty="0"/>
+              <a:t>Left truncation</a:t>
+            </a:r>
+          </a:p>
+        </p:txBody>
+      </p:sp>
+    </p:spTree>
+    <p:extLst>
+      <p:ext uri="{BB962C8B-B14F-4D97-AF65-F5344CB8AC3E}">
+        <p14:creationId xmlns:p14="http://schemas.microsoft.com/office/powerpoint/2010/main" val="2692073544"/>
+      </p:ext>
+    </p:extLst>
+  </p:cSld>
+  <p:clrMapOvr>
+    <a:masterClrMapping/>
+  </p:clrMapOvr>
+</p:sld>
+</file>
+
+<file path=ppt/slides/slide40.xml><?xml version="1.0" encoding="utf-8"?>
+<p:sld xmlns:a="http://schemas.openxmlformats.org/drawingml/2006/main" xmlns:r="http://schemas.openxmlformats.org/officeDocument/2006/relationships" xmlns:p="http://schemas.openxmlformats.org/presentationml/2006/main">
+  <p:cSld>
+    <p:spTree>
+      <p:nvGrpSpPr>
+        <p:cNvPr id="1" name=""/>
+        <p:cNvGrpSpPr/>
+        <p:nvPr/>
+      </p:nvGrpSpPr>
+      <p:grpSpPr>
+        <a:xfrm>
+          <a:off x="0" y="0"/>
+          <a:ext cx="0" cy="0"/>
+          <a:chOff x="0" y="0"/>
+          <a:chExt cx="0" cy="0"/>
+        </a:xfrm>
+      </p:grpSpPr>
+      <p:sp>
+        <p:nvSpPr>
+          <p:cNvPr id="2" name="Title 1"/>
+          <p:cNvSpPr>
+            <a:spLocks noGrp="1"/>
+          </p:cNvSpPr>
+          <p:nvPr>
+            <p:ph type="title"/>
+          </p:nvPr>
+        </p:nvSpPr>
+        <p:spPr/>
+        <p:txBody>
+          <a:bodyPr/>
+          <a:lstStyle/>
+          <a:p>
+            <a:r>
+              <a:rPr lang="en-US" dirty="0"/>
+              <a:t>Frailty models</a:t>
+            </a:r>
+          </a:p>
+        </p:txBody>
+      </p:sp>
+      <p:sp>
+        <p:nvSpPr>
+          <p:cNvPr id="4" name="Footer Placeholder 3"/>
+          <p:cNvSpPr>
+            <a:spLocks noGrp="1"/>
+          </p:cNvSpPr>
+          <p:nvPr>
+            <p:ph type="ftr" sz="quarter" idx="10"/>
+          </p:nvPr>
+        </p:nvSpPr>
+        <p:spPr/>
+        <p:txBody>
+          <a:bodyPr/>
+          <a:lstStyle/>
+          <a:p>
+            <a:pPr>
+              <a:defRPr/>
+            </a:pPr>
+            <a:r>
+              <a:rPr lang="en-US" altLang="en-US" dirty="0"/>
+              <a:t>©2018 Steve Simon    http://TheAnalysisFactor.com</a:t>
+            </a:r>
+          </a:p>
+        </p:txBody>
+      </p:sp>
+      <p:sp>
+        <p:nvSpPr>
+          <p:cNvPr id="5" name="Slide Number Placeholder 4"/>
+          <p:cNvSpPr>
+            <a:spLocks noGrp="1"/>
+          </p:cNvSpPr>
+          <p:nvPr>
+            <p:ph type="sldNum" sz="quarter" idx="11"/>
+          </p:nvPr>
+        </p:nvSpPr>
+        <p:spPr/>
+        <p:txBody>
+          <a:bodyPr/>
+          <a:lstStyle/>
+          <a:p>
+            <a:pPr>
+              <a:defRPr/>
+            </a:pPr>
+            <a:endParaRPr lang="en-US"/>
+          </a:p>
+          <a:p>
+            <a:pPr>
+              <a:defRPr/>
+            </a:pPr>
+            <a:fld id="{E9A8CBA3-AA2B-46A6-BFA3-DCEBEAAB3F0A}" type="slidenum">
+              <a:rPr lang="en-US" smtClean="0"/>
+              <a:pPr>
+                <a:defRPr/>
+              </a:pPr>
+              <a:t>40</a:t>
             </a:fld>
             <a:endParaRPr lang="en-US"/>
           </a:p>
@@ -7922,7 +10973,7 @@
 </p:sld>
 </file>
 
-<file path=ppt/slides/slide27.xml><?xml version="1.0" encoding="utf-8"?>
+<file path=ppt/slides/slide41.xml><?xml version="1.0" encoding="utf-8"?>
 <p:sld xmlns:a="http://schemas.openxmlformats.org/drawingml/2006/main" xmlns:r="http://schemas.openxmlformats.org/officeDocument/2006/relationships" xmlns:p="http://schemas.openxmlformats.org/presentationml/2006/main">
   <p:cSld>
     <p:spTree>
@@ -8015,7 +11066,7 @@
               <a:pPr>
                 <a:defRPr/>
               </a:pPr>
-              <a:t>27</a:t>
+              <a:t>41</a:t>
             </a:fld>
             <a:endParaRPr lang="en-US"/>
           </a:p>
@@ -8064,7 +11115,7 @@
 </p:sld>
 </file>
 
-<file path=ppt/slides/slide28.xml><?xml version="1.0" encoding="utf-8"?>
+<file path=ppt/slides/slide42.xml><?xml version="1.0" encoding="utf-8"?>
 <p:sld xmlns:a="http://schemas.openxmlformats.org/drawingml/2006/main" xmlns:r="http://schemas.openxmlformats.org/officeDocument/2006/relationships" xmlns:p="http://schemas.openxmlformats.org/presentationml/2006/main">
   <p:cSld>
     <p:spTree>
@@ -8098,7 +11149,148 @@
           <a:p>
             <a:r>
               <a:rPr lang="en-US" dirty="0"/>
-              <a:t>Three models for repeated events</a:t>
+              <a:t>Ashkenazi data set</a:t>
+            </a:r>
+          </a:p>
+        </p:txBody>
+      </p:sp>
+      <p:sp>
+        <p:nvSpPr>
+          <p:cNvPr id="3" name="Text Placeholder 2"/>
+          <p:cNvSpPr>
+            <a:spLocks noGrp="1"/>
+          </p:cNvSpPr>
+          <p:nvPr>
+            <p:ph type="body" idx="1"/>
+          </p:nvPr>
+        </p:nvSpPr>
+        <p:spPr/>
+        <p:txBody>
+          <a:bodyPr/>
+          <a:lstStyle/>
+          <a:p>
+            <a:r>
+              <a:rPr lang="en-US" sz="1600" dirty="0">
+                <a:latin typeface="Courier New" panose="02070309020205020404" pitchFamily="49" charset="0"/>
+                <a:cs typeface="Courier New" panose="02070309020205020404" pitchFamily="49" charset="0"/>
+              </a:rPr>
+              <a:t>                  </a:t>
+            </a:r>
+            <a:r>
+              <a:rPr lang="en-US" sz="1600" dirty="0" err="1">
+                <a:latin typeface="Courier New" panose="02070309020205020404" pitchFamily="49" charset="0"/>
+                <a:cs typeface="Courier New" panose="02070309020205020404" pitchFamily="49" charset="0"/>
+              </a:rPr>
+              <a:t>coef</a:t>
+            </a:r>
+            <a:r>
+              <a:rPr lang="en-US" sz="1600" dirty="0">
+                <a:latin typeface="Courier New" panose="02070309020205020404" pitchFamily="49" charset="0"/>
+                <a:cs typeface="Courier New" panose="02070309020205020404" pitchFamily="49" charset="0"/>
+              </a:rPr>
+              <a:t> se(</a:t>
+            </a:r>
+            <a:r>
+              <a:rPr lang="en-US" sz="1600" dirty="0" err="1">
+                <a:latin typeface="Courier New" panose="02070309020205020404" pitchFamily="49" charset="0"/>
+                <a:cs typeface="Courier New" panose="02070309020205020404" pitchFamily="49" charset="0"/>
+              </a:rPr>
+              <a:t>coef</a:t>
+            </a:r>
+            <a:r>
+              <a:rPr lang="en-US" sz="1600" dirty="0">
+                <a:latin typeface="Courier New" panose="02070309020205020404" pitchFamily="49" charset="0"/>
+                <a:cs typeface="Courier New" panose="02070309020205020404" pitchFamily="49" charset="0"/>
+              </a:rPr>
+              <a:t>)     se2   </a:t>
+            </a:r>
+            <a:r>
+              <a:rPr lang="en-US" sz="1600" dirty="0" err="1">
+                <a:latin typeface="Courier New" panose="02070309020205020404" pitchFamily="49" charset="0"/>
+                <a:cs typeface="Courier New" panose="02070309020205020404" pitchFamily="49" charset="0"/>
+              </a:rPr>
+              <a:t>Chisq</a:t>
+            </a:r>
+            <a:r>
+              <a:rPr lang="en-US" sz="1600" dirty="0">
+                <a:latin typeface="Courier New" panose="02070309020205020404" pitchFamily="49" charset="0"/>
+                <a:cs typeface="Courier New" panose="02070309020205020404" pitchFamily="49" charset="0"/>
+              </a:rPr>
+              <a:t>  DF     p</a:t>
+            </a:r>
+          </a:p>
+          <a:p>
+            <a:r>
+              <a:rPr lang="en-US" sz="1600" dirty="0">
+                <a:latin typeface="Courier New" panose="02070309020205020404" pitchFamily="49" charset="0"/>
+                <a:cs typeface="Courier New" panose="02070309020205020404" pitchFamily="49" charset="0"/>
+              </a:rPr>
+              <a:t>mutant           1.272    0.232   0.200  30.134   1 4e-08</a:t>
+            </a:r>
+          </a:p>
+          <a:p>
+            <a:r>
+              <a:rPr lang="en-US" sz="1600" dirty="0">
+                <a:latin typeface="Courier New" panose="02070309020205020404" pitchFamily="49" charset="0"/>
+                <a:cs typeface="Courier New" panose="02070309020205020404" pitchFamily="49" charset="0"/>
+              </a:rPr>
+              <a:t>frailty(</a:t>
+            </a:r>
+            <a:r>
+              <a:rPr lang="en-US" sz="1600" dirty="0" err="1">
+                <a:latin typeface="Courier New" panose="02070309020205020404" pitchFamily="49" charset="0"/>
+                <a:cs typeface="Courier New" panose="02070309020205020404" pitchFamily="49" charset="0"/>
+              </a:rPr>
+              <a:t>famID</a:t>
+            </a:r>
+            <a:r>
+              <a:rPr lang="en-US" sz="1600" dirty="0">
+                <a:latin typeface="Courier New" panose="02070309020205020404" pitchFamily="49" charset="0"/>
+                <a:cs typeface="Courier New" panose="02070309020205020404" pitchFamily="49" charset="0"/>
+              </a:rPr>
+              <a:t>)                          221.500 212  0.31</a:t>
+            </a:r>
+          </a:p>
+          <a:p>
+            <a:endParaRPr lang="en-US" sz="1600" dirty="0">
+              <a:latin typeface="Courier New" panose="02070309020205020404" pitchFamily="49" charset="0"/>
+              <a:cs typeface="Courier New" panose="02070309020205020404" pitchFamily="49" charset="0"/>
+            </a:endParaRPr>
+          </a:p>
+          <a:p>
+            <a:r>
+              <a:rPr lang="en-US" sz="1600" dirty="0">
+                <a:latin typeface="Courier New" panose="02070309020205020404" pitchFamily="49" charset="0"/>
+                <a:cs typeface="Courier New" panose="02070309020205020404" pitchFamily="49" charset="0"/>
+              </a:rPr>
+              <a:t>Iterations: 6 outer, 26 Newton-Raphson</a:t>
+            </a:r>
+          </a:p>
+          <a:p>
+            <a:r>
+              <a:rPr lang="en-US" sz="1600" dirty="0">
+                <a:latin typeface="Courier New" panose="02070309020205020404" pitchFamily="49" charset="0"/>
+                <a:cs typeface="Courier New" panose="02070309020205020404" pitchFamily="49" charset="0"/>
+              </a:rPr>
+              <a:t>     Variance of random effect= 0.494   I-likelihood = -3564.3 </a:t>
+            </a:r>
+          </a:p>
+          <a:p>
+            <a:r>
+              <a:rPr lang="en-US" sz="1600" dirty="0">
+                <a:latin typeface="Courier New" panose="02070309020205020404" pitchFamily="49" charset="0"/>
+                <a:cs typeface="Courier New" panose="02070309020205020404" pitchFamily="49" charset="0"/>
+              </a:rPr>
+              <a:t>Degrees of freedom for terms=   0.7 211.6 </a:t>
+            </a:r>
+          </a:p>
+          <a:p>
+            <a:r>
+              <a:rPr lang="en-US" sz="1600" dirty="0">
+                <a:latin typeface="Courier New" panose="02070309020205020404" pitchFamily="49" charset="0"/>
+                <a:cs typeface="Courier New" panose="02070309020205020404" pitchFamily="49" charset="0"/>
+              </a:rPr>
+              <a:t>Likelihood ratio test=400  on 212 df, p=1.17e-13  n= 3920</a:t>
             </a:r>
           </a:p>
         </p:txBody>
@@ -8157,7 +11349,1034 @@
               <a:pPr>
                 <a:defRPr/>
               </a:pPr>
-              <a:t>28</a:t>
+              <a:t>42</a:t>
+            </a:fld>
+            <a:endParaRPr lang="en-US"/>
+          </a:p>
+        </p:txBody>
+      </p:sp>
+      <p:sp>
+        <p:nvSpPr>
+          <p:cNvPr id="6" name="Text Placeholder 5"/>
+          <p:cNvSpPr>
+            <a:spLocks noGrp="1"/>
+          </p:cNvSpPr>
+          <p:nvPr>
+            <p:ph type="body" sz="quarter" idx="12"/>
+          </p:nvPr>
+        </p:nvSpPr>
+        <p:spPr/>
+        <p:txBody>
+          <a:bodyPr/>
+          <a:lstStyle/>
+          <a:p>
+            <a:r>
+              <a:rPr lang="en-US" dirty="0">
+                <a:cs typeface="Calibri" panose="020F0502020204030204" pitchFamily="34" charset="0"/>
+              </a:rPr>
+              <a:t>Frailty model</a:t>
+            </a:r>
+          </a:p>
+        </p:txBody>
+      </p:sp>
+    </p:spTree>
+    <p:extLst>
+      <p:ext uri="{BB962C8B-B14F-4D97-AF65-F5344CB8AC3E}">
+        <p14:creationId xmlns:p14="http://schemas.microsoft.com/office/powerpoint/2010/main" val="3619055161"/>
+      </p:ext>
+    </p:extLst>
+  </p:cSld>
+  <p:clrMapOvr>
+    <a:masterClrMapping/>
+  </p:clrMapOvr>
+</p:sld>
+</file>
+
+<file path=ppt/slides/slide43.xml><?xml version="1.0" encoding="utf-8"?>
+<p:sld xmlns:a="http://schemas.openxmlformats.org/drawingml/2006/main" xmlns:r="http://schemas.openxmlformats.org/officeDocument/2006/relationships" xmlns:p="http://schemas.openxmlformats.org/presentationml/2006/main">
+  <p:cSld>
+    <p:spTree>
+      <p:nvGrpSpPr>
+        <p:cNvPr id="1" name=""/>
+        <p:cNvGrpSpPr/>
+        <p:nvPr/>
+      </p:nvGrpSpPr>
+      <p:grpSpPr>
+        <a:xfrm>
+          <a:off x="0" y="0"/>
+          <a:ext cx="0" cy="0"/>
+          <a:chOff x="0" y="0"/>
+          <a:chExt cx="0" cy="0"/>
+        </a:xfrm>
+      </p:grpSpPr>
+      <p:sp>
+        <p:nvSpPr>
+          <p:cNvPr id="2" name="Title 1"/>
+          <p:cNvSpPr>
+            <a:spLocks noGrp="1"/>
+          </p:cNvSpPr>
+          <p:nvPr>
+            <p:ph type="title"/>
+          </p:nvPr>
+        </p:nvSpPr>
+        <p:spPr/>
+        <p:txBody>
+          <a:bodyPr/>
+          <a:lstStyle/>
+          <a:p>
+            <a:r>
+              <a:rPr lang="en-US" dirty="0"/>
+              <a:t>Ashkenazi data set</a:t>
+            </a:r>
+          </a:p>
+        </p:txBody>
+      </p:sp>
+      <p:sp>
+        <p:nvSpPr>
+          <p:cNvPr id="3" name="Text Placeholder 2"/>
+          <p:cNvSpPr>
+            <a:spLocks noGrp="1"/>
+          </p:cNvSpPr>
+          <p:nvPr>
+            <p:ph type="body" idx="1"/>
+          </p:nvPr>
+        </p:nvSpPr>
+        <p:spPr/>
+        <p:txBody>
+          <a:bodyPr/>
+          <a:lstStyle/>
+          <a:p>
+            <a:r>
+              <a:rPr lang="en-US" sz="1600" dirty="0">
+                <a:latin typeface="Courier New" panose="02070309020205020404" pitchFamily="49" charset="0"/>
+                <a:cs typeface="Courier New" panose="02070309020205020404" pitchFamily="49" charset="0"/>
+              </a:rPr>
+              <a:t>Cox mixed-effects model fit by maximum likelihood</a:t>
+            </a:r>
+          </a:p>
+          <a:p>
+            <a:r>
+              <a:rPr lang="en-US" sz="1600" dirty="0">
+                <a:latin typeface="Courier New" panose="02070309020205020404" pitchFamily="49" charset="0"/>
+                <a:cs typeface="Courier New" panose="02070309020205020404" pitchFamily="49" charset="0"/>
+              </a:rPr>
+              <a:t>  Data: </a:t>
+            </a:r>
+            <a:r>
+              <a:rPr lang="en-US" sz="1600" dirty="0" err="1">
+                <a:latin typeface="Courier New" panose="02070309020205020404" pitchFamily="49" charset="0"/>
+                <a:cs typeface="Courier New" panose="02070309020205020404" pitchFamily="49" charset="0"/>
+              </a:rPr>
+              <a:t>ashkenazi</a:t>
+            </a:r>
+            <a:endParaRPr lang="en-US" sz="1600" dirty="0">
+              <a:latin typeface="Courier New" panose="02070309020205020404" pitchFamily="49" charset="0"/>
+              <a:cs typeface="Courier New" panose="02070309020205020404" pitchFamily="49" charset="0"/>
+            </a:endParaRPr>
+          </a:p>
+          <a:p>
+            <a:r>
+              <a:rPr lang="en-US" sz="1600" dirty="0">
+                <a:latin typeface="Courier New" panose="02070309020205020404" pitchFamily="49" charset="0"/>
+                <a:cs typeface="Courier New" panose="02070309020205020404" pitchFamily="49" charset="0"/>
+              </a:rPr>
+              <a:t>  events, n = 473, 3920</a:t>
+            </a:r>
+          </a:p>
+          <a:p>
+            <a:r>
+              <a:rPr lang="en-US" sz="1600" dirty="0">
+                <a:latin typeface="Courier New" panose="02070309020205020404" pitchFamily="49" charset="0"/>
+                <a:cs typeface="Courier New" panose="02070309020205020404" pitchFamily="49" charset="0"/>
+              </a:rPr>
+              <a:t>  Iterations= 10 63 </a:t>
+            </a:r>
+          </a:p>
+          <a:p>
+            <a:r>
+              <a:rPr lang="en-US" sz="1600" dirty="0">
+                <a:latin typeface="Courier New" panose="02070309020205020404" pitchFamily="49" charset="0"/>
+                <a:cs typeface="Courier New" panose="02070309020205020404" pitchFamily="49" charset="0"/>
+              </a:rPr>
+              <a:t>                    NULL Integrated    Fitted</a:t>
+            </a:r>
+          </a:p>
+          <a:p>
+            <a:r>
+              <a:rPr lang="en-US" sz="1600" dirty="0">
+                <a:latin typeface="Courier New" panose="02070309020205020404" pitchFamily="49" charset="0"/>
+                <a:cs typeface="Courier New" panose="02070309020205020404" pitchFamily="49" charset="0"/>
+              </a:rPr>
+              <a:t>Log-likelihood -3579.707  -3564.622 -3411.522</a:t>
+            </a:r>
+          </a:p>
+          <a:p>
+            <a:endParaRPr lang="en-US" sz="1600" dirty="0">
+              <a:latin typeface="Courier New" panose="02070309020205020404" pitchFamily="49" charset="0"/>
+              <a:cs typeface="Courier New" panose="02070309020205020404" pitchFamily="49" charset="0"/>
+            </a:endParaRPr>
+          </a:p>
+          <a:p>
+            <a:r>
+              <a:rPr lang="en-US" sz="1600" dirty="0">
+                <a:latin typeface="Courier New" panose="02070309020205020404" pitchFamily="49" charset="0"/>
+                <a:cs typeface="Courier New" panose="02070309020205020404" pitchFamily="49" charset="0"/>
+              </a:rPr>
+              <a:t>                   </a:t>
+            </a:r>
+            <a:r>
+              <a:rPr lang="en-US" sz="1600" dirty="0" err="1">
+                <a:latin typeface="Courier New" panose="02070309020205020404" pitchFamily="49" charset="0"/>
+                <a:cs typeface="Courier New" panose="02070309020205020404" pitchFamily="49" charset="0"/>
+              </a:rPr>
+              <a:t>Chisq</a:t>
+            </a:r>
+            <a:r>
+              <a:rPr lang="en-US" sz="1600" dirty="0">
+                <a:latin typeface="Courier New" panose="02070309020205020404" pitchFamily="49" charset="0"/>
+                <a:cs typeface="Courier New" panose="02070309020205020404" pitchFamily="49" charset="0"/>
+              </a:rPr>
+              <a:t>    df          p   AIC     BIC</a:t>
+            </a:r>
+          </a:p>
+          <a:p>
+            <a:r>
+              <a:rPr lang="en-US" sz="1600" dirty="0">
+                <a:latin typeface="Courier New" panose="02070309020205020404" pitchFamily="49" charset="0"/>
+                <a:cs typeface="Courier New" panose="02070309020205020404" pitchFamily="49" charset="0"/>
+              </a:rPr>
+              <a:t>Integrated </a:t>
+            </a:r>
+            <a:r>
+              <a:rPr lang="en-US" sz="1600" dirty="0" err="1">
+                <a:latin typeface="Courier New" panose="02070309020205020404" pitchFamily="49" charset="0"/>
+                <a:cs typeface="Courier New" panose="02070309020205020404" pitchFamily="49" charset="0"/>
+              </a:rPr>
+              <a:t>loglik</a:t>
+            </a:r>
+            <a:r>
+              <a:rPr lang="en-US" sz="1600" dirty="0">
+                <a:latin typeface="Courier New" panose="02070309020205020404" pitchFamily="49" charset="0"/>
+                <a:cs typeface="Courier New" panose="02070309020205020404" pitchFamily="49" charset="0"/>
+              </a:rPr>
+              <a:t>  30.17   2.0 2.8100e-07 26.17   17.85</a:t>
+            </a:r>
+          </a:p>
+          <a:p>
+            <a:r>
+              <a:rPr lang="en-US" sz="1600" dirty="0">
+                <a:latin typeface="Courier New" panose="02070309020205020404" pitchFamily="49" charset="0"/>
+                <a:cs typeface="Courier New" panose="02070309020205020404" pitchFamily="49" charset="0"/>
+              </a:rPr>
+              <a:t> Penalized </a:t>
+            </a:r>
+            <a:r>
+              <a:rPr lang="en-US" sz="1600" dirty="0" err="1">
+                <a:latin typeface="Courier New" panose="02070309020205020404" pitchFamily="49" charset="0"/>
+                <a:cs typeface="Courier New" panose="02070309020205020404" pitchFamily="49" charset="0"/>
+              </a:rPr>
+              <a:t>loglik</a:t>
+            </a:r>
+            <a:r>
+              <a:rPr lang="en-US" sz="1600" dirty="0">
+                <a:latin typeface="Courier New" panose="02070309020205020404" pitchFamily="49" charset="0"/>
+                <a:cs typeface="Courier New" panose="02070309020205020404" pitchFamily="49" charset="0"/>
+              </a:rPr>
+              <a:t> 336.37 150.1 2.2204e-16 36.16 -588.13</a:t>
+            </a:r>
+          </a:p>
+        </p:txBody>
+      </p:sp>
+      <p:sp>
+        <p:nvSpPr>
+          <p:cNvPr id="4" name="Footer Placeholder 3"/>
+          <p:cNvSpPr>
+            <a:spLocks noGrp="1"/>
+          </p:cNvSpPr>
+          <p:nvPr>
+            <p:ph type="ftr" sz="quarter" idx="10"/>
+          </p:nvPr>
+        </p:nvSpPr>
+        <p:spPr/>
+        <p:txBody>
+          <a:bodyPr/>
+          <a:lstStyle/>
+          <a:p>
+            <a:pPr>
+              <a:defRPr/>
+            </a:pPr>
+            <a:r>
+              <a:rPr lang="en-US" altLang="en-US" dirty="0"/>
+              <a:t>©2018 Steve Simon    http://TheAnalysisFactor.com</a:t>
+            </a:r>
+          </a:p>
+        </p:txBody>
+      </p:sp>
+      <p:sp>
+        <p:nvSpPr>
+          <p:cNvPr id="5" name="Slide Number Placeholder 4"/>
+          <p:cNvSpPr>
+            <a:spLocks noGrp="1"/>
+          </p:cNvSpPr>
+          <p:nvPr>
+            <p:ph type="sldNum" sz="quarter" idx="11"/>
+          </p:nvPr>
+        </p:nvSpPr>
+        <p:spPr/>
+        <p:txBody>
+          <a:bodyPr/>
+          <a:lstStyle/>
+          <a:p>
+            <a:pPr>
+              <a:defRPr/>
+            </a:pPr>
+            <a:endParaRPr lang="en-US"/>
+          </a:p>
+          <a:p>
+            <a:pPr>
+              <a:defRPr/>
+            </a:pPr>
+            <a:fld id="{E9A8CBA3-AA2B-46A6-BFA3-DCEBEAAB3F0A}" type="slidenum">
+              <a:rPr lang="en-US" smtClean="0"/>
+              <a:pPr>
+                <a:defRPr/>
+              </a:pPr>
+              <a:t>43</a:t>
+            </a:fld>
+            <a:endParaRPr lang="en-US"/>
+          </a:p>
+        </p:txBody>
+      </p:sp>
+      <p:sp>
+        <p:nvSpPr>
+          <p:cNvPr id="6" name="Text Placeholder 5"/>
+          <p:cNvSpPr>
+            <a:spLocks noGrp="1"/>
+          </p:cNvSpPr>
+          <p:nvPr>
+            <p:ph type="body" sz="quarter" idx="12"/>
+          </p:nvPr>
+        </p:nvSpPr>
+        <p:spPr/>
+        <p:txBody>
+          <a:bodyPr/>
+          <a:lstStyle/>
+          <a:p>
+            <a:r>
+              <a:rPr lang="en-US" dirty="0">
+                <a:cs typeface="Calibri" panose="020F0502020204030204" pitchFamily="34" charset="0"/>
+              </a:rPr>
+              <a:t>Frailty model (</a:t>
+            </a:r>
+            <a:r>
+              <a:rPr lang="en-US" dirty="0" err="1">
+                <a:cs typeface="Calibri" panose="020F0502020204030204" pitchFamily="34" charset="0"/>
+              </a:rPr>
+              <a:t>coxme</a:t>
+            </a:r>
+            <a:r>
+              <a:rPr lang="en-US" dirty="0">
+                <a:cs typeface="Calibri" panose="020F0502020204030204" pitchFamily="34" charset="0"/>
+              </a:rPr>
+              <a:t>)</a:t>
+            </a:r>
+          </a:p>
+        </p:txBody>
+      </p:sp>
+    </p:spTree>
+    <p:extLst>
+      <p:ext uri="{BB962C8B-B14F-4D97-AF65-F5344CB8AC3E}">
+        <p14:creationId xmlns:p14="http://schemas.microsoft.com/office/powerpoint/2010/main" val="1345350756"/>
+      </p:ext>
+    </p:extLst>
+  </p:cSld>
+  <p:clrMapOvr>
+    <a:masterClrMapping/>
+  </p:clrMapOvr>
+</p:sld>
+</file>
+
+<file path=ppt/slides/slide44.xml><?xml version="1.0" encoding="utf-8"?>
+<p:sld xmlns:a="http://schemas.openxmlformats.org/drawingml/2006/main" xmlns:r="http://schemas.openxmlformats.org/officeDocument/2006/relationships" xmlns:p="http://schemas.openxmlformats.org/presentationml/2006/main">
+  <p:cSld>
+    <p:spTree>
+      <p:nvGrpSpPr>
+        <p:cNvPr id="1" name=""/>
+        <p:cNvGrpSpPr/>
+        <p:nvPr/>
+      </p:nvGrpSpPr>
+      <p:grpSpPr>
+        <a:xfrm>
+          <a:off x="0" y="0"/>
+          <a:ext cx="0" cy="0"/>
+          <a:chOff x="0" y="0"/>
+          <a:chExt cx="0" cy="0"/>
+        </a:xfrm>
+      </p:grpSpPr>
+      <p:sp>
+        <p:nvSpPr>
+          <p:cNvPr id="2" name="Title 1"/>
+          <p:cNvSpPr>
+            <a:spLocks noGrp="1"/>
+          </p:cNvSpPr>
+          <p:nvPr>
+            <p:ph type="title"/>
+          </p:nvPr>
+        </p:nvSpPr>
+        <p:spPr/>
+        <p:txBody>
+          <a:bodyPr/>
+          <a:lstStyle/>
+          <a:p>
+            <a:r>
+              <a:rPr lang="en-US" dirty="0"/>
+              <a:t>Ashkenazi data set</a:t>
+            </a:r>
+          </a:p>
+        </p:txBody>
+      </p:sp>
+      <p:sp>
+        <p:nvSpPr>
+          <p:cNvPr id="3" name="Text Placeholder 2"/>
+          <p:cNvSpPr>
+            <a:spLocks noGrp="1"/>
+          </p:cNvSpPr>
+          <p:nvPr>
+            <p:ph type="body" idx="1"/>
+          </p:nvPr>
+        </p:nvSpPr>
+        <p:spPr/>
+        <p:txBody>
+          <a:bodyPr/>
+          <a:lstStyle/>
+          <a:p>
+            <a:r>
+              <a:rPr lang="en-US" sz="1600" dirty="0">
+                <a:latin typeface="Courier New" panose="02070309020205020404" pitchFamily="49" charset="0"/>
+                <a:cs typeface="Courier New" panose="02070309020205020404" pitchFamily="49" charset="0"/>
+              </a:rPr>
+              <a:t>Model:  </a:t>
+            </a:r>
+            <a:r>
+              <a:rPr lang="en-US" sz="1600" dirty="0" err="1">
+                <a:latin typeface="Courier New" panose="02070309020205020404" pitchFamily="49" charset="0"/>
+                <a:cs typeface="Courier New" panose="02070309020205020404" pitchFamily="49" charset="0"/>
+              </a:rPr>
+              <a:t>bc_surv</a:t>
+            </a:r>
+            <a:r>
+              <a:rPr lang="en-US" sz="1600" dirty="0">
+                <a:latin typeface="Courier New" panose="02070309020205020404" pitchFamily="49" charset="0"/>
+                <a:cs typeface="Courier New" panose="02070309020205020404" pitchFamily="49" charset="0"/>
+              </a:rPr>
+              <a:t> ~ mutant + (1 | </a:t>
+            </a:r>
+            <a:r>
+              <a:rPr lang="en-US" sz="1600" dirty="0" err="1">
+                <a:latin typeface="Courier New" panose="02070309020205020404" pitchFamily="49" charset="0"/>
+                <a:cs typeface="Courier New" panose="02070309020205020404" pitchFamily="49" charset="0"/>
+              </a:rPr>
+              <a:t>famID</a:t>
+            </a:r>
+            <a:r>
+              <a:rPr lang="en-US" sz="1600" dirty="0">
+                <a:latin typeface="Courier New" panose="02070309020205020404" pitchFamily="49" charset="0"/>
+                <a:cs typeface="Courier New" panose="02070309020205020404" pitchFamily="49" charset="0"/>
+              </a:rPr>
+              <a:t>) </a:t>
+            </a:r>
+          </a:p>
+          <a:p>
+            <a:r>
+              <a:rPr lang="en-US" sz="1600" dirty="0">
+                <a:latin typeface="Courier New" panose="02070309020205020404" pitchFamily="49" charset="0"/>
+                <a:cs typeface="Courier New" panose="02070309020205020404" pitchFamily="49" charset="0"/>
+              </a:rPr>
+              <a:t>Fixed coefficients</a:t>
+            </a:r>
+          </a:p>
+          <a:p>
+            <a:r>
+              <a:rPr lang="en-US" sz="1600" dirty="0">
+                <a:latin typeface="Courier New" panose="02070309020205020404" pitchFamily="49" charset="0"/>
+                <a:cs typeface="Courier New" panose="02070309020205020404" pitchFamily="49" charset="0"/>
+              </a:rPr>
+              <a:t>           </a:t>
+            </a:r>
+            <a:r>
+              <a:rPr lang="en-US" sz="1600" dirty="0" err="1">
+                <a:latin typeface="Courier New" panose="02070309020205020404" pitchFamily="49" charset="0"/>
+                <a:cs typeface="Courier New" panose="02070309020205020404" pitchFamily="49" charset="0"/>
+              </a:rPr>
+              <a:t>coef</a:t>
+            </a:r>
+            <a:r>
+              <a:rPr lang="en-US" sz="1600" dirty="0">
+                <a:latin typeface="Courier New" panose="02070309020205020404" pitchFamily="49" charset="0"/>
+                <a:cs typeface="Courier New" panose="02070309020205020404" pitchFamily="49" charset="0"/>
+              </a:rPr>
+              <a:t> exp(</a:t>
+            </a:r>
+            <a:r>
+              <a:rPr lang="en-US" sz="1600" dirty="0" err="1">
+                <a:latin typeface="Courier New" panose="02070309020205020404" pitchFamily="49" charset="0"/>
+                <a:cs typeface="Courier New" panose="02070309020205020404" pitchFamily="49" charset="0"/>
+              </a:rPr>
+              <a:t>coef</a:t>
+            </a:r>
+            <a:r>
+              <a:rPr lang="en-US" sz="1600" dirty="0">
+                <a:latin typeface="Courier New" panose="02070309020205020404" pitchFamily="49" charset="0"/>
+                <a:cs typeface="Courier New" panose="02070309020205020404" pitchFamily="49" charset="0"/>
+              </a:rPr>
+              <a:t>)  se(</a:t>
+            </a:r>
+            <a:r>
+              <a:rPr lang="en-US" sz="1600" dirty="0" err="1">
+                <a:latin typeface="Courier New" panose="02070309020205020404" pitchFamily="49" charset="0"/>
+                <a:cs typeface="Courier New" panose="02070309020205020404" pitchFamily="49" charset="0"/>
+              </a:rPr>
+              <a:t>coef</a:t>
+            </a:r>
+            <a:r>
+              <a:rPr lang="en-US" sz="1600" dirty="0">
+                <a:latin typeface="Courier New" panose="02070309020205020404" pitchFamily="49" charset="0"/>
+                <a:cs typeface="Courier New" panose="02070309020205020404" pitchFamily="49" charset="0"/>
+              </a:rPr>
+              <a:t>)    z       p</a:t>
+            </a:r>
+          </a:p>
+          <a:p>
+            <a:r>
+              <a:rPr lang="en-US" sz="1600" dirty="0">
+                <a:latin typeface="Courier New" panose="02070309020205020404" pitchFamily="49" charset="0"/>
+                <a:cs typeface="Courier New" panose="02070309020205020404" pitchFamily="49" charset="0"/>
+              </a:rPr>
+              <a:t>mutant 1.236609  3.443914 0.2205358 5.61 2.1e-08</a:t>
+            </a:r>
+          </a:p>
+          <a:p>
+            <a:endParaRPr lang="en-US" sz="1600" dirty="0">
+              <a:latin typeface="Courier New" panose="02070309020205020404" pitchFamily="49" charset="0"/>
+              <a:cs typeface="Courier New" panose="02070309020205020404" pitchFamily="49" charset="0"/>
+            </a:endParaRPr>
+          </a:p>
+          <a:p>
+            <a:r>
+              <a:rPr lang="en-US" sz="1600" dirty="0">
+                <a:latin typeface="Courier New" panose="02070309020205020404" pitchFamily="49" charset="0"/>
+                <a:cs typeface="Courier New" panose="02070309020205020404" pitchFamily="49" charset="0"/>
+              </a:rPr>
+              <a:t>Random effects</a:t>
+            </a:r>
+          </a:p>
+          <a:p>
+            <a:r>
+              <a:rPr lang="en-US" sz="1600" dirty="0">
+                <a:latin typeface="Courier New" panose="02070309020205020404" pitchFamily="49" charset="0"/>
+                <a:cs typeface="Courier New" panose="02070309020205020404" pitchFamily="49" charset="0"/>
+              </a:rPr>
+              <a:t> Group Variable  Std Dev   Variance </a:t>
+            </a:r>
+          </a:p>
+          <a:p>
+            <a:r>
+              <a:rPr lang="en-US" sz="1600" dirty="0">
+                <a:latin typeface="Courier New" panose="02070309020205020404" pitchFamily="49" charset="0"/>
+                <a:cs typeface="Courier New" panose="02070309020205020404" pitchFamily="49" charset="0"/>
+              </a:rPr>
+              <a:t> </a:t>
+            </a:r>
+            <a:r>
+              <a:rPr lang="en-US" sz="1600" dirty="0" err="1">
+                <a:latin typeface="Courier New" panose="02070309020205020404" pitchFamily="49" charset="0"/>
+                <a:cs typeface="Courier New" panose="02070309020205020404" pitchFamily="49" charset="0"/>
+              </a:rPr>
+              <a:t>famID</a:t>
+            </a:r>
+            <a:r>
+              <a:rPr lang="en-US" sz="1600" dirty="0">
+                <a:latin typeface="Courier New" panose="02070309020205020404" pitchFamily="49" charset="0"/>
+                <a:cs typeface="Courier New" panose="02070309020205020404" pitchFamily="49" charset="0"/>
+              </a:rPr>
+              <a:t> Intercept 0.5912135 0.3495334</a:t>
+            </a:r>
+          </a:p>
+        </p:txBody>
+      </p:sp>
+      <p:sp>
+        <p:nvSpPr>
+          <p:cNvPr id="4" name="Footer Placeholder 3"/>
+          <p:cNvSpPr>
+            <a:spLocks noGrp="1"/>
+          </p:cNvSpPr>
+          <p:nvPr>
+            <p:ph type="ftr" sz="quarter" idx="10"/>
+          </p:nvPr>
+        </p:nvSpPr>
+        <p:spPr/>
+        <p:txBody>
+          <a:bodyPr/>
+          <a:lstStyle/>
+          <a:p>
+            <a:pPr>
+              <a:defRPr/>
+            </a:pPr>
+            <a:r>
+              <a:rPr lang="en-US" altLang="en-US" dirty="0"/>
+              <a:t>©2018 Steve Simon    http://TheAnalysisFactor.com</a:t>
+            </a:r>
+          </a:p>
+        </p:txBody>
+      </p:sp>
+      <p:sp>
+        <p:nvSpPr>
+          <p:cNvPr id="5" name="Slide Number Placeholder 4"/>
+          <p:cNvSpPr>
+            <a:spLocks noGrp="1"/>
+          </p:cNvSpPr>
+          <p:nvPr>
+            <p:ph type="sldNum" sz="quarter" idx="11"/>
+          </p:nvPr>
+        </p:nvSpPr>
+        <p:spPr/>
+        <p:txBody>
+          <a:bodyPr/>
+          <a:lstStyle/>
+          <a:p>
+            <a:pPr>
+              <a:defRPr/>
+            </a:pPr>
+            <a:endParaRPr lang="en-US"/>
+          </a:p>
+          <a:p>
+            <a:pPr>
+              <a:defRPr/>
+            </a:pPr>
+            <a:fld id="{E9A8CBA3-AA2B-46A6-BFA3-DCEBEAAB3F0A}" type="slidenum">
+              <a:rPr lang="en-US" smtClean="0"/>
+              <a:pPr>
+                <a:defRPr/>
+              </a:pPr>
+              <a:t>44</a:t>
+            </a:fld>
+            <a:endParaRPr lang="en-US"/>
+          </a:p>
+        </p:txBody>
+      </p:sp>
+      <p:sp>
+        <p:nvSpPr>
+          <p:cNvPr id="6" name="Text Placeholder 5"/>
+          <p:cNvSpPr>
+            <a:spLocks noGrp="1"/>
+          </p:cNvSpPr>
+          <p:nvPr>
+            <p:ph type="body" sz="quarter" idx="12"/>
+          </p:nvPr>
+        </p:nvSpPr>
+        <p:spPr/>
+        <p:txBody>
+          <a:bodyPr/>
+          <a:lstStyle/>
+          <a:p>
+            <a:r>
+              <a:rPr lang="en-US" dirty="0">
+                <a:cs typeface="Calibri" panose="020F0502020204030204" pitchFamily="34" charset="0"/>
+              </a:rPr>
+              <a:t>Frailty model (</a:t>
+            </a:r>
+            <a:r>
+              <a:rPr lang="en-US" dirty="0" err="1">
+                <a:cs typeface="Calibri" panose="020F0502020204030204" pitchFamily="34" charset="0"/>
+              </a:rPr>
+              <a:t>coxme</a:t>
+            </a:r>
+            <a:r>
+              <a:rPr lang="en-US" dirty="0">
+                <a:cs typeface="Calibri" panose="020F0502020204030204" pitchFamily="34" charset="0"/>
+              </a:rPr>
+              <a:t>)</a:t>
+            </a:r>
+          </a:p>
+        </p:txBody>
+      </p:sp>
+    </p:spTree>
+    <p:extLst>
+      <p:ext uri="{BB962C8B-B14F-4D97-AF65-F5344CB8AC3E}">
+        <p14:creationId xmlns:p14="http://schemas.microsoft.com/office/powerpoint/2010/main" val="1687591325"/>
+      </p:ext>
+    </p:extLst>
+  </p:cSld>
+  <p:clrMapOvr>
+    <a:masterClrMapping/>
+  </p:clrMapOvr>
+</p:sld>
+</file>
+
+<file path=ppt/slides/slide45.xml><?xml version="1.0" encoding="utf-8"?>
+<p:sld xmlns:a="http://schemas.openxmlformats.org/drawingml/2006/main" xmlns:r="http://schemas.openxmlformats.org/officeDocument/2006/relationships" xmlns:p="http://schemas.openxmlformats.org/presentationml/2006/main">
+  <p:cSld>
+    <p:spTree>
+      <p:nvGrpSpPr>
+        <p:cNvPr id="1" name=""/>
+        <p:cNvGrpSpPr/>
+        <p:nvPr/>
+      </p:nvGrpSpPr>
+      <p:grpSpPr>
+        <a:xfrm>
+          <a:off x="0" y="0"/>
+          <a:ext cx="0" cy="0"/>
+          <a:chOff x="0" y="0"/>
+          <a:chExt cx="0" cy="0"/>
+        </a:xfrm>
+      </p:grpSpPr>
+      <p:sp>
+        <p:nvSpPr>
+          <p:cNvPr id="2" name="Title 1"/>
+          <p:cNvSpPr>
+            <a:spLocks noGrp="1"/>
+          </p:cNvSpPr>
+          <p:nvPr>
+            <p:ph type="title"/>
+          </p:nvPr>
+        </p:nvSpPr>
+        <p:spPr/>
+        <p:txBody>
+          <a:bodyPr/>
+          <a:lstStyle/>
+          <a:p>
+            <a:r>
+              <a:rPr lang="en-US" dirty="0"/>
+              <a:t>Rats data set</a:t>
+            </a:r>
+          </a:p>
+        </p:txBody>
+      </p:sp>
+      <p:sp>
+        <p:nvSpPr>
+          <p:cNvPr id="3" name="Text Placeholder 2"/>
+          <p:cNvSpPr>
+            <a:spLocks noGrp="1"/>
+          </p:cNvSpPr>
+          <p:nvPr>
+            <p:ph type="body" idx="1"/>
+          </p:nvPr>
+        </p:nvSpPr>
+        <p:spPr/>
+        <p:txBody>
+          <a:bodyPr/>
+          <a:lstStyle/>
+          <a:p>
+            <a:r>
+              <a:rPr lang="en-US" sz="1600" dirty="0">
+                <a:latin typeface="Courier New" panose="02070309020205020404" pitchFamily="49" charset="0"/>
+                <a:cs typeface="Courier New" panose="02070309020205020404" pitchFamily="49" charset="0"/>
+              </a:rPr>
+              <a:t>                  </a:t>
+            </a:r>
+            <a:r>
+              <a:rPr lang="en-US" sz="1600" dirty="0" err="1">
+                <a:latin typeface="Courier New" panose="02070309020205020404" pitchFamily="49" charset="0"/>
+                <a:cs typeface="Courier New" panose="02070309020205020404" pitchFamily="49" charset="0"/>
+              </a:rPr>
+              <a:t>coef</a:t>
+            </a:r>
+            <a:r>
+              <a:rPr lang="en-US" sz="1600" dirty="0">
+                <a:latin typeface="Courier New" panose="02070309020205020404" pitchFamily="49" charset="0"/>
+                <a:cs typeface="Courier New" panose="02070309020205020404" pitchFamily="49" charset="0"/>
+              </a:rPr>
+              <a:t> se(</a:t>
+            </a:r>
+            <a:r>
+              <a:rPr lang="en-US" sz="1600" dirty="0" err="1">
+                <a:latin typeface="Courier New" panose="02070309020205020404" pitchFamily="49" charset="0"/>
+                <a:cs typeface="Courier New" panose="02070309020205020404" pitchFamily="49" charset="0"/>
+              </a:rPr>
+              <a:t>coef</a:t>
+            </a:r>
+            <a:r>
+              <a:rPr lang="en-US" sz="1600" dirty="0">
+                <a:latin typeface="Courier New" panose="02070309020205020404" pitchFamily="49" charset="0"/>
+                <a:cs typeface="Courier New" panose="02070309020205020404" pitchFamily="49" charset="0"/>
+              </a:rPr>
+              <a:t>)    se2  </a:t>
+            </a:r>
+            <a:r>
+              <a:rPr lang="en-US" sz="1600" dirty="0" err="1">
+                <a:latin typeface="Courier New" panose="02070309020205020404" pitchFamily="49" charset="0"/>
+                <a:cs typeface="Courier New" panose="02070309020205020404" pitchFamily="49" charset="0"/>
+              </a:rPr>
+              <a:t>Chisq</a:t>
+            </a:r>
+            <a:r>
+              <a:rPr lang="en-US" sz="1600" dirty="0">
+                <a:latin typeface="Courier New" panose="02070309020205020404" pitchFamily="49" charset="0"/>
+                <a:cs typeface="Courier New" panose="02070309020205020404" pitchFamily="49" charset="0"/>
+              </a:rPr>
+              <a:t>   DF      p</a:t>
+            </a:r>
+          </a:p>
+          <a:p>
+            <a:r>
+              <a:rPr lang="en-US" sz="1600" dirty="0" err="1">
+                <a:latin typeface="Courier New" panose="02070309020205020404" pitchFamily="49" charset="0"/>
+                <a:cs typeface="Courier New" panose="02070309020205020404" pitchFamily="49" charset="0"/>
+              </a:rPr>
+              <a:t>rx</a:t>
+            </a:r>
+            <a:r>
+              <a:rPr lang="en-US" sz="1600" dirty="0">
+                <a:latin typeface="Courier New" panose="02070309020205020404" pitchFamily="49" charset="0"/>
+                <a:cs typeface="Courier New" panose="02070309020205020404" pitchFamily="49" charset="0"/>
+              </a:rPr>
+              <a:t>               0.914    0.323  0.319  8.012  1.0 0.0046</a:t>
+            </a:r>
+          </a:p>
+          <a:p>
+            <a:r>
+              <a:rPr lang="en-US" sz="1600" dirty="0">
+                <a:latin typeface="Courier New" panose="02070309020205020404" pitchFamily="49" charset="0"/>
+                <a:cs typeface="Courier New" panose="02070309020205020404" pitchFamily="49" charset="0"/>
+              </a:rPr>
+              <a:t>frailty(litter)                        17.692 14.4 0.2443</a:t>
+            </a:r>
+          </a:p>
+          <a:p>
+            <a:endParaRPr lang="en-US" sz="1600" dirty="0">
+              <a:latin typeface="Courier New" panose="02070309020205020404" pitchFamily="49" charset="0"/>
+              <a:cs typeface="Courier New" panose="02070309020205020404" pitchFamily="49" charset="0"/>
+            </a:endParaRPr>
+          </a:p>
+          <a:p>
+            <a:r>
+              <a:rPr lang="en-US" sz="1600" dirty="0">
+                <a:latin typeface="Courier New" panose="02070309020205020404" pitchFamily="49" charset="0"/>
+                <a:cs typeface="Courier New" panose="02070309020205020404" pitchFamily="49" charset="0"/>
+              </a:rPr>
+              <a:t>Iterations: 6 outer, 24 Newton-Raphson</a:t>
+            </a:r>
+          </a:p>
+          <a:p>
+            <a:r>
+              <a:rPr lang="en-US" sz="1600" dirty="0">
+                <a:latin typeface="Courier New" panose="02070309020205020404" pitchFamily="49" charset="0"/>
+                <a:cs typeface="Courier New" panose="02070309020205020404" pitchFamily="49" charset="0"/>
+              </a:rPr>
+              <a:t>     Variance of random effect= 0.499   I-likelihood = -180.8 </a:t>
+            </a:r>
+          </a:p>
+          <a:p>
+            <a:r>
+              <a:rPr lang="en-US" sz="1600" dirty="0">
+                <a:latin typeface="Courier New" panose="02070309020205020404" pitchFamily="49" charset="0"/>
+                <a:cs typeface="Courier New" panose="02070309020205020404" pitchFamily="49" charset="0"/>
+              </a:rPr>
+              <a:t>Degrees of freedom for terms=  1.0 14.4 </a:t>
+            </a:r>
+          </a:p>
+          <a:p>
+            <a:r>
+              <a:rPr lang="en-US" sz="1600" dirty="0">
+                <a:latin typeface="Courier New" panose="02070309020205020404" pitchFamily="49" charset="0"/>
+                <a:cs typeface="Courier New" panose="02070309020205020404" pitchFamily="49" charset="0"/>
+              </a:rPr>
+              <a:t>Likelihood ratio test=37.6  on 15.4 df, p=0.00124  n= 150</a:t>
+            </a:r>
+          </a:p>
+        </p:txBody>
+      </p:sp>
+      <p:sp>
+        <p:nvSpPr>
+          <p:cNvPr id="4" name="Footer Placeholder 3"/>
+          <p:cNvSpPr>
+            <a:spLocks noGrp="1"/>
+          </p:cNvSpPr>
+          <p:nvPr>
+            <p:ph type="ftr" sz="quarter" idx="10"/>
+          </p:nvPr>
+        </p:nvSpPr>
+        <p:spPr/>
+        <p:txBody>
+          <a:bodyPr/>
+          <a:lstStyle/>
+          <a:p>
+            <a:pPr>
+              <a:defRPr/>
+            </a:pPr>
+            <a:r>
+              <a:rPr lang="en-US" altLang="en-US" dirty="0"/>
+              <a:t>©2018 Steve Simon    http://TheAnalysisFactor.com</a:t>
+            </a:r>
+          </a:p>
+        </p:txBody>
+      </p:sp>
+      <p:sp>
+        <p:nvSpPr>
+          <p:cNvPr id="5" name="Slide Number Placeholder 4"/>
+          <p:cNvSpPr>
+            <a:spLocks noGrp="1"/>
+          </p:cNvSpPr>
+          <p:nvPr>
+            <p:ph type="sldNum" sz="quarter" idx="11"/>
+          </p:nvPr>
+        </p:nvSpPr>
+        <p:spPr/>
+        <p:txBody>
+          <a:bodyPr/>
+          <a:lstStyle/>
+          <a:p>
+            <a:pPr>
+              <a:defRPr/>
+            </a:pPr>
+            <a:endParaRPr lang="en-US"/>
+          </a:p>
+          <a:p>
+            <a:pPr>
+              <a:defRPr/>
+            </a:pPr>
+            <a:fld id="{E9A8CBA3-AA2B-46A6-BFA3-DCEBEAAB3F0A}" type="slidenum">
+              <a:rPr lang="en-US" smtClean="0"/>
+              <a:pPr>
+                <a:defRPr/>
+              </a:pPr>
+              <a:t>45</a:t>
+            </a:fld>
+            <a:endParaRPr lang="en-US"/>
+          </a:p>
+        </p:txBody>
+      </p:sp>
+      <p:sp>
+        <p:nvSpPr>
+          <p:cNvPr id="6" name="Text Placeholder 5"/>
+          <p:cNvSpPr>
+            <a:spLocks noGrp="1"/>
+          </p:cNvSpPr>
+          <p:nvPr>
+            <p:ph type="body" sz="quarter" idx="12"/>
+          </p:nvPr>
+        </p:nvSpPr>
+        <p:spPr/>
+        <p:txBody>
+          <a:bodyPr/>
+          <a:lstStyle/>
+          <a:p>
+            <a:r>
+              <a:rPr lang="en-US" dirty="0">
+                <a:cs typeface="Calibri" panose="020F0502020204030204" pitchFamily="34" charset="0"/>
+              </a:rPr>
+              <a:t>Frailty model</a:t>
+            </a:r>
+          </a:p>
+        </p:txBody>
+      </p:sp>
+    </p:spTree>
+    <p:extLst>
+      <p:ext uri="{BB962C8B-B14F-4D97-AF65-F5344CB8AC3E}">
+        <p14:creationId xmlns:p14="http://schemas.microsoft.com/office/powerpoint/2010/main" val="76931530"/>
+      </p:ext>
+    </p:extLst>
+  </p:cSld>
+  <p:clrMapOvr>
+    <a:masterClrMapping/>
+  </p:clrMapOvr>
+</p:sld>
+</file>
+
+<file path=ppt/slides/slide46.xml><?xml version="1.0" encoding="utf-8"?>
+<p:sld xmlns:a="http://schemas.openxmlformats.org/drawingml/2006/main" xmlns:r="http://schemas.openxmlformats.org/officeDocument/2006/relationships" xmlns:p="http://schemas.openxmlformats.org/presentationml/2006/main">
+  <p:cSld>
+    <p:spTree>
+      <p:nvGrpSpPr>
+        <p:cNvPr id="1" name=""/>
+        <p:cNvGrpSpPr/>
+        <p:nvPr/>
+      </p:nvGrpSpPr>
+      <p:grpSpPr>
+        <a:xfrm>
+          <a:off x="0" y="0"/>
+          <a:ext cx="0" cy="0"/>
+          <a:chOff x="0" y="0"/>
+          <a:chExt cx="0" cy="0"/>
+        </a:xfrm>
+      </p:grpSpPr>
+      <p:sp>
+        <p:nvSpPr>
+          <p:cNvPr id="2" name="Title 1"/>
+          <p:cNvSpPr>
+            <a:spLocks noGrp="1"/>
+          </p:cNvSpPr>
+          <p:nvPr>
+            <p:ph type="title"/>
+          </p:nvPr>
+        </p:nvSpPr>
+        <p:spPr/>
+        <p:txBody>
+          <a:bodyPr/>
+          <a:lstStyle/>
+          <a:p>
+            <a:r>
+              <a:rPr lang="en-US" dirty="0"/>
+              <a:t>Three models for repeated events</a:t>
+            </a:r>
+          </a:p>
+        </p:txBody>
+      </p:sp>
+      <p:sp>
+        <p:nvSpPr>
+          <p:cNvPr id="4" name="Footer Placeholder 3"/>
+          <p:cNvSpPr>
+            <a:spLocks noGrp="1"/>
+          </p:cNvSpPr>
+          <p:nvPr>
+            <p:ph type="ftr" sz="quarter" idx="10"/>
+          </p:nvPr>
+        </p:nvSpPr>
+        <p:spPr/>
+        <p:txBody>
+          <a:bodyPr/>
+          <a:lstStyle/>
+          <a:p>
+            <a:pPr>
+              <a:defRPr/>
+            </a:pPr>
+            <a:r>
+              <a:rPr lang="en-US" altLang="en-US" dirty="0"/>
+              <a:t>©2018 Steve Simon    http://TheAnalysisFactor.com</a:t>
+            </a:r>
+          </a:p>
+        </p:txBody>
+      </p:sp>
+      <p:sp>
+        <p:nvSpPr>
+          <p:cNvPr id="5" name="Slide Number Placeholder 4"/>
+          <p:cNvSpPr>
+            <a:spLocks noGrp="1"/>
+          </p:cNvSpPr>
+          <p:nvPr>
+            <p:ph type="sldNum" sz="quarter" idx="11"/>
+          </p:nvPr>
+        </p:nvSpPr>
+        <p:spPr/>
+        <p:txBody>
+          <a:bodyPr/>
+          <a:lstStyle/>
+          <a:p>
+            <a:pPr>
+              <a:defRPr/>
+            </a:pPr>
+            <a:endParaRPr lang="en-US"/>
+          </a:p>
+          <a:p>
+            <a:pPr>
+              <a:defRPr/>
+            </a:pPr>
+            <a:fld id="{E9A8CBA3-AA2B-46A6-BFA3-DCEBEAAB3F0A}" type="slidenum">
+              <a:rPr lang="en-US" smtClean="0"/>
+              <a:pPr>
+                <a:defRPr/>
+              </a:pPr>
+              <a:t>46</a:t>
             </a:fld>
             <a:endParaRPr lang="en-US"/>
           </a:p>
@@ -8206,7 +12425,7 @@
 </p:sld>
 </file>
 
-<file path=ppt/slides/slide29.xml><?xml version="1.0" encoding="utf-8"?>
+<file path=ppt/slides/slide47.xml><?xml version="1.0" encoding="utf-8"?>
 <p:sld xmlns:a="http://schemas.openxmlformats.org/drawingml/2006/main" xmlns:r="http://schemas.openxmlformats.org/officeDocument/2006/relationships" xmlns:p="http://schemas.openxmlformats.org/presentationml/2006/main">
   <p:cSld>
     <p:spTree>
@@ -8240,7 +12459,7 @@
           <a:p>
             <a:r>
               <a:rPr lang="en-US" dirty="0"/>
-              <a:t>Conclusion</a:t>
+              <a:t>Kidney data set</a:t>
             </a:r>
           </a:p>
         </p:txBody>
@@ -8260,13 +12479,242 @@
           <a:bodyPr/>
           <a:lstStyle/>
           <a:p>
-            <a:pPr marL="457200" indent="-457200">
-              <a:buFont typeface="+mj-lt"/>
-              <a:buAutoNum type="arabicPeriod"/>
-            </a:pPr>
-            <a:endParaRPr lang="en-US" dirty="0">
-              <a:latin typeface="+mj-lt"/>
+            <a:r>
+              <a:rPr lang="en-US" sz="1600" dirty="0">
+                <a:latin typeface="Courier New" panose="02070309020205020404" pitchFamily="49" charset="0"/>
+                <a:cs typeface="Courier New" panose="02070309020205020404" pitchFamily="49" charset="0"/>
+              </a:rPr>
+              <a:t>                 </a:t>
+            </a:r>
+            <a:r>
+              <a:rPr lang="en-US" sz="1600" dirty="0" err="1">
+                <a:latin typeface="Courier New" panose="02070309020205020404" pitchFamily="49" charset="0"/>
+                <a:cs typeface="Courier New" panose="02070309020205020404" pitchFamily="49" charset="0"/>
+              </a:rPr>
+              <a:t>coef</a:t>
+            </a:r>
+            <a:r>
+              <a:rPr lang="en-US" sz="1600" dirty="0">
+                <a:latin typeface="Courier New" panose="02070309020205020404" pitchFamily="49" charset="0"/>
+                <a:cs typeface="Courier New" panose="02070309020205020404" pitchFamily="49" charset="0"/>
+              </a:rPr>
+              <a:t>  se(</a:t>
+            </a:r>
+            <a:r>
+              <a:rPr lang="en-US" sz="1600" dirty="0" err="1">
+                <a:latin typeface="Courier New" panose="02070309020205020404" pitchFamily="49" charset="0"/>
+                <a:cs typeface="Courier New" panose="02070309020205020404" pitchFamily="49" charset="0"/>
+              </a:rPr>
+              <a:t>coef</a:t>
+            </a:r>
+            <a:r>
+              <a:rPr lang="en-US" sz="1600" dirty="0">
+                <a:latin typeface="Courier New" panose="02070309020205020404" pitchFamily="49" charset="0"/>
+                <a:cs typeface="Courier New" panose="02070309020205020404" pitchFamily="49" charset="0"/>
+              </a:rPr>
+              <a:t>)       se2     </a:t>
+            </a:r>
+            <a:r>
+              <a:rPr lang="en-US" sz="1600" dirty="0" err="1">
+                <a:latin typeface="Courier New" panose="02070309020205020404" pitchFamily="49" charset="0"/>
+                <a:cs typeface="Courier New" panose="02070309020205020404" pitchFamily="49" charset="0"/>
+              </a:rPr>
+              <a:t>Chisq</a:t>
+            </a:r>
+            <a:r>
+              <a:rPr lang="en-US" sz="1600" dirty="0">
+                <a:latin typeface="Courier New" panose="02070309020205020404" pitchFamily="49" charset="0"/>
+                <a:cs typeface="Courier New" panose="02070309020205020404" pitchFamily="49" charset="0"/>
+              </a:rPr>
+              <a:t> DF       p</a:t>
+            </a:r>
+          </a:p>
+          <a:p>
+            <a:r>
+              <a:rPr lang="en-US" sz="1600" dirty="0">
+                <a:latin typeface="Courier New" panose="02070309020205020404" pitchFamily="49" charset="0"/>
+                <a:cs typeface="Courier New" panose="02070309020205020404" pitchFamily="49" charset="0"/>
+              </a:rPr>
+              <a:t>age          3.18e-03  1.11e-02  </a:t>
+            </a:r>
+            <a:r>
+              <a:rPr lang="en-US" sz="1600" dirty="0" err="1">
+                <a:latin typeface="Courier New" panose="02070309020205020404" pitchFamily="49" charset="0"/>
+                <a:cs typeface="Courier New" panose="02070309020205020404" pitchFamily="49" charset="0"/>
+              </a:rPr>
+              <a:t>1.11e-02</a:t>
+            </a:r>
+            <a:r>
+              <a:rPr lang="en-US" sz="1600" dirty="0">
+                <a:latin typeface="Courier New" panose="02070309020205020404" pitchFamily="49" charset="0"/>
+                <a:cs typeface="Courier New" panose="02070309020205020404" pitchFamily="49" charset="0"/>
+              </a:rPr>
+              <a:t>  8.14e-02  1   0.775</a:t>
+            </a:r>
+          </a:p>
+          <a:p>
+            <a:r>
+              <a:rPr lang="en-US" sz="1600" dirty="0">
+                <a:latin typeface="Courier New" panose="02070309020205020404" pitchFamily="49" charset="0"/>
+                <a:cs typeface="Courier New" panose="02070309020205020404" pitchFamily="49" charset="0"/>
+              </a:rPr>
+              <a:t>sex         -1.48e+00  3.58e-01  </a:t>
+            </a:r>
+            <a:r>
+              <a:rPr lang="en-US" sz="1600" dirty="0" err="1">
+                <a:latin typeface="Courier New" panose="02070309020205020404" pitchFamily="49" charset="0"/>
+                <a:cs typeface="Courier New" panose="02070309020205020404" pitchFamily="49" charset="0"/>
+              </a:rPr>
+              <a:t>3.58e-01</a:t>
+            </a:r>
+            <a:r>
+              <a:rPr lang="en-US" sz="1600" dirty="0">
+                <a:latin typeface="Courier New" panose="02070309020205020404" pitchFamily="49" charset="0"/>
+                <a:cs typeface="Courier New" panose="02070309020205020404" pitchFamily="49" charset="0"/>
+              </a:rPr>
+              <a:t>  1.71e+01  1 3.5e-05</a:t>
+            </a:r>
+          </a:p>
+          <a:p>
+            <a:r>
+              <a:rPr lang="en-US" sz="1600" dirty="0" err="1">
+                <a:latin typeface="Courier New" panose="02070309020205020404" pitchFamily="49" charset="0"/>
+                <a:cs typeface="Courier New" panose="02070309020205020404" pitchFamily="49" charset="0"/>
+              </a:rPr>
+              <a:t>diseaseGN</a:t>
+            </a:r>
+            <a:r>
+              <a:rPr lang="en-US" sz="1600" dirty="0">
+                <a:latin typeface="Courier New" panose="02070309020205020404" pitchFamily="49" charset="0"/>
+                <a:cs typeface="Courier New" panose="02070309020205020404" pitchFamily="49" charset="0"/>
+              </a:rPr>
+              <a:t>    8.80e-02  4.06e-01  </a:t>
+            </a:r>
+            <a:r>
+              <a:rPr lang="en-US" sz="1600" dirty="0" err="1">
+                <a:latin typeface="Courier New" panose="02070309020205020404" pitchFamily="49" charset="0"/>
+                <a:cs typeface="Courier New" panose="02070309020205020404" pitchFamily="49" charset="0"/>
+              </a:rPr>
+              <a:t>4.06e-01</a:t>
+            </a:r>
+            <a:r>
+              <a:rPr lang="en-US" sz="1600" dirty="0">
+                <a:latin typeface="Courier New" panose="02070309020205020404" pitchFamily="49" charset="0"/>
+                <a:cs typeface="Courier New" panose="02070309020205020404" pitchFamily="49" charset="0"/>
+              </a:rPr>
+              <a:t>  4.68e-02  1   0.829</a:t>
+            </a:r>
+          </a:p>
+          <a:p>
+            <a:r>
+              <a:rPr lang="en-US" sz="1600" dirty="0" err="1">
+                <a:latin typeface="Courier New" panose="02070309020205020404" pitchFamily="49" charset="0"/>
+                <a:cs typeface="Courier New" panose="02070309020205020404" pitchFamily="49" charset="0"/>
+              </a:rPr>
+              <a:t>diseaseAN</a:t>
+            </a:r>
+            <a:r>
+              <a:rPr lang="en-US" sz="1600" dirty="0">
+                <a:latin typeface="Courier New" panose="02070309020205020404" pitchFamily="49" charset="0"/>
+                <a:cs typeface="Courier New" panose="02070309020205020404" pitchFamily="49" charset="0"/>
+              </a:rPr>
+              <a:t>    3.51e-01  4.00e-01  </a:t>
+            </a:r>
+            <a:r>
+              <a:rPr lang="en-US" sz="1600" dirty="0" err="1">
+                <a:latin typeface="Courier New" panose="02070309020205020404" pitchFamily="49" charset="0"/>
+                <a:cs typeface="Courier New" panose="02070309020205020404" pitchFamily="49" charset="0"/>
+              </a:rPr>
+              <a:t>4.00e-01</a:t>
+            </a:r>
+            <a:r>
+              <a:rPr lang="en-US" sz="1600" dirty="0">
+                <a:latin typeface="Courier New" panose="02070309020205020404" pitchFamily="49" charset="0"/>
+                <a:cs typeface="Courier New" panose="02070309020205020404" pitchFamily="49" charset="0"/>
+              </a:rPr>
+              <a:t>  7.70e-01  1   0.380</a:t>
+            </a:r>
+          </a:p>
+          <a:p>
+            <a:r>
+              <a:rPr lang="en-US" sz="1600" dirty="0" err="1">
+                <a:latin typeface="Courier New" panose="02070309020205020404" pitchFamily="49" charset="0"/>
+                <a:cs typeface="Courier New" panose="02070309020205020404" pitchFamily="49" charset="0"/>
+              </a:rPr>
+              <a:t>diseasePKD</a:t>
+            </a:r>
+            <a:r>
+              <a:rPr lang="en-US" sz="1600" dirty="0">
+                <a:latin typeface="Courier New" panose="02070309020205020404" pitchFamily="49" charset="0"/>
+                <a:cs typeface="Courier New" panose="02070309020205020404" pitchFamily="49" charset="0"/>
+              </a:rPr>
+              <a:t>  -1.43e+00  6.31e-01  </a:t>
+            </a:r>
+            <a:r>
+              <a:rPr lang="en-US" sz="1600" dirty="0" err="1">
+                <a:latin typeface="Courier New" panose="02070309020205020404" pitchFamily="49" charset="0"/>
+                <a:cs typeface="Courier New" panose="02070309020205020404" pitchFamily="49" charset="0"/>
+              </a:rPr>
+              <a:t>6.31e-01</a:t>
+            </a:r>
+            <a:r>
+              <a:rPr lang="en-US" sz="1600" dirty="0">
+                <a:latin typeface="Courier New" panose="02070309020205020404" pitchFamily="49" charset="0"/>
+                <a:cs typeface="Courier New" panose="02070309020205020404" pitchFamily="49" charset="0"/>
+              </a:rPr>
+              <a:t>  5.14e+00  1   0.023</a:t>
+            </a:r>
+          </a:p>
+          <a:p>
+            <a:r>
+              <a:rPr lang="en-US" sz="1600" dirty="0">
+                <a:latin typeface="Courier New" panose="02070309020205020404" pitchFamily="49" charset="0"/>
+                <a:cs typeface="Courier New" panose="02070309020205020404" pitchFamily="49" charset="0"/>
+              </a:rPr>
+              <a:t>frailty(id)                                2.71e-05  0   0.933</a:t>
+            </a:r>
+          </a:p>
+          <a:p>
+            <a:endParaRPr lang="en-US" sz="1600" dirty="0">
+              <a:latin typeface="Courier New" panose="02070309020205020404" pitchFamily="49" charset="0"/>
+              <a:cs typeface="Courier New" panose="02070309020205020404" pitchFamily="49" charset="0"/>
             </a:endParaRPr>
+          </a:p>
+          <a:p>
+            <a:r>
+              <a:rPr lang="en-US" sz="1600" dirty="0">
+                <a:latin typeface="Courier New" panose="02070309020205020404" pitchFamily="49" charset="0"/>
+                <a:cs typeface="Courier New" panose="02070309020205020404" pitchFamily="49" charset="0"/>
+              </a:rPr>
+              <a:t>Iterations: 6 outer, 35 Newton-Raphson</a:t>
+            </a:r>
+          </a:p>
+          <a:p>
+            <a:r>
+              <a:rPr lang="en-US" sz="1600" dirty="0">
+                <a:latin typeface="Courier New" panose="02070309020205020404" pitchFamily="49" charset="0"/>
+                <a:cs typeface="Courier New" panose="02070309020205020404" pitchFamily="49" charset="0"/>
+              </a:rPr>
+              <a:t>     Variance of random effect= 5e-07   I-likelihood = -179.1 </a:t>
+            </a:r>
+          </a:p>
+          <a:p>
+            <a:r>
+              <a:rPr lang="en-US" sz="1600" dirty="0">
+                <a:latin typeface="Courier New" panose="02070309020205020404" pitchFamily="49" charset="0"/>
+                <a:cs typeface="Courier New" panose="02070309020205020404" pitchFamily="49" charset="0"/>
+              </a:rPr>
+              <a:t>Degrees of freedom for terms= 1 1 3 0 </a:t>
+            </a:r>
+          </a:p>
+          <a:p>
+            <a:r>
+              <a:rPr lang="en-US" sz="1600" dirty="0">
+                <a:latin typeface="Courier New" panose="02070309020205020404" pitchFamily="49" charset="0"/>
+                <a:cs typeface="Courier New" panose="02070309020205020404" pitchFamily="49" charset="0"/>
+              </a:rPr>
+              <a:t>Likelihood ratio test=17.6  on 5 df, p=0.00342  n= 76</a:t>
+            </a:r>
           </a:p>
         </p:txBody>
       </p:sp>
@@ -8324,7 +12772,7 @@
               <a:pPr>
                 <a:defRPr/>
               </a:pPr>
-              <a:t>29</a:t>
+              <a:t>47</a:t>
             </a:fld>
             <a:endParaRPr lang="en-US"/>
           </a:p>
@@ -8346,8 +12794,10 @@
           <a:lstStyle/>
           <a:p>
             <a:r>
-              <a:rPr lang="en-US" dirty="0"/>
-              <a:t>What have you learned today?</a:t>
+              <a:rPr lang="en-US" dirty="0">
+                <a:cs typeface="Calibri" panose="020F0502020204030204" pitchFamily="34" charset="0"/>
+              </a:rPr>
+              <a:t>Frailty model</a:t>
             </a:r>
           </a:p>
         </p:txBody>
@@ -8355,7 +12805,7 @@
     </p:spTree>
     <p:extLst>
       <p:ext uri="{BB962C8B-B14F-4D97-AF65-F5344CB8AC3E}">
-        <p14:creationId xmlns:p14="http://schemas.microsoft.com/office/powerpoint/2010/main" val="1691035053"/>
+        <p14:creationId xmlns:p14="http://schemas.microsoft.com/office/powerpoint/2010/main" val="3079891037"/>
       </p:ext>
     </p:extLst>
   </p:cSld>
@@ -8365,7 +12815,7 @@
 </p:sld>
 </file>
 
-<file path=ppt/slides/slide3.xml><?xml version="1.0" encoding="utf-8"?>
+<file path=ppt/slides/slide48.xml><?xml version="1.0" encoding="utf-8"?>
 <p:sld xmlns:a="http://schemas.openxmlformats.org/drawingml/2006/main" xmlns:r="http://schemas.openxmlformats.org/officeDocument/2006/relationships" xmlns:p="http://schemas.openxmlformats.org/presentationml/2006/main">
   <p:cSld>
     <p:spTree>
@@ -8399,7 +12849,71 @@
           <a:p>
             <a:r>
               <a:rPr lang="en-US" dirty="0"/>
-              <a:t>Interval censored data</a:t>
+              <a:t>Conclusion</a:t>
+            </a:r>
+          </a:p>
+        </p:txBody>
+      </p:sp>
+      <p:sp>
+        <p:nvSpPr>
+          <p:cNvPr id="3" name="Text Placeholder 2"/>
+          <p:cNvSpPr>
+            <a:spLocks noGrp="1"/>
+          </p:cNvSpPr>
+          <p:nvPr>
+            <p:ph type="body" idx="1"/>
+          </p:nvPr>
+        </p:nvSpPr>
+        <p:spPr/>
+        <p:txBody>
+          <a:bodyPr/>
+          <a:lstStyle/>
+          <a:p>
+            <a:pPr marL="457200" indent="-457200">
+              <a:buFont typeface="+mj-lt"/>
+              <a:buAutoNum type="arabicPeriod"/>
+            </a:pPr>
+            <a:r>
+              <a:rPr lang="en-US" dirty="0">
+                <a:latin typeface="+mj-lt"/>
+              </a:rPr>
+              <a:t>Left truncation represents a setting where a patient does not enter the risk pool at t=0.</a:t>
+            </a:r>
+          </a:p>
+          <a:p>
+            <a:pPr marL="457200" indent="-457200">
+              <a:buFont typeface="+mj-lt"/>
+              <a:buAutoNum type="arabicPeriod"/>
+            </a:pPr>
+            <a:r>
+              <a:rPr lang="en-US" dirty="0">
+                <a:latin typeface="+mj-lt"/>
+              </a:rPr>
+              <a:t>A cluster model changes the standard errors to account for correlations.</a:t>
+            </a:r>
+          </a:p>
+          <a:p>
+            <a:pPr marL="457200" indent="-457200">
+              <a:buFont typeface="+mj-lt"/>
+              <a:buAutoNum type="arabicPeriod"/>
+            </a:pPr>
+            <a:r>
+              <a:rPr lang="en-US" dirty="0">
+                <a:latin typeface="+mj-lt"/>
+              </a:rPr>
+              <a:t>A frailty model estimates a random multiplicative term for each group.</a:t>
+            </a:r>
+          </a:p>
+          <a:p>
+            <a:pPr marL="457200" indent="-457200">
+              <a:buFont typeface="+mj-lt"/>
+              <a:buAutoNum type="arabicPeriod"/>
+            </a:pPr>
+            <a:r>
+              <a:rPr lang="en-US" dirty="0">
+                <a:latin typeface="+mj-lt"/>
+              </a:rPr>
+              <a:t>There are three different ways to parameterize a model with repeated events.</a:t>
             </a:r>
           </a:p>
         </p:txBody>
@@ -8458,215 +12972,38 @@
               <a:pPr>
                 <a:defRPr/>
               </a:pPr>
-              <a:t>3</a:t>
+              <a:t>48</a:t>
             </a:fld>
             <a:endParaRPr lang="en-US"/>
           </a:p>
         </p:txBody>
       </p:sp>
-      <p:pic>
-        <p:nvPicPr>
-          <p:cNvPr id="6" name="Picture 5">
-            <a:extLst>
-              <a:ext uri="{FF2B5EF4-FFF2-40B4-BE49-F238E27FC236}">
-                <a16:creationId xmlns:a16="http://schemas.microsoft.com/office/drawing/2014/main" id="{26EF7899-826F-498A-BBC5-467CE2A94BBB}"/>
-              </a:ext>
-            </a:extLst>
-          </p:cNvPr>
-          <p:cNvPicPr>
-            <a:picLocks noChangeAspect="1"/>
-          </p:cNvPicPr>
-          <p:nvPr/>
-        </p:nvPicPr>
-        <p:blipFill>
-          <a:blip r:embed="rId2"/>
-          <a:stretch>
-            <a:fillRect/>
-          </a:stretch>
-        </p:blipFill>
-        <p:spPr>
-          <a:xfrm>
-            <a:off x="457200" y="1219200"/>
-            <a:ext cx="8114286" cy="2504762"/>
-          </a:xfrm>
-          <a:prstGeom prst="rect">
-            <a:avLst/>
-          </a:prstGeom>
-        </p:spPr>
-      </p:pic>
+      <p:sp>
+        <p:nvSpPr>
+          <p:cNvPr id="6" name="Text Placeholder 5"/>
+          <p:cNvSpPr>
+            <a:spLocks noGrp="1"/>
+          </p:cNvSpPr>
+          <p:nvPr>
+            <p:ph type="body" sz="quarter" idx="12"/>
+          </p:nvPr>
+        </p:nvSpPr>
+        <p:spPr/>
+        <p:txBody>
+          <a:bodyPr/>
+          <a:lstStyle/>
+          <a:p>
+            <a:r>
+              <a:rPr lang="en-US" dirty="0"/>
+              <a:t>What have you learned today?</a:t>
+            </a:r>
+          </a:p>
+        </p:txBody>
+      </p:sp>
     </p:spTree>
     <p:extLst>
       <p:ext uri="{BB962C8B-B14F-4D97-AF65-F5344CB8AC3E}">
-        <p14:creationId xmlns:p14="http://schemas.microsoft.com/office/powerpoint/2010/main" val="3060898849"/>
-      </p:ext>
-    </p:extLst>
-  </p:cSld>
-  <p:clrMapOvr>
-    <a:masterClrMapping/>
-  </p:clrMapOvr>
-</p:sld>
-</file>
-
-<file path=ppt/slides/slide4.xml><?xml version="1.0" encoding="utf-8"?>
-<p:sld xmlns:a="http://schemas.openxmlformats.org/drawingml/2006/main" xmlns:r="http://schemas.openxmlformats.org/officeDocument/2006/relationships" xmlns:p="http://schemas.openxmlformats.org/presentationml/2006/main">
-  <p:cSld>
-    <p:spTree>
-      <p:nvGrpSpPr>
-        <p:cNvPr id="1" name=""/>
-        <p:cNvGrpSpPr/>
-        <p:nvPr/>
-      </p:nvGrpSpPr>
-      <p:grpSpPr>
-        <a:xfrm>
-          <a:off x="0" y="0"/>
-          <a:ext cx="0" cy="0"/>
-          <a:chOff x="0" y="0"/>
-          <a:chExt cx="0" cy="0"/>
-        </a:xfrm>
-      </p:grpSpPr>
-      <p:sp>
-        <p:nvSpPr>
-          <p:cNvPr id="2" name="Title 1"/>
-          <p:cNvSpPr>
-            <a:spLocks noGrp="1"/>
-          </p:cNvSpPr>
-          <p:nvPr>
-            <p:ph type="title"/>
-          </p:nvPr>
-        </p:nvSpPr>
-        <p:spPr/>
-        <p:txBody>
-          <a:bodyPr/>
-          <a:lstStyle/>
-          <a:p>
-            <a:r>
-              <a:rPr lang="en-US" dirty="0"/>
-              <a:t>Interval censored data</a:t>
-            </a:r>
-          </a:p>
-        </p:txBody>
-      </p:sp>
-      <p:sp>
-        <p:nvSpPr>
-          <p:cNvPr id="3" name="Text Placeholder 2"/>
-          <p:cNvSpPr>
-            <a:spLocks noGrp="1"/>
-          </p:cNvSpPr>
-          <p:nvPr>
-            <p:ph type="body" idx="1"/>
-          </p:nvPr>
-        </p:nvSpPr>
-        <p:spPr/>
-        <p:txBody>
-          <a:bodyPr/>
-          <a:lstStyle/>
-          <a:p>
-            <a:r>
-              <a:rPr lang="en-US" sz="1800" dirty="0"/>
-              <a:t>In most studies, patients are considered part of the risk set from time 0 to the time that they either die or are censored. But sometimes patients start contributing information about survival only from a certain point forward. This is left truncation.</a:t>
-            </a:r>
-          </a:p>
-          <a:p>
-            <a:endParaRPr lang="en-US" sz="1800" dirty="0"/>
-          </a:p>
-          <a:p>
-            <a:r>
-              <a:rPr lang="en-US" sz="1800" dirty="0"/>
-              <a:t>Example: Patients who die in the hospital are excluded from your sample. A patient contributes to the risk set from the day of discharge onward. Setting the time of discharge to t=0 will mix patients with short and long lengths of stay.</a:t>
-            </a:r>
-            <a:endParaRPr lang="en-US" sz="1800" b="1" dirty="0">
-              <a:latin typeface="Courier New" panose="02070309020205020404" pitchFamily="49" charset="0"/>
-              <a:cs typeface="Courier New" panose="02070309020205020404" pitchFamily="49" charset="0"/>
-            </a:endParaRPr>
-          </a:p>
-        </p:txBody>
-      </p:sp>
-      <p:sp>
-        <p:nvSpPr>
-          <p:cNvPr id="4" name="Footer Placeholder 3"/>
-          <p:cNvSpPr>
-            <a:spLocks noGrp="1"/>
-          </p:cNvSpPr>
-          <p:nvPr>
-            <p:ph type="ftr" sz="quarter" idx="10"/>
-          </p:nvPr>
-        </p:nvSpPr>
-        <p:spPr/>
-        <p:txBody>
-          <a:bodyPr/>
-          <a:lstStyle/>
-          <a:p>
-            <a:pPr>
-              <a:defRPr/>
-            </a:pPr>
-            <a:r>
-              <a:rPr lang="en-US" altLang="en-US" dirty="0"/>
-              <a:t>©2018 Steve Simon    http://TheAnalysisFactor.com</a:t>
-            </a:r>
-          </a:p>
-        </p:txBody>
-      </p:sp>
-      <p:sp>
-        <p:nvSpPr>
-          <p:cNvPr id="5" name="Slide Number Placeholder 4"/>
-          <p:cNvSpPr>
-            <a:spLocks noGrp="1"/>
-          </p:cNvSpPr>
-          <p:nvPr>
-            <p:ph type="sldNum" sz="quarter" idx="11"/>
-          </p:nvPr>
-        </p:nvSpPr>
-        <p:spPr/>
-        <p:txBody>
-          <a:bodyPr/>
-          <a:lstStyle/>
-          <a:p>
-            <a:pPr>
-              <a:defRPr/>
-            </a:pPr>
-            <a:endParaRPr lang="en-US"/>
-          </a:p>
-          <a:p>
-            <a:pPr>
-              <a:defRPr/>
-            </a:pPr>
-            <a:fld id="{E9A8CBA3-AA2B-46A6-BFA3-DCEBEAAB3F0A}" type="slidenum">
-              <a:rPr lang="en-US" smtClean="0"/>
-              <a:pPr>
-                <a:defRPr/>
-              </a:pPr>
-              <a:t>4</a:t>
-            </a:fld>
-            <a:endParaRPr lang="en-US"/>
-          </a:p>
-        </p:txBody>
-      </p:sp>
-      <p:sp>
-        <p:nvSpPr>
-          <p:cNvPr id="6" name="Text Placeholder 5"/>
-          <p:cNvSpPr>
-            <a:spLocks noGrp="1"/>
-          </p:cNvSpPr>
-          <p:nvPr>
-            <p:ph type="body" sz="quarter" idx="12"/>
-          </p:nvPr>
-        </p:nvSpPr>
-        <p:spPr/>
-        <p:txBody>
-          <a:bodyPr/>
-          <a:lstStyle/>
-          <a:p>
-            <a:r>
-              <a:rPr lang="en-US" dirty="0"/>
-              <a:t>Left truncation</a:t>
-            </a:r>
-          </a:p>
-        </p:txBody>
-      </p:sp>
-    </p:spTree>
-    <p:extLst>
-      <p:ext uri="{BB962C8B-B14F-4D97-AF65-F5344CB8AC3E}">
-        <p14:creationId xmlns:p14="http://schemas.microsoft.com/office/powerpoint/2010/main" val="2692073544"/>
+        <p14:creationId xmlns:p14="http://schemas.microsoft.com/office/powerpoint/2010/main" val="1691035053"/>
       </p:ext>
     </p:extLst>
   </p:cSld>
@@ -9146,9 +13483,38 @@
                 <a:latin typeface="Courier New" panose="02070309020205020404" pitchFamily="49" charset="0"/>
                 <a:cs typeface="Courier New" panose="02070309020205020404" pitchFamily="49" charset="0"/>
               </a:rPr>
-              <a:t>7</a:t>
-            </a:r>
-            <a:endParaRPr lang="en-US" sz="1800" b="1" dirty="0">
+              <a:t>sex      male female </a:t>
+            </a:r>
+          </a:p>
+          <a:p>
+            <a:r>
+              <a:rPr lang="en-US" sz="1800" dirty="0">
+                <a:latin typeface="Courier New" panose="02070309020205020404" pitchFamily="49" charset="0"/>
+                <a:cs typeface="Courier New" panose="02070309020205020404" pitchFamily="49" charset="0"/>
+              </a:rPr>
+              <a:t>           10     15</a:t>
+            </a:r>
+          </a:p>
+          <a:p>
+            <a:r>
+              <a:rPr lang="en-US" sz="1800" dirty="0">
+                <a:latin typeface="Courier New" panose="02070309020205020404" pitchFamily="49" charset="0"/>
+                <a:cs typeface="Courier New" panose="02070309020205020404" pitchFamily="49" charset="0"/>
+              </a:rPr>
+              <a:t>death  censor  death </a:t>
+            </a:r>
+          </a:p>
+          <a:p>
+            <a:r>
+              <a:rPr lang="en-US" sz="1800" dirty="0">
+                <a:latin typeface="Courier New" panose="02070309020205020404" pitchFamily="49" charset="0"/>
+                <a:cs typeface="Courier New" panose="02070309020205020404" pitchFamily="49" charset="0"/>
+              </a:rPr>
+              <a:t>           11     14</a:t>
+            </a:r>
+          </a:p>
+          <a:p>
+            <a:endParaRPr lang="en-US" sz="1800" dirty="0">
               <a:latin typeface="Courier New" panose="02070309020205020404" pitchFamily="49" charset="0"/>
               <a:cs typeface="Courier New" panose="02070309020205020404" pitchFamily="49" charset="0"/>
             </a:endParaRPr>
@@ -9240,7 +13606,7 @@
     </p:spTree>
     <p:extLst>
       <p:ext uri="{BB962C8B-B14F-4D97-AF65-F5344CB8AC3E}">
-        <p14:creationId xmlns:p14="http://schemas.microsoft.com/office/powerpoint/2010/main" val="131666312"/>
+        <p14:creationId xmlns:p14="http://schemas.microsoft.com/office/powerpoint/2010/main" val="1644839646"/>
       </p:ext>
     </p:extLst>
   </p:cSld>
@@ -9291,6 +13657,86 @@
       </p:sp>
       <p:sp>
         <p:nvSpPr>
+          <p:cNvPr id="3" name="Text Placeholder 2"/>
+          <p:cNvSpPr>
+            <a:spLocks noGrp="1"/>
+          </p:cNvSpPr>
+          <p:nvPr>
+            <p:ph type="body" idx="1"/>
+          </p:nvPr>
+        </p:nvSpPr>
+        <p:spPr/>
+        <p:txBody>
+          <a:bodyPr/>
+          <a:lstStyle/>
+          <a:p>
+            <a:r>
+              <a:rPr lang="en-US" sz="1800" dirty="0">
+                <a:latin typeface="Courier New" panose="02070309020205020404" pitchFamily="49" charset="0"/>
+                <a:cs typeface="Courier New" panose="02070309020205020404" pitchFamily="49" charset="0"/>
+              </a:rPr>
+              <a:t>age         Min. 1st Qu.  Median    Mean 3rd Qu.    Max. </a:t>
+            </a:r>
+          </a:p>
+          <a:p>
+            <a:r>
+              <a:rPr lang="en-US" sz="1800" dirty="0">
+                <a:latin typeface="Courier New" panose="02070309020205020404" pitchFamily="49" charset="0"/>
+                <a:cs typeface="Courier New" panose="02070309020205020404" pitchFamily="49" charset="0"/>
+              </a:rPr>
+              <a:t>           19.00   29.00   33.00   35.56   43.00   58.00</a:t>
+            </a:r>
+          </a:p>
+          <a:p>
+            <a:endParaRPr lang="en-US" sz="1800" dirty="0">
+              <a:latin typeface="Courier New" panose="02070309020205020404" pitchFamily="49" charset="0"/>
+              <a:cs typeface="Courier New" panose="02070309020205020404" pitchFamily="49" charset="0"/>
+            </a:endParaRPr>
+          </a:p>
+          <a:p>
+            <a:r>
+              <a:rPr lang="en-US" sz="1800" dirty="0">
+                <a:latin typeface="Courier New" panose="02070309020205020404" pitchFamily="49" charset="0"/>
+                <a:cs typeface="Courier New" panose="02070309020205020404" pitchFamily="49" charset="0"/>
+              </a:rPr>
+              <a:t>age2        Min. 1st Qu.  Median    Mean 3rd Qu.    Max. </a:t>
+            </a:r>
+          </a:p>
+          <a:p>
+            <a:r>
+              <a:rPr lang="en-US" sz="1800" dirty="0">
+                <a:latin typeface="Courier New" panose="02070309020205020404" pitchFamily="49" charset="0"/>
+                <a:cs typeface="Courier New" panose="02070309020205020404" pitchFamily="49" charset="0"/>
+              </a:rPr>
+              <a:t>           47.00   57.00   61.00   61.72   67.00   76.00</a:t>
+            </a:r>
+          </a:p>
+          <a:p>
+            <a:r>
+              <a:rPr lang="en-US" sz="1800" dirty="0">
+                <a:latin typeface="Courier New" panose="02070309020205020404" pitchFamily="49" charset="0"/>
+                <a:cs typeface="Courier New" panose="02070309020205020404" pitchFamily="49" charset="0"/>
+              </a:rPr>
+              <a:t>age2-age    Min. 1st Qu.  Median    Mean 3rd Qu.    Max. </a:t>
+            </a:r>
+          </a:p>
+          <a:p>
+            <a:r>
+              <a:rPr lang="en-US" sz="1800" dirty="0">
+                <a:latin typeface="Courier New" panose="02070309020205020404" pitchFamily="49" charset="0"/>
+                <a:cs typeface="Courier New" panose="02070309020205020404" pitchFamily="49" charset="0"/>
+              </a:rPr>
+              <a:t>            1.00   22.00   30.00   26.16   35.00   40.00</a:t>
+            </a:r>
+            <a:endParaRPr lang="en-US" sz="1800" b="1" dirty="0">
+              <a:latin typeface="Courier New" panose="02070309020205020404" pitchFamily="49" charset="0"/>
+              <a:cs typeface="Courier New" panose="02070309020205020404" pitchFamily="49" charset="0"/>
+            </a:endParaRPr>
+          </a:p>
+        </p:txBody>
+      </p:sp>
+      <p:sp>
+        <p:nvSpPr>
           <p:cNvPr id="4" name="Footer Placeholder 3"/>
           <p:cNvSpPr>
             <a:spLocks noGrp="1"/>
@@ -9344,6 +13790,140 @@
                 <a:defRPr/>
               </a:pPr>
               <a:t>8</a:t>
+            </a:fld>
+            <a:endParaRPr lang="en-US"/>
+          </a:p>
+        </p:txBody>
+      </p:sp>
+      <p:sp>
+        <p:nvSpPr>
+          <p:cNvPr id="6" name="Text Placeholder 5"/>
+          <p:cNvSpPr>
+            <a:spLocks noGrp="1"/>
+          </p:cNvSpPr>
+          <p:nvPr>
+            <p:ph type="body" sz="quarter" idx="12"/>
+          </p:nvPr>
+        </p:nvSpPr>
+        <p:spPr/>
+        <p:txBody>
+          <a:bodyPr/>
+          <a:lstStyle/>
+          <a:p>
+            <a:r>
+              <a:rPr lang="en-US" dirty="0"/>
+              <a:t>Descriptive statistics</a:t>
+            </a:r>
+          </a:p>
+        </p:txBody>
+      </p:sp>
+    </p:spTree>
+    <p:extLst>
+      <p:ext uri="{BB962C8B-B14F-4D97-AF65-F5344CB8AC3E}">
+        <p14:creationId xmlns:p14="http://schemas.microsoft.com/office/powerpoint/2010/main" val="131666312"/>
+      </p:ext>
+    </p:extLst>
+  </p:cSld>
+  <p:clrMapOvr>
+    <a:masterClrMapping/>
+  </p:clrMapOvr>
+</p:sld>
+</file>
+
+<file path=ppt/slides/slide9.xml><?xml version="1.0" encoding="utf-8"?>
+<p:sld xmlns:a="http://schemas.openxmlformats.org/drawingml/2006/main" xmlns:r="http://schemas.openxmlformats.org/officeDocument/2006/relationships" xmlns:p="http://schemas.openxmlformats.org/presentationml/2006/main">
+  <p:cSld>
+    <p:spTree>
+      <p:nvGrpSpPr>
+        <p:cNvPr id="1" name=""/>
+        <p:cNvGrpSpPr/>
+        <p:nvPr/>
+      </p:nvGrpSpPr>
+      <p:grpSpPr>
+        <a:xfrm>
+          <a:off x="0" y="0"/>
+          <a:ext cx="0" cy="0"/>
+          <a:chOff x="0" y="0"/>
+          <a:chExt cx="0" cy="0"/>
+        </a:xfrm>
+      </p:grpSpPr>
+      <p:sp>
+        <p:nvSpPr>
+          <p:cNvPr id="2" name="Title 1"/>
+          <p:cNvSpPr>
+            <a:spLocks noGrp="1"/>
+          </p:cNvSpPr>
+          <p:nvPr>
+            <p:ph type="title"/>
+          </p:nvPr>
+        </p:nvSpPr>
+        <p:spPr/>
+        <p:txBody>
+          <a:bodyPr/>
+          <a:lstStyle/>
+          <a:p>
+            <a:r>
+              <a:rPr lang="en-US" dirty="0"/>
+              <a:t>Psychiatric dataset</a:t>
+            </a:r>
+          </a:p>
+        </p:txBody>
+      </p:sp>
+      <p:sp>
+        <p:nvSpPr>
+          <p:cNvPr id="4" name="Footer Placeholder 3"/>
+          <p:cNvSpPr>
+            <a:spLocks noGrp="1"/>
+          </p:cNvSpPr>
+          <p:nvPr>
+            <p:ph type="ftr" sz="quarter" idx="10"/>
+          </p:nvPr>
+        </p:nvSpPr>
+        <p:spPr/>
+        <p:txBody>
+          <a:bodyPr/>
+          <a:lstStyle/>
+          <a:p>
+            <a:pPr>
+              <a:defRPr/>
+            </a:pPr>
+            <a:r>
+              <a:rPr lang="en-US" altLang="en-US" dirty="0"/>
+              <a:t>©2018 Steve Simon    http://TheAnalysisFactor.com</a:t>
+            </a:r>
+          </a:p>
+        </p:txBody>
+      </p:sp>
+      <p:sp>
+        <p:nvSpPr>
+          <p:cNvPr id="5" name="Slide Number Placeholder 4"/>
+          <p:cNvSpPr>
+            <a:spLocks noGrp="1"/>
+          </p:cNvSpPr>
+          <p:nvPr>
+            <p:ph type="sldNum" sz="quarter" idx="11"/>
+          </p:nvPr>
+        </p:nvSpPr>
+        <p:spPr/>
+        <p:txBody>
+          <a:bodyPr/>
+          <a:lstStyle/>
+          <a:p>
+            <a:pPr>
+              <a:defRPr/>
+            </a:pPr>
+            <a:endParaRPr lang="en-US"/>
+          </a:p>
+          <a:p>
+            <a:pPr>
+              <a:defRPr/>
+            </a:pPr>
+            <a:fld id="{E9A8CBA3-AA2B-46A6-BFA3-DCEBEAAB3F0A}" type="slidenum">
+              <a:rPr lang="en-US" smtClean="0"/>
+              <a:pPr>
+                <a:defRPr/>
+              </a:pPr>
+              <a:t>9</a:t>
             </a:fld>
             <a:endParaRPr lang="en-US"/>
           </a:p>
@@ -9383,148 +13963,6 @@
     <p:extLst>
       <p:ext uri="{BB962C8B-B14F-4D97-AF65-F5344CB8AC3E}">
         <p14:creationId xmlns:p14="http://schemas.microsoft.com/office/powerpoint/2010/main" val="999476939"/>
-      </p:ext>
-    </p:extLst>
-  </p:cSld>
-  <p:clrMapOvr>
-    <a:masterClrMapping/>
-  </p:clrMapOvr>
-</p:sld>
-</file>
-
-<file path=ppt/slides/slide9.xml><?xml version="1.0" encoding="utf-8"?>
-<p:sld xmlns:a="http://schemas.openxmlformats.org/drawingml/2006/main" xmlns:r="http://schemas.openxmlformats.org/officeDocument/2006/relationships" xmlns:p="http://schemas.openxmlformats.org/presentationml/2006/main">
-  <p:cSld>
-    <p:spTree>
-      <p:nvGrpSpPr>
-        <p:cNvPr id="1" name=""/>
-        <p:cNvGrpSpPr/>
-        <p:nvPr/>
-      </p:nvGrpSpPr>
-      <p:grpSpPr>
-        <a:xfrm>
-          <a:off x="0" y="0"/>
-          <a:ext cx="0" cy="0"/>
-          <a:chOff x="0" y="0"/>
-          <a:chExt cx="0" cy="0"/>
-        </a:xfrm>
-      </p:grpSpPr>
-      <p:sp>
-        <p:nvSpPr>
-          <p:cNvPr id="2" name="Title 1"/>
-          <p:cNvSpPr>
-            <a:spLocks noGrp="1"/>
-          </p:cNvSpPr>
-          <p:nvPr>
-            <p:ph type="title"/>
-          </p:nvPr>
-        </p:nvSpPr>
-        <p:spPr/>
-        <p:txBody>
-          <a:bodyPr/>
-          <a:lstStyle/>
-          <a:p>
-            <a:r>
-              <a:rPr lang="en-US" dirty="0"/>
-              <a:t>Psychiatric dataset, patients at risk</a:t>
-            </a:r>
-          </a:p>
-        </p:txBody>
-      </p:sp>
-      <p:sp>
-        <p:nvSpPr>
-          <p:cNvPr id="4" name="Footer Placeholder 3"/>
-          <p:cNvSpPr>
-            <a:spLocks noGrp="1"/>
-          </p:cNvSpPr>
-          <p:nvPr>
-            <p:ph type="ftr" sz="quarter" idx="10"/>
-          </p:nvPr>
-        </p:nvSpPr>
-        <p:spPr/>
-        <p:txBody>
-          <a:bodyPr/>
-          <a:lstStyle/>
-          <a:p>
-            <a:pPr>
-              <a:defRPr/>
-            </a:pPr>
-            <a:r>
-              <a:rPr lang="en-US" altLang="en-US" dirty="0"/>
-              <a:t>©2018 Steve Simon    http://TheAnalysisFactor.com</a:t>
-            </a:r>
-          </a:p>
-        </p:txBody>
-      </p:sp>
-      <p:sp>
-        <p:nvSpPr>
-          <p:cNvPr id="5" name="Slide Number Placeholder 4"/>
-          <p:cNvSpPr>
-            <a:spLocks noGrp="1"/>
-          </p:cNvSpPr>
-          <p:nvPr>
-            <p:ph type="sldNum" sz="quarter" idx="11"/>
-          </p:nvPr>
-        </p:nvSpPr>
-        <p:spPr/>
-        <p:txBody>
-          <a:bodyPr/>
-          <a:lstStyle/>
-          <a:p>
-            <a:pPr>
-              <a:defRPr/>
-            </a:pPr>
-            <a:endParaRPr lang="en-US"/>
-          </a:p>
-          <a:p>
-            <a:pPr>
-              <a:defRPr/>
-            </a:pPr>
-            <a:fld id="{E9A8CBA3-AA2B-46A6-BFA3-DCEBEAAB3F0A}" type="slidenum">
-              <a:rPr lang="en-US" smtClean="0"/>
-              <a:pPr>
-                <a:defRPr/>
-              </a:pPr>
-              <a:t>9</a:t>
-            </a:fld>
-            <a:endParaRPr lang="en-US"/>
-          </a:p>
-        </p:txBody>
-      </p:sp>
-      <p:pic>
-        <p:nvPicPr>
-          <p:cNvPr id="6" name="Picture 5">
-            <a:extLst>
-              <a:ext uri="{FF2B5EF4-FFF2-40B4-BE49-F238E27FC236}">
-                <a16:creationId xmlns:a16="http://schemas.microsoft.com/office/drawing/2014/main" id="{4E026971-5865-4F92-AC27-D50DC756F0EE}"/>
-              </a:ext>
-            </a:extLst>
-          </p:cNvPr>
-          <p:cNvPicPr>
-            <a:picLocks noChangeAspect="1"/>
-          </p:cNvPicPr>
-          <p:nvPr/>
-        </p:nvPicPr>
-        <p:blipFill>
-          <a:blip r:embed="rId2"/>
-          <a:stretch>
-            <a:fillRect/>
-          </a:stretch>
-        </p:blipFill>
-        <p:spPr>
-          <a:xfrm>
-            <a:off x="457200" y="1143000"/>
-            <a:ext cx="8229600" cy="4572000"/>
-          </a:xfrm>
-          <a:prstGeom prst="rect">
-            <a:avLst/>
-          </a:prstGeom>
-        </p:spPr>
-      </p:pic>
-    </p:spTree>
-    <p:extLst>
-      <p:ext uri="{BB962C8B-B14F-4D97-AF65-F5344CB8AC3E}">
-        <p14:creationId xmlns:p14="http://schemas.microsoft.com/office/powerpoint/2010/main" val="3374566686"/>
       </p:ext>
     </p:extLst>
   </p:cSld>
